--- a/Documentation/PPP, Week 2, Meeting 1.pptx
+++ b/Documentation/PPP, Week 2, Meeting 1.pptx
@@ -5,7 +5,7 @@
     <p:sldMasterId id="2147483672" r:id="rId1"/>
   </p:sldMasterIdLst>
   <p:notesMasterIdLst>
-    <p:notesMasterId r:id="rId12"/>
+    <p:notesMasterId r:id="rId13"/>
   </p:notesMasterIdLst>
   <p:sldIdLst>
     <p:sldId id="256" r:id="rId2"/>
@@ -17,7 +17,8 @@
     <p:sldId id="267" r:id="rId8"/>
     <p:sldId id="271" r:id="rId9"/>
     <p:sldId id="269" r:id="rId10"/>
-    <p:sldId id="265" r:id="rId11"/>
+    <p:sldId id="273" r:id="rId11"/>
+    <p:sldId id="265" r:id="rId12"/>
   </p:sldIdLst>
   <p:sldSz cx="12192000" cy="6858000"/>
   <p:notesSz cx="6858000" cy="9144000"/>
@@ -3568,6 +3569,164 @@
           <p:cNvPr id="2" name="Titel 1">
             <a:extLst>
               <a:ext uri="{FF2B5EF4-FFF2-40B4-BE49-F238E27FC236}">
+                <a16:creationId xmlns:a16="http://schemas.microsoft.com/office/drawing/2014/main" id="{5174C44D-C4DB-C046-8C22-0504A1BEC542}"/>
+              </a:ext>
+            </a:extLst>
+          </p:cNvPr>
+          <p:cNvSpPr>
+            <a:spLocks noGrp="1"/>
+          </p:cNvSpPr>
+          <p:nvPr>
+            <p:ph type="title"/>
+          </p:nvPr>
+        </p:nvSpPr>
+        <p:spPr/>
+        <p:txBody>
+          <a:bodyPr/>
+          <a:lstStyle/>
+          <a:p>
+            <a:r>
+              <a:rPr lang="en-GB" dirty="0"/>
+              <a:t>Future: </a:t>
+            </a:r>
+          </a:p>
+        </p:txBody>
+      </p:sp>
+      <p:sp>
+        <p:nvSpPr>
+          <p:cNvPr id="3" name="Tijdelijke aanduiding voor inhoud 2">
+            <a:extLst>
+              <a:ext uri="{FF2B5EF4-FFF2-40B4-BE49-F238E27FC236}">
+                <a16:creationId xmlns:a16="http://schemas.microsoft.com/office/drawing/2014/main" id="{E1082D90-0845-5944-814F-31A506E1E0F2}"/>
+              </a:ext>
+            </a:extLst>
+          </p:cNvPr>
+          <p:cNvSpPr>
+            <a:spLocks noGrp="1"/>
+          </p:cNvSpPr>
+          <p:nvPr>
+            <p:ph sz="half" idx="1"/>
+          </p:nvPr>
+        </p:nvSpPr>
+        <p:spPr/>
+        <p:txBody>
+          <a:bodyPr/>
+          <a:lstStyle/>
+          <a:p>
+            <a:r>
+              <a:rPr lang="en-GB" dirty="0" err="1"/>
+              <a:t>Welke</a:t>
+            </a:r>
+            <a:r>
+              <a:rPr lang="en-GB" dirty="0"/>
+              <a:t> </a:t>
+            </a:r>
+            <a:r>
+              <a:rPr lang="en-GB" dirty="0" err="1"/>
+              <a:t>heuristieken</a:t>
+            </a:r>
+            <a:r>
+              <a:rPr lang="en-GB" dirty="0"/>
+              <a:t> </a:t>
+            </a:r>
+            <a:r>
+              <a:rPr lang="en-GB" dirty="0" err="1"/>
+              <a:t>gaan</a:t>
+            </a:r>
+            <a:r>
+              <a:rPr lang="en-GB" dirty="0"/>
+              <a:t> we </a:t>
+            </a:r>
+            <a:r>
+              <a:rPr lang="en-GB" dirty="0" err="1"/>
+              <a:t>komende</a:t>
+            </a:r>
+            <a:r>
+              <a:rPr lang="en-GB" dirty="0"/>
+              <a:t> week </a:t>
+            </a:r>
+            <a:r>
+              <a:rPr lang="en-GB" dirty="0" err="1"/>
+              <a:t>aan</a:t>
+            </a:r>
+            <a:r>
+              <a:rPr lang="en-GB" dirty="0"/>
+              <a:t> </a:t>
+            </a:r>
+            <a:r>
+              <a:rPr lang="en-GB" dirty="0" err="1"/>
+              <a:t>werken</a:t>
+            </a:r>
+            <a:r>
+              <a:rPr lang="en-GB" dirty="0"/>
+              <a:t>.</a:t>
+            </a:r>
+          </a:p>
+          <a:p>
+            <a:endParaRPr lang="en-GB" dirty="0"/>
+          </a:p>
+        </p:txBody>
+      </p:sp>
+      <p:sp>
+        <p:nvSpPr>
+          <p:cNvPr id="4" name="Tijdelijke aanduiding voor inhoud 3">
+            <a:extLst>
+              <a:ext uri="{FF2B5EF4-FFF2-40B4-BE49-F238E27FC236}">
+                <a16:creationId xmlns:a16="http://schemas.microsoft.com/office/drawing/2014/main" id="{7D861EC5-852D-834C-B001-4FF9DDDBC62F}"/>
+              </a:ext>
+            </a:extLst>
+          </p:cNvPr>
+          <p:cNvSpPr>
+            <a:spLocks noGrp="1"/>
+          </p:cNvSpPr>
+          <p:nvPr>
+            <p:ph sz="half" idx="2"/>
+          </p:nvPr>
+        </p:nvSpPr>
+        <p:spPr/>
+        <p:txBody>
+          <a:bodyPr/>
+          <a:lstStyle/>
+          <a:p>
+            <a:endParaRPr lang="en-GB"/>
+          </a:p>
+        </p:txBody>
+      </p:sp>
+    </p:spTree>
+    <p:extLst>
+      <p:ext uri="{BB962C8B-B14F-4D97-AF65-F5344CB8AC3E}">
+        <p14:creationId xmlns:p14="http://schemas.microsoft.com/office/powerpoint/2010/main" val="1963639422"/>
+      </p:ext>
+    </p:extLst>
+  </p:cSld>
+  <p:clrMapOvr>
+    <a:masterClrMapping/>
+  </p:clrMapOvr>
+</p:sld>
+</file>
+
+<file path=ppt/slides/slide11.xml><?xml version="1.0" encoding="utf-8"?>
+<p:sld xmlns:a="http://schemas.openxmlformats.org/drawingml/2006/main" xmlns:r="http://schemas.openxmlformats.org/officeDocument/2006/relationships" xmlns:p="http://schemas.openxmlformats.org/presentationml/2006/main">
+  <p:cSld>
+    <p:spTree>
+      <p:nvGrpSpPr>
+        <p:cNvPr id="1" name=""/>
+        <p:cNvGrpSpPr/>
+        <p:nvPr/>
+      </p:nvGrpSpPr>
+      <p:grpSpPr>
+        <a:xfrm>
+          <a:off x="0" y="0"/>
+          <a:ext cx="0" cy="0"/>
+          <a:chOff x="0" y="0"/>
+          <a:chExt cx="0" cy="0"/>
+        </a:xfrm>
+      </p:grpSpPr>
+      <p:sp>
+        <p:nvSpPr>
+          <p:cNvPr id="2" name="Titel 1">
+            <a:extLst>
+              <a:ext uri="{FF2B5EF4-FFF2-40B4-BE49-F238E27FC236}">
                 <a16:creationId xmlns:a16="http://schemas.microsoft.com/office/drawing/2014/main" id="{A40D14D6-C616-7346-AB1F-E0B3C6F3B4F5}"/>
               </a:ext>
             </a:extLst>
@@ -3734,7 +3893,9 @@
           </a:xfrm>
         </p:spPr>
         <p:txBody>
-          <a:bodyPr/>
+          <a:bodyPr>
+            <a:normAutofit fontScale="92500" lnSpcReduction="10000"/>
+          </a:bodyPr>
           <a:lstStyle/>
           <a:p>
             <a:r>
@@ -3746,7 +3907,7 @@
             <a:pPr lvl="1"/>
             <a:r>
               <a:rPr lang="en-GB" dirty="0"/>
-              <a:t>State Space of the problem</a:t>
+              <a:t>State Space of the problem (Mark)</a:t>
             </a:r>
           </a:p>
           <a:p>
@@ -3758,7 +3919,34 @@
               <a:rPr lang="en-GB" dirty="0" err="1"/>
               <a:t>Datastructures</a:t>
             </a:r>
-            <a:endParaRPr lang="en-GB" dirty="0"/>
+            <a:r>
+              <a:rPr lang="en-GB" dirty="0"/>
+              <a:t> (</a:t>
+            </a:r>
+            <a:r>
+              <a:rPr lang="en-GB" dirty="0" err="1"/>
+              <a:t>Terugblik</a:t>
+            </a:r>
+            <a:r>
+              <a:rPr lang="en-GB" dirty="0"/>
+              <a:t> </a:t>
+            </a:r>
+            <a:r>
+              <a:rPr lang="en-GB" dirty="0" err="1"/>
+              <a:t>vorige</a:t>
+            </a:r>
+            <a:r>
+              <a:rPr lang="en-GB" dirty="0"/>
+              <a:t> week) (</a:t>
+            </a:r>
+            <a:r>
+              <a:rPr lang="en-GB" dirty="0" err="1"/>
+              <a:t>Loek</a:t>
+            </a:r>
+            <a:r>
+              <a:rPr lang="en-GB" dirty="0"/>
+              <a:t>)</a:t>
+            </a:r>
           </a:p>
           <a:p>
             <a:pPr lvl="1"/>
@@ -3772,28 +3960,73 @@
             </a:r>
           </a:p>
           <a:p>
-            <a:r>
-              <a:rPr lang="en-GB" dirty="0"/>
-              <a:t>3. Algorithms</a:t>
-            </a:r>
-          </a:p>
-          <a:p>
             <a:pPr lvl="1"/>
             <a:r>
               <a:rPr lang="en-GB" dirty="0"/>
+              <a:t>Results</a:t>
+            </a:r>
+          </a:p>
+          <a:p>
+            <a:r>
+              <a:rPr lang="en-GB" dirty="0"/>
+              <a:t>3. Algorithms (</a:t>
+            </a:r>
+            <a:r>
+              <a:rPr lang="en-GB" dirty="0" err="1"/>
+              <a:t>Sebas</a:t>
+            </a:r>
+            <a:r>
+              <a:rPr lang="en-GB" dirty="0"/>
+              <a:t>)</a:t>
+            </a:r>
+          </a:p>
+          <a:p>
+            <a:pPr lvl="1"/>
+            <a:r>
+              <a:rPr lang="en-GB" dirty="0"/>
               <a:t>Random, Greedy</a:t>
             </a:r>
           </a:p>
           <a:p>
             <a:r>
               <a:rPr lang="en-GB" dirty="0"/>
-              <a:t>4. Results &amp; Runtimes</a:t>
-            </a:r>
-          </a:p>
-          <a:p>
-            <a:r>
-              <a:rPr lang="en-GB" dirty="0"/>
-              <a:t>5. Q&amp;A and discussion</a:t>
+              <a:t>4. Results (</a:t>
+            </a:r>
+            <a:r>
+              <a:rPr lang="en-GB" dirty="0" err="1"/>
+              <a:t>Sebas</a:t>
+            </a:r>
+            <a:r>
+              <a:rPr lang="en-GB" dirty="0"/>
+              <a:t>)</a:t>
+            </a:r>
+          </a:p>
+          <a:p>
+            <a:r>
+              <a:rPr lang="en-GB" dirty="0"/>
+              <a:t>Future </a:t>
+            </a:r>
+            <a:r>
+              <a:rPr lang="en-GB" dirty="0" err="1"/>
+              <a:t>heuristieken</a:t>
+            </a:r>
+            <a:r>
+              <a:rPr lang="en-GB" dirty="0"/>
+              <a:t> (</a:t>
+            </a:r>
+            <a:r>
+              <a:rPr lang="en-GB" dirty="0" err="1"/>
+              <a:t>Allemaal</a:t>
+            </a:r>
+            <a:r>
+              <a:rPr lang="en-GB" dirty="0"/>
+              <a:t>)</a:t>
+            </a:r>
+          </a:p>
+          <a:p>
+            <a:r>
+              <a:rPr lang="en-GB" dirty="0"/>
+              <a:t>5. Q&amp;A and discussion (Mark)</a:t>
             </a:r>
           </a:p>
         </p:txBody>

--- a/Documentation/PPP, Week 2, Meeting 1.pptx
+++ b/Documentation/PPP, Week 2, Meeting 1.pptx
@@ -5,7 +5,7 @@
     <p:sldMasterId id="2147483672" r:id="rId1"/>
   </p:sldMasterIdLst>
   <p:notesMasterIdLst>
-    <p:notesMasterId r:id="rId13"/>
+    <p:notesMasterId r:id="rId16"/>
   </p:notesMasterIdLst>
   <p:sldIdLst>
     <p:sldId id="256" r:id="rId2"/>
@@ -15,10 +15,13 @@
     <p:sldId id="268" r:id="rId6"/>
     <p:sldId id="257" r:id="rId7"/>
     <p:sldId id="267" r:id="rId8"/>
-    <p:sldId id="271" r:id="rId9"/>
-    <p:sldId id="269" r:id="rId10"/>
-    <p:sldId id="273" r:id="rId11"/>
-    <p:sldId id="265" r:id="rId12"/>
+    <p:sldId id="274" r:id="rId9"/>
+    <p:sldId id="275" r:id="rId10"/>
+    <p:sldId id="276" r:id="rId11"/>
+    <p:sldId id="271" r:id="rId12"/>
+    <p:sldId id="269" r:id="rId13"/>
+    <p:sldId id="273" r:id="rId14"/>
+    <p:sldId id="265" r:id="rId15"/>
   </p:sldIdLst>
   <p:sldSz cx="12192000" cy="6858000"/>
   <p:notesSz cx="6858000" cy="9144000"/>
@@ -3569,7 +3572,7 @@
           <p:cNvPr id="2" name="Titel 1">
             <a:extLst>
               <a:ext uri="{FF2B5EF4-FFF2-40B4-BE49-F238E27FC236}">
-                <a16:creationId xmlns:a16="http://schemas.microsoft.com/office/drawing/2014/main" id="{5174C44D-C4DB-C046-8C22-0504A1BEC542}"/>
+                <a16:creationId xmlns:a16="http://schemas.microsoft.com/office/drawing/2014/main" id="{754BA899-22EB-4194-9176-4C28EDA2E759}"/>
               </a:ext>
             </a:extLst>
           </p:cNvPr>
@@ -3586,9 +3589,10 @@
           <a:lstStyle/>
           <a:p>
             <a:r>
-              <a:rPr lang="en-GB" dirty="0"/>
-              <a:t>Future: </a:t>
-            </a:r>
+              <a:rPr lang="nl-NL" dirty="0" err="1"/>
+              <a:t>Conclusions</a:t>
+            </a:r>
+            <a:endParaRPr lang="en-GB" dirty="0"/>
           </a:p>
         </p:txBody>
       </p:sp>
@@ -3597,7 +3601,7 @@
           <p:cNvPr id="3" name="Tijdelijke aanduiding voor inhoud 2">
             <a:extLst>
               <a:ext uri="{FF2B5EF4-FFF2-40B4-BE49-F238E27FC236}">
-                <a16:creationId xmlns:a16="http://schemas.microsoft.com/office/drawing/2014/main" id="{E1082D90-0845-5944-814F-31A506E1E0F2}"/>
+                <a16:creationId xmlns:a16="http://schemas.microsoft.com/office/drawing/2014/main" id="{8C346F08-F98D-4E44-89F6-0B75313DA07A}"/>
               </a:ext>
             </a:extLst>
           </p:cNvPr>
@@ -3613,1071 +3617,376 @@
           <a:bodyPr/>
           <a:lstStyle/>
           <a:p>
-            <a:r>
-              <a:rPr lang="en-GB" dirty="0" err="1"/>
-              <a:t>Welke</a:t>
-            </a:r>
-            <a:r>
-              <a:rPr lang="en-GB" dirty="0"/>
-              <a:t> </a:t>
-            </a:r>
-            <a:r>
-              <a:rPr lang="en-GB" dirty="0" err="1"/>
-              <a:t>heuristieken</a:t>
-            </a:r>
-            <a:r>
-              <a:rPr lang="en-GB" dirty="0"/>
-              <a:t> </a:t>
-            </a:r>
-            <a:r>
-              <a:rPr lang="en-GB" dirty="0" err="1"/>
-              <a:t>gaan</a:t>
-            </a:r>
-            <a:r>
-              <a:rPr lang="en-GB" dirty="0"/>
-              <a:t> we </a:t>
-            </a:r>
-            <a:r>
-              <a:rPr lang="en-GB" dirty="0" err="1"/>
-              <a:t>komende</a:t>
-            </a:r>
-            <a:r>
-              <a:rPr lang="en-GB" dirty="0"/>
-              <a:t> week </a:t>
-            </a:r>
-            <a:r>
-              <a:rPr lang="en-GB" dirty="0" err="1"/>
-              <a:t>aan</a:t>
-            </a:r>
-            <a:r>
-              <a:rPr lang="en-GB" dirty="0"/>
-              <a:t> </a:t>
-            </a:r>
-            <a:r>
-              <a:rPr lang="en-GB" dirty="0" err="1"/>
-              <a:t>werken</a:t>
-            </a:r>
-            <a:r>
-              <a:rPr lang="en-GB" dirty="0"/>
-              <a:t>.</a:t>
-            </a:r>
-          </a:p>
-          <a:p>
+            <a:pPr marL="0" indent="0">
+              <a:buNone/>
+            </a:pPr>
+            <a:r>
+              <a:rPr lang="nl-NL" dirty="0"/>
+              <a:t>Data </a:t>
+            </a:r>
+            <a:r>
+              <a:rPr lang="nl-NL" dirty="0" err="1"/>
+              <a:t>structures</a:t>
+            </a:r>
             <a:endParaRPr lang="en-GB" dirty="0"/>
           </a:p>
         </p:txBody>
       </p:sp>
-      <p:sp>
-        <p:nvSpPr>
-          <p:cNvPr id="4" name="Tijdelijke aanduiding voor inhoud 3">
+      <p:graphicFrame>
+        <p:nvGraphicFramePr>
+          <p:cNvPr id="9" name="Tabel 9">
             <a:extLst>
               <a:ext uri="{FF2B5EF4-FFF2-40B4-BE49-F238E27FC236}">
-                <a16:creationId xmlns:a16="http://schemas.microsoft.com/office/drawing/2014/main" id="{7D861EC5-852D-834C-B001-4FF9DDDBC62F}"/>
+                <a16:creationId xmlns:a16="http://schemas.microsoft.com/office/drawing/2014/main" id="{FB1BE989-1216-421F-A1B4-A91CF9316C26}"/>
               </a:ext>
             </a:extLst>
           </p:cNvPr>
-          <p:cNvSpPr>
-            <a:spLocks noGrp="1"/>
-          </p:cNvSpPr>
+          <p:cNvGraphicFramePr>
+            <a:graphicFrameLocks noGrp="1"/>
+          </p:cNvGraphicFramePr>
           <p:nvPr>
             <p:ph sz="half" idx="2"/>
-          </p:nvPr>
-        </p:nvSpPr>
-        <p:spPr/>
-        <p:txBody>
-          <a:bodyPr/>
-          <a:lstStyle/>
-          <a:p>
-            <a:endParaRPr lang="en-GB"/>
-          </a:p>
-        </p:txBody>
-      </p:sp>
-    </p:spTree>
-    <p:extLst>
-      <p:ext uri="{BB962C8B-B14F-4D97-AF65-F5344CB8AC3E}">
-        <p14:creationId xmlns:p14="http://schemas.microsoft.com/office/powerpoint/2010/main" val="1963639422"/>
-      </p:ext>
-    </p:extLst>
-  </p:cSld>
-  <p:clrMapOvr>
-    <a:masterClrMapping/>
-  </p:clrMapOvr>
-</p:sld>
-</file>
-
-<file path=ppt/slides/slide11.xml><?xml version="1.0" encoding="utf-8"?>
-<p:sld xmlns:a="http://schemas.openxmlformats.org/drawingml/2006/main" xmlns:r="http://schemas.openxmlformats.org/officeDocument/2006/relationships" xmlns:p="http://schemas.openxmlformats.org/presentationml/2006/main">
-  <p:cSld>
-    <p:spTree>
-      <p:nvGrpSpPr>
-        <p:cNvPr id="1" name=""/>
-        <p:cNvGrpSpPr/>
-        <p:nvPr/>
-      </p:nvGrpSpPr>
-      <p:grpSpPr>
-        <a:xfrm>
-          <a:off x="0" y="0"/>
-          <a:ext cx="0" cy="0"/>
-          <a:chOff x="0" y="0"/>
-          <a:chExt cx="0" cy="0"/>
-        </a:xfrm>
-      </p:grpSpPr>
-      <p:sp>
-        <p:nvSpPr>
-          <p:cNvPr id="2" name="Titel 1">
+            <p:extLst>
+              <p:ext uri="{D42A27DB-BD31-4B8C-83A1-F6EECF244321}">
+                <p14:modId xmlns:p14="http://schemas.microsoft.com/office/powerpoint/2010/main" val="2865879379"/>
+              </p:ext>
+            </p:extLst>
+          </p:nvPr>
+        </p:nvGraphicFramePr>
+        <p:xfrm>
+          <a:off x="838198" y="3070531"/>
+          <a:ext cx="4934640" cy="2438400"/>
+        </p:xfrm>
+        <a:graphic>
+          <a:graphicData uri="http://schemas.openxmlformats.org/drawingml/2006/table">
+            <a:tbl>
+              <a:tblPr firstRow="1" bandRow="1">
+                <a:tableStyleId>{5C22544A-7EE6-4342-B048-85BDC9FD1C3A}</a:tableStyleId>
+              </a:tblPr>
+              <a:tblGrid>
+                <a:gridCol w="1233660">
+                  <a:extLst>
+                    <a:ext uri="{9D8B030D-6E8A-4147-A177-3AD203B41FA5}">
+                      <a16:colId xmlns:a16="http://schemas.microsoft.com/office/drawing/2014/main" val="313939156"/>
+                    </a:ext>
+                  </a:extLst>
+                </a:gridCol>
+                <a:gridCol w="1233660">
+                  <a:extLst>
+                    <a:ext uri="{9D8B030D-6E8A-4147-A177-3AD203B41FA5}">
+                      <a16:colId xmlns:a16="http://schemas.microsoft.com/office/drawing/2014/main" val="854120346"/>
+                    </a:ext>
+                  </a:extLst>
+                </a:gridCol>
+                <a:gridCol w="1233660">
+                  <a:extLst>
+                    <a:ext uri="{9D8B030D-6E8A-4147-A177-3AD203B41FA5}">
+                      <a16:colId xmlns:a16="http://schemas.microsoft.com/office/drawing/2014/main" val="3980145933"/>
+                    </a:ext>
+                  </a:extLst>
+                </a:gridCol>
+                <a:gridCol w="1233660">
+                  <a:extLst>
+                    <a:ext uri="{9D8B030D-6E8A-4147-A177-3AD203B41FA5}">
+                      <a16:colId xmlns:a16="http://schemas.microsoft.com/office/drawing/2014/main" val="96308536"/>
+                    </a:ext>
+                  </a:extLst>
+                </a:gridCol>
+              </a:tblGrid>
+              <a:tr h="370840">
+                <a:tc>
+                  <a:txBody>
+                    <a:bodyPr/>
+                    <a:lstStyle/>
+                    <a:p>
+                      <a:r>
+                        <a:rPr lang="nl-NL" sz="1400" dirty="0" err="1"/>
+                        <a:t>Situation</a:t>
+                      </a:r>
+                      <a:endParaRPr lang="en-GB" sz="1400" dirty="0"/>
+                    </a:p>
+                  </a:txBody>
+                  <a:tcPr/>
+                </a:tc>
+                <a:tc>
+                  <a:txBody>
+                    <a:bodyPr/>
+                    <a:lstStyle/>
+                    <a:p>
+                      <a:r>
+                        <a:rPr lang="nl-NL" sz="1400" dirty="0"/>
+                        <a:t>Matrix (time)</a:t>
+                      </a:r>
+                      <a:endParaRPr lang="en-GB" sz="1400" dirty="0"/>
+                    </a:p>
+                  </a:txBody>
+                  <a:tcPr/>
+                </a:tc>
+                <a:tc>
+                  <a:txBody>
+                    <a:bodyPr/>
+                    <a:lstStyle/>
+                    <a:p>
+                      <a:r>
+                        <a:rPr lang="nl-NL" sz="1400" dirty="0"/>
+                        <a:t>Dictionary (time)</a:t>
+                      </a:r>
+                      <a:endParaRPr lang="en-GB" sz="1400" dirty="0"/>
+                    </a:p>
+                  </a:txBody>
+                  <a:tcPr/>
+                </a:tc>
+                <a:tc>
+                  <a:txBody>
+                    <a:bodyPr/>
+                    <a:lstStyle/>
+                    <a:p>
+                      <a:r>
+                        <a:rPr lang="nl-NL" sz="1400" dirty="0" err="1"/>
+                        <a:t>Improvement</a:t>
+                      </a:r>
+                      <a:endParaRPr lang="en-GB" sz="1400" dirty="0"/>
+                    </a:p>
+                  </a:txBody>
+                  <a:tcPr/>
+                </a:tc>
+                <a:extLst>
+                  <a:ext uri="{0D108BD9-81ED-4DB2-BD59-A6C34878D82A}">
+                    <a16:rowId xmlns:a16="http://schemas.microsoft.com/office/drawing/2014/main" val="3517321127"/>
+                  </a:ext>
+                </a:extLst>
+              </a:tr>
+              <a:tr h="370840">
+                <a:tc>
+                  <a:txBody>
+                    <a:bodyPr/>
+                    <a:lstStyle/>
+                    <a:p>
+                      <a:r>
+                        <a:rPr lang="nl-NL" dirty="0"/>
+                        <a:t>L=8, 2D, N=</a:t>
+                      </a:r>
+                      <a:r>
+                        <a:rPr lang="en-GB" dirty="0"/>
+                        <a:t>5E</a:t>
+                      </a:r>
+                      <a:r>
+                        <a:rPr lang="en-GB" baseline="30000" dirty="0"/>
+                        <a:t>5</a:t>
+                      </a:r>
+                      <a:r>
+                        <a:rPr lang="en-GB" dirty="0"/>
+                        <a:t> </a:t>
+                      </a:r>
+                    </a:p>
+                  </a:txBody>
+                  <a:tcPr/>
+                </a:tc>
+                <a:tc>
+                  <a:txBody>
+                    <a:bodyPr/>
+                    <a:lstStyle/>
+                    <a:p>
+                      <a:r>
+                        <a:rPr lang="nl-NL" dirty="0"/>
+                        <a:t>23 s</a:t>
+                      </a:r>
+                      <a:endParaRPr lang="en-GB" dirty="0"/>
+                    </a:p>
+                  </a:txBody>
+                  <a:tcPr/>
+                </a:tc>
+                <a:tc>
+                  <a:txBody>
+                    <a:bodyPr/>
+                    <a:lstStyle/>
+                    <a:p>
+                      <a:r>
+                        <a:rPr lang="en-GB" dirty="0"/>
+                        <a:t>30 s</a:t>
+                      </a:r>
+                    </a:p>
+                  </a:txBody>
+                  <a:tcPr/>
+                </a:tc>
+                <a:tc>
+                  <a:txBody>
+                    <a:bodyPr/>
+                    <a:lstStyle/>
+                    <a:p>
+                      <a:r>
+                        <a:rPr lang="nl-NL" dirty="0"/>
+                        <a:t>+23%</a:t>
+                      </a:r>
+                      <a:endParaRPr lang="en-GB" dirty="0"/>
+                    </a:p>
+                  </a:txBody>
+                  <a:tcPr/>
+                </a:tc>
+                <a:extLst>
+                  <a:ext uri="{0D108BD9-81ED-4DB2-BD59-A6C34878D82A}">
+                    <a16:rowId xmlns:a16="http://schemas.microsoft.com/office/drawing/2014/main" val="1725324993"/>
+                  </a:ext>
+                </a:extLst>
+              </a:tr>
+              <a:tr h="370840">
+                <a:tc>
+                  <a:txBody>
+                    <a:bodyPr/>
+                    <a:lstStyle/>
+                    <a:p>
+                      <a:r>
+                        <a:rPr lang="nl-NL" dirty="0"/>
+                        <a:t>L=50, 2D, N=</a:t>
+                      </a:r>
+                      <a:r>
+                        <a:rPr lang="en-GB" dirty="0"/>
+                        <a:t>1E</a:t>
+                      </a:r>
+                      <a:r>
+                        <a:rPr lang="en-GB" baseline="30000" dirty="0"/>
+                        <a:t>5</a:t>
+                      </a:r>
+                      <a:r>
+                        <a:rPr lang="en-GB" dirty="0"/>
+                        <a:t> </a:t>
+                      </a:r>
+                    </a:p>
+                  </a:txBody>
+                  <a:tcPr/>
+                </a:tc>
+                <a:tc>
+                  <a:txBody>
+                    <a:bodyPr/>
+                    <a:lstStyle/>
+                    <a:p>
+                      <a:r>
+                        <a:rPr lang="nl-NL" dirty="0"/>
+                        <a:t>30 s</a:t>
+                      </a:r>
+                      <a:endParaRPr lang="en-GB" dirty="0"/>
+                    </a:p>
+                  </a:txBody>
+                  <a:tcPr/>
+                </a:tc>
+                <a:tc>
+                  <a:txBody>
+                    <a:bodyPr/>
+                    <a:lstStyle/>
+                    <a:p>
+                      <a:r>
+                        <a:rPr lang="nl-NL" dirty="0"/>
+                        <a:t>34 s</a:t>
+                      </a:r>
+                      <a:endParaRPr lang="en-GB" dirty="0"/>
+                    </a:p>
+                  </a:txBody>
+                  <a:tcPr/>
+                </a:tc>
+                <a:tc>
+                  <a:txBody>
+                    <a:bodyPr/>
+                    <a:lstStyle/>
+                    <a:p>
+                      <a:r>
+                        <a:rPr lang="nl-NL" dirty="0"/>
+                        <a:t>+12%</a:t>
+                      </a:r>
+                      <a:endParaRPr lang="en-GB" dirty="0"/>
+                    </a:p>
+                  </a:txBody>
+                  <a:tcPr/>
+                </a:tc>
+                <a:extLst>
+                  <a:ext uri="{0D108BD9-81ED-4DB2-BD59-A6C34878D82A}">
+                    <a16:rowId xmlns:a16="http://schemas.microsoft.com/office/drawing/2014/main" val="3479867334"/>
+                  </a:ext>
+                </a:extLst>
+              </a:tr>
+              <a:tr h="370840">
+                <a:tc>
+                  <a:txBody>
+                    <a:bodyPr/>
+                    <a:lstStyle/>
+                    <a:p>
+                      <a:r>
+                        <a:rPr lang="nl-NL" dirty="0"/>
+                        <a:t>L=50, 3D, N=</a:t>
+                      </a:r>
+                      <a:r>
+                        <a:rPr lang="en-GB" dirty="0"/>
+                        <a:t>1E</a:t>
+                      </a:r>
+                      <a:r>
+                        <a:rPr lang="en-GB" baseline="30000" dirty="0"/>
+                        <a:t>4</a:t>
+                      </a:r>
+                      <a:r>
+                        <a:rPr lang="en-GB" dirty="0"/>
+                        <a:t> </a:t>
+                      </a:r>
+                    </a:p>
+                  </a:txBody>
+                  <a:tcPr/>
+                </a:tc>
+                <a:tc>
+                  <a:txBody>
+                    <a:bodyPr/>
+                    <a:lstStyle/>
+                    <a:p>
+                      <a:r>
+                        <a:rPr lang="nl-NL" dirty="0"/>
+                        <a:t>107 s</a:t>
+                      </a:r>
+                      <a:endParaRPr lang="en-GB" dirty="0"/>
+                    </a:p>
+                  </a:txBody>
+                  <a:tcPr/>
+                </a:tc>
+                <a:tc>
+                  <a:txBody>
+                    <a:bodyPr/>
+                    <a:lstStyle/>
+                    <a:p>
+                      <a:r>
+                        <a:rPr lang="nl-NL" dirty="0"/>
+                        <a:t>5 s</a:t>
+                      </a:r>
+                      <a:endParaRPr lang="en-GB" dirty="0"/>
+                    </a:p>
+                  </a:txBody>
+                  <a:tcPr/>
+                </a:tc>
+                <a:tc>
+                  <a:txBody>
+                    <a:bodyPr/>
+                    <a:lstStyle/>
+                    <a:p>
+                      <a:r>
+                        <a:rPr lang="nl-NL" dirty="0"/>
+                        <a:t>-2040%</a:t>
+                      </a:r>
+                      <a:endParaRPr lang="en-GB" dirty="0"/>
+                    </a:p>
+                  </a:txBody>
+                  <a:tcPr/>
+                </a:tc>
+                <a:extLst>
+                  <a:ext uri="{0D108BD9-81ED-4DB2-BD59-A6C34878D82A}">
+                    <a16:rowId xmlns:a16="http://schemas.microsoft.com/office/drawing/2014/main" val="3369620921"/>
+                  </a:ext>
+                </a:extLst>
+              </a:tr>
+            </a:tbl>
+          </a:graphicData>
+        </a:graphic>
+      </p:graphicFrame>
+      <p:sp>
+        <p:nvSpPr>
+          <p:cNvPr id="11" name="Tijdelijke aanduiding voor inhoud 2">
             <a:extLst>
               <a:ext uri="{FF2B5EF4-FFF2-40B4-BE49-F238E27FC236}">
-                <a16:creationId xmlns:a16="http://schemas.microsoft.com/office/drawing/2014/main" id="{A40D14D6-C616-7346-AB1F-E0B3C6F3B4F5}"/>
-              </a:ext>
-            </a:extLst>
-          </p:cNvPr>
-          <p:cNvSpPr>
-            <a:spLocks noGrp="1"/>
-          </p:cNvSpPr>
-          <p:nvPr>
-            <p:ph type="ctrTitle"/>
-          </p:nvPr>
-        </p:nvSpPr>
-        <p:spPr/>
-        <p:txBody>
-          <a:bodyPr/>
-          <a:lstStyle/>
-          <a:p>
-            <a:r>
-              <a:rPr lang="en-GB" dirty="0"/>
-              <a:t>Questions and comments?</a:t>
-            </a:r>
-          </a:p>
-        </p:txBody>
-      </p:sp>
-      <p:sp>
-        <p:nvSpPr>
-          <p:cNvPr id="3" name="Ondertitel 2">
-            <a:extLst>
-              <a:ext uri="{FF2B5EF4-FFF2-40B4-BE49-F238E27FC236}">
-                <a16:creationId xmlns:a16="http://schemas.microsoft.com/office/drawing/2014/main" id="{CEF25AE3-A6E7-9F45-9D9A-CB2C1B23E372}"/>
-              </a:ext>
-            </a:extLst>
-          </p:cNvPr>
-          <p:cNvSpPr>
-            <a:spLocks noGrp="1"/>
-          </p:cNvSpPr>
-          <p:nvPr>
-            <p:ph type="subTitle" idx="1"/>
-          </p:nvPr>
-        </p:nvSpPr>
-        <p:spPr/>
-        <p:txBody>
-          <a:bodyPr>
-            <a:normAutofit fontScale="85000" lnSpcReduction="20000"/>
-          </a:bodyPr>
-          <a:lstStyle/>
-          <a:p>
-            <a:r>
-              <a:rPr lang="en-GB" dirty="0"/>
-              <a:t>Our questions:</a:t>
-            </a:r>
-          </a:p>
-          <a:p>
-            <a:pPr marL="457200" indent="-457200">
-              <a:buAutoNum type="arabicPeriod"/>
-            </a:pPr>
-            <a:r>
-              <a:rPr lang="en-GB" dirty="0"/>
-              <a:t>All our algorithms are ‘constructive’. Ideas where to think regarding iterative algorithms?</a:t>
-            </a:r>
-          </a:p>
-          <a:p>
-            <a:pPr marL="457200" indent="-457200">
-              <a:buAutoNum type="arabicPeriod"/>
-            </a:pPr>
-            <a:r>
-              <a:rPr lang="en-GB" dirty="0"/>
-              <a:t>What is your view on our choice for </a:t>
-            </a:r>
-            <a:r>
-              <a:rPr lang="en-GB" dirty="0" err="1"/>
-              <a:t>datastructure</a:t>
-            </a:r>
-            <a:r>
-              <a:rPr lang="en-GB" dirty="0"/>
-              <a:t>?</a:t>
-            </a:r>
-          </a:p>
-          <a:p>
-            <a:r>
-              <a:rPr lang="en-GB" dirty="0"/>
-              <a:t>Thank you for your attention</a:t>
-            </a:r>
-          </a:p>
-        </p:txBody>
-      </p:sp>
-    </p:spTree>
-    <p:extLst>
-      <p:ext uri="{BB962C8B-B14F-4D97-AF65-F5344CB8AC3E}">
-        <p14:creationId xmlns:p14="http://schemas.microsoft.com/office/powerpoint/2010/main" val="3056510008"/>
-      </p:ext>
-    </p:extLst>
-  </p:cSld>
-  <p:clrMapOvr>
-    <a:masterClrMapping/>
-  </p:clrMapOvr>
-</p:sld>
-</file>
-
-<file path=ppt/slides/slide2.xml><?xml version="1.0" encoding="utf-8"?>
-<p:sld xmlns:a="http://schemas.openxmlformats.org/drawingml/2006/main" xmlns:r="http://schemas.openxmlformats.org/officeDocument/2006/relationships" xmlns:p="http://schemas.openxmlformats.org/presentationml/2006/main">
-  <p:cSld>
-    <p:spTree>
-      <p:nvGrpSpPr>
-        <p:cNvPr id="1" name=""/>
-        <p:cNvGrpSpPr/>
-        <p:nvPr/>
-      </p:nvGrpSpPr>
-      <p:grpSpPr>
-        <a:xfrm>
-          <a:off x="0" y="0"/>
-          <a:ext cx="0" cy="0"/>
-          <a:chOff x="0" y="0"/>
-          <a:chExt cx="0" cy="0"/>
-        </a:xfrm>
-      </p:grpSpPr>
-      <p:sp>
-        <p:nvSpPr>
-          <p:cNvPr id="2" name="Titel 1">
-            <a:extLst>
-              <a:ext uri="{FF2B5EF4-FFF2-40B4-BE49-F238E27FC236}">
-                <a16:creationId xmlns:a16="http://schemas.microsoft.com/office/drawing/2014/main" id="{F7274416-F32F-B544-8C0A-29DD33A5E435}"/>
-              </a:ext>
-            </a:extLst>
-          </p:cNvPr>
-          <p:cNvSpPr>
-            <a:spLocks noGrp="1"/>
-          </p:cNvSpPr>
-          <p:nvPr>
-            <p:ph type="title"/>
-          </p:nvPr>
-        </p:nvSpPr>
-        <p:spPr/>
-        <p:txBody>
-          <a:bodyPr/>
-          <a:lstStyle/>
-          <a:p>
-            <a:r>
-              <a:rPr lang="en-GB" dirty="0"/>
-              <a:t>Format of the presentation	</a:t>
-            </a:r>
-          </a:p>
-        </p:txBody>
-      </p:sp>
-      <p:sp>
-        <p:nvSpPr>
-          <p:cNvPr id="3" name="Tijdelijke aanduiding voor inhoud 2">
-            <a:extLst>
-              <a:ext uri="{FF2B5EF4-FFF2-40B4-BE49-F238E27FC236}">
-                <a16:creationId xmlns:a16="http://schemas.microsoft.com/office/drawing/2014/main" id="{C3CA32CF-5E66-B548-80BE-AA3559B97AF3}"/>
-              </a:ext>
-            </a:extLst>
-          </p:cNvPr>
-          <p:cNvSpPr>
-            <a:spLocks noGrp="1"/>
-          </p:cNvSpPr>
-          <p:nvPr>
-            <p:ph idx="1"/>
-          </p:nvPr>
-        </p:nvSpPr>
-        <p:spPr>
-          <a:xfrm>
-            <a:off x="838200" y="1825625"/>
-            <a:ext cx="5099304" cy="4351338"/>
-          </a:xfrm>
-        </p:spPr>
-        <p:txBody>
-          <a:bodyPr>
-            <a:normAutofit fontScale="92500" lnSpcReduction="10000"/>
-          </a:bodyPr>
-          <a:lstStyle/>
-          <a:p>
-            <a:r>
-              <a:rPr lang="en-GB" dirty="0"/>
-              <a:t>1. Introduction in the casus</a:t>
-            </a:r>
-          </a:p>
-          <a:p>
-            <a:pPr lvl="1"/>
-            <a:r>
-              <a:rPr lang="en-GB" dirty="0"/>
-              <a:t>State Space of the problem (Mark)</a:t>
-            </a:r>
-          </a:p>
-          <a:p>
-            <a:r>
-              <a:rPr lang="en-GB" dirty="0"/>
-              <a:t>2. </a:t>
-            </a:r>
-            <a:r>
-              <a:rPr lang="en-GB" dirty="0" err="1"/>
-              <a:t>Datastructures</a:t>
-            </a:r>
-            <a:r>
-              <a:rPr lang="en-GB" dirty="0"/>
-              <a:t> (</a:t>
-            </a:r>
-            <a:r>
-              <a:rPr lang="en-GB" dirty="0" err="1"/>
-              <a:t>Terugblik</a:t>
-            </a:r>
-            <a:r>
-              <a:rPr lang="en-GB" dirty="0"/>
-              <a:t> </a:t>
-            </a:r>
-            <a:r>
-              <a:rPr lang="en-GB" dirty="0" err="1"/>
-              <a:t>vorige</a:t>
-            </a:r>
-            <a:r>
-              <a:rPr lang="en-GB" dirty="0"/>
-              <a:t> week) (</a:t>
-            </a:r>
-            <a:r>
-              <a:rPr lang="en-GB" dirty="0" err="1"/>
-              <a:t>Loek</a:t>
-            </a:r>
-            <a:r>
-              <a:rPr lang="en-GB" dirty="0"/>
-              <a:t>)</a:t>
-            </a:r>
-          </a:p>
-          <a:p>
-            <a:pPr lvl="1"/>
-            <a:r>
-              <a:rPr lang="en-GB" dirty="0" err="1"/>
-              <a:t>Dictionairy</a:t>
-            </a:r>
-            <a:r>
-              <a:rPr lang="en-GB" dirty="0"/>
-              <a:t> vs. Matrix</a:t>
-            </a:r>
-          </a:p>
-          <a:p>
-            <a:pPr lvl="1"/>
-            <a:r>
-              <a:rPr lang="en-GB" dirty="0"/>
-              <a:t>Results</a:t>
-            </a:r>
-          </a:p>
-          <a:p>
-            <a:r>
-              <a:rPr lang="en-GB" dirty="0"/>
-              <a:t>3. Algorithms (</a:t>
-            </a:r>
-            <a:r>
-              <a:rPr lang="en-GB" dirty="0" err="1"/>
-              <a:t>Sebas</a:t>
-            </a:r>
-            <a:r>
-              <a:rPr lang="en-GB" dirty="0"/>
-              <a:t>)</a:t>
-            </a:r>
-          </a:p>
-          <a:p>
-            <a:pPr lvl="1"/>
-            <a:r>
-              <a:rPr lang="en-GB" dirty="0"/>
-              <a:t>Random, Greedy</a:t>
-            </a:r>
-          </a:p>
-          <a:p>
-            <a:r>
-              <a:rPr lang="en-GB" dirty="0"/>
-              <a:t>4. Results (</a:t>
-            </a:r>
-            <a:r>
-              <a:rPr lang="en-GB" dirty="0" err="1"/>
-              <a:t>Sebas</a:t>
-            </a:r>
-            <a:r>
-              <a:rPr lang="en-GB" dirty="0"/>
-              <a:t>)</a:t>
-            </a:r>
-          </a:p>
-          <a:p>
-            <a:r>
-              <a:rPr lang="en-GB" dirty="0"/>
-              <a:t>Future </a:t>
-            </a:r>
-            <a:r>
-              <a:rPr lang="en-GB" dirty="0" err="1"/>
-              <a:t>heuristieken</a:t>
-            </a:r>
-            <a:r>
-              <a:rPr lang="en-GB" dirty="0"/>
-              <a:t> (</a:t>
-            </a:r>
-            <a:r>
-              <a:rPr lang="en-GB" dirty="0" err="1"/>
-              <a:t>Allemaal</a:t>
-            </a:r>
-            <a:r>
-              <a:rPr lang="en-GB" dirty="0"/>
-              <a:t>)</a:t>
-            </a:r>
-          </a:p>
-          <a:p>
-            <a:r>
-              <a:rPr lang="en-GB" dirty="0"/>
-              <a:t>5. Q&amp;A and discussion (Mark)</a:t>
-            </a:r>
-          </a:p>
-        </p:txBody>
-      </p:sp>
-    </p:spTree>
-    <p:extLst>
-      <p:ext uri="{BB962C8B-B14F-4D97-AF65-F5344CB8AC3E}">
-        <p14:creationId xmlns:p14="http://schemas.microsoft.com/office/powerpoint/2010/main" val="2072180750"/>
-      </p:ext>
-    </p:extLst>
-  </p:cSld>
-  <p:clrMapOvr>
-    <a:masterClrMapping/>
-  </p:clrMapOvr>
-</p:sld>
-</file>
-
-<file path=ppt/slides/slide3.xml><?xml version="1.0" encoding="utf-8"?>
-<p:sld xmlns:a="http://schemas.openxmlformats.org/drawingml/2006/main" xmlns:r="http://schemas.openxmlformats.org/officeDocument/2006/relationships" xmlns:p="http://schemas.openxmlformats.org/presentationml/2006/main">
-  <p:cSld>
-    <p:spTree>
-      <p:nvGrpSpPr>
-        <p:cNvPr id="1" name=""/>
-        <p:cNvGrpSpPr/>
-        <p:nvPr/>
-      </p:nvGrpSpPr>
-      <p:grpSpPr>
-        <a:xfrm>
-          <a:off x="0" y="0"/>
-          <a:ext cx="0" cy="0"/>
-          <a:chOff x="0" y="0"/>
-          <a:chExt cx="0" cy="0"/>
-        </a:xfrm>
-      </p:grpSpPr>
-      <p:sp>
-        <p:nvSpPr>
-          <p:cNvPr id="2" name="Titel 1">
-            <a:extLst>
-              <a:ext uri="{FF2B5EF4-FFF2-40B4-BE49-F238E27FC236}">
-                <a16:creationId xmlns:a16="http://schemas.microsoft.com/office/drawing/2014/main" id="{048DA664-7B4B-904F-9F8D-5AD398A7E951}"/>
-              </a:ext>
-            </a:extLst>
-          </p:cNvPr>
-          <p:cNvSpPr>
-            <a:spLocks noGrp="1"/>
-          </p:cNvSpPr>
-          <p:nvPr>
-            <p:ph type="title"/>
-          </p:nvPr>
-        </p:nvSpPr>
-        <p:spPr/>
-        <p:txBody>
-          <a:bodyPr/>
-          <a:lstStyle/>
-          <a:p>
-            <a:r>
-              <a:rPr lang="en-GB" dirty="0"/>
-              <a:t>1. Introduction: Stability of proteins</a:t>
-            </a:r>
-          </a:p>
-        </p:txBody>
-      </p:sp>
-      <p:sp>
-        <p:nvSpPr>
-          <p:cNvPr id="3" name="Tijdelijke aanduiding voor inhoud 2">
-            <a:extLst>
-              <a:ext uri="{FF2B5EF4-FFF2-40B4-BE49-F238E27FC236}">
-                <a16:creationId xmlns:a16="http://schemas.microsoft.com/office/drawing/2014/main" id="{2ACC9E0D-2DE6-F443-ABB8-3C6A56624642}"/>
-              </a:ext>
-            </a:extLst>
-          </p:cNvPr>
-          <p:cNvSpPr>
-            <a:spLocks noGrp="1"/>
-          </p:cNvSpPr>
-          <p:nvPr>
-            <p:ph sz="half" idx="1"/>
-          </p:nvPr>
-        </p:nvSpPr>
-        <p:spPr/>
-        <p:txBody>
-          <a:bodyPr/>
-          <a:lstStyle/>
-          <a:p>
-            <a:r>
-              <a:rPr lang="en-GB" dirty="0"/>
-              <a:t>Proteins </a:t>
-            </a:r>
-            <a:r>
-              <a:rPr lang="en-GB" dirty="0" err="1"/>
-              <a:t>fulfill</a:t>
-            </a:r>
-            <a:r>
-              <a:rPr lang="en-GB" dirty="0"/>
-              <a:t> numerous function inside the human body</a:t>
-            </a:r>
-          </a:p>
-          <a:p>
-            <a:r>
-              <a:rPr lang="en-GB" dirty="0"/>
-              <a:t>Faulty proteins linked to diseases such as </a:t>
-            </a:r>
-            <a:r>
-              <a:rPr lang="en-GB" dirty="0" err="1"/>
-              <a:t>Alzheimers</a:t>
-            </a:r>
-            <a:r>
-              <a:rPr lang="en-GB" dirty="0"/>
-              <a:t> or </a:t>
-            </a:r>
-            <a:r>
-              <a:rPr lang="en-GB" dirty="0" err="1"/>
-              <a:t>huntington</a:t>
-            </a:r>
-            <a:endParaRPr lang="en-GB"/>
-          </a:p>
-          <a:p>
-            <a:endParaRPr lang="en-GB" dirty="0"/>
-          </a:p>
-        </p:txBody>
-      </p:sp>
-      <p:sp>
-        <p:nvSpPr>
-          <p:cNvPr id="5" name="Tijdelijke aanduiding voor inhoud 4">
-            <a:extLst>
-              <a:ext uri="{FF2B5EF4-FFF2-40B4-BE49-F238E27FC236}">
-                <a16:creationId xmlns:a16="http://schemas.microsoft.com/office/drawing/2014/main" id="{842E5C41-B8DD-0B47-9AE2-799184EDB5CD}"/>
-              </a:ext>
-            </a:extLst>
-          </p:cNvPr>
-          <p:cNvSpPr>
-            <a:spLocks noGrp="1"/>
-          </p:cNvSpPr>
-          <p:nvPr>
-            <p:ph sz="half" idx="2"/>
-          </p:nvPr>
-        </p:nvSpPr>
-        <p:spPr/>
-        <p:txBody>
-          <a:bodyPr/>
-          <a:lstStyle/>
-          <a:p>
-            <a:endParaRPr lang="en-GB"/>
-          </a:p>
-        </p:txBody>
-      </p:sp>
-    </p:spTree>
-    <p:extLst>
-      <p:ext uri="{BB962C8B-B14F-4D97-AF65-F5344CB8AC3E}">
-        <p14:creationId xmlns:p14="http://schemas.microsoft.com/office/powerpoint/2010/main" val="2280769630"/>
-      </p:ext>
-    </p:extLst>
-  </p:cSld>
-  <p:clrMapOvr>
-    <a:masterClrMapping/>
-  </p:clrMapOvr>
-</p:sld>
-</file>
-
-<file path=ppt/slides/slide4.xml><?xml version="1.0" encoding="utf-8"?>
-<p:sld xmlns:a="http://schemas.openxmlformats.org/drawingml/2006/main" xmlns:r="http://schemas.openxmlformats.org/officeDocument/2006/relationships" xmlns:p="http://schemas.openxmlformats.org/presentationml/2006/main">
-  <p:cSld>
-    <p:spTree>
-      <p:nvGrpSpPr>
-        <p:cNvPr id="1" name=""/>
-        <p:cNvGrpSpPr/>
-        <p:nvPr/>
-      </p:nvGrpSpPr>
-      <p:grpSpPr>
-        <a:xfrm>
-          <a:off x="0" y="0"/>
-          <a:ext cx="0" cy="0"/>
-          <a:chOff x="0" y="0"/>
-          <a:chExt cx="0" cy="0"/>
-        </a:xfrm>
-      </p:grpSpPr>
-      <p:sp>
-        <p:nvSpPr>
-          <p:cNvPr id="2" name="Titel 1">
-            <a:extLst>
-              <a:ext uri="{FF2B5EF4-FFF2-40B4-BE49-F238E27FC236}">
-                <a16:creationId xmlns:a16="http://schemas.microsoft.com/office/drawing/2014/main" id="{048DA664-7B4B-904F-9F8D-5AD398A7E951}"/>
-              </a:ext>
-            </a:extLst>
-          </p:cNvPr>
-          <p:cNvSpPr>
-            <a:spLocks noGrp="1"/>
-          </p:cNvSpPr>
-          <p:nvPr>
-            <p:ph type="title"/>
-          </p:nvPr>
-        </p:nvSpPr>
-        <p:spPr/>
-        <p:txBody>
-          <a:bodyPr/>
-          <a:lstStyle/>
-          <a:p>
-            <a:r>
-              <a:rPr lang="en-GB" dirty="0"/>
-              <a:t>1. Introduction: Stability of proteins</a:t>
-            </a:r>
-          </a:p>
-        </p:txBody>
-      </p:sp>
-      <p:sp>
-        <p:nvSpPr>
-          <p:cNvPr id="3" name="Tijdelijke aanduiding voor inhoud 2">
-            <a:extLst>
-              <a:ext uri="{FF2B5EF4-FFF2-40B4-BE49-F238E27FC236}">
-                <a16:creationId xmlns:a16="http://schemas.microsoft.com/office/drawing/2014/main" id="{2ACC9E0D-2DE6-F443-ABB8-3C6A56624642}"/>
-              </a:ext>
-            </a:extLst>
-          </p:cNvPr>
-          <p:cNvSpPr>
-            <a:spLocks noGrp="1"/>
-          </p:cNvSpPr>
-          <p:nvPr>
-            <p:ph sz="half" idx="1"/>
-          </p:nvPr>
-        </p:nvSpPr>
-        <p:spPr/>
-        <p:txBody>
-          <a:bodyPr/>
-          <a:lstStyle/>
-          <a:p>
-            <a:r>
-              <a:rPr lang="en-GB" dirty="0"/>
-              <a:t>As more hydrophobic amino-acids (red) are next to each other, the more stable it is</a:t>
-            </a:r>
-          </a:p>
-          <a:p>
-            <a:r>
-              <a:rPr lang="en-GB" dirty="0"/>
-              <a:t>Stability of 0 means unstable</a:t>
-            </a:r>
-          </a:p>
-          <a:p>
-            <a:r>
-              <a:rPr lang="en-GB" dirty="0"/>
-              <a:t>Stability of -2 means more stable.</a:t>
-            </a:r>
-          </a:p>
-          <a:p>
-            <a:endParaRPr lang="en-GB" u="sng" dirty="0"/>
-          </a:p>
-          <a:p>
-            <a:r>
-              <a:rPr lang="en-GB" u="sng" dirty="0"/>
-              <a:t>Goal is to find protein structures that are as stable as possible.</a:t>
-            </a:r>
-          </a:p>
-        </p:txBody>
-      </p:sp>
-      <p:pic>
-        <p:nvPicPr>
-          <p:cNvPr id="8" name="Tijdelijke aanduiding voor inhoud 7">
-            <a:extLst>
-              <a:ext uri="{FF2B5EF4-FFF2-40B4-BE49-F238E27FC236}">
-                <a16:creationId xmlns:a16="http://schemas.microsoft.com/office/drawing/2014/main" id="{50283D78-CF71-3345-9AEB-76BDCA0FB0D2}"/>
-              </a:ext>
-            </a:extLst>
-          </p:cNvPr>
-          <p:cNvPicPr>
-            <a:picLocks noGrp="1" noChangeAspect="1"/>
-          </p:cNvPicPr>
-          <p:nvPr>
-            <p:ph sz="half" idx="2"/>
-          </p:nvPr>
-        </p:nvPicPr>
-        <p:blipFill>
-          <a:blip r:embed="rId2"/>
-          <a:stretch>
-            <a:fillRect/>
-          </a:stretch>
-        </p:blipFill>
-        <p:spPr>
-          <a:xfrm>
-            <a:off x="6096000" y="2015398"/>
-            <a:ext cx="5181600" cy="2827204"/>
-          </a:xfrm>
-        </p:spPr>
-      </p:pic>
-    </p:spTree>
-    <p:extLst>
-      <p:ext uri="{BB962C8B-B14F-4D97-AF65-F5344CB8AC3E}">
-        <p14:creationId xmlns:p14="http://schemas.microsoft.com/office/powerpoint/2010/main" val="1850888821"/>
-      </p:ext>
-    </p:extLst>
-  </p:cSld>
-  <p:clrMapOvr>
-    <a:masterClrMapping/>
-  </p:clrMapOvr>
-</p:sld>
-</file>
-
-<file path=ppt/slides/slide5.xml><?xml version="1.0" encoding="utf-8"?>
-<p:sld xmlns:a="http://schemas.openxmlformats.org/drawingml/2006/main" xmlns:r="http://schemas.openxmlformats.org/officeDocument/2006/relationships" xmlns:p="http://schemas.openxmlformats.org/presentationml/2006/main">
-  <p:cSld>
-    <p:spTree>
-      <p:nvGrpSpPr>
-        <p:cNvPr id="1" name=""/>
-        <p:cNvGrpSpPr/>
-        <p:nvPr/>
-      </p:nvGrpSpPr>
-      <p:grpSpPr>
-        <a:xfrm>
-          <a:off x="0" y="0"/>
-          <a:ext cx="0" cy="0"/>
-          <a:chOff x="0" y="0"/>
-          <a:chExt cx="0" cy="0"/>
-        </a:xfrm>
-      </p:grpSpPr>
-      <p:sp>
-        <p:nvSpPr>
-          <p:cNvPr id="2" name="Titel 1">
-            <a:extLst>
-              <a:ext uri="{FF2B5EF4-FFF2-40B4-BE49-F238E27FC236}">
-                <a16:creationId xmlns:a16="http://schemas.microsoft.com/office/drawing/2014/main" id="{469AD8D3-EDB6-5D49-8D44-472ED11B1188}"/>
-              </a:ext>
-            </a:extLst>
-          </p:cNvPr>
-          <p:cNvSpPr>
-            <a:spLocks noGrp="1"/>
-          </p:cNvSpPr>
-          <p:nvPr>
-            <p:ph type="title"/>
-          </p:nvPr>
-        </p:nvSpPr>
-        <p:spPr/>
-        <p:txBody>
-          <a:bodyPr/>
-          <a:lstStyle/>
-          <a:p>
-            <a:r>
-              <a:rPr lang="en-GB" dirty="0"/>
-              <a:t>1. Heuristics of Protein Pow(d)</a:t>
-            </a:r>
-            <a:r>
-              <a:rPr lang="en-GB" dirty="0" err="1"/>
-              <a:t>er</a:t>
-            </a:r>
-            <a:endParaRPr lang="en-GB" dirty="0"/>
-          </a:p>
-        </p:txBody>
-      </p:sp>
-      <p:sp>
-        <p:nvSpPr>
-          <p:cNvPr id="3" name="Tijdelijke aanduiding voor inhoud 2">
-            <a:extLst>
-              <a:ext uri="{FF2B5EF4-FFF2-40B4-BE49-F238E27FC236}">
-                <a16:creationId xmlns:a16="http://schemas.microsoft.com/office/drawing/2014/main" id="{70EB0242-E78A-C44A-8160-6A82BC9E7222}"/>
-              </a:ext>
-            </a:extLst>
-          </p:cNvPr>
-          <p:cNvSpPr>
-            <a:spLocks noGrp="1"/>
-          </p:cNvSpPr>
-          <p:nvPr>
-            <p:ph sz="half" idx="1"/>
-          </p:nvPr>
-        </p:nvSpPr>
-        <p:spPr/>
-        <p:txBody>
-          <a:bodyPr/>
-          <a:lstStyle/>
-          <a:p>
-            <a:r>
-              <a:rPr lang="en-GB" dirty="0"/>
-              <a:t>Constrained Optimization Problem</a:t>
-            </a:r>
-          </a:p>
-          <a:p>
-            <a:pPr lvl="1"/>
-            <a:r>
-              <a:rPr lang="en-GB" dirty="0"/>
-              <a:t>Constraints</a:t>
-            </a:r>
-          </a:p>
-          <a:p>
-            <a:pPr lvl="2"/>
-            <a:r>
-              <a:rPr lang="en-GB" dirty="0"/>
-              <a:t>Amino-acid string is given</a:t>
-            </a:r>
-          </a:p>
-          <a:p>
-            <a:pPr lvl="2"/>
-            <a:r>
-              <a:rPr lang="en-GB" dirty="0"/>
-              <a:t>All amino-acids must be used</a:t>
-            </a:r>
-          </a:p>
-          <a:p>
-            <a:pPr lvl="2"/>
-            <a:r>
-              <a:rPr lang="en-GB" dirty="0"/>
-              <a:t>Amino-acids cannot overlap</a:t>
-            </a:r>
-          </a:p>
-          <a:p>
-            <a:pPr lvl="1"/>
-            <a:r>
-              <a:rPr lang="en-GB" dirty="0"/>
-              <a:t>Optimization</a:t>
-            </a:r>
-          </a:p>
-          <a:p>
-            <a:pPr lvl="2"/>
-            <a:r>
-              <a:rPr lang="en-GB" dirty="0"/>
-              <a:t>Legitimate solution with the highest </a:t>
-            </a:r>
-          </a:p>
-          <a:p>
-            <a:endParaRPr lang="en-GB" dirty="0"/>
-          </a:p>
-          <a:p>
-            <a:pPr marL="0" indent="0">
-              <a:buNone/>
-            </a:pPr>
-            <a:endParaRPr lang="en-GB" dirty="0"/>
-          </a:p>
-        </p:txBody>
-      </p:sp>
-      <p:sp>
-        <p:nvSpPr>
-          <p:cNvPr id="4" name="Tijdelijke aanduiding voor inhoud 3">
-            <a:extLst>
-              <a:ext uri="{FF2B5EF4-FFF2-40B4-BE49-F238E27FC236}">
-                <a16:creationId xmlns:a16="http://schemas.microsoft.com/office/drawing/2014/main" id="{9C67E9D9-F639-D049-A1C7-EF4275E5D4A7}"/>
-              </a:ext>
-            </a:extLst>
-          </p:cNvPr>
-          <p:cNvSpPr>
-            <a:spLocks noGrp="1"/>
-          </p:cNvSpPr>
-          <p:nvPr>
-            <p:ph sz="half" idx="2"/>
-          </p:nvPr>
-        </p:nvSpPr>
-        <p:spPr/>
-        <p:txBody>
-          <a:bodyPr/>
-          <a:lstStyle/>
-          <a:p>
-            <a:endParaRPr lang="en-GB" dirty="0"/>
-          </a:p>
-        </p:txBody>
-      </p:sp>
-    </p:spTree>
-    <p:extLst>
-      <p:ext uri="{BB962C8B-B14F-4D97-AF65-F5344CB8AC3E}">
-        <p14:creationId xmlns:p14="http://schemas.microsoft.com/office/powerpoint/2010/main" val="2066508210"/>
-      </p:ext>
-    </p:extLst>
-  </p:cSld>
-  <p:clrMapOvr>
-    <a:masterClrMapping/>
-  </p:clrMapOvr>
-</p:sld>
-</file>
-
-<file path=ppt/slides/slide6.xml><?xml version="1.0" encoding="utf-8"?>
-<p:sld xmlns:a="http://schemas.openxmlformats.org/drawingml/2006/main" xmlns:r="http://schemas.openxmlformats.org/officeDocument/2006/relationships" xmlns:p="http://schemas.openxmlformats.org/presentationml/2006/main">
-  <p:cSld>
-    <p:spTree>
-      <p:nvGrpSpPr>
-        <p:cNvPr id="1" name=""/>
-        <p:cNvGrpSpPr/>
-        <p:nvPr/>
-      </p:nvGrpSpPr>
-      <p:grpSpPr>
-        <a:xfrm>
-          <a:off x="0" y="0"/>
-          <a:ext cx="0" cy="0"/>
-          <a:chOff x="0" y="0"/>
-          <a:chExt cx="0" cy="0"/>
-        </a:xfrm>
-      </p:grpSpPr>
-      <p:sp>
-        <p:nvSpPr>
-          <p:cNvPr id="2" name="Titel 1">
-            <a:extLst>
-              <a:ext uri="{FF2B5EF4-FFF2-40B4-BE49-F238E27FC236}">
-                <a16:creationId xmlns:a16="http://schemas.microsoft.com/office/drawing/2014/main" id="{048DA664-7B4B-904F-9F8D-5AD398A7E951}"/>
-              </a:ext>
-            </a:extLst>
-          </p:cNvPr>
-          <p:cNvSpPr>
-            <a:spLocks noGrp="1"/>
-          </p:cNvSpPr>
-          <p:nvPr>
-            <p:ph type="title"/>
-          </p:nvPr>
-        </p:nvSpPr>
-        <p:spPr/>
-        <p:txBody>
-          <a:bodyPr/>
-          <a:lstStyle/>
-          <a:p>
-            <a:r>
-              <a:rPr lang="en-GB" dirty="0"/>
-              <a:t>1. State Space </a:t>
-            </a:r>
-            <a:r>
-              <a:rPr lang="en-GB" dirty="0" err="1"/>
-              <a:t>en</a:t>
-            </a:r>
-            <a:r>
-              <a:rPr lang="en-GB" dirty="0"/>
-              <a:t> upper/lower bounds</a:t>
-            </a:r>
-          </a:p>
-        </p:txBody>
-      </p:sp>
-      <p:sp>
-        <p:nvSpPr>
-          <p:cNvPr id="3" name="Tijdelijke aanduiding voor inhoud 2">
-            <a:extLst>
-              <a:ext uri="{FF2B5EF4-FFF2-40B4-BE49-F238E27FC236}">
-                <a16:creationId xmlns:a16="http://schemas.microsoft.com/office/drawing/2014/main" id="{2ACC9E0D-2DE6-F443-ABB8-3C6A56624642}"/>
-              </a:ext>
-            </a:extLst>
-          </p:cNvPr>
-          <p:cNvSpPr>
-            <a:spLocks noGrp="1"/>
-          </p:cNvSpPr>
-          <p:nvPr>
-            <p:ph sz="half" idx="1"/>
-          </p:nvPr>
-        </p:nvSpPr>
-        <p:spPr>
-          <a:xfrm>
-            <a:off x="838200" y="1825625"/>
-            <a:ext cx="5181600" cy="4667250"/>
-          </a:xfrm>
-        </p:spPr>
-        <p:txBody>
-          <a:bodyPr>
-            <a:normAutofit/>
-          </a:bodyPr>
-          <a:lstStyle/>
-          <a:p>
-            <a:r>
-              <a:rPr lang="en-GB" dirty="0" err="1">
-                <a:sym typeface="Wingdings" pitchFamily="2" charset="2"/>
-              </a:rPr>
-              <a:t>Statespace</a:t>
-            </a:r>
-            <a:endParaRPr lang="en-GB" dirty="0">
-              <a:sym typeface="Wingdings" pitchFamily="2" charset="2"/>
-            </a:endParaRPr>
-          </a:p>
-          <a:p>
-            <a:r>
-              <a:rPr lang="en-GB" dirty="0">
-                <a:sym typeface="Wingdings" pitchFamily="2" charset="2"/>
-              </a:rPr>
-              <a:t> </a:t>
-            </a:r>
-            <a:r>
-              <a:rPr lang="en-GB" dirty="0"/>
-              <a:t>4</a:t>
-            </a:r>
-            <a:r>
-              <a:rPr lang="en-GB" baseline="30000" dirty="0"/>
-              <a:t>n-1</a:t>
-            </a:r>
-          </a:p>
-          <a:p>
-            <a:pPr lvl="1"/>
-            <a:r>
-              <a:rPr lang="en-GB" dirty="0"/>
-              <a:t>Amino acids cannot overlap</a:t>
-            </a:r>
-          </a:p>
-          <a:p>
-            <a:pPr lvl="1"/>
-            <a:r>
-              <a:rPr lang="en-GB" dirty="0">
-                <a:sym typeface="Wingdings" pitchFamily="2" charset="2"/>
-              </a:rPr>
-              <a:t> 4*3</a:t>
-            </a:r>
-            <a:r>
-              <a:rPr lang="en-GB" baseline="30000" dirty="0">
-                <a:sym typeface="Wingdings" pitchFamily="2" charset="2"/>
-              </a:rPr>
-              <a:t>n</a:t>
-            </a:r>
-          </a:p>
-          <a:p>
-            <a:pPr lvl="1"/>
-            <a:r>
-              <a:rPr lang="en-GB" dirty="0">
-                <a:sym typeface="Wingdings" pitchFamily="2" charset="2"/>
-              </a:rPr>
-              <a:t> 3</a:t>
-            </a:r>
-            <a:r>
-              <a:rPr lang="en-GB" baseline="30000" dirty="0">
-                <a:sym typeface="Wingdings" pitchFamily="2" charset="2"/>
-              </a:rPr>
-              <a:t>n-2</a:t>
-            </a:r>
-          </a:p>
-          <a:p>
-            <a:pPr lvl="1"/>
-            <a:endParaRPr lang="en-GB" baseline="30000" dirty="0">
-              <a:sym typeface="Wingdings" pitchFamily="2" charset="2"/>
-            </a:endParaRPr>
-          </a:p>
-          <a:p>
-            <a:pPr lvl="1"/>
-            <a:endParaRPr lang="en-GB" dirty="0">
-              <a:sym typeface="Wingdings" pitchFamily="2" charset="2"/>
-            </a:endParaRPr>
-          </a:p>
-          <a:p>
-            <a:pPr lvl="1"/>
-            <a:endParaRPr lang="en-GB" baseline="30000" dirty="0">
-              <a:sym typeface="Wingdings" pitchFamily="2" charset="2"/>
-            </a:endParaRPr>
-          </a:p>
-          <a:p>
-            <a:pPr lvl="1"/>
-            <a:endParaRPr lang="en-GB" dirty="0">
-              <a:sym typeface="Wingdings" pitchFamily="2" charset="2"/>
-            </a:endParaRPr>
-          </a:p>
-          <a:p>
-            <a:pPr lvl="1"/>
-            <a:endParaRPr lang="en-GB" dirty="0">
-              <a:sym typeface="Wingdings" pitchFamily="2" charset="2"/>
-            </a:endParaRPr>
-          </a:p>
-          <a:p>
-            <a:pPr lvl="1"/>
-            <a:endParaRPr lang="en-GB" dirty="0"/>
-          </a:p>
-          <a:p>
-            <a:pPr lvl="1"/>
-            <a:endParaRPr lang="en-GB" dirty="0"/>
-          </a:p>
-        </p:txBody>
-      </p:sp>
-      <p:sp>
-        <p:nvSpPr>
-          <p:cNvPr id="6" name="Tijdelijke aanduiding voor inhoud 2">
-            <a:extLst>
-              <a:ext uri="{FF2B5EF4-FFF2-40B4-BE49-F238E27FC236}">
-                <a16:creationId xmlns:a16="http://schemas.microsoft.com/office/drawing/2014/main" id="{D8788999-0DBD-574E-AD4D-A4B9E0412762}"/>
+                <a16:creationId xmlns:a16="http://schemas.microsoft.com/office/drawing/2014/main" id="{7B1F3DC8-5DC0-44B7-869B-81DA19C18EDD}"/>
               </a:ext>
             </a:extLst>
           </p:cNvPr>
@@ -4688,8 +3997,8 @@
         </p:nvSpPr>
         <p:spPr>
           <a:xfrm>
-            <a:off x="5819775" y="1825625"/>
-            <a:ext cx="5181600" cy="4667250"/>
+            <a:off x="6172202" y="1824878"/>
+            <a:ext cx="5181600" cy="4351338"/>
           </a:xfrm>
           <a:prstGeom prst="rect">
             <a:avLst/>
@@ -4864,75 +4173,756 @@
             </a:lvl9pPr>
           </a:lstStyle>
           <a:p>
-            <a:r>
-              <a:rPr lang="en-GB" dirty="0" err="1"/>
-              <a:t>Upperbound</a:t>
-            </a:r>
-            <a:r>
-              <a:rPr lang="en-GB" dirty="0"/>
-              <a:t>: 3x</a:t>
-            </a:r>
-            <a:endParaRPr lang="en-GB" baseline="30000" dirty="0"/>
-          </a:p>
-          <a:p>
-            <a:r>
-              <a:rPr lang="en-GB" dirty="0"/>
-              <a:t>Met x is </a:t>
-            </a:r>
-            <a:r>
-              <a:rPr lang="en-GB" dirty="0" err="1"/>
-              <a:t>aantal</a:t>
-            </a:r>
-            <a:r>
-              <a:rPr lang="en-GB" dirty="0"/>
-              <a:t> H-elements</a:t>
-            </a:r>
-          </a:p>
-          <a:p>
-            <a:endParaRPr lang="en-GB" dirty="0"/>
-          </a:p>
-          <a:p>
-            <a:r>
-              <a:rPr lang="en-GB" dirty="0" err="1"/>
-              <a:t>Lowerbound</a:t>
-            </a:r>
-            <a:r>
-              <a:rPr lang="en-GB" dirty="0"/>
-              <a:t>: &gt; 0</a:t>
-            </a:r>
-          </a:p>
-          <a:p>
-            <a:pPr marL="457200" lvl="1" indent="0">
+            <a:pPr marL="0" indent="0">
+              <a:buFont typeface="Arial" panose="020B0604020202020204" pitchFamily="34" charset="0"/>
               <a:buNone/>
             </a:pPr>
-            <a:endParaRPr lang="en-GB" dirty="0">
-              <a:sym typeface="Wingdings" pitchFamily="2" charset="2"/>
-            </a:endParaRPr>
-          </a:p>
-          <a:p>
-            <a:pPr lvl="1"/>
             <a:endParaRPr lang="en-GB" dirty="0"/>
           </a:p>
-          <a:p>
-            <a:pPr lvl="1"/>
+        </p:txBody>
+      </p:sp>
+      <p:sp>
+        <p:nvSpPr>
+          <p:cNvPr id="12" name="Tijdelijke aanduiding voor inhoud 2">
+            <a:extLst>
+              <a:ext uri="{FF2B5EF4-FFF2-40B4-BE49-F238E27FC236}">
+                <a16:creationId xmlns:a16="http://schemas.microsoft.com/office/drawing/2014/main" id="{2EC311AB-655A-484A-B87F-842DC524E1CB}"/>
+              </a:ext>
+            </a:extLst>
+          </p:cNvPr>
+          <p:cNvSpPr txBox="1">
+            <a:spLocks/>
+          </p:cNvSpPr>
+          <p:nvPr/>
+        </p:nvSpPr>
+        <p:spPr>
+          <a:xfrm>
+            <a:off x="6172200" y="1825625"/>
+            <a:ext cx="5181600" cy="4351338"/>
+          </a:xfrm>
+          <a:prstGeom prst="rect">
+            <a:avLst/>
+          </a:prstGeom>
+        </p:spPr>
+        <p:txBody>
+          <a:bodyPr vert="horz" lIns="91440" tIns="45720" rIns="91440" bIns="45720" rtlCol="0">
+            <a:normAutofit/>
+          </a:bodyPr>
+          <a:lstStyle>
+            <a:lvl1pPr marL="228600" indent="-228600" algn="l" defTabSz="914400" rtl="0" eaLnBrk="1" latinLnBrk="0" hangingPunct="1">
+              <a:lnSpc>
+                <a:spcPct val="90000"/>
+              </a:lnSpc>
+              <a:spcBef>
+                <a:spcPts val="1000"/>
+              </a:spcBef>
+              <a:buFont typeface="Arial" panose="020B0604020202020204" pitchFamily="34" charset="0"/>
+              <a:buChar char="•"/>
+              <a:defRPr sz="2800" kern="1200">
+                <a:solidFill>
+                  <a:schemeClr val="tx1"/>
+                </a:solidFill>
+                <a:latin typeface="+mn-lt"/>
+                <a:ea typeface="+mn-ea"/>
+                <a:cs typeface="+mn-cs"/>
+              </a:defRPr>
+            </a:lvl1pPr>
+            <a:lvl2pPr marL="685800" indent="-228600" algn="l" defTabSz="914400" rtl="0" eaLnBrk="1" latinLnBrk="0" hangingPunct="1">
+              <a:lnSpc>
+                <a:spcPct val="90000"/>
+              </a:lnSpc>
+              <a:spcBef>
+                <a:spcPts val="500"/>
+              </a:spcBef>
+              <a:buFont typeface="Arial" panose="020B0604020202020204" pitchFamily="34" charset="0"/>
+              <a:buChar char="•"/>
+              <a:defRPr sz="2400" kern="1200">
+                <a:solidFill>
+                  <a:schemeClr val="tx1"/>
+                </a:solidFill>
+                <a:latin typeface="+mn-lt"/>
+                <a:ea typeface="+mn-ea"/>
+                <a:cs typeface="+mn-cs"/>
+              </a:defRPr>
+            </a:lvl2pPr>
+            <a:lvl3pPr marL="1143000" indent="-228600" algn="l" defTabSz="914400" rtl="0" eaLnBrk="1" latinLnBrk="0" hangingPunct="1">
+              <a:lnSpc>
+                <a:spcPct val="90000"/>
+              </a:lnSpc>
+              <a:spcBef>
+                <a:spcPts val="500"/>
+              </a:spcBef>
+              <a:buFont typeface="Arial" panose="020B0604020202020204" pitchFamily="34" charset="0"/>
+              <a:buChar char="•"/>
+              <a:defRPr sz="2000" kern="1200">
+                <a:solidFill>
+                  <a:schemeClr val="tx1"/>
+                </a:solidFill>
+                <a:latin typeface="+mn-lt"/>
+                <a:ea typeface="+mn-ea"/>
+                <a:cs typeface="+mn-cs"/>
+              </a:defRPr>
+            </a:lvl3pPr>
+            <a:lvl4pPr marL="1600200" indent="-228600" algn="l" defTabSz="914400" rtl="0" eaLnBrk="1" latinLnBrk="0" hangingPunct="1">
+              <a:lnSpc>
+                <a:spcPct val="90000"/>
+              </a:lnSpc>
+              <a:spcBef>
+                <a:spcPts val="500"/>
+              </a:spcBef>
+              <a:buFont typeface="Arial" panose="020B0604020202020204" pitchFamily="34" charset="0"/>
+              <a:buChar char="•"/>
+              <a:defRPr sz="1800" kern="1200">
+                <a:solidFill>
+                  <a:schemeClr val="tx1"/>
+                </a:solidFill>
+                <a:latin typeface="+mn-lt"/>
+                <a:ea typeface="+mn-ea"/>
+                <a:cs typeface="+mn-cs"/>
+              </a:defRPr>
+            </a:lvl4pPr>
+            <a:lvl5pPr marL="2057400" indent="-228600" algn="l" defTabSz="914400" rtl="0" eaLnBrk="1" latinLnBrk="0" hangingPunct="1">
+              <a:lnSpc>
+                <a:spcPct val="90000"/>
+              </a:lnSpc>
+              <a:spcBef>
+                <a:spcPts val="500"/>
+              </a:spcBef>
+              <a:buFont typeface="Arial" panose="020B0604020202020204" pitchFamily="34" charset="0"/>
+              <a:buChar char="•"/>
+              <a:defRPr sz="1800" kern="1200">
+                <a:solidFill>
+                  <a:schemeClr val="tx1"/>
+                </a:solidFill>
+                <a:latin typeface="+mn-lt"/>
+                <a:ea typeface="+mn-ea"/>
+                <a:cs typeface="+mn-cs"/>
+              </a:defRPr>
+            </a:lvl5pPr>
+            <a:lvl6pPr marL="2514600" indent="-228600" algn="l" defTabSz="914400" rtl="0" eaLnBrk="1" latinLnBrk="0" hangingPunct="1">
+              <a:lnSpc>
+                <a:spcPct val="90000"/>
+              </a:lnSpc>
+              <a:spcBef>
+                <a:spcPts val="500"/>
+              </a:spcBef>
+              <a:buFont typeface="Arial" panose="020B0604020202020204" pitchFamily="34" charset="0"/>
+              <a:buChar char="•"/>
+              <a:defRPr sz="1800" kern="1200">
+                <a:solidFill>
+                  <a:schemeClr val="tx1"/>
+                </a:solidFill>
+                <a:latin typeface="+mn-lt"/>
+                <a:ea typeface="+mn-ea"/>
+                <a:cs typeface="+mn-cs"/>
+              </a:defRPr>
+            </a:lvl6pPr>
+            <a:lvl7pPr marL="2971800" indent="-228600" algn="l" defTabSz="914400" rtl="0" eaLnBrk="1" latinLnBrk="0" hangingPunct="1">
+              <a:lnSpc>
+                <a:spcPct val="90000"/>
+              </a:lnSpc>
+              <a:spcBef>
+                <a:spcPts val="500"/>
+              </a:spcBef>
+              <a:buFont typeface="Arial" panose="020B0604020202020204" pitchFamily="34" charset="0"/>
+              <a:buChar char="•"/>
+              <a:defRPr sz="1800" kern="1200">
+                <a:solidFill>
+                  <a:schemeClr val="tx1"/>
+                </a:solidFill>
+                <a:latin typeface="+mn-lt"/>
+                <a:ea typeface="+mn-ea"/>
+                <a:cs typeface="+mn-cs"/>
+              </a:defRPr>
+            </a:lvl7pPr>
+            <a:lvl8pPr marL="3429000" indent="-228600" algn="l" defTabSz="914400" rtl="0" eaLnBrk="1" latinLnBrk="0" hangingPunct="1">
+              <a:lnSpc>
+                <a:spcPct val="90000"/>
+              </a:lnSpc>
+              <a:spcBef>
+                <a:spcPts val="500"/>
+              </a:spcBef>
+              <a:buFont typeface="Arial" panose="020B0604020202020204" pitchFamily="34" charset="0"/>
+              <a:buChar char="•"/>
+              <a:defRPr sz="1800" kern="1200">
+                <a:solidFill>
+                  <a:schemeClr val="tx1"/>
+                </a:solidFill>
+                <a:latin typeface="+mn-lt"/>
+                <a:ea typeface="+mn-ea"/>
+                <a:cs typeface="+mn-cs"/>
+              </a:defRPr>
+            </a:lvl8pPr>
+            <a:lvl9pPr marL="3886200" indent="-228600" algn="l" defTabSz="914400" rtl="0" eaLnBrk="1" latinLnBrk="0" hangingPunct="1">
+              <a:lnSpc>
+                <a:spcPct val="90000"/>
+              </a:lnSpc>
+              <a:spcBef>
+                <a:spcPts val="500"/>
+              </a:spcBef>
+              <a:buFont typeface="Arial" panose="020B0604020202020204" pitchFamily="34" charset="0"/>
+              <a:buChar char="•"/>
+              <a:defRPr sz="1800" kern="1200">
+                <a:solidFill>
+                  <a:schemeClr val="tx1"/>
+                </a:solidFill>
+                <a:latin typeface="+mn-lt"/>
+                <a:ea typeface="+mn-ea"/>
+                <a:cs typeface="+mn-cs"/>
+              </a:defRPr>
+            </a:lvl9pPr>
+          </a:lstStyle>
+          <a:p>
+            <a:pPr marL="0" indent="0">
+              <a:buFont typeface="Arial" panose="020B0604020202020204" pitchFamily="34" charset="0"/>
+              <a:buNone/>
+            </a:pPr>
+            <a:r>
+              <a:rPr lang="nl-NL" dirty="0" err="1"/>
+              <a:t>Size</a:t>
+            </a:r>
+            <a:r>
+              <a:rPr lang="nl-NL" dirty="0"/>
+              <a:t> </a:t>
+            </a:r>
+            <a:r>
+              <a:rPr lang="nl-NL" dirty="0" err="1"/>
+              <a:t>restriction</a:t>
+            </a:r>
             <a:endParaRPr lang="en-GB" dirty="0"/>
           </a:p>
         </p:txBody>
       </p:sp>
+      <p:graphicFrame>
+        <p:nvGraphicFramePr>
+          <p:cNvPr id="15" name="Tabel 9">
+            <a:extLst>
+              <a:ext uri="{FF2B5EF4-FFF2-40B4-BE49-F238E27FC236}">
+                <a16:creationId xmlns:a16="http://schemas.microsoft.com/office/drawing/2014/main" id="{1A190F09-08F5-4459-B6E8-F539B8883848}"/>
+              </a:ext>
+            </a:extLst>
+          </p:cNvPr>
+          <p:cNvGraphicFramePr>
+            <a:graphicFrameLocks/>
+          </p:cNvGraphicFramePr>
+          <p:nvPr>
+            <p:extLst>
+              <p:ext uri="{D42A27DB-BD31-4B8C-83A1-F6EECF244321}">
+                <p14:modId xmlns:p14="http://schemas.microsoft.com/office/powerpoint/2010/main" val="3252558660"/>
+              </p:ext>
+            </p:extLst>
+          </p:nvPr>
+        </p:nvGraphicFramePr>
+        <p:xfrm>
+          <a:off x="6172198" y="3070531"/>
+          <a:ext cx="4934640" cy="2712720"/>
+        </p:xfrm>
+        <a:graphic>
+          <a:graphicData uri="http://schemas.openxmlformats.org/drawingml/2006/table">
+            <a:tbl>
+              <a:tblPr firstRow="1" bandRow="1">
+                <a:tableStyleId>{5C22544A-7EE6-4342-B048-85BDC9FD1C3A}</a:tableStyleId>
+              </a:tblPr>
+              <a:tblGrid>
+                <a:gridCol w="1233660">
+                  <a:extLst>
+                    <a:ext uri="{9D8B030D-6E8A-4147-A177-3AD203B41FA5}">
+                      <a16:colId xmlns:a16="http://schemas.microsoft.com/office/drawing/2014/main" val="313939156"/>
+                    </a:ext>
+                  </a:extLst>
+                </a:gridCol>
+                <a:gridCol w="1233660">
+                  <a:extLst>
+                    <a:ext uri="{9D8B030D-6E8A-4147-A177-3AD203B41FA5}">
+                      <a16:colId xmlns:a16="http://schemas.microsoft.com/office/drawing/2014/main" val="854120346"/>
+                    </a:ext>
+                  </a:extLst>
+                </a:gridCol>
+                <a:gridCol w="1233660">
+                  <a:extLst>
+                    <a:ext uri="{9D8B030D-6E8A-4147-A177-3AD203B41FA5}">
+                      <a16:colId xmlns:a16="http://schemas.microsoft.com/office/drawing/2014/main" val="3980145933"/>
+                    </a:ext>
+                  </a:extLst>
+                </a:gridCol>
+                <a:gridCol w="1233660">
+                  <a:extLst>
+                    <a:ext uri="{9D8B030D-6E8A-4147-A177-3AD203B41FA5}">
+                      <a16:colId xmlns:a16="http://schemas.microsoft.com/office/drawing/2014/main" val="96308536"/>
+                    </a:ext>
+                  </a:extLst>
+                </a:gridCol>
+              </a:tblGrid>
+              <a:tr h="370840">
+                <a:tc>
+                  <a:txBody>
+                    <a:bodyPr/>
+                    <a:lstStyle/>
+                    <a:p>
+                      <a:r>
+                        <a:rPr lang="nl-NL" sz="1400" dirty="0" err="1"/>
+                        <a:t>Situation</a:t>
+                      </a:r>
+                      <a:endParaRPr lang="en-GB" sz="1400" dirty="0"/>
+                    </a:p>
+                  </a:txBody>
+                  <a:tcPr/>
+                </a:tc>
+                <a:tc>
+                  <a:txBody>
+                    <a:bodyPr/>
+                    <a:lstStyle/>
+                    <a:p>
+                      <a:r>
+                        <a:rPr lang="nl-NL" sz="1400" dirty="0"/>
+                        <a:t>Random </a:t>
+                      </a:r>
+                      <a:r>
+                        <a:rPr lang="nl-NL" sz="1400" dirty="0" err="1"/>
+                        <a:t>iterations</a:t>
+                      </a:r>
+                      <a:endParaRPr lang="en-GB" sz="1400" dirty="0"/>
+                    </a:p>
+                  </a:txBody>
+                  <a:tcPr/>
+                </a:tc>
+                <a:tc>
+                  <a:txBody>
+                    <a:bodyPr/>
+                    <a:lstStyle/>
+                    <a:p>
+                      <a:r>
+                        <a:rPr lang="nl-NL" sz="1400" dirty="0" err="1"/>
+                        <a:t>Size</a:t>
+                      </a:r>
+                      <a:r>
+                        <a:rPr lang="nl-NL" sz="1400" dirty="0"/>
+                        <a:t> </a:t>
+                      </a:r>
+                      <a:r>
+                        <a:rPr lang="nl-NL" sz="1400" dirty="0" err="1"/>
+                        <a:t>restricted</a:t>
+                      </a:r>
+                      <a:endParaRPr lang="nl-NL" sz="1400" dirty="0"/>
+                    </a:p>
+                    <a:p>
+                      <a:r>
+                        <a:rPr lang="nl-NL" sz="1400" dirty="0" err="1"/>
+                        <a:t>iterations</a:t>
+                      </a:r>
+                      <a:endParaRPr lang="en-GB" sz="1400" dirty="0"/>
+                    </a:p>
+                  </a:txBody>
+                  <a:tcPr/>
+                </a:tc>
+                <a:tc>
+                  <a:txBody>
+                    <a:bodyPr/>
+                    <a:lstStyle/>
+                    <a:p>
+                      <a:r>
+                        <a:rPr lang="nl-NL" sz="1400" dirty="0" err="1"/>
+                        <a:t>Improvement</a:t>
+                      </a:r>
+                      <a:endParaRPr lang="en-GB" sz="1400" dirty="0"/>
+                    </a:p>
+                  </a:txBody>
+                  <a:tcPr/>
+                </a:tc>
+                <a:extLst>
+                  <a:ext uri="{0D108BD9-81ED-4DB2-BD59-A6C34878D82A}">
+                    <a16:rowId xmlns:a16="http://schemas.microsoft.com/office/drawing/2014/main" val="3517321127"/>
+                  </a:ext>
+                </a:extLst>
+              </a:tr>
+              <a:tr h="370840">
+                <a:tc>
+                  <a:txBody>
+                    <a:bodyPr/>
+                    <a:lstStyle/>
+                    <a:p>
+                      <a:r>
+                        <a:rPr lang="nl-NL" dirty="0"/>
+                        <a:t>S=-7, L=14, D=0.5L</a:t>
+                      </a:r>
+                      <a:endParaRPr lang="en-GB" dirty="0"/>
+                    </a:p>
+                  </a:txBody>
+                  <a:tcPr/>
+                </a:tc>
+                <a:tc>
+                  <a:txBody>
+                    <a:bodyPr/>
+                    <a:lstStyle/>
+                    <a:p>
+                      <a:r>
+                        <a:rPr lang="nl-NL" dirty="0"/>
+                        <a:t>4076</a:t>
+                      </a:r>
+                      <a:endParaRPr lang="en-GB" dirty="0"/>
+                    </a:p>
+                  </a:txBody>
+                  <a:tcPr/>
+                </a:tc>
+                <a:tc>
+                  <a:txBody>
+                    <a:bodyPr/>
+                    <a:lstStyle/>
+                    <a:p>
+                      <a:r>
+                        <a:rPr lang="en-GB" dirty="0"/>
+                        <a:t>555</a:t>
+                      </a:r>
+                    </a:p>
+                  </a:txBody>
+                  <a:tcPr/>
+                </a:tc>
+                <a:tc>
+                  <a:txBody>
+                    <a:bodyPr/>
+                    <a:lstStyle/>
+                    <a:p>
+                      <a:r>
+                        <a:rPr lang="nl-NL" dirty="0"/>
+                        <a:t>+86%</a:t>
+                      </a:r>
+                      <a:endParaRPr lang="en-GB" dirty="0"/>
+                    </a:p>
+                  </a:txBody>
+                  <a:tcPr/>
+                </a:tc>
+                <a:extLst>
+                  <a:ext uri="{0D108BD9-81ED-4DB2-BD59-A6C34878D82A}">
+                    <a16:rowId xmlns:a16="http://schemas.microsoft.com/office/drawing/2014/main" val="1725324993"/>
+                  </a:ext>
+                </a:extLst>
+              </a:tr>
+              <a:tr h="370840">
+                <a:tc>
+                  <a:txBody>
+                    <a:bodyPr/>
+                    <a:lstStyle/>
+                    <a:p>
+                      <a:r>
+                        <a:rPr lang="nl-NL" dirty="0"/>
+                        <a:t>S=-9, L=20, D=0.5L</a:t>
+                      </a:r>
+                      <a:endParaRPr lang="en-GB" dirty="0"/>
+                    </a:p>
+                  </a:txBody>
+                  <a:tcPr/>
+                </a:tc>
+                <a:tc>
+                  <a:txBody>
+                    <a:bodyPr/>
+                    <a:lstStyle/>
+                    <a:p>
+                      <a:r>
+                        <a:rPr lang="nl-NL" dirty="0"/>
+                        <a:t>86881</a:t>
+                      </a:r>
+                      <a:endParaRPr lang="en-GB" dirty="0"/>
+                    </a:p>
+                  </a:txBody>
+                  <a:tcPr/>
+                </a:tc>
+                <a:tc>
+                  <a:txBody>
+                    <a:bodyPr/>
+                    <a:lstStyle/>
+                    <a:p>
+                      <a:r>
+                        <a:rPr lang="nl-NL" dirty="0"/>
+                        <a:t>76272</a:t>
+                      </a:r>
+                      <a:endParaRPr lang="en-GB" dirty="0"/>
+                    </a:p>
+                  </a:txBody>
+                  <a:tcPr/>
+                </a:tc>
+                <a:tc>
+                  <a:txBody>
+                    <a:bodyPr/>
+                    <a:lstStyle/>
+                    <a:p>
+                      <a:r>
+                        <a:rPr lang="nl-NL" dirty="0"/>
+                        <a:t>+12%</a:t>
+                      </a:r>
+                      <a:endParaRPr lang="en-GB" dirty="0"/>
+                    </a:p>
+                  </a:txBody>
+                  <a:tcPr/>
+                </a:tc>
+                <a:extLst>
+                  <a:ext uri="{0D108BD9-81ED-4DB2-BD59-A6C34878D82A}">
+                    <a16:rowId xmlns:a16="http://schemas.microsoft.com/office/drawing/2014/main" val="3479867334"/>
+                  </a:ext>
+                </a:extLst>
+              </a:tr>
+              <a:tr h="370840">
+                <a:tc>
+                  <a:txBody>
+                    <a:bodyPr/>
+                    <a:lstStyle/>
+                    <a:p>
+                      <a:r>
+                        <a:rPr lang="nl-NL" dirty="0"/>
+                        <a:t>S=-13, L=36, D=0.3L</a:t>
+                      </a:r>
+                      <a:endParaRPr lang="en-GB" dirty="0"/>
+                    </a:p>
+                  </a:txBody>
+                  <a:tcPr/>
+                </a:tc>
+                <a:tc>
+                  <a:txBody>
+                    <a:bodyPr/>
+                    <a:lstStyle/>
+                    <a:p>
+                      <a:r>
+                        <a:rPr lang="nl-NL" dirty="0"/>
+                        <a:t>530253</a:t>
+                      </a:r>
+                      <a:endParaRPr lang="en-GB" dirty="0"/>
+                    </a:p>
+                  </a:txBody>
+                  <a:tcPr/>
+                </a:tc>
+                <a:tc>
+                  <a:txBody>
+                    <a:bodyPr/>
+                    <a:lstStyle/>
+                    <a:p>
+                      <a:r>
+                        <a:rPr lang="nl-NL" dirty="0"/>
+                        <a:t>171503</a:t>
+                      </a:r>
+                      <a:endParaRPr lang="en-GB" dirty="0"/>
+                    </a:p>
+                  </a:txBody>
+                  <a:tcPr/>
+                </a:tc>
+                <a:tc>
+                  <a:txBody>
+                    <a:bodyPr/>
+                    <a:lstStyle/>
+                    <a:p>
+                      <a:r>
+                        <a:rPr lang="nl-NL" dirty="0"/>
+                        <a:t>+67%</a:t>
+                      </a:r>
+                      <a:endParaRPr lang="en-GB" dirty="0"/>
+                    </a:p>
+                  </a:txBody>
+                  <a:tcPr/>
+                </a:tc>
+                <a:extLst>
+                  <a:ext uri="{0D108BD9-81ED-4DB2-BD59-A6C34878D82A}">
+                    <a16:rowId xmlns:a16="http://schemas.microsoft.com/office/drawing/2014/main" val="3369620921"/>
+                  </a:ext>
+                </a:extLst>
+              </a:tr>
+            </a:tbl>
+          </a:graphicData>
+        </a:graphic>
+      </p:graphicFrame>
     </p:spTree>
     <p:extLst>
       <p:ext uri="{BB962C8B-B14F-4D97-AF65-F5344CB8AC3E}">
-        <p14:creationId xmlns:p14="http://schemas.microsoft.com/office/powerpoint/2010/main" val="2161073308"/>
+        <p14:creationId xmlns:p14="http://schemas.microsoft.com/office/powerpoint/2010/main" val="4110258174"/>
       </p:ext>
     </p:extLst>
   </p:cSld>
   <p:clrMapOvr>
     <a:masterClrMapping/>
   </p:clrMapOvr>
+  <p:timing>
+    <p:tnLst>
+      <p:par>
+        <p:cTn id="1" dur="indefinite" restart="never" nodeType="tmRoot">
+          <p:childTnLst>
+            <p:seq concurrent="1" nextAc="seek">
+              <p:cTn id="2" dur="indefinite" nodeType="mainSeq">
+                <p:childTnLst>
+                  <p:par>
+                    <p:cTn id="3" fill="hold">
+                      <p:stCondLst>
+                        <p:cond delay="indefinite"/>
+                      </p:stCondLst>
+                      <p:childTnLst>
+                        <p:par>
+                          <p:cTn id="4" fill="hold">
+                            <p:stCondLst>
+                              <p:cond delay="0"/>
+                            </p:stCondLst>
+                            <p:childTnLst>
+                              <p:par>
+                                <p:cTn id="5" presetID="1" presetClass="entr" presetSubtype="0" fill="hold" nodeType="clickEffect">
+                                  <p:stCondLst>
+                                    <p:cond delay="0"/>
+                                  </p:stCondLst>
+                                  <p:childTnLst>
+                                    <p:set>
+                                      <p:cBhvr>
+                                        <p:cTn id="6" dur="1" fill="hold">
+                                          <p:stCondLst>
+                                            <p:cond delay="0"/>
+                                          </p:stCondLst>
+                                        </p:cTn>
+                                        <p:tgtEl>
+                                          <p:spTgt spid="9"/>
+                                        </p:tgtEl>
+                                        <p:attrNameLst>
+                                          <p:attrName>style.visibility</p:attrName>
+                                        </p:attrNameLst>
+                                      </p:cBhvr>
+                                      <p:to>
+                                        <p:strVal val="visible"/>
+                                      </p:to>
+                                    </p:set>
+                                  </p:childTnLst>
+                                </p:cTn>
+                              </p:par>
+                              <p:par>
+                                <p:cTn id="7" presetID="1" presetClass="entr" presetSubtype="0" fill="hold" grpId="0" nodeType="withEffect">
+                                  <p:stCondLst>
+                                    <p:cond delay="0"/>
+                                  </p:stCondLst>
+                                  <p:childTnLst>
+                                    <p:set>
+                                      <p:cBhvr>
+                                        <p:cTn id="8" dur="1" fill="hold">
+                                          <p:stCondLst>
+                                            <p:cond delay="0"/>
+                                          </p:stCondLst>
+                                        </p:cTn>
+                                        <p:tgtEl>
+                                          <p:spTgt spid="3">
+                                            <p:txEl>
+                                              <p:pRg st="0" end="0"/>
+                                            </p:txEl>
+                                          </p:spTgt>
+                                        </p:tgtEl>
+                                        <p:attrNameLst>
+                                          <p:attrName>style.visibility</p:attrName>
+                                        </p:attrNameLst>
+                                      </p:cBhvr>
+                                      <p:to>
+                                        <p:strVal val="visible"/>
+                                      </p:to>
+                                    </p:set>
+                                  </p:childTnLst>
+                                </p:cTn>
+                              </p:par>
+                            </p:childTnLst>
+                          </p:cTn>
+                        </p:par>
+                      </p:childTnLst>
+                    </p:cTn>
+                  </p:par>
+                  <p:par>
+                    <p:cTn id="9" fill="hold">
+                      <p:stCondLst>
+                        <p:cond delay="indefinite"/>
+                      </p:stCondLst>
+                      <p:childTnLst>
+                        <p:par>
+                          <p:cTn id="10" fill="hold">
+                            <p:stCondLst>
+                              <p:cond delay="0"/>
+                            </p:stCondLst>
+                            <p:childTnLst>
+                              <p:par>
+                                <p:cTn id="11" presetID="1" presetClass="entr" presetSubtype="0" fill="hold" nodeType="clickEffect">
+                                  <p:stCondLst>
+                                    <p:cond delay="0"/>
+                                  </p:stCondLst>
+                                  <p:childTnLst>
+                                    <p:set>
+                                      <p:cBhvr>
+                                        <p:cTn id="12" dur="1" fill="hold">
+                                          <p:stCondLst>
+                                            <p:cond delay="0"/>
+                                          </p:stCondLst>
+                                        </p:cTn>
+                                        <p:tgtEl>
+                                          <p:spTgt spid="15"/>
+                                        </p:tgtEl>
+                                        <p:attrNameLst>
+                                          <p:attrName>style.visibility</p:attrName>
+                                        </p:attrNameLst>
+                                      </p:cBhvr>
+                                      <p:to>
+                                        <p:strVal val="visible"/>
+                                      </p:to>
+                                    </p:set>
+                                  </p:childTnLst>
+                                </p:cTn>
+                              </p:par>
+                              <p:par>
+                                <p:cTn id="13" presetID="1" presetClass="entr" presetSubtype="0" fill="hold" grpId="0" nodeType="withEffect">
+                                  <p:stCondLst>
+                                    <p:cond delay="0"/>
+                                  </p:stCondLst>
+                                  <p:childTnLst>
+                                    <p:set>
+                                      <p:cBhvr>
+                                        <p:cTn id="14" dur="1" fill="hold">
+                                          <p:stCondLst>
+                                            <p:cond delay="0"/>
+                                          </p:stCondLst>
+                                        </p:cTn>
+                                        <p:tgtEl>
+                                          <p:spTgt spid="12"/>
+                                        </p:tgtEl>
+                                        <p:attrNameLst>
+                                          <p:attrName>style.visibility</p:attrName>
+                                        </p:attrNameLst>
+                                      </p:cBhvr>
+                                      <p:to>
+                                        <p:strVal val="visible"/>
+                                      </p:to>
+                                    </p:set>
+                                  </p:childTnLst>
+                                </p:cTn>
+                              </p:par>
+                            </p:childTnLst>
+                          </p:cTn>
+                        </p:par>
+                      </p:childTnLst>
+                    </p:cTn>
+                  </p:par>
+                </p:childTnLst>
+              </p:cTn>
+              <p:prevCondLst>
+                <p:cond evt="onPrev" delay="0">
+                  <p:tgtEl>
+                    <p:sldTgt/>
+                  </p:tgtEl>
+                </p:cond>
+              </p:prevCondLst>
+              <p:nextCondLst>
+                <p:cond evt="onNext" delay="0">
+                  <p:tgtEl>
+                    <p:sldTgt/>
+                  </p:tgtEl>
+                </p:cond>
+              </p:nextCondLst>
+            </p:seq>
+          </p:childTnLst>
+        </p:cTn>
+      </p:par>
+    </p:tnLst>
+    <p:bldLst>
+      <p:bldP spid="3" grpId="0" build="p"/>
+      <p:bldP spid="12" grpId="0"/>
+    </p:bldLst>
+  </p:timing>
 </p:sld>
 </file>
 
-<file path=ppt/slides/slide7.xml><?xml version="1.0" encoding="utf-8"?>
+<file path=ppt/slides/slide11.xml><?xml version="1.0" encoding="utf-8"?>
 <p:sld xmlns:a="http://schemas.openxmlformats.org/drawingml/2006/main" xmlns:r="http://schemas.openxmlformats.org/officeDocument/2006/relationships" xmlns:p="http://schemas.openxmlformats.org/presentationml/2006/main">
   <p:cSld>
     <p:spTree>
@@ -4954,139 +4944,6 @@
           <p:cNvPr id="2" name="Titel 1">
             <a:extLst>
               <a:ext uri="{FF2B5EF4-FFF2-40B4-BE49-F238E27FC236}">
-                <a16:creationId xmlns:a16="http://schemas.microsoft.com/office/drawing/2014/main" id="{469AD8D3-EDB6-5D49-8D44-472ED11B1188}"/>
-              </a:ext>
-            </a:extLst>
-          </p:cNvPr>
-          <p:cNvSpPr>
-            <a:spLocks noGrp="1"/>
-          </p:cNvSpPr>
-          <p:nvPr>
-            <p:ph type="title"/>
-          </p:nvPr>
-        </p:nvSpPr>
-        <p:spPr/>
-        <p:txBody>
-          <a:bodyPr/>
-          <a:lstStyle/>
-          <a:p>
-            <a:r>
-              <a:rPr lang="en-GB" dirty="0"/>
-              <a:t>2. </a:t>
-            </a:r>
-            <a:r>
-              <a:rPr lang="en-GB" dirty="0" err="1"/>
-              <a:t>Datastructures</a:t>
-            </a:r>
-            <a:endParaRPr lang="en-GB" dirty="0"/>
-          </a:p>
-        </p:txBody>
-      </p:sp>
-      <p:sp>
-        <p:nvSpPr>
-          <p:cNvPr id="3" name="Tijdelijke aanduiding voor inhoud 2">
-            <a:extLst>
-              <a:ext uri="{FF2B5EF4-FFF2-40B4-BE49-F238E27FC236}">
-                <a16:creationId xmlns:a16="http://schemas.microsoft.com/office/drawing/2014/main" id="{70EB0242-E78A-C44A-8160-6A82BC9E7222}"/>
-              </a:ext>
-            </a:extLst>
-          </p:cNvPr>
-          <p:cNvSpPr>
-            <a:spLocks noGrp="1"/>
-          </p:cNvSpPr>
-          <p:nvPr>
-            <p:ph sz="half" idx="1"/>
-          </p:nvPr>
-        </p:nvSpPr>
-        <p:spPr/>
-        <p:txBody>
-          <a:bodyPr/>
-          <a:lstStyle/>
-          <a:p>
-            <a:r>
-              <a:rPr lang="en-GB" dirty="0"/>
-              <a:t>Dictionaries</a:t>
-            </a:r>
-          </a:p>
-          <a:p>
-            <a:pPr lvl="1"/>
-            <a:r>
-              <a:rPr lang="en-GB" dirty="0"/>
-              <a:t>Use dictionaries to store elements with coordinates. Bind them with a direction variable</a:t>
-            </a:r>
-          </a:p>
-        </p:txBody>
-      </p:sp>
-      <p:sp>
-        <p:nvSpPr>
-          <p:cNvPr id="4" name="Tijdelijke aanduiding voor inhoud 3">
-            <a:extLst>
-              <a:ext uri="{FF2B5EF4-FFF2-40B4-BE49-F238E27FC236}">
-                <a16:creationId xmlns:a16="http://schemas.microsoft.com/office/drawing/2014/main" id="{9C67E9D9-F639-D049-A1C7-EF4275E5D4A7}"/>
-              </a:ext>
-            </a:extLst>
-          </p:cNvPr>
-          <p:cNvSpPr>
-            <a:spLocks noGrp="1"/>
-          </p:cNvSpPr>
-          <p:nvPr>
-            <p:ph sz="half" idx="2"/>
-          </p:nvPr>
-        </p:nvSpPr>
-        <p:spPr/>
-        <p:txBody>
-          <a:bodyPr/>
-          <a:lstStyle/>
-          <a:p>
-            <a:r>
-              <a:rPr lang="en-GB" dirty="0"/>
-              <a:t>Matrixes</a:t>
-            </a:r>
-          </a:p>
-          <a:p>
-            <a:pPr lvl="1"/>
-            <a:r>
-              <a:rPr lang="en-GB" dirty="0"/>
-              <a:t>Use of a matrix object to store elements.</a:t>
-            </a:r>
-          </a:p>
-        </p:txBody>
-      </p:sp>
-    </p:spTree>
-    <p:extLst>
-      <p:ext uri="{BB962C8B-B14F-4D97-AF65-F5344CB8AC3E}">
-        <p14:creationId xmlns:p14="http://schemas.microsoft.com/office/powerpoint/2010/main" val="2537418944"/>
-      </p:ext>
-    </p:extLst>
-  </p:cSld>
-  <p:clrMapOvr>
-    <a:masterClrMapping/>
-  </p:clrMapOvr>
-</p:sld>
-</file>
-
-<file path=ppt/slides/slide8.xml><?xml version="1.0" encoding="utf-8"?>
-<p:sld xmlns:a="http://schemas.openxmlformats.org/drawingml/2006/main" xmlns:r="http://schemas.openxmlformats.org/officeDocument/2006/relationships" xmlns:p="http://schemas.openxmlformats.org/presentationml/2006/main">
-  <p:cSld>
-    <p:spTree>
-      <p:nvGrpSpPr>
-        <p:cNvPr id="1" name=""/>
-        <p:cNvGrpSpPr/>
-        <p:nvPr/>
-      </p:nvGrpSpPr>
-      <p:grpSpPr>
-        <a:xfrm>
-          <a:off x="0" y="0"/>
-          <a:ext cx="0" cy="0"/>
-          <a:chOff x="0" y="0"/>
-          <a:chExt cx="0" cy="0"/>
-        </a:xfrm>
-      </p:grpSpPr>
-      <p:sp>
-        <p:nvSpPr>
-          <p:cNvPr id="2" name="Titel 1">
-            <a:extLst>
-              <a:ext uri="{FF2B5EF4-FFF2-40B4-BE49-F238E27FC236}">
                 <a16:creationId xmlns:a16="http://schemas.microsoft.com/office/drawing/2014/main" id="{BDECAEB1-542A-F848-9D2C-B10DFE956AB7}"/>
               </a:ext>
             </a:extLst>
@@ -5204,7 +5061,7 @@
 </p:sld>
 </file>
 
-<file path=ppt/slides/slide9.xml><?xml version="1.0" encoding="utf-8"?>
+<file path=ppt/slides/slide12.xml><?xml version="1.0" encoding="utf-8"?>
 <p:sld xmlns:a="http://schemas.openxmlformats.org/drawingml/2006/main" xmlns:r="http://schemas.openxmlformats.org/officeDocument/2006/relationships" xmlns:p="http://schemas.openxmlformats.org/presentationml/2006/main">
   <p:cSld>
     <p:spTree>
@@ -5767,6 +5624,2892 @@
     <p:extLst>
       <p:ext uri="{BB962C8B-B14F-4D97-AF65-F5344CB8AC3E}">
         <p14:creationId xmlns:p14="http://schemas.microsoft.com/office/powerpoint/2010/main" val="635308508"/>
+      </p:ext>
+    </p:extLst>
+  </p:cSld>
+  <p:clrMapOvr>
+    <a:masterClrMapping/>
+  </p:clrMapOvr>
+</p:sld>
+</file>
+
+<file path=ppt/slides/slide13.xml><?xml version="1.0" encoding="utf-8"?>
+<p:sld xmlns:a="http://schemas.openxmlformats.org/drawingml/2006/main" xmlns:r="http://schemas.openxmlformats.org/officeDocument/2006/relationships" xmlns:p="http://schemas.openxmlformats.org/presentationml/2006/main">
+  <p:cSld>
+    <p:spTree>
+      <p:nvGrpSpPr>
+        <p:cNvPr id="1" name=""/>
+        <p:cNvGrpSpPr/>
+        <p:nvPr/>
+      </p:nvGrpSpPr>
+      <p:grpSpPr>
+        <a:xfrm>
+          <a:off x="0" y="0"/>
+          <a:ext cx="0" cy="0"/>
+          <a:chOff x="0" y="0"/>
+          <a:chExt cx="0" cy="0"/>
+        </a:xfrm>
+      </p:grpSpPr>
+      <p:sp>
+        <p:nvSpPr>
+          <p:cNvPr id="2" name="Titel 1">
+            <a:extLst>
+              <a:ext uri="{FF2B5EF4-FFF2-40B4-BE49-F238E27FC236}">
+                <a16:creationId xmlns:a16="http://schemas.microsoft.com/office/drawing/2014/main" id="{5174C44D-C4DB-C046-8C22-0504A1BEC542}"/>
+              </a:ext>
+            </a:extLst>
+          </p:cNvPr>
+          <p:cNvSpPr>
+            <a:spLocks noGrp="1"/>
+          </p:cNvSpPr>
+          <p:nvPr>
+            <p:ph type="title"/>
+          </p:nvPr>
+        </p:nvSpPr>
+        <p:spPr/>
+        <p:txBody>
+          <a:bodyPr/>
+          <a:lstStyle/>
+          <a:p>
+            <a:r>
+              <a:rPr lang="en-GB" dirty="0"/>
+              <a:t>Future: </a:t>
+            </a:r>
+          </a:p>
+        </p:txBody>
+      </p:sp>
+      <p:sp>
+        <p:nvSpPr>
+          <p:cNvPr id="3" name="Tijdelijke aanduiding voor inhoud 2">
+            <a:extLst>
+              <a:ext uri="{FF2B5EF4-FFF2-40B4-BE49-F238E27FC236}">
+                <a16:creationId xmlns:a16="http://schemas.microsoft.com/office/drawing/2014/main" id="{E1082D90-0845-5944-814F-31A506E1E0F2}"/>
+              </a:ext>
+            </a:extLst>
+          </p:cNvPr>
+          <p:cNvSpPr>
+            <a:spLocks noGrp="1"/>
+          </p:cNvSpPr>
+          <p:nvPr>
+            <p:ph sz="half" idx="1"/>
+          </p:nvPr>
+        </p:nvSpPr>
+        <p:spPr/>
+        <p:txBody>
+          <a:bodyPr/>
+          <a:lstStyle/>
+          <a:p>
+            <a:r>
+              <a:rPr lang="en-GB" dirty="0" err="1"/>
+              <a:t>Welke</a:t>
+            </a:r>
+            <a:r>
+              <a:rPr lang="en-GB" dirty="0"/>
+              <a:t> </a:t>
+            </a:r>
+            <a:r>
+              <a:rPr lang="en-GB" dirty="0" err="1"/>
+              <a:t>heuristieken</a:t>
+            </a:r>
+            <a:r>
+              <a:rPr lang="en-GB" dirty="0"/>
+              <a:t> </a:t>
+            </a:r>
+            <a:r>
+              <a:rPr lang="en-GB" dirty="0" err="1"/>
+              <a:t>gaan</a:t>
+            </a:r>
+            <a:r>
+              <a:rPr lang="en-GB" dirty="0"/>
+              <a:t> we </a:t>
+            </a:r>
+            <a:r>
+              <a:rPr lang="en-GB" dirty="0" err="1"/>
+              <a:t>komende</a:t>
+            </a:r>
+            <a:r>
+              <a:rPr lang="en-GB" dirty="0"/>
+              <a:t> week </a:t>
+            </a:r>
+            <a:r>
+              <a:rPr lang="en-GB" dirty="0" err="1"/>
+              <a:t>aan</a:t>
+            </a:r>
+            <a:r>
+              <a:rPr lang="en-GB" dirty="0"/>
+              <a:t> </a:t>
+            </a:r>
+            <a:r>
+              <a:rPr lang="en-GB" dirty="0" err="1"/>
+              <a:t>werken</a:t>
+            </a:r>
+            <a:r>
+              <a:rPr lang="en-GB" dirty="0"/>
+              <a:t>.</a:t>
+            </a:r>
+          </a:p>
+          <a:p>
+            <a:endParaRPr lang="en-GB" dirty="0"/>
+          </a:p>
+        </p:txBody>
+      </p:sp>
+      <p:sp>
+        <p:nvSpPr>
+          <p:cNvPr id="4" name="Tijdelijke aanduiding voor inhoud 3">
+            <a:extLst>
+              <a:ext uri="{FF2B5EF4-FFF2-40B4-BE49-F238E27FC236}">
+                <a16:creationId xmlns:a16="http://schemas.microsoft.com/office/drawing/2014/main" id="{7D861EC5-852D-834C-B001-4FF9DDDBC62F}"/>
+              </a:ext>
+            </a:extLst>
+          </p:cNvPr>
+          <p:cNvSpPr>
+            <a:spLocks noGrp="1"/>
+          </p:cNvSpPr>
+          <p:nvPr>
+            <p:ph sz="half" idx="2"/>
+          </p:nvPr>
+        </p:nvSpPr>
+        <p:spPr/>
+        <p:txBody>
+          <a:bodyPr/>
+          <a:lstStyle/>
+          <a:p>
+            <a:endParaRPr lang="en-GB"/>
+          </a:p>
+        </p:txBody>
+      </p:sp>
+    </p:spTree>
+    <p:extLst>
+      <p:ext uri="{BB962C8B-B14F-4D97-AF65-F5344CB8AC3E}">
+        <p14:creationId xmlns:p14="http://schemas.microsoft.com/office/powerpoint/2010/main" val="1963639422"/>
+      </p:ext>
+    </p:extLst>
+  </p:cSld>
+  <p:clrMapOvr>
+    <a:masterClrMapping/>
+  </p:clrMapOvr>
+</p:sld>
+</file>
+
+<file path=ppt/slides/slide14.xml><?xml version="1.0" encoding="utf-8"?>
+<p:sld xmlns:a="http://schemas.openxmlformats.org/drawingml/2006/main" xmlns:r="http://schemas.openxmlformats.org/officeDocument/2006/relationships" xmlns:p="http://schemas.openxmlformats.org/presentationml/2006/main">
+  <p:cSld>
+    <p:spTree>
+      <p:nvGrpSpPr>
+        <p:cNvPr id="1" name=""/>
+        <p:cNvGrpSpPr/>
+        <p:nvPr/>
+      </p:nvGrpSpPr>
+      <p:grpSpPr>
+        <a:xfrm>
+          <a:off x="0" y="0"/>
+          <a:ext cx="0" cy="0"/>
+          <a:chOff x="0" y="0"/>
+          <a:chExt cx="0" cy="0"/>
+        </a:xfrm>
+      </p:grpSpPr>
+      <p:sp>
+        <p:nvSpPr>
+          <p:cNvPr id="2" name="Titel 1">
+            <a:extLst>
+              <a:ext uri="{FF2B5EF4-FFF2-40B4-BE49-F238E27FC236}">
+                <a16:creationId xmlns:a16="http://schemas.microsoft.com/office/drawing/2014/main" id="{A40D14D6-C616-7346-AB1F-E0B3C6F3B4F5}"/>
+              </a:ext>
+            </a:extLst>
+          </p:cNvPr>
+          <p:cNvSpPr>
+            <a:spLocks noGrp="1"/>
+          </p:cNvSpPr>
+          <p:nvPr>
+            <p:ph type="ctrTitle"/>
+          </p:nvPr>
+        </p:nvSpPr>
+        <p:spPr/>
+        <p:txBody>
+          <a:bodyPr/>
+          <a:lstStyle/>
+          <a:p>
+            <a:r>
+              <a:rPr lang="en-GB" dirty="0"/>
+              <a:t>Questions and comments?</a:t>
+            </a:r>
+          </a:p>
+        </p:txBody>
+      </p:sp>
+      <p:sp>
+        <p:nvSpPr>
+          <p:cNvPr id="3" name="Ondertitel 2">
+            <a:extLst>
+              <a:ext uri="{FF2B5EF4-FFF2-40B4-BE49-F238E27FC236}">
+                <a16:creationId xmlns:a16="http://schemas.microsoft.com/office/drawing/2014/main" id="{CEF25AE3-A6E7-9F45-9D9A-CB2C1B23E372}"/>
+              </a:ext>
+            </a:extLst>
+          </p:cNvPr>
+          <p:cNvSpPr>
+            <a:spLocks noGrp="1"/>
+          </p:cNvSpPr>
+          <p:nvPr>
+            <p:ph type="subTitle" idx="1"/>
+          </p:nvPr>
+        </p:nvSpPr>
+        <p:spPr/>
+        <p:txBody>
+          <a:bodyPr>
+            <a:normAutofit fontScale="85000" lnSpcReduction="20000"/>
+          </a:bodyPr>
+          <a:lstStyle/>
+          <a:p>
+            <a:r>
+              <a:rPr lang="en-GB" dirty="0"/>
+              <a:t>Our questions:</a:t>
+            </a:r>
+          </a:p>
+          <a:p>
+            <a:pPr marL="457200" indent="-457200">
+              <a:buAutoNum type="arabicPeriod"/>
+            </a:pPr>
+            <a:r>
+              <a:rPr lang="en-GB" dirty="0"/>
+              <a:t>All our algorithms are ‘constructive’. Ideas where to think regarding iterative algorithms?</a:t>
+            </a:r>
+          </a:p>
+          <a:p>
+            <a:pPr marL="457200" indent="-457200">
+              <a:buAutoNum type="arabicPeriod"/>
+            </a:pPr>
+            <a:r>
+              <a:rPr lang="en-GB" dirty="0"/>
+              <a:t>What is your view on our choice for </a:t>
+            </a:r>
+            <a:r>
+              <a:rPr lang="en-GB" dirty="0" err="1"/>
+              <a:t>datastructure</a:t>
+            </a:r>
+            <a:r>
+              <a:rPr lang="en-GB" dirty="0"/>
+              <a:t>?</a:t>
+            </a:r>
+          </a:p>
+          <a:p>
+            <a:r>
+              <a:rPr lang="en-GB" dirty="0"/>
+              <a:t>Thank you for your attention</a:t>
+            </a:r>
+          </a:p>
+        </p:txBody>
+      </p:sp>
+    </p:spTree>
+    <p:extLst>
+      <p:ext uri="{BB962C8B-B14F-4D97-AF65-F5344CB8AC3E}">
+        <p14:creationId xmlns:p14="http://schemas.microsoft.com/office/powerpoint/2010/main" val="3056510008"/>
+      </p:ext>
+    </p:extLst>
+  </p:cSld>
+  <p:clrMapOvr>
+    <a:masterClrMapping/>
+  </p:clrMapOvr>
+</p:sld>
+</file>
+
+<file path=ppt/slides/slide2.xml><?xml version="1.0" encoding="utf-8"?>
+<p:sld xmlns:a="http://schemas.openxmlformats.org/drawingml/2006/main" xmlns:r="http://schemas.openxmlformats.org/officeDocument/2006/relationships" xmlns:p="http://schemas.openxmlformats.org/presentationml/2006/main">
+  <p:cSld>
+    <p:spTree>
+      <p:nvGrpSpPr>
+        <p:cNvPr id="1" name=""/>
+        <p:cNvGrpSpPr/>
+        <p:nvPr/>
+      </p:nvGrpSpPr>
+      <p:grpSpPr>
+        <a:xfrm>
+          <a:off x="0" y="0"/>
+          <a:ext cx="0" cy="0"/>
+          <a:chOff x="0" y="0"/>
+          <a:chExt cx="0" cy="0"/>
+        </a:xfrm>
+      </p:grpSpPr>
+      <p:sp>
+        <p:nvSpPr>
+          <p:cNvPr id="2" name="Titel 1">
+            <a:extLst>
+              <a:ext uri="{FF2B5EF4-FFF2-40B4-BE49-F238E27FC236}">
+                <a16:creationId xmlns:a16="http://schemas.microsoft.com/office/drawing/2014/main" id="{F7274416-F32F-B544-8C0A-29DD33A5E435}"/>
+              </a:ext>
+            </a:extLst>
+          </p:cNvPr>
+          <p:cNvSpPr>
+            <a:spLocks noGrp="1"/>
+          </p:cNvSpPr>
+          <p:nvPr>
+            <p:ph type="title"/>
+          </p:nvPr>
+        </p:nvSpPr>
+        <p:spPr/>
+        <p:txBody>
+          <a:bodyPr/>
+          <a:lstStyle/>
+          <a:p>
+            <a:r>
+              <a:rPr lang="en-GB" dirty="0"/>
+              <a:t>Format of the presentation	</a:t>
+            </a:r>
+          </a:p>
+        </p:txBody>
+      </p:sp>
+      <p:sp>
+        <p:nvSpPr>
+          <p:cNvPr id="3" name="Tijdelijke aanduiding voor inhoud 2">
+            <a:extLst>
+              <a:ext uri="{FF2B5EF4-FFF2-40B4-BE49-F238E27FC236}">
+                <a16:creationId xmlns:a16="http://schemas.microsoft.com/office/drawing/2014/main" id="{C3CA32CF-5E66-B548-80BE-AA3559B97AF3}"/>
+              </a:ext>
+            </a:extLst>
+          </p:cNvPr>
+          <p:cNvSpPr>
+            <a:spLocks noGrp="1"/>
+          </p:cNvSpPr>
+          <p:nvPr>
+            <p:ph idx="1"/>
+          </p:nvPr>
+        </p:nvSpPr>
+        <p:spPr>
+          <a:xfrm>
+            <a:off x="838200" y="1825625"/>
+            <a:ext cx="5099304" cy="4351338"/>
+          </a:xfrm>
+        </p:spPr>
+        <p:txBody>
+          <a:bodyPr>
+            <a:normAutofit fontScale="92500" lnSpcReduction="10000"/>
+          </a:bodyPr>
+          <a:lstStyle/>
+          <a:p>
+            <a:r>
+              <a:rPr lang="en-GB" dirty="0"/>
+              <a:t>1. Introduction in the casus</a:t>
+            </a:r>
+          </a:p>
+          <a:p>
+            <a:pPr lvl="1"/>
+            <a:r>
+              <a:rPr lang="en-GB" dirty="0"/>
+              <a:t>State Space of the problem (Mark)</a:t>
+            </a:r>
+          </a:p>
+          <a:p>
+            <a:r>
+              <a:rPr lang="en-GB" dirty="0"/>
+              <a:t>2. </a:t>
+            </a:r>
+            <a:r>
+              <a:rPr lang="en-GB" dirty="0" err="1"/>
+              <a:t>Datastructures</a:t>
+            </a:r>
+            <a:r>
+              <a:rPr lang="en-GB" dirty="0"/>
+              <a:t> (</a:t>
+            </a:r>
+            <a:r>
+              <a:rPr lang="en-GB" dirty="0" err="1"/>
+              <a:t>Terugblik</a:t>
+            </a:r>
+            <a:r>
+              <a:rPr lang="en-GB" dirty="0"/>
+              <a:t> </a:t>
+            </a:r>
+            <a:r>
+              <a:rPr lang="en-GB" dirty="0" err="1"/>
+              <a:t>vorige</a:t>
+            </a:r>
+            <a:r>
+              <a:rPr lang="en-GB" dirty="0"/>
+              <a:t> week) (</a:t>
+            </a:r>
+            <a:r>
+              <a:rPr lang="en-GB" dirty="0" err="1"/>
+              <a:t>Loek</a:t>
+            </a:r>
+            <a:r>
+              <a:rPr lang="en-GB" dirty="0"/>
+              <a:t>)</a:t>
+            </a:r>
+          </a:p>
+          <a:p>
+            <a:pPr lvl="1"/>
+            <a:r>
+              <a:rPr lang="en-GB" dirty="0" err="1"/>
+              <a:t>Dictionairy</a:t>
+            </a:r>
+            <a:r>
+              <a:rPr lang="en-GB" dirty="0"/>
+              <a:t> vs. Matrix</a:t>
+            </a:r>
+          </a:p>
+          <a:p>
+            <a:pPr lvl="1"/>
+            <a:r>
+              <a:rPr lang="en-GB" dirty="0"/>
+              <a:t>Results</a:t>
+            </a:r>
+          </a:p>
+          <a:p>
+            <a:r>
+              <a:rPr lang="en-GB" dirty="0"/>
+              <a:t>3. Algorithms (</a:t>
+            </a:r>
+            <a:r>
+              <a:rPr lang="en-GB" dirty="0" err="1"/>
+              <a:t>Sebas</a:t>
+            </a:r>
+            <a:r>
+              <a:rPr lang="en-GB" dirty="0"/>
+              <a:t>)</a:t>
+            </a:r>
+          </a:p>
+          <a:p>
+            <a:pPr lvl="1"/>
+            <a:r>
+              <a:rPr lang="en-GB" dirty="0"/>
+              <a:t>Random, Greedy</a:t>
+            </a:r>
+          </a:p>
+          <a:p>
+            <a:r>
+              <a:rPr lang="en-GB" dirty="0"/>
+              <a:t>4. Results (</a:t>
+            </a:r>
+            <a:r>
+              <a:rPr lang="en-GB" dirty="0" err="1"/>
+              <a:t>Sebas</a:t>
+            </a:r>
+            <a:r>
+              <a:rPr lang="en-GB" dirty="0"/>
+              <a:t>)</a:t>
+            </a:r>
+          </a:p>
+          <a:p>
+            <a:r>
+              <a:rPr lang="en-GB" dirty="0"/>
+              <a:t>Future </a:t>
+            </a:r>
+            <a:r>
+              <a:rPr lang="en-GB" dirty="0" err="1"/>
+              <a:t>heuristieken</a:t>
+            </a:r>
+            <a:r>
+              <a:rPr lang="en-GB" dirty="0"/>
+              <a:t> (</a:t>
+            </a:r>
+            <a:r>
+              <a:rPr lang="en-GB" dirty="0" err="1"/>
+              <a:t>Allemaal</a:t>
+            </a:r>
+            <a:r>
+              <a:rPr lang="en-GB" dirty="0"/>
+              <a:t>)</a:t>
+            </a:r>
+          </a:p>
+          <a:p>
+            <a:r>
+              <a:rPr lang="en-GB" dirty="0"/>
+              <a:t>5. Q&amp;A and discussion (Mark)</a:t>
+            </a:r>
+          </a:p>
+        </p:txBody>
+      </p:sp>
+    </p:spTree>
+    <p:extLst>
+      <p:ext uri="{BB962C8B-B14F-4D97-AF65-F5344CB8AC3E}">
+        <p14:creationId xmlns:p14="http://schemas.microsoft.com/office/powerpoint/2010/main" val="2072180750"/>
+      </p:ext>
+    </p:extLst>
+  </p:cSld>
+  <p:clrMapOvr>
+    <a:masterClrMapping/>
+  </p:clrMapOvr>
+</p:sld>
+</file>
+
+<file path=ppt/slides/slide3.xml><?xml version="1.0" encoding="utf-8"?>
+<p:sld xmlns:a="http://schemas.openxmlformats.org/drawingml/2006/main" xmlns:r="http://schemas.openxmlformats.org/officeDocument/2006/relationships" xmlns:p="http://schemas.openxmlformats.org/presentationml/2006/main">
+  <p:cSld>
+    <p:spTree>
+      <p:nvGrpSpPr>
+        <p:cNvPr id="1" name=""/>
+        <p:cNvGrpSpPr/>
+        <p:nvPr/>
+      </p:nvGrpSpPr>
+      <p:grpSpPr>
+        <a:xfrm>
+          <a:off x="0" y="0"/>
+          <a:ext cx="0" cy="0"/>
+          <a:chOff x="0" y="0"/>
+          <a:chExt cx="0" cy="0"/>
+        </a:xfrm>
+      </p:grpSpPr>
+      <p:sp>
+        <p:nvSpPr>
+          <p:cNvPr id="2" name="Titel 1">
+            <a:extLst>
+              <a:ext uri="{FF2B5EF4-FFF2-40B4-BE49-F238E27FC236}">
+                <a16:creationId xmlns:a16="http://schemas.microsoft.com/office/drawing/2014/main" id="{048DA664-7B4B-904F-9F8D-5AD398A7E951}"/>
+              </a:ext>
+            </a:extLst>
+          </p:cNvPr>
+          <p:cNvSpPr>
+            <a:spLocks noGrp="1"/>
+          </p:cNvSpPr>
+          <p:nvPr>
+            <p:ph type="title"/>
+          </p:nvPr>
+        </p:nvSpPr>
+        <p:spPr/>
+        <p:txBody>
+          <a:bodyPr/>
+          <a:lstStyle/>
+          <a:p>
+            <a:r>
+              <a:rPr lang="en-GB" dirty="0"/>
+              <a:t>1. Introduction: Stability of proteins</a:t>
+            </a:r>
+          </a:p>
+        </p:txBody>
+      </p:sp>
+      <p:sp>
+        <p:nvSpPr>
+          <p:cNvPr id="3" name="Tijdelijke aanduiding voor inhoud 2">
+            <a:extLst>
+              <a:ext uri="{FF2B5EF4-FFF2-40B4-BE49-F238E27FC236}">
+                <a16:creationId xmlns:a16="http://schemas.microsoft.com/office/drawing/2014/main" id="{2ACC9E0D-2DE6-F443-ABB8-3C6A56624642}"/>
+              </a:ext>
+            </a:extLst>
+          </p:cNvPr>
+          <p:cNvSpPr>
+            <a:spLocks noGrp="1"/>
+          </p:cNvSpPr>
+          <p:nvPr>
+            <p:ph sz="half" idx="1"/>
+          </p:nvPr>
+        </p:nvSpPr>
+        <p:spPr/>
+        <p:txBody>
+          <a:bodyPr/>
+          <a:lstStyle/>
+          <a:p>
+            <a:r>
+              <a:rPr lang="en-GB" dirty="0"/>
+              <a:t>Proteins </a:t>
+            </a:r>
+            <a:r>
+              <a:rPr lang="en-GB" dirty="0" err="1"/>
+              <a:t>fulfill</a:t>
+            </a:r>
+            <a:r>
+              <a:rPr lang="en-GB" dirty="0"/>
+              <a:t> numerous function inside the human body</a:t>
+            </a:r>
+          </a:p>
+          <a:p>
+            <a:r>
+              <a:rPr lang="en-GB" dirty="0"/>
+              <a:t>Faulty proteins linked to diseases such as </a:t>
+            </a:r>
+            <a:r>
+              <a:rPr lang="en-GB" dirty="0" err="1"/>
+              <a:t>Alzheimers</a:t>
+            </a:r>
+            <a:r>
+              <a:rPr lang="en-GB" dirty="0"/>
+              <a:t> or </a:t>
+            </a:r>
+            <a:r>
+              <a:rPr lang="en-GB" dirty="0" err="1"/>
+              <a:t>huntington</a:t>
+            </a:r>
+            <a:endParaRPr lang="en-GB"/>
+          </a:p>
+          <a:p>
+            <a:endParaRPr lang="en-GB" dirty="0"/>
+          </a:p>
+        </p:txBody>
+      </p:sp>
+      <p:sp>
+        <p:nvSpPr>
+          <p:cNvPr id="5" name="Tijdelijke aanduiding voor inhoud 4">
+            <a:extLst>
+              <a:ext uri="{FF2B5EF4-FFF2-40B4-BE49-F238E27FC236}">
+                <a16:creationId xmlns:a16="http://schemas.microsoft.com/office/drawing/2014/main" id="{842E5C41-B8DD-0B47-9AE2-799184EDB5CD}"/>
+              </a:ext>
+            </a:extLst>
+          </p:cNvPr>
+          <p:cNvSpPr>
+            <a:spLocks noGrp="1"/>
+          </p:cNvSpPr>
+          <p:nvPr>
+            <p:ph sz="half" idx="2"/>
+          </p:nvPr>
+        </p:nvSpPr>
+        <p:spPr/>
+        <p:txBody>
+          <a:bodyPr/>
+          <a:lstStyle/>
+          <a:p>
+            <a:endParaRPr lang="en-GB"/>
+          </a:p>
+        </p:txBody>
+      </p:sp>
+    </p:spTree>
+    <p:extLst>
+      <p:ext uri="{BB962C8B-B14F-4D97-AF65-F5344CB8AC3E}">
+        <p14:creationId xmlns:p14="http://schemas.microsoft.com/office/powerpoint/2010/main" val="2280769630"/>
+      </p:ext>
+    </p:extLst>
+  </p:cSld>
+  <p:clrMapOvr>
+    <a:masterClrMapping/>
+  </p:clrMapOvr>
+</p:sld>
+</file>
+
+<file path=ppt/slides/slide4.xml><?xml version="1.0" encoding="utf-8"?>
+<p:sld xmlns:a="http://schemas.openxmlformats.org/drawingml/2006/main" xmlns:r="http://schemas.openxmlformats.org/officeDocument/2006/relationships" xmlns:p="http://schemas.openxmlformats.org/presentationml/2006/main">
+  <p:cSld>
+    <p:spTree>
+      <p:nvGrpSpPr>
+        <p:cNvPr id="1" name=""/>
+        <p:cNvGrpSpPr/>
+        <p:nvPr/>
+      </p:nvGrpSpPr>
+      <p:grpSpPr>
+        <a:xfrm>
+          <a:off x="0" y="0"/>
+          <a:ext cx="0" cy="0"/>
+          <a:chOff x="0" y="0"/>
+          <a:chExt cx="0" cy="0"/>
+        </a:xfrm>
+      </p:grpSpPr>
+      <p:sp>
+        <p:nvSpPr>
+          <p:cNvPr id="2" name="Titel 1">
+            <a:extLst>
+              <a:ext uri="{FF2B5EF4-FFF2-40B4-BE49-F238E27FC236}">
+                <a16:creationId xmlns:a16="http://schemas.microsoft.com/office/drawing/2014/main" id="{048DA664-7B4B-904F-9F8D-5AD398A7E951}"/>
+              </a:ext>
+            </a:extLst>
+          </p:cNvPr>
+          <p:cNvSpPr>
+            <a:spLocks noGrp="1"/>
+          </p:cNvSpPr>
+          <p:nvPr>
+            <p:ph type="title"/>
+          </p:nvPr>
+        </p:nvSpPr>
+        <p:spPr/>
+        <p:txBody>
+          <a:bodyPr/>
+          <a:lstStyle/>
+          <a:p>
+            <a:r>
+              <a:rPr lang="en-GB" dirty="0"/>
+              <a:t>1. Introduction: Stability of proteins</a:t>
+            </a:r>
+          </a:p>
+        </p:txBody>
+      </p:sp>
+      <p:sp>
+        <p:nvSpPr>
+          <p:cNvPr id="3" name="Tijdelijke aanduiding voor inhoud 2">
+            <a:extLst>
+              <a:ext uri="{FF2B5EF4-FFF2-40B4-BE49-F238E27FC236}">
+                <a16:creationId xmlns:a16="http://schemas.microsoft.com/office/drawing/2014/main" id="{2ACC9E0D-2DE6-F443-ABB8-3C6A56624642}"/>
+              </a:ext>
+            </a:extLst>
+          </p:cNvPr>
+          <p:cNvSpPr>
+            <a:spLocks noGrp="1"/>
+          </p:cNvSpPr>
+          <p:nvPr>
+            <p:ph sz="half" idx="1"/>
+          </p:nvPr>
+        </p:nvSpPr>
+        <p:spPr/>
+        <p:txBody>
+          <a:bodyPr/>
+          <a:lstStyle/>
+          <a:p>
+            <a:r>
+              <a:rPr lang="en-GB" dirty="0"/>
+              <a:t>As more hydrophobic amino-acids (red) are next to each other, the more stable it is</a:t>
+            </a:r>
+          </a:p>
+          <a:p>
+            <a:r>
+              <a:rPr lang="en-GB" dirty="0"/>
+              <a:t>Stability of 0 means unstable</a:t>
+            </a:r>
+          </a:p>
+          <a:p>
+            <a:r>
+              <a:rPr lang="en-GB" dirty="0"/>
+              <a:t>Stability of -2 means more stable.</a:t>
+            </a:r>
+          </a:p>
+          <a:p>
+            <a:endParaRPr lang="en-GB" u="sng" dirty="0"/>
+          </a:p>
+          <a:p>
+            <a:r>
+              <a:rPr lang="en-GB" u="sng" dirty="0"/>
+              <a:t>Goal is to find protein structures that are as stable as possible.</a:t>
+            </a:r>
+          </a:p>
+        </p:txBody>
+      </p:sp>
+      <p:pic>
+        <p:nvPicPr>
+          <p:cNvPr id="8" name="Tijdelijke aanduiding voor inhoud 7">
+            <a:extLst>
+              <a:ext uri="{FF2B5EF4-FFF2-40B4-BE49-F238E27FC236}">
+                <a16:creationId xmlns:a16="http://schemas.microsoft.com/office/drawing/2014/main" id="{50283D78-CF71-3345-9AEB-76BDCA0FB0D2}"/>
+              </a:ext>
+            </a:extLst>
+          </p:cNvPr>
+          <p:cNvPicPr>
+            <a:picLocks noGrp="1" noChangeAspect="1"/>
+          </p:cNvPicPr>
+          <p:nvPr>
+            <p:ph sz="half" idx="2"/>
+          </p:nvPr>
+        </p:nvPicPr>
+        <p:blipFill>
+          <a:blip r:embed="rId2"/>
+          <a:stretch>
+            <a:fillRect/>
+          </a:stretch>
+        </p:blipFill>
+        <p:spPr>
+          <a:xfrm>
+            <a:off x="6096000" y="2015398"/>
+            <a:ext cx="5181600" cy="2827204"/>
+          </a:xfrm>
+        </p:spPr>
+      </p:pic>
+    </p:spTree>
+    <p:extLst>
+      <p:ext uri="{BB962C8B-B14F-4D97-AF65-F5344CB8AC3E}">
+        <p14:creationId xmlns:p14="http://schemas.microsoft.com/office/powerpoint/2010/main" val="1850888821"/>
+      </p:ext>
+    </p:extLst>
+  </p:cSld>
+  <p:clrMapOvr>
+    <a:masterClrMapping/>
+  </p:clrMapOvr>
+</p:sld>
+</file>
+
+<file path=ppt/slides/slide5.xml><?xml version="1.0" encoding="utf-8"?>
+<p:sld xmlns:a="http://schemas.openxmlformats.org/drawingml/2006/main" xmlns:r="http://schemas.openxmlformats.org/officeDocument/2006/relationships" xmlns:p="http://schemas.openxmlformats.org/presentationml/2006/main">
+  <p:cSld>
+    <p:spTree>
+      <p:nvGrpSpPr>
+        <p:cNvPr id="1" name=""/>
+        <p:cNvGrpSpPr/>
+        <p:nvPr/>
+      </p:nvGrpSpPr>
+      <p:grpSpPr>
+        <a:xfrm>
+          <a:off x="0" y="0"/>
+          <a:ext cx="0" cy="0"/>
+          <a:chOff x="0" y="0"/>
+          <a:chExt cx="0" cy="0"/>
+        </a:xfrm>
+      </p:grpSpPr>
+      <p:sp>
+        <p:nvSpPr>
+          <p:cNvPr id="2" name="Titel 1">
+            <a:extLst>
+              <a:ext uri="{FF2B5EF4-FFF2-40B4-BE49-F238E27FC236}">
+                <a16:creationId xmlns:a16="http://schemas.microsoft.com/office/drawing/2014/main" id="{469AD8D3-EDB6-5D49-8D44-472ED11B1188}"/>
+              </a:ext>
+            </a:extLst>
+          </p:cNvPr>
+          <p:cNvSpPr>
+            <a:spLocks noGrp="1"/>
+          </p:cNvSpPr>
+          <p:nvPr>
+            <p:ph type="title"/>
+          </p:nvPr>
+        </p:nvSpPr>
+        <p:spPr/>
+        <p:txBody>
+          <a:bodyPr/>
+          <a:lstStyle/>
+          <a:p>
+            <a:r>
+              <a:rPr lang="en-GB" dirty="0"/>
+              <a:t>1. Heuristics of Protein Pow(d)</a:t>
+            </a:r>
+            <a:r>
+              <a:rPr lang="en-GB" dirty="0" err="1"/>
+              <a:t>er</a:t>
+            </a:r>
+            <a:endParaRPr lang="en-GB" dirty="0"/>
+          </a:p>
+        </p:txBody>
+      </p:sp>
+      <p:sp>
+        <p:nvSpPr>
+          <p:cNvPr id="3" name="Tijdelijke aanduiding voor inhoud 2">
+            <a:extLst>
+              <a:ext uri="{FF2B5EF4-FFF2-40B4-BE49-F238E27FC236}">
+                <a16:creationId xmlns:a16="http://schemas.microsoft.com/office/drawing/2014/main" id="{70EB0242-E78A-C44A-8160-6A82BC9E7222}"/>
+              </a:ext>
+            </a:extLst>
+          </p:cNvPr>
+          <p:cNvSpPr>
+            <a:spLocks noGrp="1"/>
+          </p:cNvSpPr>
+          <p:nvPr>
+            <p:ph sz="half" idx="1"/>
+          </p:nvPr>
+        </p:nvSpPr>
+        <p:spPr/>
+        <p:txBody>
+          <a:bodyPr/>
+          <a:lstStyle/>
+          <a:p>
+            <a:r>
+              <a:rPr lang="en-GB" dirty="0"/>
+              <a:t>Constrained Optimization Problem</a:t>
+            </a:r>
+          </a:p>
+          <a:p>
+            <a:pPr lvl="1"/>
+            <a:r>
+              <a:rPr lang="en-GB" dirty="0"/>
+              <a:t>Constraints</a:t>
+            </a:r>
+          </a:p>
+          <a:p>
+            <a:pPr lvl="2"/>
+            <a:r>
+              <a:rPr lang="en-GB" dirty="0"/>
+              <a:t>Amino-acid string is given</a:t>
+            </a:r>
+          </a:p>
+          <a:p>
+            <a:pPr lvl="2"/>
+            <a:r>
+              <a:rPr lang="en-GB" dirty="0"/>
+              <a:t>All amino-acids must be used</a:t>
+            </a:r>
+          </a:p>
+          <a:p>
+            <a:pPr lvl="2"/>
+            <a:r>
+              <a:rPr lang="en-GB" dirty="0"/>
+              <a:t>Amino-acids cannot overlap</a:t>
+            </a:r>
+          </a:p>
+          <a:p>
+            <a:pPr lvl="1"/>
+            <a:r>
+              <a:rPr lang="en-GB" dirty="0"/>
+              <a:t>Optimization</a:t>
+            </a:r>
+          </a:p>
+          <a:p>
+            <a:pPr lvl="2"/>
+            <a:r>
+              <a:rPr lang="en-GB" dirty="0"/>
+              <a:t>Legitimate solution with the highest </a:t>
+            </a:r>
+          </a:p>
+          <a:p>
+            <a:endParaRPr lang="en-GB" dirty="0"/>
+          </a:p>
+          <a:p>
+            <a:pPr marL="0" indent="0">
+              <a:buNone/>
+            </a:pPr>
+            <a:endParaRPr lang="en-GB" dirty="0"/>
+          </a:p>
+        </p:txBody>
+      </p:sp>
+      <p:sp>
+        <p:nvSpPr>
+          <p:cNvPr id="4" name="Tijdelijke aanduiding voor inhoud 3">
+            <a:extLst>
+              <a:ext uri="{FF2B5EF4-FFF2-40B4-BE49-F238E27FC236}">
+                <a16:creationId xmlns:a16="http://schemas.microsoft.com/office/drawing/2014/main" id="{9C67E9D9-F639-D049-A1C7-EF4275E5D4A7}"/>
+              </a:ext>
+            </a:extLst>
+          </p:cNvPr>
+          <p:cNvSpPr>
+            <a:spLocks noGrp="1"/>
+          </p:cNvSpPr>
+          <p:nvPr>
+            <p:ph sz="half" idx="2"/>
+          </p:nvPr>
+        </p:nvSpPr>
+        <p:spPr/>
+        <p:txBody>
+          <a:bodyPr/>
+          <a:lstStyle/>
+          <a:p>
+            <a:endParaRPr lang="en-GB" dirty="0"/>
+          </a:p>
+        </p:txBody>
+      </p:sp>
+    </p:spTree>
+    <p:extLst>
+      <p:ext uri="{BB962C8B-B14F-4D97-AF65-F5344CB8AC3E}">
+        <p14:creationId xmlns:p14="http://schemas.microsoft.com/office/powerpoint/2010/main" val="2066508210"/>
+      </p:ext>
+    </p:extLst>
+  </p:cSld>
+  <p:clrMapOvr>
+    <a:masterClrMapping/>
+  </p:clrMapOvr>
+</p:sld>
+</file>
+
+<file path=ppt/slides/slide6.xml><?xml version="1.0" encoding="utf-8"?>
+<p:sld xmlns:a="http://schemas.openxmlformats.org/drawingml/2006/main" xmlns:r="http://schemas.openxmlformats.org/officeDocument/2006/relationships" xmlns:p="http://schemas.openxmlformats.org/presentationml/2006/main">
+  <p:cSld>
+    <p:spTree>
+      <p:nvGrpSpPr>
+        <p:cNvPr id="1" name=""/>
+        <p:cNvGrpSpPr/>
+        <p:nvPr/>
+      </p:nvGrpSpPr>
+      <p:grpSpPr>
+        <a:xfrm>
+          <a:off x="0" y="0"/>
+          <a:ext cx="0" cy="0"/>
+          <a:chOff x="0" y="0"/>
+          <a:chExt cx="0" cy="0"/>
+        </a:xfrm>
+      </p:grpSpPr>
+      <p:sp>
+        <p:nvSpPr>
+          <p:cNvPr id="2" name="Titel 1">
+            <a:extLst>
+              <a:ext uri="{FF2B5EF4-FFF2-40B4-BE49-F238E27FC236}">
+                <a16:creationId xmlns:a16="http://schemas.microsoft.com/office/drawing/2014/main" id="{048DA664-7B4B-904F-9F8D-5AD398A7E951}"/>
+              </a:ext>
+            </a:extLst>
+          </p:cNvPr>
+          <p:cNvSpPr>
+            <a:spLocks noGrp="1"/>
+          </p:cNvSpPr>
+          <p:nvPr>
+            <p:ph type="title"/>
+          </p:nvPr>
+        </p:nvSpPr>
+        <p:spPr/>
+        <p:txBody>
+          <a:bodyPr/>
+          <a:lstStyle/>
+          <a:p>
+            <a:r>
+              <a:rPr lang="en-GB" dirty="0"/>
+              <a:t>1. State Space </a:t>
+            </a:r>
+            <a:r>
+              <a:rPr lang="en-GB" dirty="0" err="1"/>
+              <a:t>en</a:t>
+            </a:r>
+            <a:r>
+              <a:rPr lang="en-GB" dirty="0"/>
+              <a:t> upper/lower bounds</a:t>
+            </a:r>
+          </a:p>
+        </p:txBody>
+      </p:sp>
+      <p:sp>
+        <p:nvSpPr>
+          <p:cNvPr id="3" name="Tijdelijke aanduiding voor inhoud 2">
+            <a:extLst>
+              <a:ext uri="{FF2B5EF4-FFF2-40B4-BE49-F238E27FC236}">
+                <a16:creationId xmlns:a16="http://schemas.microsoft.com/office/drawing/2014/main" id="{2ACC9E0D-2DE6-F443-ABB8-3C6A56624642}"/>
+              </a:ext>
+            </a:extLst>
+          </p:cNvPr>
+          <p:cNvSpPr>
+            <a:spLocks noGrp="1"/>
+          </p:cNvSpPr>
+          <p:nvPr>
+            <p:ph sz="half" idx="1"/>
+          </p:nvPr>
+        </p:nvSpPr>
+        <p:spPr>
+          <a:xfrm>
+            <a:off x="838200" y="1825625"/>
+            <a:ext cx="5181600" cy="4667250"/>
+          </a:xfrm>
+        </p:spPr>
+        <p:txBody>
+          <a:bodyPr>
+            <a:normAutofit/>
+          </a:bodyPr>
+          <a:lstStyle/>
+          <a:p>
+            <a:r>
+              <a:rPr lang="en-GB" dirty="0" err="1">
+                <a:sym typeface="Wingdings" pitchFamily="2" charset="2"/>
+              </a:rPr>
+              <a:t>Statespace</a:t>
+            </a:r>
+            <a:endParaRPr lang="en-GB" dirty="0">
+              <a:sym typeface="Wingdings" pitchFamily="2" charset="2"/>
+            </a:endParaRPr>
+          </a:p>
+          <a:p>
+            <a:r>
+              <a:rPr lang="en-GB" dirty="0">
+                <a:sym typeface="Wingdings" pitchFamily="2" charset="2"/>
+              </a:rPr>
+              <a:t> </a:t>
+            </a:r>
+            <a:r>
+              <a:rPr lang="en-GB" dirty="0"/>
+              <a:t>4</a:t>
+            </a:r>
+            <a:r>
+              <a:rPr lang="en-GB" baseline="30000" dirty="0"/>
+              <a:t>n-1</a:t>
+            </a:r>
+          </a:p>
+          <a:p>
+            <a:pPr lvl="1"/>
+            <a:r>
+              <a:rPr lang="en-GB" dirty="0"/>
+              <a:t>Amino acids cannot overlap</a:t>
+            </a:r>
+          </a:p>
+          <a:p>
+            <a:pPr lvl="1"/>
+            <a:r>
+              <a:rPr lang="en-GB" dirty="0">
+                <a:sym typeface="Wingdings" pitchFamily="2" charset="2"/>
+              </a:rPr>
+              <a:t> 4*3</a:t>
+            </a:r>
+            <a:r>
+              <a:rPr lang="en-GB" baseline="30000" dirty="0">
+                <a:sym typeface="Wingdings" pitchFamily="2" charset="2"/>
+              </a:rPr>
+              <a:t>n</a:t>
+            </a:r>
+          </a:p>
+          <a:p>
+            <a:pPr lvl="1"/>
+            <a:r>
+              <a:rPr lang="en-GB" dirty="0">
+                <a:sym typeface="Wingdings" pitchFamily="2" charset="2"/>
+              </a:rPr>
+              <a:t> 3</a:t>
+            </a:r>
+            <a:r>
+              <a:rPr lang="en-GB" baseline="30000" dirty="0">
+                <a:sym typeface="Wingdings" pitchFamily="2" charset="2"/>
+              </a:rPr>
+              <a:t>n-2</a:t>
+            </a:r>
+          </a:p>
+          <a:p>
+            <a:pPr lvl="1"/>
+            <a:endParaRPr lang="en-GB" baseline="30000" dirty="0">
+              <a:sym typeface="Wingdings" pitchFamily="2" charset="2"/>
+            </a:endParaRPr>
+          </a:p>
+          <a:p>
+            <a:pPr lvl="1"/>
+            <a:endParaRPr lang="en-GB" dirty="0">
+              <a:sym typeface="Wingdings" pitchFamily="2" charset="2"/>
+            </a:endParaRPr>
+          </a:p>
+          <a:p>
+            <a:pPr lvl="1"/>
+            <a:endParaRPr lang="en-GB" baseline="30000" dirty="0">
+              <a:sym typeface="Wingdings" pitchFamily="2" charset="2"/>
+            </a:endParaRPr>
+          </a:p>
+          <a:p>
+            <a:pPr lvl="1"/>
+            <a:endParaRPr lang="en-GB" dirty="0">
+              <a:sym typeface="Wingdings" pitchFamily="2" charset="2"/>
+            </a:endParaRPr>
+          </a:p>
+          <a:p>
+            <a:pPr lvl="1"/>
+            <a:endParaRPr lang="en-GB" dirty="0">
+              <a:sym typeface="Wingdings" pitchFamily="2" charset="2"/>
+            </a:endParaRPr>
+          </a:p>
+          <a:p>
+            <a:pPr lvl="1"/>
+            <a:endParaRPr lang="en-GB" dirty="0"/>
+          </a:p>
+          <a:p>
+            <a:pPr lvl="1"/>
+            <a:endParaRPr lang="en-GB" dirty="0"/>
+          </a:p>
+        </p:txBody>
+      </p:sp>
+      <p:sp>
+        <p:nvSpPr>
+          <p:cNvPr id="6" name="Tijdelijke aanduiding voor inhoud 2">
+            <a:extLst>
+              <a:ext uri="{FF2B5EF4-FFF2-40B4-BE49-F238E27FC236}">
+                <a16:creationId xmlns:a16="http://schemas.microsoft.com/office/drawing/2014/main" id="{D8788999-0DBD-574E-AD4D-A4B9E0412762}"/>
+              </a:ext>
+            </a:extLst>
+          </p:cNvPr>
+          <p:cNvSpPr txBox="1">
+            <a:spLocks/>
+          </p:cNvSpPr>
+          <p:nvPr/>
+        </p:nvSpPr>
+        <p:spPr>
+          <a:xfrm>
+            <a:off x="5819775" y="1825625"/>
+            <a:ext cx="5181600" cy="4667250"/>
+          </a:xfrm>
+          <a:prstGeom prst="rect">
+            <a:avLst/>
+          </a:prstGeom>
+        </p:spPr>
+        <p:txBody>
+          <a:bodyPr vert="horz" lIns="91440" tIns="45720" rIns="91440" bIns="45720" rtlCol="0">
+            <a:normAutofit/>
+          </a:bodyPr>
+          <a:lstStyle>
+            <a:lvl1pPr marL="228600" indent="-228600" algn="l" defTabSz="914400" rtl="0" eaLnBrk="1" latinLnBrk="0" hangingPunct="1">
+              <a:lnSpc>
+                <a:spcPct val="90000"/>
+              </a:lnSpc>
+              <a:spcBef>
+                <a:spcPts val="1000"/>
+              </a:spcBef>
+              <a:buFont typeface="Arial" panose="020B0604020202020204" pitchFamily="34" charset="0"/>
+              <a:buChar char="•"/>
+              <a:defRPr sz="2800" kern="1200">
+                <a:solidFill>
+                  <a:schemeClr val="tx1"/>
+                </a:solidFill>
+                <a:latin typeface="+mn-lt"/>
+                <a:ea typeface="+mn-ea"/>
+                <a:cs typeface="+mn-cs"/>
+              </a:defRPr>
+            </a:lvl1pPr>
+            <a:lvl2pPr marL="685800" indent="-228600" algn="l" defTabSz="914400" rtl="0" eaLnBrk="1" latinLnBrk="0" hangingPunct="1">
+              <a:lnSpc>
+                <a:spcPct val="90000"/>
+              </a:lnSpc>
+              <a:spcBef>
+                <a:spcPts val="500"/>
+              </a:spcBef>
+              <a:buFont typeface="Arial" panose="020B0604020202020204" pitchFamily="34" charset="0"/>
+              <a:buChar char="•"/>
+              <a:defRPr sz="2400" kern="1200">
+                <a:solidFill>
+                  <a:schemeClr val="tx1"/>
+                </a:solidFill>
+                <a:latin typeface="+mn-lt"/>
+                <a:ea typeface="+mn-ea"/>
+                <a:cs typeface="+mn-cs"/>
+              </a:defRPr>
+            </a:lvl2pPr>
+            <a:lvl3pPr marL="1143000" indent="-228600" algn="l" defTabSz="914400" rtl="0" eaLnBrk="1" latinLnBrk="0" hangingPunct="1">
+              <a:lnSpc>
+                <a:spcPct val="90000"/>
+              </a:lnSpc>
+              <a:spcBef>
+                <a:spcPts val="500"/>
+              </a:spcBef>
+              <a:buFont typeface="Arial" panose="020B0604020202020204" pitchFamily="34" charset="0"/>
+              <a:buChar char="•"/>
+              <a:defRPr sz="2000" kern="1200">
+                <a:solidFill>
+                  <a:schemeClr val="tx1"/>
+                </a:solidFill>
+                <a:latin typeface="+mn-lt"/>
+                <a:ea typeface="+mn-ea"/>
+                <a:cs typeface="+mn-cs"/>
+              </a:defRPr>
+            </a:lvl3pPr>
+            <a:lvl4pPr marL="1600200" indent="-228600" algn="l" defTabSz="914400" rtl="0" eaLnBrk="1" latinLnBrk="0" hangingPunct="1">
+              <a:lnSpc>
+                <a:spcPct val="90000"/>
+              </a:lnSpc>
+              <a:spcBef>
+                <a:spcPts val="500"/>
+              </a:spcBef>
+              <a:buFont typeface="Arial" panose="020B0604020202020204" pitchFamily="34" charset="0"/>
+              <a:buChar char="•"/>
+              <a:defRPr sz="1800" kern="1200">
+                <a:solidFill>
+                  <a:schemeClr val="tx1"/>
+                </a:solidFill>
+                <a:latin typeface="+mn-lt"/>
+                <a:ea typeface="+mn-ea"/>
+                <a:cs typeface="+mn-cs"/>
+              </a:defRPr>
+            </a:lvl4pPr>
+            <a:lvl5pPr marL="2057400" indent="-228600" algn="l" defTabSz="914400" rtl="0" eaLnBrk="1" latinLnBrk="0" hangingPunct="1">
+              <a:lnSpc>
+                <a:spcPct val="90000"/>
+              </a:lnSpc>
+              <a:spcBef>
+                <a:spcPts val="500"/>
+              </a:spcBef>
+              <a:buFont typeface="Arial" panose="020B0604020202020204" pitchFamily="34" charset="0"/>
+              <a:buChar char="•"/>
+              <a:defRPr sz="1800" kern="1200">
+                <a:solidFill>
+                  <a:schemeClr val="tx1"/>
+                </a:solidFill>
+                <a:latin typeface="+mn-lt"/>
+                <a:ea typeface="+mn-ea"/>
+                <a:cs typeface="+mn-cs"/>
+              </a:defRPr>
+            </a:lvl5pPr>
+            <a:lvl6pPr marL="2514600" indent="-228600" algn="l" defTabSz="914400" rtl="0" eaLnBrk="1" latinLnBrk="0" hangingPunct="1">
+              <a:lnSpc>
+                <a:spcPct val="90000"/>
+              </a:lnSpc>
+              <a:spcBef>
+                <a:spcPts val="500"/>
+              </a:spcBef>
+              <a:buFont typeface="Arial" panose="020B0604020202020204" pitchFamily="34" charset="0"/>
+              <a:buChar char="•"/>
+              <a:defRPr sz="1800" kern="1200">
+                <a:solidFill>
+                  <a:schemeClr val="tx1"/>
+                </a:solidFill>
+                <a:latin typeface="+mn-lt"/>
+                <a:ea typeface="+mn-ea"/>
+                <a:cs typeface="+mn-cs"/>
+              </a:defRPr>
+            </a:lvl6pPr>
+            <a:lvl7pPr marL="2971800" indent="-228600" algn="l" defTabSz="914400" rtl="0" eaLnBrk="1" latinLnBrk="0" hangingPunct="1">
+              <a:lnSpc>
+                <a:spcPct val="90000"/>
+              </a:lnSpc>
+              <a:spcBef>
+                <a:spcPts val="500"/>
+              </a:spcBef>
+              <a:buFont typeface="Arial" panose="020B0604020202020204" pitchFamily="34" charset="0"/>
+              <a:buChar char="•"/>
+              <a:defRPr sz="1800" kern="1200">
+                <a:solidFill>
+                  <a:schemeClr val="tx1"/>
+                </a:solidFill>
+                <a:latin typeface="+mn-lt"/>
+                <a:ea typeface="+mn-ea"/>
+                <a:cs typeface="+mn-cs"/>
+              </a:defRPr>
+            </a:lvl7pPr>
+            <a:lvl8pPr marL="3429000" indent="-228600" algn="l" defTabSz="914400" rtl="0" eaLnBrk="1" latinLnBrk="0" hangingPunct="1">
+              <a:lnSpc>
+                <a:spcPct val="90000"/>
+              </a:lnSpc>
+              <a:spcBef>
+                <a:spcPts val="500"/>
+              </a:spcBef>
+              <a:buFont typeface="Arial" panose="020B0604020202020204" pitchFamily="34" charset="0"/>
+              <a:buChar char="•"/>
+              <a:defRPr sz="1800" kern="1200">
+                <a:solidFill>
+                  <a:schemeClr val="tx1"/>
+                </a:solidFill>
+                <a:latin typeface="+mn-lt"/>
+                <a:ea typeface="+mn-ea"/>
+                <a:cs typeface="+mn-cs"/>
+              </a:defRPr>
+            </a:lvl8pPr>
+            <a:lvl9pPr marL="3886200" indent="-228600" algn="l" defTabSz="914400" rtl="0" eaLnBrk="1" latinLnBrk="0" hangingPunct="1">
+              <a:lnSpc>
+                <a:spcPct val="90000"/>
+              </a:lnSpc>
+              <a:spcBef>
+                <a:spcPts val="500"/>
+              </a:spcBef>
+              <a:buFont typeface="Arial" panose="020B0604020202020204" pitchFamily="34" charset="0"/>
+              <a:buChar char="•"/>
+              <a:defRPr sz="1800" kern="1200">
+                <a:solidFill>
+                  <a:schemeClr val="tx1"/>
+                </a:solidFill>
+                <a:latin typeface="+mn-lt"/>
+                <a:ea typeface="+mn-ea"/>
+                <a:cs typeface="+mn-cs"/>
+              </a:defRPr>
+            </a:lvl9pPr>
+          </a:lstStyle>
+          <a:p>
+            <a:r>
+              <a:rPr lang="en-GB" dirty="0" err="1"/>
+              <a:t>Upperbound</a:t>
+            </a:r>
+            <a:r>
+              <a:rPr lang="en-GB" dirty="0"/>
+              <a:t>: 3x</a:t>
+            </a:r>
+            <a:endParaRPr lang="en-GB" baseline="30000" dirty="0"/>
+          </a:p>
+          <a:p>
+            <a:r>
+              <a:rPr lang="en-GB" dirty="0"/>
+              <a:t>Met x is </a:t>
+            </a:r>
+            <a:r>
+              <a:rPr lang="en-GB" dirty="0" err="1"/>
+              <a:t>aantal</a:t>
+            </a:r>
+            <a:r>
+              <a:rPr lang="en-GB" dirty="0"/>
+              <a:t> H-elements</a:t>
+            </a:r>
+          </a:p>
+          <a:p>
+            <a:endParaRPr lang="en-GB" dirty="0"/>
+          </a:p>
+          <a:p>
+            <a:r>
+              <a:rPr lang="en-GB" dirty="0" err="1"/>
+              <a:t>Lowerbound</a:t>
+            </a:r>
+            <a:r>
+              <a:rPr lang="en-GB" dirty="0"/>
+              <a:t>: &gt; 0</a:t>
+            </a:r>
+          </a:p>
+          <a:p>
+            <a:pPr marL="457200" lvl="1" indent="0">
+              <a:buNone/>
+            </a:pPr>
+            <a:endParaRPr lang="en-GB" dirty="0">
+              <a:sym typeface="Wingdings" pitchFamily="2" charset="2"/>
+            </a:endParaRPr>
+          </a:p>
+          <a:p>
+            <a:pPr lvl="1"/>
+            <a:endParaRPr lang="en-GB" dirty="0"/>
+          </a:p>
+          <a:p>
+            <a:pPr lvl="1"/>
+            <a:endParaRPr lang="en-GB" dirty="0"/>
+          </a:p>
+        </p:txBody>
+      </p:sp>
+    </p:spTree>
+    <p:extLst>
+      <p:ext uri="{BB962C8B-B14F-4D97-AF65-F5344CB8AC3E}">
+        <p14:creationId xmlns:p14="http://schemas.microsoft.com/office/powerpoint/2010/main" val="2161073308"/>
+      </p:ext>
+    </p:extLst>
+  </p:cSld>
+  <p:clrMapOvr>
+    <a:masterClrMapping/>
+  </p:clrMapOvr>
+</p:sld>
+</file>
+
+<file path=ppt/slides/slide7.xml><?xml version="1.0" encoding="utf-8"?>
+<p:sld xmlns:a="http://schemas.openxmlformats.org/drawingml/2006/main" xmlns:r="http://schemas.openxmlformats.org/officeDocument/2006/relationships" xmlns:p="http://schemas.openxmlformats.org/presentationml/2006/main">
+  <p:cSld>
+    <p:spTree>
+      <p:nvGrpSpPr>
+        <p:cNvPr id="1" name=""/>
+        <p:cNvGrpSpPr/>
+        <p:nvPr/>
+      </p:nvGrpSpPr>
+      <p:grpSpPr>
+        <a:xfrm>
+          <a:off x="0" y="0"/>
+          <a:ext cx="0" cy="0"/>
+          <a:chOff x="0" y="0"/>
+          <a:chExt cx="0" cy="0"/>
+        </a:xfrm>
+      </p:grpSpPr>
+      <p:sp>
+        <p:nvSpPr>
+          <p:cNvPr id="2" name="Titel 1">
+            <a:extLst>
+              <a:ext uri="{FF2B5EF4-FFF2-40B4-BE49-F238E27FC236}">
+                <a16:creationId xmlns:a16="http://schemas.microsoft.com/office/drawing/2014/main" id="{469AD8D3-EDB6-5D49-8D44-472ED11B1188}"/>
+              </a:ext>
+            </a:extLst>
+          </p:cNvPr>
+          <p:cNvSpPr>
+            <a:spLocks noGrp="1"/>
+          </p:cNvSpPr>
+          <p:nvPr>
+            <p:ph type="title"/>
+          </p:nvPr>
+        </p:nvSpPr>
+        <p:spPr/>
+        <p:txBody>
+          <a:bodyPr/>
+          <a:lstStyle/>
+          <a:p>
+            <a:r>
+              <a:rPr lang="en-GB" dirty="0"/>
+              <a:t>2. Quick recap</a:t>
+            </a:r>
+          </a:p>
+        </p:txBody>
+      </p:sp>
+      <p:sp>
+        <p:nvSpPr>
+          <p:cNvPr id="3" name="Tijdelijke aanduiding voor inhoud 2">
+            <a:extLst>
+              <a:ext uri="{FF2B5EF4-FFF2-40B4-BE49-F238E27FC236}">
+                <a16:creationId xmlns:a16="http://schemas.microsoft.com/office/drawing/2014/main" id="{70EB0242-E78A-C44A-8160-6A82BC9E7222}"/>
+              </a:ext>
+            </a:extLst>
+          </p:cNvPr>
+          <p:cNvSpPr>
+            <a:spLocks noGrp="1"/>
+          </p:cNvSpPr>
+          <p:nvPr>
+            <p:ph sz="half" idx="1"/>
+          </p:nvPr>
+        </p:nvSpPr>
+        <p:spPr>
+          <a:xfrm>
+            <a:off x="838200" y="1825625"/>
+            <a:ext cx="5181600" cy="1492928"/>
+          </a:xfrm>
+        </p:spPr>
+        <p:txBody>
+          <a:bodyPr/>
+          <a:lstStyle/>
+          <a:p>
+            <a:r>
+              <a:rPr lang="en-GB" dirty="0"/>
+              <a:t>Element Object</a:t>
+            </a:r>
+          </a:p>
+          <a:p>
+            <a:pPr lvl="1"/>
+            <a:r>
+              <a:rPr lang="en-GB" dirty="0"/>
+              <a:t>Stores: coordinates, direction, type</a:t>
+            </a:r>
+          </a:p>
+        </p:txBody>
+      </p:sp>
+      <p:sp>
+        <p:nvSpPr>
+          <p:cNvPr id="4" name="Tijdelijke aanduiding voor inhoud 3">
+            <a:extLst>
+              <a:ext uri="{FF2B5EF4-FFF2-40B4-BE49-F238E27FC236}">
+                <a16:creationId xmlns:a16="http://schemas.microsoft.com/office/drawing/2014/main" id="{9C67E9D9-F639-D049-A1C7-EF4275E5D4A7}"/>
+              </a:ext>
+            </a:extLst>
+          </p:cNvPr>
+          <p:cNvSpPr>
+            <a:spLocks noGrp="1"/>
+          </p:cNvSpPr>
+          <p:nvPr>
+            <p:ph sz="half" idx="2"/>
+          </p:nvPr>
+        </p:nvSpPr>
+        <p:spPr>
+          <a:xfrm>
+            <a:off x="6172200" y="1825625"/>
+            <a:ext cx="5181600" cy="1492928"/>
+          </a:xfrm>
+        </p:spPr>
+        <p:txBody>
+          <a:bodyPr/>
+          <a:lstStyle/>
+          <a:p>
+            <a:r>
+              <a:rPr lang="en-GB" dirty="0"/>
+              <a:t>Lattice Object</a:t>
+            </a:r>
+          </a:p>
+          <a:p>
+            <a:pPr lvl="1"/>
+            <a:r>
+              <a:rPr lang="en-GB" dirty="0"/>
+              <a:t>Stores: element objects in two ways</a:t>
+            </a:r>
+          </a:p>
+        </p:txBody>
+      </p:sp>
+      <p:sp>
+        <p:nvSpPr>
+          <p:cNvPr id="5" name="Tijdelijke aanduiding voor inhoud 2">
+            <a:extLst>
+              <a:ext uri="{FF2B5EF4-FFF2-40B4-BE49-F238E27FC236}">
+                <a16:creationId xmlns:a16="http://schemas.microsoft.com/office/drawing/2014/main" id="{27ADD09B-7A82-4A58-A517-163996F1954A}"/>
+              </a:ext>
+            </a:extLst>
+          </p:cNvPr>
+          <p:cNvSpPr txBox="1">
+            <a:spLocks/>
+          </p:cNvSpPr>
+          <p:nvPr/>
+        </p:nvSpPr>
+        <p:spPr>
+          <a:xfrm>
+            <a:off x="838200" y="3559997"/>
+            <a:ext cx="5181600" cy="1492928"/>
+          </a:xfrm>
+          <a:prstGeom prst="rect">
+            <a:avLst/>
+          </a:prstGeom>
+        </p:spPr>
+        <p:txBody>
+          <a:bodyPr vert="horz" lIns="91440" tIns="45720" rIns="91440" bIns="45720" rtlCol="0">
+            <a:normAutofit/>
+          </a:bodyPr>
+          <a:lstStyle>
+            <a:lvl1pPr marL="228600" indent="-228600" algn="l" defTabSz="914400" rtl="0" eaLnBrk="1" latinLnBrk="0" hangingPunct="1">
+              <a:lnSpc>
+                <a:spcPct val="90000"/>
+              </a:lnSpc>
+              <a:spcBef>
+                <a:spcPts val="1000"/>
+              </a:spcBef>
+              <a:buFont typeface="Arial" panose="020B0604020202020204" pitchFamily="34" charset="0"/>
+              <a:buChar char="•"/>
+              <a:defRPr sz="2800" kern="1200">
+                <a:solidFill>
+                  <a:schemeClr val="tx1"/>
+                </a:solidFill>
+                <a:latin typeface="+mn-lt"/>
+                <a:ea typeface="+mn-ea"/>
+                <a:cs typeface="+mn-cs"/>
+              </a:defRPr>
+            </a:lvl1pPr>
+            <a:lvl2pPr marL="685800" indent="-228600" algn="l" defTabSz="914400" rtl="0" eaLnBrk="1" latinLnBrk="0" hangingPunct="1">
+              <a:lnSpc>
+                <a:spcPct val="90000"/>
+              </a:lnSpc>
+              <a:spcBef>
+                <a:spcPts val="500"/>
+              </a:spcBef>
+              <a:buFont typeface="Arial" panose="020B0604020202020204" pitchFamily="34" charset="0"/>
+              <a:buChar char="•"/>
+              <a:defRPr sz="2400" kern="1200">
+                <a:solidFill>
+                  <a:schemeClr val="tx1"/>
+                </a:solidFill>
+                <a:latin typeface="+mn-lt"/>
+                <a:ea typeface="+mn-ea"/>
+                <a:cs typeface="+mn-cs"/>
+              </a:defRPr>
+            </a:lvl2pPr>
+            <a:lvl3pPr marL="1143000" indent="-228600" algn="l" defTabSz="914400" rtl="0" eaLnBrk="1" latinLnBrk="0" hangingPunct="1">
+              <a:lnSpc>
+                <a:spcPct val="90000"/>
+              </a:lnSpc>
+              <a:spcBef>
+                <a:spcPts val="500"/>
+              </a:spcBef>
+              <a:buFont typeface="Arial" panose="020B0604020202020204" pitchFamily="34" charset="0"/>
+              <a:buChar char="•"/>
+              <a:defRPr sz="2000" kern="1200">
+                <a:solidFill>
+                  <a:schemeClr val="tx1"/>
+                </a:solidFill>
+                <a:latin typeface="+mn-lt"/>
+                <a:ea typeface="+mn-ea"/>
+                <a:cs typeface="+mn-cs"/>
+              </a:defRPr>
+            </a:lvl3pPr>
+            <a:lvl4pPr marL="1600200" indent="-228600" algn="l" defTabSz="914400" rtl="0" eaLnBrk="1" latinLnBrk="0" hangingPunct="1">
+              <a:lnSpc>
+                <a:spcPct val="90000"/>
+              </a:lnSpc>
+              <a:spcBef>
+                <a:spcPts val="500"/>
+              </a:spcBef>
+              <a:buFont typeface="Arial" panose="020B0604020202020204" pitchFamily="34" charset="0"/>
+              <a:buChar char="•"/>
+              <a:defRPr sz="1800" kern="1200">
+                <a:solidFill>
+                  <a:schemeClr val="tx1"/>
+                </a:solidFill>
+                <a:latin typeface="+mn-lt"/>
+                <a:ea typeface="+mn-ea"/>
+                <a:cs typeface="+mn-cs"/>
+              </a:defRPr>
+            </a:lvl4pPr>
+            <a:lvl5pPr marL="2057400" indent="-228600" algn="l" defTabSz="914400" rtl="0" eaLnBrk="1" latinLnBrk="0" hangingPunct="1">
+              <a:lnSpc>
+                <a:spcPct val="90000"/>
+              </a:lnSpc>
+              <a:spcBef>
+                <a:spcPts val="500"/>
+              </a:spcBef>
+              <a:buFont typeface="Arial" panose="020B0604020202020204" pitchFamily="34" charset="0"/>
+              <a:buChar char="•"/>
+              <a:defRPr sz="1800" kern="1200">
+                <a:solidFill>
+                  <a:schemeClr val="tx1"/>
+                </a:solidFill>
+                <a:latin typeface="+mn-lt"/>
+                <a:ea typeface="+mn-ea"/>
+                <a:cs typeface="+mn-cs"/>
+              </a:defRPr>
+            </a:lvl5pPr>
+            <a:lvl6pPr marL="2514600" indent="-228600" algn="l" defTabSz="914400" rtl="0" eaLnBrk="1" latinLnBrk="0" hangingPunct="1">
+              <a:lnSpc>
+                <a:spcPct val="90000"/>
+              </a:lnSpc>
+              <a:spcBef>
+                <a:spcPts val="500"/>
+              </a:spcBef>
+              <a:buFont typeface="Arial" panose="020B0604020202020204" pitchFamily="34" charset="0"/>
+              <a:buChar char="•"/>
+              <a:defRPr sz="1800" kern="1200">
+                <a:solidFill>
+                  <a:schemeClr val="tx1"/>
+                </a:solidFill>
+                <a:latin typeface="+mn-lt"/>
+                <a:ea typeface="+mn-ea"/>
+                <a:cs typeface="+mn-cs"/>
+              </a:defRPr>
+            </a:lvl6pPr>
+            <a:lvl7pPr marL="2971800" indent="-228600" algn="l" defTabSz="914400" rtl="0" eaLnBrk="1" latinLnBrk="0" hangingPunct="1">
+              <a:lnSpc>
+                <a:spcPct val="90000"/>
+              </a:lnSpc>
+              <a:spcBef>
+                <a:spcPts val="500"/>
+              </a:spcBef>
+              <a:buFont typeface="Arial" panose="020B0604020202020204" pitchFamily="34" charset="0"/>
+              <a:buChar char="•"/>
+              <a:defRPr sz="1800" kern="1200">
+                <a:solidFill>
+                  <a:schemeClr val="tx1"/>
+                </a:solidFill>
+                <a:latin typeface="+mn-lt"/>
+                <a:ea typeface="+mn-ea"/>
+                <a:cs typeface="+mn-cs"/>
+              </a:defRPr>
+            </a:lvl7pPr>
+            <a:lvl8pPr marL="3429000" indent="-228600" algn="l" defTabSz="914400" rtl="0" eaLnBrk="1" latinLnBrk="0" hangingPunct="1">
+              <a:lnSpc>
+                <a:spcPct val="90000"/>
+              </a:lnSpc>
+              <a:spcBef>
+                <a:spcPts val="500"/>
+              </a:spcBef>
+              <a:buFont typeface="Arial" panose="020B0604020202020204" pitchFamily="34" charset="0"/>
+              <a:buChar char="•"/>
+              <a:defRPr sz="1800" kern="1200">
+                <a:solidFill>
+                  <a:schemeClr val="tx1"/>
+                </a:solidFill>
+                <a:latin typeface="+mn-lt"/>
+                <a:ea typeface="+mn-ea"/>
+                <a:cs typeface="+mn-cs"/>
+              </a:defRPr>
+            </a:lvl8pPr>
+            <a:lvl9pPr marL="3886200" indent="-228600" algn="l" defTabSz="914400" rtl="0" eaLnBrk="1" latinLnBrk="0" hangingPunct="1">
+              <a:lnSpc>
+                <a:spcPct val="90000"/>
+              </a:lnSpc>
+              <a:spcBef>
+                <a:spcPts val="500"/>
+              </a:spcBef>
+              <a:buFont typeface="Arial" panose="020B0604020202020204" pitchFamily="34" charset="0"/>
+              <a:buChar char="•"/>
+              <a:defRPr sz="1800" kern="1200">
+                <a:solidFill>
+                  <a:schemeClr val="tx1"/>
+                </a:solidFill>
+                <a:latin typeface="+mn-lt"/>
+                <a:ea typeface="+mn-ea"/>
+                <a:cs typeface="+mn-cs"/>
+              </a:defRPr>
+            </a:lvl9pPr>
+          </a:lstStyle>
+          <a:p>
+            <a:r>
+              <a:rPr lang="en-GB" dirty="0"/>
+              <a:t>Dictionaries</a:t>
+            </a:r>
+          </a:p>
+          <a:p>
+            <a:pPr lvl="1"/>
+            <a:r>
+              <a:rPr lang="en-GB" dirty="0"/>
+              <a:t>Use of dictionaries to store element objects.</a:t>
+            </a:r>
+          </a:p>
+        </p:txBody>
+      </p:sp>
+      <p:sp>
+        <p:nvSpPr>
+          <p:cNvPr id="6" name="Tijdelijke aanduiding voor inhoud 3">
+            <a:extLst>
+              <a:ext uri="{FF2B5EF4-FFF2-40B4-BE49-F238E27FC236}">
+                <a16:creationId xmlns:a16="http://schemas.microsoft.com/office/drawing/2014/main" id="{CBB90616-AF52-4DE6-8AAD-E1464E7B07B5}"/>
+              </a:ext>
+            </a:extLst>
+          </p:cNvPr>
+          <p:cNvSpPr txBox="1">
+            <a:spLocks/>
+          </p:cNvSpPr>
+          <p:nvPr/>
+        </p:nvSpPr>
+        <p:spPr>
+          <a:xfrm>
+            <a:off x="6172200" y="3559997"/>
+            <a:ext cx="5181600" cy="1492928"/>
+          </a:xfrm>
+          <a:prstGeom prst="rect">
+            <a:avLst/>
+          </a:prstGeom>
+        </p:spPr>
+        <p:txBody>
+          <a:bodyPr vert="horz" lIns="91440" tIns="45720" rIns="91440" bIns="45720" rtlCol="0">
+            <a:normAutofit/>
+          </a:bodyPr>
+          <a:lstStyle>
+            <a:lvl1pPr marL="228600" indent="-228600" algn="l" defTabSz="914400" rtl="0" eaLnBrk="1" latinLnBrk="0" hangingPunct="1">
+              <a:lnSpc>
+                <a:spcPct val="90000"/>
+              </a:lnSpc>
+              <a:spcBef>
+                <a:spcPts val="1000"/>
+              </a:spcBef>
+              <a:buFont typeface="Arial" panose="020B0604020202020204" pitchFamily="34" charset="0"/>
+              <a:buChar char="•"/>
+              <a:defRPr sz="2800" kern="1200">
+                <a:solidFill>
+                  <a:schemeClr val="tx1"/>
+                </a:solidFill>
+                <a:latin typeface="+mn-lt"/>
+                <a:ea typeface="+mn-ea"/>
+                <a:cs typeface="+mn-cs"/>
+              </a:defRPr>
+            </a:lvl1pPr>
+            <a:lvl2pPr marL="685800" indent="-228600" algn="l" defTabSz="914400" rtl="0" eaLnBrk="1" latinLnBrk="0" hangingPunct="1">
+              <a:lnSpc>
+                <a:spcPct val="90000"/>
+              </a:lnSpc>
+              <a:spcBef>
+                <a:spcPts val="500"/>
+              </a:spcBef>
+              <a:buFont typeface="Arial" panose="020B0604020202020204" pitchFamily="34" charset="0"/>
+              <a:buChar char="•"/>
+              <a:defRPr sz="2400" kern="1200">
+                <a:solidFill>
+                  <a:schemeClr val="tx1"/>
+                </a:solidFill>
+                <a:latin typeface="+mn-lt"/>
+                <a:ea typeface="+mn-ea"/>
+                <a:cs typeface="+mn-cs"/>
+              </a:defRPr>
+            </a:lvl2pPr>
+            <a:lvl3pPr marL="1143000" indent="-228600" algn="l" defTabSz="914400" rtl="0" eaLnBrk="1" latinLnBrk="0" hangingPunct="1">
+              <a:lnSpc>
+                <a:spcPct val="90000"/>
+              </a:lnSpc>
+              <a:spcBef>
+                <a:spcPts val="500"/>
+              </a:spcBef>
+              <a:buFont typeface="Arial" panose="020B0604020202020204" pitchFamily="34" charset="0"/>
+              <a:buChar char="•"/>
+              <a:defRPr sz="2000" kern="1200">
+                <a:solidFill>
+                  <a:schemeClr val="tx1"/>
+                </a:solidFill>
+                <a:latin typeface="+mn-lt"/>
+                <a:ea typeface="+mn-ea"/>
+                <a:cs typeface="+mn-cs"/>
+              </a:defRPr>
+            </a:lvl3pPr>
+            <a:lvl4pPr marL="1600200" indent="-228600" algn="l" defTabSz="914400" rtl="0" eaLnBrk="1" latinLnBrk="0" hangingPunct="1">
+              <a:lnSpc>
+                <a:spcPct val="90000"/>
+              </a:lnSpc>
+              <a:spcBef>
+                <a:spcPts val="500"/>
+              </a:spcBef>
+              <a:buFont typeface="Arial" panose="020B0604020202020204" pitchFamily="34" charset="0"/>
+              <a:buChar char="•"/>
+              <a:defRPr sz="1800" kern="1200">
+                <a:solidFill>
+                  <a:schemeClr val="tx1"/>
+                </a:solidFill>
+                <a:latin typeface="+mn-lt"/>
+                <a:ea typeface="+mn-ea"/>
+                <a:cs typeface="+mn-cs"/>
+              </a:defRPr>
+            </a:lvl4pPr>
+            <a:lvl5pPr marL="2057400" indent="-228600" algn="l" defTabSz="914400" rtl="0" eaLnBrk="1" latinLnBrk="0" hangingPunct="1">
+              <a:lnSpc>
+                <a:spcPct val="90000"/>
+              </a:lnSpc>
+              <a:spcBef>
+                <a:spcPts val="500"/>
+              </a:spcBef>
+              <a:buFont typeface="Arial" panose="020B0604020202020204" pitchFamily="34" charset="0"/>
+              <a:buChar char="•"/>
+              <a:defRPr sz="1800" kern="1200">
+                <a:solidFill>
+                  <a:schemeClr val="tx1"/>
+                </a:solidFill>
+                <a:latin typeface="+mn-lt"/>
+                <a:ea typeface="+mn-ea"/>
+                <a:cs typeface="+mn-cs"/>
+              </a:defRPr>
+            </a:lvl5pPr>
+            <a:lvl6pPr marL="2514600" indent="-228600" algn="l" defTabSz="914400" rtl="0" eaLnBrk="1" latinLnBrk="0" hangingPunct="1">
+              <a:lnSpc>
+                <a:spcPct val="90000"/>
+              </a:lnSpc>
+              <a:spcBef>
+                <a:spcPts val="500"/>
+              </a:spcBef>
+              <a:buFont typeface="Arial" panose="020B0604020202020204" pitchFamily="34" charset="0"/>
+              <a:buChar char="•"/>
+              <a:defRPr sz="1800" kern="1200">
+                <a:solidFill>
+                  <a:schemeClr val="tx1"/>
+                </a:solidFill>
+                <a:latin typeface="+mn-lt"/>
+                <a:ea typeface="+mn-ea"/>
+                <a:cs typeface="+mn-cs"/>
+              </a:defRPr>
+            </a:lvl6pPr>
+            <a:lvl7pPr marL="2971800" indent="-228600" algn="l" defTabSz="914400" rtl="0" eaLnBrk="1" latinLnBrk="0" hangingPunct="1">
+              <a:lnSpc>
+                <a:spcPct val="90000"/>
+              </a:lnSpc>
+              <a:spcBef>
+                <a:spcPts val="500"/>
+              </a:spcBef>
+              <a:buFont typeface="Arial" panose="020B0604020202020204" pitchFamily="34" charset="0"/>
+              <a:buChar char="•"/>
+              <a:defRPr sz="1800" kern="1200">
+                <a:solidFill>
+                  <a:schemeClr val="tx1"/>
+                </a:solidFill>
+                <a:latin typeface="+mn-lt"/>
+                <a:ea typeface="+mn-ea"/>
+                <a:cs typeface="+mn-cs"/>
+              </a:defRPr>
+            </a:lvl7pPr>
+            <a:lvl8pPr marL="3429000" indent="-228600" algn="l" defTabSz="914400" rtl="0" eaLnBrk="1" latinLnBrk="0" hangingPunct="1">
+              <a:lnSpc>
+                <a:spcPct val="90000"/>
+              </a:lnSpc>
+              <a:spcBef>
+                <a:spcPts val="500"/>
+              </a:spcBef>
+              <a:buFont typeface="Arial" panose="020B0604020202020204" pitchFamily="34" charset="0"/>
+              <a:buChar char="•"/>
+              <a:defRPr sz="1800" kern="1200">
+                <a:solidFill>
+                  <a:schemeClr val="tx1"/>
+                </a:solidFill>
+                <a:latin typeface="+mn-lt"/>
+                <a:ea typeface="+mn-ea"/>
+                <a:cs typeface="+mn-cs"/>
+              </a:defRPr>
+            </a:lvl8pPr>
+            <a:lvl9pPr marL="3886200" indent="-228600" algn="l" defTabSz="914400" rtl="0" eaLnBrk="1" latinLnBrk="0" hangingPunct="1">
+              <a:lnSpc>
+                <a:spcPct val="90000"/>
+              </a:lnSpc>
+              <a:spcBef>
+                <a:spcPts val="500"/>
+              </a:spcBef>
+              <a:buFont typeface="Arial" panose="020B0604020202020204" pitchFamily="34" charset="0"/>
+              <a:buChar char="•"/>
+              <a:defRPr sz="1800" kern="1200">
+                <a:solidFill>
+                  <a:schemeClr val="tx1"/>
+                </a:solidFill>
+                <a:latin typeface="+mn-lt"/>
+                <a:ea typeface="+mn-ea"/>
+                <a:cs typeface="+mn-cs"/>
+              </a:defRPr>
+            </a:lvl9pPr>
+          </a:lstStyle>
+          <a:p>
+            <a:r>
+              <a:rPr lang="en-GB" dirty="0"/>
+              <a:t>Matrixes (2D or 3D grid)</a:t>
+            </a:r>
+          </a:p>
+          <a:p>
+            <a:pPr lvl="1"/>
+            <a:r>
+              <a:rPr lang="en-GB" dirty="0"/>
+              <a:t>Use of a matrix to store element objects.</a:t>
+            </a:r>
+          </a:p>
+        </p:txBody>
+      </p:sp>
+      <p:sp>
+        <p:nvSpPr>
+          <p:cNvPr id="7" name="Tijdelijke aanduiding voor inhoud 2">
+            <a:extLst>
+              <a:ext uri="{FF2B5EF4-FFF2-40B4-BE49-F238E27FC236}">
+                <a16:creationId xmlns:a16="http://schemas.microsoft.com/office/drawing/2014/main" id="{96DECC56-88C1-468C-B3A2-4AFC76F77D3A}"/>
+              </a:ext>
+            </a:extLst>
+          </p:cNvPr>
+          <p:cNvSpPr txBox="1">
+            <a:spLocks/>
+          </p:cNvSpPr>
+          <p:nvPr/>
+        </p:nvSpPr>
+        <p:spPr>
+          <a:xfrm>
+            <a:off x="2831335" y="5618601"/>
+            <a:ext cx="6039998" cy="948997"/>
+          </a:xfrm>
+          <a:prstGeom prst="rect">
+            <a:avLst/>
+          </a:prstGeom>
+        </p:spPr>
+        <p:txBody>
+          <a:bodyPr vert="horz" lIns="91440" tIns="45720" rIns="91440" bIns="45720" rtlCol="0">
+            <a:normAutofit/>
+          </a:bodyPr>
+          <a:lstStyle>
+            <a:lvl1pPr marL="228600" indent="-228600" algn="l" defTabSz="914400" rtl="0" eaLnBrk="1" latinLnBrk="0" hangingPunct="1">
+              <a:lnSpc>
+                <a:spcPct val="90000"/>
+              </a:lnSpc>
+              <a:spcBef>
+                <a:spcPts val="1000"/>
+              </a:spcBef>
+              <a:buFont typeface="Arial" panose="020B0604020202020204" pitchFamily="34" charset="0"/>
+              <a:buChar char="•"/>
+              <a:defRPr sz="2800" kern="1200">
+                <a:solidFill>
+                  <a:schemeClr val="tx1"/>
+                </a:solidFill>
+                <a:latin typeface="+mn-lt"/>
+                <a:ea typeface="+mn-ea"/>
+                <a:cs typeface="+mn-cs"/>
+              </a:defRPr>
+            </a:lvl1pPr>
+            <a:lvl2pPr marL="685800" indent="-228600" algn="l" defTabSz="914400" rtl="0" eaLnBrk="1" latinLnBrk="0" hangingPunct="1">
+              <a:lnSpc>
+                <a:spcPct val="90000"/>
+              </a:lnSpc>
+              <a:spcBef>
+                <a:spcPts val="500"/>
+              </a:spcBef>
+              <a:buFont typeface="Arial" panose="020B0604020202020204" pitchFamily="34" charset="0"/>
+              <a:buChar char="•"/>
+              <a:defRPr sz="2400" kern="1200">
+                <a:solidFill>
+                  <a:schemeClr val="tx1"/>
+                </a:solidFill>
+                <a:latin typeface="+mn-lt"/>
+                <a:ea typeface="+mn-ea"/>
+                <a:cs typeface="+mn-cs"/>
+              </a:defRPr>
+            </a:lvl2pPr>
+            <a:lvl3pPr marL="1143000" indent="-228600" algn="l" defTabSz="914400" rtl="0" eaLnBrk="1" latinLnBrk="0" hangingPunct="1">
+              <a:lnSpc>
+                <a:spcPct val="90000"/>
+              </a:lnSpc>
+              <a:spcBef>
+                <a:spcPts val="500"/>
+              </a:spcBef>
+              <a:buFont typeface="Arial" panose="020B0604020202020204" pitchFamily="34" charset="0"/>
+              <a:buChar char="•"/>
+              <a:defRPr sz="2000" kern="1200">
+                <a:solidFill>
+                  <a:schemeClr val="tx1"/>
+                </a:solidFill>
+                <a:latin typeface="+mn-lt"/>
+                <a:ea typeface="+mn-ea"/>
+                <a:cs typeface="+mn-cs"/>
+              </a:defRPr>
+            </a:lvl3pPr>
+            <a:lvl4pPr marL="1600200" indent="-228600" algn="l" defTabSz="914400" rtl="0" eaLnBrk="1" latinLnBrk="0" hangingPunct="1">
+              <a:lnSpc>
+                <a:spcPct val="90000"/>
+              </a:lnSpc>
+              <a:spcBef>
+                <a:spcPts val="500"/>
+              </a:spcBef>
+              <a:buFont typeface="Arial" panose="020B0604020202020204" pitchFamily="34" charset="0"/>
+              <a:buChar char="•"/>
+              <a:defRPr sz="1800" kern="1200">
+                <a:solidFill>
+                  <a:schemeClr val="tx1"/>
+                </a:solidFill>
+                <a:latin typeface="+mn-lt"/>
+                <a:ea typeface="+mn-ea"/>
+                <a:cs typeface="+mn-cs"/>
+              </a:defRPr>
+            </a:lvl4pPr>
+            <a:lvl5pPr marL="2057400" indent="-228600" algn="l" defTabSz="914400" rtl="0" eaLnBrk="1" latinLnBrk="0" hangingPunct="1">
+              <a:lnSpc>
+                <a:spcPct val="90000"/>
+              </a:lnSpc>
+              <a:spcBef>
+                <a:spcPts val="500"/>
+              </a:spcBef>
+              <a:buFont typeface="Arial" panose="020B0604020202020204" pitchFamily="34" charset="0"/>
+              <a:buChar char="•"/>
+              <a:defRPr sz="1800" kern="1200">
+                <a:solidFill>
+                  <a:schemeClr val="tx1"/>
+                </a:solidFill>
+                <a:latin typeface="+mn-lt"/>
+                <a:ea typeface="+mn-ea"/>
+                <a:cs typeface="+mn-cs"/>
+              </a:defRPr>
+            </a:lvl5pPr>
+            <a:lvl6pPr marL="2514600" indent="-228600" algn="l" defTabSz="914400" rtl="0" eaLnBrk="1" latinLnBrk="0" hangingPunct="1">
+              <a:lnSpc>
+                <a:spcPct val="90000"/>
+              </a:lnSpc>
+              <a:spcBef>
+                <a:spcPts val="500"/>
+              </a:spcBef>
+              <a:buFont typeface="Arial" panose="020B0604020202020204" pitchFamily="34" charset="0"/>
+              <a:buChar char="•"/>
+              <a:defRPr sz="1800" kern="1200">
+                <a:solidFill>
+                  <a:schemeClr val="tx1"/>
+                </a:solidFill>
+                <a:latin typeface="+mn-lt"/>
+                <a:ea typeface="+mn-ea"/>
+                <a:cs typeface="+mn-cs"/>
+              </a:defRPr>
+            </a:lvl6pPr>
+            <a:lvl7pPr marL="2971800" indent="-228600" algn="l" defTabSz="914400" rtl="0" eaLnBrk="1" latinLnBrk="0" hangingPunct="1">
+              <a:lnSpc>
+                <a:spcPct val="90000"/>
+              </a:lnSpc>
+              <a:spcBef>
+                <a:spcPts val="500"/>
+              </a:spcBef>
+              <a:buFont typeface="Arial" panose="020B0604020202020204" pitchFamily="34" charset="0"/>
+              <a:buChar char="•"/>
+              <a:defRPr sz="1800" kern="1200">
+                <a:solidFill>
+                  <a:schemeClr val="tx1"/>
+                </a:solidFill>
+                <a:latin typeface="+mn-lt"/>
+                <a:ea typeface="+mn-ea"/>
+                <a:cs typeface="+mn-cs"/>
+              </a:defRPr>
+            </a:lvl7pPr>
+            <a:lvl8pPr marL="3429000" indent="-228600" algn="l" defTabSz="914400" rtl="0" eaLnBrk="1" latinLnBrk="0" hangingPunct="1">
+              <a:lnSpc>
+                <a:spcPct val="90000"/>
+              </a:lnSpc>
+              <a:spcBef>
+                <a:spcPts val="500"/>
+              </a:spcBef>
+              <a:buFont typeface="Arial" panose="020B0604020202020204" pitchFamily="34" charset="0"/>
+              <a:buChar char="•"/>
+              <a:defRPr sz="1800" kern="1200">
+                <a:solidFill>
+                  <a:schemeClr val="tx1"/>
+                </a:solidFill>
+                <a:latin typeface="+mn-lt"/>
+                <a:ea typeface="+mn-ea"/>
+                <a:cs typeface="+mn-cs"/>
+              </a:defRPr>
+            </a:lvl8pPr>
+            <a:lvl9pPr marL="3886200" indent="-228600" algn="l" defTabSz="914400" rtl="0" eaLnBrk="1" latinLnBrk="0" hangingPunct="1">
+              <a:lnSpc>
+                <a:spcPct val="90000"/>
+              </a:lnSpc>
+              <a:spcBef>
+                <a:spcPts val="500"/>
+              </a:spcBef>
+              <a:buFont typeface="Arial" panose="020B0604020202020204" pitchFamily="34" charset="0"/>
+              <a:buChar char="•"/>
+              <a:defRPr sz="1800" kern="1200">
+                <a:solidFill>
+                  <a:schemeClr val="tx1"/>
+                </a:solidFill>
+                <a:latin typeface="+mn-lt"/>
+                <a:ea typeface="+mn-ea"/>
+                <a:cs typeface="+mn-cs"/>
+              </a:defRPr>
+            </a:lvl9pPr>
+          </a:lstStyle>
+          <a:p>
+            <a:pPr marL="0" indent="0">
+              <a:buNone/>
+            </a:pPr>
+            <a:r>
+              <a:rPr lang="nl-NL" dirty="0"/>
+              <a:t>Question: </a:t>
+            </a:r>
+            <a:r>
+              <a:rPr lang="nl-NL" dirty="0" err="1"/>
+              <a:t>which</a:t>
+            </a:r>
+            <a:r>
+              <a:rPr lang="nl-NL" dirty="0"/>
+              <a:t> data </a:t>
+            </a:r>
+            <a:r>
+              <a:rPr lang="nl-NL" dirty="0" err="1"/>
+              <a:t>structure</a:t>
+            </a:r>
+            <a:r>
+              <a:rPr lang="nl-NL" dirty="0"/>
+              <a:t> is </a:t>
+            </a:r>
+            <a:r>
+              <a:rPr lang="nl-NL" dirty="0" err="1"/>
+              <a:t>faster</a:t>
+            </a:r>
+            <a:r>
+              <a:rPr lang="nl-NL" dirty="0"/>
+              <a:t>?</a:t>
+            </a:r>
+            <a:endParaRPr lang="en-GB" dirty="0"/>
+          </a:p>
+        </p:txBody>
+      </p:sp>
+    </p:spTree>
+    <p:extLst>
+      <p:ext uri="{BB962C8B-B14F-4D97-AF65-F5344CB8AC3E}">
+        <p14:creationId xmlns:p14="http://schemas.microsoft.com/office/powerpoint/2010/main" val="2537418944"/>
+      </p:ext>
+    </p:extLst>
+  </p:cSld>
+  <p:clrMapOvr>
+    <a:masterClrMapping/>
+  </p:clrMapOvr>
+  <p:timing>
+    <p:tnLst>
+      <p:par>
+        <p:cTn id="1" dur="indefinite" restart="never" nodeType="tmRoot">
+          <p:childTnLst>
+            <p:seq concurrent="1" nextAc="seek">
+              <p:cTn id="2" dur="indefinite" nodeType="mainSeq">
+                <p:childTnLst>
+                  <p:par>
+                    <p:cTn id="3" fill="hold">
+                      <p:stCondLst>
+                        <p:cond delay="indefinite"/>
+                      </p:stCondLst>
+                      <p:childTnLst>
+                        <p:par>
+                          <p:cTn id="4" fill="hold">
+                            <p:stCondLst>
+                              <p:cond delay="0"/>
+                            </p:stCondLst>
+                            <p:childTnLst>
+                              <p:par>
+                                <p:cTn id="5" presetID="1" presetClass="entr" presetSubtype="0" fill="hold" grpId="0" nodeType="clickEffect">
+                                  <p:stCondLst>
+                                    <p:cond delay="0"/>
+                                  </p:stCondLst>
+                                  <p:childTnLst>
+                                    <p:set>
+                                      <p:cBhvr>
+                                        <p:cTn id="6" dur="1" fill="hold">
+                                          <p:stCondLst>
+                                            <p:cond delay="0"/>
+                                          </p:stCondLst>
+                                        </p:cTn>
+                                        <p:tgtEl>
+                                          <p:spTgt spid="3">
+                                            <p:txEl>
+                                              <p:pRg st="0" end="0"/>
+                                            </p:txEl>
+                                          </p:spTgt>
+                                        </p:tgtEl>
+                                        <p:attrNameLst>
+                                          <p:attrName>style.visibility</p:attrName>
+                                        </p:attrNameLst>
+                                      </p:cBhvr>
+                                      <p:to>
+                                        <p:strVal val="visible"/>
+                                      </p:to>
+                                    </p:set>
+                                  </p:childTnLst>
+                                </p:cTn>
+                              </p:par>
+                              <p:par>
+                                <p:cTn id="7" presetID="1" presetClass="entr" presetSubtype="0" fill="hold" grpId="0" nodeType="withEffect">
+                                  <p:stCondLst>
+                                    <p:cond delay="0"/>
+                                  </p:stCondLst>
+                                  <p:childTnLst>
+                                    <p:set>
+                                      <p:cBhvr>
+                                        <p:cTn id="8" dur="1" fill="hold">
+                                          <p:stCondLst>
+                                            <p:cond delay="0"/>
+                                          </p:stCondLst>
+                                        </p:cTn>
+                                        <p:tgtEl>
+                                          <p:spTgt spid="3">
+                                            <p:txEl>
+                                              <p:pRg st="1" end="1"/>
+                                            </p:txEl>
+                                          </p:spTgt>
+                                        </p:tgtEl>
+                                        <p:attrNameLst>
+                                          <p:attrName>style.visibility</p:attrName>
+                                        </p:attrNameLst>
+                                      </p:cBhvr>
+                                      <p:to>
+                                        <p:strVal val="visible"/>
+                                      </p:to>
+                                    </p:set>
+                                  </p:childTnLst>
+                                </p:cTn>
+                              </p:par>
+                              <p:par>
+                                <p:cTn id="9" presetID="1" presetClass="entr" presetSubtype="0" fill="hold" grpId="0" nodeType="withEffect">
+                                  <p:stCondLst>
+                                    <p:cond delay="0"/>
+                                  </p:stCondLst>
+                                  <p:childTnLst>
+                                    <p:set>
+                                      <p:cBhvr>
+                                        <p:cTn id="10" dur="1" fill="hold">
+                                          <p:stCondLst>
+                                            <p:cond delay="0"/>
+                                          </p:stCondLst>
+                                        </p:cTn>
+                                        <p:tgtEl>
+                                          <p:spTgt spid="4">
+                                            <p:txEl>
+                                              <p:pRg st="0" end="0"/>
+                                            </p:txEl>
+                                          </p:spTgt>
+                                        </p:tgtEl>
+                                        <p:attrNameLst>
+                                          <p:attrName>style.visibility</p:attrName>
+                                        </p:attrNameLst>
+                                      </p:cBhvr>
+                                      <p:to>
+                                        <p:strVal val="visible"/>
+                                      </p:to>
+                                    </p:set>
+                                  </p:childTnLst>
+                                </p:cTn>
+                              </p:par>
+                              <p:par>
+                                <p:cTn id="11" presetID="1" presetClass="entr" presetSubtype="0" fill="hold" grpId="0" nodeType="withEffect">
+                                  <p:stCondLst>
+                                    <p:cond delay="0"/>
+                                  </p:stCondLst>
+                                  <p:childTnLst>
+                                    <p:set>
+                                      <p:cBhvr>
+                                        <p:cTn id="12" dur="1" fill="hold">
+                                          <p:stCondLst>
+                                            <p:cond delay="0"/>
+                                          </p:stCondLst>
+                                        </p:cTn>
+                                        <p:tgtEl>
+                                          <p:spTgt spid="4">
+                                            <p:txEl>
+                                              <p:pRg st="1" end="1"/>
+                                            </p:txEl>
+                                          </p:spTgt>
+                                        </p:tgtEl>
+                                        <p:attrNameLst>
+                                          <p:attrName>style.visibility</p:attrName>
+                                        </p:attrNameLst>
+                                      </p:cBhvr>
+                                      <p:to>
+                                        <p:strVal val="visible"/>
+                                      </p:to>
+                                    </p:set>
+                                  </p:childTnLst>
+                                </p:cTn>
+                              </p:par>
+                            </p:childTnLst>
+                          </p:cTn>
+                        </p:par>
+                      </p:childTnLst>
+                    </p:cTn>
+                  </p:par>
+                  <p:par>
+                    <p:cTn id="13" fill="hold">
+                      <p:stCondLst>
+                        <p:cond delay="indefinite"/>
+                      </p:stCondLst>
+                      <p:childTnLst>
+                        <p:par>
+                          <p:cTn id="14" fill="hold">
+                            <p:stCondLst>
+                              <p:cond delay="0"/>
+                            </p:stCondLst>
+                            <p:childTnLst>
+                              <p:par>
+                                <p:cTn id="15" presetID="1" presetClass="entr" presetSubtype="0" fill="hold" grpId="0" nodeType="clickEffect">
+                                  <p:stCondLst>
+                                    <p:cond delay="0"/>
+                                  </p:stCondLst>
+                                  <p:childTnLst>
+                                    <p:set>
+                                      <p:cBhvr>
+                                        <p:cTn id="16" dur="1" fill="hold">
+                                          <p:stCondLst>
+                                            <p:cond delay="0"/>
+                                          </p:stCondLst>
+                                        </p:cTn>
+                                        <p:tgtEl>
+                                          <p:spTgt spid="5"/>
+                                        </p:tgtEl>
+                                        <p:attrNameLst>
+                                          <p:attrName>style.visibility</p:attrName>
+                                        </p:attrNameLst>
+                                      </p:cBhvr>
+                                      <p:to>
+                                        <p:strVal val="visible"/>
+                                      </p:to>
+                                    </p:set>
+                                  </p:childTnLst>
+                                </p:cTn>
+                              </p:par>
+                              <p:par>
+                                <p:cTn id="17" presetID="1" presetClass="entr" presetSubtype="0" fill="hold" grpId="0" nodeType="withEffect">
+                                  <p:stCondLst>
+                                    <p:cond delay="0"/>
+                                  </p:stCondLst>
+                                  <p:childTnLst>
+                                    <p:set>
+                                      <p:cBhvr>
+                                        <p:cTn id="18" dur="1" fill="hold">
+                                          <p:stCondLst>
+                                            <p:cond delay="0"/>
+                                          </p:stCondLst>
+                                        </p:cTn>
+                                        <p:tgtEl>
+                                          <p:spTgt spid="6"/>
+                                        </p:tgtEl>
+                                        <p:attrNameLst>
+                                          <p:attrName>style.visibility</p:attrName>
+                                        </p:attrNameLst>
+                                      </p:cBhvr>
+                                      <p:to>
+                                        <p:strVal val="visible"/>
+                                      </p:to>
+                                    </p:set>
+                                  </p:childTnLst>
+                                </p:cTn>
+                              </p:par>
+                            </p:childTnLst>
+                          </p:cTn>
+                        </p:par>
+                      </p:childTnLst>
+                    </p:cTn>
+                  </p:par>
+                  <p:par>
+                    <p:cTn id="19" fill="hold">
+                      <p:stCondLst>
+                        <p:cond delay="indefinite"/>
+                      </p:stCondLst>
+                      <p:childTnLst>
+                        <p:par>
+                          <p:cTn id="20" fill="hold">
+                            <p:stCondLst>
+                              <p:cond delay="0"/>
+                            </p:stCondLst>
+                            <p:childTnLst>
+                              <p:par>
+                                <p:cTn id="21" presetID="1" presetClass="entr" presetSubtype="0" fill="hold" grpId="0" nodeType="clickEffect">
+                                  <p:stCondLst>
+                                    <p:cond delay="0"/>
+                                  </p:stCondLst>
+                                  <p:childTnLst>
+                                    <p:set>
+                                      <p:cBhvr>
+                                        <p:cTn id="22" dur="1" fill="hold">
+                                          <p:stCondLst>
+                                            <p:cond delay="0"/>
+                                          </p:stCondLst>
+                                        </p:cTn>
+                                        <p:tgtEl>
+                                          <p:spTgt spid="7"/>
+                                        </p:tgtEl>
+                                        <p:attrNameLst>
+                                          <p:attrName>style.visibility</p:attrName>
+                                        </p:attrNameLst>
+                                      </p:cBhvr>
+                                      <p:to>
+                                        <p:strVal val="visible"/>
+                                      </p:to>
+                                    </p:set>
+                                  </p:childTnLst>
+                                </p:cTn>
+                              </p:par>
+                            </p:childTnLst>
+                          </p:cTn>
+                        </p:par>
+                      </p:childTnLst>
+                    </p:cTn>
+                  </p:par>
+                </p:childTnLst>
+              </p:cTn>
+              <p:prevCondLst>
+                <p:cond evt="onPrev" delay="0">
+                  <p:tgtEl>
+                    <p:sldTgt/>
+                  </p:tgtEl>
+                </p:cond>
+              </p:prevCondLst>
+              <p:nextCondLst>
+                <p:cond evt="onNext" delay="0">
+                  <p:tgtEl>
+                    <p:sldTgt/>
+                  </p:tgtEl>
+                </p:cond>
+              </p:nextCondLst>
+            </p:seq>
+          </p:childTnLst>
+        </p:cTn>
+      </p:par>
+    </p:tnLst>
+    <p:bldLst>
+      <p:bldP spid="3" grpId="0" build="p"/>
+      <p:bldP spid="4" grpId="0" uiExpand="1" build="p"/>
+      <p:bldP spid="5" grpId="0"/>
+      <p:bldP spid="6" grpId="0"/>
+      <p:bldP spid="7" grpId="0"/>
+    </p:bldLst>
+  </p:timing>
+</p:sld>
+</file>
+
+<file path=ppt/slides/slide8.xml><?xml version="1.0" encoding="utf-8"?>
+<p:sld xmlns:a="http://schemas.openxmlformats.org/drawingml/2006/main" xmlns:r="http://schemas.openxmlformats.org/officeDocument/2006/relationships" xmlns:p="http://schemas.openxmlformats.org/presentationml/2006/main">
+  <p:cSld>
+    <p:spTree>
+      <p:nvGrpSpPr>
+        <p:cNvPr id="1" name=""/>
+        <p:cNvGrpSpPr/>
+        <p:nvPr/>
+      </p:nvGrpSpPr>
+      <p:grpSpPr>
+        <a:xfrm>
+          <a:off x="0" y="0"/>
+          <a:ext cx="0" cy="0"/>
+          <a:chOff x="0" y="0"/>
+          <a:chExt cx="0" cy="0"/>
+        </a:xfrm>
+      </p:grpSpPr>
+      <p:sp>
+        <p:nvSpPr>
+          <p:cNvPr id="2" name="Titel 1">
+            <a:extLst>
+              <a:ext uri="{FF2B5EF4-FFF2-40B4-BE49-F238E27FC236}">
+                <a16:creationId xmlns:a16="http://schemas.microsoft.com/office/drawing/2014/main" id="{26D56270-1C1B-4B1E-BC4F-ACC759B672F7}"/>
+              </a:ext>
+            </a:extLst>
+          </p:cNvPr>
+          <p:cNvSpPr>
+            <a:spLocks noGrp="1"/>
+          </p:cNvSpPr>
+          <p:nvPr>
+            <p:ph type="title"/>
+          </p:nvPr>
+        </p:nvSpPr>
+        <p:spPr>
+          <a:xfrm>
+            <a:off x="838200" y="365125"/>
+            <a:ext cx="10515600" cy="1325563"/>
+          </a:xfrm>
+        </p:spPr>
+        <p:txBody>
+          <a:bodyPr/>
+          <a:lstStyle/>
+          <a:p>
+            <a:r>
+              <a:rPr lang="nl-NL" dirty="0" err="1"/>
+              <a:t>Results</a:t>
+            </a:r>
+            <a:r>
+              <a:rPr lang="nl-NL" dirty="0"/>
+              <a:t> – Data </a:t>
+            </a:r>
+            <a:br>
+              <a:rPr lang="nl-NL" dirty="0"/>
+            </a:br>
+            <a:r>
+              <a:rPr lang="nl-NL" dirty="0" err="1"/>
+              <a:t>structure</a:t>
+            </a:r>
+            <a:endParaRPr lang="en-GB" dirty="0"/>
+          </a:p>
+        </p:txBody>
+      </p:sp>
+      <p:sp>
+        <p:nvSpPr>
+          <p:cNvPr id="3" name="Tijdelijke aanduiding voor inhoud 2">
+            <a:extLst>
+              <a:ext uri="{FF2B5EF4-FFF2-40B4-BE49-F238E27FC236}">
+                <a16:creationId xmlns:a16="http://schemas.microsoft.com/office/drawing/2014/main" id="{938874C9-2E1B-4E00-9D04-38873D0AC371}"/>
+              </a:ext>
+            </a:extLst>
+          </p:cNvPr>
+          <p:cNvSpPr>
+            <a:spLocks noGrp="1"/>
+          </p:cNvSpPr>
+          <p:nvPr>
+            <p:ph sz="half" idx="1"/>
+          </p:nvPr>
+        </p:nvSpPr>
+        <p:spPr>
+          <a:xfrm>
+            <a:off x="838200" y="2412693"/>
+            <a:ext cx="3370243" cy="3764269"/>
+          </a:xfrm>
+        </p:spPr>
+        <p:txBody>
+          <a:bodyPr>
+            <a:normAutofit/>
+          </a:bodyPr>
+          <a:lstStyle/>
+          <a:p>
+            <a:r>
+              <a:rPr lang="nl-NL" sz="2400" dirty="0"/>
+              <a:t>L: </a:t>
+            </a:r>
+            <a:r>
+              <a:rPr lang="nl-NL" sz="2400" dirty="0" err="1"/>
+              <a:t>length</a:t>
+            </a:r>
+            <a:r>
+              <a:rPr lang="nl-NL" sz="2400" dirty="0"/>
+              <a:t> of </a:t>
+            </a:r>
+            <a:r>
+              <a:rPr lang="nl-NL" sz="2400" dirty="0" err="1"/>
+              <a:t>protein</a:t>
+            </a:r>
+            <a:endParaRPr lang="nl-NL" sz="2400" dirty="0"/>
+          </a:p>
+          <a:p>
+            <a:r>
+              <a:rPr lang="nl-NL" sz="2400" dirty="0"/>
+              <a:t>N: </a:t>
+            </a:r>
+            <a:r>
+              <a:rPr lang="nl-NL" sz="2400" dirty="0" err="1"/>
+              <a:t>number</a:t>
+            </a:r>
+            <a:r>
+              <a:rPr lang="nl-NL" sz="2400" dirty="0"/>
+              <a:t> of </a:t>
+            </a:r>
+            <a:r>
+              <a:rPr lang="nl-NL" sz="2400" dirty="0" err="1"/>
+              <a:t>iterations</a:t>
+            </a:r>
+            <a:endParaRPr lang="nl-NL" sz="2400" dirty="0"/>
+          </a:p>
+          <a:p>
+            <a:endParaRPr lang="nl-NL" sz="2400" dirty="0"/>
+          </a:p>
+        </p:txBody>
+      </p:sp>
+      <p:pic>
+        <p:nvPicPr>
+          <p:cNvPr id="5" name="Tijdelijke aanduiding voor inhoud 4">
+            <a:extLst>
+              <a:ext uri="{FF2B5EF4-FFF2-40B4-BE49-F238E27FC236}">
+                <a16:creationId xmlns:a16="http://schemas.microsoft.com/office/drawing/2014/main" id="{936E018E-90A8-44A9-B921-A228CBB1098D}"/>
+              </a:ext>
+            </a:extLst>
+          </p:cNvPr>
+          <p:cNvPicPr>
+            <a:picLocks noGrp="1" noChangeAspect="1"/>
+          </p:cNvPicPr>
+          <p:nvPr>
+            <p:ph sz="half" idx="2"/>
+          </p:nvPr>
+        </p:nvPicPr>
+        <p:blipFill>
+          <a:blip r:embed="rId2"/>
+          <a:stretch>
+            <a:fillRect/>
+          </a:stretch>
+        </p:blipFill>
+        <p:spPr>
+          <a:xfrm>
+            <a:off x="4549967" y="484743"/>
+            <a:ext cx="7095504" cy="6008132"/>
+          </a:xfrm>
+          <a:prstGeom prst="rect">
+            <a:avLst/>
+          </a:prstGeom>
+        </p:spPr>
+      </p:pic>
+    </p:spTree>
+    <p:extLst>
+      <p:ext uri="{BB962C8B-B14F-4D97-AF65-F5344CB8AC3E}">
+        <p14:creationId xmlns:p14="http://schemas.microsoft.com/office/powerpoint/2010/main" val="163970808"/>
+      </p:ext>
+    </p:extLst>
+  </p:cSld>
+  <p:clrMapOvr>
+    <a:masterClrMapping/>
+  </p:clrMapOvr>
+</p:sld>
+</file>
+
+<file path=ppt/slides/slide9.xml><?xml version="1.0" encoding="utf-8"?>
+<p:sld xmlns:a="http://schemas.openxmlformats.org/drawingml/2006/main" xmlns:r="http://schemas.openxmlformats.org/officeDocument/2006/relationships" xmlns:p="http://schemas.openxmlformats.org/presentationml/2006/main">
+  <p:cSld>
+    <p:spTree>
+      <p:nvGrpSpPr>
+        <p:cNvPr id="1" name=""/>
+        <p:cNvGrpSpPr/>
+        <p:nvPr/>
+      </p:nvGrpSpPr>
+      <p:grpSpPr>
+        <a:xfrm>
+          <a:off x="0" y="0"/>
+          <a:ext cx="0" cy="0"/>
+          <a:chOff x="0" y="0"/>
+          <a:chExt cx="0" cy="0"/>
+        </a:xfrm>
+      </p:grpSpPr>
+      <p:sp>
+        <p:nvSpPr>
+          <p:cNvPr id="2" name="Titel 1">
+            <a:extLst>
+              <a:ext uri="{FF2B5EF4-FFF2-40B4-BE49-F238E27FC236}">
+                <a16:creationId xmlns:a16="http://schemas.microsoft.com/office/drawing/2014/main" id="{5C770520-98CE-4CE6-ACD0-072593328459}"/>
+              </a:ext>
+            </a:extLst>
+          </p:cNvPr>
+          <p:cNvSpPr>
+            <a:spLocks noGrp="1"/>
+          </p:cNvSpPr>
+          <p:nvPr>
+            <p:ph type="title"/>
+          </p:nvPr>
+        </p:nvSpPr>
+        <p:spPr/>
+        <p:txBody>
+          <a:bodyPr>
+            <a:normAutofit fontScale="90000"/>
+          </a:bodyPr>
+          <a:lstStyle/>
+          <a:p>
+            <a:r>
+              <a:rPr lang="nl-NL" dirty="0" err="1"/>
+              <a:t>Results</a:t>
+            </a:r>
+            <a:r>
+              <a:rPr lang="nl-NL" dirty="0"/>
+              <a:t> – </a:t>
+            </a:r>
+            <a:r>
+              <a:rPr lang="nl-NL" dirty="0" err="1"/>
+              <a:t>Size</a:t>
+            </a:r>
+            <a:r>
+              <a:rPr lang="nl-NL" dirty="0"/>
+              <a:t> </a:t>
+            </a:r>
+            <a:br>
+              <a:rPr lang="nl-NL" dirty="0"/>
+            </a:br>
+            <a:r>
+              <a:rPr lang="nl-NL" dirty="0" err="1"/>
+              <a:t>restricted</a:t>
+            </a:r>
+            <a:r>
+              <a:rPr lang="nl-NL" dirty="0"/>
+              <a:t> </a:t>
+            </a:r>
+            <a:br>
+              <a:rPr lang="nl-NL" dirty="0"/>
+            </a:br>
+            <a:r>
+              <a:rPr lang="nl-NL" dirty="0" err="1"/>
+              <a:t>configuration</a:t>
+            </a:r>
+            <a:r>
+              <a:rPr lang="nl-NL" dirty="0"/>
+              <a:t> </a:t>
+            </a:r>
+            <a:endParaRPr lang="en-GB" dirty="0"/>
+          </a:p>
+        </p:txBody>
+      </p:sp>
+      <p:sp>
+        <p:nvSpPr>
+          <p:cNvPr id="3" name="Tijdelijke aanduiding voor inhoud 2">
+            <a:extLst>
+              <a:ext uri="{FF2B5EF4-FFF2-40B4-BE49-F238E27FC236}">
+                <a16:creationId xmlns:a16="http://schemas.microsoft.com/office/drawing/2014/main" id="{42690F7B-EA12-4F0D-B938-C55DD64D10DF}"/>
+              </a:ext>
+            </a:extLst>
+          </p:cNvPr>
+          <p:cNvSpPr>
+            <a:spLocks noGrp="1"/>
+          </p:cNvSpPr>
+          <p:nvPr>
+            <p:ph sz="half" idx="1"/>
+          </p:nvPr>
+        </p:nvSpPr>
+        <p:spPr>
+          <a:xfrm>
+            <a:off x="838200" y="2379643"/>
+            <a:ext cx="3525253" cy="3797320"/>
+          </a:xfrm>
+        </p:spPr>
+        <p:txBody>
+          <a:bodyPr>
+            <a:normAutofit fontScale="92500" lnSpcReduction="10000"/>
+          </a:bodyPr>
+          <a:lstStyle/>
+          <a:p>
+            <a:r>
+              <a:rPr lang="nl-NL" dirty="0"/>
+              <a:t>S: </a:t>
+            </a:r>
+            <a:r>
+              <a:rPr lang="nl-NL" dirty="0" err="1"/>
+              <a:t>wanted</a:t>
+            </a:r>
+            <a:r>
+              <a:rPr lang="nl-NL" dirty="0"/>
+              <a:t> </a:t>
+            </a:r>
+            <a:r>
+              <a:rPr lang="nl-NL" dirty="0" err="1"/>
+              <a:t>stability</a:t>
+            </a:r>
+            <a:endParaRPr lang="nl-NL" dirty="0"/>
+          </a:p>
+          <a:p>
+            <a:r>
+              <a:rPr lang="nl-NL" dirty="0"/>
+              <a:t>D: </a:t>
+            </a:r>
+            <a:r>
+              <a:rPr lang="nl-NL" dirty="0" err="1"/>
+              <a:t>dimension</a:t>
+            </a:r>
+            <a:r>
+              <a:rPr lang="nl-NL" dirty="0"/>
+              <a:t> of matrix</a:t>
+            </a:r>
+          </a:p>
+          <a:p>
+            <a:r>
+              <a:rPr lang="nl-NL" dirty="0"/>
+              <a:t>L: </a:t>
+            </a:r>
+            <a:r>
+              <a:rPr lang="nl-NL" dirty="0" err="1"/>
+              <a:t>length</a:t>
+            </a:r>
+            <a:r>
+              <a:rPr lang="nl-NL" dirty="0"/>
+              <a:t> of </a:t>
+            </a:r>
+            <a:r>
+              <a:rPr lang="nl-NL" dirty="0" err="1"/>
+              <a:t>protein</a:t>
+            </a:r>
+            <a:endParaRPr lang="nl-NL" dirty="0"/>
+          </a:p>
+          <a:p>
+            <a:endParaRPr lang="nl-NL" dirty="0"/>
+          </a:p>
+          <a:p>
+            <a:r>
+              <a:rPr lang="nl-NL" dirty="0"/>
+              <a:t>String 1 (L=14):</a:t>
+            </a:r>
+            <a:br>
+              <a:rPr lang="nl-NL" dirty="0"/>
+            </a:br>
+            <a:r>
+              <a:rPr lang="nl-NL" sz="2000" dirty="0"/>
+              <a:t>HHPHHHPHPHHHPH</a:t>
+            </a:r>
+          </a:p>
+          <a:p>
+            <a:r>
+              <a:rPr lang="en-GB" dirty="0"/>
+              <a:t>String 2 (L=20):</a:t>
+            </a:r>
+            <a:br>
+              <a:rPr lang="en-GB" dirty="0"/>
+            </a:br>
+            <a:r>
+              <a:rPr lang="en-GB" sz="2000" dirty="0"/>
+              <a:t>HPHPPHHPHPPHPHHPPHPH</a:t>
+            </a:r>
+          </a:p>
+          <a:p>
+            <a:r>
+              <a:rPr lang="en-GB" dirty="0"/>
+              <a:t>String 3 (L=36):</a:t>
+            </a:r>
+            <a:br>
+              <a:rPr lang="en-GB" sz="3200" dirty="0"/>
+            </a:br>
+            <a:r>
+              <a:rPr lang="en-GB" sz="1200" dirty="0"/>
+              <a:t>PPPHHPPHHPPPPPHHHHHHHPPHHPPPPHHPPHPP</a:t>
+            </a:r>
+            <a:endParaRPr lang="en-GB" dirty="0"/>
+          </a:p>
+        </p:txBody>
+      </p:sp>
+      <p:pic>
+        <p:nvPicPr>
+          <p:cNvPr id="9" name="Tijdelijke aanduiding voor inhoud 8">
+            <a:extLst>
+              <a:ext uri="{FF2B5EF4-FFF2-40B4-BE49-F238E27FC236}">
+                <a16:creationId xmlns:a16="http://schemas.microsoft.com/office/drawing/2014/main" id="{F08D6B3F-5E78-495C-B677-CF06845219FA}"/>
+              </a:ext>
+            </a:extLst>
+          </p:cNvPr>
+          <p:cNvPicPr>
+            <a:picLocks noGrp="1" noChangeAspect="1"/>
+          </p:cNvPicPr>
+          <p:nvPr>
+            <p:ph sz="half" idx="2"/>
+          </p:nvPr>
+        </p:nvPicPr>
+        <p:blipFill>
+          <a:blip r:embed="rId2"/>
+          <a:stretch>
+            <a:fillRect/>
+          </a:stretch>
+        </p:blipFill>
+        <p:spPr>
+          <a:xfrm>
+            <a:off x="4759297" y="566365"/>
+            <a:ext cx="6921920" cy="5725270"/>
+          </a:xfrm>
+          <a:prstGeom prst="rect">
+            <a:avLst/>
+          </a:prstGeom>
+        </p:spPr>
+      </p:pic>
+    </p:spTree>
+    <p:extLst>
+      <p:ext uri="{BB962C8B-B14F-4D97-AF65-F5344CB8AC3E}">
+        <p14:creationId xmlns:p14="http://schemas.microsoft.com/office/powerpoint/2010/main" val="1096537137"/>
       </p:ext>
     </p:extLst>
   </p:cSld>

--- a/Documentation/PPP, Week 2, Meeting 1.pptx
+++ b/Documentation/PPP, Week 2, Meeting 1.pptx
@@ -5,7 +5,7 @@
     <p:sldMasterId id="2147483672" r:id="rId1"/>
   </p:sldMasterIdLst>
   <p:notesMasterIdLst>
-    <p:notesMasterId r:id="rId16"/>
+    <p:notesMasterId r:id="rId22"/>
   </p:notesMasterIdLst>
   <p:sldIdLst>
     <p:sldId id="256" r:id="rId2"/>
@@ -15,13 +15,19 @@
     <p:sldId id="268" r:id="rId6"/>
     <p:sldId id="257" r:id="rId7"/>
     <p:sldId id="267" r:id="rId8"/>
-    <p:sldId id="274" r:id="rId9"/>
-    <p:sldId id="275" r:id="rId10"/>
-    <p:sldId id="276" r:id="rId11"/>
-    <p:sldId id="271" r:id="rId12"/>
-    <p:sldId id="269" r:id="rId13"/>
-    <p:sldId id="273" r:id="rId14"/>
-    <p:sldId id="265" r:id="rId15"/>
+    <p:sldId id="277" r:id="rId9"/>
+    <p:sldId id="278" r:id="rId10"/>
+    <p:sldId id="279" r:id="rId11"/>
+    <p:sldId id="280" r:id="rId12"/>
+    <p:sldId id="281" r:id="rId13"/>
+    <p:sldId id="282" r:id="rId14"/>
+    <p:sldId id="274" r:id="rId15"/>
+    <p:sldId id="275" r:id="rId16"/>
+    <p:sldId id="276" r:id="rId17"/>
+    <p:sldId id="271" r:id="rId18"/>
+    <p:sldId id="269" r:id="rId19"/>
+    <p:sldId id="273" r:id="rId20"/>
+    <p:sldId id="265" r:id="rId21"/>
   </p:sldIdLst>
   <p:sldSz cx="12192000" cy="6858000"/>
   <p:notesSz cx="6858000" cy="9144000"/>
@@ -3551,6 +3557,1235 @@
 </file>
 
 <file path=ppt/slides/slide10.xml><?xml version="1.0" encoding="utf-8"?>
+<p:sld xmlns:a="http://schemas.openxmlformats.org/drawingml/2006/main" xmlns:r="http://schemas.openxmlformats.org/officeDocument/2006/relationships" xmlns:p="http://schemas.openxmlformats.org/presentationml/2006/main">
+  <p:cSld>
+    <p:spTree>
+      <p:nvGrpSpPr>
+        <p:cNvPr id="1" name=""/>
+        <p:cNvGrpSpPr/>
+        <p:nvPr/>
+      </p:nvGrpSpPr>
+      <p:grpSpPr>
+        <a:xfrm>
+          <a:off x="0" y="0"/>
+          <a:ext cx="0" cy="0"/>
+          <a:chOff x="0" y="0"/>
+          <a:chExt cx="0" cy="0"/>
+        </a:xfrm>
+      </p:grpSpPr>
+      <p:sp>
+        <p:nvSpPr>
+          <p:cNvPr id="2" name="Titel 1">
+            <a:extLst>
+              <a:ext uri="{FF2B5EF4-FFF2-40B4-BE49-F238E27FC236}">
+                <a16:creationId xmlns:a16="http://schemas.microsoft.com/office/drawing/2014/main" id="{BDECAEB1-542A-F848-9D2C-B10DFE956AB7}"/>
+              </a:ext>
+            </a:extLst>
+          </p:cNvPr>
+          <p:cNvSpPr>
+            <a:spLocks noGrp="1"/>
+          </p:cNvSpPr>
+          <p:nvPr>
+            <p:ph type="title"/>
+          </p:nvPr>
+        </p:nvSpPr>
+        <p:spPr/>
+        <p:txBody>
+          <a:bodyPr/>
+          <a:lstStyle/>
+          <a:p>
+            <a:r>
+              <a:rPr lang="en-GB" dirty="0"/>
+              <a:t>Self avoiding random walk (with a twist)</a:t>
+            </a:r>
+          </a:p>
+        </p:txBody>
+      </p:sp>
+      <p:sp>
+        <p:nvSpPr>
+          <p:cNvPr id="3" name="Tijdelijke aanduiding voor inhoud 2">
+            <a:extLst>
+              <a:ext uri="{FF2B5EF4-FFF2-40B4-BE49-F238E27FC236}">
+                <a16:creationId xmlns:a16="http://schemas.microsoft.com/office/drawing/2014/main" id="{6B57B016-94D5-F646-9976-362E7188E1F0}"/>
+              </a:ext>
+            </a:extLst>
+          </p:cNvPr>
+          <p:cNvSpPr>
+            <a:spLocks noGrp="1"/>
+          </p:cNvSpPr>
+          <p:nvPr>
+            <p:ph sz="half" idx="1"/>
+          </p:nvPr>
+        </p:nvSpPr>
+        <p:spPr/>
+        <p:txBody>
+          <a:bodyPr>
+            <a:normAutofit lnSpcReduction="10000"/>
+          </a:bodyPr>
+          <a:lstStyle/>
+          <a:p>
+            <a:r>
+              <a:rPr lang="en-GB" dirty="0"/>
+              <a:t>Let S be HP-chain of length n.</a:t>
+            </a:r>
+          </a:p>
+          <a:p>
+            <a:r>
+              <a:rPr lang="en-GB" dirty="0"/>
+              <a:t>Fix first 2 elements of chain.</a:t>
+            </a:r>
+            <a:endParaRPr lang="en-GB" baseline="-25000" dirty="0"/>
+          </a:p>
+          <a:p>
+            <a:r>
+              <a:rPr lang="en-GB" dirty="0"/>
+              <a:t>For subsequent elements up to the n</a:t>
+            </a:r>
+            <a:r>
+              <a:rPr lang="en-GB" baseline="30000" dirty="0"/>
+              <a:t>th</a:t>
+            </a:r>
+            <a:r>
+              <a:rPr lang="en-GB" dirty="0"/>
+              <a:t> element, choose random move from {u, d, l, r, </a:t>
+            </a:r>
+            <a:r>
+              <a:rPr lang="en-GB" dirty="0" err="1"/>
+              <a:t>i</a:t>
+            </a:r>
+            <a:r>
+              <a:rPr lang="en-GB" dirty="0"/>
+              <a:t>, o}.</a:t>
+            </a:r>
+          </a:p>
+          <a:p>
+            <a:r>
+              <a:rPr lang="en-GB" dirty="0"/>
+              <a:t>If newly chosen coordinates are occupied, try new move.</a:t>
+            </a:r>
+          </a:p>
+          <a:p>
+            <a:r>
+              <a:rPr lang="en-GB" dirty="0">
+                <a:solidFill>
+                  <a:srgbClr val="FF0000"/>
+                </a:solidFill>
+              </a:rPr>
+              <a:t>If newly chosen coordinates are on the border, try new move.</a:t>
+            </a:r>
+          </a:p>
+          <a:p>
+            <a:r>
+              <a:rPr lang="en-GB" dirty="0"/>
+              <a:t>Stuck? Start over.</a:t>
+            </a:r>
+          </a:p>
+          <a:p>
+            <a:endParaRPr lang="en-GB" dirty="0"/>
+          </a:p>
+        </p:txBody>
+      </p:sp>
+      <p:sp>
+        <p:nvSpPr>
+          <p:cNvPr id="4" name="Tijdelijke aanduiding voor inhoud 3">
+            <a:extLst>
+              <a:ext uri="{FF2B5EF4-FFF2-40B4-BE49-F238E27FC236}">
+                <a16:creationId xmlns:a16="http://schemas.microsoft.com/office/drawing/2014/main" id="{D29CAD77-2AED-E94A-845B-B60D651EF411}"/>
+              </a:ext>
+            </a:extLst>
+          </p:cNvPr>
+          <p:cNvSpPr>
+            <a:spLocks noGrp="1"/>
+          </p:cNvSpPr>
+          <p:nvPr>
+            <p:ph sz="half" idx="2"/>
+          </p:nvPr>
+        </p:nvSpPr>
+        <p:spPr>
+          <a:xfrm>
+            <a:off x="9934956" y="3260725"/>
+            <a:ext cx="2066544" cy="2398465"/>
+          </a:xfrm>
+        </p:spPr>
+        <p:txBody>
+          <a:bodyPr>
+            <a:normAutofit lnSpcReduction="10000"/>
+          </a:bodyPr>
+          <a:lstStyle/>
+          <a:p>
+            <a:pPr marL="0" indent="0">
+              <a:buNone/>
+            </a:pPr>
+            <a:endParaRPr lang="en-GB" dirty="0"/>
+          </a:p>
+          <a:p>
+            <a:pPr lvl="1"/>
+            <a:endParaRPr lang="en-GB" dirty="0"/>
+          </a:p>
+        </p:txBody>
+      </p:sp>
+      <p:pic>
+        <p:nvPicPr>
+          <p:cNvPr id="2050" name="Picture 2" descr="Afbeeldingsresultaat voor self avoiding random walk">
+            <a:extLst>
+              <a:ext uri="{FF2B5EF4-FFF2-40B4-BE49-F238E27FC236}">
+                <a16:creationId xmlns:a16="http://schemas.microsoft.com/office/drawing/2014/main" id="{65C0D2C7-770B-4B82-A820-DDE69D725EE6}"/>
+              </a:ext>
+            </a:extLst>
+          </p:cNvPr>
+          <p:cNvPicPr>
+            <a:picLocks noChangeAspect="1" noChangeArrowheads="1"/>
+          </p:cNvPicPr>
+          <p:nvPr/>
+        </p:nvPicPr>
+        <p:blipFill>
+          <a:blip r:embed="rId2">
+            <a:extLst>
+              <a:ext uri="{28A0092B-C50C-407E-A947-70E740481C1C}">
+                <a14:useLocalDpi xmlns:a14="http://schemas.microsoft.com/office/drawing/2010/main" val="0"/>
+              </a:ext>
+            </a:extLst>
+          </a:blip>
+          <a:srcRect/>
+          <a:stretch>
+            <a:fillRect/>
+          </a:stretch>
+        </p:blipFill>
+        <p:spPr bwMode="auto">
+          <a:xfrm>
+            <a:off x="6648640" y="1840582"/>
+            <a:ext cx="3663760" cy="3663760"/>
+          </a:xfrm>
+          <a:prstGeom prst="rect">
+            <a:avLst/>
+          </a:prstGeom>
+          <a:noFill/>
+          <a:extLst>
+            <a:ext uri="{909E8E84-426E-40DD-AFC4-6F175D3DCCD1}">
+              <a14:hiddenFill xmlns:a14="http://schemas.microsoft.com/office/drawing/2010/main">
+                <a:solidFill>
+                  <a:srgbClr val="FFFFFF"/>
+                </a:solidFill>
+              </a14:hiddenFill>
+            </a:ext>
+          </a:extLst>
+        </p:spPr>
+      </p:pic>
+    </p:spTree>
+    <p:extLst>
+      <p:ext uri="{BB962C8B-B14F-4D97-AF65-F5344CB8AC3E}">
+        <p14:creationId xmlns:p14="http://schemas.microsoft.com/office/powerpoint/2010/main" val="2995681747"/>
+      </p:ext>
+    </p:extLst>
+  </p:cSld>
+  <p:clrMapOvr>
+    <a:masterClrMapping/>
+  </p:clrMapOvr>
+</p:sld>
+</file>
+
+<file path=ppt/slides/slide11.xml><?xml version="1.0" encoding="utf-8"?>
+<p:sld xmlns:a="http://schemas.openxmlformats.org/drawingml/2006/main" xmlns:r="http://schemas.openxmlformats.org/officeDocument/2006/relationships" xmlns:p="http://schemas.openxmlformats.org/presentationml/2006/main">
+  <p:cSld>
+    <p:spTree>
+      <p:nvGrpSpPr>
+        <p:cNvPr id="1" name=""/>
+        <p:cNvGrpSpPr/>
+        <p:nvPr/>
+      </p:nvGrpSpPr>
+      <p:grpSpPr>
+        <a:xfrm>
+          <a:off x="0" y="0"/>
+          <a:ext cx="0" cy="0"/>
+          <a:chOff x="0" y="0"/>
+          <a:chExt cx="0" cy="0"/>
+        </a:xfrm>
+      </p:grpSpPr>
+      <p:sp>
+        <p:nvSpPr>
+          <p:cNvPr id="2" name="Titel 1">
+            <a:extLst>
+              <a:ext uri="{FF2B5EF4-FFF2-40B4-BE49-F238E27FC236}">
+                <a16:creationId xmlns:a16="http://schemas.microsoft.com/office/drawing/2014/main" id="{BDECAEB1-542A-F848-9D2C-B10DFE956AB7}"/>
+              </a:ext>
+            </a:extLst>
+          </p:cNvPr>
+          <p:cNvSpPr>
+            <a:spLocks noGrp="1"/>
+          </p:cNvSpPr>
+          <p:nvPr>
+            <p:ph type="title"/>
+          </p:nvPr>
+        </p:nvSpPr>
+        <p:spPr/>
+        <p:txBody>
+          <a:bodyPr/>
+          <a:lstStyle/>
+          <a:p>
+            <a:r>
+              <a:rPr lang="en-GB" dirty="0"/>
+              <a:t>Greedy</a:t>
+            </a:r>
+          </a:p>
+        </p:txBody>
+      </p:sp>
+      <p:sp>
+        <p:nvSpPr>
+          <p:cNvPr id="3" name="Tijdelijke aanduiding voor inhoud 2">
+            <a:extLst>
+              <a:ext uri="{FF2B5EF4-FFF2-40B4-BE49-F238E27FC236}">
+                <a16:creationId xmlns:a16="http://schemas.microsoft.com/office/drawing/2014/main" id="{6B57B016-94D5-F646-9976-362E7188E1F0}"/>
+              </a:ext>
+            </a:extLst>
+          </p:cNvPr>
+          <p:cNvSpPr>
+            <a:spLocks noGrp="1"/>
+          </p:cNvSpPr>
+          <p:nvPr>
+            <p:ph sz="half" idx="1"/>
+          </p:nvPr>
+        </p:nvSpPr>
+        <p:spPr/>
+        <p:txBody>
+          <a:bodyPr>
+            <a:normAutofit lnSpcReduction="10000"/>
+          </a:bodyPr>
+          <a:lstStyle/>
+          <a:p>
+            <a:r>
+              <a:rPr lang="en-GB" dirty="0"/>
+              <a:t>Let S be HP-chain of length n.</a:t>
+            </a:r>
+          </a:p>
+          <a:p>
+            <a:r>
+              <a:rPr lang="en-GB" dirty="0"/>
+              <a:t>Fix first 2 elements of chain.</a:t>
+            </a:r>
+          </a:p>
+          <a:p>
+            <a:r>
+              <a:rPr lang="en-GB" dirty="0"/>
+              <a:t>For subsequent elements, try all moves from {u, d, l, r, </a:t>
+            </a:r>
+            <a:r>
+              <a:rPr lang="en-GB" dirty="0" err="1"/>
+              <a:t>i</a:t>
+            </a:r>
+            <a:r>
+              <a:rPr lang="en-GB" dirty="0"/>
+              <a:t>, o} and check whether move would result in H-H connection (with self-avoidance).</a:t>
+            </a:r>
+          </a:p>
+          <a:p>
+            <a:r>
+              <a:rPr lang="en-GB" dirty="0"/>
+              <a:t>If so, use the move. If not, pick random.</a:t>
+            </a:r>
+          </a:p>
+          <a:p>
+            <a:r>
+              <a:rPr lang="en-GB" dirty="0"/>
+              <a:t>Stuck? Start over.</a:t>
+            </a:r>
+          </a:p>
+        </p:txBody>
+      </p:sp>
+      <p:pic>
+        <p:nvPicPr>
+          <p:cNvPr id="4098" name="Picture 2" descr="Afbeeldingsresultaat voor greedy algorithm">
+            <a:extLst>
+              <a:ext uri="{FF2B5EF4-FFF2-40B4-BE49-F238E27FC236}">
+                <a16:creationId xmlns:a16="http://schemas.microsoft.com/office/drawing/2014/main" id="{E2145716-8FD2-4D20-9F53-FFC859D21248}"/>
+              </a:ext>
+            </a:extLst>
+          </p:cNvPr>
+          <p:cNvPicPr>
+            <a:picLocks noGrp="1" noChangeAspect="1" noChangeArrowheads="1" noCrop="1"/>
+          </p:cNvPicPr>
+          <p:nvPr>
+            <p:ph sz="half" idx="2"/>
+          </p:nvPr>
+        </p:nvPicPr>
+        <p:blipFill>
+          <a:blip r:embed="rId2">
+            <a:extLst>
+              <a:ext uri="{28A0092B-C50C-407E-A947-70E740481C1C}">
+                <a14:useLocalDpi xmlns:a14="http://schemas.microsoft.com/office/drawing/2010/main" val="0"/>
+              </a:ext>
+            </a:extLst>
+          </a:blip>
+          <a:srcRect/>
+          <a:stretch>
+            <a:fillRect/>
+          </a:stretch>
+        </p:blipFill>
+        <p:spPr bwMode="auto">
+          <a:xfrm>
+            <a:off x="6908799" y="2457054"/>
+            <a:ext cx="3999177" cy="2399506"/>
+          </a:xfrm>
+          <a:prstGeom prst="rect">
+            <a:avLst/>
+          </a:prstGeom>
+          <a:noFill/>
+          <a:extLst>
+            <a:ext uri="{909E8E84-426E-40DD-AFC4-6F175D3DCCD1}">
+              <a14:hiddenFill xmlns:a14="http://schemas.microsoft.com/office/drawing/2010/main">
+                <a:solidFill>
+                  <a:srgbClr val="FFFFFF"/>
+                </a:solidFill>
+              </a14:hiddenFill>
+            </a:ext>
+          </a:extLst>
+        </p:spPr>
+      </p:pic>
+    </p:spTree>
+    <p:extLst>
+      <p:ext uri="{BB962C8B-B14F-4D97-AF65-F5344CB8AC3E}">
+        <p14:creationId xmlns:p14="http://schemas.microsoft.com/office/powerpoint/2010/main" val="3810750948"/>
+      </p:ext>
+    </p:extLst>
+  </p:cSld>
+  <p:clrMapOvr>
+    <a:masterClrMapping/>
+  </p:clrMapOvr>
+</p:sld>
+</file>
+
+<file path=ppt/slides/slide12.xml><?xml version="1.0" encoding="utf-8"?>
+<p:sld xmlns:a="http://schemas.openxmlformats.org/drawingml/2006/main" xmlns:r="http://schemas.openxmlformats.org/officeDocument/2006/relationships" xmlns:p="http://schemas.openxmlformats.org/presentationml/2006/main">
+  <p:cSld>
+    <p:spTree>
+      <p:nvGrpSpPr>
+        <p:cNvPr id="1" name=""/>
+        <p:cNvGrpSpPr/>
+        <p:nvPr/>
+      </p:nvGrpSpPr>
+      <p:grpSpPr>
+        <a:xfrm>
+          <a:off x="0" y="0"/>
+          <a:ext cx="0" cy="0"/>
+          <a:chOff x="0" y="0"/>
+          <a:chExt cx="0" cy="0"/>
+        </a:xfrm>
+      </p:grpSpPr>
+      <p:sp>
+        <p:nvSpPr>
+          <p:cNvPr id="2" name="Titel 1">
+            <a:extLst>
+              <a:ext uri="{FF2B5EF4-FFF2-40B4-BE49-F238E27FC236}">
+                <a16:creationId xmlns:a16="http://schemas.microsoft.com/office/drawing/2014/main" id="{BDECAEB1-542A-F848-9D2C-B10DFE956AB7}"/>
+              </a:ext>
+            </a:extLst>
+          </p:cNvPr>
+          <p:cNvSpPr>
+            <a:spLocks noGrp="1"/>
+          </p:cNvSpPr>
+          <p:nvPr>
+            <p:ph type="title"/>
+          </p:nvPr>
+        </p:nvSpPr>
+        <p:spPr/>
+        <p:txBody>
+          <a:bodyPr/>
+          <a:lstStyle/>
+          <a:p>
+            <a:r>
+              <a:rPr lang="en-GB" dirty="0"/>
+              <a:t>Extended Heuristic Algorithm</a:t>
+            </a:r>
+          </a:p>
+        </p:txBody>
+      </p:sp>
+      <p:sp>
+        <p:nvSpPr>
+          <p:cNvPr id="3" name="Tijdelijke aanduiding voor inhoud 2">
+            <a:extLst>
+              <a:ext uri="{FF2B5EF4-FFF2-40B4-BE49-F238E27FC236}">
+                <a16:creationId xmlns:a16="http://schemas.microsoft.com/office/drawing/2014/main" id="{6B57B016-94D5-F646-9976-362E7188E1F0}"/>
+              </a:ext>
+            </a:extLst>
+          </p:cNvPr>
+          <p:cNvSpPr>
+            <a:spLocks noGrp="1"/>
+          </p:cNvSpPr>
+          <p:nvPr>
+            <p:ph sz="half" idx="1"/>
+          </p:nvPr>
+        </p:nvSpPr>
+        <p:spPr/>
+        <p:txBody>
+          <a:bodyPr/>
+          <a:lstStyle/>
+          <a:p>
+            <a:r>
+              <a:rPr lang="en-GB" dirty="0"/>
+              <a:t>Divide chain S up into n parts S</a:t>
+            </a:r>
+            <a:r>
+              <a:rPr lang="en-GB" baseline="-25000" dirty="0"/>
+              <a:t>i</a:t>
+            </a:r>
+            <a:r>
+              <a:rPr lang="en-GB" dirty="0"/>
+              <a:t> of predetermined length.</a:t>
+            </a:r>
+          </a:p>
+          <a:p>
+            <a:r>
+              <a:rPr lang="en-GB" dirty="0"/>
+              <a:t>Fold S</a:t>
+            </a:r>
+            <a:r>
+              <a:rPr lang="en-GB" baseline="-25000" dirty="0"/>
+              <a:t>1</a:t>
+            </a:r>
+            <a:r>
+              <a:rPr lang="en-GB" dirty="0"/>
+              <a:t> optimally against S</a:t>
+            </a:r>
+            <a:r>
+              <a:rPr lang="en-GB" baseline="-25000" dirty="0"/>
+              <a:t>0 </a:t>
+            </a:r>
+            <a:r>
+              <a:rPr lang="en-GB" dirty="0"/>
+              <a:t>by going through all permutations (with self-avoidance), then fold S</a:t>
+            </a:r>
+            <a:r>
+              <a:rPr lang="en-GB" baseline="-25000" dirty="0"/>
+              <a:t>2</a:t>
+            </a:r>
+            <a:r>
+              <a:rPr lang="en-GB" dirty="0"/>
+              <a:t> optimally against S</a:t>
+            </a:r>
+            <a:r>
+              <a:rPr lang="en-GB" baseline="-25000" dirty="0"/>
+              <a:t>0 </a:t>
+            </a:r>
+            <a:r>
+              <a:rPr lang="en-US" dirty="0"/>
+              <a:t>∪</a:t>
+            </a:r>
+            <a:r>
+              <a:rPr lang="en-GB" dirty="0"/>
+              <a:t> S</a:t>
+            </a:r>
+            <a:r>
+              <a:rPr lang="en-GB" baseline="-25000" dirty="0"/>
+              <a:t>1</a:t>
+            </a:r>
+            <a:r>
+              <a:rPr lang="en-GB" dirty="0"/>
+              <a:t>, etc. up until S</a:t>
+            </a:r>
+            <a:r>
+              <a:rPr lang="en-GB" baseline="-25000" dirty="0"/>
+              <a:t>n</a:t>
+            </a:r>
+            <a:r>
+              <a:rPr lang="en-GB" dirty="0"/>
+              <a:t>.</a:t>
+            </a:r>
+          </a:p>
+          <a:p>
+            <a:r>
+              <a:rPr lang="en-GB" dirty="0"/>
+              <a:t>Optimal means most H-H contacts.</a:t>
+            </a:r>
+          </a:p>
+        </p:txBody>
+      </p:sp>
+      <p:pic>
+        <p:nvPicPr>
+          <p:cNvPr id="5" name="Tijdelijke aanduiding voor inhoud 4">
+            <a:extLst>
+              <a:ext uri="{FF2B5EF4-FFF2-40B4-BE49-F238E27FC236}">
+                <a16:creationId xmlns:a16="http://schemas.microsoft.com/office/drawing/2014/main" id="{A55ADCDF-EAAB-47DA-9B57-A0CE26AA48DA}"/>
+              </a:ext>
+            </a:extLst>
+          </p:cNvPr>
+          <p:cNvPicPr>
+            <a:picLocks noGrp="1" noChangeAspect="1"/>
+          </p:cNvPicPr>
+          <p:nvPr>
+            <p:ph sz="half" idx="2"/>
+          </p:nvPr>
+        </p:nvPicPr>
+        <p:blipFill>
+          <a:blip r:embed="rId2"/>
+          <a:stretch>
+            <a:fillRect/>
+          </a:stretch>
+        </p:blipFill>
+        <p:spPr>
+          <a:xfrm>
+            <a:off x="6172202" y="2564691"/>
+            <a:ext cx="5181600" cy="2238205"/>
+          </a:xfrm>
+          <a:prstGeom prst="rect">
+            <a:avLst/>
+          </a:prstGeom>
+        </p:spPr>
+      </p:pic>
+      <p:sp>
+        <p:nvSpPr>
+          <p:cNvPr id="6" name="Tekstvak 5">
+            <a:extLst>
+              <a:ext uri="{FF2B5EF4-FFF2-40B4-BE49-F238E27FC236}">
+                <a16:creationId xmlns:a16="http://schemas.microsoft.com/office/drawing/2014/main" id="{72D80279-86D1-44DE-A941-63237F704A60}"/>
+              </a:ext>
+            </a:extLst>
+          </p:cNvPr>
+          <p:cNvSpPr txBox="1"/>
+          <p:nvPr/>
+        </p:nvSpPr>
+        <p:spPr>
+          <a:xfrm>
+            <a:off x="1098550" y="6032500"/>
+            <a:ext cx="10185400" cy="646331"/>
+          </a:xfrm>
+          <a:prstGeom prst="rect">
+            <a:avLst/>
+          </a:prstGeom>
+          <a:noFill/>
+        </p:spPr>
+        <p:txBody>
+          <a:bodyPr wrap="square" rtlCol="0">
+            <a:spAutoFit/>
+          </a:bodyPr>
+          <a:lstStyle/>
+          <a:p>
+            <a:r>
+              <a:rPr lang="en-US" dirty="0"/>
+              <a:t>Source: </a:t>
+            </a:r>
+            <a:r>
+              <a:rPr lang="en-US" dirty="0" err="1"/>
+              <a:t>Traykov</a:t>
+            </a:r>
+            <a:r>
+              <a:rPr lang="en-US" dirty="0"/>
+              <a:t>, </a:t>
+            </a:r>
+            <a:r>
+              <a:rPr lang="en-US" dirty="0" err="1"/>
+              <a:t>Metodi</a:t>
+            </a:r>
+            <a:r>
+              <a:rPr lang="en-US" dirty="0"/>
+              <a:t>, et al. "Algorithm for protein folding problem in 3D lattice HP model." </a:t>
+            </a:r>
+            <a:r>
+              <a:rPr lang="en-US" i="1" dirty="0"/>
+              <a:t>International Journal of Biology and Biomedicine</a:t>
+            </a:r>
+            <a:r>
+              <a:rPr lang="en-US" dirty="0"/>
+              <a:t> 3 (2018).</a:t>
+            </a:r>
+          </a:p>
+        </p:txBody>
+      </p:sp>
+    </p:spTree>
+    <p:extLst>
+      <p:ext uri="{BB962C8B-B14F-4D97-AF65-F5344CB8AC3E}">
+        <p14:creationId xmlns:p14="http://schemas.microsoft.com/office/powerpoint/2010/main" val="2280938724"/>
+      </p:ext>
+    </p:extLst>
+  </p:cSld>
+  <p:clrMapOvr>
+    <a:masterClrMapping/>
+  </p:clrMapOvr>
+</p:sld>
+</file>
+
+<file path=ppt/slides/slide13.xml><?xml version="1.0" encoding="utf-8"?>
+<p:sld xmlns:a="http://schemas.openxmlformats.org/drawingml/2006/main" xmlns:r="http://schemas.openxmlformats.org/officeDocument/2006/relationships" xmlns:p="http://schemas.openxmlformats.org/presentationml/2006/main">
+  <p:cSld>
+    <p:spTree>
+      <p:nvGrpSpPr>
+        <p:cNvPr id="1" name=""/>
+        <p:cNvGrpSpPr/>
+        <p:nvPr/>
+      </p:nvGrpSpPr>
+      <p:grpSpPr>
+        <a:xfrm>
+          <a:off x="0" y="0"/>
+          <a:ext cx="0" cy="0"/>
+          <a:chOff x="0" y="0"/>
+          <a:chExt cx="0" cy="0"/>
+        </a:xfrm>
+      </p:grpSpPr>
+      <p:sp>
+        <p:nvSpPr>
+          <p:cNvPr id="2" name="Titel 1">
+            <a:extLst>
+              <a:ext uri="{FF2B5EF4-FFF2-40B4-BE49-F238E27FC236}">
+                <a16:creationId xmlns:a16="http://schemas.microsoft.com/office/drawing/2014/main" id="{BDECAEB1-542A-F848-9D2C-B10DFE956AB7}"/>
+              </a:ext>
+            </a:extLst>
+          </p:cNvPr>
+          <p:cNvSpPr>
+            <a:spLocks noGrp="1"/>
+          </p:cNvSpPr>
+          <p:nvPr>
+            <p:ph type="title"/>
+          </p:nvPr>
+        </p:nvSpPr>
+        <p:spPr/>
+        <p:txBody>
+          <a:bodyPr/>
+          <a:lstStyle/>
+          <a:p>
+            <a:r>
+              <a:rPr lang="en-GB" dirty="0"/>
+              <a:t>Breadth-first: Beam Search</a:t>
+            </a:r>
+          </a:p>
+        </p:txBody>
+      </p:sp>
+      <p:sp>
+        <p:nvSpPr>
+          <p:cNvPr id="3" name="Tijdelijke aanduiding voor inhoud 2">
+            <a:extLst>
+              <a:ext uri="{FF2B5EF4-FFF2-40B4-BE49-F238E27FC236}">
+                <a16:creationId xmlns:a16="http://schemas.microsoft.com/office/drawing/2014/main" id="{6B57B016-94D5-F646-9976-362E7188E1F0}"/>
+              </a:ext>
+            </a:extLst>
+          </p:cNvPr>
+          <p:cNvSpPr>
+            <a:spLocks noGrp="1"/>
+          </p:cNvSpPr>
+          <p:nvPr>
+            <p:ph sz="half" idx="1"/>
+          </p:nvPr>
+        </p:nvSpPr>
+        <p:spPr/>
+        <p:txBody>
+          <a:bodyPr/>
+          <a:lstStyle/>
+          <a:p>
+            <a:r>
+              <a:rPr lang="en-GB" dirty="0"/>
+              <a:t>Combination of breadth-first and greedy.</a:t>
+            </a:r>
+          </a:p>
+          <a:p>
+            <a:r>
+              <a:rPr lang="en-GB" dirty="0"/>
+              <a:t>Goes through all moves from {u, d, l, r, </a:t>
+            </a:r>
+            <a:r>
+              <a:rPr lang="en-GB" dirty="0" err="1"/>
+              <a:t>i</a:t>
+            </a:r>
+            <a:r>
+              <a:rPr lang="en-GB" dirty="0"/>
+              <a:t>, o} and selects the n best moves (based on ‘beam width’).</a:t>
+            </a:r>
+          </a:p>
+          <a:p>
+            <a:r>
+              <a:rPr lang="en-GB" dirty="0"/>
+              <a:t>From selected n moves, go 1 level deeper and repeat up until maximum depth.</a:t>
+            </a:r>
+          </a:p>
+        </p:txBody>
+      </p:sp>
+      <p:pic>
+        <p:nvPicPr>
+          <p:cNvPr id="3074" name="Picture 2" descr="Afbeeldingsresultaat voor beam search">
+            <a:extLst>
+              <a:ext uri="{FF2B5EF4-FFF2-40B4-BE49-F238E27FC236}">
+                <a16:creationId xmlns:a16="http://schemas.microsoft.com/office/drawing/2014/main" id="{2CAFA68E-8EBF-4DCC-83BC-2C80569331AD}"/>
+              </a:ext>
+            </a:extLst>
+          </p:cNvPr>
+          <p:cNvPicPr>
+            <a:picLocks noGrp="1" noChangeAspect="1" noChangeArrowheads="1"/>
+          </p:cNvPicPr>
+          <p:nvPr>
+            <p:ph sz="half" idx="2"/>
+          </p:nvPr>
+        </p:nvPicPr>
+        <p:blipFill>
+          <a:blip r:embed="rId2">
+            <a:extLst>
+              <a:ext uri="{28A0092B-C50C-407E-A947-70E740481C1C}">
+                <a14:useLocalDpi xmlns:a14="http://schemas.microsoft.com/office/drawing/2010/main" val="0"/>
+              </a:ext>
+            </a:extLst>
+          </a:blip>
+          <a:srcRect/>
+          <a:stretch>
+            <a:fillRect/>
+          </a:stretch>
+        </p:blipFill>
+        <p:spPr bwMode="auto">
+          <a:xfrm>
+            <a:off x="6172202" y="2467304"/>
+            <a:ext cx="5181600" cy="2420280"/>
+          </a:xfrm>
+          <a:prstGeom prst="rect">
+            <a:avLst/>
+          </a:prstGeom>
+          <a:noFill/>
+          <a:extLst>
+            <a:ext uri="{909E8E84-426E-40DD-AFC4-6F175D3DCCD1}">
+              <a14:hiddenFill xmlns:a14="http://schemas.microsoft.com/office/drawing/2010/main">
+                <a:solidFill>
+                  <a:srgbClr val="FFFFFF"/>
+                </a:solidFill>
+              </a14:hiddenFill>
+            </a:ext>
+          </a:extLst>
+        </p:spPr>
+      </p:pic>
+    </p:spTree>
+    <p:extLst>
+      <p:ext uri="{BB962C8B-B14F-4D97-AF65-F5344CB8AC3E}">
+        <p14:creationId xmlns:p14="http://schemas.microsoft.com/office/powerpoint/2010/main" val="143121407"/>
+      </p:ext>
+    </p:extLst>
+  </p:cSld>
+  <p:clrMapOvr>
+    <a:masterClrMapping/>
+  </p:clrMapOvr>
+</p:sld>
+</file>
+
+<file path=ppt/slides/slide14.xml><?xml version="1.0" encoding="utf-8"?>
+<p:sld xmlns:a="http://schemas.openxmlformats.org/drawingml/2006/main" xmlns:r="http://schemas.openxmlformats.org/officeDocument/2006/relationships" xmlns:p="http://schemas.openxmlformats.org/presentationml/2006/main">
+  <p:cSld>
+    <p:spTree>
+      <p:nvGrpSpPr>
+        <p:cNvPr id="1" name=""/>
+        <p:cNvGrpSpPr/>
+        <p:nvPr/>
+      </p:nvGrpSpPr>
+      <p:grpSpPr>
+        <a:xfrm>
+          <a:off x="0" y="0"/>
+          <a:ext cx="0" cy="0"/>
+          <a:chOff x="0" y="0"/>
+          <a:chExt cx="0" cy="0"/>
+        </a:xfrm>
+      </p:grpSpPr>
+      <p:sp>
+        <p:nvSpPr>
+          <p:cNvPr id="2" name="Titel 1">
+            <a:extLst>
+              <a:ext uri="{FF2B5EF4-FFF2-40B4-BE49-F238E27FC236}">
+                <a16:creationId xmlns:a16="http://schemas.microsoft.com/office/drawing/2014/main" id="{26D56270-1C1B-4B1E-BC4F-ACC759B672F7}"/>
+              </a:ext>
+            </a:extLst>
+          </p:cNvPr>
+          <p:cNvSpPr>
+            <a:spLocks noGrp="1"/>
+          </p:cNvSpPr>
+          <p:nvPr>
+            <p:ph type="title"/>
+          </p:nvPr>
+        </p:nvSpPr>
+        <p:spPr>
+          <a:xfrm>
+            <a:off x="838200" y="365125"/>
+            <a:ext cx="10515600" cy="1325563"/>
+          </a:xfrm>
+        </p:spPr>
+        <p:txBody>
+          <a:bodyPr/>
+          <a:lstStyle/>
+          <a:p>
+            <a:r>
+              <a:rPr lang="nl-NL" dirty="0" err="1"/>
+              <a:t>Results</a:t>
+            </a:r>
+            <a:r>
+              <a:rPr lang="nl-NL" dirty="0"/>
+              <a:t> – Data </a:t>
+            </a:r>
+            <a:br>
+              <a:rPr lang="nl-NL" dirty="0"/>
+            </a:br>
+            <a:r>
+              <a:rPr lang="nl-NL" dirty="0" err="1"/>
+              <a:t>structure</a:t>
+            </a:r>
+            <a:endParaRPr lang="en-GB" dirty="0"/>
+          </a:p>
+        </p:txBody>
+      </p:sp>
+      <p:sp>
+        <p:nvSpPr>
+          <p:cNvPr id="3" name="Tijdelijke aanduiding voor inhoud 2">
+            <a:extLst>
+              <a:ext uri="{FF2B5EF4-FFF2-40B4-BE49-F238E27FC236}">
+                <a16:creationId xmlns:a16="http://schemas.microsoft.com/office/drawing/2014/main" id="{938874C9-2E1B-4E00-9D04-38873D0AC371}"/>
+              </a:ext>
+            </a:extLst>
+          </p:cNvPr>
+          <p:cNvSpPr>
+            <a:spLocks noGrp="1"/>
+          </p:cNvSpPr>
+          <p:nvPr>
+            <p:ph sz="half" idx="1"/>
+          </p:nvPr>
+        </p:nvSpPr>
+        <p:spPr>
+          <a:xfrm>
+            <a:off x="838200" y="2412693"/>
+            <a:ext cx="3370243" cy="3764269"/>
+          </a:xfrm>
+        </p:spPr>
+        <p:txBody>
+          <a:bodyPr>
+            <a:normAutofit/>
+          </a:bodyPr>
+          <a:lstStyle/>
+          <a:p>
+            <a:r>
+              <a:rPr lang="nl-NL" sz="2400" dirty="0"/>
+              <a:t>L: </a:t>
+            </a:r>
+            <a:r>
+              <a:rPr lang="nl-NL" sz="2400" dirty="0" err="1"/>
+              <a:t>length</a:t>
+            </a:r>
+            <a:r>
+              <a:rPr lang="nl-NL" sz="2400" dirty="0"/>
+              <a:t> of </a:t>
+            </a:r>
+            <a:r>
+              <a:rPr lang="nl-NL" sz="2400" dirty="0" err="1"/>
+              <a:t>protein</a:t>
+            </a:r>
+            <a:endParaRPr lang="nl-NL" sz="2400" dirty="0"/>
+          </a:p>
+          <a:p>
+            <a:r>
+              <a:rPr lang="nl-NL" sz="2400" dirty="0"/>
+              <a:t>N: </a:t>
+            </a:r>
+            <a:r>
+              <a:rPr lang="nl-NL" sz="2400" dirty="0" err="1"/>
+              <a:t>number</a:t>
+            </a:r>
+            <a:r>
+              <a:rPr lang="nl-NL" sz="2400" dirty="0"/>
+              <a:t> of </a:t>
+            </a:r>
+            <a:r>
+              <a:rPr lang="nl-NL" sz="2400" dirty="0" err="1"/>
+              <a:t>iterations</a:t>
+            </a:r>
+            <a:endParaRPr lang="nl-NL" sz="2400" dirty="0"/>
+          </a:p>
+          <a:p>
+            <a:endParaRPr lang="nl-NL" sz="2400" dirty="0"/>
+          </a:p>
+        </p:txBody>
+      </p:sp>
+      <p:pic>
+        <p:nvPicPr>
+          <p:cNvPr id="5" name="Tijdelijke aanduiding voor inhoud 4">
+            <a:extLst>
+              <a:ext uri="{FF2B5EF4-FFF2-40B4-BE49-F238E27FC236}">
+                <a16:creationId xmlns:a16="http://schemas.microsoft.com/office/drawing/2014/main" id="{936E018E-90A8-44A9-B921-A228CBB1098D}"/>
+              </a:ext>
+            </a:extLst>
+          </p:cNvPr>
+          <p:cNvPicPr>
+            <a:picLocks noGrp="1" noChangeAspect="1"/>
+          </p:cNvPicPr>
+          <p:nvPr>
+            <p:ph sz="half" idx="2"/>
+          </p:nvPr>
+        </p:nvPicPr>
+        <p:blipFill>
+          <a:blip r:embed="rId2"/>
+          <a:stretch>
+            <a:fillRect/>
+          </a:stretch>
+        </p:blipFill>
+        <p:spPr>
+          <a:xfrm>
+            <a:off x="4549967" y="484743"/>
+            <a:ext cx="7095504" cy="6008132"/>
+          </a:xfrm>
+          <a:prstGeom prst="rect">
+            <a:avLst/>
+          </a:prstGeom>
+        </p:spPr>
+      </p:pic>
+    </p:spTree>
+    <p:extLst>
+      <p:ext uri="{BB962C8B-B14F-4D97-AF65-F5344CB8AC3E}">
+        <p14:creationId xmlns:p14="http://schemas.microsoft.com/office/powerpoint/2010/main" val="163970808"/>
+      </p:ext>
+    </p:extLst>
+  </p:cSld>
+  <p:clrMapOvr>
+    <a:masterClrMapping/>
+  </p:clrMapOvr>
+</p:sld>
+</file>
+
+<file path=ppt/slides/slide15.xml><?xml version="1.0" encoding="utf-8"?>
+<p:sld xmlns:a="http://schemas.openxmlformats.org/drawingml/2006/main" xmlns:r="http://schemas.openxmlformats.org/officeDocument/2006/relationships" xmlns:p="http://schemas.openxmlformats.org/presentationml/2006/main">
+  <p:cSld>
+    <p:spTree>
+      <p:nvGrpSpPr>
+        <p:cNvPr id="1" name=""/>
+        <p:cNvGrpSpPr/>
+        <p:nvPr/>
+      </p:nvGrpSpPr>
+      <p:grpSpPr>
+        <a:xfrm>
+          <a:off x="0" y="0"/>
+          <a:ext cx="0" cy="0"/>
+          <a:chOff x="0" y="0"/>
+          <a:chExt cx="0" cy="0"/>
+        </a:xfrm>
+      </p:grpSpPr>
+      <p:sp>
+        <p:nvSpPr>
+          <p:cNvPr id="2" name="Titel 1">
+            <a:extLst>
+              <a:ext uri="{FF2B5EF4-FFF2-40B4-BE49-F238E27FC236}">
+                <a16:creationId xmlns:a16="http://schemas.microsoft.com/office/drawing/2014/main" id="{5C770520-98CE-4CE6-ACD0-072593328459}"/>
+              </a:ext>
+            </a:extLst>
+          </p:cNvPr>
+          <p:cNvSpPr>
+            <a:spLocks noGrp="1"/>
+          </p:cNvSpPr>
+          <p:nvPr>
+            <p:ph type="title"/>
+          </p:nvPr>
+        </p:nvSpPr>
+        <p:spPr/>
+        <p:txBody>
+          <a:bodyPr>
+            <a:normAutofit fontScale="90000"/>
+          </a:bodyPr>
+          <a:lstStyle/>
+          <a:p>
+            <a:r>
+              <a:rPr lang="nl-NL" dirty="0" err="1"/>
+              <a:t>Results</a:t>
+            </a:r>
+            <a:r>
+              <a:rPr lang="nl-NL" dirty="0"/>
+              <a:t> – </a:t>
+            </a:r>
+            <a:r>
+              <a:rPr lang="nl-NL" dirty="0" err="1"/>
+              <a:t>Size</a:t>
+            </a:r>
+            <a:r>
+              <a:rPr lang="nl-NL" dirty="0"/>
+              <a:t> </a:t>
+            </a:r>
+            <a:br>
+              <a:rPr lang="nl-NL" dirty="0"/>
+            </a:br>
+            <a:r>
+              <a:rPr lang="nl-NL" dirty="0" err="1"/>
+              <a:t>restricted</a:t>
+            </a:r>
+            <a:r>
+              <a:rPr lang="nl-NL" dirty="0"/>
+              <a:t> </a:t>
+            </a:r>
+            <a:br>
+              <a:rPr lang="nl-NL" dirty="0"/>
+            </a:br>
+            <a:r>
+              <a:rPr lang="nl-NL" dirty="0" err="1"/>
+              <a:t>configuration</a:t>
+            </a:r>
+            <a:r>
+              <a:rPr lang="nl-NL" dirty="0"/>
+              <a:t> </a:t>
+            </a:r>
+            <a:endParaRPr lang="en-GB" dirty="0"/>
+          </a:p>
+        </p:txBody>
+      </p:sp>
+      <p:sp>
+        <p:nvSpPr>
+          <p:cNvPr id="3" name="Tijdelijke aanduiding voor inhoud 2">
+            <a:extLst>
+              <a:ext uri="{FF2B5EF4-FFF2-40B4-BE49-F238E27FC236}">
+                <a16:creationId xmlns:a16="http://schemas.microsoft.com/office/drawing/2014/main" id="{42690F7B-EA12-4F0D-B938-C55DD64D10DF}"/>
+              </a:ext>
+            </a:extLst>
+          </p:cNvPr>
+          <p:cNvSpPr>
+            <a:spLocks noGrp="1"/>
+          </p:cNvSpPr>
+          <p:nvPr>
+            <p:ph sz="half" idx="1"/>
+          </p:nvPr>
+        </p:nvSpPr>
+        <p:spPr>
+          <a:xfrm>
+            <a:off x="838200" y="2379643"/>
+            <a:ext cx="3525253" cy="3797320"/>
+          </a:xfrm>
+        </p:spPr>
+        <p:txBody>
+          <a:bodyPr>
+            <a:normAutofit fontScale="92500" lnSpcReduction="10000"/>
+          </a:bodyPr>
+          <a:lstStyle/>
+          <a:p>
+            <a:r>
+              <a:rPr lang="nl-NL" dirty="0"/>
+              <a:t>S: </a:t>
+            </a:r>
+            <a:r>
+              <a:rPr lang="nl-NL" dirty="0" err="1"/>
+              <a:t>wanted</a:t>
+            </a:r>
+            <a:r>
+              <a:rPr lang="nl-NL" dirty="0"/>
+              <a:t> </a:t>
+            </a:r>
+            <a:r>
+              <a:rPr lang="nl-NL" dirty="0" err="1"/>
+              <a:t>stability</a:t>
+            </a:r>
+            <a:endParaRPr lang="nl-NL" dirty="0"/>
+          </a:p>
+          <a:p>
+            <a:r>
+              <a:rPr lang="nl-NL" dirty="0"/>
+              <a:t>D: </a:t>
+            </a:r>
+            <a:r>
+              <a:rPr lang="nl-NL" dirty="0" err="1"/>
+              <a:t>dimension</a:t>
+            </a:r>
+            <a:r>
+              <a:rPr lang="nl-NL" dirty="0"/>
+              <a:t> of matrix</a:t>
+            </a:r>
+          </a:p>
+          <a:p>
+            <a:r>
+              <a:rPr lang="nl-NL" dirty="0"/>
+              <a:t>L: </a:t>
+            </a:r>
+            <a:r>
+              <a:rPr lang="nl-NL" dirty="0" err="1"/>
+              <a:t>length</a:t>
+            </a:r>
+            <a:r>
+              <a:rPr lang="nl-NL" dirty="0"/>
+              <a:t> of </a:t>
+            </a:r>
+            <a:r>
+              <a:rPr lang="nl-NL" dirty="0" err="1"/>
+              <a:t>protein</a:t>
+            </a:r>
+            <a:endParaRPr lang="nl-NL" dirty="0"/>
+          </a:p>
+          <a:p>
+            <a:endParaRPr lang="nl-NL" dirty="0"/>
+          </a:p>
+          <a:p>
+            <a:r>
+              <a:rPr lang="nl-NL" dirty="0"/>
+              <a:t>String 1 (L=14):</a:t>
+            </a:r>
+            <a:br>
+              <a:rPr lang="nl-NL" dirty="0"/>
+            </a:br>
+            <a:r>
+              <a:rPr lang="nl-NL" sz="2000" dirty="0"/>
+              <a:t>HHPHHHPHPHHHPH</a:t>
+            </a:r>
+          </a:p>
+          <a:p>
+            <a:r>
+              <a:rPr lang="en-GB" dirty="0"/>
+              <a:t>String 2 (L=20):</a:t>
+            </a:r>
+            <a:br>
+              <a:rPr lang="en-GB" dirty="0"/>
+            </a:br>
+            <a:r>
+              <a:rPr lang="en-GB" sz="2000" dirty="0"/>
+              <a:t>HPHPPHHPHPPHPHHPPHPH</a:t>
+            </a:r>
+          </a:p>
+          <a:p>
+            <a:r>
+              <a:rPr lang="en-GB" dirty="0"/>
+              <a:t>String 3 (L=36):</a:t>
+            </a:r>
+            <a:br>
+              <a:rPr lang="en-GB" sz="3200" dirty="0"/>
+            </a:br>
+            <a:r>
+              <a:rPr lang="en-GB" sz="1200" dirty="0"/>
+              <a:t>PPPHHPPHHPPPPPHHHHHHHPPHHPPPPHHPPHPP</a:t>
+            </a:r>
+            <a:endParaRPr lang="en-GB" dirty="0"/>
+          </a:p>
+        </p:txBody>
+      </p:sp>
+      <p:pic>
+        <p:nvPicPr>
+          <p:cNvPr id="9" name="Tijdelijke aanduiding voor inhoud 8">
+            <a:extLst>
+              <a:ext uri="{FF2B5EF4-FFF2-40B4-BE49-F238E27FC236}">
+                <a16:creationId xmlns:a16="http://schemas.microsoft.com/office/drawing/2014/main" id="{F08D6B3F-5E78-495C-B677-CF06845219FA}"/>
+              </a:ext>
+            </a:extLst>
+          </p:cNvPr>
+          <p:cNvPicPr>
+            <a:picLocks noGrp="1" noChangeAspect="1"/>
+          </p:cNvPicPr>
+          <p:nvPr>
+            <p:ph sz="half" idx="2"/>
+          </p:nvPr>
+        </p:nvPicPr>
+        <p:blipFill>
+          <a:blip r:embed="rId2"/>
+          <a:stretch>
+            <a:fillRect/>
+          </a:stretch>
+        </p:blipFill>
+        <p:spPr>
+          <a:xfrm>
+            <a:off x="4759297" y="566365"/>
+            <a:ext cx="6921920" cy="5725270"/>
+          </a:xfrm>
+          <a:prstGeom prst="rect">
+            <a:avLst/>
+          </a:prstGeom>
+        </p:spPr>
+      </p:pic>
+    </p:spTree>
+    <p:extLst>
+      <p:ext uri="{BB962C8B-B14F-4D97-AF65-F5344CB8AC3E}">
+        <p14:creationId xmlns:p14="http://schemas.microsoft.com/office/powerpoint/2010/main" val="1096537137"/>
+      </p:ext>
+    </p:extLst>
+  </p:cSld>
+  <p:clrMapOvr>
+    <a:masterClrMapping/>
+  </p:clrMapOvr>
+</p:sld>
+</file>
+
+<file path=ppt/slides/slide16.xml><?xml version="1.0" encoding="utf-8"?>
 <p:sld xmlns:a="http://schemas.openxmlformats.org/drawingml/2006/main" xmlns:r="http://schemas.openxmlformats.org/officeDocument/2006/relationships" xmlns:p="http://schemas.openxmlformats.org/presentationml/2006/main">
   <p:cSld>
     <p:spTree>
@@ -4922,7 +6157,7 @@
 </p:sld>
 </file>
 
-<file path=ppt/slides/slide11.xml><?xml version="1.0" encoding="utf-8"?>
+<file path=ppt/slides/slide17.xml><?xml version="1.0" encoding="utf-8"?>
 <p:sld xmlns:a="http://schemas.openxmlformats.org/drawingml/2006/main" xmlns:r="http://schemas.openxmlformats.org/officeDocument/2006/relationships" xmlns:p="http://schemas.openxmlformats.org/presentationml/2006/main">
   <p:cSld>
     <p:spTree>
@@ -5061,7 +6296,7 @@
 </p:sld>
 </file>
 
-<file path=ppt/slides/slide12.xml><?xml version="1.0" encoding="utf-8"?>
+<file path=ppt/slides/slide18.xml><?xml version="1.0" encoding="utf-8"?>
 <p:sld xmlns:a="http://schemas.openxmlformats.org/drawingml/2006/main" xmlns:r="http://schemas.openxmlformats.org/officeDocument/2006/relationships" xmlns:p="http://schemas.openxmlformats.org/presentationml/2006/main">
   <p:cSld>
     <p:spTree>
@@ -5633,7 +6868,7 @@
 </p:sld>
 </file>
 
-<file path=ppt/slides/slide13.xml><?xml version="1.0" encoding="utf-8"?>
+<file path=ppt/slides/slide19.xml><?xml version="1.0" encoding="utf-8"?>
 <p:sld xmlns:a="http://schemas.openxmlformats.org/drawingml/2006/main" xmlns:r="http://schemas.openxmlformats.org/officeDocument/2006/relationships" xmlns:p="http://schemas.openxmlformats.org/presentationml/2006/main">
   <p:cSld>
     <p:spTree>
@@ -5782,126 +7017,6 @@
     <p:extLst>
       <p:ext uri="{BB962C8B-B14F-4D97-AF65-F5344CB8AC3E}">
         <p14:creationId xmlns:p14="http://schemas.microsoft.com/office/powerpoint/2010/main" val="1963639422"/>
-      </p:ext>
-    </p:extLst>
-  </p:cSld>
-  <p:clrMapOvr>
-    <a:masterClrMapping/>
-  </p:clrMapOvr>
-</p:sld>
-</file>
-
-<file path=ppt/slides/slide14.xml><?xml version="1.0" encoding="utf-8"?>
-<p:sld xmlns:a="http://schemas.openxmlformats.org/drawingml/2006/main" xmlns:r="http://schemas.openxmlformats.org/officeDocument/2006/relationships" xmlns:p="http://schemas.openxmlformats.org/presentationml/2006/main">
-  <p:cSld>
-    <p:spTree>
-      <p:nvGrpSpPr>
-        <p:cNvPr id="1" name=""/>
-        <p:cNvGrpSpPr/>
-        <p:nvPr/>
-      </p:nvGrpSpPr>
-      <p:grpSpPr>
-        <a:xfrm>
-          <a:off x="0" y="0"/>
-          <a:ext cx="0" cy="0"/>
-          <a:chOff x="0" y="0"/>
-          <a:chExt cx="0" cy="0"/>
-        </a:xfrm>
-      </p:grpSpPr>
-      <p:sp>
-        <p:nvSpPr>
-          <p:cNvPr id="2" name="Titel 1">
-            <a:extLst>
-              <a:ext uri="{FF2B5EF4-FFF2-40B4-BE49-F238E27FC236}">
-                <a16:creationId xmlns:a16="http://schemas.microsoft.com/office/drawing/2014/main" id="{A40D14D6-C616-7346-AB1F-E0B3C6F3B4F5}"/>
-              </a:ext>
-            </a:extLst>
-          </p:cNvPr>
-          <p:cNvSpPr>
-            <a:spLocks noGrp="1"/>
-          </p:cNvSpPr>
-          <p:nvPr>
-            <p:ph type="ctrTitle"/>
-          </p:nvPr>
-        </p:nvSpPr>
-        <p:spPr/>
-        <p:txBody>
-          <a:bodyPr/>
-          <a:lstStyle/>
-          <a:p>
-            <a:r>
-              <a:rPr lang="en-GB" dirty="0"/>
-              <a:t>Questions and comments?</a:t>
-            </a:r>
-          </a:p>
-        </p:txBody>
-      </p:sp>
-      <p:sp>
-        <p:nvSpPr>
-          <p:cNvPr id="3" name="Ondertitel 2">
-            <a:extLst>
-              <a:ext uri="{FF2B5EF4-FFF2-40B4-BE49-F238E27FC236}">
-                <a16:creationId xmlns:a16="http://schemas.microsoft.com/office/drawing/2014/main" id="{CEF25AE3-A6E7-9F45-9D9A-CB2C1B23E372}"/>
-              </a:ext>
-            </a:extLst>
-          </p:cNvPr>
-          <p:cNvSpPr>
-            <a:spLocks noGrp="1"/>
-          </p:cNvSpPr>
-          <p:nvPr>
-            <p:ph type="subTitle" idx="1"/>
-          </p:nvPr>
-        </p:nvSpPr>
-        <p:spPr/>
-        <p:txBody>
-          <a:bodyPr>
-            <a:normAutofit fontScale="85000" lnSpcReduction="20000"/>
-          </a:bodyPr>
-          <a:lstStyle/>
-          <a:p>
-            <a:r>
-              <a:rPr lang="en-GB" dirty="0"/>
-              <a:t>Our questions:</a:t>
-            </a:r>
-          </a:p>
-          <a:p>
-            <a:pPr marL="457200" indent="-457200">
-              <a:buAutoNum type="arabicPeriod"/>
-            </a:pPr>
-            <a:r>
-              <a:rPr lang="en-GB" dirty="0"/>
-              <a:t>All our algorithms are ‘constructive’. Ideas where to think regarding iterative algorithms?</a:t>
-            </a:r>
-          </a:p>
-          <a:p>
-            <a:pPr marL="457200" indent="-457200">
-              <a:buAutoNum type="arabicPeriod"/>
-            </a:pPr>
-            <a:r>
-              <a:rPr lang="en-GB" dirty="0"/>
-              <a:t>What is your view on our choice for </a:t>
-            </a:r>
-            <a:r>
-              <a:rPr lang="en-GB" dirty="0" err="1"/>
-              <a:t>datastructure</a:t>
-            </a:r>
-            <a:r>
-              <a:rPr lang="en-GB" dirty="0"/>
-              <a:t>?</a:t>
-            </a:r>
-          </a:p>
-          <a:p>
-            <a:r>
-              <a:rPr lang="en-GB" dirty="0"/>
-              <a:t>Thank you for your attention</a:t>
-            </a:r>
-          </a:p>
-        </p:txBody>
-      </p:sp>
-    </p:spTree>
-    <p:extLst>
-      <p:ext uri="{BB962C8B-B14F-4D97-AF65-F5344CB8AC3E}">
-        <p14:creationId xmlns:p14="http://schemas.microsoft.com/office/powerpoint/2010/main" val="3056510008"/>
       </p:ext>
     </p:extLst>
   </p:cSld>
@@ -6121,6 +7236,126 @@
     <p:extLst>
       <p:ext uri="{BB962C8B-B14F-4D97-AF65-F5344CB8AC3E}">
         <p14:creationId xmlns:p14="http://schemas.microsoft.com/office/powerpoint/2010/main" val="2072180750"/>
+      </p:ext>
+    </p:extLst>
+  </p:cSld>
+  <p:clrMapOvr>
+    <a:masterClrMapping/>
+  </p:clrMapOvr>
+</p:sld>
+</file>
+
+<file path=ppt/slides/slide20.xml><?xml version="1.0" encoding="utf-8"?>
+<p:sld xmlns:a="http://schemas.openxmlformats.org/drawingml/2006/main" xmlns:r="http://schemas.openxmlformats.org/officeDocument/2006/relationships" xmlns:p="http://schemas.openxmlformats.org/presentationml/2006/main">
+  <p:cSld>
+    <p:spTree>
+      <p:nvGrpSpPr>
+        <p:cNvPr id="1" name=""/>
+        <p:cNvGrpSpPr/>
+        <p:nvPr/>
+      </p:nvGrpSpPr>
+      <p:grpSpPr>
+        <a:xfrm>
+          <a:off x="0" y="0"/>
+          <a:ext cx="0" cy="0"/>
+          <a:chOff x="0" y="0"/>
+          <a:chExt cx="0" cy="0"/>
+        </a:xfrm>
+      </p:grpSpPr>
+      <p:sp>
+        <p:nvSpPr>
+          <p:cNvPr id="2" name="Titel 1">
+            <a:extLst>
+              <a:ext uri="{FF2B5EF4-FFF2-40B4-BE49-F238E27FC236}">
+                <a16:creationId xmlns:a16="http://schemas.microsoft.com/office/drawing/2014/main" id="{A40D14D6-C616-7346-AB1F-E0B3C6F3B4F5}"/>
+              </a:ext>
+            </a:extLst>
+          </p:cNvPr>
+          <p:cNvSpPr>
+            <a:spLocks noGrp="1"/>
+          </p:cNvSpPr>
+          <p:nvPr>
+            <p:ph type="ctrTitle"/>
+          </p:nvPr>
+        </p:nvSpPr>
+        <p:spPr/>
+        <p:txBody>
+          <a:bodyPr/>
+          <a:lstStyle/>
+          <a:p>
+            <a:r>
+              <a:rPr lang="en-GB" dirty="0"/>
+              <a:t>Questions and comments?</a:t>
+            </a:r>
+          </a:p>
+        </p:txBody>
+      </p:sp>
+      <p:sp>
+        <p:nvSpPr>
+          <p:cNvPr id="3" name="Ondertitel 2">
+            <a:extLst>
+              <a:ext uri="{FF2B5EF4-FFF2-40B4-BE49-F238E27FC236}">
+                <a16:creationId xmlns:a16="http://schemas.microsoft.com/office/drawing/2014/main" id="{CEF25AE3-A6E7-9F45-9D9A-CB2C1B23E372}"/>
+              </a:ext>
+            </a:extLst>
+          </p:cNvPr>
+          <p:cNvSpPr>
+            <a:spLocks noGrp="1"/>
+          </p:cNvSpPr>
+          <p:nvPr>
+            <p:ph type="subTitle" idx="1"/>
+          </p:nvPr>
+        </p:nvSpPr>
+        <p:spPr/>
+        <p:txBody>
+          <a:bodyPr>
+            <a:normAutofit fontScale="85000" lnSpcReduction="20000"/>
+          </a:bodyPr>
+          <a:lstStyle/>
+          <a:p>
+            <a:r>
+              <a:rPr lang="en-GB" dirty="0"/>
+              <a:t>Our questions:</a:t>
+            </a:r>
+          </a:p>
+          <a:p>
+            <a:pPr marL="457200" indent="-457200">
+              <a:buAutoNum type="arabicPeriod"/>
+            </a:pPr>
+            <a:r>
+              <a:rPr lang="en-GB" dirty="0"/>
+              <a:t>All our algorithms are ‘constructive’. Ideas where to think regarding iterative algorithms?</a:t>
+            </a:r>
+          </a:p>
+          <a:p>
+            <a:pPr marL="457200" indent="-457200">
+              <a:buAutoNum type="arabicPeriod"/>
+            </a:pPr>
+            <a:r>
+              <a:rPr lang="en-GB" dirty="0"/>
+              <a:t>What is your view on our choice for </a:t>
+            </a:r>
+            <a:r>
+              <a:rPr lang="en-GB" dirty="0" err="1"/>
+              <a:t>datastructure</a:t>
+            </a:r>
+            <a:r>
+              <a:rPr lang="en-GB" dirty="0"/>
+              <a:t>?</a:t>
+            </a:r>
+          </a:p>
+          <a:p>
+            <a:r>
+              <a:rPr lang="en-GB" dirty="0"/>
+              <a:t>Thank you for your attention</a:t>
+            </a:r>
+          </a:p>
+        </p:txBody>
+      </p:sp>
+    </p:spTree>
+    <p:extLst>
+      <p:ext uri="{BB962C8B-B14F-4D97-AF65-F5344CB8AC3E}">
+        <p14:creationId xmlns:p14="http://schemas.microsoft.com/office/powerpoint/2010/main" val="3056510008"/>
       </p:ext>
     </p:extLst>
   </p:cSld>
@@ -8113,7 +9348,7 @@
           <p:cNvPr id="2" name="Titel 1">
             <a:extLst>
               <a:ext uri="{FF2B5EF4-FFF2-40B4-BE49-F238E27FC236}">
-                <a16:creationId xmlns:a16="http://schemas.microsoft.com/office/drawing/2014/main" id="{26D56270-1C1B-4B1E-BC4F-ACC759B672F7}"/>
+                <a16:creationId xmlns:a16="http://schemas.microsoft.com/office/drawing/2014/main" id="{BDECAEB1-542A-F848-9D2C-B10DFE956AB7}"/>
               </a:ext>
             </a:extLst>
           </p:cNvPr>
@@ -8124,32 +9359,15 @@
             <p:ph type="title"/>
           </p:nvPr>
         </p:nvSpPr>
-        <p:spPr>
-          <a:xfrm>
-            <a:off x="838200" y="365125"/>
-            <a:ext cx="10515600" cy="1325563"/>
-          </a:xfrm>
-        </p:spPr>
+        <p:spPr/>
         <p:txBody>
           <a:bodyPr/>
           <a:lstStyle/>
           <a:p>
             <a:r>
-              <a:rPr lang="nl-NL" dirty="0" err="1"/>
-              <a:t>Results</a:t>
-            </a:r>
-            <a:r>
-              <a:rPr lang="nl-NL" dirty="0"/>
-              <a:t> – Data </a:t>
-            </a:r>
-            <a:br>
-              <a:rPr lang="nl-NL" dirty="0"/>
-            </a:br>
-            <a:r>
-              <a:rPr lang="nl-NL" dirty="0" err="1"/>
-              <a:t>structure</a:t>
-            </a:r>
-            <a:endParaRPr lang="en-GB" dirty="0"/>
+              <a:rPr lang="en-GB" dirty="0"/>
+              <a:t>3. Algorithms</a:t>
+            </a:r>
           </a:p>
         </p:txBody>
       </p:sp>
@@ -8158,7 +9376,7 @@
           <p:cNvPr id="3" name="Tijdelijke aanduiding voor inhoud 2">
             <a:extLst>
               <a:ext uri="{FF2B5EF4-FFF2-40B4-BE49-F238E27FC236}">
-                <a16:creationId xmlns:a16="http://schemas.microsoft.com/office/drawing/2014/main" id="{938874C9-2E1B-4E00-9D04-38873D0AC371}"/>
+                <a16:creationId xmlns:a16="http://schemas.microsoft.com/office/drawing/2014/main" id="{6B57B016-94D5-F646-9976-362E7188E1F0}"/>
               </a:ext>
             </a:extLst>
           </p:cNvPr>
@@ -8169,96 +9387,89 @@
             <p:ph sz="half" idx="1"/>
           </p:nvPr>
         </p:nvSpPr>
-        <p:spPr>
-          <a:xfrm>
-            <a:off x="838200" y="2412693"/>
-            <a:ext cx="3370243" cy="3764269"/>
-          </a:xfrm>
-        </p:spPr>
-        <p:txBody>
-          <a:bodyPr>
-            <a:normAutofit/>
-          </a:bodyPr>
+        <p:spPr/>
+        <p:txBody>
+          <a:bodyPr/>
           <a:lstStyle/>
           <a:p>
             <a:r>
-              <a:rPr lang="nl-NL" sz="2400" dirty="0"/>
-              <a:t>L: </a:t>
-            </a:r>
-            <a:r>
-              <a:rPr lang="nl-NL" sz="2400" dirty="0" err="1"/>
-              <a:t>length</a:t>
-            </a:r>
-            <a:r>
-              <a:rPr lang="nl-NL" sz="2400" dirty="0"/>
-              <a:t> of </a:t>
-            </a:r>
-            <a:r>
-              <a:rPr lang="nl-NL" sz="2400" dirty="0" err="1"/>
-              <a:t>protein</a:t>
-            </a:r>
-            <a:endParaRPr lang="nl-NL" sz="2400" dirty="0"/>
-          </a:p>
-          <a:p>
-            <a:r>
-              <a:rPr lang="nl-NL" sz="2400" dirty="0"/>
-              <a:t>N: </a:t>
-            </a:r>
-            <a:r>
-              <a:rPr lang="nl-NL" sz="2400" dirty="0" err="1"/>
-              <a:t>number</a:t>
-            </a:r>
-            <a:r>
-              <a:rPr lang="nl-NL" sz="2400" dirty="0"/>
-              <a:t> of </a:t>
-            </a:r>
-            <a:r>
-              <a:rPr lang="nl-NL" sz="2400" dirty="0" err="1"/>
-              <a:t>iterations</a:t>
-            </a:r>
-            <a:endParaRPr lang="nl-NL" sz="2400" dirty="0"/>
-          </a:p>
-          <a:p>
-            <a:endParaRPr lang="nl-NL" sz="2400" dirty="0"/>
-          </a:p>
-        </p:txBody>
-      </p:sp>
-      <p:pic>
-        <p:nvPicPr>
-          <p:cNvPr id="5" name="Tijdelijke aanduiding voor inhoud 4">
+              <a:rPr lang="en-GB" dirty="0"/>
+              <a:t>Tried:</a:t>
+            </a:r>
+          </a:p>
+          <a:p>
+            <a:pPr lvl="1"/>
+            <a:r>
+              <a:rPr lang="en-GB" dirty="0"/>
+              <a:t>Self avoiding random walk (SARW)</a:t>
+            </a:r>
+          </a:p>
+          <a:p>
+            <a:pPr lvl="1"/>
+            <a:r>
+              <a:rPr lang="en-GB" dirty="0"/>
+              <a:t>SARW with a twist</a:t>
+            </a:r>
+          </a:p>
+          <a:p>
+            <a:pPr lvl="1"/>
+            <a:r>
+              <a:rPr lang="en-GB" dirty="0"/>
+              <a:t>Greedy</a:t>
+            </a:r>
+          </a:p>
+        </p:txBody>
+      </p:sp>
+      <p:sp>
+        <p:nvSpPr>
+          <p:cNvPr id="4" name="Tijdelijke aanduiding voor inhoud 3">
             <a:extLst>
               <a:ext uri="{FF2B5EF4-FFF2-40B4-BE49-F238E27FC236}">
-                <a16:creationId xmlns:a16="http://schemas.microsoft.com/office/drawing/2014/main" id="{936E018E-90A8-44A9-B921-A228CBB1098D}"/>
+                <a16:creationId xmlns:a16="http://schemas.microsoft.com/office/drawing/2014/main" id="{D29CAD77-2AED-E94A-845B-B60D651EF411}"/>
               </a:ext>
             </a:extLst>
           </p:cNvPr>
-          <p:cNvPicPr>
-            <a:picLocks noGrp="1" noChangeAspect="1"/>
-          </p:cNvPicPr>
+          <p:cNvSpPr>
+            <a:spLocks noGrp="1"/>
+          </p:cNvSpPr>
           <p:nvPr>
             <p:ph sz="half" idx="2"/>
           </p:nvPr>
-        </p:nvPicPr>
-        <p:blipFill>
-          <a:blip r:embed="rId2"/>
-          <a:stretch>
-            <a:fillRect/>
-          </a:stretch>
-        </p:blipFill>
-        <p:spPr>
-          <a:xfrm>
-            <a:off x="4549967" y="484743"/>
-            <a:ext cx="7095504" cy="6008132"/>
-          </a:xfrm>
-          <a:prstGeom prst="rect">
-            <a:avLst/>
-          </a:prstGeom>
-        </p:spPr>
-      </p:pic>
+        </p:nvSpPr>
+        <p:spPr/>
+        <p:txBody>
+          <a:bodyPr/>
+          <a:lstStyle/>
+          <a:p>
+            <a:r>
+              <a:rPr lang="en-GB" dirty="0"/>
+              <a:t>Next up:</a:t>
+            </a:r>
+          </a:p>
+          <a:p>
+            <a:pPr lvl="1"/>
+            <a:r>
+              <a:rPr lang="en-GB" dirty="0"/>
+              <a:t>Extended Heuristic Algorithm</a:t>
+            </a:r>
+          </a:p>
+          <a:p>
+            <a:pPr lvl="1"/>
+            <a:r>
+              <a:rPr lang="en-GB" dirty="0"/>
+              <a:t>Breadth-first: Beam Search</a:t>
+            </a:r>
+          </a:p>
+          <a:p>
+            <a:pPr lvl="1"/>
+            <a:endParaRPr lang="en-GB" dirty="0"/>
+          </a:p>
+        </p:txBody>
+      </p:sp>
     </p:spTree>
     <p:extLst>
       <p:ext uri="{BB962C8B-B14F-4D97-AF65-F5344CB8AC3E}">
-        <p14:creationId xmlns:p14="http://schemas.microsoft.com/office/powerpoint/2010/main" val="163970808"/>
+        <p14:creationId xmlns:p14="http://schemas.microsoft.com/office/powerpoint/2010/main" val="4118444954"/>
       </p:ext>
     </p:extLst>
   </p:cSld>
@@ -8290,7 +9501,7 @@
           <p:cNvPr id="2" name="Titel 1">
             <a:extLst>
               <a:ext uri="{FF2B5EF4-FFF2-40B4-BE49-F238E27FC236}">
-                <a16:creationId xmlns:a16="http://schemas.microsoft.com/office/drawing/2014/main" id="{5C770520-98CE-4CE6-ACD0-072593328459}"/>
+                <a16:creationId xmlns:a16="http://schemas.microsoft.com/office/drawing/2014/main" id="{BDECAEB1-542A-F848-9D2C-B10DFE956AB7}"/>
               </a:ext>
             </a:extLst>
           </p:cNvPr>
@@ -8303,50 +9514,13 @@
         </p:nvSpPr>
         <p:spPr/>
         <p:txBody>
-          <a:bodyPr>
-            <a:normAutofit fontScale="90000"/>
-          </a:bodyPr>
+          <a:bodyPr/>
           <a:lstStyle/>
           <a:p>
             <a:r>
-              <a:rPr lang="nl-NL" dirty="0" err="1"/>
-              <a:t>Results</a:t>
-            </a:r>
-            <a:r>
-              <a:rPr lang="nl-NL" dirty="0"/>
-              <a:t> – </a:t>
-            </a:r>
-            <a:r>
-              <a:rPr lang="nl-NL" dirty="0" err="1"/>
-              <a:t>Size</a:t>
-            </a:r>
-            <a:r>
-              <a:rPr lang="nl-NL" dirty="0"/>
-              <a:t> </a:t>
-            </a:r>
-            <a:br>
-              <a:rPr lang="nl-NL" dirty="0"/>
-            </a:br>
-            <a:r>
-              <a:rPr lang="nl-NL" dirty="0" err="1"/>
-              <a:t>restricted</a:t>
-            </a:r>
-            <a:r>
-              <a:rPr lang="nl-NL" dirty="0"/>
-              <a:t> </a:t>
-            </a:r>
-            <a:br>
-              <a:rPr lang="nl-NL" dirty="0"/>
-            </a:br>
-            <a:r>
-              <a:rPr lang="nl-NL" dirty="0" err="1"/>
-              <a:t>configuration</a:t>
-            </a:r>
-            <a:r>
-              <a:rPr lang="nl-NL" dirty="0"/>
-              <a:t> </a:t>
-            </a:r>
-            <a:endParaRPr lang="en-GB" dirty="0"/>
+              <a:rPr lang="en-GB" dirty="0"/>
+              <a:t>Self avoiding random walk</a:t>
+            </a:r>
           </a:p>
         </p:txBody>
       </p:sp>
@@ -8355,7 +9529,7 @@
           <p:cNvPr id="3" name="Tijdelijke aanduiding voor inhoud 2">
             <a:extLst>
               <a:ext uri="{FF2B5EF4-FFF2-40B4-BE49-F238E27FC236}">
-                <a16:creationId xmlns:a16="http://schemas.microsoft.com/office/drawing/2014/main" id="{42690F7B-EA12-4F0D-B938-C55DD64D10DF}"/>
+                <a16:creationId xmlns:a16="http://schemas.microsoft.com/office/drawing/2014/main" id="{6B57B016-94D5-F646-9976-362E7188E1F0}"/>
               </a:ext>
             </a:extLst>
           </p:cNvPr>
@@ -8366,150 +9540,150 @@
             <p:ph sz="half" idx="1"/>
           </p:nvPr>
         </p:nvSpPr>
+        <p:spPr/>
+        <p:txBody>
+          <a:bodyPr/>
+          <a:lstStyle/>
+          <a:p>
+            <a:r>
+              <a:rPr lang="en-GB" dirty="0"/>
+              <a:t>Let S be HP-chain of length n.</a:t>
+            </a:r>
+          </a:p>
+          <a:p>
+            <a:r>
+              <a:rPr lang="en-GB" dirty="0"/>
+              <a:t>Fix first 2 elements of chain.</a:t>
+            </a:r>
+            <a:endParaRPr lang="en-GB" baseline="-25000" dirty="0"/>
+          </a:p>
+          <a:p>
+            <a:r>
+              <a:rPr lang="en-GB" dirty="0"/>
+              <a:t>For subsequent elements up to the n</a:t>
+            </a:r>
+            <a:r>
+              <a:rPr lang="en-GB" baseline="30000" dirty="0"/>
+              <a:t>th</a:t>
+            </a:r>
+            <a:r>
+              <a:rPr lang="en-GB" dirty="0"/>
+              <a:t> element, choose random move from {u, d, l, r, </a:t>
+            </a:r>
+            <a:r>
+              <a:rPr lang="en-GB" dirty="0" err="1"/>
+              <a:t>i</a:t>
+            </a:r>
+            <a:r>
+              <a:rPr lang="en-GB" dirty="0"/>
+              <a:t>, o}.</a:t>
+            </a:r>
+          </a:p>
+          <a:p>
+            <a:r>
+              <a:rPr lang="en-GB" dirty="0"/>
+              <a:t>If newly chosen coordinates are occupied, try new move.</a:t>
+            </a:r>
+          </a:p>
+          <a:p>
+            <a:r>
+              <a:rPr lang="en-GB" dirty="0"/>
+              <a:t>Stuck? Start over.</a:t>
+            </a:r>
+          </a:p>
+          <a:p>
+            <a:endParaRPr lang="en-GB" dirty="0"/>
+          </a:p>
+        </p:txBody>
+      </p:sp>
+      <p:sp>
+        <p:nvSpPr>
+          <p:cNvPr id="4" name="Tijdelijke aanduiding voor inhoud 3">
+            <a:extLst>
+              <a:ext uri="{FF2B5EF4-FFF2-40B4-BE49-F238E27FC236}">
+                <a16:creationId xmlns:a16="http://schemas.microsoft.com/office/drawing/2014/main" id="{D29CAD77-2AED-E94A-845B-B60D651EF411}"/>
+              </a:ext>
+            </a:extLst>
+          </p:cNvPr>
+          <p:cNvSpPr>
+            <a:spLocks noGrp="1"/>
+          </p:cNvSpPr>
+          <p:nvPr>
+            <p:ph sz="half" idx="2"/>
+          </p:nvPr>
+        </p:nvSpPr>
         <p:spPr>
           <a:xfrm>
-            <a:off x="838200" y="2379643"/>
-            <a:ext cx="3525253" cy="3797320"/>
+            <a:off x="9934956" y="3260725"/>
+            <a:ext cx="2066544" cy="2398465"/>
           </a:xfrm>
         </p:spPr>
         <p:txBody>
-          <a:bodyPr>
-            <a:normAutofit fontScale="92500" lnSpcReduction="10000"/>
-          </a:bodyPr>
+          <a:bodyPr/>
           <a:lstStyle/>
           <a:p>
-            <a:r>
-              <a:rPr lang="nl-NL" dirty="0"/>
-              <a:t>S: </a:t>
-            </a:r>
-            <a:r>
-              <a:rPr lang="nl-NL" dirty="0" err="1"/>
-              <a:t>wanted</a:t>
-            </a:r>
-            <a:r>
-              <a:rPr lang="nl-NL" dirty="0"/>
-              <a:t> </a:t>
-            </a:r>
-            <a:r>
-              <a:rPr lang="nl-NL" dirty="0" err="1"/>
-              <a:t>stability</a:t>
-            </a:r>
-            <a:endParaRPr lang="nl-NL" dirty="0"/>
-          </a:p>
-          <a:p>
-            <a:r>
-              <a:rPr lang="nl-NL" dirty="0"/>
-              <a:t>D: </a:t>
-            </a:r>
-            <a:r>
-              <a:rPr lang="nl-NL" dirty="0" err="1"/>
-              <a:t>dimension</a:t>
-            </a:r>
-            <a:r>
-              <a:rPr lang="nl-NL" dirty="0"/>
-              <a:t> of matrix</a:t>
-            </a:r>
-          </a:p>
-          <a:p>
-            <a:r>
-              <a:rPr lang="nl-NL" dirty="0"/>
-              <a:t>L: </a:t>
-            </a:r>
-            <a:r>
-              <a:rPr lang="nl-NL" dirty="0" err="1"/>
-              <a:t>length</a:t>
-            </a:r>
-            <a:r>
-              <a:rPr lang="nl-NL" dirty="0"/>
-              <a:t> of </a:t>
-            </a:r>
-            <a:r>
-              <a:rPr lang="nl-NL" dirty="0" err="1"/>
-              <a:t>protein</a:t>
-            </a:r>
-            <a:endParaRPr lang="nl-NL" dirty="0"/>
-          </a:p>
-          <a:p>
-            <a:endParaRPr lang="nl-NL" dirty="0"/>
-          </a:p>
-          <a:p>
-            <a:r>
-              <a:rPr lang="nl-NL" dirty="0"/>
-              <a:t>String 1 (L=14):</a:t>
-            </a:r>
-            <a:br>
-              <a:rPr lang="nl-NL" dirty="0"/>
-            </a:br>
-            <a:r>
-              <a:rPr lang="nl-NL" sz="2000" dirty="0"/>
-              <a:t>HHPHHHPHPHHHPH</a:t>
-            </a:r>
-          </a:p>
-          <a:p>
-            <a:r>
-              <a:rPr lang="en-GB" dirty="0"/>
-              <a:t>String 2 (L=20):</a:t>
-            </a:r>
-            <a:br>
-              <a:rPr lang="en-GB" dirty="0"/>
-            </a:br>
-            <a:r>
-              <a:rPr lang="en-GB" sz="2000" dirty="0"/>
-              <a:t>HPHPPHHPHPPHPHHPPHPH</a:t>
-            </a:r>
-          </a:p>
-          <a:p>
-            <a:r>
-              <a:rPr lang="en-GB" dirty="0"/>
-              <a:t>String 3 (L=36):</a:t>
-            </a:r>
-            <a:br>
-              <a:rPr lang="en-GB" sz="3200" dirty="0"/>
-            </a:br>
-            <a:r>
-              <a:rPr lang="en-GB" sz="1200" dirty="0"/>
-              <a:t>PPPHHPPHHPPPPPHHHHHHHPPHHPPPPHHPPHPP</a:t>
-            </a:r>
+            <a:pPr marL="0" indent="0">
+              <a:buNone/>
+            </a:pPr>
+            <a:endParaRPr lang="en-GB" dirty="0"/>
+          </a:p>
+          <a:p>
+            <a:pPr lvl="1"/>
             <a:endParaRPr lang="en-GB" dirty="0"/>
           </a:p>
         </p:txBody>
       </p:sp>
       <p:pic>
         <p:nvPicPr>
-          <p:cNvPr id="9" name="Tijdelijke aanduiding voor inhoud 8">
+          <p:cNvPr id="1026" name="Picture 2" descr="Afbeeldingsresultaat voor self avoiding random walk">
             <a:extLst>
               <a:ext uri="{FF2B5EF4-FFF2-40B4-BE49-F238E27FC236}">
-                <a16:creationId xmlns:a16="http://schemas.microsoft.com/office/drawing/2014/main" id="{F08D6B3F-5E78-495C-B677-CF06845219FA}"/>
+                <a16:creationId xmlns:a16="http://schemas.microsoft.com/office/drawing/2014/main" id="{8E936368-6D3B-4E23-941A-C09BAA0B3A0D}"/>
               </a:ext>
             </a:extLst>
           </p:cNvPr>
           <p:cNvPicPr>
-            <a:picLocks noGrp="1" noChangeAspect="1"/>
+            <a:picLocks noChangeAspect="1" noChangeArrowheads="1"/>
           </p:cNvPicPr>
-          <p:nvPr>
-            <p:ph sz="half" idx="2"/>
-          </p:nvPr>
+          <p:nvPr/>
         </p:nvPicPr>
         <p:blipFill>
-          <a:blip r:embed="rId2"/>
+          <a:blip r:embed="rId2">
+            <a:extLst>
+              <a:ext uri="{28A0092B-C50C-407E-A947-70E740481C1C}">
+                <a14:useLocalDpi xmlns:a14="http://schemas.microsoft.com/office/drawing/2010/main" val="0"/>
+              </a:ext>
+            </a:extLst>
+          </a:blip>
+          <a:srcRect/>
           <a:stretch>
             <a:fillRect/>
           </a:stretch>
         </p:blipFill>
-        <p:spPr>
+        <p:spPr bwMode="auto">
           <a:xfrm>
-            <a:off x="4759297" y="566365"/>
-            <a:ext cx="6921920" cy="5725270"/>
+            <a:off x="6329157" y="1825625"/>
+            <a:ext cx="4462667" cy="3349625"/>
           </a:xfrm>
           <a:prstGeom prst="rect">
             <a:avLst/>
           </a:prstGeom>
+          <a:noFill/>
+          <a:extLst>
+            <a:ext uri="{909E8E84-426E-40DD-AFC4-6F175D3DCCD1}">
+              <a14:hiddenFill xmlns:a14="http://schemas.microsoft.com/office/drawing/2010/main">
+                <a:solidFill>
+                  <a:srgbClr val="FFFFFF"/>
+                </a:solidFill>
+              </a14:hiddenFill>
+            </a:ext>
+          </a:extLst>
         </p:spPr>
       </p:pic>
     </p:spTree>
     <p:extLst>
       <p:ext uri="{BB962C8B-B14F-4D97-AF65-F5344CB8AC3E}">
-        <p14:creationId xmlns:p14="http://schemas.microsoft.com/office/powerpoint/2010/main" val="1096537137"/>
+        <p14:creationId xmlns:p14="http://schemas.microsoft.com/office/powerpoint/2010/main" val="668971847"/>
       </p:ext>
     </p:extLst>
   </p:cSld>

--- a/Documentation/PPP, Week 2, Meeting 1.pptx
+++ b/Documentation/PPP, Week 2, Meeting 1.pptx
@@ -4883,14 +4883,14 @@
             <p:ph sz="half" idx="2"/>
             <p:extLst>
               <p:ext uri="{D42A27DB-BD31-4B8C-83A1-F6EECF244321}">
-                <p14:modId xmlns:p14="http://schemas.microsoft.com/office/powerpoint/2010/main" val="2865879379"/>
+                <p14:modId xmlns:p14="http://schemas.microsoft.com/office/powerpoint/2010/main" val="3913756553"/>
               </p:ext>
             </p:extLst>
           </p:nvPr>
         </p:nvGraphicFramePr>
         <p:xfrm>
           <a:off x="838198" y="3070531"/>
-          <a:ext cx="4934640" cy="2438400"/>
+          <a:ext cx="4934640" cy="3352800"/>
         </p:xfrm>
         <a:graphic>
           <a:graphicData uri="http://schemas.openxmlformats.org/drawingml/2006/table">
@@ -5209,6 +5209,84 @@
                 <a:extLst>
                   <a:ext uri="{0D108BD9-81ED-4DB2-BD59-A6C34878D82A}">
                     <a16:rowId xmlns:a16="http://schemas.microsoft.com/office/drawing/2014/main" val="3369620921"/>
+                  </a:ext>
+                </a:extLst>
+              </a:tr>
+              <a:tr h="370840">
+                <a:tc>
+                  <a:txBody>
+                    <a:bodyPr/>
+                    <a:lstStyle/>
+                    <a:p>
+                      <a:r>
+                        <a:rPr lang="nl-NL" dirty="0" err="1"/>
+                        <a:t>Size</a:t>
+                      </a:r>
+                      <a:r>
+                        <a:rPr lang="nl-NL" dirty="0"/>
+                        <a:t> </a:t>
+                      </a:r>
+                      <a:r>
+                        <a:rPr lang="nl-NL" dirty="0" err="1"/>
+                        <a:t>restriction</a:t>
+                      </a:r>
+                      <a:endParaRPr lang="nl-NL" dirty="0"/>
+                    </a:p>
+                    <a:p>
+                      <a:r>
+                        <a:rPr lang="nl-NL" dirty="0"/>
+                        <a:t>D=0.5L</a:t>
+                      </a:r>
+                      <a:endParaRPr lang="en-GB" dirty="0"/>
+                    </a:p>
+                  </a:txBody>
+                  <a:tcPr/>
+                </a:tc>
+                <a:tc>
+                  <a:txBody>
+                    <a:bodyPr/>
+                    <a:lstStyle/>
+                    <a:p>
+                      <a:r>
+                        <a:rPr lang="nl-NL" dirty="0"/>
+                        <a:t>3 s</a:t>
+                      </a:r>
+                      <a:endParaRPr lang="en-GB" dirty="0"/>
+                    </a:p>
+                  </a:txBody>
+                  <a:tcPr/>
+                </a:tc>
+                <a:tc>
+                  <a:txBody>
+                    <a:bodyPr/>
+                    <a:lstStyle/>
+                    <a:p>
+                      <a:r>
+                        <a:rPr lang="nl-NL" dirty="0"/>
+                        <a:t>5 s</a:t>
+                      </a:r>
+                      <a:endParaRPr lang="en-GB" dirty="0"/>
+                    </a:p>
+                  </a:txBody>
+                  <a:tcPr/>
+                </a:tc>
+                <a:tc>
+                  <a:txBody>
+                    <a:bodyPr/>
+                    <a:lstStyle/>
+                    <a:p>
+                      <a:r>
+                        <a:rPr lang="nl-NL"/>
+                        <a:t>+40%</a:t>
+                      </a:r>
+                      <a:endParaRPr lang="en-GB" dirty="0"/>
+                    </a:p>
+                  </a:txBody>
+                  <a:tcPr/>
+                </a:tc>
+                <a:extLst>
+                  <a:ext uri="{0D108BD9-81ED-4DB2-BD59-A6C34878D82A}">
+                    <a16:rowId xmlns:a16="http://schemas.microsoft.com/office/drawing/2014/main" val="3925137740"/>
                   </a:ext>
                 </a:extLst>
               </a:tr>

--- a/Documentation/PPP, Week 2, Meeting 1.pptx
+++ b/Documentation/PPP, Week 2, Meeting 1.pptx
@@ -5,7 +5,7 @@
     <p:sldMasterId id="2147483672" r:id="rId1"/>
   </p:sldMasterIdLst>
   <p:notesMasterIdLst>
-    <p:notesMasterId r:id="rId16"/>
+    <p:notesMasterId r:id="rId15"/>
   </p:notesMasterIdLst>
   <p:sldIdLst>
     <p:sldId id="256" r:id="rId2"/>
@@ -13,15 +13,14 @@
     <p:sldId id="258" r:id="rId4"/>
     <p:sldId id="272" r:id="rId5"/>
     <p:sldId id="268" r:id="rId6"/>
-    <p:sldId id="257" r:id="rId7"/>
-    <p:sldId id="267" r:id="rId8"/>
-    <p:sldId id="274" r:id="rId9"/>
-    <p:sldId id="275" r:id="rId10"/>
-    <p:sldId id="276" r:id="rId11"/>
-    <p:sldId id="271" r:id="rId12"/>
-    <p:sldId id="269" r:id="rId13"/>
-    <p:sldId id="273" r:id="rId14"/>
-    <p:sldId id="265" r:id="rId15"/>
+    <p:sldId id="267" r:id="rId7"/>
+    <p:sldId id="274" r:id="rId8"/>
+    <p:sldId id="275" r:id="rId9"/>
+    <p:sldId id="276" r:id="rId10"/>
+    <p:sldId id="271" r:id="rId11"/>
+    <p:sldId id="269" r:id="rId12"/>
+    <p:sldId id="273" r:id="rId13"/>
+    <p:sldId id="265" r:id="rId14"/>
   </p:sldIdLst>
   <p:sldSz cx="12192000" cy="6858000"/>
   <p:notesSz cx="6858000" cy="9144000"/>
@@ -3551,6 +3550,3288 @@
 </file>
 
 <file path=ppt/slides/slide10.xml><?xml version="1.0" encoding="utf-8"?>
+<p:sld xmlns:a="http://schemas.openxmlformats.org/drawingml/2006/main" xmlns:r="http://schemas.openxmlformats.org/officeDocument/2006/relationships" xmlns:p="http://schemas.openxmlformats.org/presentationml/2006/main">
+  <p:cSld>
+    <p:spTree>
+      <p:nvGrpSpPr>
+        <p:cNvPr id="1" name=""/>
+        <p:cNvGrpSpPr/>
+        <p:nvPr/>
+      </p:nvGrpSpPr>
+      <p:grpSpPr>
+        <a:xfrm>
+          <a:off x="0" y="0"/>
+          <a:ext cx="0" cy="0"/>
+          <a:chOff x="0" y="0"/>
+          <a:chExt cx="0" cy="0"/>
+        </a:xfrm>
+      </p:grpSpPr>
+      <p:sp>
+        <p:nvSpPr>
+          <p:cNvPr id="2" name="Titel 1">
+            <a:extLst>
+              <a:ext uri="{FF2B5EF4-FFF2-40B4-BE49-F238E27FC236}">
+                <a16:creationId xmlns:a16="http://schemas.microsoft.com/office/drawing/2014/main" id="{BDECAEB1-542A-F848-9D2C-B10DFE956AB7}"/>
+              </a:ext>
+            </a:extLst>
+          </p:cNvPr>
+          <p:cNvSpPr>
+            <a:spLocks noGrp="1"/>
+          </p:cNvSpPr>
+          <p:nvPr>
+            <p:ph type="title"/>
+          </p:nvPr>
+        </p:nvSpPr>
+        <p:spPr/>
+        <p:txBody>
+          <a:bodyPr/>
+          <a:lstStyle/>
+          <a:p>
+            <a:r>
+              <a:rPr lang="en-GB" dirty="0"/>
+              <a:t>3. Algorithms</a:t>
+            </a:r>
+          </a:p>
+        </p:txBody>
+      </p:sp>
+      <p:sp>
+        <p:nvSpPr>
+          <p:cNvPr id="3" name="Tijdelijke aanduiding voor inhoud 2">
+            <a:extLst>
+              <a:ext uri="{FF2B5EF4-FFF2-40B4-BE49-F238E27FC236}">
+                <a16:creationId xmlns:a16="http://schemas.microsoft.com/office/drawing/2014/main" id="{6B57B016-94D5-F646-9976-362E7188E1F0}"/>
+              </a:ext>
+            </a:extLst>
+          </p:cNvPr>
+          <p:cNvSpPr>
+            <a:spLocks noGrp="1"/>
+          </p:cNvSpPr>
+          <p:nvPr>
+            <p:ph sz="half" idx="1"/>
+          </p:nvPr>
+        </p:nvSpPr>
+        <p:spPr/>
+        <p:txBody>
+          <a:bodyPr/>
+          <a:lstStyle/>
+          <a:p>
+            <a:r>
+              <a:rPr lang="en-GB" dirty="0"/>
+              <a:t>Suboptimal results:</a:t>
+            </a:r>
+          </a:p>
+          <a:p>
+            <a:pPr lvl="1"/>
+            <a:r>
+              <a:rPr lang="en-GB" dirty="0"/>
+              <a:t>Random</a:t>
+            </a:r>
+          </a:p>
+          <a:p>
+            <a:pPr lvl="1"/>
+            <a:r>
+              <a:rPr lang="en-GB" dirty="0"/>
+              <a:t>Greedy</a:t>
+            </a:r>
+          </a:p>
+        </p:txBody>
+      </p:sp>
+      <p:sp>
+        <p:nvSpPr>
+          <p:cNvPr id="4" name="Tijdelijke aanduiding voor inhoud 3">
+            <a:extLst>
+              <a:ext uri="{FF2B5EF4-FFF2-40B4-BE49-F238E27FC236}">
+                <a16:creationId xmlns:a16="http://schemas.microsoft.com/office/drawing/2014/main" id="{D29CAD77-2AED-E94A-845B-B60D651EF411}"/>
+              </a:ext>
+            </a:extLst>
+          </p:cNvPr>
+          <p:cNvSpPr>
+            <a:spLocks noGrp="1"/>
+          </p:cNvSpPr>
+          <p:nvPr>
+            <p:ph sz="half" idx="2"/>
+          </p:nvPr>
+        </p:nvSpPr>
+        <p:spPr/>
+        <p:txBody>
+          <a:bodyPr/>
+          <a:lstStyle/>
+          <a:p>
+            <a:r>
+              <a:rPr lang="en-GB" dirty="0"/>
+              <a:t>Optimal results</a:t>
+            </a:r>
+          </a:p>
+          <a:p>
+            <a:pPr lvl="1"/>
+            <a:r>
+              <a:rPr lang="en-GB" dirty="0"/>
+              <a:t>Linear algorithm</a:t>
+            </a:r>
+          </a:p>
+          <a:p>
+            <a:pPr lvl="1"/>
+            <a:endParaRPr lang="en-GB" dirty="0"/>
+          </a:p>
+        </p:txBody>
+      </p:sp>
+    </p:spTree>
+    <p:extLst>
+      <p:ext uri="{BB962C8B-B14F-4D97-AF65-F5344CB8AC3E}">
+        <p14:creationId xmlns:p14="http://schemas.microsoft.com/office/powerpoint/2010/main" val="316381079"/>
+      </p:ext>
+    </p:extLst>
+  </p:cSld>
+  <p:clrMapOvr>
+    <a:masterClrMapping/>
+  </p:clrMapOvr>
+</p:sld>
+</file>
+
+<file path=ppt/slides/slide11.xml><?xml version="1.0" encoding="utf-8"?>
+<p:sld xmlns:a="http://schemas.openxmlformats.org/drawingml/2006/main" xmlns:r="http://schemas.openxmlformats.org/officeDocument/2006/relationships" xmlns:p="http://schemas.openxmlformats.org/presentationml/2006/main">
+  <p:cSld>
+    <p:spTree>
+      <p:nvGrpSpPr>
+        <p:cNvPr id="1" name=""/>
+        <p:cNvGrpSpPr/>
+        <p:nvPr/>
+      </p:nvGrpSpPr>
+      <p:grpSpPr>
+        <a:xfrm>
+          <a:off x="0" y="0"/>
+          <a:ext cx="0" cy="0"/>
+          <a:chOff x="0" y="0"/>
+          <a:chExt cx="0" cy="0"/>
+        </a:xfrm>
+      </p:grpSpPr>
+      <p:sp>
+        <p:nvSpPr>
+          <p:cNvPr id="2" name="Titel 1">
+            <a:extLst>
+              <a:ext uri="{FF2B5EF4-FFF2-40B4-BE49-F238E27FC236}">
+                <a16:creationId xmlns:a16="http://schemas.microsoft.com/office/drawing/2014/main" id="{048DA664-7B4B-904F-9F8D-5AD398A7E951}"/>
+              </a:ext>
+            </a:extLst>
+          </p:cNvPr>
+          <p:cNvSpPr>
+            <a:spLocks noGrp="1"/>
+          </p:cNvSpPr>
+          <p:nvPr>
+            <p:ph type="title"/>
+          </p:nvPr>
+        </p:nvSpPr>
+        <p:spPr/>
+        <p:txBody>
+          <a:bodyPr/>
+          <a:lstStyle/>
+          <a:p>
+            <a:r>
+              <a:rPr lang="en-GB" dirty="0"/>
+              <a:t>4. Method: Possible algorithms</a:t>
+            </a:r>
+          </a:p>
+        </p:txBody>
+      </p:sp>
+      <p:graphicFrame>
+        <p:nvGraphicFramePr>
+          <p:cNvPr id="4" name="Tijdelijke aanduiding voor inhoud 3">
+            <a:extLst>
+              <a:ext uri="{FF2B5EF4-FFF2-40B4-BE49-F238E27FC236}">
+                <a16:creationId xmlns:a16="http://schemas.microsoft.com/office/drawing/2014/main" id="{A99AE717-0713-1642-BF68-3759AE9FEC44}"/>
+              </a:ext>
+            </a:extLst>
+          </p:cNvPr>
+          <p:cNvGraphicFramePr>
+            <a:graphicFrameLocks noGrp="1"/>
+          </p:cNvGraphicFramePr>
+          <p:nvPr>
+            <p:ph sz="half" idx="1"/>
+            <p:extLst>
+              <p:ext uri="{D42A27DB-BD31-4B8C-83A1-F6EECF244321}">
+                <p14:modId xmlns:p14="http://schemas.microsoft.com/office/powerpoint/2010/main" val="1788444708"/>
+              </p:ext>
+            </p:extLst>
+          </p:nvPr>
+        </p:nvGraphicFramePr>
+        <p:xfrm>
+          <a:off x="838199" y="1825624"/>
+          <a:ext cx="10515600" cy="4346576"/>
+        </p:xfrm>
+        <a:graphic>
+          <a:graphicData uri="http://schemas.openxmlformats.org/drawingml/2006/table">
+            <a:tbl>
+              <a:tblPr firstRow="1" bandRow="1">
+                <a:tableStyleId>{5C22544A-7EE6-4342-B048-85BDC9FD1C3A}</a:tableStyleId>
+              </a:tblPr>
+              <a:tblGrid>
+                <a:gridCol w="1752600">
+                  <a:extLst>
+                    <a:ext uri="{9D8B030D-6E8A-4147-A177-3AD203B41FA5}">
+                      <a16:colId xmlns:a16="http://schemas.microsoft.com/office/drawing/2014/main" val="3498264961"/>
+                    </a:ext>
+                  </a:extLst>
+                </a:gridCol>
+                <a:gridCol w="1752600">
+                  <a:extLst>
+                    <a:ext uri="{9D8B030D-6E8A-4147-A177-3AD203B41FA5}">
+                      <a16:colId xmlns:a16="http://schemas.microsoft.com/office/drawing/2014/main" val="4197057412"/>
+                    </a:ext>
+                  </a:extLst>
+                </a:gridCol>
+                <a:gridCol w="1752600">
+                  <a:extLst>
+                    <a:ext uri="{9D8B030D-6E8A-4147-A177-3AD203B41FA5}">
+                      <a16:colId xmlns:a16="http://schemas.microsoft.com/office/drawing/2014/main" val="3755094875"/>
+                    </a:ext>
+                  </a:extLst>
+                </a:gridCol>
+                <a:gridCol w="1752600">
+                  <a:extLst>
+                    <a:ext uri="{9D8B030D-6E8A-4147-A177-3AD203B41FA5}">
+                      <a16:colId xmlns:a16="http://schemas.microsoft.com/office/drawing/2014/main" val="3007925308"/>
+                    </a:ext>
+                  </a:extLst>
+                </a:gridCol>
+                <a:gridCol w="1752600">
+                  <a:extLst>
+                    <a:ext uri="{9D8B030D-6E8A-4147-A177-3AD203B41FA5}">
+                      <a16:colId xmlns:a16="http://schemas.microsoft.com/office/drawing/2014/main" val="804067653"/>
+                    </a:ext>
+                  </a:extLst>
+                </a:gridCol>
+                <a:gridCol w="1752600">
+                  <a:extLst>
+                    <a:ext uri="{9D8B030D-6E8A-4147-A177-3AD203B41FA5}">
+                      <a16:colId xmlns:a16="http://schemas.microsoft.com/office/drawing/2014/main" val="4294553547"/>
+                    </a:ext>
+                  </a:extLst>
+                </a:gridCol>
+              </a:tblGrid>
+              <a:tr h="1310212">
+                <a:tc>
+                  <a:txBody>
+                    <a:bodyPr/>
+                    <a:lstStyle/>
+                    <a:p>
+                      <a:r>
+                        <a:rPr lang="en-GB" dirty="0"/>
+                        <a:t>Name</a:t>
+                      </a:r>
+                    </a:p>
+                  </a:txBody>
+                  <a:tcPr/>
+                </a:tc>
+                <a:tc>
+                  <a:txBody>
+                    <a:bodyPr/>
+                    <a:lstStyle/>
+                    <a:p>
+                      <a:r>
+                        <a:rPr lang="en-GB" dirty="0"/>
+                        <a:t>Result</a:t>
+                      </a:r>
+                    </a:p>
+                  </a:txBody>
+                  <a:tcPr/>
+                </a:tc>
+                <a:tc>
+                  <a:txBody>
+                    <a:bodyPr/>
+                    <a:lstStyle/>
+                    <a:p>
+                      <a:pPr marL="0" marR="0" lvl="0" indent="0" algn="l" defTabSz="914400" rtl="0" eaLnBrk="1" fontAlgn="auto" latinLnBrk="0" hangingPunct="1">
+                        <a:lnSpc>
+                          <a:spcPct val="100000"/>
+                        </a:lnSpc>
+                        <a:spcBef>
+                          <a:spcPts val="0"/>
+                        </a:spcBef>
+                        <a:spcAft>
+                          <a:spcPts val="0"/>
+                        </a:spcAft>
+                        <a:buClrTx/>
+                        <a:buSzTx/>
+                        <a:buFontTx/>
+                        <a:buNone/>
+                        <a:tabLst/>
+                        <a:defRPr/>
+                      </a:pPr>
+                      <a:r>
+                        <a:rPr lang="nl-NL" dirty="0"/>
+                        <a:t>Method</a:t>
+                      </a:r>
+                      <a:endParaRPr lang="en-GB" dirty="0"/>
+                    </a:p>
+                  </a:txBody>
+                  <a:tcPr/>
+                </a:tc>
+                <a:tc>
+                  <a:txBody>
+                    <a:bodyPr/>
+                    <a:lstStyle/>
+                    <a:p>
+                      <a:pPr marL="0" marR="0" lvl="0" indent="0" algn="l" defTabSz="914400" rtl="0" eaLnBrk="1" fontAlgn="auto" latinLnBrk="0" hangingPunct="1">
+                        <a:lnSpc>
+                          <a:spcPct val="100000"/>
+                        </a:lnSpc>
+                        <a:spcBef>
+                          <a:spcPts val="0"/>
+                        </a:spcBef>
+                        <a:spcAft>
+                          <a:spcPts val="0"/>
+                        </a:spcAft>
+                        <a:buClrTx/>
+                        <a:buSzTx/>
+                        <a:buFontTx/>
+                        <a:buNone/>
+                        <a:tabLst/>
+                        <a:defRPr/>
+                      </a:pPr>
+                      <a:r>
+                        <a:rPr lang="el-GR" dirty="0"/>
+                        <a:t>Ω</a:t>
+                      </a:r>
+                      <a:r>
+                        <a:rPr lang="nl-NL" dirty="0"/>
+                        <a:t> (Best Case)</a:t>
+                      </a:r>
+                      <a:endParaRPr lang="en-GB" dirty="0"/>
+                    </a:p>
+                  </a:txBody>
+                  <a:tcPr/>
+                </a:tc>
+                <a:tc>
+                  <a:txBody>
+                    <a:bodyPr/>
+                    <a:lstStyle/>
+                    <a:p>
+                      <a:r>
+                        <a:rPr lang="en-GB" dirty="0"/>
+                        <a:t>Runtime (1000 iterations) </a:t>
+                      </a:r>
+                      <a:r>
+                        <a:rPr lang="en-GB" dirty="0" err="1"/>
+                        <a:t>Dict</a:t>
+                      </a:r>
+                      <a:endParaRPr lang="en-GB" dirty="0"/>
+                    </a:p>
+                  </a:txBody>
+                  <a:tcPr/>
+                </a:tc>
+                <a:tc>
+                  <a:txBody>
+                    <a:bodyPr/>
+                    <a:lstStyle/>
+                    <a:p>
+                      <a:r>
+                        <a:rPr lang="en-GB" dirty="0"/>
+                        <a:t>Runtime (1000 iterations) Matrix</a:t>
+                      </a:r>
+                    </a:p>
+                  </a:txBody>
+                  <a:tcPr/>
+                </a:tc>
+                <a:extLst>
+                  <a:ext uri="{0D108BD9-81ED-4DB2-BD59-A6C34878D82A}">
+                    <a16:rowId xmlns:a16="http://schemas.microsoft.com/office/drawing/2014/main" val="2410651011"/>
+                  </a:ext>
+                </a:extLst>
+              </a:tr>
+              <a:tr h="759091">
+                <a:tc>
+                  <a:txBody>
+                    <a:bodyPr/>
+                    <a:lstStyle/>
+                    <a:p>
+                      <a:r>
+                        <a:rPr lang="en-GB" dirty="0"/>
+                        <a:t>Random</a:t>
+                      </a:r>
+                    </a:p>
+                  </a:txBody>
+                  <a:tcPr/>
+                </a:tc>
+                <a:tc>
+                  <a:txBody>
+                    <a:bodyPr/>
+                    <a:lstStyle/>
+                    <a:p>
+                      <a:r>
+                        <a:rPr lang="en-GB" dirty="0"/>
+                        <a:t>Sub-optimal</a:t>
+                      </a:r>
+                    </a:p>
+                  </a:txBody>
+                  <a:tcPr/>
+                </a:tc>
+                <a:tc>
+                  <a:txBody>
+                    <a:bodyPr/>
+                    <a:lstStyle/>
+                    <a:p>
+                      <a:r>
+                        <a:rPr lang="en-GB" dirty="0"/>
+                        <a:t>Constructive</a:t>
+                      </a:r>
+                    </a:p>
+                  </a:txBody>
+                  <a:tcPr/>
+                </a:tc>
+                <a:tc>
+                  <a:txBody>
+                    <a:bodyPr/>
+                    <a:lstStyle/>
+                    <a:p>
+                      <a:endParaRPr lang="en-GB" dirty="0"/>
+                    </a:p>
+                  </a:txBody>
+                  <a:tcPr/>
+                </a:tc>
+                <a:tc>
+                  <a:txBody>
+                    <a:bodyPr/>
+                    <a:lstStyle/>
+                    <a:p>
+                      <a:endParaRPr lang="en-GB" dirty="0"/>
+                    </a:p>
+                  </a:txBody>
+                  <a:tcPr/>
+                </a:tc>
+                <a:tc>
+                  <a:txBody>
+                    <a:bodyPr/>
+                    <a:lstStyle/>
+                    <a:p>
+                      <a:endParaRPr lang="en-GB" dirty="0"/>
+                    </a:p>
+                  </a:txBody>
+                  <a:tcPr/>
+                </a:tc>
+                <a:extLst>
+                  <a:ext uri="{0D108BD9-81ED-4DB2-BD59-A6C34878D82A}">
+                    <a16:rowId xmlns:a16="http://schemas.microsoft.com/office/drawing/2014/main" val="1634554122"/>
+                  </a:ext>
+                </a:extLst>
+              </a:tr>
+              <a:tr h="759091">
+                <a:tc>
+                  <a:txBody>
+                    <a:bodyPr/>
+                    <a:lstStyle/>
+                    <a:p>
+                      <a:r>
+                        <a:rPr lang="en-GB" dirty="0"/>
+                        <a:t>Greedy</a:t>
+                      </a:r>
+                    </a:p>
+                  </a:txBody>
+                  <a:tcPr/>
+                </a:tc>
+                <a:tc>
+                  <a:txBody>
+                    <a:bodyPr/>
+                    <a:lstStyle/>
+                    <a:p>
+                      <a:r>
+                        <a:rPr lang="en-GB" dirty="0"/>
+                        <a:t>Sub-optimal+</a:t>
+                      </a:r>
+                    </a:p>
+                  </a:txBody>
+                  <a:tcPr/>
+                </a:tc>
+                <a:tc>
+                  <a:txBody>
+                    <a:bodyPr/>
+                    <a:lstStyle/>
+                    <a:p>
+                      <a:r>
+                        <a:rPr lang="en-GB" dirty="0"/>
+                        <a:t>Constructive</a:t>
+                      </a:r>
+                    </a:p>
+                  </a:txBody>
+                  <a:tcPr/>
+                </a:tc>
+                <a:tc>
+                  <a:txBody>
+                    <a:bodyPr/>
+                    <a:lstStyle/>
+                    <a:p>
+                      <a:endParaRPr lang="en-GB" dirty="0"/>
+                    </a:p>
+                  </a:txBody>
+                  <a:tcPr/>
+                </a:tc>
+                <a:tc>
+                  <a:txBody>
+                    <a:bodyPr/>
+                    <a:lstStyle/>
+                    <a:p>
+                      <a:endParaRPr lang="en-GB" dirty="0"/>
+                    </a:p>
+                  </a:txBody>
+                  <a:tcPr/>
+                </a:tc>
+                <a:tc>
+                  <a:txBody>
+                    <a:bodyPr/>
+                    <a:lstStyle/>
+                    <a:p>
+                      <a:endParaRPr lang="en-GB" dirty="0"/>
+                    </a:p>
+                  </a:txBody>
+                  <a:tcPr/>
+                </a:tc>
+                <a:extLst>
+                  <a:ext uri="{0D108BD9-81ED-4DB2-BD59-A6C34878D82A}">
+                    <a16:rowId xmlns:a16="http://schemas.microsoft.com/office/drawing/2014/main" val="2093889383"/>
+                  </a:ext>
+                </a:extLst>
+              </a:tr>
+              <a:tr h="759091">
+                <a:tc>
+                  <a:txBody>
+                    <a:bodyPr/>
+                    <a:lstStyle/>
+                    <a:p>
+                      <a:r>
+                        <a:rPr lang="en-GB" dirty="0" err="1"/>
+                        <a:t>Lineair</a:t>
+                      </a:r>
+                      <a:endParaRPr lang="en-GB" dirty="0"/>
+                    </a:p>
+                  </a:txBody>
+                  <a:tcPr/>
+                </a:tc>
+                <a:tc>
+                  <a:txBody>
+                    <a:bodyPr/>
+                    <a:lstStyle/>
+                    <a:p>
+                      <a:r>
+                        <a:rPr lang="en-GB" dirty="0"/>
+                        <a:t>Optimal</a:t>
+                      </a:r>
+                    </a:p>
+                  </a:txBody>
+                  <a:tcPr/>
+                </a:tc>
+                <a:tc>
+                  <a:txBody>
+                    <a:bodyPr/>
+                    <a:lstStyle/>
+                    <a:p>
+                      <a:r>
+                        <a:rPr lang="en-GB" dirty="0"/>
+                        <a:t>Constructive</a:t>
+                      </a:r>
+                    </a:p>
+                  </a:txBody>
+                  <a:tcPr/>
+                </a:tc>
+                <a:tc>
+                  <a:txBody>
+                    <a:bodyPr/>
+                    <a:lstStyle/>
+                    <a:p>
+                      <a:endParaRPr lang="en-GB" dirty="0"/>
+                    </a:p>
+                  </a:txBody>
+                  <a:tcPr/>
+                </a:tc>
+                <a:tc>
+                  <a:txBody>
+                    <a:bodyPr/>
+                    <a:lstStyle/>
+                    <a:p>
+                      <a:endParaRPr lang="en-GB" dirty="0"/>
+                    </a:p>
+                  </a:txBody>
+                  <a:tcPr/>
+                </a:tc>
+                <a:tc>
+                  <a:txBody>
+                    <a:bodyPr/>
+                    <a:lstStyle/>
+                    <a:p>
+                      <a:endParaRPr lang="en-GB" dirty="0"/>
+                    </a:p>
+                  </a:txBody>
+                  <a:tcPr/>
+                </a:tc>
+                <a:extLst>
+                  <a:ext uri="{0D108BD9-81ED-4DB2-BD59-A6C34878D82A}">
+                    <a16:rowId xmlns:a16="http://schemas.microsoft.com/office/drawing/2014/main" val="2023286041"/>
+                  </a:ext>
+                </a:extLst>
+              </a:tr>
+              <a:tr h="759091">
+                <a:tc>
+                  <a:txBody>
+                    <a:bodyPr/>
+                    <a:lstStyle/>
+                    <a:p>
+                      <a:r>
+                        <a:rPr lang="en-GB" dirty="0"/>
+                        <a:t>Future </a:t>
+                      </a:r>
+                    </a:p>
+                  </a:txBody>
+                  <a:tcPr/>
+                </a:tc>
+                <a:tc>
+                  <a:txBody>
+                    <a:bodyPr/>
+                    <a:lstStyle/>
+                    <a:p>
+                      <a:r>
+                        <a:rPr lang="en-GB" dirty="0"/>
+                        <a:t>-</a:t>
+                      </a:r>
+                    </a:p>
+                  </a:txBody>
+                  <a:tcPr/>
+                </a:tc>
+                <a:tc>
+                  <a:txBody>
+                    <a:bodyPr/>
+                    <a:lstStyle/>
+                    <a:p>
+                      <a:r>
+                        <a:rPr lang="en-GB" dirty="0"/>
+                        <a:t>-</a:t>
+                      </a:r>
+                    </a:p>
+                  </a:txBody>
+                  <a:tcPr/>
+                </a:tc>
+                <a:tc>
+                  <a:txBody>
+                    <a:bodyPr/>
+                    <a:lstStyle/>
+                    <a:p>
+                      <a:endParaRPr lang="en-GB" dirty="0"/>
+                    </a:p>
+                  </a:txBody>
+                  <a:tcPr/>
+                </a:tc>
+                <a:tc>
+                  <a:txBody>
+                    <a:bodyPr/>
+                    <a:lstStyle/>
+                    <a:p>
+                      <a:endParaRPr lang="en-GB" dirty="0"/>
+                    </a:p>
+                  </a:txBody>
+                  <a:tcPr/>
+                </a:tc>
+                <a:tc>
+                  <a:txBody>
+                    <a:bodyPr/>
+                    <a:lstStyle/>
+                    <a:p>
+                      <a:endParaRPr lang="en-GB" dirty="0"/>
+                    </a:p>
+                  </a:txBody>
+                  <a:tcPr/>
+                </a:tc>
+                <a:extLst>
+                  <a:ext uri="{0D108BD9-81ED-4DB2-BD59-A6C34878D82A}">
+                    <a16:rowId xmlns:a16="http://schemas.microsoft.com/office/drawing/2014/main" val="207538214"/>
+                  </a:ext>
+                </a:extLst>
+              </a:tr>
+            </a:tbl>
+          </a:graphicData>
+        </a:graphic>
+      </p:graphicFrame>
+    </p:spTree>
+    <p:extLst>
+      <p:ext uri="{BB962C8B-B14F-4D97-AF65-F5344CB8AC3E}">
+        <p14:creationId xmlns:p14="http://schemas.microsoft.com/office/powerpoint/2010/main" val="635308508"/>
+      </p:ext>
+    </p:extLst>
+  </p:cSld>
+  <p:clrMapOvr>
+    <a:masterClrMapping/>
+  </p:clrMapOvr>
+</p:sld>
+</file>
+
+<file path=ppt/slides/slide12.xml><?xml version="1.0" encoding="utf-8"?>
+<p:sld xmlns:a="http://schemas.openxmlformats.org/drawingml/2006/main" xmlns:r="http://schemas.openxmlformats.org/officeDocument/2006/relationships" xmlns:p="http://schemas.openxmlformats.org/presentationml/2006/main">
+  <p:cSld>
+    <p:spTree>
+      <p:nvGrpSpPr>
+        <p:cNvPr id="1" name=""/>
+        <p:cNvGrpSpPr/>
+        <p:nvPr/>
+      </p:nvGrpSpPr>
+      <p:grpSpPr>
+        <a:xfrm>
+          <a:off x="0" y="0"/>
+          <a:ext cx="0" cy="0"/>
+          <a:chOff x="0" y="0"/>
+          <a:chExt cx="0" cy="0"/>
+        </a:xfrm>
+      </p:grpSpPr>
+      <p:sp>
+        <p:nvSpPr>
+          <p:cNvPr id="2" name="Titel 1">
+            <a:extLst>
+              <a:ext uri="{FF2B5EF4-FFF2-40B4-BE49-F238E27FC236}">
+                <a16:creationId xmlns:a16="http://schemas.microsoft.com/office/drawing/2014/main" id="{5174C44D-C4DB-C046-8C22-0504A1BEC542}"/>
+              </a:ext>
+            </a:extLst>
+          </p:cNvPr>
+          <p:cNvSpPr>
+            <a:spLocks noGrp="1"/>
+          </p:cNvSpPr>
+          <p:nvPr>
+            <p:ph type="title"/>
+          </p:nvPr>
+        </p:nvSpPr>
+        <p:spPr/>
+        <p:txBody>
+          <a:bodyPr/>
+          <a:lstStyle/>
+          <a:p>
+            <a:r>
+              <a:rPr lang="en-GB" dirty="0"/>
+              <a:t>Future: </a:t>
+            </a:r>
+          </a:p>
+        </p:txBody>
+      </p:sp>
+      <p:sp>
+        <p:nvSpPr>
+          <p:cNvPr id="3" name="Tijdelijke aanduiding voor inhoud 2">
+            <a:extLst>
+              <a:ext uri="{FF2B5EF4-FFF2-40B4-BE49-F238E27FC236}">
+                <a16:creationId xmlns:a16="http://schemas.microsoft.com/office/drawing/2014/main" id="{E1082D90-0845-5944-814F-31A506E1E0F2}"/>
+              </a:ext>
+            </a:extLst>
+          </p:cNvPr>
+          <p:cNvSpPr>
+            <a:spLocks noGrp="1"/>
+          </p:cNvSpPr>
+          <p:nvPr>
+            <p:ph sz="half" idx="1"/>
+          </p:nvPr>
+        </p:nvSpPr>
+        <p:spPr/>
+        <p:txBody>
+          <a:bodyPr/>
+          <a:lstStyle/>
+          <a:p>
+            <a:r>
+              <a:rPr lang="en-GB" dirty="0" err="1"/>
+              <a:t>Welke</a:t>
+            </a:r>
+            <a:r>
+              <a:rPr lang="en-GB" dirty="0"/>
+              <a:t> </a:t>
+            </a:r>
+            <a:r>
+              <a:rPr lang="en-GB" dirty="0" err="1"/>
+              <a:t>heuristieken</a:t>
+            </a:r>
+            <a:r>
+              <a:rPr lang="en-GB" dirty="0"/>
+              <a:t> </a:t>
+            </a:r>
+            <a:r>
+              <a:rPr lang="en-GB" dirty="0" err="1"/>
+              <a:t>gaan</a:t>
+            </a:r>
+            <a:r>
+              <a:rPr lang="en-GB" dirty="0"/>
+              <a:t> we </a:t>
+            </a:r>
+            <a:r>
+              <a:rPr lang="en-GB" dirty="0" err="1"/>
+              <a:t>komende</a:t>
+            </a:r>
+            <a:r>
+              <a:rPr lang="en-GB" dirty="0"/>
+              <a:t> week </a:t>
+            </a:r>
+            <a:r>
+              <a:rPr lang="en-GB" dirty="0" err="1"/>
+              <a:t>aan</a:t>
+            </a:r>
+            <a:r>
+              <a:rPr lang="en-GB" dirty="0"/>
+              <a:t> </a:t>
+            </a:r>
+            <a:r>
+              <a:rPr lang="en-GB" dirty="0" err="1"/>
+              <a:t>werken</a:t>
+            </a:r>
+            <a:r>
+              <a:rPr lang="en-GB" dirty="0"/>
+              <a:t>.</a:t>
+            </a:r>
+          </a:p>
+          <a:p>
+            <a:endParaRPr lang="en-GB" dirty="0"/>
+          </a:p>
+        </p:txBody>
+      </p:sp>
+      <p:sp>
+        <p:nvSpPr>
+          <p:cNvPr id="4" name="Tijdelijke aanduiding voor inhoud 3">
+            <a:extLst>
+              <a:ext uri="{FF2B5EF4-FFF2-40B4-BE49-F238E27FC236}">
+                <a16:creationId xmlns:a16="http://schemas.microsoft.com/office/drawing/2014/main" id="{7D861EC5-852D-834C-B001-4FF9DDDBC62F}"/>
+              </a:ext>
+            </a:extLst>
+          </p:cNvPr>
+          <p:cNvSpPr>
+            <a:spLocks noGrp="1"/>
+          </p:cNvSpPr>
+          <p:nvPr>
+            <p:ph sz="half" idx="2"/>
+          </p:nvPr>
+        </p:nvSpPr>
+        <p:spPr/>
+        <p:txBody>
+          <a:bodyPr/>
+          <a:lstStyle/>
+          <a:p>
+            <a:endParaRPr lang="en-GB"/>
+          </a:p>
+        </p:txBody>
+      </p:sp>
+    </p:spTree>
+    <p:extLst>
+      <p:ext uri="{BB962C8B-B14F-4D97-AF65-F5344CB8AC3E}">
+        <p14:creationId xmlns:p14="http://schemas.microsoft.com/office/powerpoint/2010/main" val="1963639422"/>
+      </p:ext>
+    </p:extLst>
+  </p:cSld>
+  <p:clrMapOvr>
+    <a:masterClrMapping/>
+  </p:clrMapOvr>
+</p:sld>
+</file>
+
+<file path=ppt/slides/slide13.xml><?xml version="1.0" encoding="utf-8"?>
+<p:sld xmlns:a="http://schemas.openxmlformats.org/drawingml/2006/main" xmlns:r="http://schemas.openxmlformats.org/officeDocument/2006/relationships" xmlns:p="http://schemas.openxmlformats.org/presentationml/2006/main">
+  <p:cSld>
+    <p:spTree>
+      <p:nvGrpSpPr>
+        <p:cNvPr id="1" name=""/>
+        <p:cNvGrpSpPr/>
+        <p:nvPr/>
+      </p:nvGrpSpPr>
+      <p:grpSpPr>
+        <a:xfrm>
+          <a:off x="0" y="0"/>
+          <a:ext cx="0" cy="0"/>
+          <a:chOff x="0" y="0"/>
+          <a:chExt cx="0" cy="0"/>
+        </a:xfrm>
+      </p:grpSpPr>
+      <p:sp>
+        <p:nvSpPr>
+          <p:cNvPr id="2" name="Titel 1">
+            <a:extLst>
+              <a:ext uri="{FF2B5EF4-FFF2-40B4-BE49-F238E27FC236}">
+                <a16:creationId xmlns:a16="http://schemas.microsoft.com/office/drawing/2014/main" id="{A40D14D6-C616-7346-AB1F-E0B3C6F3B4F5}"/>
+              </a:ext>
+            </a:extLst>
+          </p:cNvPr>
+          <p:cNvSpPr>
+            <a:spLocks noGrp="1"/>
+          </p:cNvSpPr>
+          <p:nvPr>
+            <p:ph type="ctrTitle"/>
+          </p:nvPr>
+        </p:nvSpPr>
+        <p:spPr/>
+        <p:txBody>
+          <a:bodyPr/>
+          <a:lstStyle/>
+          <a:p>
+            <a:r>
+              <a:rPr lang="en-GB" dirty="0"/>
+              <a:t>Questions and comments?</a:t>
+            </a:r>
+          </a:p>
+        </p:txBody>
+      </p:sp>
+      <p:sp>
+        <p:nvSpPr>
+          <p:cNvPr id="3" name="Ondertitel 2">
+            <a:extLst>
+              <a:ext uri="{FF2B5EF4-FFF2-40B4-BE49-F238E27FC236}">
+                <a16:creationId xmlns:a16="http://schemas.microsoft.com/office/drawing/2014/main" id="{CEF25AE3-A6E7-9F45-9D9A-CB2C1B23E372}"/>
+              </a:ext>
+            </a:extLst>
+          </p:cNvPr>
+          <p:cNvSpPr>
+            <a:spLocks noGrp="1"/>
+          </p:cNvSpPr>
+          <p:nvPr>
+            <p:ph type="subTitle" idx="1"/>
+          </p:nvPr>
+        </p:nvSpPr>
+        <p:spPr/>
+        <p:txBody>
+          <a:bodyPr>
+            <a:normAutofit fontScale="85000" lnSpcReduction="20000"/>
+          </a:bodyPr>
+          <a:lstStyle/>
+          <a:p>
+            <a:r>
+              <a:rPr lang="en-GB" dirty="0"/>
+              <a:t>Our questions:</a:t>
+            </a:r>
+          </a:p>
+          <a:p>
+            <a:pPr marL="457200" indent="-457200">
+              <a:buAutoNum type="arabicPeriod"/>
+            </a:pPr>
+            <a:r>
+              <a:rPr lang="en-GB" dirty="0"/>
+              <a:t>All our algorithms are ‘constructive’. Ideas where to think regarding iterative algorithms?</a:t>
+            </a:r>
+          </a:p>
+          <a:p>
+            <a:pPr marL="457200" indent="-457200">
+              <a:buAutoNum type="arabicPeriod"/>
+            </a:pPr>
+            <a:r>
+              <a:rPr lang="en-GB" dirty="0"/>
+              <a:t>What is your view on our choice for </a:t>
+            </a:r>
+            <a:r>
+              <a:rPr lang="en-GB" dirty="0" err="1"/>
+              <a:t>datastructure</a:t>
+            </a:r>
+            <a:r>
+              <a:rPr lang="en-GB" dirty="0"/>
+              <a:t>?</a:t>
+            </a:r>
+          </a:p>
+          <a:p>
+            <a:r>
+              <a:rPr lang="en-GB" dirty="0"/>
+              <a:t>Thank you for your attention</a:t>
+            </a:r>
+          </a:p>
+        </p:txBody>
+      </p:sp>
+    </p:spTree>
+    <p:extLst>
+      <p:ext uri="{BB962C8B-B14F-4D97-AF65-F5344CB8AC3E}">
+        <p14:creationId xmlns:p14="http://schemas.microsoft.com/office/powerpoint/2010/main" val="3056510008"/>
+      </p:ext>
+    </p:extLst>
+  </p:cSld>
+  <p:clrMapOvr>
+    <a:masterClrMapping/>
+  </p:clrMapOvr>
+</p:sld>
+</file>
+
+<file path=ppt/slides/slide2.xml><?xml version="1.0" encoding="utf-8"?>
+<p:sld xmlns:a="http://schemas.openxmlformats.org/drawingml/2006/main" xmlns:r="http://schemas.openxmlformats.org/officeDocument/2006/relationships" xmlns:p="http://schemas.openxmlformats.org/presentationml/2006/main">
+  <p:cSld>
+    <p:spTree>
+      <p:nvGrpSpPr>
+        <p:cNvPr id="1" name=""/>
+        <p:cNvGrpSpPr/>
+        <p:nvPr/>
+      </p:nvGrpSpPr>
+      <p:grpSpPr>
+        <a:xfrm>
+          <a:off x="0" y="0"/>
+          <a:ext cx="0" cy="0"/>
+          <a:chOff x="0" y="0"/>
+          <a:chExt cx="0" cy="0"/>
+        </a:xfrm>
+      </p:grpSpPr>
+      <p:sp>
+        <p:nvSpPr>
+          <p:cNvPr id="2" name="Titel 1">
+            <a:extLst>
+              <a:ext uri="{FF2B5EF4-FFF2-40B4-BE49-F238E27FC236}">
+                <a16:creationId xmlns:a16="http://schemas.microsoft.com/office/drawing/2014/main" id="{F7274416-F32F-B544-8C0A-29DD33A5E435}"/>
+              </a:ext>
+            </a:extLst>
+          </p:cNvPr>
+          <p:cNvSpPr>
+            <a:spLocks noGrp="1"/>
+          </p:cNvSpPr>
+          <p:nvPr>
+            <p:ph type="title"/>
+          </p:nvPr>
+        </p:nvSpPr>
+        <p:spPr/>
+        <p:txBody>
+          <a:bodyPr/>
+          <a:lstStyle/>
+          <a:p>
+            <a:r>
+              <a:rPr lang="en-GB" dirty="0"/>
+              <a:t>Format of the presentation	</a:t>
+            </a:r>
+          </a:p>
+        </p:txBody>
+      </p:sp>
+      <p:sp>
+        <p:nvSpPr>
+          <p:cNvPr id="3" name="Tijdelijke aanduiding voor inhoud 2">
+            <a:extLst>
+              <a:ext uri="{FF2B5EF4-FFF2-40B4-BE49-F238E27FC236}">
+                <a16:creationId xmlns:a16="http://schemas.microsoft.com/office/drawing/2014/main" id="{C3CA32CF-5E66-B548-80BE-AA3559B97AF3}"/>
+              </a:ext>
+            </a:extLst>
+          </p:cNvPr>
+          <p:cNvSpPr>
+            <a:spLocks noGrp="1"/>
+          </p:cNvSpPr>
+          <p:nvPr>
+            <p:ph idx="1"/>
+          </p:nvPr>
+        </p:nvSpPr>
+        <p:spPr>
+          <a:xfrm>
+            <a:off x="838200" y="1825625"/>
+            <a:ext cx="5099304" cy="4351338"/>
+          </a:xfrm>
+        </p:spPr>
+        <p:txBody>
+          <a:bodyPr>
+            <a:normAutofit fontScale="92500" lnSpcReduction="10000"/>
+          </a:bodyPr>
+          <a:lstStyle/>
+          <a:p>
+            <a:r>
+              <a:rPr lang="en-GB" dirty="0"/>
+              <a:t>1. Introduction in the casus</a:t>
+            </a:r>
+          </a:p>
+          <a:p>
+            <a:pPr lvl="1"/>
+            <a:r>
+              <a:rPr lang="en-GB" dirty="0"/>
+              <a:t>State Space of the problem (Mark)</a:t>
+            </a:r>
+          </a:p>
+          <a:p>
+            <a:r>
+              <a:rPr lang="en-GB" dirty="0"/>
+              <a:t>2. </a:t>
+            </a:r>
+            <a:r>
+              <a:rPr lang="en-GB" dirty="0" err="1"/>
+              <a:t>Datastructures</a:t>
+            </a:r>
+            <a:r>
+              <a:rPr lang="en-GB" dirty="0"/>
+              <a:t> (</a:t>
+            </a:r>
+            <a:r>
+              <a:rPr lang="en-GB" dirty="0" err="1"/>
+              <a:t>Terugblik</a:t>
+            </a:r>
+            <a:r>
+              <a:rPr lang="en-GB" dirty="0"/>
+              <a:t> </a:t>
+            </a:r>
+            <a:r>
+              <a:rPr lang="en-GB" dirty="0" err="1"/>
+              <a:t>vorige</a:t>
+            </a:r>
+            <a:r>
+              <a:rPr lang="en-GB" dirty="0"/>
+              <a:t> week) (</a:t>
+            </a:r>
+            <a:r>
+              <a:rPr lang="en-GB" dirty="0" err="1"/>
+              <a:t>Loek</a:t>
+            </a:r>
+            <a:r>
+              <a:rPr lang="en-GB" dirty="0"/>
+              <a:t>)</a:t>
+            </a:r>
+          </a:p>
+          <a:p>
+            <a:pPr lvl="1"/>
+            <a:r>
+              <a:rPr lang="en-GB" dirty="0" err="1"/>
+              <a:t>Dictionairy</a:t>
+            </a:r>
+            <a:r>
+              <a:rPr lang="en-GB" dirty="0"/>
+              <a:t> vs. Matrix</a:t>
+            </a:r>
+          </a:p>
+          <a:p>
+            <a:pPr lvl="1"/>
+            <a:r>
+              <a:rPr lang="en-GB" dirty="0"/>
+              <a:t>Results</a:t>
+            </a:r>
+          </a:p>
+          <a:p>
+            <a:r>
+              <a:rPr lang="en-GB" dirty="0"/>
+              <a:t>3. Algorithms (</a:t>
+            </a:r>
+            <a:r>
+              <a:rPr lang="en-GB" dirty="0" err="1"/>
+              <a:t>Sebas</a:t>
+            </a:r>
+            <a:r>
+              <a:rPr lang="en-GB" dirty="0"/>
+              <a:t>)</a:t>
+            </a:r>
+          </a:p>
+          <a:p>
+            <a:pPr lvl="1"/>
+            <a:r>
+              <a:rPr lang="en-GB" dirty="0"/>
+              <a:t>Random, Greedy</a:t>
+            </a:r>
+          </a:p>
+          <a:p>
+            <a:r>
+              <a:rPr lang="en-GB" dirty="0"/>
+              <a:t>4. Results (</a:t>
+            </a:r>
+            <a:r>
+              <a:rPr lang="en-GB" dirty="0" err="1"/>
+              <a:t>Sebas</a:t>
+            </a:r>
+            <a:r>
+              <a:rPr lang="en-GB" dirty="0"/>
+              <a:t>)</a:t>
+            </a:r>
+          </a:p>
+          <a:p>
+            <a:r>
+              <a:rPr lang="en-GB" dirty="0"/>
+              <a:t>Future </a:t>
+            </a:r>
+            <a:r>
+              <a:rPr lang="en-GB" dirty="0" err="1"/>
+              <a:t>heuristieken</a:t>
+            </a:r>
+            <a:r>
+              <a:rPr lang="en-GB" dirty="0"/>
+              <a:t> (</a:t>
+            </a:r>
+            <a:r>
+              <a:rPr lang="en-GB" dirty="0" err="1"/>
+              <a:t>Allemaal</a:t>
+            </a:r>
+            <a:r>
+              <a:rPr lang="en-GB" dirty="0"/>
+              <a:t>)</a:t>
+            </a:r>
+          </a:p>
+          <a:p>
+            <a:r>
+              <a:rPr lang="en-GB" dirty="0"/>
+              <a:t>5. Q&amp;A and discussion (Mark)</a:t>
+            </a:r>
+          </a:p>
+        </p:txBody>
+      </p:sp>
+    </p:spTree>
+    <p:extLst>
+      <p:ext uri="{BB962C8B-B14F-4D97-AF65-F5344CB8AC3E}">
+        <p14:creationId xmlns:p14="http://schemas.microsoft.com/office/powerpoint/2010/main" val="2072180750"/>
+      </p:ext>
+    </p:extLst>
+  </p:cSld>
+  <p:clrMapOvr>
+    <a:masterClrMapping/>
+  </p:clrMapOvr>
+</p:sld>
+</file>
+
+<file path=ppt/slides/slide3.xml><?xml version="1.0" encoding="utf-8"?>
+<p:sld xmlns:a="http://schemas.openxmlformats.org/drawingml/2006/main" xmlns:r="http://schemas.openxmlformats.org/officeDocument/2006/relationships" xmlns:p="http://schemas.openxmlformats.org/presentationml/2006/main">
+  <p:cSld>
+    <p:spTree>
+      <p:nvGrpSpPr>
+        <p:cNvPr id="1" name=""/>
+        <p:cNvGrpSpPr/>
+        <p:nvPr/>
+      </p:nvGrpSpPr>
+      <p:grpSpPr>
+        <a:xfrm>
+          <a:off x="0" y="0"/>
+          <a:ext cx="0" cy="0"/>
+          <a:chOff x="0" y="0"/>
+          <a:chExt cx="0" cy="0"/>
+        </a:xfrm>
+      </p:grpSpPr>
+      <p:sp>
+        <p:nvSpPr>
+          <p:cNvPr id="2" name="Titel 1">
+            <a:extLst>
+              <a:ext uri="{FF2B5EF4-FFF2-40B4-BE49-F238E27FC236}">
+                <a16:creationId xmlns:a16="http://schemas.microsoft.com/office/drawing/2014/main" id="{048DA664-7B4B-904F-9F8D-5AD398A7E951}"/>
+              </a:ext>
+            </a:extLst>
+          </p:cNvPr>
+          <p:cNvSpPr>
+            <a:spLocks noGrp="1"/>
+          </p:cNvSpPr>
+          <p:nvPr>
+            <p:ph type="title"/>
+          </p:nvPr>
+        </p:nvSpPr>
+        <p:spPr/>
+        <p:txBody>
+          <a:bodyPr/>
+          <a:lstStyle/>
+          <a:p>
+            <a:r>
+              <a:rPr lang="en-GB" dirty="0"/>
+              <a:t>1. Introduction: Stability of proteins</a:t>
+            </a:r>
+          </a:p>
+        </p:txBody>
+      </p:sp>
+      <p:sp>
+        <p:nvSpPr>
+          <p:cNvPr id="3" name="Tijdelijke aanduiding voor inhoud 2">
+            <a:extLst>
+              <a:ext uri="{FF2B5EF4-FFF2-40B4-BE49-F238E27FC236}">
+                <a16:creationId xmlns:a16="http://schemas.microsoft.com/office/drawing/2014/main" id="{2ACC9E0D-2DE6-F443-ABB8-3C6A56624642}"/>
+              </a:ext>
+            </a:extLst>
+          </p:cNvPr>
+          <p:cNvSpPr>
+            <a:spLocks noGrp="1"/>
+          </p:cNvSpPr>
+          <p:nvPr>
+            <p:ph sz="half" idx="1"/>
+          </p:nvPr>
+        </p:nvSpPr>
+        <p:spPr/>
+        <p:txBody>
+          <a:bodyPr/>
+          <a:lstStyle/>
+          <a:p>
+            <a:r>
+              <a:rPr lang="en-GB" dirty="0"/>
+              <a:t>Proteins </a:t>
+            </a:r>
+            <a:r>
+              <a:rPr lang="en-GB" dirty="0" err="1"/>
+              <a:t>fulfill</a:t>
+            </a:r>
+            <a:r>
+              <a:rPr lang="en-GB" dirty="0"/>
+              <a:t> numerous function inside the human body</a:t>
+            </a:r>
+          </a:p>
+          <a:p>
+            <a:r>
+              <a:rPr lang="en-GB" dirty="0"/>
+              <a:t>Consist of a ’string’ of amino-acids</a:t>
+            </a:r>
+          </a:p>
+          <a:p>
+            <a:r>
+              <a:rPr lang="en-GB" dirty="0"/>
+              <a:t>Faulty proteins linked to diseases such as </a:t>
+            </a:r>
+            <a:r>
+              <a:rPr lang="en-GB" dirty="0" err="1"/>
+              <a:t>Alzheimers</a:t>
+            </a:r>
+            <a:r>
+              <a:rPr lang="en-GB" dirty="0"/>
+              <a:t> or </a:t>
+            </a:r>
+            <a:r>
+              <a:rPr lang="en-GB" dirty="0" err="1"/>
+              <a:t>huntington</a:t>
+            </a:r>
+            <a:endParaRPr lang="en-GB" dirty="0"/>
+          </a:p>
+          <a:p>
+            <a:r>
+              <a:rPr lang="en-GB" dirty="0"/>
+              <a:t>Finding “Stable” Proteins can help in the development of </a:t>
+            </a:r>
+            <a:r>
+              <a:rPr lang="en-GB" dirty="0" err="1"/>
+              <a:t>farmaceuticals</a:t>
+            </a:r>
+            <a:endParaRPr lang="en-GB" dirty="0"/>
+          </a:p>
+          <a:p>
+            <a:endParaRPr lang="en-GB" dirty="0"/>
+          </a:p>
+        </p:txBody>
+      </p:sp>
+    </p:spTree>
+    <p:extLst>
+      <p:ext uri="{BB962C8B-B14F-4D97-AF65-F5344CB8AC3E}">
+        <p14:creationId xmlns:p14="http://schemas.microsoft.com/office/powerpoint/2010/main" val="2280769630"/>
+      </p:ext>
+    </p:extLst>
+  </p:cSld>
+  <p:clrMapOvr>
+    <a:masterClrMapping/>
+  </p:clrMapOvr>
+</p:sld>
+</file>
+
+<file path=ppt/slides/slide4.xml><?xml version="1.0" encoding="utf-8"?>
+<p:sld xmlns:a="http://schemas.openxmlformats.org/drawingml/2006/main" xmlns:r="http://schemas.openxmlformats.org/officeDocument/2006/relationships" xmlns:p="http://schemas.openxmlformats.org/presentationml/2006/main">
+  <p:cSld>
+    <p:spTree>
+      <p:nvGrpSpPr>
+        <p:cNvPr id="1" name=""/>
+        <p:cNvGrpSpPr/>
+        <p:nvPr/>
+      </p:nvGrpSpPr>
+      <p:grpSpPr>
+        <a:xfrm>
+          <a:off x="0" y="0"/>
+          <a:ext cx="0" cy="0"/>
+          <a:chOff x="0" y="0"/>
+          <a:chExt cx="0" cy="0"/>
+        </a:xfrm>
+      </p:grpSpPr>
+      <p:sp>
+        <p:nvSpPr>
+          <p:cNvPr id="2" name="Titel 1">
+            <a:extLst>
+              <a:ext uri="{FF2B5EF4-FFF2-40B4-BE49-F238E27FC236}">
+                <a16:creationId xmlns:a16="http://schemas.microsoft.com/office/drawing/2014/main" id="{048DA664-7B4B-904F-9F8D-5AD398A7E951}"/>
+              </a:ext>
+            </a:extLst>
+          </p:cNvPr>
+          <p:cNvSpPr>
+            <a:spLocks noGrp="1"/>
+          </p:cNvSpPr>
+          <p:nvPr>
+            <p:ph type="title"/>
+          </p:nvPr>
+        </p:nvSpPr>
+        <p:spPr/>
+        <p:txBody>
+          <a:bodyPr/>
+          <a:lstStyle/>
+          <a:p>
+            <a:r>
+              <a:rPr lang="en-GB" dirty="0"/>
+              <a:t>1. Introduction: Stability of proteins</a:t>
+            </a:r>
+          </a:p>
+        </p:txBody>
+      </p:sp>
+      <p:sp>
+        <p:nvSpPr>
+          <p:cNvPr id="3" name="Tijdelijke aanduiding voor inhoud 2">
+            <a:extLst>
+              <a:ext uri="{FF2B5EF4-FFF2-40B4-BE49-F238E27FC236}">
+                <a16:creationId xmlns:a16="http://schemas.microsoft.com/office/drawing/2014/main" id="{2ACC9E0D-2DE6-F443-ABB8-3C6A56624642}"/>
+              </a:ext>
+            </a:extLst>
+          </p:cNvPr>
+          <p:cNvSpPr>
+            <a:spLocks noGrp="1"/>
+          </p:cNvSpPr>
+          <p:nvPr>
+            <p:ph sz="half" idx="1"/>
+          </p:nvPr>
+        </p:nvSpPr>
+        <p:spPr/>
+        <p:txBody>
+          <a:bodyPr>
+            <a:normAutofit/>
+          </a:bodyPr>
+          <a:lstStyle/>
+          <a:p>
+            <a:r>
+              <a:rPr lang="en-GB" dirty="0"/>
+              <a:t>Place amino-acids on a 2D-grid.</a:t>
+            </a:r>
+          </a:p>
+          <a:p>
+            <a:r>
+              <a:rPr lang="en-GB" dirty="0"/>
+              <a:t>Amino acids can be </a:t>
+            </a:r>
+            <a:r>
+              <a:rPr lang="en-GB" dirty="0" err="1"/>
+              <a:t>hydrophic</a:t>
+            </a:r>
+            <a:r>
+              <a:rPr lang="en-GB" dirty="0"/>
+              <a:t> (Red) or </a:t>
+            </a:r>
+            <a:r>
+              <a:rPr lang="en-GB" dirty="0" err="1"/>
+              <a:t>Polair</a:t>
+            </a:r>
+            <a:r>
+              <a:rPr lang="en-GB" dirty="0"/>
+              <a:t> (Blue)</a:t>
+            </a:r>
+          </a:p>
+          <a:p>
+            <a:r>
+              <a:rPr lang="en-GB" dirty="0"/>
+              <a:t>Red amino-acids can form bridges, and strengthen the stability</a:t>
+            </a:r>
+          </a:p>
+          <a:p>
+            <a:endParaRPr lang="en-GB" u="sng" dirty="0"/>
+          </a:p>
+          <a:p>
+            <a:r>
+              <a:rPr lang="en-GB" u="sng" dirty="0"/>
+              <a:t>Goal is to find protein structures that are as stable as possible.</a:t>
+            </a:r>
+          </a:p>
+        </p:txBody>
+      </p:sp>
+      <p:pic>
+        <p:nvPicPr>
+          <p:cNvPr id="8" name="Tijdelijke aanduiding voor inhoud 7">
+            <a:extLst>
+              <a:ext uri="{FF2B5EF4-FFF2-40B4-BE49-F238E27FC236}">
+                <a16:creationId xmlns:a16="http://schemas.microsoft.com/office/drawing/2014/main" id="{50283D78-CF71-3345-9AEB-76BDCA0FB0D2}"/>
+              </a:ext>
+            </a:extLst>
+          </p:cNvPr>
+          <p:cNvPicPr>
+            <a:picLocks noGrp="1" noChangeAspect="1"/>
+          </p:cNvPicPr>
+          <p:nvPr>
+            <p:ph sz="half" idx="2"/>
+          </p:nvPr>
+        </p:nvPicPr>
+        <p:blipFill>
+          <a:blip r:embed="rId2"/>
+          <a:stretch>
+            <a:fillRect/>
+          </a:stretch>
+        </p:blipFill>
+        <p:spPr>
+          <a:xfrm>
+            <a:off x="6096000" y="2015398"/>
+            <a:ext cx="5181600" cy="2827204"/>
+          </a:xfrm>
+        </p:spPr>
+      </p:pic>
+    </p:spTree>
+    <p:extLst>
+      <p:ext uri="{BB962C8B-B14F-4D97-AF65-F5344CB8AC3E}">
+        <p14:creationId xmlns:p14="http://schemas.microsoft.com/office/powerpoint/2010/main" val="1850888821"/>
+      </p:ext>
+    </p:extLst>
+  </p:cSld>
+  <p:clrMapOvr>
+    <a:masterClrMapping/>
+  </p:clrMapOvr>
+</p:sld>
+</file>
+
+<file path=ppt/slides/slide5.xml><?xml version="1.0" encoding="utf-8"?>
+<p:sld xmlns:a="http://schemas.openxmlformats.org/drawingml/2006/main" xmlns:r="http://schemas.openxmlformats.org/officeDocument/2006/relationships" xmlns:p="http://schemas.openxmlformats.org/presentationml/2006/main">
+  <p:cSld>
+    <p:spTree>
+      <p:nvGrpSpPr>
+        <p:cNvPr id="1" name=""/>
+        <p:cNvGrpSpPr/>
+        <p:nvPr/>
+      </p:nvGrpSpPr>
+      <p:grpSpPr>
+        <a:xfrm>
+          <a:off x="0" y="0"/>
+          <a:ext cx="0" cy="0"/>
+          <a:chOff x="0" y="0"/>
+          <a:chExt cx="0" cy="0"/>
+        </a:xfrm>
+      </p:grpSpPr>
+      <p:sp>
+        <p:nvSpPr>
+          <p:cNvPr id="2" name="Titel 1">
+            <a:extLst>
+              <a:ext uri="{FF2B5EF4-FFF2-40B4-BE49-F238E27FC236}">
+                <a16:creationId xmlns:a16="http://schemas.microsoft.com/office/drawing/2014/main" id="{469AD8D3-EDB6-5D49-8D44-472ED11B1188}"/>
+              </a:ext>
+            </a:extLst>
+          </p:cNvPr>
+          <p:cNvSpPr>
+            <a:spLocks noGrp="1"/>
+          </p:cNvSpPr>
+          <p:nvPr>
+            <p:ph type="title"/>
+          </p:nvPr>
+        </p:nvSpPr>
+        <p:spPr/>
+        <p:txBody>
+          <a:bodyPr/>
+          <a:lstStyle/>
+          <a:p>
+            <a:r>
+              <a:rPr lang="en-GB" dirty="0"/>
+              <a:t>1. Case exploration</a:t>
+            </a:r>
+          </a:p>
+        </p:txBody>
+      </p:sp>
+      <p:sp>
+        <p:nvSpPr>
+          <p:cNvPr id="3" name="Tijdelijke aanduiding voor inhoud 2">
+            <a:extLst>
+              <a:ext uri="{FF2B5EF4-FFF2-40B4-BE49-F238E27FC236}">
+                <a16:creationId xmlns:a16="http://schemas.microsoft.com/office/drawing/2014/main" id="{70EB0242-E78A-C44A-8160-6A82BC9E7222}"/>
+              </a:ext>
+            </a:extLst>
+          </p:cNvPr>
+          <p:cNvSpPr>
+            <a:spLocks noGrp="1"/>
+          </p:cNvSpPr>
+          <p:nvPr>
+            <p:ph sz="half" idx="1"/>
+          </p:nvPr>
+        </p:nvSpPr>
+        <p:spPr/>
+        <p:txBody>
+          <a:bodyPr/>
+          <a:lstStyle/>
+          <a:p>
+            <a:r>
+              <a:rPr lang="en-GB" dirty="0"/>
+              <a:t>Constrained Optimization Problem</a:t>
+            </a:r>
+          </a:p>
+          <a:p>
+            <a:pPr lvl="1"/>
+            <a:r>
+              <a:rPr lang="en-GB" dirty="0"/>
+              <a:t>Constraints</a:t>
+            </a:r>
+          </a:p>
+          <a:p>
+            <a:pPr lvl="2"/>
+            <a:r>
+              <a:rPr lang="en-GB" dirty="0"/>
+              <a:t>Amino-acid string is given</a:t>
+            </a:r>
+          </a:p>
+          <a:p>
+            <a:pPr lvl="2"/>
+            <a:r>
+              <a:rPr lang="en-GB" dirty="0"/>
+              <a:t>All amino-acids must be used</a:t>
+            </a:r>
+          </a:p>
+          <a:p>
+            <a:pPr lvl="2"/>
+            <a:r>
+              <a:rPr lang="en-GB" dirty="0"/>
+              <a:t>Can not move ‘diagonally’ must move either left/right/up/down</a:t>
+            </a:r>
+          </a:p>
+          <a:p>
+            <a:pPr lvl="2"/>
+            <a:r>
+              <a:rPr lang="en-GB" dirty="0"/>
+              <a:t>Amino-acids cannot overlap</a:t>
+            </a:r>
+          </a:p>
+          <a:p>
+            <a:pPr lvl="1"/>
+            <a:r>
+              <a:rPr lang="en-GB" dirty="0"/>
+              <a:t>Optimization</a:t>
+            </a:r>
+          </a:p>
+          <a:p>
+            <a:pPr lvl="2"/>
+            <a:r>
+              <a:rPr lang="en-GB" dirty="0"/>
+              <a:t>Legitimate solution with the highest stability </a:t>
+            </a:r>
+          </a:p>
+          <a:p>
+            <a:endParaRPr lang="en-GB" dirty="0"/>
+          </a:p>
+          <a:p>
+            <a:pPr marL="0" indent="0">
+              <a:buNone/>
+            </a:pPr>
+            <a:endParaRPr lang="en-GB" dirty="0"/>
+          </a:p>
+        </p:txBody>
+      </p:sp>
+      <p:sp>
+        <p:nvSpPr>
+          <p:cNvPr id="4" name="Tijdelijke aanduiding voor inhoud 3">
+            <a:extLst>
+              <a:ext uri="{FF2B5EF4-FFF2-40B4-BE49-F238E27FC236}">
+                <a16:creationId xmlns:a16="http://schemas.microsoft.com/office/drawing/2014/main" id="{9C67E9D9-F639-D049-A1C7-EF4275E5D4A7}"/>
+              </a:ext>
+            </a:extLst>
+          </p:cNvPr>
+          <p:cNvSpPr>
+            <a:spLocks noGrp="1"/>
+          </p:cNvSpPr>
+          <p:nvPr>
+            <p:ph sz="half" idx="2"/>
+          </p:nvPr>
+        </p:nvSpPr>
+        <p:spPr/>
+        <p:txBody>
+          <a:bodyPr/>
+          <a:lstStyle/>
+          <a:p>
+            <a:r>
+              <a:rPr lang="en-GB" dirty="0"/>
+              <a:t>State Space</a:t>
+            </a:r>
+          </a:p>
+          <a:p>
+            <a:pPr lvl="1"/>
+            <a:r>
+              <a:rPr lang="en-GB" dirty="0"/>
+              <a:t>4</a:t>
+            </a:r>
+            <a:r>
+              <a:rPr lang="en-GB" sz="3200" baseline="30000" dirty="0"/>
+              <a:t>n</a:t>
+            </a:r>
+            <a:r>
+              <a:rPr lang="en-GB" dirty="0"/>
+              <a:t>?</a:t>
+            </a:r>
+          </a:p>
+          <a:p>
+            <a:pPr lvl="1"/>
+            <a:endParaRPr lang="en-GB" dirty="0"/>
+          </a:p>
+          <a:p>
+            <a:pPr lvl="1"/>
+            <a:r>
+              <a:rPr lang="en-GB"/>
+              <a:t>4*3</a:t>
+            </a:r>
+            <a:r>
+              <a:rPr lang="en-GB" baseline="30000"/>
+              <a:t>n-1</a:t>
+            </a:r>
+            <a:endParaRPr lang="en-GB" baseline="30000" dirty="0"/>
+          </a:p>
+          <a:p>
+            <a:pPr lvl="1"/>
+            <a:endParaRPr lang="en-GB" dirty="0"/>
+          </a:p>
+          <a:p>
+            <a:pPr lvl="1"/>
+            <a:r>
+              <a:rPr lang="en-GB" dirty="0"/>
+              <a:t>Maar: </a:t>
+            </a:r>
+            <a:r>
+              <a:rPr lang="en-GB" dirty="0" err="1"/>
+              <a:t>rotatie</a:t>
+            </a:r>
+            <a:endParaRPr lang="en-GB" dirty="0"/>
+          </a:p>
+          <a:p>
+            <a:pPr lvl="1"/>
+            <a:r>
+              <a:rPr lang="en-GB" dirty="0"/>
+              <a:t>3</a:t>
+            </a:r>
+            <a:r>
+              <a:rPr lang="en-GB" baseline="30000" dirty="0"/>
+              <a:t>n-2</a:t>
+            </a:r>
+            <a:endParaRPr lang="en-GB" dirty="0"/>
+          </a:p>
+          <a:p>
+            <a:pPr lvl="1"/>
+            <a:endParaRPr lang="en-GB" dirty="0"/>
+          </a:p>
+          <a:p>
+            <a:pPr lvl="1"/>
+            <a:r>
+              <a:rPr lang="en-GB" dirty="0"/>
+              <a:t>Kan </a:t>
+            </a:r>
+            <a:r>
+              <a:rPr lang="en-GB" dirty="0" err="1"/>
+              <a:t>niet</a:t>
+            </a:r>
+            <a:r>
+              <a:rPr lang="en-GB" dirty="0"/>
+              <a:t> </a:t>
+            </a:r>
+            <a:r>
+              <a:rPr lang="en-GB" dirty="0" err="1"/>
+              <a:t>rekening</a:t>
+            </a:r>
+            <a:r>
+              <a:rPr lang="en-GB" dirty="0"/>
+              <a:t> </a:t>
+            </a:r>
+            <a:r>
+              <a:rPr lang="en-GB" dirty="0" err="1"/>
+              <a:t>houden</a:t>
+            </a:r>
+            <a:r>
+              <a:rPr lang="en-GB" dirty="0"/>
+              <a:t> met self-avoiding walk:</a:t>
+            </a:r>
+          </a:p>
+          <a:p>
+            <a:pPr lvl="1"/>
+            <a:r>
+              <a:rPr lang="en-GB" dirty="0"/>
+              <a:t>True State Space: &lt; 3</a:t>
+            </a:r>
+            <a:r>
+              <a:rPr lang="en-GB" baseline="30000" dirty="0"/>
+              <a:t>n-2</a:t>
+            </a:r>
+            <a:endParaRPr lang="en-GB" dirty="0"/>
+          </a:p>
+          <a:p>
+            <a:pPr lvl="1"/>
+            <a:endParaRPr lang="en-GB" dirty="0"/>
+          </a:p>
+          <a:p>
+            <a:pPr lvl="1"/>
+            <a:endParaRPr lang="en-GB" dirty="0"/>
+          </a:p>
+        </p:txBody>
+      </p:sp>
+    </p:spTree>
+    <p:extLst>
+      <p:ext uri="{BB962C8B-B14F-4D97-AF65-F5344CB8AC3E}">
+        <p14:creationId xmlns:p14="http://schemas.microsoft.com/office/powerpoint/2010/main" val="2066508210"/>
+      </p:ext>
+    </p:extLst>
+  </p:cSld>
+  <p:clrMapOvr>
+    <a:masterClrMapping/>
+  </p:clrMapOvr>
+</p:sld>
+</file>
+
+<file path=ppt/slides/slide6.xml><?xml version="1.0" encoding="utf-8"?>
+<p:sld xmlns:a="http://schemas.openxmlformats.org/drawingml/2006/main" xmlns:r="http://schemas.openxmlformats.org/officeDocument/2006/relationships" xmlns:p="http://schemas.openxmlformats.org/presentationml/2006/main">
+  <p:cSld>
+    <p:spTree>
+      <p:nvGrpSpPr>
+        <p:cNvPr id="1" name=""/>
+        <p:cNvGrpSpPr/>
+        <p:nvPr/>
+      </p:nvGrpSpPr>
+      <p:grpSpPr>
+        <a:xfrm>
+          <a:off x="0" y="0"/>
+          <a:ext cx="0" cy="0"/>
+          <a:chOff x="0" y="0"/>
+          <a:chExt cx="0" cy="0"/>
+        </a:xfrm>
+      </p:grpSpPr>
+      <p:sp>
+        <p:nvSpPr>
+          <p:cNvPr id="2" name="Titel 1">
+            <a:extLst>
+              <a:ext uri="{FF2B5EF4-FFF2-40B4-BE49-F238E27FC236}">
+                <a16:creationId xmlns:a16="http://schemas.microsoft.com/office/drawing/2014/main" id="{469AD8D3-EDB6-5D49-8D44-472ED11B1188}"/>
+              </a:ext>
+            </a:extLst>
+          </p:cNvPr>
+          <p:cNvSpPr>
+            <a:spLocks noGrp="1"/>
+          </p:cNvSpPr>
+          <p:nvPr>
+            <p:ph type="title"/>
+          </p:nvPr>
+        </p:nvSpPr>
+        <p:spPr/>
+        <p:txBody>
+          <a:bodyPr/>
+          <a:lstStyle/>
+          <a:p>
+            <a:r>
+              <a:rPr lang="en-GB" dirty="0"/>
+              <a:t>2. Quick recap</a:t>
+            </a:r>
+          </a:p>
+        </p:txBody>
+      </p:sp>
+      <p:sp>
+        <p:nvSpPr>
+          <p:cNvPr id="3" name="Tijdelijke aanduiding voor inhoud 2">
+            <a:extLst>
+              <a:ext uri="{FF2B5EF4-FFF2-40B4-BE49-F238E27FC236}">
+                <a16:creationId xmlns:a16="http://schemas.microsoft.com/office/drawing/2014/main" id="{70EB0242-E78A-C44A-8160-6A82BC9E7222}"/>
+              </a:ext>
+            </a:extLst>
+          </p:cNvPr>
+          <p:cNvSpPr>
+            <a:spLocks noGrp="1"/>
+          </p:cNvSpPr>
+          <p:nvPr>
+            <p:ph sz="half" idx="1"/>
+          </p:nvPr>
+        </p:nvSpPr>
+        <p:spPr>
+          <a:xfrm>
+            <a:off x="838200" y="1825625"/>
+            <a:ext cx="5181600" cy="1492928"/>
+          </a:xfrm>
+        </p:spPr>
+        <p:txBody>
+          <a:bodyPr/>
+          <a:lstStyle/>
+          <a:p>
+            <a:r>
+              <a:rPr lang="en-GB" dirty="0"/>
+              <a:t>Element Object</a:t>
+            </a:r>
+          </a:p>
+          <a:p>
+            <a:pPr lvl="1"/>
+            <a:r>
+              <a:rPr lang="en-GB" dirty="0"/>
+              <a:t>Stores: coordinates, direction, type</a:t>
+            </a:r>
+          </a:p>
+        </p:txBody>
+      </p:sp>
+      <p:sp>
+        <p:nvSpPr>
+          <p:cNvPr id="4" name="Tijdelijke aanduiding voor inhoud 3">
+            <a:extLst>
+              <a:ext uri="{FF2B5EF4-FFF2-40B4-BE49-F238E27FC236}">
+                <a16:creationId xmlns:a16="http://schemas.microsoft.com/office/drawing/2014/main" id="{9C67E9D9-F639-D049-A1C7-EF4275E5D4A7}"/>
+              </a:ext>
+            </a:extLst>
+          </p:cNvPr>
+          <p:cNvSpPr>
+            <a:spLocks noGrp="1"/>
+          </p:cNvSpPr>
+          <p:nvPr>
+            <p:ph sz="half" idx="2"/>
+          </p:nvPr>
+        </p:nvSpPr>
+        <p:spPr>
+          <a:xfrm>
+            <a:off x="6172200" y="1825625"/>
+            <a:ext cx="5181600" cy="1492928"/>
+          </a:xfrm>
+        </p:spPr>
+        <p:txBody>
+          <a:bodyPr/>
+          <a:lstStyle/>
+          <a:p>
+            <a:r>
+              <a:rPr lang="en-GB" dirty="0"/>
+              <a:t>Lattice Object</a:t>
+            </a:r>
+          </a:p>
+          <a:p>
+            <a:pPr lvl="1"/>
+            <a:r>
+              <a:rPr lang="en-GB" dirty="0"/>
+              <a:t>Stores: element objects in two ways</a:t>
+            </a:r>
+          </a:p>
+        </p:txBody>
+      </p:sp>
+      <p:sp>
+        <p:nvSpPr>
+          <p:cNvPr id="5" name="Tijdelijke aanduiding voor inhoud 2">
+            <a:extLst>
+              <a:ext uri="{FF2B5EF4-FFF2-40B4-BE49-F238E27FC236}">
+                <a16:creationId xmlns:a16="http://schemas.microsoft.com/office/drawing/2014/main" id="{27ADD09B-7A82-4A58-A517-163996F1954A}"/>
+              </a:ext>
+            </a:extLst>
+          </p:cNvPr>
+          <p:cNvSpPr txBox="1">
+            <a:spLocks/>
+          </p:cNvSpPr>
+          <p:nvPr/>
+        </p:nvSpPr>
+        <p:spPr>
+          <a:xfrm>
+            <a:off x="838200" y="3559997"/>
+            <a:ext cx="5181600" cy="1492928"/>
+          </a:xfrm>
+          <a:prstGeom prst="rect">
+            <a:avLst/>
+          </a:prstGeom>
+        </p:spPr>
+        <p:txBody>
+          <a:bodyPr vert="horz" lIns="91440" tIns="45720" rIns="91440" bIns="45720" rtlCol="0">
+            <a:normAutofit/>
+          </a:bodyPr>
+          <a:lstStyle>
+            <a:lvl1pPr marL="228600" indent="-228600" algn="l" defTabSz="914400" rtl="0" eaLnBrk="1" latinLnBrk="0" hangingPunct="1">
+              <a:lnSpc>
+                <a:spcPct val="90000"/>
+              </a:lnSpc>
+              <a:spcBef>
+                <a:spcPts val="1000"/>
+              </a:spcBef>
+              <a:buFont typeface="Arial" panose="020B0604020202020204" pitchFamily="34" charset="0"/>
+              <a:buChar char="•"/>
+              <a:defRPr sz="2800" kern="1200">
+                <a:solidFill>
+                  <a:schemeClr val="tx1"/>
+                </a:solidFill>
+                <a:latin typeface="+mn-lt"/>
+                <a:ea typeface="+mn-ea"/>
+                <a:cs typeface="+mn-cs"/>
+              </a:defRPr>
+            </a:lvl1pPr>
+            <a:lvl2pPr marL="685800" indent="-228600" algn="l" defTabSz="914400" rtl="0" eaLnBrk="1" latinLnBrk="0" hangingPunct="1">
+              <a:lnSpc>
+                <a:spcPct val="90000"/>
+              </a:lnSpc>
+              <a:spcBef>
+                <a:spcPts val="500"/>
+              </a:spcBef>
+              <a:buFont typeface="Arial" panose="020B0604020202020204" pitchFamily="34" charset="0"/>
+              <a:buChar char="•"/>
+              <a:defRPr sz="2400" kern="1200">
+                <a:solidFill>
+                  <a:schemeClr val="tx1"/>
+                </a:solidFill>
+                <a:latin typeface="+mn-lt"/>
+                <a:ea typeface="+mn-ea"/>
+                <a:cs typeface="+mn-cs"/>
+              </a:defRPr>
+            </a:lvl2pPr>
+            <a:lvl3pPr marL="1143000" indent="-228600" algn="l" defTabSz="914400" rtl="0" eaLnBrk="1" latinLnBrk="0" hangingPunct="1">
+              <a:lnSpc>
+                <a:spcPct val="90000"/>
+              </a:lnSpc>
+              <a:spcBef>
+                <a:spcPts val="500"/>
+              </a:spcBef>
+              <a:buFont typeface="Arial" panose="020B0604020202020204" pitchFamily="34" charset="0"/>
+              <a:buChar char="•"/>
+              <a:defRPr sz="2000" kern="1200">
+                <a:solidFill>
+                  <a:schemeClr val="tx1"/>
+                </a:solidFill>
+                <a:latin typeface="+mn-lt"/>
+                <a:ea typeface="+mn-ea"/>
+                <a:cs typeface="+mn-cs"/>
+              </a:defRPr>
+            </a:lvl3pPr>
+            <a:lvl4pPr marL="1600200" indent="-228600" algn="l" defTabSz="914400" rtl="0" eaLnBrk="1" latinLnBrk="0" hangingPunct="1">
+              <a:lnSpc>
+                <a:spcPct val="90000"/>
+              </a:lnSpc>
+              <a:spcBef>
+                <a:spcPts val="500"/>
+              </a:spcBef>
+              <a:buFont typeface="Arial" panose="020B0604020202020204" pitchFamily="34" charset="0"/>
+              <a:buChar char="•"/>
+              <a:defRPr sz="1800" kern="1200">
+                <a:solidFill>
+                  <a:schemeClr val="tx1"/>
+                </a:solidFill>
+                <a:latin typeface="+mn-lt"/>
+                <a:ea typeface="+mn-ea"/>
+                <a:cs typeface="+mn-cs"/>
+              </a:defRPr>
+            </a:lvl4pPr>
+            <a:lvl5pPr marL="2057400" indent="-228600" algn="l" defTabSz="914400" rtl="0" eaLnBrk="1" latinLnBrk="0" hangingPunct="1">
+              <a:lnSpc>
+                <a:spcPct val="90000"/>
+              </a:lnSpc>
+              <a:spcBef>
+                <a:spcPts val="500"/>
+              </a:spcBef>
+              <a:buFont typeface="Arial" panose="020B0604020202020204" pitchFamily="34" charset="0"/>
+              <a:buChar char="•"/>
+              <a:defRPr sz="1800" kern="1200">
+                <a:solidFill>
+                  <a:schemeClr val="tx1"/>
+                </a:solidFill>
+                <a:latin typeface="+mn-lt"/>
+                <a:ea typeface="+mn-ea"/>
+                <a:cs typeface="+mn-cs"/>
+              </a:defRPr>
+            </a:lvl5pPr>
+            <a:lvl6pPr marL="2514600" indent="-228600" algn="l" defTabSz="914400" rtl="0" eaLnBrk="1" latinLnBrk="0" hangingPunct="1">
+              <a:lnSpc>
+                <a:spcPct val="90000"/>
+              </a:lnSpc>
+              <a:spcBef>
+                <a:spcPts val="500"/>
+              </a:spcBef>
+              <a:buFont typeface="Arial" panose="020B0604020202020204" pitchFamily="34" charset="0"/>
+              <a:buChar char="•"/>
+              <a:defRPr sz="1800" kern="1200">
+                <a:solidFill>
+                  <a:schemeClr val="tx1"/>
+                </a:solidFill>
+                <a:latin typeface="+mn-lt"/>
+                <a:ea typeface="+mn-ea"/>
+                <a:cs typeface="+mn-cs"/>
+              </a:defRPr>
+            </a:lvl6pPr>
+            <a:lvl7pPr marL="2971800" indent="-228600" algn="l" defTabSz="914400" rtl="0" eaLnBrk="1" latinLnBrk="0" hangingPunct="1">
+              <a:lnSpc>
+                <a:spcPct val="90000"/>
+              </a:lnSpc>
+              <a:spcBef>
+                <a:spcPts val="500"/>
+              </a:spcBef>
+              <a:buFont typeface="Arial" panose="020B0604020202020204" pitchFamily="34" charset="0"/>
+              <a:buChar char="•"/>
+              <a:defRPr sz="1800" kern="1200">
+                <a:solidFill>
+                  <a:schemeClr val="tx1"/>
+                </a:solidFill>
+                <a:latin typeface="+mn-lt"/>
+                <a:ea typeface="+mn-ea"/>
+                <a:cs typeface="+mn-cs"/>
+              </a:defRPr>
+            </a:lvl7pPr>
+            <a:lvl8pPr marL="3429000" indent="-228600" algn="l" defTabSz="914400" rtl="0" eaLnBrk="1" latinLnBrk="0" hangingPunct="1">
+              <a:lnSpc>
+                <a:spcPct val="90000"/>
+              </a:lnSpc>
+              <a:spcBef>
+                <a:spcPts val="500"/>
+              </a:spcBef>
+              <a:buFont typeface="Arial" panose="020B0604020202020204" pitchFamily="34" charset="0"/>
+              <a:buChar char="•"/>
+              <a:defRPr sz="1800" kern="1200">
+                <a:solidFill>
+                  <a:schemeClr val="tx1"/>
+                </a:solidFill>
+                <a:latin typeface="+mn-lt"/>
+                <a:ea typeface="+mn-ea"/>
+                <a:cs typeface="+mn-cs"/>
+              </a:defRPr>
+            </a:lvl8pPr>
+            <a:lvl9pPr marL="3886200" indent="-228600" algn="l" defTabSz="914400" rtl="0" eaLnBrk="1" latinLnBrk="0" hangingPunct="1">
+              <a:lnSpc>
+                <a:spcPct val="90000"/>
+              </a:lnSpc>
+              <a:spcBef>
+                <a:spcPts val="500"/>
+              </a:spcBef>
+              <a:buFont typeface="Arial" panose="020B0604020202020204" pitchFamily="34" charset="0"/>
+              <a:buChar char="•"/>
+              <a:defRPr sz="1800" kern="1200">
+                <a:solidFill>
+                  <a:schemeClr val="tx1"/>
+                </a:solidFill>
+                <a:latin typeface="+mn-lt"/>
+                <a:ea typeface="+mn-ea"/>
+                <a:cs typeface="+mn-cs"/>
+              </a:defRPr>
+            </a:lvl9pPr>
+          </a:lstStyle>
+          <a:p>
+            <a:r>
+              <a:rPr lang="en-GB" dirty="0"/>
+              <a:t>Dictionaries</a:t>
+            </a:r>
+          </a:p>
+          <a:p>
+            <a:pPr lvl="1"/>
+            <a:r>
+              <a:rPr lang="en-GB" dirty="0"/>
+              <a:t>Use of dictionaries to store element objects.</a:t>
+            </a:r>
+          </a:p>
+        </p:txBody>
+      </p:sp>
+      <p:sp>
+        <p:nvSpPr>
+          <p:cNvPr id="6" name="Tijdelijke aanduiding voor inhoud 3">
+            <a:extLst>
+              <a:ext uri="{FF2B5EF4-FFF2-40B4-BE49-F238E27FC236}">
+                <a16:creationId xmlns:a16="http://schemas.microsoft.com/office/drawing/2014/main" id="{CBB90616-AF52-4DE6-8AAD-E1464E7B07B5}"/>
+              </a:ext>
+            </a:extLst>
+          </p:cNvPr>
+          <p:cNvSpPr txBox="1">
+            <a:spLocks/>
+          </p:cNvSpPr>
+          <p:nvPr/>
+        </p:nvSpPr>
+        <p:spPr>
+          <a:xfrm>
+            <a:off x="6172200" y="3559997"/>
+            <a:ext cx="5181600" cy="1492928"/>
+          </a:xfrm>
+          <a:prstGeom prst="rect">
+            <a:avLst/>
+          </a:prstGeom>
+        </p:spPr>
+        <p:txBody>
+          <a:bodyPr vert="horz" lIns="91440" tIns="45720" rIns="91440" bIns="45720" rtlCol="0">
+            <a:normAutofit/>
+          </a:bodyPr>
+          <a:lstStyle>
+            <a:lvl1pPr marL="228600" indent="-228600" algn="l" defTabSz="914400" rtl="0" eaLnBrk="1" latinLnBrk="0" hangingPunct="1">
+              <a:lnSpc>
+                <a:spcPct val="90000"/>
+              </a:lnSpc>
+              <a:spcBef>
+                <a:spcPts val="1000"/>
+              </a:spcBef>
+              <a:buFont typeface="Arial" panose="020B0604020202020204" pitchFamily="34" charset="0"/>
+              <a:buChar char="•"/>
+              <a:defRPr sz="2800" kern="1200">
+                <a:solidFill>
+                  <a:schemeClr val="tx1"/>
+                </a:solidFill>
+                <a:latin typeface="+mn-lt"/>
+                <a:ea typeface="+mn-ea"/>
+                <a:cs typeface="+mn-cs"/>
+              </a:defRPr>
+            </a:lvl1pPr>
+            <a:lvl2pPr marL="685800" indent="-228600" algn="l" defTabSz="914400" rtl="0" eaLnBrk="1" latinLnBrk="0" hangingPunct="1">
+              <a:lnSpc>
+                <a:spcPct val="90000"/>
+              </a:lnSpc>
+              <a:spcBef>
+                <a:spcPts val="500"/>
+              </a:spcBef>
+              <a:buFont typeface="Arial" panose="020B0604020202020204" pitchFamily="34" charset="0"/>
+              <a:buChar char="•"/>
+              <a:defRPr sz="2400" kern="1200">
+                <a:solidFill>
+                  <a:schemeClr val="tx1"/>
+                </a:solidFill>
+                <a:latin typeface="+mn-lt"/>
+                <a:ea typeface="+mn-ea"/>
+                <a:cs typeface="+mn-cs"/>
+              </a:defRPr>
+            </a:lvl2pPr>
+            <a:lvl3pPr marL="1143000" indent="-228600" algn="l" defTabSz="914400" rtl="0" eaLnBrk="1" latinLnBrk="0" hangingPunct="1">
+              <a:lnSpc>
+                <a:spcPct val="90000"/>
+              </a:lnSpc>
+              <a:spcBef>
+                <a:spcPts val="500"/>
+              </a:spcBef>
+              <a:buFont typeface="Arial" panose="020B0604020202020204" pitchFamily="34" charset="0"/>
+              <a:buChar char="•"/>
+              <a:defRPr sz="2000" kern="1200">
+                <a:solidFill>
+                  <a:schemeClr val="tx1"/>
+                </a:solidFill>
+                <a:latin typeface="+mn-lt"/>
+                <a:ea typeface="+mn-ea"/>
+                <a:cs typeface="+mn-cs"/>
+              </a:defRPr>
+            </a:lvl3pPr>
+            <a:lvl4pPr marL="1600200" indent="-228600" algn="l" defTabSz="914400" rtl="0" eaLnBrk="1" latinLnBrk="0" hangingPunct="1">
+              <a:lnSpc>
+                <a:spcPct val="90000"/>
+              </a:lnSpc>
+              <a:spcBef>
+                <a:spcPts val="500"/>
+              </a:spcBef>
+              <a:buFont typeface="Arial" panose="020B0604020202020204" pitchFamily="34" charset="0"/>
+              <a:buChar char="•"/>
+              <a:defRPr sz="1800" kern="1200">
+                <a:solidFill>
+                  <a:schemeClr val="tx1"/>
+                </a:solidFill>
+                <a:latin typeface="+mn-lt"/>
+                <a:ea typeface="+mn-ea"/>
+                <a:cs typeface="+mn-cs"/>
+              </a:defRPr>
+            </a:lvl4pPr>
+            <a:lvl5pPr marL="2057400" indent="-228600" algn="l" defTabSz="914400" rtl="0" eaLnBrk="1" latinLnBrk="0" hangingPunct="1">
+              <a:lnSpc>
+                <a:spcPct val="90000"/>
+              </a:lnSpc>
+              <a:spcBef>
+                <a:spcPts val="500"/>
+              </a:spcBef>
+              <a:buFont typeface="Arial" panose="020B0604020202020204" pitchFamily="34" charset="0"/>
+              <a:buChar char="•"/>
+              <a:defRPr sz="1800" kern="1200">
+                <a:solidFill>
+                  <a:schemeClr val="tx1"/>
+                </a:solidFill>
+                <a:latin typeface="+mn-lt"/>
+                <a:ea typeface="+mn-ea"/>
+                <a:cs typeface="+mn-cs"/>
+              </a:defRPr>
+            </a:lvl5pPr>
+            <a:lvl6pPr marL="2514600" indent="-228600" algn="l" defTabSz="914400" rtl="0" eaLnBrk="1" latinLnBrk="0" hangingPunct="1">
+              <a:lnSpc>
+                <a:spcPct val="90000"/>
+              </a:lnSpc>
+              <a:spcBef>
+                <a:spcPts val="500"/>
+              </a:spcBef>
+              <a:buFont typeface="Arial" panose="020B0604020202020204" pitchFamily="34" charset="0"/>
+              <a:buChar char="•"/>
+              <a:defRPr sz="1800" kern="1200">
+                <a:solidFill>
+                  <a:schemeClr val="tx1"/>
+                </a:solidFill>
+                <a:latin typeface="+mn-lt"/>
+                <a:ea typeface="+mn-ea"/>
+                <a:cs typeface="+mn-cs"/>
+              </a:defRPr>
+            </a:lvl6pPr>
+            <a:lvl7pPr marL="2971800" indent="-228600" algn="l" defTabSz="914400" rtl="0" eaLnBrk="1" latinLnBrk="0" hangingPunct="1">
+              <a:lnSpc>
+                <a:spcPct val="90000"/>
+              </a:lnSpc>
+              <a:spcBef>
+                <a:spcPts val="500"/>
+              </a:spcBef>
+              <a:buFont typeface="Arial" panose="020B0604020202020204" pitchFamily="34" charset="0"/>
+              <a:buChar char="•"/>
+              <a:defRPr sz="1800" kern="1200">
+                <a:solidFill>
+                  <a:schemeClr val="tx1"/>
+                </a:solidFill>
+                <a:latin typeface="+mn-lt"/>
+                <a:ea typeface="+mn-ea"/>
+                <a:cs typeface="+mn-cs"/>
+              </a:defRPr>
+            </a:lvl7pPr>
+            <a:lvl8pPr marL="3429000" indent="-228600" algn="l" defTabSz="914400" rtl="0" eaLnBrk="1" latinLnBrk="0" hangingPunct="1">
+              <a:lnSpc>
+                <a:spcPct val="90000"/>
+              </a:lnSpc>
+              <a:spcBef>
+                <a:spcPts val="500"/>
+              </a:spcBef>
+              <a:buFont typeface="Arial" panose="020B0604020202020204" pitchFamily="34" charset="0"/>
+              <a:buChar char="•"/>
+              <a:defRPr sz="1800" kern="1200">
+                <a:solidFill>
+                  <a:schemeClr val="tx1"/>
+                </a:solidFill>
+                <a:latin typeface="+mn-lt"/>
+                <a:ea typeface="+mn-ea"/>
+                <a:cs typeface="+mn-cs"/>
+              </a:defRPr>
+            </a:lvl8pPr>
+            <a:lvl9pPr marL="3886200" indent="-228600" algn="l" defTabSz="914400" rtl="0" eaLnBrk="1" latinLnBrk="0" hangingPunct="1">
+              <a:lnSpc>
+                <a:spcPct val="90000"/>
+              </a:lnSpc>
+              <a:spcBef>
+                <a:spcPts val="500"/>
+              </a:spcBef>
+              <a:buFont typeface="Arial" panose="020B0604020202020204" pitchFamily="34" charset="0"/>
+              <a:buChar char="•"/>
+              <a:defRPr sz="1800" kern="1200">
+                <a:solidFill>
+                  <a:schemeClr val="tx1"/>
+                </a:solidFill>
+                <a:latin typeface="+mn-lt"/>
+                <a:ea typeface="+mn-ea"/>
+                <a:cs typeface="+mn-cs"/>
+              </a:defRPr>
+            </a:lvl9pPr>
+          </a:lstStyle>
+          <a:p>
+            <a:r>
+              <a:rPr lang="en-GB" dirty="0"/>
+              <a:t>Matrixes (2D or 3D grid)</a:t>
+            </a:r>
+          </a:p>
+          <a:p>
+            <a:pPr lvl="1"/>
+            <a:r>
+              <a:rPr lang="en-GB" dirty="0"/>
+              <a:t>Use of a matrix to store element objects.</a:t>
+            </a:r>
+          </a:p>
+        </p:txBody>
+      </p:sp>
+      <p:sp>
+        <p:nvSpPr>
+          <p:cNvPr id="7" name="Tijdelijke aanduiding voor inhoud 2">
+            <a:extLst>
+              <a:ext uri="{FF2B5EF4-FFF2-40B4-BE49-F238E27FC236}">
+                <a16:creationId xmlns:a16="http://schemas.microsoft.com/office/drawing/2014/main" id="{96DECC56-88C1-468C-B3A2-4AFC76F77D3A}"/>
+              </a:ext>
+            </a:extLst>
+          </p:cNvPr>
+          <p:cNvSpPr txBox="1">
+            <a:spLocks/>
+          </p:cNvSpPr>
+          <p:nvPr/>
+        </p:nvSpPr>
+        <p:spPr>
+          <a:xfrm>
+            <a:off x="2831335" y="5618601"/>
+            <a:ext cx="6039998" cy="948997"/>
+          </a:xfrm>
+          <a:prstGeom prst="rect">
+            <a:avLst/>
+          </a:prstGeom>
+        </p:spPr>
+        <p:txBody>
+          <a:bodyPr vert="horz" lIns="91440" tIns="45720" rIns="91440" bIns="45720" rtlCol="0">
+            <a:normAutofit/>
+          </a:bodyPr>
+          <a:lstStyle>
+            <a:lvl1pPr marL="228600" indent="-228600" algn="l" defTabSz="914400" rtl="0" eaLnBrk="1" latinLnBrk="0" hangingPunct="1">
+              <a:lnSpc>
+                <a:spcPct val="90000"/>
+              </a:lnSpc>
+              <a:spcBef>
+                <a:spcPts val="1000"/>
+              </a:spcBef>
+              <a:buFont typeface="Arial" panose="020B0604020202020204" pitchFamily="34" charset="0"/>
+              <a:buChar char="•"/>
+              <a:defRPr sz="2800" kern="1200">
+                <a:solidFill>
+                  <a:schemeClr val="tx1"/>
+                </a:solidFill>
+                <a:latin typeface="+mn-lt"/>
+                <a:ea typeface="+mn-ea"/>
+                <a:cs typeface="+mn-cs"/>
+              </a:defRPr>
+            </a:lvl1pPr>
+            <a:lvl2pPr marL="685800" indent="-228600" algn="l" defTabSz="914400" rtl="0" eaLnBrk="1" latinLnBrk="0" hangingPunct="1">
+              <a:lnSpc>
+                <a:spcPct val="90000"/>
+              </a:lnSpc>
+              <a:spcBef>
+                <a:spcPts val="500"/>
+              </a:spcBef>
+              <a:buFont typeface="Arial" panose="020B0604020202020204" pitchFamily="34" charset="0"/>
+              <a:buChar char="•"/>
+              <a:defRPr sz="2400" kern="1200">
+                <a:solidFill>
+                  <a:schemeClr val="tx1"/>
+                </a:solidFill>
+                <a:latin typeface="+mn-lt"/>
+                <a:ea typeface="+mn-ea"/>
+                <a:cs typeface="+mn-cs"/>
+              </a:defRPr>
+            </a:lvl2pPr>
+            <a:lvl3pPr marL="1143000" indent="-228600" algn="l" defTabSz="914400" rtl="0" eaLnBrk="1" latinLnBrk="0" hangingPunct="1">
+              <a:lnSpc>
+                <a:spcPct val="90000"/>
+              </a:lnSpc>
+              <a:spcBef>
+                <a:spcPts val="500"/>
+              </a:spcBef>
+              <a:buFont typeface="Arial" panose="020B0604020202020204" pitchFamily="34" charset="0"/>
+              <a:buChar char="•"/>
+              <a:defRPr sz="2000" kern="1200">
+                <a:solidFill>
+                  <a:schemeClr val="tx1"/>
+                </a:solidFill>
+                <a:latin typeface="+mn-lt"/>
+                <a:ea typeface="+mn-ea"/>
+                <a:cs typeface="+mn-cs"/>
+              </a:defRPr>
+            </a:lvl3pPr>
+            <a:lvl4pPr marL="1600200" indent="-228600" algn="l" defTabSz="914400" rtl="0" eaLnBrk="1" latinLnBrk="0" hangingPunct="1">
+              <a:lnSpc>
+                <a:spcPct val="90000"/>
+              </a:lnSpc>
+              <a:spcBef>
+                <a:spcPts val="500"/>
+              </a:spcBef>
+              <a:buFont typeface="Arial" panose="020B0604020202020204" pitchFamily="34" charset="0"/>
+              <a:buChar char="•"/>
+              <a:defRPr sz="1800" kern="1200">
+                <a:solidFill>
+                  <a:schemeClr val="tx1"/>
+                </a:solidFill>
+                <a:latin typeface="+mn-lt"/>
+                <a:ea typeface="+mn-ea"/>
+                <a:cs typeface="+mn-cs"/>
+              </a:defRPr>
+            </a:lvl4pPr>
+            <a:lvl5pPr marL="2057400" indent="-228600" algn="l" defTabSz="914400" rtl="0" eaLnBrk="1" latinLnBrk="0" hangingPunct="1">
+              <a:lnSpc>
+                <a:spcPct val="90000"/>
+              </a:lnSpc>
+              <a:spcBef>
+                <a:spcPts val="500"/>
+              </a:spcBef>
+              <a:buFont typeface="Arial" panose="020B0604020202020204" pitchFamily="34" charset="0"/>
+              <a:buChar char="•"/>
+              <a:defRPr sz="1800" kern="1200">
+                <a:solidFill>
+                  <a:schemeClr val="tx1"/>
+                </a:solidFill>
+                <a:latin typeface="+mn-lt"/>
+                <a:ea typeface="+mn-ea"/>
+                <a:cs typeface="+mn-cs"/>
+              </a:defRPr>
+            </a:lvl5pPr>
+            <a:lvl6pPr marL="2514600" indent="-228600" algn="l" defTabSz="914400" rtl="0" eaLnBrk="1" latinLnBrk="0" hangingPunct="1">
+              <a:lnSpc>
+                <a:spcPct val="90000"/>
+              </a:lnSpc>
+              <a:spcBef>
+                <a:spcPts val="500"/>
+              </a:spcBef>
+              <a:buFont typeface="Arial" panose="020B0604020202020204" pitchFamily="34" charset="0"/>
+              <a:buChar char="•"/>
+              <a:defRPr sz="1800" kern="1200">
+                <a:solidFill>
+                  <a:schemeClr val="tx1"/>
+                </a:solidFill>
+                <a:latin typeface="+mn-lt"/>
+                <a:ea typeface="+mn-ea"/>
+                <a:cs typeface="+mn-cs"/>
+              </a:defRPr>
+            </a:lvl6pPr>
+            <a:lvl7pPr marL="2971800" indent="-228600" algn="l" defTabSz="914400" rtl="0" eaLnBrk="1" latinLnBrk="0" hangingPunct="1">
+              <a:lnSpc>
+                <a:spcPct val="90000"/>
+              </a:lnSpc>
+              <a:spcBef>
+                <a:spcPts val="500"/>
+              </a:spcBef>
+              <a:buFont typeface="Arial" panose="020B0604020202020204" pitchFamily="34" charset="0"/>
+              <a:buChar char="•"/>
+              <a:defRPr sz="1800" kern="1200">
+                <a:solidFill>
+                  <a:schemeClr val="tx1"/>
+                </a:solidFill>
+                <a:latin typeface="+mn-lt"/>
+                <a:ea typeface="+mn-ea"/>
+                <a:cs typeface="+mn-cs"/>
+              </a:defRPr>
+            </a:lvl7pPr>
+            <a:lvl8pPr marL="3429000" indent="-228600" algn="l" defTabSz="914400" rtl="0" eaLnBrk="1" latinLnBrk="0" hangingPunct="1">
+              <a:lnSpc>
+                <a:spcPct val="90000"/>
+              </a:lnSpc>
+              <a:spcBef>
+                <a:spcPts val="500"/>
+              </a:spcBef>
+              <a:buFont typeface="Arial" panose="020B0604020202020204" pitchFamily="34" charset="0"/>
+              <a:buChar char="•"/>
+              <a:defRPr sz="1800" kern="1200">
+                <a:solidFill>
+                  <a:schemeClr val="tx1"/>
+                </a:solidFill>
+                <a:latin typeface="+mn-lt"/>
+                <a:ea typeface="+mn-ea"/>
+                <a:cs typeface="+mn-cs"/>
+              </a:defRPr>
+            </a:lvl8pPr>
+            <a:lvl9pPr marL="3886200" indent="-228600" algn="l" defTabSz="914400" rtl="0" eaLnBrk="1" latinLnBrk="0" hangingPunct="1">
+              <a:lnSpc>
+                <a:spcPct val="90000"/>
+              </a:lnSpc>
+              <a:spcBef>
+                <a:spcPts val="500"/>
+              </a:spcBef>
+              <a:buFont typeface="Arial" panose="020B0604020202020204" pitchFamily="34" charset="0"/>
+              <a:buChar char="•"/>
+              <a:defRPr sz="1800" kern="1200">
+                <a:solidFill>
+                  <a:schemeClr val="tx1"/>
+                </a:solidFill>
+                <a:latin typeface="+mn-lt"/>
+                <a:ea typeface="+mn-ea"/>
+                <a:cs typeface="+mn-cs"/>
+              </a:defRPr>
+            </a:lvl9pPr>
+          </a:lstStyle>
+          <a:p>
+            <a:pPr marL="0" indent="0">
+              <a:buNone/>
+            </a:pPr>
+            <a:r>
+              <a:rPr lang="nl-NL" dirty="0"/>
+              <a:t>Question: </a:t>
+            </a:r>
+            <a:r>
+              <a:rPr lang="nl-NL" dirty="0" err="1"/>
+              <a:t>which</a:t>
+            </a:r>
+            <a:r>
+              <a:rPr lang="nl-NL" dirty="0"/>
+              <a:t> data </a:t>
+            </a:r>
+            <a:r>
+              <a:rPr lang="nl-NL" dirty="0" err="1"/>
+              <a:t>structure</a:t>
+            </a:r>
+            <a:r>
+              <a:rPr lang="nl-NL" dirty="0"/>
+              <a:t> is </a:t>
+            </a:r>
+            <a:r>
+              <a:rPr lang="nl-NL" dirty="0" err="1"/>
+              <a:t>faster</a:t>
+            </a:r>
+            <a:r>
+              <a:rPr lang="nl-NL" dirty="0"/>
+              <a:t>?</a:t>
+            </a:r>
+            <a:endParaRPr lang="en-GB" dirty="0"/>
+          </a:p>
+        </p:txBody>
+      </p:sp>
+    </p:spTree>
+    <p:extLst>
+      <p:ext uri="{BB962C8B-B14F-4D97-AF65-F5344CB8AC3E}">
+        <p14:creationId xmlns:p14="http://schemas.microsoft.com/office/powerpoint/2010/main" val="2537418944"/>
+      </p:ext>
+    </p:extLst>
+  </p:cSld>
+  <p:clrMapOvr>
+    <a:masterClrMapping/>
+  </p:clrMapOvr>
+  <p:timing>
+    <p:tnLst>
+      <p:par>
+        <p:cTn id="1" dur="indefinite" restart="never" nodeType="tmRoot">
+          <p:childTnLst>
+            <p:seq concurrent="1" nextAc="seek">
+              <p:cTn id="2" dur="indefinite" nodeType="mainSeq">
+                <p:childTnLst>
+                  <p:par>
+                    <p:cTn id="3" fill="hold">
+                      <p:stCondLst>
+                        <p:cond delay="indefinite"/>
+                      </p:stCondLst>
+                      <p:childTnLst>
+                        <p:par>
+                          <p:cTn id="4" fill="hold">
+                            <p:stCondLst>
+                              <p:cond delay="0"/>
+                            </p:stCondLst>
+                            <p:childTnLst>
+                              <p:par>
+                                <p:cTn id="5" presetID="1" presetClass="entr" presetSubtype="0" fill="hold" grpId="0" nodeType="clickEffect">
+                                  <p:stCondLst>
+                                    <p:cond delay="0"/>
+                                  </p:stCondLst>
+                                  <p:childTnLst>
+                                    <p:set>
+                                      <p:cBhvr>
+                                        <p:cTn id="6" dur="1" fill="hold">
+                                          <p:stCondLst>
+                                            <p:cond delay="0"/>
+                                          </p:stCondLst>
+                                        </p:cTn>
+                                        <p:tgtEl>
+                                          <p:spTgt spid="3">
+                                            <p:txEl>
+                                              <p:pRg st="0" end="0"/>
+                                            </p:txEl>
+                                          </p:spTgt>
+                                        </p:tgtEl>
+                                        <p:attrNameLst>
+                                          <p:attrName>style.visibility</p:attrName>
+                                        </p:attrNameLst>
+                                      </p:cBhvr>
+                                      <p:to>
+                                        <p:strVal val="visible"/>
+                                      </p:to>
+                                    </p:set>
+                                  </p:childTnLst>
+                                </p:cTn>
+                              </p:par>
+                              <p:par>
+                                <p:cTn id="7" presetID="1" presetClass="entr" presetSubtype="0" fill="hold" grpId="0" nodeType="withEffect">
+                                  <p:stCondLst>
+                                    <p:cond delay="0"/>
+                                  </p:stCondLst>
+                                  <p:childTnLst>
+                                    <p:set>
+                                      <p:cBhvr>
+                                        <p:cTn id="8" dur="1" fill="hold">
+                                          <p:stCondLst>
+                                            <p:cond delay="0"/>
+                                          </p:stCondLst>
+                                        </p:cTn>
+                                        <p:tgtEl>
+                                          <p:spTgt spid="3">
+                                            <p:txEl>
+                                              <p:pRg st="1" end="1"/>
+                                            </p:txEl>
+                                          </p:spTgt>
+                                        </p:tgtEl>
+                                        <p:attrNameLst>
+                                          <p:attrName>style.visibility</p:attrName>
+                                        </p:attrNameLst>
+                                      </p:cBhvr>
+                                      <p:to>
+                                        <p:strVal val="visible"/>
+                                      </p:to>
+                                    </p:set>
+                                  </p:childTnLst>
+                                </p:cTn>
+                              </p:par>
+                              <p:par>
+                                <p:cTn id="9" presetID="1" presetClass="entr" presetSubtype="0" fill="hold" grpId="0" nodeType="withEffect">
+                                  <p:stCondLst>
+                                    <p:cond delay="0"/>
+                                  </p:stCondLst>
+                                  <p:childTnLst>
+                                    <p:set>
+                                      <p:cBhvr>
+                                        <p:cTn id="10" dur="1" fill="hold">
+                                          <p:stCondLst>
+                                            <p:cond delay="0"/>
+                                          </p:stCondLst>
+                                        </p:cTn>
+                                        <p:tgtEl>
+                                          <p:spTgt spid="4">
+                                            <p:txEl>
+                                              <p:pRg st="0" end="0"/>
+                                            </p:txEl>
+                                          </p:spTgt>
+                                        </p:tgtEl>
+                                        <p:attrNameLst>
+                                          <p:attrName>style.visibility</p:attrName>
+                                        </p:attrNameLst>
+                                      </p:cBhvr>
+                                      <p:to>
+                                        <p:strVal val="visible"/>
+                                      </p:to>
+                                    </p:set>
+                                  </p:childTnLst>
+                                </p:cTn>
+                              </p:par>
+                              <p:par>
+                                <p:cTn id="11" presetID="1" presetClass="entr" presetSubtype="0" fill="hold" grpId="0" nodeType="withEffect">
+                                  <p:stCondLst>
+                                    <p:cond delay="0"/>
+                                  </p:stCondLst>
+                                  <p:childTnLst>
+                                    <p:set>
+                                      <p:cBhvr>
+                                        <p:cTn id="12" dur="1" fill="hold">
+                                          <p:stCondLst>
+                                            <p:cond delay="0"/>
+                                          </p:stCondLst>
+                                        </p:cTn>
+                                        <p:tgtEl>
+                                          <p:spTgt spid="4">
+                                            <p:txEl>
+                                              <p:pRg st="1" end="1"/>
+                                            </p:txEl>
+                                          </p:spTgt>
+                                        </p:tgtEl>
+                                        <p:attrNameLst>
+                                          <p:attrName>style.visibility</p:attrName>
+                                        </p:attrNameLst>
+                                      </p:cBhvr>
+                                      <p:to>
+                                        <p:strVal val="visible"/>
+                                      </p:to>
+                                    </p:set>
+                                  </p:childTnLst>
+                                </p:cTn>
+                              </p:par>
+                            </p:childTnLst>
+                          </p:cTn>
+                        </p:par>
+                      </p:childTnLst>
+                    </p:cTn>
+                  </p:par>
+                  <p:par>
+                    <p:cTn id="13" fill="hold">
+                      <p:stCondLst>
+                        <p:cond delay="indefinite"/>
+                      </p:stCondLst>
+                      <p:childTnLst>
+                        <p:par>
+                          <p:cTn id="14" fill="hold">
+                            <p:stCondLst>
+                              <p:cond delay="0"/>
+                            </p:stCondLst>
+                            <p:childTnLst>
+                              <p:par>
+                                <p:cTn id="15" presetID="1" presetClass="entr" presetSubtype="0" fill="hold" grpId="0" nodeType="clickEffect">
+                                  <p:stCondLst>
+                                    <p:cond delay="0"/>
+                                  </p:stCondLst>
+                                  <p:childTnLst>
+                                    <p:set>
+                                      <p:cBhvr>
+                                        <p:cTn id="16" dur="1" fill="hold">
+                                          <p:stCondLst>
+                                            <p:cond delay="0"/>
+                                          </p:stCondLst>
+                                        </p:cTn>
+                                        <p:tgtEl>
+                                          <p:spTgt spid="5"/>
+                                        </p:tgtEl>
+                                        <p:attrNameLst>
+                                          <p:attrName>style.visibility</p:attrName>
+                                        </p:attrNameLst>
+                                      </p:cBhvr>
+                                      <p:to>
+                                        <p:strVal val="visible"/>
+                                      </p:to>
+                                    </p:set>
+                                  </p:childTnLst>
+                                </p:cTn>
+                              </p:par>
+                              <p:par>
+                                <p:cTn id="17" presetID="1" presetClass="entr" presetSubtype="0" fill="hold" grpId="0" nodeType="withEffect">
+                                  <p:stCondLst>
+                                    <p:cond delay="0"/>
+                                  </p:stCondLst>
+                                  <p:childTnLst>
+                                    <p:set>
+                                      <p:cBhvr>
+                                        <p:cTn id="18" dur="1" fill="hold">
+                                          <p:stCondLst>
+                                            <p:cond delay="0"/>
+                                          </p:stCondLst>
+                                        </p:cTn>
+                                        <p:tgtEl>
+                                          <p:spTgt spid="6"/>
+                                        </p:tgtEl>
+                                        <p:attrNameLst>
+                                          <p:attrName>style.visibility</p:attrName>
+                                        </p:attrNameLst>
+                                      </p:cBhvr>
+                                      <p:to>
+                                        <p:strVal val="visible"/>
+                                      </p:to>
+                                    </p:set>
+                                  </p:childTnLst>
+                                </p:cTn>
+                              </p:par>
+                            </p:childTnLst>
+                          </p:cTn>
+                        </p:par>
+                      </p:childTnLst>
+                    </p:cTn>
+                  </p:par>
+                  <p:par>
+                    <p:cTn id="19" fill="hold">
+                      <p:stCondLst>
+                        <p:cond delay="indefinite"/>
+                      </p:stCondLst>
+                      <p:childTnLst>
+                        <p:par>
+                          <p:cTn id="20" fill="hold">
+                            <p:stCondLst>
+                              <p:cond delay="0"/>
+                            </p:stCondLst>
+                            <p:childTnLst>
+                              <p:par>
+                                <p:cTn id="21" presetID="1" presetClass="entr" presetSubtype="0" fill="hold" grpId="0" nodeType="clickEffect">
+                                  <p:stCondLst>
+                                    <p:cond delay="0"/>
+                                  </p:stCondLst>
+                                  <p:childTnLst>
+                                    <p:set>
+                                      <p:cBhvr>
+                                        <p:cTn id="22" dur="1" fill="hold">
+                                          <p:stCondLst>
+                                            <p:cond delay="0"/>
+                                          </p:stCondLst>
+                                        </p:cTn>
+                                        <p:tgtEl>
+                                          <p:spTgt spid="7"/>
+                                        </p:tgtEl>
+                                        <p:attrNameLst>
+                                          <p:attrName>style.visibility</p:attrName>
+                                        </p:attrNameLst>
+                                      </p:cBhvr>
+                                      <p:to>
+                                        <p:strVal val="visible"/>
+                                      </p:to>
+                                    </p:set>
+                                  </p:childTnLst>
+                                </p:cTn>
+                              </p:par>
+                            </p:childTnLst>
+                          </p:cTn>
+                        </p:par>
+                      </p:childTnLst>
+                    </p:cTn>
+                  </p:par>
+                </p:childTnLst>
+              </p:cTn>
+              <p:prevCondLst>
+                <p:cond evt="onPrev" delay="0">
+                  <p:tgtEl>
+                    <p:sldTgt/>
+                  </p:tgtEl>
+                </p:cond>
+              </p:prevCondLst>
+              <p:nextCondLst>
+                <p:cond evt="onNext" delay="0">
+                  <p:tgtEl>
+                    <p:sldTgt/>
+                  </p:tgtEl>
+                </p:cond>
+              </p:nextCondLst>
+            </p:seq>
+          </p:childTnLst>
+        </p:cTn>
+      </p:par>
+    </p:tnLst>
+    <p:bldLst>
+      <p:bldP spid="3" grpId="0" build="p"/>
+      <p:bldP spid="4" grpId="0" uiExpand="1" build="p"/>
+      <p:bldP spid="5" grpId="0"/>
+      <p:bldP spid="6" grpId="0"/>
+      <p:bldP spid="7" grpId="0"/>
+    </p:bldLst>
+  </p:timing>
+</p:sld>
+</file>
+
+<file path=ppt/slides/slide7.xml><?xml version="1.0" encoding="utf-8"?>
+<p:sld xmlns:a="http://schemas.openxmlformats.org/drawingml/2006/main" xmlns:r="http://schemas.openxmlformats.org/officeDocument/2006/relationships" xmlns:p="http://schemas.openxmlformats.org/presentationml/2006/main">
+  <p:cSld>
+    <p:spTree>
+      <p:nvGrpSpPr>
+        <p:cNvPr id="1" name=""/>
+        <p:cNvGrpSpPr/>
+        <p:nvPr/>
+      </p:nvGrpSpPr>
+      <p:grpSpPr>
+        <a:xfrm>
+          <a:off x="0" y="0"/>
+          <a:ext cx="0" cy="0"/>
+          <a:chOff x="0" y="0"/>
+          <a:chExt cx="0" cy="0"/>
+        </a:xfrm>
+      </p:grpSpPr>
+      <p:sp>
+        <p:nvSpPr>
+          <p:cNvPr id="2" name="Titel 1">
+            <a:extLst>
+              <a:ext uri="{FF2B5EF4-FFF2-40B4-BE49-F238E27FC236}">
+                <a16:creationId xmlns:a16="http://schemas.microsoft.com/office/drawing/2014/main" id="{26D56270-1C1B-4B1E-BC4F-ACC759B672F7}"/>
+              </a:ext>
+            </a:extLst>
+          </p:cNvPr>
+          <p:cNvSpPr>
+            <a:spLocks noGrp="1"/>
+          </p:cNvSpPr>
+          <p:nvPr>
+            <p:ph type="title"/>
+          </p:nvPr>
+        </p:nvSpPr>
+        <p:spPr>
+          <a:xfrm>
+            <a:off x="838200" y="365125"/>
+            <a:ext cx="10515600" cy="1325563"/>
+          </a:xfrm>
+        </p:spPr>
+        <p:txBody>
+          <a:bodyPr/>
+          <a:lstStyle/>
+          <a:p>
+            <a:r>
+              <a:rPr lang="nl-NL" dirty="0" err="1"/>
+              <a:t>Results</a:t>
+            </a:r>
+            <a:r>
+              <a:rPr lang="nl-NL" dirty="0"/>
+              <a:t> – Data </a:t>
+            </a:r>
+            <a:br>
+              <a:rPr lang="nl-NL" dirty="0"/>
+            </a:br>
+            <a:r>
+              <a:rPr lang="nl-NL" dirty="0" err="1"/>
+              <a:t>structure</a:t>
+            </a:r>
+            <a:endParaRPr lang="en-GB" dirty="0"/>
+          </a:p>
+        </p:txBody>
+      </p:sp>
+      <p:sp>
+        <p:nvSpPr>
+          <p:cNvPr id="3" name="Tijdelijke aanduiding voor inhoud 2">
+            <a:extLst>
+              <a:ext uri="{FF2B5EF4-FFF2-40B4-BE49-F238E27FC236}">
+                <a16:creationId xmlns:a16="http://schemas.microsoft.com/office/drawing/2014/main" id="{938874C9-2E1B-4E00-9D04-38873D0AC371}"/>
+              </a:ext>
+            </a:extLst>
+          </p:cNvPr>
+          <p:cNvSpPr>
+            <a:spLocks noGrp="1"/>
+          </p:cNvSpPr>
+          <p:nvPr>
+            <p:ph sz="half" idx="1"/>
+          </p:nvPr>
+        </p:nvSpPr>
+        <p:spPr>
+          <a:xfrm>
+            <a:off x="838200" y="2412693"/>
+            <a:ext cx="3370243" cy="3764269"/>
+          </a:xfrm>
+        </p:spPr>
+        <p:txBody>
+          <a:bodyPr>
+            <a:normAutofit/>
+          </a:bodyPr>
+          <a:lstStyle/>
+          <a:p>
+            <a:r>
+              <a:rPr lang="nl-NL" sz="2400" dirty="0"/>
+              <a:t>L: </a:t>
+            </a:r>
+            <a:r>
+              <a:rPr lang="nl-NL" sz="2400" dirty="0" err="1"/>
+              <a:t>length</a:t>
+            </a:r>
+            <a:r>
+              <a:rPr lang="nl-NL" sz="2400" dirty="0"/>
+              <a:t> of </a:t>
+            </a:r>
+            <a:r>
+              <a:rPr lang="nl-NL" sz="2400" dirty="0" err="1"/>
+              <a:t>protein</a:t>
+            </a:r>
+            <a:endParaRPr lang="nl-NL" sz="2400" dirty="0"/>
+          </a:p>
+          <a:p>
+            <a:r>
+              <a:rPr lang="nl-NL" sz="2400" dirty="0"/>
+              <a:t>N: </a:t>
+            </a:r>
+            <a:r>
+              <a:rPr lang="nl-NL" sz="2400" dirty="0" err="1"/>
+              <a:t>number</a:t>
+            </a:r>
+            <a:r>
+              <a:rPr lang="nl-NL" sz="2400" dirty="0"/>
+              <a:t> of </a:t>
+            </a:r>
+            <a:r>
+              <a:rPr lang="nl-NL" sz="2400" dirty="0" err="1"/>
+              <a:t>iterations</a:t>
+            </a:r>
+            <a:endParaRPr lang="nl-NL" sz="2400" dirty="0"/>
+          </a:p>
+          <a:p>
+            <a:endParaRPr lang="nl-NL" sz="2400" dirty="0"/>
+          </a:p>
+        </p:txBody>
+      </p:sp>
+      <p:pic>
+        <p:nvPicPr>
+          <p:cNvPr id="5" name="Tijdelijke aanduiding voor inhoud 4">
+            <a:extLst>
+              <a:ext uri="{FF2B5EF4-FFF2-40B4-BE49-F238E27FC236}">
+                <a16:creationId xmlns:a16="http://schemas.microsoft.com/office/drawing/2014/main" id="{936E018E-90A8-44A9-B921-A228CBB1098D}"/>
+              </a:ext>
+            </a:extLst>
+          </p:cNvPr>
+          <p:cNvPicPr>
+            <a:picLocks noGrp="1" noChangeAspect="1"/>
+          </p:cNvPicPr>
+          <p:nvPr>
+            <p:ph sz="half" idx="2"/>
+          </p:nvPr>
+        </p:nvPicPr>
+        <p:blipFill>
+          <a:blip r:embed="rId2"/>
+          <a:stretch>
+            <a:fillRect/>
+          </a:stretch>
+        </p:blipFill>
+        <p:spPr>
+          <a:xfrm>
+            <a:off x="4549967" y="484743"/>
+            <a:ext cx="7095504" cy="6008132"/>
+          </a:xfrm>
+          <a:prstGeom prst="rect">
+            <a:avLst/>
+          </a:prstGeom>
+        </p:spPr>
+      </p:pic>
+    </p:spTree>
+    <p:extLst>
+      <p:ext uri="{BB962C8B-B14F-4D97-AF65-F5344CB8AC3E}">
+        <p14:creationId xmlns:p14="http://schemas.microsoft.com/office/powerpoint/2010/main" val="163970808"/>
+      </p:ext>
+    </p:extLst>
+  </p:cSld>
+  <p:clrMapOvr>
+    <a:masterClrMapping/>
+  </p:clrMapOvr>
+</p:sld>
+</file>
+
+<file path=ppt/slides/slide8.xml><?xml version="1.0" encoding="utf-8"?>
+<p:sld xmlns:a="http://schemas.openxmlformats.org/drawingml/2006/main" xmlns:r="http://schemas.openxmlformats.org/officeDocument/2006/relationships" xmlns:p="http://schemas.openxmlformats.org/presentationml/2006/main">
+  <p:cSld>
+    <p:spTree>
+      <p:nvGrpSpPr>
+        <p:cNvPr id="1" name=""/>
+        <p:cNvGrpSpPr/>
+        <p:nvPr/>
+      </p:nvGrpSpPr>
+      <p:grpSpPr>
+        <a:xfrm>
+          <a:off x="0" y="0"/>
+          <a:ext cx="0" cy="0"/>
+          <a:chOff x="0" y="0"/>
+          <a:chExt cx="0" cy="0"/>
+        </a:xfrm>
+      </p:grpSpPr>
+      <p:sp>
+        <p:nvSpPr>
+          <p:cNvPr id="2" name="Titel 1">
+            <a:extLst>
+              <a:ext uri="{FF2B5EF4-FFF2-40B4-BE49-F238E27FC236}">
+                <a16:creationId xmlns:a16="http://schemas.microsoft.com/office/drawing/2014/main" id="{5C770520-98CE-4CE6-ACD0-072593328459}"/>
+              </a:ext>
+            </a:extLst>
+          </p:cNvPr>
+          <p:cNvSpPr>
+            <a:spLocks noGrp="1"/>
+          </p:cNvSpPr>
+          <p:nvPr>
+            <p:ph type="title"/>
+          </p:nvPr>
+        </p:nvSpPr>
+        <p:spPr/>
+        <p:txBody>
+          <a:bodyPr>
+            <a:normAutofit fontScale="90000"/>
+          </a:bodyPr>
+          <a:lstStyle/>
+          <a:p>
+            <a:r>
+              <a:rPr lang="nl-NL" dirty="0" err="1"/>
+              <a:t>Results</a:t>
+            </a:r>
+            <a:r>
+              <a:rPr lang="nl-NL" dirty="0"/>
+              <a:t> – </a:t>
+            </a:r>
+            <a:r>
+              <a:rPr lang="nl-NL" dirty="0" err="1"/>
+              <a:t>Size</a:t>
+            </a:r>
+            <a:r>
+              <a:rPr lang="nl-NL" dirty="0"/>
+              <a:t> </a:t>
+            </a:r>
+            <a:br>
+              <a:rPr lang="nl-NL" dirty="0"/>
+            </a:br>
+            <a:r>
+              <a:rPr lang="nl-NL" dirty="0" err="1"/>
+              <a:t>restricted</a:t>
+            </a:r>
+            <a:r>
+              <a:rPr lang="nl-NL" dirty="0"/>
+              <a:t> </a:t>
+            </a:r>
+            <a:br>
+              <a:rPr lang="nl-NL" dirty="0"/>
+            </a:br>
+            <a:r>
+              <a:rPr lang="nl-NL" dirty="0" err="1"/>
+              <a:t>configuration</a:t>
+            </a:r>
+            <a:r>
+              <a:rPr lang="nl-NL" dirty="0"/>
+              <a:t> </a:t>
+            </a:r>
+            <a:endParaRPr lang="en-GB" dirty="0"/>
+          </a:p>
+        </p:txBody>
+      </p:sp>
+      <p:sp>
+        <p:nvSpPr>
+          <p:cNvPr id="3" name="Tijdelijke aanduiding voor inhoud 2">
+            <a:extLst>
+              <a:ext uri="{FF2B5EF4-FFF2-40B4-BE49-F238E27FC236}">
+                <a16:creationId xmlns:a16="http://schemas.microsoft.com/office/drawing/2014/main" id="{42690F7B-EA12-4F0D-B938-C55DD64D10DF}"/>
+              </a:ext>
+            </a:extLst>
+          </p:cNvPr>
+          <p:cNvSpPr>
+            <a:spLocks noGrp="1"/>
+          </p:cNvSpPr>
+          <p:nvPr>
+            <p:ph sz="half" idx="1"/>
+          </p:nvPr>
+        </p:nvSpPr>
+        <p:spPr>
+          <a:xfrm>
+            <a:off x="838200" y="2379643"/>
+            <a:ext cx="3525253" cy="3797320"/>
+          </a:xfrm>
+        </p:spPr>
+        <p:txBody>
+          <a:bodyPr>
+            <a:normAutofit fontScale="92500" lnSpcReduction="10000"/>
+          </a:bodyPr>
+          <a:lstStyle/>
+          <a:p>
+            <a:r>
+              <a:rPr lang="nl-NL" dirty="0"/>
+              <a:t>S: </a:t>
+            </a:r>
+            <a:r>
+              <a:rPr lang="nl-NL" dirty="0" err="1"/>
+              <a:t>wanted</a:t>
+            </a:r>
+            <a:r>
+              <a:rPr lang="nl-NL" dirty="0"/>
+              <a:t> </a:t>
+            </a:r>
+            <a:r>
+              <a:rPr lang="nl-NL" dirty="0" err="1"/>
+              <a:t>stability</a:t>
+            </a:r>
+            <a:endParaRPr lang="nl-NL" dirty="0"/>
+          </a:p>
+          <a:p>
+            <a:r>
+              <a:rPr lang="nl-NL" dirty="0"/>
+              <a:t>D: </a:t>
+            </a:r>
+            <a:r>
+              <a:rPr lang="nl-NL" dirty="0" err="1"/>
+              <a:t>dimension</a:t>
+            </a:r>
+            <a:r>
+              <a:rPr lang="nl-NL" dirty="0"/>
+              <a:t> of matrix</a:t>
+            </a:r>
+          </a:p>
+          <a:p>
+            <a:r>
+              <a:rPr lang="nl-NL" dirty="0"/>
+              <a:t>L: </a:t>
+            </a:r>
+            <a:r>
+              <a:rPr lang="nl-NL" dirty="0" err="1"/>
+              <a:t>length</a:t>
+            </a:r>
+            <a:r>
+              <a:rPr lang="nl-NL" dirty="0"/>
+              <a:t> of </a:t>
+            </a:r>
+            <a:r>
+              <a:rPr lang="nl-NL" dirty="0" err="1"/>
+              <a:t>protein</a:t>
+            </a:r>
+            <a:endParaRPr lang="nl-NL" dirty="0"/>
+          </a:p>
+          <a:p>
+            <a:endParaRPr lang="nl-NL" dirty="0"/>
+          </a:p>
+          <a:p>
+            <a:r>
+              <a:rPr lang="nl-NL" dirty="0"/>
+              <a:t>String 1 (L=14):</a:t>
+            </a:r>
+            <a:br>
+              <a:rPr lang="nl-NL" dirty="0"/>
+            </a:br>
+            <a:r>
+              <a:rPr lang="nl-NL" sz="2000" dirty="0"/>
+              <a:t>HHPHHHPHPHHHPH</a:t>
+            </a:r>
+          </a:p>
+          <a:p>
+            <a:r>
+              <a:rPr lang="en-GB" dirty="0"/>
+              <a:t>String 2 (L=20):</a:t>
+            </a:r>
+            <a:br>
+              <a:rPr lang="en-GB" dirty="0"/>
+            </a:br>
+            <a:r>
+              <a:rPr lang="en-GB" sz="2000" dirty="0"/>
+              <a:t>HPHPPHHPHPPHPHHPPHPH</a:t>
+            </a:r>
+          </a:p>
+          <a:p>
+            <a:r>
+              <a:rPr lang="en-GB" dirty="0"/>
+              <a:t>String 3 (L=36):</a:t>
+            </a:r>
+            <a:br>
+              <a:rPr lang="en-GB" sz="3200" dirty="0"/>
+            </a:br>
+            <a:r>
+              <a:rPr lang="en-GB" sz="1200" dirty="0"/>
+              <a:t>PPPHHPPHHPPPPPHHHHHHHPPHHPPPPHHPPHPP</a:t>
+            </a:r>
+            <a:endParaRPr lang="en-GB" dirty="0"/>
+          </a:p>
+        </p:txBody>
+      </p:sp>
+      <p:pic>
+        <p:nvPicPr>
+          <p:cNvPr id="9" name="Tijdelijke aanduiding voor inhoud 8">
+            <a:extLst>
+              <a:ext uri="{FF2B5EF4-FFF2-40B4-BE49-F238E27FC236}">
+                <a16:creationId xmlns:a16="http://schemas.microsoft.com/office/drawing/2014/main" id="{F08D6B3F-5E78-495C-B677-CF06845219FA}"/>
+              </a:ext>
+            </a:extLst>
+          </p:cNvPr>
+          <p:cNvPicPr>
+            <a:picLocks noGrp="1" noChangeAspect="1"/>
+          </p:cNvPicPr>
+          <p:nvPr>
+            <p:ph sz="half" idx="2"/>
+          </p:nvPr>
+        </p:nvPicPr>
+        <p:blipFill>
+          <a:blip r:embed="rId2"/>
+          <a:stretch>
+            <a:fillRect/>
+          </a:stretch>
+        </p:blipFill>
+        <p:spPr>
+          <a:xfrm>
+            <a:off x="4759297" y="566365"/>
+            <a:ext cx="6921920" cy="5725270"/>
+          </a:xfrm>
+          <a:prstGeom prst="rect">
+            <a:avLst/>
+          </a:prstGeom>
+        </p:spPr>
+      </p:pic>
+    </p:spTree>
+    <p:extLst>
+      <p:ext uri="{BB962C8B-B14F-4D97-AF65-F5344CB8AC3E}">
+        <p14:creationId xmlns:p14="http://schemas.microsoft.com/office/powerpoint/2010/main" val="1096537137"/>
+      </p:ext>
+    </p:extLst>
+  </p:cSld>
+  <p:clrMapOvr>
+    <a:masterClrMapping/>
+  </p:clrMapOvr>
+</p:sld>
+</file>
+
+<file path=ppt/slides/slide9.xml><?xml version="1.0" encoding="utf-8"?>
 <p:sld xmlns:a="http://schemas.openxmlformats.org/drawingml/2006/main" xmlns:r="http://schemas.openxmlformats.org/officeDocument/2006/relationships" xmlns:p="http://schemas.openxmlformats.org/presentationml/2006/main">
   <p:cSld>
     <p:spTree>
@@ -4919,3603 +8200,6 @@
       <p:bldP spid="12" grpId="0"/>
     </p:bldLst>
   </p:timing>
-</p:sld>
-</file>
-
-<file path=ppt/slides/slide11.xml><?xml version="1.0" encoding="utf-8"?>
-<p:sld xmlns:a="http://schemas.openxmlformats.org/drawingml/2006/main" xmlns:r="http://schemas.openxmlformats.org/officeDocument/2006/relationships" xmlns:p="http://schemas.openxmlformats.org/presentationml/2006/main">
-  <p:cSld>
-    <p:spTree>
-      <p:nvGrpSpPr>
-        <p:cNvPr id="1" name=""/>
-        <p:cNvGrpSpPr/>
-        <p:nvPr/>
-      </p:nvGrpSpPr>
-      <p:grpSpPr>
-        <a:xfrm>
-          <a:off x="0" y="0"/>
-          <a:ext cx="0" cy="0"/>
-          <a:chOff x="0" y="0"/>
-          <a:chExt cx="0" cy="0"/>
-        </a:xfrm>
-      </p:grpSpPr>
-      <p:sp>
-        <p:nvSpPr>
-          <p:cNvPr id="2" name="Titel 1">
-            <a:extLst>
-              <a:ext uri="{FF2B5EF4-FFF2-40B4-BE49-F238E27FC236}">
-                <a16:creationId xmlns:a16="http://schemas.microsoft.com/office/drawing/2014/main" id="{BDECAEB1-542A-F848-9D2C-B10DFE956AB7}"/>
-              </a:ext>
-            </a:extLst>
-          </p:cNvPr>
-          <p:cNvSpPr>
-            <a:spLocks noGrp="1"/>
-          </p:cNvSpPr>
-          <p:nvPr>
-            <p:ph type="title"/>
-          </p:nvPr>
-        </p:nvSpPr>
-        <p:spPr/>
-        <p:txBody>
-          <a:bodyPr/>
-          <a:lstStyle/>
-          <a:p>
-            <a:r>
-              <a:rPr lang="en-GB" dirty="0"/>
-              <a:t>3. Algorithms</a:t>
-            </a:r>
-          </a:p>
-        </p:txBody>
-      </p:sp>
-      <p:sp>
-        <p:nvSpPr>
-          <p:cNvPr id="3" name="Tijdelijke aanduiding voor inhoud 2">
-            <a:extLst>
-              <a:ext uri="{FF2B5EF4-FFF2-40B4-BE49-F238E27FC236}">
-                <a16:creationId xmlns:a16="http://schemas.microsoft.com/office/drawing/2014/main" id="{6B57B016-94D5-F646-9976-362E7188E1F0}"/>
-              </a:ext>
-            </a:extLst>
-          </p:cNvPr>
-          <p:cNvSpPr>
-            <a:spLocks noGrp="1"/>
-          </p:cNvSpPr>
-          <p:nvPr>
-            <p:ph sz="half" idx="1"/>
-          </p:nvPr>
-        </p:nvSpPr>
-        <p:spPr/>
-        <p:txBody>
-          <a:bodyPr/>
-          <a:lstStyle/>
-          <a:p>
-            <a:r>
-              <a:rPr lang="en-GB" dirty="0"/>
-              <a:t>Suboptimal results:</a:t>
-            </a:r>
-          </a:p>
-          <a:p>
-            <a:pPr lvl="1"/>
-            <a:r>
-              <a:rPr lang="en-GB" dirty="0"/>
-              <a:t>Random</a:t>
-            </a:r>
-          </a:p>
-          <a:p>
-            <a:pPr lvl="1"/>
-            <a:r>
-              <a:rPr lang="en-GB" dirty="0"/>
-              <a:t>Greedy</a:t>
-            </a:r>
-          </a:p>
-        </p:txBody>
-      </p:sp>
-      <p:sp>
-        <p:nvSpPr>
-          <p:cNvPr id="4" name="Tijdelijke aanduiding voor inhoud 3">
-            <a:extLst>
-              <a:ext uri="{FF2B5EF4-FFF2-40B4-BE49-F238E27FC236}">
-                <a16:creationId xmlns:a16="http://schemas.microsoft.com/office/drawing/2014/main" id="{D29CAD77-2AED-E94A-845B-B60D651EF411}"/>
-              </a:ext>
-            </a:extLst>
-          </p:cNvPr>
-          <p:cNvSpPr>
-            <a:spLocks noGrp="1"/>
-          </p:cNvSpPr>
-          <p:nvPr>
-            <p:ph sz="half" idx="2"/>
-          </p:nvPr>
-        </p:nvSpPr>
-        <p:spPr/>
-        <p:txBody>
-          <a:bodyPr/>
-          <a:lstStyle/>
-          <a:p>
-            <a:r>
-              <a:rPr lang="en-GB" dirty="0"/>
-              <a:t>Optimal results</a:t>
-            </a:r>
-          </a:p>
-          <a:p>
-            <a:pPr lvl="1"/>
-            <a:r>
-              <a:rPr lang="en-GB" dirty="0"/>
-              <a:t>Linear algorithm</a:t>
-            </a:r>
-          </a:p>
-          <a:p>
-            <a:pPr lvl="1"/>
-            <a:endParaRPr lang="en-GB" dirty="0"/>
-          </a:p>
-        </p:txBody>
-      </p:sp>
-    </p:spTree>
-    <p:extLst>
-      <p:ext uri="{BB962C8B-B14F-4D97-AF65-F5344CB8AC3E}">
-        <p14:creationId xmlns:p14="http://schemas.microsoft.com/office/powerpoint/2010/main" val="316381079"/>
-      </p:ext>
-    </p:extLst>
-  </p:cSld>
-  <p:clrMapOvr>
-    <a:masterClrMapping/>
-  </p:clrMapOvr>
-</p:sld>
-</file>
-
-<file path=ppt/slides/slide12.xml><?xml version="1.0" encoding="utf-8"?>
-<p:sld xmlns:a="http://schemas.openxmlformats.org/drawingml/2006/main" xmlns:r="http://schemas.openxmlformats.org/officeDocument/2006/relationships" xmlns:p="http://schemas.openxmlformats.org/presentationml/2006/main">
-  <p:cSld>
-    <p:spTree>
-      <p:nvGrpSpPr>
-        <p:cNvPr id="1" name=""/>
-        <p:cNvGrpSpPr/>
-        <p:nvPr/>
-      </p:nvGrpSpPr>
-      <p:grpSpPr>
-        <a:xfrm>
-          <a:off x="0" y="0"/>
-          <a:ext cx="0" cy="0"/>
-          <a:chOff x="0" y="0"/>
-          <a:chExt cx="0" cy="0"/>
-        </a:xfrm>
-      </p:grpSpPr>
-      <p:sp>
-        <p:nvSpPr>
-          <p:cNvPr id="2" name="Titel 1">
-            <a:extLst>
-              <a:ext uri="{FF2B5EF4-FFF2-40B4-BE49-F238E27FC236}">
-                <a16:creationId xmlns:a16="http://schemas.microsoft.com/office/drawing/2014/main" id="{048DA664-7B4B-904F-9F8D-5AD398A7E951}"/>
-              </a:ext>
-            </a:extLst>
-          </p:cNvPr>
-          <p:cNvSpPr>
-            <a:spLocks noGrp="1"/>
-          </p:cNvSpPr>
-          <p:nvPr>
-            <p:ph type="title"/>
-          </p:nvPr>
-        </p:nvSpPr>
-        <p:spPr/>
-        <p:txBody>
-          <a:bodyPr/>
-          <a:lstStyle/>
-          <a:p>
-            <a:r>
-              <a:rPr lang="en-GB" dirty="0"/>
-              <a:t>4. Method: Possible algorithms</a:t>
-            </a:r>
-          </a:p>
-        </p:txBody>
-      </p:sp>
-      <p:graphicFrame>
-        <p:nvGraphicFramePr>
-          <p:cNvPr id="4" name="Tijdelijke aanduiding voor inhoud 3">
-            <a:extLst>
-              <a:ext uri="{FF2B5EF4-FFF2-40B4-BE49-F238E27FC236}">
-                <a16:creationId xmlns:a16="http://schemas.microsoft.com/office/drawing/2014/main" id="{A99AE717-0713-1642-BF68-3759AE9FEC44}"/>
-              </a:ext>
-            </a:extLst>
-          </p:cNvPr>
-          <p:cNvGraphicFramePr>
-            <a:graphicFrameLocks noGrp="1"/>
-          </p:cNvGraphicFramePr>
-          <p:nvPr>
-            <p:ph sz="half" idx="1"/>
-            <p:extLst>
-              <p:ext uri="{D42A27DB-BD31-4B8C-83A1-F6EECF244321}">
-                <p14:modId xmlns:p14="http://schemas.microsoft.com/office/powerpoint/2010/main" val="1788444708"/>
-              </p:ext>
-            </p:extLst>
-          </p:nvPr>
-        </p:nvGraphicFramePr>
-        <p:xfrm>
-          <a:off x="838199" y="1825624"/>
-          <a:ext cx="10515600" cy="4346576"/>
-        </p:xfrm>
-        <a:graphic>
-          <a:graphicData uri="http://schemas.openxmlformats.org/drawingml/2006/table">
-            <a:tbl>
-              <a:tblPr firstRow="1" bandRow="1">
-                <a:tableStyleId>{5C22544A-7EE6-4342-B048-85BDC9FD1C3A}</a:tableStyleId>
-              </a:tblPr>
-              <a:tblGrid>
-                <a:gridCol w="1752600">
-                  <a:extLst>
-                    <a:ext uri="{9D8B030D-6E8A-4147-A177-3AD203B41FA5}">
-                      <a16:colId xmlns:a16="http://schemas.microsoft.com/office/drawing/2014/main" val="3498264961"/>
-                    </a:ext>
-                  </a:extLst>
-                </a:gridCol>
-                <a:gridCol w="1752600">
-                  <a:extLst>
-                    <a:ext uri="{9D8B030D-6E8A-4147-A177-3AD203B41FA5}">
-                      <a16:colId xmlns:a16="http://schemas.microsoft.com/office/drawing/2014/main" val="4197057412"/>
-                    </a:ext>
-                  </a:extLst>
-                </a:gridCol>
-                <a:gridCol w="1752600">
-                  <a:extLst>
-                    <a:ext uri="{9D8B030D-6E8A-4147-A177-3AD203B41FA5}">
-                      <a16:colId xmlns:a16="http://schemas.microsoft.com/office/drawing/2014/main" val="3755094875"/>
-                    </a:ext>
-                  </a:extLst>
-                </a:gridCol>
-                <a:gridCol w="1752600">
-                  <a:extLst>
-                    <a:ext uri="{9D8B030D-6E8A-4147-A177-3AD203B41FA5}">
-                      <a16:colId xmlns:a16="http://schemas.microsoft.com/office/drawing/2014/main" val="3007925308"/>
-                    </a:ext>
-                  </a:extLst>
-                </a:gridCol>
-                <a:gridCol w="1752600">
-                  <a:extLst>
-                    <a:ext uri="{9D8B030D-6E8A-4147-A177-3AD203B41FA5}">
-                      <a16:colId xmlns:a16="http://schemas.microsoft.com/office/drawing/2014/main" val="804067653"/>
-                    </a:ext>
-                  </a:extLst>
-                </a:gridCol>
-                <a:gridCol w="1752600">
-                  <a:extLst>
-                    <a:ext uri="{9D8B030D-6E8A-4147-A177-3AD203B41FA5}">
-                      <a16:colId xmlns:a16="http://schemas.microsoft.com/office/drawing/2014/main" val="4294553547"/>
-                    </a:ext>
-                  </a:extLst>
-                </a:gridCol>
-              </a:tblGrid>
-              <a:tr h="1310212">
-                <a:tc>
-                  <a:txBody>
-                    <a:bodyPr/>
-                    <a:lstStyle/>
-                    <a:p>
-                      <a:r>
-                        <a:rPr lang="en-GB" dirty="0"/>
-                        <a:t>Name</a:t>
-                      </a:r>
-                    </a:p>
-                  </a:txBody>
-                  <a:tcPr/>
-                </a:tc>
-                <a:tc>
-                  <a:txBody>
-                    <a:bodyPr/>
-                    <a:lstStyle/>
-                    <a:p>
-                      <a:r>
-                        <a:rPr lang="en-GB" dirty="0"/>
-                        <a:t>Result</a:t>
-                      </a:r>
-                    </a:p>
-                  </a:txBody>
-                  <a:tcPr/>
-                </a:tc>
-                <a:tc>
-                  <a:txBody>
-                    <a:bodyPr/>
-                    <a:lstStyle/>
-                    <a:p>
-                      <a:pPr marL="0" marR="0" lvl="0" indent="0" algn="l" defTabSz="914400" rtl="0" eaLnBrk="1" fontAlgn="auto" latinLnBrk="0" hangingPunct="1">
-                        <a:lnSpc>
-                          <a:spcPct val="100000"/>
-                        </a:lnSpc>
-                        <a:spcBef>
-                          <a:spcPts val="0"/>
-                        </a:spcBef>
-                        <a:spcAft>
-                          <a:spcPts val="0"/>
-                        </a:spcAft>
-                        <a:buClrTx/>
-                        <a:buSzTx/>
-                        <a:buFontTx/>
-                        <a:buNone/>
-                        <a:tabLst/>
-                        <a:defRPr/>
-                      </a:pPr>
-                      <a:r>
-                        <a:rPr lang="nl-NL" dirty="0"/>
-                        <a:t>Method</a:t>
-                      </a:r>
-                      <a:endParaRPr lang="en-GB" dirty="0"/>
-                    </a:p>
-                  </a:txBody>
-                  <a:tcPr/>
-                </a:tc>
-                <a:tc>
-                  <a:txBody>
-                    <a:bodyPr/>
-                    <a:lstStyle/>
-                    <a:p>
-                      <a:pPr marL="0" marR="0" lvl="0" indent="0" algn="l" defTabSz="914400" rtl="0" eaLnBrk="1" fontAlgn="auto" latinLnBrk="0" hangingPunct="1">
-                        <a:lnSpc>
-                          <a:spcPct val="100000"/>
-                        </a:lnSpc>
-                        <a:spcBef>
-                          <a:spcPts val="0"/>
-                        </a:spcBef>
-                        <a:spcAft>
-                          <a:spcPts val="0"/>
-                        </a:spcAft>
-                        <a:buClrTx/>
-                        <a:buSzTx/>
-                        <a:buFontTx/>
-                        <a:buNone/>
-                        <a:tabLst/>
-                        <a:defRPr/>
-                      </a:pPr>
-                      <a:r>
-                        <a:rPr lang="el-GR" dirty="0"/>
-                        <a:t>Ω</a:t>
-                      </a:r>
-                      <a:r>
-                        <a:rPr lang="nl-NL" dirty="0"/>
-                        <a:t> (Best Case)</a:t>
-                      </a:r>
-                      <a:endParaRPr lang="en-GB" dirty="0"/>
-                    </a:p>
-                  </a:txBody>
-                  <a:tcPr/>
-                </a:tc>
-                <a:tc>
-                  <a:txBody>
-                    <a:bodyPr/>
-                    <a:lstStyle/>
-                    <a:p>
-                      <a:r>
-                        <a:rPr lang="en-GB" dirty="0"/>
-                        <a:t>Runtime (1000 iterations) </a:t>
-                      </a:r>
-                      <a:r>
-                        <a:rPr lang="en-GB" dirty="0" err="1"/>
-                        <a:t>Dict</a:t>
-                      </a:r>
-                      <a:endParaRPr lang="en-GB" dirty="0"/>
-                    </a:p>
-                  </a:txBody>
-                  <a:tcPr/>
-                </a:tc>
-                <a:tc>
-                  <a:txBody>
-                    <a:bodyPr/>
-                    <a:lstStyle/>
-                    <a:p>
-                      <a:r>
-                        <a:rPr lang="en-GB" dirty="0"/>
-                        <a:t>Runtime (1000 iterations) Matrix</a:t>
-                      </a:r>
-                    </a:p>
-                  </a:txBody>
-                  <a:tcPr/>
-                </a:tc>
-                <a:extLst>
-                  <a:ext uri="{0D108BD9-81ED-4DB2-BD59-A6C34878D82A}">
-                    <a16:rowId xmlns:a16="http://schemas.microsoft.com/office/drawing/2014/main" val="2410651011"/>
-                  </a:ext>
-                </a:extLst>
-              </a:tr>
-              <a:tr h="759091">
-                <a:tc>
-                  <a:txBody>
-                    <a:bodyPr/>
-                    <a:lstStyle/>
-                    <a:p>
-                      <a:r>
-                        <a:rPr lang="en-GB" dirty="0"/>
-                        <a:t>Random</a:t>
-                      </a:r>
-                    </a:p>
-                  </a:txBody>
-                  <a:tcPr/>
-                </a:tc>
-                <a:tc>
-                  <a:txBody>
-                    <a:bodyPr/>
-                    <a:lstStyle/>
-                    <a:p>
-                      <a:r>
-                        <a:rPr lang="en-GB" dirty="0"/>
-                        <a:t>Sub-optimal</a:t>
-                      </a:r>
-                    </a:p>
-                  </a:txBody>
-                  <a:tcPr/>
-                </a:tc>
-                <a:tc>
-                  <a:txBody>
-                    <a:bodyPr/>
-                    <a:lstStyle/>
-                    <a:p>
-                      <a:r>
-                        <a:rPr lang="en-GB" dirty="0"/>
-                        <a:t>Constructive</a:t>
-                      </a:r>
-                    </a:p>
-                  </a:txBody>
-                  <a:tcPr/>
-                </a:tc>
-                <a:tc>
-                  <a:txBody>
-                    <a:bodyPr/>
-                    <a:lstStyle/>
-                    <a:p>
-                      <a:endParaRPr lang="en-GB" dirty="0"/>
-                    </a:p>
-                  </a:txBody>
-                  <a:tcPr/>
-                </a:tc>
-                <a:tc>
-                  <a:txBody>
-                    <a:bodyPr/>
-                    <a:lstStyle/>
-                    <a:p>
-                      <a:endParaRPr lang="en-GB" dirty="0"/>
-                    </a:p>
-                  </a:txBody>
-                  <a:tcPr/>
-                </a:tc>
-                <a:tc>
-                  <a:txBody>
-                    <a:bodyPr/>
-                    <a:lstStyle/>
-                    <a:p>
-                      <a:endParaRPr lang="en-GB" dirty="0"/>
-                    </a:p>
-                  </a:txBody>
-                  <a:tcPr/>
-                </a:tc>
-                <a:extLst>
-                  <a:ext uri="{0D108BD9-81ED-4DB2-BD59-A6C34878D82A}">
-                    <a16:rowId xmlns:a16="http://schemas.microsoft.com/office/drawing/2014/main" val="1634554122"/>
-                  </a:ext>
-                </a:extLst>
-              </a:tr>
-              <a:tr h="759091">
-                <a:tc>
-                  <a:txBody>
-                    <a:bodyPr/>
-                    <a:lstStyle/>
-                    <a:p>
-                      <a:r>
-                        <a:rPr lang="en-GB" dirty="0"/>
-                        <a:t>Greedy</a:t>
-                      </a:r>
-                    </a:p>
-                  </a:txBody>
-                  <a:tcPr/>
-                </a:tc>
-                <a:tc>
-                  <a:txBody>
-                    <a:bodyPr/>
-                    <a:lstStyle/>
-                    <a:p>
-                      <a:r>
-                        <a:rPr lang="en-GB" dirty="0"/>
-                        <a:t>Sub-optimal+</a:t>
-                      </a:r>
-                    </a:p>
-                  </a:txBody>
-                  <a:tcPr/>
-                </a:tc>
-                <a:tc>
-                  <a:txBody>
-                    <a:bodyPr/>
-                    <a:lstStyle/>
-                    <a:p>
-                      <a:r>
-                        <a:rPr lang="en-GB" dirty="0"/>
-                        <a:t>Constructive</a:t>
-                      </a:r>
-                    </a:p>
-                  </a:txBody>
-                  <a:tcPr/>
-                </a:tc>
-                <a:tc>
-                  <a:txBody>
-                    <a:bodyPr/>
-                    <a:lstStyle/>
-                    <a:p>
-                      <a:endParaRPr lang="en-GB" dirty="0"/>
-                    </a:p>
-                  </a:txBody>
-                  <a:tcPr/>
-                </a:tc>
-                <a:tc>
-                  <a:txBody>
-                    <a:bodyPr/>
-                    <a:lstStyle/>
-                    <a:p>
-                      <a:endParaRPr lang="en-GB" dirty="0"/>
-                    </a:p>
-                  </a:txBody>
-                  <a:tcPr/>
-                </a:tc>
-                <a:tc>
-                  <a:txBody>
-                    <a:bodyPr/>
-                    <a:lstStyle/>
-                    <a:p>
-                      <a:endParaRPr lang="en-GB" dirty="0"/>
-                    </a:p>
-                  </a:txBody>
-                  <a:tcPr/>
-                </a:tc>
-                <a:extLst>
-                  <a:ext uri="{0D108BD9-81ED-4DB2-BD59-A6C34878D82A}">
-                    <a16:rowId xmlns:a16="http://schemas.microsoft.com/office/drawing/2014/main" val="2093889383"/>
-                  </a:ext>
-                </a:extLst>
-              </a:tr>
-              <a:tr h="759091">
-                <a:tc>
-                  <a:txBody>
-                    <a:bodyPr/>
-                    <a:lstStyle/>
-                    <a:p>
-                      <a:r>
-                        <a:rPr lang="en-GB" dirty="0" err="1"/>
-                        <a:t>Lineair</a:t>
-                      </a:r>
-                      <a:endParaRPr lang="en-GB" dirty="0"/>
-                    </a:p>
-                  </a:txBody>
-                  <a:tcPr/>
-                </a:tc>
-                <a:tc>
-                  <a:txBody>
-                    <a:bodyPr/>
-                    <a:lstStyle/>
-                    <a:p>
-                      <a:r>
-                        <a:rPr lang="en-GB" dirty="0"/>
-                        <a:t>Optimal</a:t>
-                      </a:r>
-                    </a:p>
-                  </a:txBody>
-                  <a:tcPr/>
-                </a:tc>
-                <a:tc>
-                  <a:txBody>
-                    <a:bodyPr/>
-                    <a:lstStyle/>
-                    <a:p>
-                      <a:r>
-                        <a:rPr lang="en-GB" dirty="0"/>
-                        <a:t>Constructive</a:t>
-                      </a:r>
-                    </a:p>
-                  </a:txBody>
-                  <a:tcPr/>
-                </a:tc>
-                <a:tc>
-                  <a:txBody>
-                    <a:bodyPr/>
-                    <a:lstStyle/>
-                    <a:p>
-                      <a:endParaRPr lang="en-GB" dirty="0"/>
-                    </a:p>
-                  </a:txBody>
-                  <a:tcPr/>
-                </a:tc>
-                <a:tc>
-                  <a:txBody>
-                    <a:bodyPr/>
-                    <a:lstStyle/>
-                    <a:p>
-                      <a:endParaRPr lang="en-GB" dirty="0"/>
-                    </a:p>
-                  </a:txBody>
-                  <a:tcPr/>
-                </a:tc>
-                <a:tc>
-                  <a:txBody>
-                    <a:bodyPr/>
-                    <a:lstStyle/>
-                    <a:p>
-                      <a:endParaRPr lang="en-GB" dirty="0"/>
-                    </a:p>
-                  </a:txBody>
-                  <a:tcPr/>
-                </a:tc>
-                <a:extLst>
-                  <a:ext uri="{0D108BD9-81ED-4DB2-BD59-A6C34878D82A}">
-                    <a16:rowId xmlns:a16="http://schemas.microsoft.com/office/drawing/2014/main" val="2023286041"/>
-                  </a:ext>
-                </a:extLst>
-              </a:tr>
-              <a:tr h="759091">
-                <a:tc>
-                  <a:txBody>
-                    <a:bodyPr/>
-                    <a:lstStyle/>
-                    <a:p>
-                      <a:r>
-                        <a:rPr lang="en-GB" dirty="0"/>
-                        <a:t>Future </a:t>
-                      </a:r>
-                    </a:p>
-                  </a:txBody>
-                  <a:tcPr/>
-                </a:tc>
-                <a:tc>
-                  <a:txBody>
-                    <a:bodyPr/>
-                    <a:lstStyle/>
-                    <a:p>
-                      <a:r>
-                        <a:rPr lang="en-GB" dirty="0"/>
-                        <a:t>-</a:t>
-                      </a:r>
-                    </a:p>
-                  </a:txBody>
-                  <a:tcPr/>
-                </a:tc>
-                <a:tc>
-                  <a:txBody>
-                    <a:bodyPr/>
-                    <a:lstStyle/>
-                    <a:p>
-                      <a:r>
-                        <a:rPr lang="en-GB" dirty="0"/>
-                        <a:t>-</a:t>
-                      </a:r>
-                    </a:p>
-                  </a:txBody>
-                  <a:tcPr/>
-                </a:tc>
-                <a:tc>
-                  <a:txBody>
-                    <a:bodyPr/>
-                    <a:lstStyle/>
-                    <a:p>
-                      <a:endParaRPr lang="en-GB" dirty="0"/>
-                    </a:p>
-                  </a:txBody>
-                  <a:tcPr/>
-                </a:tc>
-                <a:tc>
-                  <a:txBody>
-                    <a:bodyPr/>
-                    <a:lstStyle/>
-                    <a:p>
-                      <a:endParaRPr lang="en-GB" dirty="0"/>
-                    </a:p>
-                  </a:txBody>
-                  <a:tcPr/>
-                </a:tc>
-                <a:tc>
-                  <a:txBody>
-                    <a:bodyPr/>
-                    <a:lstStyle/>
-                    <a:p>
-                      <a:endParaRPr lang="en-GB" dirty="0"/>
-                    </a:p>
-                  </a:txBody>
-                  <a:tcPr/>
-                </a:tc>
-                <a:extLst>
-                  <a:ext uri="{0D108BD9-81ED-4DB2-BD59-A6C34878D82A}">
-                    <a16:rowId xmlns:a16="http://schemas.microsoft.com/office/drawing/2014/main" val="207538214"/>
-                  </a:ext>
-                </a:extLst>
-              </a:tr>
-            </a:tbl>
-          </a:graphicData>
-        </a:graphic>
-      </p:graphicFrame>
-    </p:spTree>
-    <p:extLst>
-      <p:ext uri="{BB962C8B-B14F-4D97-AF65-F5344CB8AC3E}">
-        <p14:creationId xmlns:p14="http://schemas.microsoft.com/office/powerpoint/2010/main" val="635308508"/>
-      </p:ext>
-    </p:extLst>
-  </p:cSld>
-  <p:clrMapOvr>
-    <a:masterClrMapping/>
-  </p:clrMapOvr>
-</p:sld>
-</file>
-
-<file path=ppt/slides/slide13.xml><?xml version="1.0" encoding="utf-8"?>
-<p:sld xmlns:a="http://schemas.openxmlformats.org/drawingml/2006/main" xmlns:r="http://schemas.openxmlformats.org/officeDocument/2006/relationships" xmlns:p="http://schemas.openxmlformats.org/presentationml/2006/main">
-  <p:cSld>
-    <p:spTree>
-      <p:nvGrpSpPr>
-        <p:cNvPr id="1" name=""/>
-        <p:cNvGrpSpPr/>
-        <p:nvPr/>
-      </p:nvGrpSpPr>
-      <p:grpSpPr>
-        <a:xfrm>
-          <a:off x="0" y="0"/>
-          <a:ext cx="0" cy="0"/>
-          <a:chOff x="0" y="0"/>
-          <a:chExt cx="0" cy="0"/>
-        </a:xfrm>
-      </p:grpSpPr>
-      <p:sp>
-        <p:nvSpPr>
-          <p:cNvPr id="2" name="Titel 1">
-            <a:extLst>
-              <a:ext uri="{FF2B5EF4-FFF2-40B4-BE49-F238E27FC236}">
-                <a16:creationId xmlns:a16="http://schemas.microsoft.com/office/drawing/2014/main" id="{5174C44D-C4DB-C046-8C22-0504A1BEC542}"/>
-              </a:ext>
-            </a:extLst>
-          </p:cNvPr>
-          <p:cNvSpPr>
-            <a:spLocks noGrp="1"/>
-          </p:cNvSpPr>
-          <p:nvPr>
-            <p:ph type="title"/>
-          </p:nvPr>
-        </p:nvSpPr>
-        <p:spPr/>
-        <p:txBody>
-          <a:bodyPr/>
-          <a:lstStyle/>
-          <a:p>
-            <a:r>
-              <a:rPr lang="en-GB" dirty="0"/>
-              <a:t>Future: </a:t>
-            </a:r>
-          </a:p>
-        </p:txBody>
-      </p:sp>
-      <p:sp>
-        <p:nvSpPr>
-          <p:cNvPr id="3" name="Tijdelijke aanduiding voor inhoud 2">
-            <a:extLst>
-              <a:ext uri="{FF2B5EF4-FFF2-40B4-BE49-F238E27FC236}">
-                <a16:creationId xmlns:a16="http://schemas.microsoft.com/office/drawing/2014/main" id="{E1082D90-0845-5944-814F-31A506E1E0F2}"/>
-              </a:ext>
-            </a:extLst>
-          </p:cNvPr>
-          <p:cNvSpPr>
-            <a:spLocks noGrp="1"/>
-          </p:cNvSpPr>
-          <p:nvPr>
-            <p:ph sz="half" idx="1"/>
-          </p:nvPr>
-        </p:nvSpPr>
-        <p:spPr/>
-        <p:txBody>
-          <a:bodyPr/>
-          <a:lstStyle/>
-          <a:p>
-            <a:r>
-              <a:rPr lang="en-GB" dirty="0" err="1"/>
-              <a:t>Welke</a:t>
-            </a:r>
-            <a:r>
-              <a:rPr lang="en-GB" dirty="0"/>
-              <a:t> </a:t>
-            </a:r>
-            <a:r>
-              <a:rPr lang="en-GB" dirty="0" err="1"/>
-              <a:t>heuristieken</a:t>
-            </a:r>
-            <a:r>
-              <a:rPr lang="en-GB" dirty="0"/>
-              <a:t> </a:t>
-            </a:r>
-            <a:r>
-              <a:rPr lang="en-GB" dirty="0" err="1"/>
-              <a:t>gaan</a:t>
-            </a:r>
-            <a:r>
-              <a:rPr lang="en-GB" dirty="0"/>
-              <a:t> we </a:t>
-            </a:r>
-            <a:r>
-              <a:rPr lang="en-GB" dirty="0" err="1"/>
-              <a:t>komende</a:t>
-            </a:r>
-            <a:r>
-              <a:rPr lang="en-GB" dirty="0"/>
-              <a:t> week </a:t>
-            </a:r>
-            <a:r>
-              <a:rPr lang="en-GB" dirty="0" err="1"/>
-              <a:t>aan</a:t>
-            </a:r>
-            <a:r>
-              <a:rPr lang="en-GB" dirty="0"/>
-              <a:t> </a:t>
-            </a:r>
-            <a:r>
-              <a:rPr lang="en-GB" dirty="0" err="1"/>
-              <a:t>werken</a:t>
-            </a:r>
-            <a:r>
-              <a:rPr lang="en-GB" dirty="0"/>
-              <a:t>.</a:t>
-            </a:r>
-          </a:p>
-          <a:p>
-            <a:endParaRPr lang="en-GB" dirty="0"/>
-          </a:p>
-        </p:txBody>
-      </p:sp>
-      <p:sp>
-        <p:nvSpPr>
-          <p:cNvPr id="4" name="Tijdelijke aanduiding voor inhoud 3">
-            <a:extLst>
-              <a:ext uri="{FF2B5EF4-FFF2-40B4-BE49-F238E27FC236}">
-                <a16:creationId xmlns:a16="http://schemas.microsoft.com/office/drawing/2014/main" id="{7D861EC5-852D-834C-B001-4FF9DDDBC62F}"/>
-              </a:ext>
-            </a:extLst>
-          </p:cNvPr>
-          <p:cNvSpPr>
-            <a:spLocks noGrp="1"/>
-          </p:cNvSpPr>
-          <p:nvPr>
-            <p:ph sz="half" idx="2"/>
-          </p:nvPr>
-        </p:nvSpPr>
-        <p:spPr/>
-        <p:txBody>
-          <a:bodyPr/>
-          <a:lstStyle/>
-          <a:p>
-            <a:endParaRPr lang="en-GB"/>
-          </a:p>
-        </p:txBody>
-      </p:sp>
-    </p:spTree>
-    <p:extLst>
-      <p:ext uri="{BB962C8B-B14F-4D97-AF65-F5344CB8AC3E}">
-        <p14:creationId xmlns:p14="http://schemas.microsoft.com/office/powerpoint/2010/main" val="1963639422"/>
-      </p:ext>
-    </p:extLst>
-  </p:cSld>
-  <p:clrMapOvr>
-    <a:masterClrMapping/>
-  </p:clrMapOvr>
-</p:sld>
-</file>
-
-<file path=ppt/slides/slide14.xml><?xml version="1.0" encoding="utf-8"?>
-<p:sld xmlns:a="http://schemas.openxmlformats.org/drawingml/2006/main" xmlns:r="http://schemas.openxmlformats.org/officeDocument/2006/relationships" xmlns:p="http://schemas.openxmlformats.org/presentationml/2006/main">
-  <p:cSld>
-    <p:spTree>
-      <p:nvGrpSpPr>
-        <p:cNvPr id="1" name=""/>
-        <p:cNvGrpSpPr/>
-        <p:nvPr/>
-      </p:nvGrpSpPr>
-      <p:grpSpPr>
-        <a:xfrm>
-          <a:off x="0" y="0"/>
-          <a:ext cx="0" cy="0"/>
-          <a:chOff x="0" y="0"/>
-          <a:chExt cx="0" cy="0"/>
-        </a:xfrm>
-      </p:grpSpPr>
-      <p:sp>
-        <p:nvSpPr>
-          <p:cNvPr id="2" name="Titel 1">
-            <a:extLst>
-              <a:ext uri="{FF2B5EF4-FFF2-40B4-BE49-F238E27FC236}">
-                <a16:creationId xmlns:a16="http://schemas.microsoft.com/office/drawing/2014/main" id="{A40D14D6-C616-7346-AB1F-E0B3C6F3B4F5}"/>
-              </a:ext>
-            </a:extLst>
-          </p:cNvPr>
-          <p:cNvSpPr>
-            <a:spLocks noGrp="1"/>
-          </p:cNvSpPr>
-          <p:nvPr>
-            <p:ph type="ctrTitle"/>
-          </p:nvPr>
-        </p:nvSpPr>
-        <p:spPr/>
-        <p:txBody>
-          <a:bodyPr/>
-          <a:lstStyle/>
-          <a:p>
-            <a:r>
-              <a:rPr lang="en-GB" dirty="0"/>
-              <a:t>Questions and comments?</a:t>
-            </a:r>
-          </a:p>
-        </p:txBody>
-      </p:sp>
-      <p:sp>
-        <p:nvSpPr>
-          <p:cNvPr id="3" name="Ondertitel 2">
-            <a:extLst>
-              <a:ext uri="{FF2B5EF4-FFF2-40B4-BE49-F238E27FC236}">
-                <a16:creationId xmlns:a16="http://schemas.microsoft.com/office/drawing/2014/main" id="{CEF25AE3-A6E7-9F45-9D9A-CB2C1B23E372}"/>
-              </a:ext>
-            </a:extLst>
-          </p:cNvPr>
-          <p:cNvSpPr>
-            <a:spLocks noGrp="1"/>
-          </p:cNvSpPr>
-          <p:nvPr>
-            <p:ph type="subTitle" idx="1"/>
-          </p:nvPr>
-        </p:nvSpPr>
-        <p:spPr/>
-        <p:txBody>
-          <a:bodyPr>
-            <a:normAutofit fontScale="85000" lnSpcReduction="20000"/>
-          </a:bodyPr>
-          <a:lstStyle/>
-          <a:p>
-            <a:r>
-              <a:rPr lang="en-GB" dirty="0"/>
-              <a:t>Our questions:</a:t>
-            </a:r>
-          </a:p>
-          <a:p>
-            <a:pPr marL="457200" indent="-457200">
-              <a:buAutoNum type="arabicPeriod"/>
-            </a:pPr>
-            <a:r>
-              <a:rPr lang="en-GB" dirty="0"/>
-              <a:t>All our algorithms are ‘constructive’. Ideas where to think regarding iterative algorithms?</a:t>
-            </a:r>
-          </a:p>
-          <a:p>
-            <a:pPr marL="457200" indent="-457200">
-              <a:buAutoNum type="arabicPeriod"/>
-            </a:pPr>
-            <a:r>
-              <a:rPr lang="en-GB" dirty="0"/>
-              <a:t>What is your view on our choice for </a:t>
-            </a:r>
-            <a:r>
-              <a:rPr lang="en-GB" dirty="0" err="1"/>
-              <a:t>datastructure</a:t>
-            </a:r>
-            <a:r>
-              <a:rPr lang="en-GB" dirty="0"/>
-              <a:t>?</a:t>
-            </a:r>
-          </a:p>
-          <a:p>
-            <a:r>
-              <a:rPr lang="en-GB" dirty="0"/>
-              <a:t>Thank you for your attention</a:t>
-            </a:r>
-          </a:p>
-        </p:txBody>
-      </p:sp>
-    </p:spTree>
-    <p:extLst>
-      <p:ext uri="{BB962C8B-B14F-4D97-AF65-F5344CB8AC3E}">
-        <p14:creationId xmlns:p14="http://schemas.microsoft.com/office/powerpoint/2010/main" val="3056510008"/>
-      </p:ext>
-    </p:extLst>
-  </p:cSld>
-  <p:clrMapOvr>
-    <a:masterClrMapping/>
-  </p:clrMapOvr>
-</p:sld>
-</file>
-
-<file path=ppt/slides/slide2.xml><?xml version="1.0" encoding="utf-8"?>
-<p:sld xmlns:a="http://schemas.openxmlformats.org/drawingml/2006/main" xmlns:r="http://schemas.openxmlformats.org/officeDocument/2006/relationships" xmlns:p="http://schemas.openxmlformats.org/presentationml/2006/main">
-  <p:cSld>
-    <p:spTree>
-      <p:nvGrpSpPr>
-        <p:cNvPr id="1" name=""/>
-        <p:cNvGrpSpPr/>
-        <p:nvPr/>
-      </p:nvGrpSpPr>
-      <p:grpSpPr>
-        <a:xfrm>
-          <a:off x="0" y="0"/>
-          <a:ext cx="0" cy="0"/>
-          <a:chOff x="0" y="0"/>
-          <a:chExt cx="0" cy="0"/>
-        </a:xfrm>
-      </p:grpSpPr>
-      <p:sp>
-        <p:nvSpPr>
-          <p:cNvPr id="2" name="Titel 1">
-            <a:extLst>
-              <a:ext uri="{FF2B5EF4-FFF2-40B4-BE49-F238E27FC236}">
-                <a16:creationId xmlns:a16="http://schemas.microsoft.com/office/drawing/2014/main" id="{F7274416-F32F-B544-8C0A-29DD33A5E435}"/>
-              </a:ext>
-            </a:extLst>
-          </p:cNvPr>
-          <p:cNvSpPr>
-            <a:spLocks noGrp="1"/>
-          </p:cNvSpPr>
-          <p:nvPr>
-            <p:ph type="title"/>
-          </p:nvPr>
-        </p:nvSpPr>
-        <p:spPr/>
-        <p:txBody>
-          <a:bodyPr/>
-          <a:lstStyle/>
-          <a:p>
-            <a:r>
-              <a:rPr lang="en-GB" dirty="0"/>
-              <a:t>Format of the presentation	</a:t>
-            </a:r>
-          </a:p>
-        </p:txBody>
-      </p:sp>
-      <p:sp>
-        <p:nvSpPr>
-          <p:cNvPr id="3" name="Tijdelijke aanduiding voor inhoud 2">
-            <a:extLst>
-              <a:ext uri="{FF2B5EF4-FFF2-40B4-BE49-F238E27FC236}">
-                <a16:creationId xmlns:a16="http://schemas.microsoft.com/office/drawing/2014/main" id="{C3CA32CF-5E66-B548-80BE-AA3559B97AF3}"/>
-              </a:ext>
-            </a:extLst>
-          </p:cNvPr>
-          <p:cNvSpPr>
-            <a:spLocks noGrp="1"/>
-          </p:cNvSpPr>
-          <p:nvPr>
-            <p:ph idx="1"/>
-          </p:nvPr>
-        </p:nvSpPr>
-        <p:spPr>
-          <a:xfrm>
-            <a:off x="838200" y="1825625"/>
-            <a:ext cx="5099304" cy="4351338"/>
-          </a:xfrm>
-        </p:spPr>
-        <p:txBody>
-          <a:bodyPr>
-            <a:normAutofit fontScale="92500" lnSpcReduction="10000"/>
-          </a:bodyPr>
-          <a:lstStyle/>
-          <a:p>
-            <a:r>
-              <a:rPr lang="en-GB" dirty="0"/>
-              <a:t>1. Introduction in the casus</a:t>
-            </a:r>
-          </a:p>
-          <a:p>
-            <a:pPr lvl="1"/>
-            <a:r>
-              <a:rPr lang="en-GB" dirty="0"/>
-              <a:t>State Space of the problem (Mark)</a:t>
-            </a:r>
-          </a:p>
-          <a:p>
-            <a:r>
-              <a:rPr lang="en-GB" dirty="0"/>
-              <a:t>2. </a:t>
-            </a:r>
-            <a:r>
-              <a:rPr lang="en-GB" dirty="0" err="1"/>
-              <a:t>Datastructures</a:t>
-            </a:r>
-            <a:r>
-              <a:rPr lang="en-GB" dirty="0"/>
-              <a:t> (</a:t>
-            </a:r>
-            <a:r>
-              <a:rPr lang="en-GB" dirty="0" err="1"/>
-              <a:t>Terugblik</a:t>
-            </a:r>
-            <a:r>
-              <a:rPr lang="en-GB" dirty="0"/>
-              <a:t> </a:t>
-            </a:r>
-            <a:r>
-              <a:rPr lang="en-GB" dirty="0" err="1"/>
-              <a:t>vorige</a:t>
-            </a:r>
-            <a:r>
-              <a:rPr lang="en-GB" dirty="0"/>
-              <a:t> week) (</a:t>
-            </a:r>
-            <a:r>
-              <a:rPr lang="en-GB" dirty="0" err="1"/>
-              <a:t>Loek</a:t>
-            </a:r>
-            <a:r>
-              <a:rPr lang="en-GB" dirty="0"/>
-              <a:t>)</a:t>
-            </a:r>
-          </a:p>
-          <a:p>
-            <a:pPr lvl="1"/>
-            <a:r>
-              <a:rPr lang="en-GB" dirty="0" err="1"/>
-              <a:t>Dictionairy</a:t>
-            </a:r>
-            <a:r>
-              <a:rPr lang="en-GB" dirty="0"/>
-              <a:t> vs. Matrix</a:t>
-            </a:r>
-          </a:p>
-          <a:p>
-            <a:pPr lvl="1"/>
-            <a:r>
-              <a:rPr lang="en-GB" dirty="0"/>
-              <a:t>Results</a:t>
-            </a:r>
-          </a:p>
-          <a:p>
-            <a:r>
-              <a:rPr lang="en-GB" dirty="0"/>
-              <a:t>3. Algorithms (</a:t>
-            </a:r>
-            <a:r>
-              <a:rPr lang="en-GB" dirty="0" err="1"/>
-              <a:t>Sebas</a:t>
-            </a:r>
-            <a:r>
-              <a:rPr lang="en-GB" dirty="0"/>
-              <a:t>)</a:t>
-            </a:r>
-          </a:p>
-          <a:p>
-            <a:pPr lvl="1"/>
-            <a:r>
-              <a:rPr lang="en-GB" dirty="0"/>
-              <a:t>Random, Greedy</a:t>
-            </a:r>
-          </a:p>
-          <a:p>
-            <a:r>
-              <a:rPr lang="en-GB" dirty="0"/>
-              <a:t>4. Results (</a:t>
-            </a:r>
-            <a:r>
-              <a:rPr lang="en-GB" dirty="0" err="1"/>
-              <a:t>Sebas</a:t>
-            </a:r>
-            <a:r>
-              <a:rPr lang="en-GB" dirty="0"/>
-              <a:t>)</a:t>
-            </a:r>
-          </a:p>
-          <a:p>
-            <a:r>
-              <a:rPr lang="en-GB" dirty="0"/>
-              <a:t>Future </a:t>
-            </a:r>
-            <a:r>
-              <a:rPr lang="en-GB" dirty="0" err="1"/>
-              <a:t>heuristieken</a:t>
-            </a:r>
-            <a:r>
-              <a:rPr lang="en-GB" dirty="0"/>
-              <a:t> (</a:t>
-            </a:r>
-            <a:r>
-              <a:rPr lang="en-GB" dirty="0" err="1"/>
-              <a:t>Allemaal</a:t>
-            </a:r>
-            <a:r>
-              <a:rPr lang="en-GB" dirty="0"/>
-              <a:t>)</a:t>
-            </a:r>
-          </a:p>
-          <a:p>
-            <a:r>
-              <a:rPr lang="en-GB" dirty="0"/>
-              <a:t>5. Q&amp;A and discussion (Mark)</a:t>
-            </a:r>
-          </a:p>
-        </p:txBody>
-      </p:sp>
-    </p:spTree>
-    <p:extLst>
-      <p:ext uri="{BB962C8B-B14F-4D97-AF65-F5344CB8AC3E}">
-        <p14:creationId xmlns:p14="http://schemas.microsoft.com/office/powerpoint/2010/main" val="2072180750"/>
-      </p:ext>
-    </p:extLst>
-  </p:cSld>
-  <p:clrMapOvr>
-    <a:masterClrMapping/>
-  </p:clrMapOvr>
-</p:sld>
-</file>
-
-<file path=ppt/slides/slide3.xml><?xml version="1.0" encoding="utf-8"?>
-<p:sld xmlns:a="http://schemas.openxmlformats.org/drawingml/2006/main" xmlns:r="http://schemas.openxmlformats.org/officeDocument/2006/relationships" xmlns:p="http://schemas.openxmlformats.org/presentationml/2006/main">
-  <p:cSld>
-    <p:spTree>
-      <p:nvGrpSpPr>
-        <p:cNvPr id="1" name=""/>
-        <p:cNvGrpSpPr/>
-        <p:nvPr/>
-      </p:nvGrpSpPr>
-      <p:grpSpPr>
-        <a:xfrm>
-          <a:off x="0" y="0"/>
-          <a:ext cx="0" cy="0"/>
-          <a:chOff x="0" y="0"/>
-          <a:chExt cx="0" cy="0"/>
-        </a:xfrm>
-      </p:grpSpPr>
-      <p:sp>
-        <p:nvSpPr>
-          <p:cNvPr id="2" name="Titel 1">
-            <a:extLst>
-              <a:ext uri="{FF2B5EF4-FFF2-40B4-BE49-F238E27FC236}">
-                <a16:creationId xmlns:a16="http://schemas.microsoft.com/office/drawing/2014/main" id="{048DA664-7B4B-904F-9F8D-5AD398A7E951}"/>
-              </a:ext>
-            </a:extLst>
-          </p:cNvPr>
-          <p:cNvSpPr>
-            <a:spLocks noGrp="1"/>
-          </p:cNvSpPr>
-          <p:nvPr>
-            <p:ph type="title"/>
-          </p:nvPr>
-        </p:nvSpPr>
-        <p:spPr/>
-        <p:txBody>
-          <a:bodyPr/>
-          <a:lstStyle/>
-          <a:p>
-            <a:r>
-              <a:rPr lang="en-GB" dirty="0"/>
-              <a:t>1. Introduction: Stability of proteins</a:t>
-            </a:r>
-          </a:p>
-        </p:txBody>
-      </p:sp>
-      <p:sp>
-        <p:nvSpPr>
-          <p:cNvPr id="3" name="Tijdelijke aanduiding voor inhoud 2">
-            <a:extLst>
-              <a:ext uri="{FF2B5EF4-FFF2-40B4-BE49-F238E27FC236}">
-                <a16:creationId xmlns:a16="http://schemas.microsoft.com/office/drawing/2014/main" id="{2ACC9E0D-2DE6-F443-ABB8-3C6A56624642}"/>
-              </a:ext>
-            </a:extLst>
-          </p:cNvPr>
-          <p:cNvSpPr>
-            <a:spLocks noGrp="1"/>
-          </p:cNvSpPr>
-          <p:nvPr>
-            <p:ph sz="half" idx="1"/>
-          </p:nvPr>
-        </p:nvSpPr>
-        <p:spPr/>
-        <p:txBody>
-          <a:bodyPr/>
-          <a:lstStyle/>
-          <a:p>
-            <a:r>
-              <a:rPr lang="en-GB" dirty="0"/>
-              <a:t>Proteins </a:t>
-            </a:r>
-            <a:r>
-              <a:rPr lang="en-GB" dirty="0" err="1"/>
-              <a:t>fulfill</a:t>
-            </a:r>
-            <a:r>
-              <a:rPr lang="en-GB" dirty="0"/>
-              <a:t> numerous function inside the human body</a:t>
-            </a:r>
-          </a:p>
-          <a:p>
-            <a:r>
-              <a:rPr lang="en-GB" dirty="0"/>
-              <a:t>Faulty proteins linked to diseases such as </a:t>
-            </a:r>
-            <a:r>
-              <a:rPr lang="en-GB" dirty="0" err="1"/>
-              <a:t>Alzheimers</a:t>
-            </a:r>
-            <a:r>
-              <a:rPr lang="en-GB" dirty="0"/>
-              <a:t> or </a:t>
-            </a:r>
-            <a:r>
-              <a:rPr lang="en-GB" dirty="0" err="1"/>
-              <a:t>huntington</a:t>
-            </a:r>
-            <a:endParaRPr lang="en-GB"/>
-          </a:p>
-          <a:p>
-            <a:endParaRPr lang="en-GB" dirty="0"/>
-          </a:p>
-        </p:txBody>
-      </p:sp>
-      <p:sp>
-        <p:nvSpPr>
-          <p:cNvPr id="5" name="Tijdelijke aanduiding voor inhoud 4">
-            <a:extLst>
-              <a:ext uri="{FF2B5EF4-FFF2-40B4-BE49-F238E27FC236}">
-                <a16:creationId xmlns:a16="http://schemas.microsoft.com/office/drawing/2014/main" id="{842E5C41-B8DD-0B47-9AE2-799184EDB5CD}"/>
-              </a:ext>
-            </a:extLst>
-          </p:cNvPr>
-          <p:cNvSpPr>
-            <a:spLocks noGrp="1"/>
-          </p:cNvSpPr>
-          <p:nvPr>
-            <p:ph sz="half" idx="2"/>
-          </p:nvPr>
-        </p:nvSpPr>
-        <p:spPr/>
-        <p:txBody>
-          <a:bodyPr/>
-          <a:lstStyle/>
-          <a:p>
-            <a:endParaRPr lang="en-GB"/>
-          </a:p>
-        </p:txBody>
-      </p:sp>
-    </p:spTree>
-    <p:extLst>
-      <p:ext uri="{BB962C8B-B14F-4D97-AF65-F5344CB8AC3E}">
-        <p14:creationId xmlns:p14="http://schemas.microsoft.com/office/powerpoint/2010/main" val="2280769630"/>
-      </p:ext>
-    </p:extLst>
-  </p:cSld>
-  <p:clrMapOvr>
-    <a:masterClrMapping/>
-  </p:clrMapOvr>
-</p:sld>
-</file>
-
-<file path=ppt/slides/slide4.xml><?xml version="1.0" encoding="utf-8"?>
-<p:sld xmlns:a="http://schemas.openxmlformats.org/drawingml/2006/main" xmlns:r="http://schemas.openxmlformats.org/officeDocument/2006/relationships" xmlns:p="http://schemas.openxmlformats.org/presentationml/2006/main">
-  <p:cSld>
-    <p:spTree>
-      <p:nvGrpSpPr>
-        <p:cNvPr id="1" name=""/>
-        <p:cNvGrpSpPr/>
-        <p:nvPr/>
-      </p:nvGrpSpPr>
-      <p:grpSpPr>
-        <a:xfrm>
-          <a:off x="0" y="0"/>
-          <a:ext cx="0" cy="0"/>
-          <a:chOff x="0" y="0"/>
-          <a:chExt cx="0" cy="0"/>
-        </a:xfrm>
-      </p:grpSpPr>
-      <p:sp>
-        <p:nvSpPr>
-          <p:cNvPr id="2" name="Titel 1">
-            <a:extLst>
-              <a:ext uri="{FF2B5EF4-FFF2-40B4-BE49-F238E27FC236}">
-                <a16:creationId xmlns:a16="http://schemas.microsoft.com/office/drawing/2014/main" id="{048DA664-7B4B-904F-9F8D-5AD398A7E951}"/>
-              </a:ext>
-            </a:extLst>
-          </p:cNvPr>
-          <p:cNvSpPr>
-            <a:spLocks noGrp="1"/>
-          </p:cNvSpPr>
-          <p:nvPr>
-            <p:ph type="title"/>
-          </p:nvPr>
-        </p:nvSpPr>
-        <p:spPr/>
-        <p:txBody>
-          <a:bodyPr/>
-          <a:lstStyle/>
-          <a:p>
-            <a:r>
-              <a:rPr lang="en-GB" dirty="0"/>
-              <a:t>1. Introduction: Stability of proteins</a:t>
-            </a:r>
-          </a:p>
-        </p:txBody>
-      </p:sp>
-      <p:sp>
-        <p:nvSpPr>
-          <p:cNvPr id="3" name="Tijdelijke aanduiding voor inhoud 2">
-            <a:extLst>
-              <a:ext uri="{FF2B5EF4-FFF2-40B4-BE49-F238E27FC236}">
-                <a16:creationId xmlns:a16="http://schemas.microsoft.com/office/drawing/2014/main" id="{2ACC9E0D-2DE6-F443-ABB8-3C6A56624642}"/>
-              </a:ext>
-            </a:extLst>
-          </p:cNvPr>
-          <p:cNvSpPr>
-            <a:spLocks noGrp="1"/>
-          </p:cNvSpPr>
-          <p:nvPr>
-            <p:ph sz="half" idx="1"/>
-          </p:nvPr>
-        </p:nvSpPr>
-        <p:spPr/>
-        <p:txBody>
-          <a:bodyPr/>
-          <a:lstStyle/>
-          <a:p>
-            <a:r>
-              <a:rPr lang="en-GB" dirty="0"/>
-              <a:t>As more hydrophobic amino-acids (red) are next to each other, the more stable it is</a:t>
-            </a:r>
-          </a:p>
-          <a:p>
-            <a:r>
-              <a:rPr lang="en-GB" dirty="0"/>
-              <a:t>Stability of 0 means unstable</a:t>
-            </a:r>
-          </a:p>
-          <a:p>
-            <a:r>
-              <a:rPr lang="en-GB" dirty="0"/>
-              <a:t>Stability of -2 means more stable.</a:t>
-            </a:r>
-          </a:p>
-          <a:p>
-            <a:endParaRPr lang="en-GB" u="sng" dirty="0"/>
-          </a:p>
-          <a:p>
-            <a:r>
-              <a:rPr lang="en-GB" u="sng" dirty="0"/>
-              <a:t>Goal is to find protein structures that are as stable as possible.</a:t>
-            </a:r>
-          </a:p>
-        </p:txBody>
-      </p:sp>
-      <p:pic>
-        <p:nvPicPr>
-          <p:cNvPr id="8" name="Tijdelijke aanduiding voor inhoud 7">
-            <a:extLst>
-              <a:ext uri="{FF2B5EF4-FFF2-40B4-BE49-F238E27FC236}">
-                <a16:creationId xmlns:a16="http://schemas.microsoft.com/office/drawing/2014/main" id="{50283D78-CF71-3345-9AEB-76BDCA0FB0D2}"/>
-              </a:ext>
-            </a:extLst>
-          </p:cNvPr>
-          <p:cNvPicPr>
-            <a:picLocks noGrp="1" noChangeAspect="1"/>
-          </p:cNvPicPr>
-          <p:nvPr>
-            <p:ph sz="half" idx="2"/>
-          </p:nvPr>
-        </p:nvPicPr>
-        <p:blipFill>
-          <a:blip r:embed="rId2"/>
-          <a:stretch>
-            <a:fillRect/>
-          </a:stretch>
-        </p:blipFill>
-        <p:spPr>
-          <a:xfrm>
-            <a:off x="6096000" y="2015398"/>
-            <a:ext cx="5181600" cy="2827204"/>
-          </a:xfrm>
-        </p:spPr>
-      </p:pic>
-    </p:spTree>
-    <p:extLst>
-      <p:ext uri="{BB962C8B-B14F-4D97-AF65-F5344CB8AC3E}">
-        <p14:creationId xmlns:p14="http://schemas.microsoft.com/office/powerpoint/2010/main" val="1850888821"/>
-      </p:ext>
-    </p:extLst>
-  </p:cSld>
-  <p:clrMapOvr>
-    <a:masterClrMapping/>
-  </p:clrMapOvr>
-</p:sld>
-</file>
-
-<file path=ppt/slides/slide5.xml><?xml version="1.0" encoding="utf-8"?>
-<p:sld xmlns:a="http://schemas.openxmlformats.org/drawingml/2006/main" xmlns:r="http://schemas.openxmlformats.org/officeDocument/2006/relationships" xmlns:p="http://schemas.openxmlformats.org/presentationml/2006/main">
-  <p:cSld>
-    <p:spTree>
-      <p:nvGrpSpPr>
-        <p:cNvPr id="1" name=""/>
-        <p:cNvGrpSpPr/>
-        <p:nvPr/>
-      </p:nvGrpSpPr>
-      <p:grpSpPr>
-        <a:xfrm>
-          <a:off x="0" y="0"/>
-          <a:ext cx="0" cy="0"/>
-          <a:chOff x="0" y="0"/>
-          <a:chExt cx="0" cy="0"/>
-        </a:xfrm>
-      </p:grpSpPr>
-      <p:sp>
-        <p:nvSpPr>
-          <p:cNvPr id="2" name="Titel 1">
-            <a:extLst>
-              <a:ext uri="{FF2B5EF4-FFF2-40B4-BE49-F238E27FC236}">
-                <a16:creationId xmlns:a16="http://schemas.microsoft.com/office/drawing/2014/main" id="{469AD8D3-EDB6-5D49-8D44-472ED11B1188}"/>
-              </a:ext>
-            </a:extLst>
-          </p:cNvPr>
-          <p:cNvSpPr>
-            <a:spLocks noGrp="1"/>
-          </p:cNvSpPr>
-          <p:nvPr>
-            <p:ph type="title"/>
-          </p:nvPr>
-        </p:nvSpPr>
-        <p:spPr/>
-        <p:txBody>
-          <a:bodyPr/>
-          <a:lstStyle/>
-          <a:p>
-            <a:r>
-              <a:rPr lang="en-GB" dirty="0"/>
-              <a:t>1. Heuristics of Protein Pow(d)</a:t>
-            </a:r>
-            <a:r>
-              <a:rPr lang="en-GB" dirty="0" err="1"/>
-              <a:t>er</a:t>
-            </a:r>
-            <a:endParaRPr lang="en-GB" dirty="0"/>
-          </a:p>
-        </p:txBody>
-      </p:sp>
-      <p:sp>
-        <p:nvSpPr>
-          <p:cNvPr id="3" name="Tijdelijke aanduiding voor inhoud 2">
-            <a:extLst>
-              <a:ext uri="{FF2B5EF4-FFF2-40B4-BE49-F238E27FC236}">
-                <a16:creationId xmlns:a16="http://schemas.microsoft.com/office/drawing/2014/main" id="{70EB0242-E78A-C44A-8160-6A82BC9E7222}"/>
-              </a:ext>
-            </a:extLst>
-          </p:cNvPr>
-          <p:cNvSpPr>
-            <a:spLocks noGrp="1"/>
-          </p:cNvSpPr>
-          <p:nvPr>
-            <p:ph sz="half" idx="1"/>
-          </p:nvPr>
-        </p:nvSpPr>
-        <p:spPr/>
-        <p:txBody>
-          <a:bodyPr/>
-          <a:lstStyle/>
-          <a:p>
-            <a:r>
-              <a:rPr lang="en-GB" dirty="0"/>
-              <a:t>Constrained Optimization Problem</a:t>
-            </a:r>
-          </a:p>
-          <a:p>
-            <a:pPr lvl="1"/>
-            <a:r>
-              <a:rPr lang="en-GB" dirty="0"/>
-              <a:t>Constraints</a:t>
-            </a:r>
-          </a:p>
-          <a:p>
-            <a:pPr lvl="2"/>
-            <a:r>
-              <a:rPr lang="en-GB" dirty="0"/>
-              <a:t>Amino-acid string is given</a:t>
-            </a:r>
-          </a:p>
-          <a:p>
-            <a:pPr lvl="2"/>
-            <a:r>
-              <a:rPr lang="en-GB" dirty="0"/>
-              <a:t>All amino-acids must be used</a:t>
-            </a:r>
-          </a:p>
-          <a:p>
-            <a:pPr lvl="2"/>
-            <a:r>
-              <a:rPr lang="en-GB" dirty="0"/>
-              <a:t>Amino-acids cannot overlap</a:t>
-            </a:r>
-          </a:p>
-          <a:p>
-            <a:pPr lvl="1"/>
-            <a:r>
-              <a:rPr lang="en-GB" dirty="0"/>
-              <a:t>Optimization</a:t>
-            </a:r>
-          </a:p>
-          <a:p>
-            <a:pPr lvl="2"/>
-            <a:r>
-              <a:rPr lang="en-GB" dirty="0"/>
-              <a:t>Legitimate solution with the highest </a:t>
-            </a:r>
-          </a:p>
-          <a:p>
-            <a:endParaRPr lang="en-GB" dirty="0"/>
-          </a:p>
-          <a:p>
-            <a:pPr marL="0" indent="0">
-              <a:buNone/>
-            </a:pPr>
-            <a:endParaRPr lang="en-GB" dirty="0"/>
-          </a:p>
-        </p:txBody>
-      </p:sp>
-      <p:sp>
-        <p:nvSpPr>
-          <p:cNvPr id="4" name="Tijdelijke aanduiding voor inhoud 3">
-            <a:extLst>
-              <a:ext uri="{FF2B5EF4-FFF2-40B4-BE49-F238E27FC236}">
-                <a16:creationId xmlns:a16="http://schemas.microsoft.com/office/drawing/2014/main" id="{9C67E9D9-F639-D049-A1C7-EF4275E5D4A7}"/>
-              </a:ext>
-            </a:extLst>
-          </p:cNvPr>
-          <p:cNvSpPr>
-            <a:spLocks noGrp="1"/>
-          </p:cNvSpPr>
-          <p:nvPr>
-            <p:ph sz="half" idx="2"/>
-          </p:nvPr>
-        </p:nvSpPr>
-        <p:spPr/>
-        <p:txBody>
-          <a:bodyPr/>
-          <a:lstStyle/>
-          <a:p>
-            <a:endParaRPr lang="en-GB" dirty="0"/>
-          </a:p>
-        </p:txBody>
-      </p:sp>
-    </p:spTree>
-    <p:extLst>
-      <p:ext uri="{BB962C8B-B14F-4D97-AF65-F5344CB8AC3E}">
-        <p14:creationId xmlns:p14="http://schemas.microsoft.com/office/powerpoint/2010/main" val="2066508210"/>
-      </p:ext>
-    </p:extLst>
-  </p:cSld>
-  <p:clrMapOvr>
-    <a:masterClrMapping/>
-  </p:clrMapOvr>
-</p:sld>
-</file>
-
-<file path=ppt/slides/slide6.xml><?xml version="1.0" encoding="utf-8"?>
-<p:sld xmlns:a="http://schemas.openxmlformats.org/drawingml/2006/main" xmlns:r="http://schemas.openxmlformats.org/officeDocument/2006/relationships" xmlns:p="http://schemas.openxmlformats.org/presentationml/2006/main">
-  <p:cSld>
-    <p:spTree>
-      <p:nvGrpSpPr>
-        <p:cNvPr id="1" name=""/>
-        <p:cNvGrpSpPr/>
-        <p:nvPr/>
-      </p:nvGrpSpPr>
-      <p:grpSpPr>
-        <a:xfrm>
-          <a:off x="0" y="0"/>
-          <a:ext cx="0" cy="0"/>
-          <a:chOff x="0" y="0"/>
-          <a:chExt cx="0" cy="0"/>
-        </a:xfrm>
-      </p:grpSpPr>
-      <p:sp>
-        <p:nvSpPr>
-          <p:cNvPr id="2" name="Titel 1">
-            <a:extLst>
-              <a:ext uri="{FF2B5EF4-FFF2-40B4-BE49-F238E27FC236}">
-                <a16:creationId xmlns:a16="http://schemas.microsoft.com/office/drawing/2014/main" id="{048DA664-7B4B-904F-9F8D-5AD398A7E951}"/>
-              </a:ext>
-            </a:extLst>
-          </p:cNvPr>
-          <p:cNvSpPr>
-            <a:spLocks noGrp="1"/>
-          </p:cNvSpPr>
-          <p:nvPr>
-            <p:ph type="title"/>
-          </p:nvPr>
-        </p:nvSpPr>
-        <p:spPr/>
-        <p:txBody>
-          <a:bodyPr/>
-          <a:lstStyle/>
-          <a:p>
-            <a:r>
-              <a:rPr lang="en-GB" dirty="0"/>
-              <a:t>1. State Space </a:t>
-            </a:r>
-            <a:r>
-              <a:rPr lang="en-GB" dirty="0" err="1"/>
-              <a:t>en</a:t>
-            </a:r>
-            <a:r>
-              <a:rPr lang="en-GB" dirty="0"/>
-              <a:t> upper/lower bounds</a:t>
-            </a:r>
-          </a:p>
-        </p:txBody>
-      </p:sp>
-      <p:sp>
-        <p:nvSpPr>
-          <p:cNvPr id="3" name="Tijdelijke aanduiding voor inhoud 2">
-            <a:extLst>
-              <a:ext uri="{FF2B5EF4-FFF2-40B4-BE49-F238E27FC236}">
-                <a16:creationId xmlns:a16="http://schemas.microsoft.com/office/drawing/2014/main" id="{2ACC9E0D-2DE6-F443-ABB8-3C6A56624642}"/>
-              </a:ext>
-            </a:extLst>
-          </p:cNvPr>
-          <p:cNvSpPr>
-            <a:spLocks noGrp="1"/>
-          </p:cNvSpPr>
-          <p:nvPr>
-            <p:ph sz="half" idx="1"/>
-          </p:nvPr>
-        </p:nvSpPr>
-        <p:spPr>
-          <a:xfrm>
-            <a:off x="838200" y="1825625"/>
-            <a:ext cx="5181600" cy="4667250"/>
-          </a:xfrm>
-        </p:spPr>
-        <p:txBody>
-          <a:bodyPr>
-            <a:normAutofit/>
-          </a:bodyPr>
-          <a:lstStyle/>
-          <a:p>
-            <a:r>
-              <a:rPr lang="en-GB" dirty="0" err="1">
-                <a:sym typeface="Wingdings" pitchFamily="2" charset="2"/>
-              </a:rPr>
-              <a:t>Statespace</a:t>
-            </a:r>
-            <a:endParaRPr lang="en-GB" dirty="0">
-              <a:sym typeface="Wingdings" pitchFamily="2" charset="2"/>
-            </a:endParaRPr>
-          </a:p>
-          <a:p>
-            <a:r>
-              <a:rPr lang="en-GB" dirty="0">
-                <a:sym typeface="Wingdings" pitchFamily="2" charset="2"/>
-              </a:rPr>
-              <a:t> </a:t>
-            </a:r>
-            <a:r>
-              <a:rPr lang="en-GB" dirty="0"/>
-              <a:t>4</a:t>
-            </a:r>
-            <a:r>
-              <a:rPr lang="en-GB" baseline="30000" dirty="0"/>
-              <a:t>n-1</a:t>
-            </a:r>
-          </a:p>
-          <a:p>
-            <a:pPr lvl="1"/>
-            <a:r>
-              <a:rPr lang="en-GB" dirty="0"/>
-              <a:t>Amino acids cannot overlap</a:t>
-            </a:r>
-          </a:p>
-          <a:p>
-            <a:pPr lvl="1"/>
-            <a:r>
-              <a:rPr lang="en-GB" dirty="0">
-                <a:sym typeface="Wingdings" pitchFamily="2" charset="2"/>
-              </a:rPr>
-              <a:t> 4*3</a:t>
-            </a:r>
-            <a:r>
-              <a:rPr lang="en-GB" baseline="30000" dirty="0">
-                <a:sym typeface="Wingdings" pitchFamily="2" charset="2"/>
-              </a:rPr>
-              <a:t>n</a:t>
-            </a:r>
-          </a:p>
-          <a:p>
-            <a:pPr lvl="1"/>
-            <a:r>
-              <a:rPr lang="en-GB" dirty="0">
-                <a:sym typeface="Wingdings" pitchFamily="2" charset="2"/>
-              </a:rPr>
-              <a:t> 3</a:t>
-            </a:r>
-            <a:r>
-              <a:rPr lang="en-GB" baseline="30000" dirty="0">
-                <a:sym typeface="Wingdings" pitchFamily="2" charset="2"/>
-              </a:rPr>
-              <a:t>n-2</a:t>
-            </a:r>
-          </a:p>
-          <a:p>
-            <a:pPr lvl="1"/>
-            <a:endParaRPr lang="en-GB" baseline="30000" dirty="0">
-              <a:sym typeface="Wingdings" pitchFamily="2" charset="2"/>
-            </a:endParaRPr>
-          </a:p>
-          <a:p>
-            <a:pPr lvl="1"/>
-            <a:endParaRPr lang="en-GB" dirty="0">
-              <a:sym typeface="Wingdings" pitchFamily="2" charset="2"/>
-            </a:endParaRPr>
-          </a:p>
-          <a:p>
-            <a:pPr lvl="1"/>
-            <a:endParaRPr lang="en-GB" baseline="30000" dirty="0">
-              <a:sym typeface="Wingdings" pitchFamily="2" charset="2"/>
-            </a:endParaRPr>
-          </a:p>
-          <a:p>
-            <a:pPr lvl="1"/>
-            <a:endParaRPr lang="en-GB" dirty="0">
-              <a:sym typeface="Wingdings" pitchFamily="2" charset="2"/>
-            </a:endParaRPr>
-          </a:p>
-          <a:p>
-            <a:pPr lvl="1"/>
-            <a:endParaRPr lang="en-GB" dirty="0">
-              <a:sym typeface="Wingdings" pitchFamily="2" charset="2"/>
-            </a:endParaRPr>
-          </a:p>
-          <a:p>
-            <a:pPr lvl="1"/>
-            <a:endParaRPr lang="en-GB" dirty="0"/>
-          </a:p>
-          <a:p>
-            <a:pPr lvl="1"/>
-            <a:endParaRPr lang="en-GB" dirty="0"/>
-          </a:p>
-        </p:txBody>
-      </p:sp>
-      <p:sp>
-        <p:nvSpPr>
-          <p:cNvPr id="6" name="Tijdelijke aanduiding voor inhoud 2">
-            <a:extLst>
-              <a:ext uri="{FF2B5EF4-FFF2-40B4-BE49-F238E27FC236}">
-                <a16:creationId xmlns:a16="http://schemas.microsoft.com/office/drawing/2014/main" id="{D8788999-0DBD-574E-AD4D-A4B9E0412762}"/>
-              </a:ext>
-            </a:extLst>
-          </p:cNvPr>
-          <p:cNvSpPr txBox="1">
-            <a:spLocks/>
-          </p:cNvSpPr>
-          <p:nvPr/>
-        </p:nvSpPr>
-        <p:spPr>
-          <a:xfrm>
-            <a:off x="5819775" y="1825625"/>
-            <a:ext cx="5181600" cy="4667250"/>
-          </a:xfrm>
-          <a:prstGeom prst="rect">
-            <a:avLst/>
-          </a:prstGeom>
-        </p:spPr>
-        <p:txBody>
-          <a:bodyPr vert="horz" lIns="91440" tIns="45720" rIns="91440" bIns="45720" rtlCol="0">
-            <a:normAutofit/>
-          </a:bodyPr>
-          <a:lstStyle>
-            <a:lvl1pPr marL="228600" indent="-228600" algn="l" defTabSz="914400" rtl="0" eaLnBrk="1" latinLnBrk="0" hangingPunct="1">
-              <a:lnSpc>
-                <a:spcPct val="90000"/>
-              </a:lnSpc>
-              <a:spcBef>
-                <a:spcPts val="1000"/>
-              </a:spcBef>
-              <a:buFont typeface="Arial" panose="020B0604020202020204" pitchFamily="34" charset="0"/>
-              <a:buChar char="•"/>
-              <a:defRPr sz="2800" kern="1200">
-                <a:solidFill>
-                  <a:schemeClr val="tx1"/>
-                </a:solidFill>
-                <a:latin typeface="+mn-lt"/>
-                <a:ea typeface="+mn-ea"/>
-                <a:cs typeface="+mn-cs"/>
-              </a:defRPr>
-            </a:lvl1pPr>
-            <a:lvl2pPr marL="685800" indent="-228600" algn="l" defTabSz="914400" rtl="0" eaLnBrk="1" latinLnBrk="0" hangingPunct="1">
-              <a:lnSpc>
-                <a:spcPct val="90000"/>
-              </a:lnSpc>
-              <a:spcBef>
-                <a:spcPts val="500"/>
-              </a:spcBef>
-              <a:buFont typeface="Arial" panose="020B0604020202020204" pitchFamily="34" charset="0"/>
-              <a:buChar char="•"/>
-              <a:defRPr sz="2400" kern="1200">
-                <a:solidFill>
-                  <a:schemeClr val="tx1"/>
-                </a:solidFill>
-                <a:latin typeface="+mn-lt"/>
-                <a:ea typeface="+mn-ea"/>
-                <a:cs typeface="+mn-cs"/>
-              </a:defRPr>
-            </a:lvl2pPr>
-            <a:lvl3pPr marL="1143000" indent="-228600" algn="l" defTabSz="914400" rtl="0" eaLnBrk="1" latinLnBrk="0" hangingPunct="1">
-              <a:lnSpc>
-                <a:spcPct val="90000"/>
-              </a:lnSpc>
-              <a:spcBef>
-                <a:spcPts val="500"/>
-              </a:spcBef>
-              <a:buFont typeface="Arial" panose="020B0604020202020204" pitchFamily="34" charset="0"/>
-              <a:buChar char="•"/>
-              <a:defRPr sz="2000" kern="1200">
-                <a:solidFill>
-                  <a:schemeClr val="tx1"/>
-                </a:solidFill>
-                <a:latin typeface="+mn-lt"/>
-                <a:ea typeface="+mn-ea"/>
-                <a:cs typeface="+mn-cs"/>
-              </a:defRPr>
-            </a:lvl3pPr>
-            <a:lvl4pPr marL="1600200" indent="-228600" algn="l" defTabSz="914400" rtl="0" eaLnBrk="1" latinLnBrk="0" hangingPunct="1">
-              <a:lnSpc>
-                <a:spcPct val="90000"/>
-              </a:lnSpc>
-              <a:spcBef>
-                <a:spcPts val="500"/>
-              </a:spcBef>
-              <a:buFont typeface="Arial" panose="020B0604020202020204" pitchFamily="34" charset="0"/>
-              <a:buChar char="•"/>
-              <a:defRPr sz="1800" kern="1200">
-                <a:solidFill>
-                  <a:schemeClr val="tx1"/>
-                </a:solidFill>
-                <a:latin typeface="+mn-lt"/>
-                <a:ea typeface="+mn-ea"/>
-                <a:cs typeface="+mn-cs"/>
-              </a:defRPr>
-            </a:lvl4pPr>
-            <a:lvl5pPr marL="2057400" indent="-228600" algn="l" defTabSz="914400" rtl="0" eaLnBrk="1" latinLnBrk="0" hangingPunct="1">
-              <a:lnSpc>
-                <a:spcPct val="90000"/>
-              </a:lnSpc>
-              <a:spcBef>
-                <a:spcPts val="500"/>
-              </a:spcBef>
-              <a:buFont typeface="Arial" panose="020B0604020202020204" pitchFamily="34" charset="0"/>
-              <a:buChar char="•"/>
-              <a:defRPr sz="1800" kern="1200">
-                <a:solidFill>
-                  <a:schemeClr val="tx1"/>
-                </a:solidFill>
-                <a:latin typeface="+mn-lt"/>
-                <a:ea typeface="+mn-ea"/>
-                <a:cs typeface="+mn-cs"/>
-              </a:defRPr>
-            </a:lvl5pPr>
-            <a:lvl6pPr marL="2514600" indent="-228600" algn="l" defTabSz="914400" rtl="0" eaLnBrk="1" latinLnBrk="0" hangingPunct="1">
-              <a:lnSpc>
-                <a:spcPct val="90000"/>
-              </a:lnSpc>
-              <a:spcBef>
-                <a:spcPts val="500"/>
-              </a:spcBef>
-              <a:buFont typeface="Arial" panose="020B0604020202020204" pitchFamily="34" charset="0"/>
-              <a:buChar char="•"/>
-              <a:defRPr sz="1800" kern="1200">
-                <a:solidFill>
-                  <a:schemeClr val="tx1"/>
-                </a:solidFill>
-                <a:latin typeface="+mn-lt"/>
-                <a:ea typeface="+mn-ea"/>
-                <a:cs typeface="+mn-cs"/>
-              </a:defRPr>
-            </a:lvl6pPr>
-            <a:lvl7pPr marL="2971800" indent="-228600" algn="l" defTabSz="914400" rtl="0" eaLnBrk="1" latinLnBrk="0" hangingPunct="1">
-              <a:lnSpc>
-                <a:spcPct val="90000"/>
-              </a:lnSpc>
-              <a:spcBef>
-                <a:spcPts val="500"/>
-              </a:spcBef>
-              <a:buFont typeface="Arial" panose="020B0604020202020204" pitchFamily="34" charset="0"/>
-              <a:buChar char="•"/>
-              <a:defRPr sz="1800" kern="1200">
-                <a:solidFill>
-                  <a:schemeClr val="tx1"/>
-                </a:solidFill>
-                <a:latin typeface="+mn-lt"/>
-                <a:ea typeface="+mn-ea"/>
-                <a:cs typeface="+mn-cs"/>
-              </a:defRPr>
-            </a:lvl7pPr>
-            <a:lvl8pPr marL="3429000" indent="-228600" algn="l" defTabSz="914400" rtl="0" eaLnBrk="1" latinLnBrk="0" hangingPunct="1">
-              <a:lnSpc>
-                <a:spcPct val="90000"/>
-              </a:lnSpc>
-              <a:spcBef>
-                <a:spcPts val="500"/>
-              </a:spcBef>
-              <a:buFont typeface="Arial" panose="020B0604020202020204" pitchFamily="34" charset="0"/>
-              <a:buChar char="•"/>
-              <a:defRPr sz="1800" kern="1200">
-                <a:solidFill>
-                  <a:schemeClr val="tx1"/>
-                </a:solidFill>
-                <a:latin typeface="+mn-lt"/>
-                <a:ea typeface="+mn-ea"/>
-                <a:cs typeface="+mn-cs"/>
-              </a:defRPr>
-            </a:lvl8pPr>
-            <a:lvl9pPr marL="3886200" indent="-228600" algn="l" defTabSz="914400" rtl="0" eaLnBrk="1" latinLnBrk="0" hangingPunct="1">
-              <a:lnSpc>
-                <a:spcPct val="90000"/>
-              </a:lnSpc>
-              <a:spcBef>
-                <a:spcPts val="500"/>
-              </a:spcBef>
-              <a:buFont typeface="Arial" panose="020B0604020202020204" pitchFamily="34" charset="0"/>
-              <a:buChar char="•"/>
-              <a:defRPr sz="1800" kern="1200">
-                <a:solidFill>
-                  <a:schemeClr val="tx1"/>
-                </a:solidFill>
-                <a:latin typeface="+mn-lt"/>
-                <a:ea typeface="+mn-ea"/>
-                <a:cs typeface="+mn-cs"/>
-              </a:defRPr>
-            </a:lvl9pPr>
-          </a:lstStyle>
-          <a:p>
-            <a:r>
-              <a:rPr lang="en-GB" dirty="0" err="1"/>
-              <a:t>Upperbound</a:t>
-            </a:r>
-            <a:r>
-              <a:rPr lang="en-GB" dirty="0"/>
-              <a:t>: 3x</a:t>
-            </a:r>
-            <a:endParaRPr lang="en-GB" baseline="30000" dirty="0"/>
-          </a:p>
-          <a:p>
-            <a:r>
-              <a:rPr lang="en-GB" dirty="0"/>
-              <a:t>Met x is </a:t>
-            </a:r>
-            <a:r>
-              <a:rPr lang="en-GB" dirty="0" err="1"/>
-              <a:t>aantal</a:t>
-            </a:r>
-            <a:r>
-              <a:rPr lang="en-GB" dirty="0"/>
-              <a:t> H-elements</a:t>
-            </a:r>
-          </a:p>
-          <a:p>
-            <a:endParaRPr lang="en-GB" dirty="0"/>
-          </a:p>
-          <a:p>
-            <a:r>
-              <a:rPr lang="en-GB" dirty="0" err="1"/>
-              <a:t>Lowerbound</a:t>
-            </a:r>
-            <a:r>
-              <a:rPr lang="en-GB" dirty="0"/>
-              <a:t>: &gt; 0</a:t>
-            </a:r>
-          </a:p>
-          <a:p>
-            <a:pPr marL="457200" lvl="1" indent="0">
-              <a:buNone/>
-            </a:pPr>
-            <a:endParaRPr lang="en-GB" dirty="0">
-              <a:sym typeface="Wingdings" pitchFamily="2" charset="2"/>
-            </a:endParaRPr>
-          </a:p>
-          <a:p>
-            <a:pPr lvl="1"/>
-            <a:endParaRPr lang="en-GB" dirty="0"/>
-          </a:p>
-          <a:p>
-            <a:pPr lvl="1"/>
-            <a:endParaRPr lang="en-GB" dirty="0"/>
-          </a:p>
-        </p:txBody>
-      </p:sp>
-    </p:spTree>
-    <p:extLst>
-      <p:ext uri="{BB962C8B-B14F-4D97-AF65-F5344CB8AC3E}">
-        <p14:creationId xmlns:p14="http://schemas.microsoft.com/office/powerpoint/2010/main" val="2161073308"/>
-      </p:ext>
-    </p:extLst>
-  </p:cSld>
-  <p:clrMapOvr>
-    <a:masterClrMapping/>
-  </p:clrMapOvr>
-</p:sld>
-</file>
-
-<file path=ppt/slides/slide7.xml><?xml version="1.0" encoding="utf-8"?>
-<p:sld xmlns:a="http://schemas.openxmlformats.org/drawingml/2006/main" xmlns:r="http://schemas.openxmlformats.org/officeDocument/2006/relationships" xmlns:p="http://schemas.openxmlformats.org/presentationml/2006/main">
-  <p:cSld>
-    <p:spTree>
-      <p:nvGrpSpPr>
-        <p:cNvPr id="1" name=""/>
-        <p:cNvGrpSpPr/>
-        <p:nvPr/>
-      </p:nvGrpSpPr>
-      <p:grpSpPr>
-        <a:xfrm>
-          <a:off x="0" y="0"/>
-          <a:ext cx="0" cy="0"/>
-          <a:chOff x="0" y="0"/>
-          <a:chExt cx="0" cy="0"/>
-        </a:xfrm>
-      </p:grpSpPr>
-      <p:sp>
-        <p:nvSpPr>
-          <p:cNvPr id="2" name="Titel 1">
-            <a:extLst>
-              <a:ext uri="{FF2B5EF4-FFF2-40B4-BE49-F238E27FC236}">
-                <a16:creationId xmlns:a16="http://schemas.microsoft.com/office/drawing/2014/main" id="{469AD8D3-EDB6-5D49-8D44-472ED11B1188}"/>
-              </a:ext>
-            </a:extLst>
-          </p:cNvPr>
-          <p:cNvSpPr>
-            <a:spLocks noGrp="1"/>
-          </p:cNvSpPr>
-          <p:nvPr>
-            <p:ph type="title"/>
-          </p:nvPr>
-        </p:nvSpPr>
-        <p:spPr/>
-        <p:txBody>
-          <a:bodyPr/>
-          <a:lstStyle/>
-          <a:p>
-            <a:r>
-              <a:rPr lang="en-GB" dirty="0"/>
-              <a:t>2. Quick recap</a:t>
-            </a:r>
-          </a:p>
-        </p:txBody>
-      </p:sp>
-      <p:sp>
-        <p:nvSpPr>
-          <p:cNvPr id="3" name="Tijdelijke aanduiding voor inhoud 2">
-            <a:extLst>
-              <a:ext uri="{FF2B5EF4-FFF2-40B4-BE49-F238E27FC236}">
-                <a16:creationId xmlns:a16="http://schemas.microsoft.com/office/drawing/2014/main" id="{70EB0242-E78A-C44A-8160-6A82BC9E7222}"/>
-              </a:ext>
-            </a:extLst>
-          </p:cNvPr>
-          <p:cNvSpPr>
-            <a:spLocks noGrp="1"/>
-          </p:cNvSpPr>
-          <p:nvPr>
-            <p:ph sz="half" idx="1"/>
-          </p:nvPr>
-        </p:nvSpPr>
-        <p:spPr>
-          <a:xfrm>
-            <a:off x="838200" y="1825625"/>
-            <a:ext cx="5181600" cy="1492928"/>
-          </a:xfrm>
-        </p:spPr>
-        <p:txBody>
-          <a:bodyPr/>
-          <a:lstStyle/>
-          <a:p>
-            <a:r>
-              <a:rPr lang="en-GB" dirty="0"/>
-              <a:t>Element Object</a:t>
-            </a:r>
-          </a:p>
-          <a:p>
-            <a:pPr lvl="1"/>
-            <a:r>
-              <a:rPr lang="en-GB" dirty="0"/>
-              <a:t>Stores: coordinates, direction, type</a:t>
-            </a:r>
-          </a:p>
-        </p:txBody>
-      </p:sp>
-      <p:sp>
-        <p:nvSpPr>
-          <p:cNvPr id="4" name="Tijdelijke aanduiding voor inhoud 3">
-            <a:extLst>
-              <a:ext uri="{FF2B5EF4-FFF2-40B4-BE49-F238E27FC236}">
-                <a16:creationId xmlns:a16="http://schemas.microsoft.com/office/drawing/2014/main" id="{9C67E9D9-F639-D049-A1C7-EF4275E5D4A7}"/>
-              </a:ext>
-            </a:extLst>
-          </p:cNvPr>
-          <p:cNvSpPr>
-            <a:spLocks noGrp="1"/>
-          </p:cNvSpPr>
-          <p:nvPr>
-            <p:ph sz="half" idx="2"/>
-          </p:nvPr>
-        </p:nvSpPr>
-        <p:spPr>
-          <a:xfrm>
-            <a:off x="6172200" y="1825625"/>
-            <a:ext cx="5181600" cy="1492928"/>
-          </a:xfrm>
-        </p:spPr>
-        <p:txBody>
-          <a:bodyPr/>
-          <a:lstStyle/>
-          <a:p>
-            <a:r>
-              <a:rPr lang="en-GB" dirty="0"/>
-              <a:t>Lattice Object</a:t>
-            </a:r>
-          </a:p>
-          <a:p>
-            <a:pPr lvl="1"/>
-            <a:r>
-              <a:rPr lang="en-GB" dirty="0"/>
-              <a:t>Stores: element objects in two ways</a:t>
-            </a:r>
-          </a:p>
-        </p:txBody>
-      </p:sp>
-      <p:sp>
-        <p:nvSpPr>
-          <p:cNvPr id="5" name="Tijdelijke aanduiding voor inhoud 2">
-            <a:extLst>
-              <a:ext uri="{FF2B5EF4-FFF2-40B4-BE49-F238E27FC236}">
-                <a16:creationId xmlns:a16="http://schemas.microsoft.com/office/drawing/2014/main" id="{27ADD09B-7A82-4A58-A517-163996F1954A}"/>
-              </a:ext>
-            </a:extLst>
-          </p:cNvPr>
-          <p:cNvSpPr txBox="1">
-            <a:spLocks/>
-          </p:cNvSpPr>
-          <p:nvPr/>
-        </p:nvSpPr>
-        <p:spPr>
-          <a:xfrm>
-            <a:off x="838200" y="3559997"/>
-            <a:ext cx="5181600" cy="1492928"/>
-          </a:xfrm>
-          <a:prstGeom prst="rect">
-            <a:avLst/>
-          </a:prstGeom>
-        </p:spPr>
-        <p:txBody>
-          <a:bodyPr vert="horz" lIns="91440" tIns="45720" rIns="91440" bIns="45720" rtlCol="0">
-            <a:normAutofit/>
-          </a:bodyPr>
-          <a:lstStyle>
-            <a:lvl1pPr marL="228600" indent="-228600" algn="l" defTabSz="914400" rtl="0" eaLnBrk="1" latinLnBrk="0" hangingPunct="1">
-              <a:lnSpc>
-                <a:spcPct val="90000"/>
-              </a:lnSpc>
-              <a:spcBef>
-                <a:spcPts val="1000"/>
-              </a:spcBef>
-              <a:buFont typeface="Arial" panose="020B0604020202020204" pitchFamily="34" charset="0"/>
-              <a:buChar char="•"/>
-              <a:defRPr sz="2800" kern="1200">
-                <a:solidFill>
-                  <a:schemeClr val="tx1"/>
-                </a:solidFill>
-                <a:latin typeface="+mn-lt"/>
-                <a:ea typeface="+mn-ea"/>
-                <a:cs typeface="+mn-cs"/>
-              </a:defRPr>
-            </a:lvl1pPr>
-            <a:lvl2pPr marL="685800" indent="-228600" algn="l" defTabSz="914400" rtl="0" eaLnBrk="1" latinLnBrk="0" hangingPunct="1">
-              <a:lnSpc>
-                <a:spcPct val="90000"/>
-              </a:lnSpc>
-              <a:spcBef>
-                <a:spcPts val="500"/>
-              </a:spcBef>
-              <a:buFont typeface="Arial" panose="020B0604020202020204" pitchFamily="34" charset="0"/>
-              <a:buChar char="•"/>
-              <a:defRPr sz="2400" kern="1200">
-                <a:solidFill>
-                  <a:schemeClr val="tx1"/>
-                </a:solidFill>
-                <a:latin typeface="+mn-lt"/>
-                <a:ea typeface="+mn-ea"/>
-                <a:cs typeface="+mn-cs"/>
-              </a:defRPr>
-            </a:lvl2pPr>
-            <a:lvl3pPr marL="1143000" indent="-228600" algn="l" defTabSz="914400" rtl="0" eaLnBrk="1" latinLnBrk="0" hangingPunct="1">
-              <a:lnSpc>
-                <a:spcPct val="90000"/>
-              </a:lnSpc>
-              <a:spcBef>
-                <a:spcPts val="500"/>
-              </a:spcBef>
-              <a:buFont typeface="Arial" panose="020B0604020202020204" pitchFamily="34" charset="0"/>
-              <a:buChar char="•"/>
-              <a:defRPr sz="2000" kern="1200">
-                <a:solidFill>
-                  <a:schemeClr val="tx1"/>
-                </a:solidFill>
-                <a:latin typeface="+mn-lt"/>
-                <a:ea typeface="+mn-ea"/>
-                <a:cs typeface="+mn-cs"/>
-              </a:defRPr>
-            </a:lvl3pPr>
-            <a:lvl4pPr marL="1600200" indent="-228600" algn="l" defTabSz="914400" rtl="0" eaLnBrk="1" latinLnBrk="0" hangingPunct="1">
-              <a:lnSpc>
-                <a:spcPct val="90000"/>
-              </a:lnSpc>
-              <a:spcBef>
-                <a:spcPts val="500"/>
-              </a:spcBef>
-              <a:buFont typeface="Arial" panose="020B0604020202020204" pitchFamily="34" charset="0"/>
-              <a:buChar char="•"/>
-              <a:defRPr sz="1800" kern="1200">
-                <a:solidFill>
-                  <a:schemeClr val="tx1"/>
-                </a:solidFill>
-                <a:latin typeface="+mn-lt"/>
-                <a:ea typeface="+mn-ea"/>
-                <a:cs typeface="+mn-cs"/>
-              </a:defRPr>
-            </a:lvl4pPr>
-            <a:lvl5pPr marL="2057400" indent="-228600" algn="l" defTabSz="914400" rtl="0" eaLnBrk="1" latinLnBrk="0" hangingPunct="1">
-              <a:lnSpc>
-                <a:spcPct val="90000"/>
-              </a:lnSpc>
-              <a:spcBef>
-                <a:spcPts val="500"/>
-              </a:spcBef>
-              <a:buFont typeface="Arial" panose="020B0604020202020204" pitchFamily="34" charset="0"/>
-              <a:buChar char="•"/>
-              <a:defRPr sz="1800" kern="1200">
-                <a:solidFill>
-                  <a:schemeClr val="tx1"/>
-                </a:solidFill>
-                <a:latin typeface="+mn-lt"/>
-                <a:ea typeface="+mn-ea"/>
-                <a:cs typeface="+mn-cs"/>
-              </a:defRPr>
-            </a:lvl5pPr>
-            <a:lvl6pPr marL="2514600" indent="-228600" algn="l" defTabSz="914400" rtl="0" eaLnBrk="1" latinLnBrk="0" hangingPunct="1">
-              <a:lnSpc>
-                <a:spcPct val="90000"/>
-              </a:lnSpc>
-              <a:spcBef>
-                <a:spcPts val="500"/>
-              </a:spcBef>
-              <a:buFont typeface="Arial" panose="020B0604020202020204" pitchFamily="34" charset="0"/>
-              <a:buChar char="•"/>
-              <a:defRPr sz="1800" kern="1200">
-                <a:solidFill>
-                  <a:schemeClr val="tx1"/>
-                </a:solidFill>
-                <a:latin typeface="+mn-lt"/>
-                <a:ea typeface="+mn-ea"/>
-                <a:cs typeface="+mn-cs"/>
-              </a:defRPr>
-            </a:lvl6pPr>
-            <a:lvl7pPr marL="2971800" indent="-228600" algn="l" defTabSz="914400" rtl="0" eaLnBrk="1" latinLnBrk="0" hangingPunct="1">
-              <a:lnSpc>
-                <a:spcPct val="90000"/>
-              </a:lnSpc>
-              <a:spcBef>
-                <a:spcPts val="500"/>
-              </a:spcBef>
-              <a:buFont typeface="Arial" panose="020B0604020202020204" pitchFamily="34" charset="0"/>
-              <a:buChar char="•"/>
-              <a:defRPr sz="1800" kern="1200">
-                <a:solidFill>
-                  <a:schemeClr val="tx1"/>
-                </a:solidFill>
-                <a:latin typeface="+mn-lt"/>
-                <a:ea typeface="+mn-ea"/>
-                <a:cs typeface="+mn-cs"/>
-              </a:defRPr>
-            </a:lvl7pPr>
-            <a:lvl8pPr marL="3429000" indent="-228600" algn="l" defTabSz="914400" rtl="0" eaLnBrk="1" latinLnBrk="0" hangingPunct="1">
-              <a:lnSpc>
-                <a:spcPct val="90000"/>
-              </a:lnSpc>
-              <a:spcBef>
-                <a:spcPts val="500"/>
-              </a:spcBef>
-              <a:buFont typeface="Arial" panose="020B0604020202020204" pitchFamily="34" charset="0"/>
-              <a:buChar char="•"/>
-              <a:defRPr sz="1800" kern="1200">
-                <a:solidFill>
-                  <a:schemeClr val="tx1"/>
-                </a:solidFill>
-                <a:latin typeface="+mn-lt"/>
-                <a:ea typeface="+mn-ea"/>
-                <a:cs typeface="+mn-cs"/>
-              </a:defRPr>
-            </a:lvl8pPr>
-            <a:lvl9pPr marL="3886200" indent="-228600" algn="l" defTabSz="914400" rtl="0" eaLnBrk="1" latinLnBrk="0" hangingPunct="1">
-              <a:lnSpc>
-                <a:spcPct val="90000"/>
-              </a:lnSpc>
-              <a:spcBef>
-                <a:spcPts val="500"/>
-              </a:spcBef>
-              <a:buFont typeface="Arial" panose="020B0604020202020204" pitchFamily="34" charset="0"/>
-              <a:buChar char="•"/>
-              <a:defRPr sz="1800" kern="1200">
-                <a:solidFill>
-                  <a:schemeClr val="tx1"/>
-                </a:solidFill>
-                <a:latin typeface="+mn-lt"/>
-                <a:ea typeface="+mn-ea"/>
-                <a:cs typeface="+mn-cs"/>
-              </a:defRPr>
-            </a:lvl9pPr>
-          </a:lstStyle>
-          <a:p>
-            <a:r>
-              <a:rPr lang="en-GB" dirty="0"/>
-              <a:t>Dictionaries</a:t>
-            </a:r>
-          </a:p>
-          <a:p>
-            <a:pPr lvl="1"/>
-            <a:r>
-              <a:rPr lang="en-GB" dirty="0"/>
-              <a:t>Use of dictionaries to store element objects.</a:t>
-            </a:r>
-          </a:p>
-        </p:txBody>
-      </p:sp>
-      <p:sp>
-        <p:nvSpPr>
-          <p:cNvPr id="6" name="Tijdelijke aanduiding voor inhoud 3">
-            <a:extLst>
-              <a:ext uri="{FF2B5EF4-FFF2-40B4-BE49-F238E27FC236}">
-                <a16:creationId xmlns:a16="http://schemas.microsoft.com/office/drawing/2014/main" id="{CBB90616-AF52-4DE6-8AAD-E1464E7B07B5}"/>
-              </a:ext>
-            </a:extLst>
-          </p:cNvPr>
-          <p:cNvSpPr txBox="1">
-            <a:spLocks/>
-          </p:cNvSpPr>
-          <p:nvPr/>
-        </p:nvSpPr>
-        <p:spPr>
-          <a:xfrm>
-            <a:off x="6172200" y="3559997"/>
-            <a:ext cx="5181600" cy="1492928"/>
-          </a:xfrm>
-          <a:prstGeom prst="rect">
-            <a:avLst/>
-          </a:prstGeom>
-        </p:spPr>
-        <p:txBody>
-          <a:bodyPr vert="horz" lIns="91440" tIns="45720" rIns="91440" bIns="45720" rtlCol="0">
-            <a:normAutofit/>
-          </a:bodyPr>
-          <a:lstStyle>
-            <a:lvl1pPr marL="228600" indent="-228600" algn="l" defTabSz="914400" rtl="0" eaLnBrk="1" latinLnBrk="0" hangingPunct="1">
-              <a:lnSpc>
-                <a:spcPct val="90000"/>
-              </a:lnSpc>
-              <a:spcBef>
-                <a:spcPts val="1000"/>
-              </a:spcBef>
-              <a:buFont typeface="Arial" panose="020B0604020202020204" pitchFamily="34" charset="0"/>
-              <a:buChar char="•"/>
-              <a:defRPr sz="2800" kern="1200">
-                <a:solidFill>
-                  <a:schemeClr val="tx1"/>
-                </a:solidFill>
-                <a:latin typeface="+mn-lt"/>
-                <a:ea typeface="+mn-ea"/>
-                <a:cs typeface="+mn-cs"/>
-              </a:defRPr>
-            </a:lvl1pPr>
-            <a:lvl2pPr marL="685800" indent="-228600" algn="l" defTabSz="914400" rtl="0" eaLnBrk="1" latinLnBrk="0" hangingPunct="1">
-              <a:lnSpc>
-                <a:spcPct val="90000"/>
-              </a:lnSpc>
-              <a:spcBef>
-                <a:spcPts val="500"/>
-              </a:spcBef>
-              <a:buFont typeface="Arial" panose="020B0604020202020204" pitchFamily="34" charset="0"/>
-              <a:buChar char="•"/>
-              <a:defRPr sz="2400" kern="1200">
-                <a:solidFill>
-                  <a:schemeClr val="tx1"/>
-                </a:solidFill>
-                <a:latin typeface="+mn-lt"/>
-                <a:ea typeface="+mn-ea"/>
-                <a:cs typeface="+mn-cs"/>
-              </a:defRPr>
-            </a:lvl2pPr>
-            <a:lvl3pPr marL="1143000" indent="-228600" algn="l" defTabSz="914400" rtl="0" eaLnBrk="1" latinLnBrk="0" hangingPunct="1">
-              <a:lnSpc>
-                <a:spcPct val="90000"/>
-              </a:lnSpc>
-              <a:spcBef>
-                <a:spcPts val="500"/>
-              </a:spcBef>
-              <a:buFont typeface="Arial" panose="020B0604020202020204" pitchFamily="34" charset="0"/>
-              <a:buChar char="•"/>
-              <a:defRPr sz="2000" kern="1200">
-                <a:solidFill>
-                  <a:schemeClr val="tx1"/>
-                </a:solidFill>
-                <a:latin typeface="+mn-lt"/>
-                <a:ea typeface="+mn-ea"/>
-                <a:cs typeface="+mn-cs"/>
-              </a:defRPr>
-            </a:lvl3pPr>
-            <a:lvl4pPr marL="1600200" indent="-228600" algn="l" defTabSz="914400" rtl="0" eaLnBrk="1" latinLnBrk="0" hangingPunct="1">
-              <a:lnSpc>
-                <a:spcPct val="90000"/>
-              </a:lnSpc>
-              <a:spcBef>
-                <a:spcPts val="500"/>
-              </a:spcBef>
-              <a:buFont typeface="Arial" panose="020B0604020202020204" pitchFamily="34" charset="0"/>
-              <a:buChar char="•"/>
-              <a:defRPr sz="1800" kern="1200">
-                <a:solidFill>
-                  <a:schemeClr val="tx1"/>
-                </a:solidFill>
-                <a:latin typeface="+mn-lt"/>
-                <a:ea typeface="+mn-ea"/>
-                <a:cs typeface="+mn-cs"/>
-              </a:defRPr>
-            </a:lvl4pPr>
-            <a:lvl5pPr marL="2057400" indent="-228600" algn="l" defTabSz="914400" rtl="0" eaLnBrk="1" latinLnBrk="0" hangingPunct="1">
-              <a:lnSpc>
-                <a:spcPct val="90000"/>
-              </a:lnSpc>
-              <a:spcBef>
-                <a:spcPts val="500"/>
-              </a:spcBef>
-              <a:buFont typeface="Arial" panose="020B0604020202020204" pitchFamily="34" charset="0"/>
-              <a:buChar char="•"/>
-              <a:defRPr sz="1800" kern="1200">
-                <a:solidFill>
-                  <a:schemeClr val="tx1"/>
-                </a:solidFill>
-                <a:latin typeface="+mn-lt"/>
-                <a:ea typeface="+mn-ea"/>
-                <a:cs typeface="+mn-cs"/>
-              </a:defRPr>
-            </a:lvl5pPr>
-            <a:lvl6pPr marL="2514600" indent="-228600" algn="l" defTabSz="914400" rtl="0" eaLnBrk="1" latinLnBrk="0" hangingPunct="1">
-              <a:lnSpc>
-                <a:spcPct val="90000"/>
-              </a:lnSpc>
-              <a:spcBef>
-                <a:spcPts val="500"/>
-              </a:spcBef>
-              <a:buFont typeface="Arial" panose="020B0604020202020204" pitchFamily="34" charset="0"/>
-              <a:buChar char="•"/>
-              <a:defRPr sz="1800" kern="1200">
-                <a:solidFill>
-                  <a:schemeClr val="tx1"/>
-                </a:solidFill>
-                <a:latin typeface="+mn-lt"/>
-                <a:ea typeface="+mn-ea"/>
-                <a:cs typeface="+mn-cs"/>
-              </a:defRPr>
-            </a:lvl6pPr>
-            <a:lvl7pPr marL="2971800" indent="-228600" algn="l" defTabSz="914400" rtl="0" eaLnBrk="1" latinLnBrk="0" hangingPunct="1">
-              <a:lnSpc>
-                <a:spcPct val="90000"/>
-              </a:lnSpc>
-              <a:spcBef>
-                <a:spcPts val="500"/>
-              </a:spcBef>
-              <a:buFont typeface="Arial" panose="020B0604020202020204" pitchFamily="34" charset="0"/>
-              <a:buChar char="•"/>
-              <a:defRPr sz="1800" kern="1200">
-                <a:solidFill>
-                  <a:schemeClr val="tx1"/>
-                </a:solidFill>
-                <a:latin typeface="+mn-lt"/>
-                <a:ea typeface="+mn-ea"/>
-                <a:cs typeface="+mn-cs"/>
-              </a:defRPr>
-            </a:lvl7pPr>
-            <a:lvl8pPr marL="3429000" indent="-228600" algn="l" defTabSz="914400" rtl="0" eaLnBrk="1" latinLnBrk="0" hangingPunct="1">
-              <a:lnSpc>
-                <a:spcPct val="90000"/>
-              </a:lnSpc>
-              <a:spcBef>
-                <a:spcPts val="500"/>
-              </a:spcBef>
-              <a:buFont typeface="Arial" panose="020B0604020202020204" pitchFamily="34" charset="0"/>
-              <a:buChar char="•"/>
-              <a:defRPr sz="1800" kern="1200">
-                <a:solidFill>
-                  <a:schemeClr val="tx1"/>
-                </a:solidFill>
-                <a:latin typeface="+mn-lt"/>
-                <a:ea typeface="+mn-ea"/>
-                <a:cs typeface="+mn-cs"/>
-              </a:defRPr>
-            </a:lvl8pPr>
-            <a:lvl9pPr marL="3886200" indent="-228600" algn="l" defTabSz="914400" rtl="0" eaLnBrk="1" latinLnBrk="0" hangingPunct="1">
-              <a:lnSpc>
-                <a:spcPct val="90000"/>
-              </a:lnSpc>
-              <a:spcBef>
-                <a:spcPts val="500"/>
-              </a:spcBef>
-              <a:buFont typeface="Arial" panose="020B0604020202020204" pitchFamily="34" charset="0"/>
-              <a:buChar char="•"/>
-              <a:defRPr sz="1800" kern="1200">
-                <a:solidFill>
-                  <a:schemeClr val="tx1"/>
-                </a:solidFill>
-                <a:latin typeface="+mn-lt"/>
-                <a:ea typeface="+mn-ea"/>
-                <a:cs typeface="+mn-cs"/>
-              </a:defRPr>
-            </a:lvl9pPr>
-          </a:lstStyle>
-          <a:p>
-            <a:r>
-              <a:rPr lang="en-GB" dirty="0"/>
-              <a:t>Matrixes (2D or 3D grid)</a:t>
-            </a:r>
-          </a:p>
-          <a:p>
-            <a:pPr lvl="1"/>
-            <a:r>
-              <a:rPr lang="en-GB" dirty="0"/>
-              <a:t>Use of a matrix to store element objects.</a:t>
-            </a:r>
-          </a:p>
-        </p:txBody>
-      </p:sp>
-      <p:sp>
-        <p:nvSpPr>
-          <p:cNvPr id="7" name="Tijdelijke aanduiding voor inhoud 2">
-            <a:extLst>
-              <a:ext uri="{FF2B5EF4-FFF2-40B4-BE49-F238E27FC236}">
-                <a16:creationId xmlns:a16="http://schemas.microsoft.com/office/drawing/2014/main" id="{96DECC56-88C1-468C-B3A2-4AFC76F77D3A}"/>
-              </a:ext>
-            </a:extLst>
-          </p:cNvPr>
-          <p:cNvSpPr txBox="1">
-            <a:spLocks/>
-          </p:cNvSpPr>
-          <p:nvPr/>
-        </p:nvSpPr>
-        <p:spPr>
-          <a:xfrm>
-            <a:off x="2831335" y="5618601"/>
-            <a:ext cx="6039998" cy="948997"/>
-          </a:xfrm>
-          <a:prstGeom prst="rect">
-            <a:avLst/>
-          </a:prstGeom>
-        </p:spPr>
-        <p:txBody>
-          <a:bodyPr vert="horz" lIns="91440" tIns="45720" rIns="91440" bIns="45720" rtlCol="0">
-            <a:normAutofit/>
-          </a:bodyPr>
-          <a:lstStyle>
-            <a:lvl1pPr marL="228600" indent="-228600" algn="l" defTabSz="914400" rtl="0" eaLnBrk="1" latinLnBrk="0" hangingPunct="1">
-              <a:lnSpc>
-                <a:spcPct val="90000"/>
-              </a:lnSpc>
-              <a:spcBef>
-                <a:spcPts val="1000"/>
-              </a:spcBef>
-              <a:buFont typeface="Arial" panose="020B0604020202020204" pitchFamily="34" charset="0"/>
-              <a:buChar char="•"/>
-              <a:defRPr sz="2800" kern="1200">
-                <a:solidFill>
-                  <a:schemeClr val="tx1"/>
-                </a:solidFill>
-                <a:latin typeface="+mn-lt"/>
-                <a:ea typeface="+mn-ea"/>
-                <a:cs typeface="+mn-cs"/>
-              </a:defRPr>
-            </a:lvl1pPr>
-            <a:lvl2pPr marL="685800" indent="-228600" algn="l" defTabSz="914400" rtl="0" eaLnBrk="1" latinLnBrk="0" hangingPunct="1">
-              <a:lnSpc>
-                <a:spcPct val="90000"/>
-              </a:lnSpc>
-              <a:spcBef>
-                <a:spcPts val="500"/>
-              </a:spcBef>
-              <a:buFont typeface="Arial" panose="020B0604020202020204" pitchFamily="34" charset="0"/>
-              <a:buChar char="•"/>
-              <a:defRPr sz="2400" kern="1200">
-                <a:solidFill>
-                  <a:schemeClr val="tx1"/>
-                </a:solidFill>
-                <a:latin typeface="+mn-lt"/>
-                <a:ea typeface="+mn-ea"/>
-                <a:cs typeface="+mn-cs"/>
-              </a:defRPr>
-            </a:lvl2pPr>
-            <a:lvl3pPr marL="1143000" indent="-228600" algn="l" defTabSz="914400" rtl="0" eaLnBrk="1" latinLnBrk="0" hangingPunct="1">
-              <a:lnSpc>
-                <a:spcPct val="90000"/>
-              </a:lnSpc>
-              <a:spcBef>
-                <a:spcPts val="500"/>
-              </a:spcBef>
-              <a:buFont typeface="Arial" panose="020B0604020202020204" pitchFamily="34" charset="0"/>
-              <a:buChar char="•"/>
-              <a:defRPr sz="2000" kern="1200">
-                <a:solidFill>
-                  <a:schemeClr val="tx1"/>
-                </a:solidFill>
-                <a:latin typeface="+mn-lt"/>
-                <a:ea typeface="+mn-ea"/>
-                <a:cs typeface="+mn-cs"/>
-              </a:defRPr>
-            </a:lvl3pPr>
-            <a:lvl4pPr marL="1600200" indent="-228600" algn="l" defTabSz="914400" rtl="0" eaLnBrk="1" latinLnBrk="0" hangingPunct="1">
-              <a:lnSpc>
-                <a:spcPct val="90000"/>
-              </a:lnSpc>
-              <a:spcBef>
-                <a:spcPts val="500"/>
-              </a:spcBef>
-              <a:buFont typeface="Arial" panose="020B0604020202020204" pitchFamily="34" charset="0"/>
-              <a:buChar char="•"/>
-              <a:defRPr sz="1800" kern="1200">
-                <a:solidFill>
-                  <a:schemeClr val="tx1"/>
-                </a:solidFill>
-                <a:latin typeface="+mn-lt"/>
-                <a:ea typeface="+mn-ea"/>
-                <a:cs typeface="+mn-cs"/>
-              </a:defRPr>
-            </a:lvl4pPr>
-            <a:lvl5pPr marL="2057400" indent="-228600" algn="l" defTabSz="914400" rtl="0" eaLnBrk="1" latinLnBrk="0" hangingPunct="1">
-              <a:lnSpc>
-                <a:spcPct val="90000"/>
-              </a:lnSpc>
-              <a:spcBef>
-                <a:spcPts val="500"/>
-              </a:spcBef>
-              <a:buFont typeface="Arial" panose="020B0604020202020204" pitchFamily="34" charset="0"/>
-              <a:buChar char="•"/>
-              <a:defRPr sz="1800" kern="1200">
-                <a:solidFill>
-                  <a:schemeClr val="tx1"/>
-                </a:solidFill>
-                <a:latin typeface="+mn-lt"/>
-                <a:ea typeface="+mn-ea"/>
-                <a:cs typeface="+mn-cs"/>
-              </a:defRPr>
-            </a:lvl5pPr>
-            <a:lvl6pPr marL="2514600" indent="-228600" algn="l" defTabSz="914400" rtl="0" eaLnBrk="1" latinLnBrk="0" hangingPunct="1">
-              <a:lnSpc>
-                <a:spcPct val="90000"/>
-              </a:lnSpc>
-              <a:spcBef>
-                <a:spcPts val="500"/>
-              </a:spcBef>
-              <a:buFont typeface="Arial" panose="020B0604020202020204" pitchFamily="34" charset="0"/>
-              <a:buChar char="•"/>
-              <a:defRPr sz="1800" kern="1200">
-                <a:solidFill>
-                  <a:schemeClr val="tx1"/>
-                </a:solidFill>
-                <a:latin typeface="+mn-lt"/>
-                <a:ea typeface="+mn-ea"/>
-                <a:cs typeface="+mn-cs"/>
-              </a:defRPr>
-            </a:lvl6pPr>
-            <a:lvl7pPr marL="2971800" indent="-228600" algn="l" defTabSz="914400" rtl="0" eaLnBrk="1" latinLnBrk="0" hangingPunct="1">
-              <a:lnSpc>
-                <a:spcPct val="90000"/>
-              </a:lnSpc>
-              <a:spcBef>
-                <a:spcPts val="500"/>
-              </a:spcBef>
-              <a:buFont typeface="Arial" panose="020B0604020202020204" pitchFamily="34" charset="0"/>
-              <a:buChar char="•"/>
-              <a:defRPr sz="1800" kern="1200">
-                <a:solidFill>
-                  <a:schemeClr val="tx1"/>
-                </a:solidFill>
-                <a:latin typeface="+mn-lt"/>
-                <a:ea typeface="+mn-ea"/>
-                <a:cs typeface="+mn-cs"/>
-              </a:defRPr>
-            </a:lvl7pPr>
-            <a:lvl8pPr marL="3429000" indent="-228600" algn="l" defTabSz="914400" rtl="0" eaLnBrk="1" latinLnBrk="0" hangingPunct="1">
-              <a:lnSpc>
-                <a:spcPct val="90000"/>
-              </a:lnSpc>
-              <a:spcBef>
-                <a:spcPts val="500"/>
-              </a:spcBef>
-              <a:buFont typeface="Arial" panose="020B0604020202020204" pitchFamily="34" charset="0"/>
-              <a:buChar char="•"/>
-              <a:defRPr sz="1800" kern="1200">
-                <a:solidFill>
-                  <a:schemeClr val="tx1"/>
-                </a:solidFill>
-                <a:latin typeface="+mn-lt"/>
-                <a:ea typeface="+mn-ea"/>
-                <a:cs typeface="+mn-cs"/>
-              </a:defRPr>
-            </a:lvl8pPr>
-            <a:lvl9pPr marL="3886200" indent="-228600" algn="l" defTabSz="914400" rtl="0" eaLnBrk="1" latinLnBrk="0" hangingPunct="1">
-              <a:lnSpc>
-                <a:spcPct val="90000"/>
-              </a:lnSpc>
-              <a:spcBef>
-                <a:spcPts val="500"/>
-              </a:spcBef>
-              <a:buFont typeface="Arial" panose="020B0604020202020204" pitchFamily="34" charset="0"/>
-              <a:buChar char="•"/>
-              <a:defRPr sz="1800" kern="1200">
-                <a:solidFill>
-                  <a:schemeClr val="tx1"/>
-                </a:solidFill>
-                <a:latin typeface="+mn-lt"/>
-                <a:ea typeface="+mn-ea"/>
-                <a:cs typeface="+mn-cs"/>
-              </a:defRPr>
-            </a:lvl9pPr>
-          </a:lstStyle>
-          <a:p>
-            <a:pPr marL="0" indent="0">
-              <a:buNone/>
-            </a:pPr>
-            <a:r>
-              <a:rPr lang="nl-NL" dirty="0"/>
-              <a:t>Question: </a:t>
-            </a:r>
-            <a:r>
-              <a:rPr lang="nl-NL" dirty="0" err="1"/>
-              <a:t>which</a:t>
-            </a:r>
-            <a:r>
-              <a:rPr lang="nl-NL" dirty="0"/>
-              <a:t> data </a:t>
-            </a:r>
-            <a:r>
-              <a:rPr lang="nl-NL" dirty="0" err="1"/>
-              <a:t>structure</a:t>
-            </a:r>
-            <a:r>
-              <a:rPr lang="nl-NL" dirty="0"/>
-              <a:t> is </a:t>
-            </a:r>
-            <a:r>
-              <a:rPr lang="nl-NL" dirty="0" err="1"/>
-              <a:t>faster</a:t>
-            </a:r>
-            <a:r>
-              <a:rPr lang="nl-NL" dirty="0"/>
-              <a:t>?</a:t>
-            </a:r>
-            <a:endParaRPr lang="en-GB" dirty="0"/>
-          </a:p>
-        </p:txBody>
-      </p:sp>
-    </p:spTree>
-    <p:extLst>
-      <p:ext uri="{BB962C8B-B14F-4D97-AF65-F5344CB8AC3E}">
-        <p14:creationId xmlns:p14="http://schemas.microsoft.com/office/powerpoint/2010/main" val="2537418944"/>
-      </p:ext>
-    </p:extLst>
-  </p:cSld>
-  <p:clrMapOvr>
-    <a:masterClrMapping/>
-  </p:clrMapOvr>
-  <p:timing>
-    <p:tnLst>
-      <p:par>
-        <p:cTn id="1" dur="indefinite" restart="never" nodeType="tmRoot">
-          <p:childTnLst>
-            <p:seq concurrent="1" nextAc="seek">
-              <p:cTn id="2" dur="indefinite" nodeType="mainSeq">
-                <p:childTnLst>
-                  <p:par>
-                    <p:cTn id="3" fill="hold">
-                      <p:stCondLst>
-                        <p:cond delay="indefinite"/>
-                      </p:stCondLst>
-                      <p:childTnLst>
-                        <p:par>
-                          <p:cTn id="4" fill="hold">
-                            <p:stCondLst>
-                              <p:cond delay="0"/>
-                            </p:stCondLst>
-                            <p:childTnLst>
-                              <p:par>
-                                <p:cTn id="5" presetID="1" presetClass="entr" presetSubtype="0" fill="hold" grpId="0" nodeType="clickEffect">
-                                  <p:stCondLst>
-                                    <p:cond delay="0"/>
-                                  </p:stCondLst>
-                                  <p:childTnLst>
-                                    <p:set>
-                                      <p:cBhvr>
-                                        <p:cTn id="6" dur="1" fill="hold">
-                                          <p:stCondLst>
-                                            <p:cond delay="0"/>
-                                          </p:stCondLst>
-                                        </p:cTn>
-                                        <p:tgtEl>
-                                          <p:spTgt spid="3">
-                                            <p:txEl>
-                                              <p:pRg st="0" end="0"/>
-                                            </p:txEl>
-                                          </p:spTgt>
-                                        </p:tgtEl>
-                                        <p:attrNameLst>
-                                          <p:attrName>style.visibility</p:attrName>
-                                        </p:attrNameLst>
-                                      </p:cBhvr>
-                                      <p:to>
-                                        <p:strVal val="visible"/>
-                                      </p:to>
-                                    </p:set>
-                                  </p:childTnLst>
-                                </p:cTn>
-                              </p:par>
-                              <p:par>
-                                <p:cTn id="7" presetID="1" presetClass="entr" presetSubtype="0" fill="hold" grpId="0" nodeType="withEffect">
-                                  <p:stCondLst>
-                                    <p:cond delay="0"/>
-                                  </p:stCondLst>
-                                  <p:childTnLst>
-                                    <p:set>
-                                      <p:cBhvr>
-                                        <p:cTn id="8" dur="1" fill="hold">
-                                          <p:stCondLst>
-                                            <p:cond delay="0"/>
-                                          </p:stCondLst>
-                                        </p:cTn>
-                                        <p:tgtEl>
-                                          <p:spTgt spid="3">
-                                            <p:txEl>
-                                              <p:pRg st="1" end="1"/>
-                                            </p:txEl>
-                                          </p:spTgt>
-                                        </p:tgtEl>
-                                        <p:attrNameLst>
-                                          <p:attrName>style.visibility</p:attrName>
-                                        </p:attrNameLst>
-                                      </p:cBhvr>
-                                      <p:to>
-                                        <p:strVal val="visible"/>
-                                      </p:to>
-                                    </p:set>
-                                  </p:childTnLst>
-                                </p:cTn>
-                              </p:par>
-                              <p:par>
-                                <p:cTn id="9" presetID="1" presetClass="entr" presetSubtype="0" fill="hold" grpId="0" nodeType="withEffect">
-                                  <p:stCondLst>
-                                    <p:cond delay="0"/>
-                                  </p:stCondLst>
-                                  <p:childTnLst>
-                                    <p:set>
-                                      <p:cBhvr>
-                                        <p:cTn id="10" dur="1" fill="hold">
-                                          <p:stCondLst>
-                                            <p:cond delay="0"/>
-                                          </p:stCondLst>
-                                        </p:cTn>
-                                        <p:tgtEl>
-                                          <p:spTgt spid="4">
-                                            <p:txEl>
-                                              <p:pRg st="0" end="0"/>
-                                            </p:txEl>
-                                          </p:spTgt>
-                                        </p:tgtEl>
-                                        <p:attrNameLst>
-                                          <p:attrName>style.visibility</p:attrName>
-                                        </p:attrNameLst>
-                                      </p:cBhvr>
-                                      <p:to>
-                                        <p:strVal val="visible"/>
-                                      </p:to>
-                                    </p:set>
-                                  </p:childTnLst>
-                                </p:cTn>
-                              </p:par>
-                              <p:par>
-                                <p:cTn id="11" presetID="1" presetClass="entr" presetSubtype="0" fill="hold" grpId="0" nodeType="withEffect">
-                                  <p:stCondLst>
-                                    <p:cond delay="0"/>
-                                  </p:stCondLst>
-                                  <p:childTnLst>
-                                    <p:set>
-                                      <p:cBhvr>
-                                        <p:cTn id="12" dur="1" fill="hold">
-                                          <p:stCondLst>
-                                            <p:cond delay="0"/>
-                                          </p:stCondLst>
-                                        </p:cTn>
-                                        <p:tgtEl>
-                                          <p:spTgt spid="4">
-                                            <p:txEl>
-                                              <p:pRg st="1" end="1"/>
-                                            </p:txEl>
-                                          </p:spTgt>
-                                        </p:tgtEl>
-                                        <p:attrNameLst>
-                                          <p:attrName>style.visibility</p:attrName>
-                                        </p:attrNameLst>
-                                      </p:cBhvr>
-                                      <p:to>
-                                        <p:strVal val="visible"/>
-                                      </p:to>
-                                    </p:set>
-                                  </p:childTnLst>
-                                </p:cTn>
-                              </p:par>
-                            </p:childTnLst>
-                          </p:cTn>
-                        </p:par>
-                      </p:childTnLst>
-                    </p:cTn>
-                  </p:par>
-                  <p:par>
-                    <p:cTn id="13" fill="hold">
-                      <p:stCondLst>
-                        <p:cond delay="indefinite"/>
-                      </p:stCondLst>
-                      <p:childTnLst>
-                        <p:par>
-                          <p:cTn id="14" fill="hold">
-                            <p:stCondLst>
-                              <p:cond delay="0"/>
-                            </p:stCondLst>
-                            <p:childTnLst>
-                              <p:par>
-                                <p:cTn id="15" presetID="1" presetClass="entr" presetSubtype="0" fill="hold" grpId="0" nodeType="clickEffect">
-                                  <p:stCondLst>
-                                    <p:cond delay="0"/>
-                                  </p:stCondLst>
-                                  <p:childTnLst>
-                                    <p:set>
-                                      <p:cBhvr>
-                                        <p:cTn id="16" dur="1" fill="hold">
-                                          <p:stCondLst>
-                                            <p:cond delay="0"/>
-                                          </p:stCondLst>
-                                        </p:cTn>
-                                        <p:tgtEl>
-                                          <p:spTgt spid="5"/>
-                                        </p:tgtEl>
-                                        <p:attrNameLst>
-                                          <p:attrName>style.visibility</p:attrName>
-                                        </p:attrNameLst>
-                                      </p:cBhvr>
-                                      <p:to>
-                                        <p:strVal val="visible"/>
-                                      </p:to>
-                                    </p:set>
-                                  </p:childTnLst>
-                                </p:cTn>
-                              </p:par>
-                              <p:par>
-                                <p:cTn id="17" presetID="1" presetClass="entr" presetSubtype="0" fill="hold" grpId="0" nodeType="withEffect">
-                                  <p:stCondLst>
-                                    <p:cond delay="0"/>
-                                  </p:stCondLst>
-                                  <p:childTnLst>
-                                    <p:set>
-                                      <p:cBhvr>
-                                        <p:cTn id="18" dur="1" fill="hold">
-                                          <p:stCondLst>
-                                            <p:cond delay="0"/>
-                                          </p:stCondLst>
-                                        </p:cTn>
-                                        <p:tgtEl>
-                                          <p:spTgt spid="6"/>
-                                        </p:tgtEl>
-                                        <p:attrNameLst>
-                                          <p:attrName>style.visibility</p:attrName>
-                                        </p:attrNameLst>
-                                      </p:cBhvr>
-                                      <p:to>
-                                        <p:strVal val="visible"/>
-                                      </p:to>
-                                    </p:set>
-                                  </p:childTnLst>
-                                </p:cTn>
-                              </p:par>
-                            </p:childTnLst>
-                          </p:cTn>
-                        </p:par>
-                      </p:childTnLst>
-                    </p:cTn>
-                  </p:par>
-                  <p:par>
-                    <p:cTn id="19" fill="hold">
-                      <p:stCondLst>
-                        <p:cond delay="indefinite"/>
-                      </p:stCondLst>
-                      <p:childTnLst>
-                        <p:par>
-                          <p:cTn id="20" fill="hold">
-                            <p:stCondLst>
-                              <p:cond delay="0"/>
-                            </p:stCondLst>
-                            <p:childTnLst>
-                              <p:par>
-                                <p:cTn id="21" presetID="1" presetClass="entr" presetSubtype="0" fill="hold" grpId="0" nodeType="clickEffect">
-                                  <p:stCondLst>
-                                    <p:cond delay="0"/>
-                                  </p:stCondLst>
-                                  <p:childTnLst>
-                                    <p:set>
-                                      <p:cBhvr>
-                                        <p:cTn id="22" dur="1" fill="hold">
-                                          <p:stCondLst>
-                                            <p:cond delay="0"/>
-                                          </p:stCondLst>
-                                        </p:cTn>
-                                        <p:tgtEl>
-                                          <p:spTgt spid="7"/>
-                                        </p:tgtEl>
-                                        <p:attrNameLst>
-                                          <p:attrName>style.visibility</p:attrName>
-                                        </p:attrNameLst>
-                                      </p:cBhvr>
-                                      <p:to>
-                                        <p:strVal val="visible"/>
-                                      </p:to>
-                                    </p:set>
-                                  </p:childTnLst>
-                                </p:cTn>
-                              </p:par>
-                            </p:childTnLst>
-                          </p:cTn>
-                        </p:par>
-                      </p:childTnLst>
-                    </p:cTn>
-                  </p:par>
-                </p:childTnLst>
-              </p:cTn>
-              <p:prevCondLst>
-                <p:cond evt="onPrev" delay="0">
-                  <p:tgtEl>
-                    <p:sldTgt/>
-                  </p:tgtEl>
-                </p:cond>
-              </p:prevCondLst>
-              <p:nextCondLst>
-                <p:cond evt="onNext" delay="0">
-                  <p:tgtEl>
-                    <p:sldTgt/>
-                  </p:tgtEl>
-                </p:cond>
-              </p:nextCondLst>
-            </p:seq>
-          </p:childTnLst>
-        </p:cTn>
-      </p:par>
-    </p:tnLst>
-    <p:bldLst>
-      <p:bldP spid="3" grpId="0" build="p"/>
-      <p:bldP spid="4" grpId="0" uiExpand="1" build="p"/>
-      <p:bldP spid="5" grpId="0"/>
-      <p:bldP spid="6" grpId="0"/>
-      <p:bldP spid="7" grpId="0"/>
-    </p:bldLst>
-  </p:timing>
-</p:sld>
-</file>
-
-<file path=ppt/slides/slide8.xml><?xml version="1.0" encoding="utf-8"?>
-<p:sld xmlns:a="http://schemas.openxmlformats.org/drawingml/2006/main" xmlns:r="http://schemas.openxmlformats.org/officeDocument/2006/relationships" xmlns:p="http://schemas.openxmlformats.org/presentationml/2006/main">
-  <p:cSld>
-    <p:spTree>
-      <p:nvGrpSpPr>
-        <p:cNvPr id="1" name=""/>
-        <p:cNvGrpSpPr/>
-        <p:nvPr/>
-      </p:nvGrpSpPr>
-      <p:grpSpPr>
-        <a:xfrm>
-          <a:off x="0" y="0"/>
-          <a:ext cx="0" cy="0"/>
-          <a:chOff x="0" y="0"/>
-          <a:chExt cx="0" cy="0"/>
-        </a:xfrm>
-      </p:grpSpPr>
-      <p:sp>
-        <p:nvSpPr>
-          <p:cNvPr id="2" name="Titel 1">
-            <a:extLst>
-              <a:ext uri="{FF2B5EF4-FFF2-40B4-BE49-F238E27FC236}">
-                <a16:creationId xmlns:a16="http://schemas.microsoft.com/office/drawing/2014/main" id="{26D56270-1C1B-4B1E-BC4F-ACC759B672F7}"/>
-              </a:ext>
-            </a:extLst>
-          </p:cNvPr>
-          <p:cNvSpPr>
-            <a:spLocks noGrp="1"/>
-          </p:cNvSpPr>
-          <p:nvPr>
-            <p:ph type="title"/>
-          </p:nvPr>
-        </p:nvSpPr>
-        <p:spPr>
-          <a:xfrm>
-            <a:off x="838200" y="365125"/>
-            <a:ext cx="10515600" cy="1325563"/>
-          </a:xfrm>
-        </p:spPr>
-        <p:txBody>
-          <a:bodyPr/>
-          <a:lstStyle/>
-          <a:p>
-            <a:r>
-              <a:rPr lang="nl-NL" dirty="0" err="1"/>
-              <a:t>Results</a:t>
-            </a:r>
-            <a:r>
-              <a:rPr lang="nl-NL" dirty="0"/>
-              <a:t> – Data </a:t>
-            </a:r>
-            <a:br>
-              <a:rPr lang="nl-NL" dirty="0"/>
-            </a:br>
-            <a:r>
-              <a:rPr lang="nl-NL" dirty="0" err="1"/>
-              <a:t>structure</a:t>
-            </a:r>
-            <a:endParaRPr lang="en-GB" dirty="0"/>
-          </a:p>
-        </p:txBody>
-      </p:sp>
-      <p:sp>
-        <p:nvSpPr>
-          <p:cNvPr id="3" name="Tijdelijke aanduiding voor inhoud 2">
-            <a:extLst>
-              <a:ext uri="{FF2B5EF4-FFF2-40B4-BE49-F238E27FC236}">
-                <a16:creationId xmlns:a16="http://schemas.microsoft.com/office/drawing/2014/main" id="{938874C9-2E1B-4E00-9D04-38873D0AC371}"/>
-              </a:ext>
-            </a:extLst>
-          </p:cNvPr>
-          <p:cNvSpPr>
-            <a:spLocks noGrp="1"/>
-          </p:cNvSpPr>
-          <p:nvPr>
-            <p:ph sz="half" idx="1"/>
-          </p:nvPr>
-        </p:nvSpPr>
-        <p:spPr>
-          <a:xfrm>
-            <a:off x="838200" y="2412693"/>
-            <a:ext cx="3370243" cy="3764269"/>
-          </a:xfrm>
-        </p:spPr>
-        <p:txBody>
-          <a:bodyPr>
-            <a:normAutofit/>
-          </a:bodyPr>
-          <a:lstStyle/>
-          <a:p>
-            <a:r>
-              <a:rPr lang="nl-NL" sz="2400" dirty="0"/>
-              <a:t>L: </a:t>
-            </a:r>
-            <a:r>
-              <a:rPr lang="nl-NL" sz="2400" dirty="0" err="1"/>
-              <a:t>length</a:t>
-            </a:r>
-            <a:r>
-              <a:rPr lang="nl-NL" sz="2400" dirty="0"/>
-              <a:t> of </a:t>
-            </a:r>
-            <a:r>
-              <a:rPr lang="nl-NL" sz="2400" dirty="0" err="1"/>
-              <a:t>protein</a:t>
-            </a:r>
-            <a:endParaRPr lang="nl-NL" sz="2400" dirty="0"/>
-          </a:p>
-          <a:p>
-            <a:r>
-              <a:rPr lang="nl-NL" sz="2400" dirty="0"/>
-              <a:t>N: </a:t>
-            </a:r>
-            <a:r>
-              <a:rPr lang="nl-NL" sz="2400" dirty="0" err="1"/>
-              <a:t>number</a:t>
-            </a:r>
-            <a:r>
-              <a:rPr lang="nl-NL" sz="2400" dirty="0"/>
-              <a:t> of </a:t>
-            </a:r>
-            <a:r>
-              <a:rPr lang="nl-NL" sz="2400" dirty="0" err="1"/>
-              <a:t>iterations</a:t>
-            </a:r>
-            <a:endParaRPr lang="nl-NL" sz="2400" dirty="0"/>
-          </a:p>
-          <a:p>
-            <a:endParaRPr lang="nl-NL" sz="2400" dirty="0"/>
-          </a:p>
-        </p:txBody>
-      </p:sp>
-      <p:pic>
-        <p:nvPicPr>
-          <p:cNvPr id="5" name="Tijdelijke aanduiding voor inhoud 4">
-            <a:extLst>
-              <a:ext uri="{FF2B5EF4-FFF2-40B4-BE49-F238E27FC236}">
-                <a16:creationId xmlns:a16="http://schemas.microsoft.com/office/drawing/2014/main" id="{936E018E-90A8-44A9-B921-A228CBB1098D}"/>
-              </a:ext>
-            </a:extLst>
-          </p:cNvPr>
-          <p:cNvPicPr>
-            <a:picLocks noGrp="1" noChangeAspect="1"/>
-          </p:cNvPicPr>
-          <p:nvPr>
-            <p:ph sz="half" idx="2"/>
-          </p:nvPr>
-        </p:nvPicPr>
-        <p:blipFill>
-          <a:blip r:embed="rId2"/>
-          <a:stretch>
-            <a:fillRect/>
-          </a:stretch>
-        </p:blipFill>
-        <p:spPr>
-          <a:xfrm>
-            <a:off x="4549967" y="484743"/>
-            <a:ext cx="7095504" cy="6008132"/>
-          </a:xfrm>
-          <a:prstGeom prst="rect">
-            <a:avLst/>
-          </a:prstGeom>
-        </p:spPr>
-      </p:pic>
-    </p:spTree>
-    <p:extLst>
-      <p:ext uri="{BB962C8B-B14F-4D97-AF65-F5344CB8AC3E}">
-        <p14:creationId xmlns:p14="http://schemas.microsoft.com/office/powerpoint/2010/main" val="163970808"/>
-      </p:ext>
-    </p:extLst>
-  </p:cSld>
-  <p:clrMapOvr>
-    <a:masterClrMapping/>
-  </p:clrMapOvr>
-</p:sld>
-</file>
-
-<file path=ppt/slides/slide9.xml><?xml version="1.0" encoding="utf-8"?>
-<p:sld xmlns:a="http://schemas.openxmlformats.org/drawingml/2006/main" xmlns:r="http://schemas.openxmlformats.org/officeDocument/2006/relationships" xmlns:p="http://schemas.openxmlformats.org/presentationml/2006/main">
-  <p:cSld>
-    <p:spTree>
-      <p:nvGrpSpPr>
-        <p:cNvPr id="1" name=""/>
-        <p:cNvGrpSpPr/>
-        <p:nvPr/>
-      </p:nvGrpSpPr>
-      <p:grpSpPr>
-        <a:xfrm>
-          <a:off x="0" y="0"/>
-          <a:ext cx="0" cy="0"/>
-          <a:chOff x="0" y="0"/>
-          <a:chExt cx="0" cy="0"/>
-        </a:xfrm>
-      </p:grpSpPr>
-      <p:sp>
-        <p:nvSpPr>
-          <p:cNvPr id="2" name="Titel 1">
-            <a:extLst>
-              <a:ext uri="{FF2B5EF4-FFF2-40B4-BE49-F238E27FC236}">
-                <a16:creationId xmlns:a16="http://schemas.microsoft.com/office/drawing/2014/main" id="{5C770520-98CE-4CE6-ACD0-072593328459}"/>
-              </a:ext>
-            </a:extLst>
-          </p:cNvPr>
-          <p:cNvSpPr>
-            <a:spLocks noGrp="1"/>
-          </p:cNvSpPr>
-          <p:nvPr>
-            <p:ph type="title"/>
-          </p:nvPr>
-        </p:nvSpPr>
-        <p:spPr/>
-        <p:txBody>
-          <a:bodyPr>
-            <a:normAutofit fontScale="90000"/>
-          </a:bodyPr>
-          <a:lstStyle/>
-          <a:p>
-            <a:r>
-              <a:rPr lang="nl-NL" dirty="0" err="1"/>
-              <a:t>Results</a:t>
-            </a:r>
-            <a:r>
-              <a:rPr lang="nl-NL" dirty="0"/>
-              <a:t> – </a:t>
-            </a:r>
-            <a:r>
-              <a:rPr lang="nl-NL" dirty="0" err="1"/>
-              <a:t>Size</a:t>
-            </a:r>
-            <a:r>
-              <a:rPr lang="nl-NL" dirty="0"/>
-              <a:t> </a:t>
-            </a:r>
-            <a:br>
-              <a:rPr lang="nl-NL" dirty="0"/>
-            </a:br>
-            <a:r>
-              <a:rPr lang="nl-NL" dirty="0" err="1"/>
-              <a:t>restricted</a:t>
-            </a:r>
-            <a:r>
-              <a:rPr lang="nl-NL" dirty="0"/>
-              <a:t> </a:t>
-            </a:r>
-            <a:br>
-              <a:rPr lang="nl-NL" dirty="0"/>
-            </a:br>
-            <a:r>
-              <a:rPr lang="nl-NL" dirty="0" err="1"/>
-              <a:t>configuration</a:t>
-            </a:r>
-            <a:r>
-              <a:rPr lang="nl-NL" dirty="0"/>
-              <a:t> </a:t>
-            </a:r>
-            <a:endParaRPr lang="en-GB" dirty="0"/>
-          </a:p>
-        </p:txBody>
-      </p:sp>
-      <p:sp>
-        <p:nvSpPr>
-          <p:cNvPr id="3" name="Tijdelijke aanduiding voor inhoud 2">
-            <a:extLst>
-              <a:ext uri="{FF2B5EF4-FFF2-40B4-BE49-F238E27FC236}">
-                <a16:creationId xmlns:a16="http://schemas.microsoft.com/office/drawing/2014/main" id="{42690F7B-EA12-4F0D-B938-C55DD64D10DF}"/>
-              </a:ext>
-            </a:extLst>
-          </p:cNvPr>
-          <p:cNvSpPr>
-            <a:spLocks noGrp="1"/>
-          </p:cNvSpPr>
-          <p:nvPr>
-            <p:ph sz="half" idx="1"/>
-          </p:nvPr>
-        </p:nvSpPr>
-        <p:spPr>
-          <a:xfrm>
-            <a:off x="838200" y="2379643"/>
-            <a:ext cx="3525253" cy="3797320"/>
-          </a:xfrm>
-        </p:spPr>
-        <p:txBody>
-          <a:bodyPr>
-            <a:normAutofit fontScale="92500" lnSpcReduction="10000"/>
-          </a:bodyPr>
-          <a:lstStyle/>
-          <a:p>
-            <a:r>
-              <a:rPr lang="nl-NL" dirty="0"/>
-              <a:t>S: </a:t>
-            </a:r>
-            <a:r>
-              <a:rPr lang="nl-NL" dirty="0" err="1"/>
-              <a:t>wanted</a:t>
-            </a:r>
-            <a:r>
-              <a:rPr lang="nl-NL" dirty="0"/>
-              <a:t> </a:t>
-            </a:r>
-            <a:r>
-              <a:rPr lang="nl-NL" dirty="0" err="1"/>
-              <a:t>stability</a:t>
-            </a:r>
-            <a:endParaRPr lang="nl-NL" dirty="0"/>
-          </a:p>
-          <a:p>
-            <a:r>
-              <a:rPr lang="nl-NL" dirty="0"/>
-              <a:t>D: </a:t>
-            </a:r>
-            <a:r>
-              <a:rPr lang="nl-NL" dirty="0" err="1"/>
-              <a:t>dimension</a:t>
-            </a:r>
-            <a:r>
-              <a:rPr lang="nl-NL" dirty="0"/>
-              <a:t> of matrix</a:t>
-            </a:r>
-          </a:p>
-          <a:p>
-            <a:r>
-              <a:rPr lang="nl-NL" dirty="0"/>
-              <a:t>L: </a:t>
-            </a:r>
-            <a:r>
-              <a:rPr lang="nl-NL" dirty="0" err="1"/>
-              <a:t>length</a:t>
-            </a:r>
-            <a:r>
-              <a:rPr lang="nl-NL" dirty="0"/>
-              <a:t> of </a:t>
-            </a:r>
-            <a:r>
-              <a:rPr lang="nl-NL" dirty="0" err="1"/>
-              <a:t>protein</a:t>
-            </a:r>
-            <a:endParaRPr lang="nl-NL" dirty="0"/>
-          </a:p>
-          <a:p>
-            <a:endParaRPr lang="nl-NL" dirty="0"/>
-          </a:p>
-          <a:p>
-            <a:r>
-              <a:rPr lang="nl-NL" dirty="0"/>
-              <a:t>String 1 (L=14):</a:t>
-            </a:r>
-            <a:br>
-              <a:rPr lang="nl-NL" dirty="0"/>
-            </a:br>
-            <a:r>
-              <a:rPr lang="nl-NL" sz="2000" dirty="0"/>
-              <a:t>HHPHHHPHPHHHPH</a:t>
-            </a:r>
-          </a:p>
-          <a:p>
-            <a:r>
-              <a:rPr lang="en-GB" dirty="0"/>
-              <a:t>String 2 (L=20):</a:t>
-            </a:r>
-            <a:br>
-              <a:rPr lang="en-GB" dirty="0"/>
-            </a:br>
-            <a:r>
-              <a:rPr lang="en-GB" sz="2000" dirty="0"/>
-              <a:t>HPHPPHHPHPPHPHHPPHPH</a:t>
-            </a:r>
-          </a:p>
-          <a:p>
-            <a:r>
-              <a:rPr lang="en-GB" dirty="0"/>
-              <a:t>String 3 (L=36):</a:t>
-            </a:r>
-            <a:br>
-              <a:rPr lang="en-GB" sz="3200" dirty="0"/>
-            </a:br>
-            <a:r>
-              <a:rPr lang="en-GB" sz="1200" dirty="0"/>
-              <a:t>PPPHHPPHHPPPPPHHHHHHHPPHHPPPPHHPPHPP</a:t>
-            </a:r>
-            <a:endParaRPr lang="en-GB" dirty="0"/>
-          </a:p>
-        </p:txBody>
-      </p:sp>
-      <p:pic>
-        <p:nvPicPr>
-          <p:cNvPr id="9" name="Tijdelijke aanduiding voor inhoud 8">
-            <a:extLst>
-              <a:ext uri="{FF2B5EF4-FFF2-40B4-BE49-F238E27FC236}">
-                <a16:creationId xmlns:a16="http://schemas.microsoft.com/office/drawing/2014/main" id="{F08D6B3F-5E78-495C-B677-CF06845219FA}"/>
-              </a:ext>
-            </a:extLst>
-          </p:cNvPr>
-          <p:cNvPicPr>
-            <a:picLocks noGrp="1" noChangeAspect="1"/>
-          </p:cNvPicPr>
-          <p:nvPr>
-            <p:ph sz="half" idx="2"/>
-          </p:nvPr>
-        </p:nvPicPr>
-        <p:blipFill>
-          <a:blip r:embed="rId2"/>
-          <a:stretch>
-            <a:fillRect/>
-          </a:stretch>
-        </p:blipFill>
-        <p:spPr>
-          <a:xfrm>
-            <a:off x="4759297" y="566365"/>
-            <a:ext cx="6921920" cy="5725270"/>
-          </a:xfrm>
-          <a:prstGeom prst="rect">
-            <a:avLst/>
-          </a:prstGeom>
-        </p:spPr>
-      </p:pic>
-    </p:spTree>
-    <p:extLst>
-      <p:ext uri="{BB962C8B-B14F-4D97-AF65-F5344CB8AC3E}">
-        <p14:creationId xmlns:p14="http://schemas.microsoft.com/office/powerpoint/2010/main" val="1096537137"/>
-      </p:ext>
-    </p:extLst>
-  </p:cSld>
-  <p:clrMapOvr>
-    <a:masterClrMapping/>
-  </p:clrMapOvr>
 </p:sld>
 </file>
 

--- a/Documentation/PPP, Week 2, Meeting 1.pptx
+++ b/Documentation/PPP, Week 2, Meeting 1.pptx
@@ -5,29 +5,28 @@
     <p:sldMasterId id="2147483672" r:id="rId1"/>
   </p:sldMasterIdLst>
   <p:notesMasterIdLst>
-    <p:notesMasterId r:id="rId22"/>
+    <p:notesMasterId r:id="rId21"/>
   </p:notesMasterIdLst>
   <p:sldIdLst>
     <p:sldId id="256" r:id="rId2"/>
     <p:sldId id="270" r:id="rId3"/>
-    <p:sldId id="258" r:id="rId4"/>
-    <p:sldId id="272" r:id="rId5"/>
+    <p:sldId id="283" r:id="rId4"/>
+    <p:sldId id="284" r:id="rId5"/>
     <p:sldId id="268" r:id="rId6"/>
-    <p:sldId id="257" r:id="rId7"/>
-    <p:sldId id="267" r:id="rId8"/>
-    <p:sldId id="277" r:id="rId9"/>
-    <p:sldId id="278" r:id="rId10"/>
-    <p:sldId id="279" r:id="rId11"/>
-    <p:sldId id="280" r:id="rId12"/>
-    <p:sldId id="281" r:id="rId13"/>
-    <p:sldId id="282" r:id="rId14"/>
-    <p:sldId id="274" r:id="rId15"/>
-    <p:sldId id="275" r:id="rId16"/>
-    <p:sldId id="276" r:id="rId17"/>
-    <p:sldId id="271" r:id="rId18"/>
-    <p:sldId id="269" r:id="rId19"/>
-    <p:sldId id="273" r:id="rId20"/>
-    <p:sldId id="265" r:id="rId21"/>
+    <p:sldId id="267" r:id="rId7"/>
+    <p:sldId id="277" r:id="rId8"/>
+    <p:sldId id="278" r:id="rId9"/>
+    <p:sldId id="279" r:id="rId10"/>
+    <p:sldId id="280" r:id="rId11"/>
+    <p:sldId id="281" r:id="rId12"/>
+    <p:sldId id="282" r:id="rId13"/>
+    <p:sldId id="274" r:id="rId14"/>
+    <p:sldId id="275" r:id="rId15"/>
+    <p:sldId id="276" r:id="rId16"/>
+    <p:sldId id="271" r:id="rId17"/>
+    <p:sldId id="269" r:id="rId18"/>
+    <p:sldId id="273" r:id="rId19"/>
+    <p:sldId id="265" r:id="rId20"/>
   </p:sldIdLst>
   <p:sldSz cx="12192000" cy="6858000"/>
   <p:notesSz cx="6858000" cy="9144000"/>
@@ -3596,234 +3595,6 @@
           <a:p>
             <a:r>
               <a:rPr lang="en-GB" dirty="0"/>
-              <a:t>Self avoiding random walk (with a twist)</a:t>
-            </a:r>
-          </a:p>
-        </p:txBody>
-      </p:sp>
-      <p:sp>
-        <p:nvSpPr>
-          <p:cNvPr id="3" name="Tijdelijke aanduiding voor inhoud 2">
-            <a:extLst>
-              <a:ext uri="{FF2B5EF4-FFF2-40B4-BE49-F238E27FC236}">
-                <a16:creationId xmlns:a16="http://schemas.microsoft.com/office/drawing/2014/main" id="{6B57B016-94D5-F646-9976-362E7188E1F0}"/>
-              </a:ext>
-            </a:extLst>
-          </p:cNvPr>
-          <p:cNvSpPr>
-            <a:spLocks noGrp="1"/>
-          </p:cNvSpPr>
-          <p:nvPr>
-            <p:ph sz="half" idx="1"/>
-          </p:nvPr>
-        </p:nvSpPr>
-        <p:spPr/>
-        <p:txBody>
-          <a:bodyPr>
-            <a:normAutofit lnSpcReduction="10000"/>
-          </a:bodyPr>
-          <a:lstStyle/>
-          <a:p>
-            <a:r>
-              <a:rPr lang="en-GB" dirty="0"/>
-              <a:t>Let S be HP-chain of length n.</a:t>
-            </a:r>
-          </a:p>
-          <a:p>
-            <a:r>
-              <a:rPr lang="en-GB" dirty="0"/>
-              <a:t>Fix first 2 elements of chain.</a:t>
-            </a:r>
-            <a:endParaRPr lang="en-GB" baseline="-25000" dirty="0"/>
-          </a:p>
-          <a:p>
-            <a:r>
-              <a:rPr lang="en-GB" dirty="0"/>
-              <a:t>For subsequent elements up to the n</a:t>
-            </a:r>
-            <a:r>
-              <a:rPr lang="en-GB" baseline="30000" dirty="0"/>
-              <a:t>th</a:t>
-            </a:r>
-            <a:r>
-              <a:rPr lang="en-GB" dirty="0"/>
-              <a:t> element, choose random move from {u, d, l, r, </a:t>
-            </a:r>
-            <a:r>
-              <a:rPr lang="en-GB" dirty="0" err="1"/>
-              <a:t>i</a:t>
-            </a:r>
-            <a:r>
-              <a:rPr lang="en-GB" dirty="0"/>
-              <a:t>, o}.</a:t>
-            </a:r>
-          </a:p>
-          <a:p>
-            <a:r>
-              <a:rPr lang="en-GB" dirty="0"/>
-              <a:t>If newly chosen coordinates are occupied, try new move.</a:t>
-            </a:r>
-          </a:p>
-          <a:p>
-            <a:r>
-              <a:rPr lang="en-GB" dirty="0">
-                <a:solidFill>
-                  <a:srgbClr val="FF0000"/>
-                </a:solidFill>
-              </a:rPr>
-              <a:t>If newly chosen coordinates are on the border, try new move.</a:t>
-            </a:r>
-          </a:p>
-          <a:p>
-            <a:r>
-              <a:rPr lang="en-GB" dirty="0"/>
-              <a:t>Stuck? Start over.</a:t>
-            </a:r>
-          </a:p>
-          <a:p>
-            <a:endParaRPr lang="en-GB" dirty="0"/>
-          </a:p>
-        </p:txBody>
-      </p:sp>
-      <p:sp>
-        <p:nvSpPr>
-          <p:cNvPr id="4" name="Tijdelijke aanduiding voor inhoud 3">
-            <a:extLst>
-              <a:ext uri="{FF2B5EF4-FFF2-40B4-BE49-F238E27FC236}">
-                <a16:creationId xmlns:a16="http://schemas.microsoft.com/office/drawing/2014/main" id="{D29CAD77-2AED-E94A-845B-B60D651EF411}"/>
-              </a:ext>
-            </a:extLst>
-          </p:cNvPr>
-          <p:cNvSpPr>
-            <a:spLocks noGrp="1"/>
-          </p:cNvSpPr>
-          <p:nvPr>
-            <p:ph sz="half" idx="2"/>
-          </p:nvPr>
-        </p:nvSpPr>
-        <p:spPr>
-          <a:xfrm>
-            <a:off x="9934956" y="3260725"/>
-            <a:ext cx="2066544" cy="2398465"/>
-          </a:xfrm>
-        </p:spPr>
-        <p:txBody>
-          <a:bodyPr>
-            <a:normAutofit lnSpcReduction="10000"/>
-          </a:bodyPr>
-          <a:lstStyle/>
-          <a:p>
-            <a:pPr marL="0" indent="0">
-              <a:buNone/>
-            </a:pPr>
-            <a:endParaRPr lang="en-GB" dirty="0"/>
-          </a:p>
-          <a:p>
-            <a:pPr lvl="1"/>
-            <a:endParaRPr lang="en-GB" dirty="0"/>
-          </a:p>
-        </p:txBody>
-      </p:sp>
-      <p:pic>
-        <p:nvPicPr>
-          <p:cNvPr id="2050" name="Picture 2" descr="Afbeeldingsresultaat voor self avoiding random walk">
-            <a:extLst>
-              <a:ext uri="{FF2B5EF4-FFF2-40B4-BE49-F238E27FC236}">
-                <a16:creationId xmlns:a16="http://schemas.microsoft.com/office/drawing/2014/main" id="{65C0D2C7-770B-4B82-A820-DDE69D725EE6}"/>
-              </a:ext>
-            </a:extLst>
-          </p:cNvPr>
-          <p:cNvPicPr>
-            <a:picLocks noChangeAspect="1" noChangeArrowheads="1"/>
-          </p:cNvPicPr>
-          <p:nvPr/>
-        </p:nvPicPr>
-        <p:blipFill>
-          <a:blip r:embed="rId2">
-            <a:extLst>
-              <a:ext uri="{28A0092B-C50C-407E-A947-70E740481C1C}">
-                <a14:useLocalDpi xmlns:a14="http://schemas.microsoft.com/office/drawing/2010/main" val="0"/>
-              </a:ext>
-            </a:extLst>
-          </a:blip>
-          <a:srcRect/>
-          <a:stretch>
-            <a:fillRect/>
-          </a:stretch>
-        </p:blipFill>
-        <p:spPr bwMode="auto">
-          <a:xfrm>
-            <a:off x="6648640" y="1840582"/>
-            <a:ext cx="3663760" cy="3663760"/>
-          </a:xfrm>
-          <a:prstGeom prst="rect">
-            <a:avLst/>
-          </a:prstGeom>
-          <a:noFill/>
-          <a:extLst>
-            <a:ext uri="{909E8E84-426E-40DD-AFC4-6F175D3DCCD1}">
-              <a14:hiddenFill xmlns:a14="http://schemas.microsoft.com/office/drawing/2010/main">
-                <a:solidFill>
-                  <a:srgbClr val="FFFFFF"/>
-                </a:solidFill>
-              </a14:hiddenFill>
-            </a:ext>
-          </a:extLst>
-        </p:spPr>
-      </p:pic>
-    </p:spTree>
-    <p:extLst>
-      <p:ext uri="{BB962C8B-B14F-4D97-AF65-F5344CB8AC3E}">
-        <p14:creationId xmlns:p14="http://schemas.microsoft.com/office/powerpoint/2010/main" val="2995681747"/>
-      </p:ext>
-    </p:extLst>
-  </p:cSld>
-  <p:clrMapOvr>
-    <a:masterClrMapping/>
-  </p:clrMapOvr>
-</p:sld>
-</file>
-
-<file path=ppt/slides/slide11.xml><?xml version="1.0" encoding="utf-8"?>
-<p:sld xmlns:a="http://schemas.openxmlformats.org/drawingml/2006/main" xmlns:r="http://schemas.openxmlformats.org/officeDocument/2006/relationships" xmlns:p="http://schemas.openxmlformats.org/presentationml/2006/main">
-  <p:cSld>
-    <p:spTree>
-      <p:nvGrpSpPr>
-        <p:cNvPr id="1" name=""/>
-        <p:cNvGrpSpPr/>
-        <p:nvPr/>
-      </p:nvGrpSpPr>
-      <p:grpSpPr>
-        <a:xfrm>
-          <a:off x="0" y="0"/>
-          <a:ext cx="0" cy="0"/>
-          <a:chOff x="0" y="0"/>
-          <a:chExt cx="0" cy="0"/>
-        </a:xfrm>
-      </p:grpSpPr>
-      <p:sp>
-        <p:nvSpPr>
-          <p:cNvPr id="2" name="Titel 1">
-            <a:extLst>
-              <a:ext uri="{FF2B5EF4-FFF2-40B4-BE49-F238E27FC236}">
-                <a16:creationId xmlns:a16="http://schemas.microsoft.com/office/drawing/2014/main" id="{BDECAEB1-542A-F848-9D2C-B10DFE956AB7}"/>
-              </a:ext>
-            </a:extLst>
-          </p:cNvPr>
-          <p:cNvSpPr>
-            <a:spLocks noGrp="1"/>
-          </p:cNvSpPr>
-          <p:nvPr>
-            <p:ph type="title"/>
-          </p:nvPr>
-        </p:nvSpPr>
-        <p:spPr/>
-        <p:txBody>
-          <a:bodyPr/>
-          <a:lstStyle/>
-          <a:p>
-            <a:r>
-              <a:rPr lang="en-GB" dirty="0"/>
               <a:t>Greedy</a:t>
             </a:r>
           </a:p>
@@ -3953,7 +3724,7 @@
 </p:sld>
 </file>
 
-<file path=ppt/slides/slide12.xml><?xml version="1.0" encoding="utf-8"?>
+<file path=ppt/slides/slide11.xml><?xml version="1.0" encoding="utf-8"?>
 <p:sld xmlns:a="http://schemas.openxmlformats.org/drawingml/2006/main" xmlns:r="http://schemas.openxmlformats.org/officeDocument/2006/relationships" xmlns:p="http://schemas.openxmlformats.org/presentationml/2006/main">
   <p:cSld>
     <p:spTree>
@@ -4202,7 +3973,7 @@
 </p:sld>
 </file>
 
-<file path=ppt/slides/slide13.xml><?xml version="1.0" encoding="utf-8"?>
+<file path=ppt/slides/slide12.xml><?xml version="1.0" encoding="utf-8"?>
 <p:sld xmlns:a="http://schemas.openxmlformats.org/drawingml/2006/main" xmlns:r="http://schemas.openxmlformats.org/officeDocument/2006/relationships" xmlns:p="http://schemas.openxmlformats.org/presentationml/2006/main">
   <p:cSld>
     <p:spTree>
@@ -4357,7 +4128,7 @@
 </p:sld>
 </file>
 
-<file path=ppt/slides/slide14.xml><?xml version="1.0" encoding="utf-8"?>
+<file path=ppt/slides/slide13.xml><?xml version="1.0" encoding="utf-8"?>
 <p:sld xmlns:a="http://schemas.openxmlformats.org/drawingml/2006/main" xmlns:r="http://schemas.openxmlformats.org/officeDocument/2006/relationships" xmlns:p="http://schemas.openxmlformats.org/presentationml/2006/main">
   <p:cSld>
     <p:spTree>
@@ -4534,7 +4305,7 @@
 </p:sld>
 </file>
 
-<file path=ppt/slides/slide15.xml><?xml version="1.0" encoding="utf-8"?>
+<file path=ppt/slides/slide14.xml><?xml version="1.0" encoding="utf-8"?>
 <p:sld xmlns:a="http://schemas.openxmlformats.org/drawingml/2006/main" xmlns:r="http://schemas.openxmlformats.org/officeDocument/2006/relationships" xmlns:p="http://schemas.openxmlformats.org/presentationml/2006/main">
   <p:cSld>
     <p:spTree>
@@ -4785,7 +4556,7 @@
 </p:sld>
 </file>
 
-<file path=ppt/slides/slide16.xml><?xml version="1.0" encoding="utf-8"?>
+<file path=ppt/slides/slide15.xml><?xml version="1.0" encoding="utf-8"?>
 <p:sld xmlns:a="http://schemas.openxmlformats.org/drawingml/2006/main" xmlns:r="http://schemas.openxmlformats.org/officeDocument/2006/relationships" xmlns:p="http://schemas.openxmlformats.org/presentationml/2006/main">
   <p:cSld>
     <p:spTree>
@@ -6235,7 +6006,7 @@
 </p:sld>
 </file>
 
-<file path=ppt/slides/slide17.xml><?xml version="1.0" encoding="utf-8"?>
+<file path=ppt/slides/slide16.xml><?xml version="1.0" encoding="utf-8"?>
 <p:sld xmlns:a="http://schemas.openxmlformats.org/drawingml/2006/main" xmlns:r="http://schemas.openxmlformats.org/officeDocument/2006/relationships" xmlns:p="http://schemas.openxmlformats.org/presentationml/2006/main">
   <p:cSld>
     <p:spTree>
@@ -6374,7 +6145,7 @@
 </p:sld>
 </file>
 
-<file path=ppt/slides/slide18.xml><?xml version="1.0" encoding="utf-8"?>
+<file path=ppt/slides/slide17.xml><?xml version="1.0" encoding="utf-8"?>
 <p:sld xmlns:a="http://schemas.openxmlformats.org/drawingml/2006/main" xmlns:r="http://schemas.openxmlformats.org/officeDocument/2006/relationships" xmlns:p="http://schemas.openxmlformats.org/presentationml/2006/main">
   <p:cSld>
     <p:spTree>
@@ -6946,6 +6717,164 @@
 </p:sld>
 </file>
 
+<file path=ppt/slides/slide18.xml><?xml version="1.0" encoding="utf-8"?>
+<p:sld xmlns:a="http://schemas.openxmlformats.org/drawingml/2006/main" xmlns:r="http://schemas.openxmlformats.org/officeDocument/2006/relationships" xmlns:p="http://schemas.openxmlformats.org/presentationml/2006/main">
+  <p:cSld>
+    <p:spTree>
+      <p:nvGrpSpPr>
+        <p:cNvPr id="1" name=""/>
+        <p:cNvGrpSpPr/>
+        <p:nvPr/>
+      </p:nvGrpSpPr>
+      <p:grpSpPr>
+        <a:xfrm>
+          <a:off x="0" y="0"/>
+          <a:ext cx="0" cy="0"/>
+          <a:chOff x="0" y="0"/>
+          <a:chExt cx="0" cy="0"/>
+        </a:xfrm>
+      </p:grpSpPr>
+      <p:sp>
+        <p:nvSpPr>
+          <p:cNvPr id="2" name="Titel 1">
+            <a:extLst>
+              <a:ext uri="{FF2B5EF4-FFF2-40B4-BE49-F238E27FC236}">
+                <a16:creationId xmlns:a16="http://schemas.microsoft.com/office/drawing/2014/main" id="{5174C44D-C4DB-C046-8C22-0504A1BEC542}"/>
+              </a:ext>
+            </a:extLst>
+          </p:cNvPr>
+          <p:cNvSpPr>
+            <a:spLocks noGrp="1"/>
+          </p:cNvSpPr>
+          <p:nvPr>
+            <p:ph type="title"/>
+          </p:nvPr>
+        </p:nvSpPr>
+        <p:spPr/>
+        <p:txBody>
+          <a:bodyPr/>
+          <a:lstStyle/>
+          <a:p>
+            <a:r>
+              <a:rPr lang="en-GB" dirty="0"/>
+              <a:t>Future: </a:t>
+            </a:r>
+          </a:p>
+        </p:txBody>
+      </p:sp>
+      <p:sp>
+        <p:nvSpPr>
+          <p:cNvPr id="3" name="Tijdelijke aanduiding voor inhoud 2">
+            <a:extLst>
+              <a:ext uri="{FF2B5EF4-FFF2-40B4-BE49-F238E27FC236}">
+                <a16:creationId xmlns:a16="http://schemas.microsoft.com/office/drawing/2014/main" id="{E1082D90-0845-5944-814F-31A506E1E0F2}"/>
+              </a:ext>
+            </a:extLst>
+          </p:cNvPr>
+          <p:cNvSpPr>
+            <a:spLocks noGrp="1"/>
+          </p:cNvSpPr>
+          <p:nvPr>
+            <p:ph sz="half" idx="1"/>
+          </p:nvPr>
+        </p:nvSpPr>
+        <p:spPr/>
+        <p:txBody>
+          <a:bodyPr/>
+          <a:lstStyle/>
+          <a:p>
+            <a:r>
+              <a:rPr lang="en-GB" dirty="0" err="1"/>
+              <a:t>Welke</a:t>
+            </a:r>
+            <a:r>
+              <a:rPr lang="en-GB" dirty="0"/>
+              <a:t> </a:t>
+            </a:r>
+            <a:r>
+              <a:rPr lang="en-GB" dirty="0" err="1"/>
+              <a:t>heuristieken</a:t>
+            </a:r>
+            <a:r>
+              <a:rPr lang="en-GB" dirty="0"/>
+              <a:t> </a:t>
+            </a:r>
+            <a:r>
+              <a:rPr lang="en-GB" dirty="0" err="1"/>
+              <a:t>gaan</a:t>
+            </a:r>
+            <a:r>
+              <a:rPr lang="en-GB" dirty="0"/>
+              <a:t> we </a:t>
+            </a:r>
+            <a:r>
+              <a:rPr lang="en-GB" dirty="0" err="1"/>
+              <a:t>komende</a:t>
+            </a:r>
+            <a:r>
+              <a:rPr lang="en-GB" dirty="0"/>
+              <a:t> week </a:t>
+            </a:r>
+            <a:r>
+              <a:rPr lang="en-GB" dirty="0" err="1"/>
+              <a:t>aan</a:t>
+            </a:r>
+            <a:r>
+              <a:rPr lang="en-GB" dirty="0"/>
+              <a:t> </a:t>
+            </a:r>
+            <a:r>
+              <a:rPr lang="en-GB" dirty="0" err="1"/>
+              <a:t>werken</a:t>
+            </a:r>
+            <a:r>
+              <a:rPr lang="en-GB" dirty="0"/>
+              <a:t>.</a:t>
+            </a:r>
+          </a:p>
+          <a:p>
+            <a:endParaRPr lang="en-GB" dirty="0"/>
+          </a:p>
+        </p:txBody>
+      </p:sp>
+      <p:sp>
+        <p:nvSpPr>
+          <p:cNvPr id="4" name="Tijdelijke aanduiding voor inhoud 3">
+            <a:extLst>
+              <a:ext uri="{FF2B5EF4-FFF2-40B4-BE49-F238E27FC236}">
+                <a16:creationId xmlns:a16="http://schemas.microsoft.com/office/drawing/2014/main" id="{7D861EC5-852D-834C-B001-4FF9DDDBC62F}"/>
+              </a:ext>
+            </a:extLst>
+          </p:cNvPr>
+          <p:cNvSpPr>
+            <a:spLocks noGrp="1"/>
+          </p:cNvSpPr>
+          <p:nvPr>
+            <p:ph sz="half" idx="2"/>
+          </p:nvPr>
+        </p:nvSpPr>
+        <p:spPr/>
+        <p:txBody>
+          <a:bodyPr/>
+          <a:lstStyle/>
+          <a:p>
+            <a:endParaRPr lang="en-GB"/>
+          </a:p>
+        </p:txBody>
+      </p:sp>
+    </p:spTree>
+    <p:extLst>
+      <p:ext uri="{BB962C8B-B14F-4D97-AF65-F5344CB8AC3E}">
+        <p14:creationId xmlns:p14="http://schemas.microsoft.com/office/powerpoint/2010/main" val="1963639422"/>
+      </p:ext>
+    </p:extLst>
+  </p:cSld>
+  <p:clrMapOvr>
+    <a:masterClrMapping/>
+  </p:clrMapOvr>
+</p:sld>
+</file>
+
 <file path=ppt/slides/slide19.xml><?xml version="1.0" encoding="utf-8"?>
 <p:sld xmlns:a="http://schemas.openxmlformats.org/drawingml/2006/main" xmlns:r="http://schemas.openxmlformats.org/officeDocument/2006/relationships" xmlns:p="http://schemas.openxmlformats.org/presentationml/2006/main">
   <p:cSld>
@@ -6968,7 +6897,7 @@
           <p:cNvPr id="2" name="Titel 1">
             <a:extLst>
               <a:ext uri="{FF2B5EF4-FFF2-40B4-BE49-F238E27FC236}">
-                <a16:creationId xmlns:a16="http://schemas.microsoft.com/office/drawing/2014/main" id="{5174C44D-C4DB-C046-8C22-0504A1BEC542}"/>
+                <a16:creationId xmlns:a16="http://schemas.microsoft.com/office/drawing/2014/main" id="{A40D14D6-C616-7346-AB1F-E0B3C6F3B4F5}"/>
               </a:ext>
             </a:extLst>
           </p:cNvPr>
@@ -6976,7 +6905,7 @@
             <a:spLocks noGrp="1"/>
           </p:cNvSpPr>
           <p:nvPr>
-            <p:ph type="title"/>
+            <p:ph type="ctrTitle"/>
           </p:nvPr>
         </p:nvSpPr>
         <p:spPr/>
@@ -6986,17 +6915,17 @@
           <a:p>
             <a:r>
               <a:rPr lang="en-GB" dirty="0"/>
-              <a:t>Future: </a:t>
-            </a:r>
-          </a:p>
-        </p:txBody>
-      </p:sp>
-      <p:sp>
-        <p:nvSpPr>
-          <p:cNvPr id="3" name="Tijdelijke aanduiding voor inhoud 2">
+              <a:t>Questions and comments?</a:t>
+            </a:r>
+          </a:p>
+        </p:txBody>
+      </p:sp>
+      <p:sp>
+        <p:nvSpPr>
+          <p:cNvPr id="3" name="Ondertitel 2">
             <a:extLst>
               <a:ext uri="{FF2B5EF4-FFF2-40B4-BE49-F238E27FC236}">
-                <a16:creationId xmlns:a16="http://schemas.microsoft.com/office/drawing/2014/main" id="{E1082D90-0845-5944-814F-31A506E1E0F2}"/>
+                <a16:creationId xmlns:a16="http://schemas.microsoft.com/office/drawing/2014/main" id="{CEF25AE3-A6E7-9F45-9D9A-CB2C1B23E372}"/>
               </a:ext>
             </a:extLst>
           </p:cNvPr>
@@ -7004,97 +6933,59 @@
             <a:spLocks noGrp="1"/>
           </p:cNvSpPr>
           <p:nvPr>
-            <p:ph sz="half" idx="1"/>
+            <p:ph type="subTitle" idx="1"/>
           </p:nvPr>
         </p:nvSpPr>
         <p:spPr/>
         <p:txBody>
-          <a:bodyPr/>
+          <a:bodyPr>
+            <a:normAutofit fontScale="85000" lnSpcReduction="20000"/>
+          </a:bodyPr>
           <a:lstStyle/>
           <a:p>
             <a:r>
+              <a:rPr lang="en-GB" dirty="0"/>
+              <a:t>Our questions:</a:t>
+            </a:r>
+          </a:p>
+          <a:p>
+            <a:pPr marL="457200" indent="-457200">
+              <a:buAutoNum type="arabicPeriod"/>
+            </a:pPr>
+            <a:r>
+              <a:rPr lang="en-GB" dirty="0"/>
+              <a:t>All our algorithms are ‘constructive’. Ideas where to think regarding iterative algorithms?</a:t>
+            </a:r>
+          </a:p>
+          <a:p>
+            <a:pPr marL="457200" indent="-457200">
+              <a:buAutoNum type="arabicPeriod"/>
+            </a:pPr>
+            <a:r>
+              <a:rPr lang="en-GB" dirty="0"/>
+              <a:t>What is your view on our choice for </a:t>
+            </a:r>
+            <a:r>
               <a:rPr lang="en-GB" dirty="0" err="1"/>
-              <a:t>Welke</a:t>
-            </a:r>
-            <a:r>
-              <a:rPr lang="en-GB" dirty="0"/>
-              <a:t> </a:t>
-            </a:r>
-            <a:r>
-              <a:rPr lang="en-GB" dirty="0" err="1"/>
-              <a:t>heuristieken</a:t>
-            </a:r>
-            <a:r>
-              <a:rPr lang="en-GB" dirty="0"/>
-              <a:t> </a:t>
-            </a:r>
-            <a:r>
-              <a:rPr lang="en-GB" dirty="0" err="1"/>
-              <a:t>gaan</a:t>
-            </a:r>
-            <a:r>
-              <a:rPr lang="en-GB" dirty="0"/>
-              <a:t> we </a:t>
-            </a:r>
-            <a:r>
-              <a:rPr lang="en-GB" dirty="0" err="1"/>
-              <a:t>komende</a:t>
-            </a:r>
-            <a:r>
-              <a:rPr lang="en-GB" dirty="0"/>
-              <a:t> week </a:t>
-            </a:r>
-            <a:r>
-              <a:rPr lang="en-GB" dirty="0" err="1"/>
-              <a:t>aan</a:t>
-            </a:r>
-            <a:r>
-              <a:rPr lang="en-GB" dirty="0"/>
-              <a:t> </a:t>
-            </a:r>
-            <a:r>
-              <a:rPr lang="en-GB" dirty="0" err="1"/>
-              <a:t>werken</a:t>
-            </a:r>
-            <a:r>
-              <a:rPr lang="en-GB" dirty="0"/>
-              <a:t>.</a:t>
-            </a:r>
-          </a:p>
-          <a:p>
-            <a:endParaRPr lang="en-GB" dirty="0"/>
-          </a:p>
-        </p:txBody>
-      </p:sp>
-      <p:sp>
-        <p:nvSpPr>
-          <p:cNvPr id="4" name="Tijdelijke aanduiding voor inhoud 3">
-            <a:extLst>
-              <a:ext uri="{FF2B5EF4-FFF2-40B4-BE49-F238E27FC236}">
-                <a16:creationId xmlns:a16="http://schemas.microsoft.com/office/drawing/2014/main" id="{7D861EC5-852D-834C-B001-4FF9DDDBC62F}"/>
-              </a:ext>
-            </a:extLst>
-          </p:cNvPr>
-          <p:cNvSpPr>
-            <a:spLocks noGrp="1"/>
-          </p:cNvSpPr>
-          <p:nvPr>
-            <p:ph sz="half" idx="2"/>
-          </p:nvPr>
-        </p:nvSpPr>
-        <p:spPr/>
-        <p:txBody>
-          <a:bodyPr/>
-          <a:lstStyle/>
-          <a:p>
-            <a:endParaRPr lang="en-GB"/>
+              <a:t>datastructure</a:t>
+            </a:r>
+            <a:r>
+              <a:rPr lang="en-GB" dirty="0"/>
+              <a:t>?</a:t>
+            </a:r>
+          </a:p>
+          <a:p>
+            <a:r>
+              <a:rPr lang="en-GB" dirty="0"/>
+              <a:t>Thank you for your attention</a:t>
+            </a:r>
           </a:p>
         </p:txBody>
       </p:sp>
     </p:spTree>
     <p:extLst>
       <p:ext uri="{BB962C8B-B14F-4D97-AF65-F5344CB8AC3E}">
-        <p14:creationId xmlns:p14="http://schemas.microsoft.com/office/powerpoint/2010/main" val="1963639422"/>
+        <p14:creationId xmlns:p14="http://schemas.microsoft.com/office/powerpoint/2010/main" val="3056510008"/>
       </p:ext>
     </p:extLst>
   </p:cSld>
@@ -7323,126 +7214,6 @@
 </p:sld>
 </file>
 
-<file path=ppt/slides/slide20.xml><?xml version="1.0" encoding="utf-8"?>
-<p:sld xmlns:a="http://schemas.openxmlformats.org/drawingml/2006/main" xmlns:r="http://schemas.openxmlformats.org/officeDocument/2006/relationships" xmlns:p="http://schemas.openxmlformats.org/presentationml/2006/main">
-  <p:cSld>
-    <p:spTree>
-      <p:nvGrpSpPr>
-        <p:cNvPr id="1" name=""/>
-        <p:cNvGrpSpPr/>
-        <p:nvPr/>
-      </p:nvGrpSpPr>
-      <p:grpSpPr>
-        <a:xfrm>
-          <a:off x="0" y="0"/>
-          <a:ext cx="0" cy="0"/>
-          <a:chOff x="0" y="0"/>
-          <a:chExt cx="0" cy="0"/>
-        </a:xfrm>
-      </p:grpSpPr>
-      <p:sp>
-        <p:nvSpPr>
-          <p:cNvPr id="2" name="Titel 1">
-            <a:extLst>
-              <a:ext uri="{FF2B5EF4-FFF2-40B4-BE49-F238E27FC236}">
-                <a16:creationId xmlns:a16="http://schemas.microsoft.com/office/drawing/2014/main" id="{A40D14D6-C616-7346-AB1F-E0B3C6F3B4F5}"/>
-              </a:ext>
-            </a:extLst>
-          </p:cNvPr>
-          <p:cNvSpPr>
-            <a:spLocks noGrp="1"/>
-          </p:cNvSpPr>
-          <p:nvPr>
-            <p:ph type="ctrTitle"/>
-          </p:nvPr>
-        </p:nvSpPr>
-        <p:spPr/>
-        <p:txBody>
-          <a:bodyPr/>
-          <a:lstStyle/>
-          <a:p>
-            <a:r>
-              <a:rPr lang="en-GB" dirty="0"/>
-              <a:t>Questions and comments?</a:t>
-            </a:r>
-          </a:p>
-        </p:txBody>
-      </p:sp>
-      <p:sp>
-        <p:nvSpPr>
-          <p:cNvPr id="3" name="Ondertitel 2">
-            <a:extLst>
-              <a:ext uri="{FF2B5EF4-FFF2-40B4-BE49-F238E27FC236}">
-                <a16:creationId xmlns:a16="http://schemas.microsoft.com/office/drawing/2014/main" id="{CEF25AE3-A6E7-9F45-9D9A-CB2C1B23E372}"/>
-              </a:ext>
-            </a:extLst>
-          </p:cNvPr>
-          <p:cNvSpPr>
-            <a:spLocks noGrp="1"/>
-          </p:cNvSpPr>
-          <p:nvPr>
-            <p:ph type="subTitle" idx="1"/>
-          </p:nvPr>
-        </p:nvSpPr>
-        <p:spPr/>
-        <p:txBody>
-          <a:bodyPr>
-            <a:normAutofit fontScale="85000" lnSpcReduction="20000"/>
-          </a:bodyPr>
-          <a:lstStyle/>
-          <a:p>
-            <a:r>
-              <a:rPr lang="en-GB" dirty="0"/>
-              <a:t>Our questions:</a:t>
-            </a:r>
-          </a:p>
-          <a:p>
-            <a:pPr marL="457200" indent="-457200">
-              <a:buAutoNum type="arabicPeriod"/>
-            </a:pPr>
-            <a:r>
-              <a:rPr lang="en-GB" dirty="0"/>
-              <a:t>All our algorithms are ‘constructive’. Ideas where to think regarding iterative algorithms?</a:t>
-            </a:r>
-          </a:p>
-          <a:p>
-            <a:pPr marL="457200" indent="-457200">
-              <a:buAutoNum type="arabicPeriod"/>
-            </a:pPr>
-            <a:r>
-              <a:rPr lang="en-GB" dirty="0"/>
-              <a:t>What is your view on our choice for </a:t>
-            </a:r>
-            <a:r>
-              <a:rPr lang="en-GB" dirty="0" err="1"/>
-              <a:t>datastructure</a:t>
-            </a:r>
-            <a:r>
-              <a:rPr lang="en-GB" dirty="0"/>
-              <a:t>?</a:t>
-            </a:r>
-          </a:p>
-          <a:p>
-            <a:r>
-              <a:rPr lang="en-GB" dirty="0"/>
-              <a:t>Thank you for your attention</a:t>
-            </a:r>
-          </a:p>
-        </p:txBody>
-      </p:sp>
-    </p:spTree>
-    <p:extLst>
-      <p:ext uri="{BB962C8B-B14F-4D97-AF65-F5344CB8AC3E}">
-        <p14:creationId xmlns:p14="http://schemas.microsoft.com/office/powerpoint/2010/main" val="3056510008"/>
-      </p:ext>
-    </p:extLst>
-  </p:cSld>
-  <p:clrMapOvr>
-    <a:masterClrMapping/>
-  </p:clrMapOvr>
-</p:sld>
-</file>
-
 <file path=ppt/slides/slide3.xml><?xml version="1.0" encoding="utf-8"?>
 <p:sld xmlns:a="http://schemas.openxmlformats.org/drawingml/2006/main" xmlns:r="http://schemas.openxmlformats.org/officeDocument/2006/relationships" xmlns:p="http://schemas.openxmlformats.org/presentationml/2006/main">
   <p:cSld>
@@ -7525,6 +7296,12 @@
           <a:p>
             <a:r>
               <a:rPr lang="en-GB" dirty="0"/>
+              <a:t>Consist of a ’string’ of amino-acids</a:t>
+            </a:r>
+          </a:p>
+          <a:p>
+            <a:r>
+              <a:rPr lang="en-GB" dirty="0"/>
               <a:t>Faulty proteins linked to diseases such as </a:t>
             </a:r>
             <a:r>
@@ -7539,42 +7316,28 @@
               <a:rPr lang="en-GB" dirty="0" err="1"/>
               <a:t>huntington</a:t>
             </a:r>
-            <a:endParaRPr lang="en-GB"/>
-          </a:p>
-          <a:p>
             <a:endParaRPr lang="en-GB" dirty="0"/>
           </a:p>
-        </p:txBody>
-      </p:sp>
-      <p:sp>
-        <p:nvSpPr>
-          <p:cNvPr id="5" name="Tijdelijke aanduiding voor inhoud 4">
-            <a:extLst>
-              <a:ext uri="{FF2B5EF4-FFF2-40B4-BE49-F238E27FC236}">
-                <a16:creationId xmlns:a16="http://schemas.microsoft.com/office/drawing/2014/main" id="{842E5C41-B8DD-0B47-9AE2-799184EDB5CD}"/>
-              </a:ext>
-            </a:extLst>
-          </p:cNvPr>
-          <p:cNvSpPr>
-            <a:spLocks noGrp="1"/>
-          </p:cNvSpPr>
-          <p:nvPr>
-            <p:ph sz="half" idx="2"/>
-          </p:nvPr>
-        </p:nvSpPr>
-        <p:spPr/>
-        <p:txBody>
-          <a:bodyPr/>
-          <a:lstStyle/>
-          <a:p>
-            <a:endParaRPr lang="en-GB"/>
+          <a:p>
+            <a:r>
+              <a:rPr lang="en-GB" dirty="0"/>
+              <a:t>Finding “Stable” Proteins can help in the development of </a:t>
+            </a:r>
+            <a:r>
+              <a:rPr lang="en-GB" dirty="0" err="1"/>
+              <a:t>farmaceuticals</a:t>
+            </a:r>
+            <a:endParaRPr lang="en-GB" dirty="0"/>
+          </a:p>
+          <a:p>
+            <a:endParaRPr lang="en-GB" dirty="0"/>
           </a:p>
         </p:txBody>
       </p:sp>
     </p:spTree>
     <p:extLst>
       <p:ext uri="{BB962C8B-B14F-4D97-AF65-F5344CB8AC3E}">
-        <p14:creationId xmlns:p14="http://schemas.microsoft.com/office/powerpoint/2010/main" val="2280769630"/>
+        <p14:creationId xmlns:p14="http://schemas.microsoft.com/office/powerpoint/2010/main" val="3903149490"/>
       </p:ext>
     </p:extLst>
   </p:cSld>
@@ -7647,24 +7410,42 @@
         </p:nvSpPr>
         <p:spPr/>
         <p:txBody>
-          <a:bodyPr/>
+          <a:bodyPr>
+            <a:normAutofit/>
+          </a:bodyPr>
           <a:lstStyle/>
           <a:p>
             <a:r>
               <a:rPr lang="en-GB" dirty="0"/>
-              <a:t>As more hydrophobic amino-acids (red) are next to each other, the more stable it is</a:t>
-            </a:r>
-          </a:p>
-          <a:p>
-            <a:r>
-              <a:rPr lang="en-GB" dirty="0"/>
-              <a:t>Stability of 0 means unstable</a:t>
-            </a:r>
-          </a:p>
-          <a:p>
-            <a:r>
-              <a:rPr lang="en-GB" dirty="0"/>
-              <a:t>Stability of -2 means more stable.</a:t>
+              <a:t>Place amino-acids on a 2D-grid.</a:t>
+            </a:r>
+          </a:p>
+          <a:p>
+            <a:r>
+              <a:rPr lang="en-GB" dirty="0"/>
+              <a:t>Amino acids can be </a:t>
+            </a:r>
+            <a:r>
+              <a:rPr lang="en-GB" dirty="0" err="1"/>
+              <a:t>hydrophic</a:t>
+            </a:r>
+            <a:r>
+              <a:rPr lang="en-GB" dirty="0"/>
+              <a:t> (Red) or </a:t>
+            </a:r>
+            <a:r>
+              <a:rPr lang="en-GB" dirty="0" err="1"/>
+              <a:t>Polair</a:t>
+            </a:r>
+            <a:r>
+              <a:rPr lang="en-GB" dirty="0"/>
+              <a:t> (Blue)</a:t>
+            </a:r>
+          </a:p>
+          <a:p>
+            <a:r>
+              <a:rPr lang="en-GB" dirty="0"/>
+              <a:t>Red amino-acids can form bridges, and strengthen the stability</a:t>
             </a:r>
           </a:p>
           <a:p>
@@ -7710,7 +7491,7 @@
     </p:spTree>
     <p:extLst>
       <p:ext uri="{BB962C8B-B14F-4D97-AF65-F5344CB8AC3E}">
-        <p14:creationId xmlns:p14="http://schemas.microsoft.com/office/powerpoint/2010/main" val="1850888821"/>
+        <p14:creationId xmlns:p14="http://schemas.microsoft.com/office/powerpoint/2010/main" val="3225121677"/>
       </p:ext>
     </p:extLst>
   </p:cSld>
@@ -7760,13 +7541,8 @@
           <a:p>
             <a:r>
               <a:rPr lang="en-GB" dirty="0"/>
-              <a:t>1. Heuristics of Protein Pow(d)</a:t>
-            </a:r>
-            <a:r>
-              <a:rPr lang="en-GB" dirty="0" err="1"/>
-              <a:t>er</a:t>
-            </a:r>
-            <a:endParaRPr lang="en-GB" dirty="0"/>
+              <a:t>1. Case exploration</a:t>
+            </a:r>
           </a:p>
         </p:txBody>
       </p:sp>
@@ -7821,6 +7597,13 @@
             <a:pPr lvl="2"/>
             <a:r>
               <a:rPr lang="en-GB" dirty="0"/>
+              <a:t>Can not move ‘diagonally’ must move either left/right/up/down</a:t>
+            </a:r>
+          </a:p>
+          <a:p>
+            <a:pPr lvl="2"/>
+            <a:r>
+              <a:rPr lang="en-GB" dirty="0"/>
               <a:t>Amino-acids cannot overlap</a:t>
             </a:r>
           </a:p>
@@ -7835,7 +7618,7 @@
             <a:pPr lvl="2"/>
             <a:r>
               <a:rPr lang="en-GB" dirty="0"/>
-              <a:t>Legitimate solution with the highest </a:t>
+              <a:t>Legitimate solution with the highest stability </a:t>
             </a:r>
           </a:p>
           <a:p>
@@ -7870,6 +7653,123 @@
           <a:bodyPr/>
           <a:lstStyle/>
           <a:p>
+            <a:r>
+              <a:rPr lang="en-GB" dirty="0"/>
+              <a:t>State Space</a:t>
+            </a:r>
+          </a:p>
+          <a:p>
+            <a:pPr lvl="1"/>
+            <a:r>
+              <a:rPr lang="en-GB" dirty="0"/>
+              <a:t>4</a:t>
+            </a:r>
+            <a:r>
+              <a:rPr lang="en-GB" sz="3200" baseline="30000" dirty="0"/>
+              <a:t>n</a:t>
+            </a:r>
+            <a:r>
+              <a:rPr lang="en-GB" dirty="0"/>
+              <a:t>?</a:t>
+            </a:r>
+          </a:p>
+          <a:p>
+            <a:pPr lvl="1"/>
+            <a:endParaRPr lang="en-GB" dirty="0"/>
+          </a:p>
+          <a:p>
+            <a:pPr lvl="1"/>
+            <a:r>
+              <a:rPr lang="en-GB"/>
+              <a:t>4*3</a:t>
+            </a:r>
+            <a:r>
+              <a:rPr lang="en-GB" baseline="30000"/>
+              <a:t>n-1</a:t>
+            </a:r>
+            <a:endParaRPr lang="en-GB" baseline="30000" dirty="0"/>
+          </a:p>
+          <a:p>
+            <a:pPr lvl="1"/>
+            <a:endParaRPr lang="en-GB" dirty="0"/>
+          </a:p>
+          <a:p>
+            <a:pPr lvl="1"/>
+            <a:r>
+              <a:rPr lang="en-GB" dirty="0"/>
+              <a:t>Maar: </a:t>
+            </a:r>
+            <a:r>
+              <a:rPr lang="en-GB" dirty="0" err="1"/>
+              <a:t>rotatie</a:t>
+            </a:r>
+            <a:endParaRPr lang="en-GB" dirty="0"/>
+          </a:p>
+          <a:p>
+            <a:pPr lvl="1"/>
+            <a:r>
+              <a:rPr lang="en-GB" dirty="0"/>
+              <a:t>3</a:t>
+            </a:r>
+            <a:r>
+              <a:rPr lang="en-GB" baseline="30000" dirty="0"/>
+              <a:t>n-2</a:t>
+            </a:r>
+            <a:endParaRPr lang="en-GB" dirty="0"/>
+          </a:p>
+          <a:p>
+            <a:pPr lvl="1"/>
+            <a:endParaRPr lang="en-GB" dirty="0"/>
+          </a:p>
+          <a:p>
+            <a:pPr lvl="1"/>
+            <a:r>
+              <a:rPr lang="en-GB" dirty="0"/>
+              <a:t>Kan </a:t>
+            </a:r>
+            <a:r>
+              <a:rPr lang="en-GB" dirty="0" err="1"/>
+              <a:t>niet</a:t>
+            </a:r>
+            <a:r>
+              <a:rPr lang="en-GB" dirty="0"/>
+              <a:t> </a:t>
+            </a:r>
+            <a:r>
+              <a:rPr lang="en-GB" dirty="0" err="1"/>
+              <a:t>rekening</a:t>
+            </a:r>
+            <a:r>
+              <a:rPr lang="en-GB" dirty="0"/>
+              <a:t> </a:t>
+            </a:r>
+            <a:r>
+              <a:rPr lang="en-GB" dirty="0" err="1"/>
+              <a:t>houden</a:t>
+            </a:r>
+            <a:r>
+              <a:rPr lang="en-GB" dirty="0"/>
+              <a:t> met self-avoiding walk:</a:t>
+            </a:r>
+          </a:p>
+          <a:p>
+            <a:pPr lvl="1"/>
+            <a:r>
+              <a:rPr lang="en-GB" dirty="0"/>
+              <a:t>True State Space: &lt; 3</a:t>
+            </a:r>
+            <a:r>
+              <a:rPr lang="en-GB" baseline="30000" dirty="0"/>
+              <a:t>n-2</a:t>
+            </a:r>
+            <a:endParaRPr lang="en-GB" dirty="0"/>
+          </a:p>
+          <a:p>
+            <a:pPr lvl="1"/>
+            <a:endParaRPr lang="en-GB" dirty="0"/>
+          </a:p>
+          <a:p>
+            <a:pPr lvl="1"/>
             <a:endParaRPr lang="en-GB" dirty="0"/>
           </a:p>
         </p:txBody>
@@ -7877,7 +7777,7 @@
     </p:spTree>
     <p:extLst>
       <p:ext uri="{BB962C8B-B14F-4D97-AF65-F5344CB8AC3E}">
-        <p14:creationId xmlns:p14="http://schemas.microsoft.com/office/powerpoint/2010/main" val="2066508210"/>
+        <p14:creationId xmlns:p14="http://schemas.microsoft.com/office/powerpoint/2010/main" val="1098903100"/>
       </p:ext>
     </p:extLst>
   </p:cSld>
@@ -7888,450 +7788,6 @@
 </file>
 
 <file path=ppt/slides/slide6.xml><?xml version="1.0" encoding="utf-8"?>
-<p:sld xmlns:a="http://schemas.openxmlformats.org/drawingml/2006/main" xmlns:r="http://schemas.openxmlformats.org/officeDocument/2006/relationships" xmlns:p="http://schemas.openxmlformats.org/presentationml/2006/main">
-  <p:cSld>
-    <p:spTree>
-      <p:nvGrpSpPr>
-        <p:cNvPr id="1" name=""/>
-        <p:cNvGrpSpPr/>
-        <p:nvPr/>
-      </p:nvGrpSpPr>
-      <p:grpSpPr>
-        <a:xfrm>
-          <a:off x="0" y="0"/>
-          <a:ext cx="0" cy="0"/>
-          <a:chOff x="0" y="0"/>
-          <a:chExt cx="0" cy="0"/>
-        </a:xfrm>
-      </p:grpSpPr>
-      <p:sp>
-        <p:nvSpPr>
-          <p:cNvPr id="2" name="Titel 1">
-            <a:extLst>
-              <a:ext uri="{FF2B5EF4-FFF2-40B4-BE49-F238E27FC236}">
-                <a16:creationId xmlns:a16="http://schemas.microsoft.com/office/drawing/2014/main" id="{048DA664-7B4B-904F-9F8D-5AD398A7E951}"/>
-              </a:ext>
-            </a:extLst>
-          </p:cNvPr>
-          <p:cNvSpPr>
-            <a:spLocks noGrp="1"/>
-          </p:cNvSpPr>
-          <p:nvPr>
-            <p:ph type="title"/>
-          </p:nvPr>
-        </p:nvSpPr>
-        <p:spPr/>
-        <p:txBody>
-          <a:bodyPr/>
-          <a:lstStyle/>
-          <a:p>
-            <a:r>
-              <a:rPr lang="en-GB" dirty="0"/>
-              <a:t>1. State Space </a:t>
-            </a:r>
-            <a:r>
-              <a:rPr lang="en-GB" dirty="0" err="1"/>
-              <a:t>en</a:t>
-            </a:r>
-            <a:r>
-              <a:rPr lang="en-GB" dirty="0"/>
-              <a:t> upper/lower bounds</a:t>
-            </a:r>
-          </a:p>
-        </p:txBody>
-      </p:sp>
-      <p:sp>
-        <p:nvSpPr>
-          <p:cNvPr id="3" name="Tijdelijke aanduiding voor inhoud 2">
-            <a:extLst>
-              <a:ext uri="{FF2B5EF4-FFF2-40B4-BE49-F238E27FC236}">
-                <a16:creationId xmlns:a16="http://schemas.microsoft.com/office/drawing/2014/main" id="{2ACC9E0D-2DE6-F443-ABB8-3C6A56624642}"/>
-              </a:ext>
-            </a:extLst>
-          </p:cNvPr>
-          <p:cNvSpPr>
-            <a:spLocks noGrp="1"/>
-          </p:cNvSpPr>
-          <p:nvPr>
-            <p:ph sz="half" idx="1"/>
-          </p:nvPr>
-        </p:nvSpPr>
-        <p:spPr>
-          <a:xfrm>
-            <a:off x="838200" y="1825625"/>
-            <a:ext cx="5181600" cy="4667250"/>
-          </a:xfrm>
-        </p:spPr>
-        <p:txBody>
-          <a:bodyPr>
-            <a:normAutofit/>
-          </a:bodyPr>
-          <a:lstStyle/>
-          <a:p>
-            <a:r>
-              <a:rPr lang="en-GB" dirty="0" err="1">
-                <a:sym typeface="Wingdings" pitchFamily="2" charset="2"/>
-              </a:rPr>
-              <a:t>Statespace</a:t>
-            </a:r>
-            <a:endParaRPr lang="en-GB" dirty="0">
-              <a:sym typeface="Wingdings" pitchFamily="2" charset="2"/>
-            </a:endParaRPr>
-          </a:p>
-          <a:p>
-            <a:r>
-              <a:rPr lang="en-GB" dirty="0">
-                <a:sym typeface="Wingdings" pitchFamily="2" charset="2"/>
-              </a:rPr>
-              <a:t> </a:t>
-            </a:r>
-            <a:r>
-              <a:rPr lang="en-GB" dirty="0"/>
-              <a:t>4</a:t>
-            </a:r>
-            <a:r>
-              <a:rPr lang="en-GB" baseline="30000" dirty="0"/>
-              <a:t>n-1</a:t>
-            </a:r>
-          </a:p>
-          <a:p>
-            <a:pPr lvl="1"/>
-            <a:r>
-              <a:rPr lang="en-GB" dirty="0"/>
-              <a:t>Amino acids cannot overlap</a:t>
-            </a:r>
-          </a:p>
-          <a:p>
-            <a:pPr lvl="1"/>
-            <a:r>
-              <a:rPr lang="en-GB" dirty="0">
-                <a:sym typeface="Wingdings" pitchFamily="2" charset="2"/>
-              </a:rPr>
-              <a:t> 4*3</a:t>
-            </a:r>
-            <a:r>
-              <a:rPr lang="en-GB" baseline="30000" dirty="0">
-                <a:sym typeface="Wingdings" pitchFamily="2" charset="2"/>
-              </a:rPr>
-              <a:t>n</a:t>
-            </a:r>
-          </a:p>
-          <a:p>
-            <a:pPr lvl="1"/>
-            <a:r>
-              <a:rPr lang="en-GB" dirty="0">
-                <a:sym typeface="Wingdings" pitchFamily="2" charset="2"/>
-              </a:rPr>
-              <a:t> 3</a:t>
-            </a:r>
-            <a:r>
-              <a:rPr lang="en-GB" baseline="30000" dirty="0">
-                <a:sym typeface="Wingdings" pitchFamily="2" charset="2"/>
-              </a:rPr>
-              <a:t>n-2</a:t>
-            </a:r>
-          </a:p>
-          <a:p>
-            <a:pPr lvl="1"/>
-            <a:endParaRPr lang="en-GB" baseline="30000" dirty="0">
-              <a:sym typeface="Wingdings" pitchFamily="2" charset="2"/>
-            </a:endParaRPr>
-          </a:p>
-          <a:p>
-            <a:pPr lvl="1"/>
-            <a:endParaRPr lang="en-GB" dirty="0">
-              <a:sym typeface="Wingdings" pitchFamily="2" charset="2"/>
-            </a:endParaRPr>
-          </a:p>
-          <a:p>
-            <a:pPr lvl="1"/>
-            <a:endParaRPr lang="en-GB" baseline="30000" dirty="0">
-              <a:sym typeface="Wingdings" pitchFamily="2" charset="2"/>
-            </a:endParaRPr>
-          </a:p>
-          <a:p>
-            <a:pPr lvl="1"/>
-            <a:endParaRPr lang="en-GB" dirty="0">
-              <a:sym typeface="Wingdings" pitchFamily="2" charset="2"/>
-            </a:endParaRPr>
-          </a:p>
-          <a:p>
-            <a:pPr lvl="1"/>
-            <a:endParaRPr lang="en-GB" dirty="0">
-              <a:sym typeface="Wingdings" pitchFamily="2" charset="2"/>
-            </a:endParaRPr>
-          </a:p>
-          <a:p>
-            <a:pPr lvl="1"/>
-            <a:endParaRPr lang="en-GB" dirty="0"/>
-          </a:p>
-          <a:p>
-            <a:pPr lvl="1"/>
-            <a:endParaRPr lang="en-GB" dirty="0"/>
-          </a:p>
-        </p:txBody>
-      </p:sp>
-      <p:sp>
-        <p:nvSpPr>
-          <p:cNvPr id="6" name="Tijdelijke aanduiding voor inhoud 2">
-            <a:extLst>
-              <a:ext uri="{FF2B5EF4-FFF2-40B4-BE49-F238E27FC236}">
-                <a16:creationId xmlns:a16="http://schemas.microsoft.com/office/drawing/2014/main" id="{D8788999-0DBD-574E-AD4D-A4B9E0412762}"/>
-              </a:ext>
-            </a:extLst>
-          </p:cNvPr>
-          <p:cNvSpPr txBox="1">
-            <a:spLocks/>
-          </p:cNvSpPr>
-          <p:nvPr/>
-        </p:nvSpPr>
-        <p:spPr>
-          <a:xfrm>
-            <a:off x="5819775" y="1825625"/>
-            <a:ext cx="5181600" cy="4667250"/>
-          </a:xfrm>
-          <a:prstGeom prst="rect">
-            <a:avLst/>
-          </a:prstGeom>
-        </p:spPr>
-        <p:txBody>
-          <a:bodyPr vert="horz" lIns="91440" tIns="45720" rIns="91440" bIns="45720" rtlCol="0">
-            <a:normAutofit/>
-          </a:bodyPr>
-          <a:lstStyle>
-            <a:lvl1pPr marL="228600" indent="-228600" algn="l" defTabSz="914400" rtl="0" eaLnBrk="1" latinLnBrk="0" hangingPunct="1">
-              <a:lnSpc>
-                <a:spcPct val="90000"/>
-              </a:lnSpc>
-              <a:spcBef>
-                <a:spcPts val="1000"/>
-              </a:spcBef>
-              <a:buFont typeface="Arial" panose="020B0604020202020204" pitchFamily="34" charset="0"/>
-              <a:buChar char="•"/>
-              <a:defRPr sz="2800" kern="1200">
-                <a:solidFill>
-                  <a:schemeClr val="tx1"/>
-                </a:solidFill>
-                <a:latin typeface="+mn-lt"/>
-                <a:ea typeface="+mn-ea"/>
-                <a:cs typeface="+mn-cs"/>
-              </a:defRPr>
-            </a:lvl1pPr>
-            <a:lvl2pPr marL="685800" indent="-228600" algn="l" defTabSz="914400" rtl="0" eaLnBrk="1" latinLnBrk="0" hangingPunct="1">
-              <a:lnSpc>
-                <a:spcPct val="90000"/>
-              </a:lnSpc>
-              <a:spcBef>
-                <a:spcPts val="500"/>
-              </a:spcBef>
-              <a:buFont typeface="Arial" panose="020B0604020202020204" pitchFamily="34" charset="0"/>
-              <a:buChar char="•"/>
-              <a:defRPr sz="2400" kern="1200">
-                <a:solidFill>
-                  <a:schemeClr val="tx1"/>
-                </a:solidFill>
-                <a:latin typeface="+mn-lt"/>
-                <a:ea typeface="+mn-ea"/>
-                <a:cs typeface="+mn-cs"/>
-              </a:defRPr>
-            </a:lvl2pPr>
-            <a:lvl3pPr marL="1143000" indent="-228600" algn="l" defTabSz="914400" rtl="0" eaLnBrk="1" latinLnBrk="0" hangingPunct="1">
-              <a:lnSpc>
-                <a:spcPct val="90000"/>
-              </a:lnSpc>
-              <a:spcBef>
-                <a:spcPts val="500"/>
-              </a:spcBef>
-              <a:buFont typeface="Arial" panose="020B0604020202020204" pitchFamily="34" charset="0"/>
-              <a:buChar char="•"/>
-              <a:defRPr sz="2000" kern="1200">
-                <a:solidFill>
-                  <a:schemeClr val="tx1"/>
-                </a:solidFill>
-                <a:latin typeface="+mn-lt"/>
-                <a:ea typeface="+mn-ea"/>
-                <a:cs typeface="+mn-cs"/>
-              </a:defRPr>
-            </a:lvl3pPr>
-            <a:lvl4pPr marL="1600200" indent="-228600" algn="l" defTabSz="914400" rtl="0" eaLnBrk="1" latinLnBrk="0" hangingPunct="1">
-              <a:lnSpc>
-                <a:spcPct val="90000"/>
-              </a:lnSpc>
-              <a:spcBef>
-                <a:spcPts val="500"/>
-              </a:spcBef>
-              <a:buFont typeface="Arial" panose="020B0604020202020204" pitchFamily="34" charset="0"/>
-              <a:buChar char="•"/>
-              <a:defRPr sz="1800" kern="1200">
-                <a:solidFill>
-                  <a:schemeClr val="tx1"/>
-                </a:solidFill>
-                <a:latin typeface="+mn-lt"/>
-                <a:ea typeface="+mn-ea"/>
-                <a:cs typeface="+mn-cs"/>
-              </a:defRPr>
-            </a:lvl4pPr>
-            <a:lvl5pPr marL="2057400" indent="-228600" algn="l" defTabSz="914400" rtl="0" eaLnBrk="1" latinLnBrk="0" hangingPunct="1">
-              <a:lnSpc>
-                <a:spcPct val="90000"/>
-              </a:lnSpc>
-              <a:spcBef>
-                <a:spcPts val="500"/>
-              </a:spcBef>
-              <a:buFont typeface="Arial" panose="020B0604020202020204" pitchFamily="34" charset="0"/>
-              <a:buChar char="•"/>
-              <a:defRPr sz="1800" kern="1200">
-                <a:solidFill>
-                  <a:schemeClr val="tx1"/>
-                </a:solidFill>
-                <a:latin typeface="+mn-lt"/>
-                <a:ea typeface="+mn-ea"/>
-                <a:cs typeface="+mn-cs"/>
-              </a:defRPr>
-            </a:lvl5pPr>
-            <a:lvl6pPr marL="2514600" indent="-228600" algn="l" defTabSz="914400" rtl="0" eaLnBrk="1" latinLnBrk="0" hangingPunct="1">
-              <a:lnSpc>
-                <a:spcPct val="90000"/>
-              </a:lnSpc>
-              <a:spcBef>
-                <a:spcPts val="500"/>
-              </a:spcBef>
-              <a:buFont typeface="Arial" panose="020B0604020202020204" pitchFamily="34" charset="0"/>
-              <a:buChar char="•"/>
-              <a:defRPr sz="1800" kern="1200">
-                <a:solidFill>
-                  <a:schemeClr val="tx1"/>
-                </a:solidFill>
-                <a:latin typeface="+mn-lt"/>
-                <a:ea typeface="+mn-ea"/>
-                <a:cs typeface="+mn-cs"/>
-              </a:defRPr>
-            </a:lvl6pPr>
-            <a:lvl7pPr marL="2971800" indent="-228600" algn="l" defTabSz="914400" rtl="0" eaLnBrk="1" latinLnBrk="0" hangingPunct="1">
-              <a:lnSpc>
-                <a:spcPct val="90000"/>
-              </a:lnSpc>
-              <a:spcBef>
-                <a:spcPts val="500"/>
-              </a:spcBef>
-              <a:buFont typeface="Arial" panose="020B0604020202020204" pitchFamily="34" charset="0"/>
-              <a:buChar char="•"/>
-              <a:defRPr sz="1800" kern="1200">
-                <a:solidFill>
-                  <a:schemeClr val="tx1"/>
-                </a:solidFill>
-                <a:latin typeface="+mn-lt"/>
-                <a:ea typeface="+mn-ea"/>
-                <a:cs typeface="+mn-cs"/>
-              </a:defRPr>
-            </a:lvl7pPr>
-            <a:lvl8pPr marL="3429000" indent="-228600" algn="l" defTabSz="914400" rtl="0" eaLnBrk="1" latinLnBrk="0" hangingPunct="1">
-              <a:lnSpc>
-                <a:spcPct val="90000"/>
-              </a:lnSpc>
-              <a:spcBef>
-                <a:spcPts val="500"/>
-              </a:spcBef>
-              <a:buFont typeface="Arial" panose="020B0604020202020204" pitchFamily="34" charset="0"/>
-              <a:buChar char="•"/>
-              <a:defRPr sz="1800" kern="1200">
-                <a:solidFill>
-                  <a:schemeClr val="tx1"/>
-                </a:solidFill>
-                <a:latin typeface="+mn-lt"/>
-                <a:ea typeface="+mn-ea"/>
-                <a:cs typeface="+mn-cs"/>
-              </a:defRPr>
-            </a:lvl8pPr>
-            <a:lvl9pPr marL="3886200" indent="-228600" algn="l" defTabSz="914400" rtl="0" eaLnBrk="1" latinLnBrk="0" hangingPunct="1">
-              <a:lnSpc>
-                <a:spcPct val="90000"/>
-              </a:lnSpc>
-              <a:spcBef>
-                <a:spcPts val="500"/>
-              </a:spcBef>
-              <a:buFont typeface="Arial" panose="020B0604020202020204" pitchFamily="34" charset="0"/>
-              <a:buChar char="•"/>
-              <a:defRPr sz="1800" kern="1200">
-                <a:solidFill>
-                  <a:schemeClr val="tx1"/>
-                </a:solidFill>
-                <a:latin typeface="+mn-lt"/>
-                <a:ea typeface="+mn-ea"/>
-                <a:cs typeface="+mn-cs"/>
-              </a:defRPr>
-            </a:lvl9pPr>
-          </a:lstStyle>
-          <a:p>
-            <a:r>
-              <a:rPr lang="en-GB" dirty="0" err="1"/>
-              <a:t>Upperbound</a:t>
-            </a:r>
-            <a:r>
-              <a:rPr lang="en-GB" dirty="0"/>
-              <a:t>: 3x</a:t>
-            </a:r>
-            <a:endParaRPr lang="en-GB" baseline="30000" dirty="0"/>
-          </a:p>
-          <a:p>
-            <a:r>
-              <a:rPr lang="en-GB" dirty="0"/>
-              <a:t>Met x is </a:t>
-            </a:r>
-            <a:r>
-              <a:rPr lang="en-GB" dirty="0" err="1"/>
-              <a:t>aantal</a:t>
-            </a:r>
-            <a:r>
-              <a:rPr lang="en-GB" dirty="0"/>
-              <a:t> H-elements</a:t>
-            </a:r>
-          </a:p>
-          <a:p>
-            <a:endParaRPr lang="en-GB" dirty="0"/>
-          </a:p>
-          <a:p>
-            <a:r>
-              <a:rPr lang="en-GB" dirty="0" err="1"/>
-              <a:t>Lowerbound</a:t>
-            </a:r>
-            <a:r>
-              <a:rPr lang="en-GB" dirty="0"/>
-              <a:t>: &gt; 0</a:t>
-            </a:r>
-          </a:p>
-          <a:p>
-            <a:pPr marL="457200" lvl="1" indent="0">
-              <a:buNone/>
-            </a:pPr>
-            <a:endParaRPr lang="en-GB" dirty="0">
-              <a:sym typeface="Wingdings" pitchFamily="2" charset="2"/>
-            </a:endParaRPr>
-          </a:p>
-          <a:p>
-            <a:pPr lvl="1"/>
-            <a:endParaRPr lang="en-GB" dirty="0"/>
-          </a:p>
-          <a:p>
-            <a:pPr lvl="1"/>
-            <a:endParaRPr lang="en-GB" dirty="0"/>
-          </a:p>
-        </p:txBody>
-      </p:sp>
-    </p:spTree>
-    <p:extLst>
-      <p:ext uri="{BB962C8B-B14F-4D97-AF65-F5344CB8AC3E}">
-        <p14:creationId xmlns:p14="http://schemas.microsoft.com/office/powerpoint/2010/main" val="2161073308"/>
-      </p:ext>
-    </p:extLst>
-  </p:cSld>
-  <p:clrMapOvr>
-    <a:masterClrMapping/>
-  </p:clrMapOvr>
-</p:sld>
-</file>
-
-<file path=ppt/slides/slide7.xml><?xml version="1.0" encoding="utf-8"?>
 <p:sld xmlns:a="http://schemas.openxmlformats.org/drawingml/2006/main" xmlns:r="http://schemas.openxmlformats.org/officeDocument/2006/relationships" xmlns:p="http://schemas.openxmlformats.org/presentationml/2006/main">
   <p:cSld>
     <p:spTree>
@@ -9404,7 +8860,7 @@
 </p:sld>
 </file>
 
-<file path=ppt/slides/slide8.xml><?xml version="1.0" encoding="utf-8"?>
+<file path=ppt/slides/slide7.xml><?xml version="1.0" encoding="utf-8"?>
 <p:sld xmlns:a="http://schemas.openxmlformats.org/drawingml/2006/main" xmlns:r="http://schemas.openxmlformats.org/officeDocument/2006/relationships" xmlns:p="http://schemas.openxmlformats.org/presentationml/2006/main">
   <p:cSld>
     <p:spTree>
@@ -9557,7 +9013,7 @@
 </p:sld>
 </file>
 
-<file path=ppt/slides/slide9.xml><?xml version="1.0" encoding="utf-8"?>
+<file path=ppt/slides/slide8.xml><?xml version="1.0" encoding="utf-8"?>
 <p:sld xmlns:a="http://schemas.openxmlformats.org/drawingml/2006/main" xmlns:r="http://schemas.openxmlformats.org/officeDocument/2006/relationships" xmlns:p="http://schemas.openxmlformats.org/presentationml/2006/main">
   <p:cSld>
     <p:spTree>
@@ -9762,6 +9218,234 @@
     <p:extLst>
       <p:ext uri="{BB962C8B-B14F-4D97-AF65-F5344CB8AC3E}">
         <p14:creationId xmlns:p14="http://schemas.microsoft.com/office/powerpoint/2010/main" val="668971847"/>
+      </p:ext>
+    </p:extLst>
+  </p:cSld>
+  <p:clrMapOvr>
+    <a:masterClrMapping/>
+  </p:clrMapOvr>
+</p:sld>
+</file>
+
+<file path=ppt/slides/slide9.xml><?xml version="1.0" encoding="utf-8"?>
+<p:sld xmlns:a="http://schemas.openxmlformats.org/drawingml/2006/main" xmlns:r="http://schemas.openxmlformats.org/officeDocument/2006/relationships" xmlns:p="http://schemas.openxmlformats.org/presentationml/2006/main">
+  <p:cSld>
+    <p:spTree>
+      <p:nvGrpSpPr>
+        <p:cNvPr id="1" name=""/>
+        <p:cNvGrpSpPr/>
+        <p:nvPr/>
+      </p:nvGrpSpPr>
+      <p:grpSpPr>
+        <a:xfrm>
+          <a:off x="0" y="0"/>
+          <a:ext cx="0" cy="0"/>
+          <a:chOff x="0" y="0"/>
+          <a:chExt cx="0" cy="0"/>
+        </a:xfrm>
+      </p:grpSpPr>
+      <p:sp>
+        <p:nvSpPr>
+          <p:cNvPr id="2" name="Titel 1">
+            <a:extLst>
+              <a:ext uri="{FF2B5EF4-FFF2-40B4-BE49-F238E27FC236}">
+                <a16:creationId xmlns:a16="http://schemas.microsoft.com/office/drawing/2014/main" id="{BDECAEB1-542A-F848-9D2C-B10DFE956AB7}"/>
+              </a:ext>
+            </a:extLst>
+          </p:cNvPr>
+          <p:cNvSpPr>
+            <a:spLocks noGrp="1"/>
+          </p:cNvSpPr>
+          <p:nvPr>
+            <p:ph type="title"/>
+          </p:nvPr>
+        </p:nvSpPr>
+        <p:spPr/>
+        <p:txBody>
+          <a:bodyPr/>
+          <a:lstStyle/>
+          <a:p>
+            <a:r>
+              <a:rPr lang="en-GB" dirty="0"/>
+              <a:t>Self avoiding random walk (with a twist)</a:t>
+            </a:r>
+          </a:p>
+        </p:txBody>
+      </p:sp>
+      <p:sp>
+        <p:nvSpPr>
+          <p:cNvPr id="3" name="Tijdelijke aanduiding voor inhoud 2">
+            <a:extLst>
+              <a:ext uri="{FF2B5EF4-FFF2-40B4-BE49-F238E27FC236}">
+                <a16:creationId xmlns:a16="http://schemas.microsoft.com/office/drawing/2014/main" id="{6B57B016-94D5-F646-9976-362E7188E1F0}"/>
+              </a:ext>
+            </a:extLst>
+          </p:cNvPr>
+          <p:cNvSpPr>
+            <a:spLocks noGrp="1"/>
+          </p:cNvSpPr>
+          <p:nvPr>
+            <p:ph sz="half" idx="1"/>
+          </p:nvPr>
+        </p:nvSpPr>
+        <p:spPr/>
+        <p:txBody>
+          <a:bodyPr>
+            <a:normAutofit lnSpcReduction="10000"/>
+          </a:bodyPr>
+          <a:lstStyle/>
+          <a:p>
+            <a:r>
+              <a:rPr lang="en-GB" dirty="0"/>
+              <a:t>Let S be HP-chain of length n.</a:t>
+            </a:r>
+          </a:p>
+          <a:p>
+            <a:r>
+              <a:rPr lang="en-GB" dirty="0"/>
+              <a:t>Fix first 2 elements of chain.</a:t>
+            </a:r>
+            <a:endParaRPr lang="en-GB" baseline="-25000" dirty="0"/>
+          </a:p>
+          <a:p>
+            <a:r>
+              <a:rPr lang="en-GB" dirty="0"/>
+              <a:t>For subsequent elements up to the n</a:t>
+            </a:r>
+            <a:r>
+              <a:rPr lang="en-GB" baseline="30000" dirty="0"/>
+              <a:t>th</a:t>
+            </a:r>
+            <a:r>
+              <a:rPr lang="en-GB" dirty="0"/>
+              <a:t> element, choose random move from {u, d, l, r, </a:t>
+            </a:r>
+            <a:r>
+              <a:rPr lang="en-GB" dirty="0" err="1"/>
+              <a:t>i</a:t>
+            </a:r>
+            <a:r>
+              <a:rPr lang="en-GB" dirty="0"/>
+              <a:t>, o}.</a:t>
+            </a:r>
+          </a:p>
+          <a:p>
+            <a:r>
+              <a:rPr lang="en-GB" dirty="0"/>
+              <a:t>If newly chosen coordinates are occupied, try new move.</a:t>
+            </a:r>
+          </a:p>
+          <a:p>
+            <a:r>
+              <a:rPr lang="en-GB" dirty="0">
+                <a:solidFill>
+                  <a:srgbClr val="FF0000"/>
+                </a:solidFill>
+              </a:rPr>
+              <a:t>If newly chosen coordinates are on the border, try new move.</a:t>
+            </a:r>
+          </a:p>
+          <a:p>
+            <a:r>
+              <a:rPr lang="en-GB" dirty="0"/>
+              <a:t>Stuck? Start over.</a:t>
+            </a:r>
+          </a:p>
+          <a:p>
+            <a:endParaRPr lang="en-GB" dirty="0"/>
+          </a:p>
+        </p:txBody>
+      </p:sp>
+      <p:sp>
+        <p:nvSpPr>
+          <p:cNvPr id="4" name="Tijdelijke aanduiding voor inhoud 3">
+            <a:extLst>
+              <a:ext uri="{FF2B5EF4-FFF2-40B4-BE49-F238E27FC236}">
+                <a16:creationId xmlns:a16="http://schemas.microsoft.com/office/drawing/2014/main" id="{D29CAD77-2AED-E94A-845B-B60D651EF411}"/>
+              </a:ext>
+            </a:extLst>
+          </p:cNvPr>
+          <p:cNvSpPr>
+            <a:spLocks noGrp="1"/>
+          </p:cNvSpPr>
+          <p:nvPr>
+            <p:ph sz="half" idx="2"/>
+          </p:nvPr>
+        </p:nvSpPr>
+        <p:spPr>
+          <a:xfrm>
+            <a:off x="9934956" y="3260725"/>
+            <a:ext cx="2066544" cy="2398465"/>
+          </a:xfrm>
+        </p:spPr>
+        <p:txBody>
+          <a:bodyPr>
+            <a:normAutofit lnSpcReduction="10000"/>
+          </a:bodyPr>
+          <a:lstStyle/>
+          <a:p>
+            <a:pPr marL="0" indent="0">
+              <a:buNone/>
+            </a:pPr>
+            <a:endParaRPr lang="en-GB" dirty="0"/>
+          </a:p>
+          <a:p>
+            <a:pPr lvl="1"/>
+            <a:endParaRPr lang="en-GB" dirty="0"/>
+          </a:p>
+        </p:txBody>
+      </p:sp>
+      <p:pic>
+        <p:nvPicPr>
+          <p:cNvPr id="2050" name="Picture 2" descr="Afbeeldingsresultaat voor self avoiding random walk">
+            <a:extLst>
+              <a:ext uri="{FF2B5EF4-FFF2-40B4-BE49-F238E27FC236}">
+                <a16:creationId xmlns:a16="http://schemas.microsoft.com/office/drawing/2014/main" id="{65C0D2C7-770B-4B82-A820-DDE69D725EE6}"/>
+              </a:ext>
+            </a:extLst>
+          </p:cNvPr>
+          <p:cNvPicPr>
+            <a:picLocks noChangeAspect="1" noChangeArrowheads="1"/>
+          </p:cNvPicPr>
+          <p:nvPr/>
+        </p:nvPicPr>
+        <p:blipFill>
+          <a:blip r:embed="rId2">
+            <a:extLst>
+              <a:ext uri="{28A0092B-C50C-407E-A947-70E740481C1C}">
+                <a14:useLocalDpi xmlns:a14="http://schemas.microsoft.com/office/drawing/2010/main" val="0"/>
+              </a:ext>
+            </a:extLst>
+          </a:blip>
+          <a:srcRect/>
+          <a:stretch>
+            <a:fillRect/>
+          </a:stretch>
+        </p:blipFill>
+        <p:spPr bwMode="auto">
+          <a:xfrm>
+            <a:off x="6648640" y="1840582"/>
+            <a:ext cx="3663760" cy="3663760"/>
+          </a:xfrm>
+          <a:prstGeom prst="rect">
+            <a:avLst/>
+          </a:prstGeom>
+          <a:noFill/>
+          <a:extLst>
+            <a:ext uri="{909E8E84-426E-40DD-AFC4-6F175D3DCCD1}">
+              <a14:hiddenFill xmlns:a14="http://schemas.microsoft.com/office/drawing/2010/main">
+                <a:solidFill>
+                  <a:srgbClr val="FFFFFF"/>
+                </a:solidFill>
+              </a14:hiddenFill>
+            </a:ext>
+          </a:extLst>
+        </p:spPr>
+      </p:pic>
+    </p:spTree>
+    <p:extLst>
+      <p:ext uri="{BB962C8B-B14F-4D97-AF65-F5344CB8AC3E}">
+        <p14:creationId xmlns:p14="http://schemas.microsoft.com/office/powerpoint/2010/main" val="2995681747"/>
       </p:ext>
     </p:extLst>
   </p:cSld>

--- a/Documentation/PPP, Week 2, Meeting 1.pptx
+++ b/Documentation/PPP, Week 2, Meeting 1.pptx
@@ -5,7 +5,7 @@
     <p:sldMasterId id="2147483672" r:id="rId1"/>
   </p:sldMasterIdLst>
   <p:notesMasterIdLst>
-    <p:notesMasterId r:id="rId21"/>
+    <p:notesMasterId r:id="rId19"/>
   </p:notesMasterIdLst>
   <p:sldIdLst>
     <p:sldId id="256" r:id="rId2"/>
@@ -23,10 +23,8 @@
     <p:sldId id="274" r:id="rId14"/>
     <p:sldId id="275" r:id="rId15"/>
     <p:sldId id="276" r:id="rId16"/>
-    <p:sldId id="271" r:id="rId17"/>
-    <p:sldId id="269" r:id="rId18"/>
-    <p:sldId id="273" r:id="rId19"/>
-    <p:sldId id="265" r:id="rId20"/>
+    <p:sldId id="269" r:id="rId17"/>
+    <p:sldId id="265" r:id="rId18"/>
   </p:sldIdLst>
   <p:sldSz cx="12192000" cy="6858000"/>
   <p:notesSz cx="6858000" cy="9144000"/>
@@ -215,7 +213,7 @@
           <a:p>
             <a:fld id="{1E47D41A-4042-B543-AE22-1ED09200DB20}" type="datetimeFigureOut">
               <a:rPr lang="en-GB" smtClean="0"/>
-              <a:t>13/01/2020</a:t>
+              <a:t>14/01/2020</a:t>
             </a:fld>
             <a:endParaRPr lang="en-GB"/>
           </a:p>
@@ -698,7 +696,7 @@
           <a:p>
             <a:fld id="{1CC4CA7E-E4E1-D74C-ACCE-7F4688DA46B0}" type="datetimeFigureOut">
               <a:rPr lang="en-GB" smtClean="0"/>
-              <a:t>13/01/2020</a:t>
+              <a:t>14/01/2020</a:t>
             </a:fld>
             <a:endParaRPr lang="en-GB"/>
           </a:p>
@@ -868,7 +866,7 @@
           <a:p>
             <a:fld id="{1CC4CA7E-E4E1-D74C-ACCE-7F4688DA46B0}" type="datetimeFigureOut">
               <a:rPr lang="en-GB" smtClean="0"/>
-              <a:t>13/01/2020</a:t>
+              <a:t>14/01/2020</a:t>
             </a:fld>
             <a:endParaRPr lang="en-GB"/>
           </a:p>
@@ -1048,7 +1046,7 @@
           <a:p>
             <a:fld id="{1CC4CA7E-E4E1-D74C-ACCE-7F4688DA46B0}" type="datetimeFigureOut">
               <a:rPr lang="en-GB" smtClean="0"/>
-              <a:t>13/01/2020</a:t>
+              <a:t>14/01/2020</a:t>
             </a:fld>
             <a:endParaRPr lang="en-GB"/>
           </a:p>
@@ -1218,7 +1216,7 @@
           <a:p>
             <a:fld id="{1CC4CA7E-E4E1-D74C-ACCE-7F4688DA46B0}" type="datetimeFigureOut">
               <a:rPr lang="en-GB" smtClean="0"/>
-              <a:t>13/01/2020</a:t>
+              <a:t>14/01/2020</a:t>
             </a:fld>
             <a:endParaRPr lang="en-GB"/>
           </a:p>
@@ -1464,7 +1462,7 @@
           <a:p>
             <a:fld id="{1CC4CA7E-E4E1-D74C-ACCE-7F4688DA46B0}" type="datetimeFigureOut">
               <a:rPr lang="en-GB" smtClean="0"/>
-              <a:t>13/01/2020</a:t>
+              <a:t>14/01/2020</a:t>
             </a:fld>
             <a:endParaRPr lang="en-GB"/>
           </a:p>
@@ -1696,7 +1694,7 @@
           <a:p>
             <a:fld id="{1CC4CA7E-E4E1-D74C-ACCE-7F4688DA46B0}" type="datetimeFigureOut">
               <a:rPr lang="en-GB" smtClean="0"/>
-              <a:t>13/01/2020</a:t>
+              <a:t>14/01/2020</a:t>
             </a:fld>
             <a:endParaRPr lang="en-GB"/>
           </a:p>
@@ -2063,7 +2061,7 @@
           <a:p>
             <a:fld id="{1CC4CA7E-E4E1-D74C-ACCE-7F4688DA46B0}" type="datetimeFigureOut">
               <a:rPr lang="en-GB" smtClean="0"/>
-              <a:t>13/01/2020</a:t>
+              <a:t>14/01/2020</a:t>
             </a:fld>
             <a:endParaRPr lang="en-GB"/>
           </a:p>
@@ -2181,7 +2179,7 @@
           <a:p>
             <a:fld id="{1CC4CA7E-E4E1-D74C-ACCE-7F4688DA46B0}" type="datetimeFigureOut">
               <a:rPr lang="en-GB" smtClean="0"/>
-              <a:t>13/01/2020</a:t>
+              <a:t>14/01/2020</a:t>
             </a:fld>
             <a:endParaRPr lang="en-GB"/>
           </a:p>
@@ -2276,7 +2274,7 @@
           <a:p>
             <a:fld id="{1CC4CA7E-E4E1-D74C-ACCE-7F4688DA46B0}" type="datetimeFigureOut">
               <a:rPr lang="en-GB" smtClean="0"/>
-              <a:t>13/01/2020</a:t>
+              <a:t>14/01/2020</a:t>
             </a:fld>
             <a:endParaRPr lang="en-GB"/>
           </a:p>
@@ -2553,7 +2551,7 @@
           <a:p>
             <a:fld id="{1CC4CA7E-E4E1-D74C-ACCE-7F4688DA46B0}" type="datetimeFigureOut">
               <a:rPr lang="en-GB" smtClean="0"/>
-              <a:t>13/01/2020</a:t>
+              <a:t>14/01/2020</a:t>
             </a:fld>
             <a:endParaRPr lang="en-GB"/>
           </a:p>
@@ -2810,7 +2808,7 @@
           <a:p>
             <a:fld id="{1CC4CA7E-E4E1-D74C-ACCE-7F4688DA46B0}" type="datetimeFigureOut">
               <a:rPr lang="en-GB" smtClean="0"/>
-              <a:t>13/01/2020</a:t>
+              <a:t>14/01/2020</a:t>
             </a:fld>
             <a:endParaRPr lang="en-GB"/>
           </a:p>
@@ -3023,7 +3021,7 @@
           <a:p>
             <a:fld id="{1CC4CA7E-E4E1-D74C-ACCE-7F4688DA46B0}" type="datetimeFigureOut">
               <a:rPr lang="en-GB" smtClean="0"/>
-              <a:t>13/01/2020</a:t>
+              <a:t>14/01/2020</a:t>
             </a:fld>
             <a:endParaRPr lang="en-GB"/>
           </a:p>
@@ -6028,145 +6026,6 @@
           <p:cNvPr id="2" name="Titel 1">
             <a:extLst>
               <a:ext uri="{FF2B5EF4-FFF2-40B4-BE49-F238E27FC236}">
-                <a16:creationId xmlns:a16="http://schemas.microsoft.com/office/drawing/2014/main" id="{BDECAEB1-542A-F848-9D2C-B10DFE956AB7}"/>
-              </a:ext>
-            </a:extLst>
-          </p:cNvPr>
-          <p:cNvSpPr>
-            <a:spLocks noGrp="1"/>
-          </p:cNvSpPr>
-          <p:nvPr>
-            <p:ph type="title"/>
-          </p:nvPr>
-        </p:nvSpPr>
-        <p:spPr/>
-        <p:txBody>
-          <a:bodyPr/>
-          <a:lstStyle/>
-          <a:p>
-            <a:r>
-              <a:rPr lang="en-GB" dirty="0"/>
-              <a:t>3. Algorithms</a:t>
-            </a:r>
-          </a:p>
-        </p:txBody>
-      </p:sp>
-      <p:sp>
-        <p:nvSpPr>
-          <p:cNvPr id="3" name="Tijdelijke aanduiding voor inhoud 2">
-            <a:extLst>
-              <a:ext uri="{FF2B5EF4-FFF2-40B4-BE49-F238E27FC236}">
-                <a16:creationId xmlns:a16="http://schemas.microsoft.com/office/drawing/2014/main" id="{6B57B016-94D5-F646-9976-362E7188E1F0}"/>
-              </a:ext>
-            </a:extLst>
-          </p:cNvPr>
-          <p:cNvSpPr>
-            <a:spLocks noGrp="1"/>
-          </p:cNvSpPr>
-          <p:nvPr>
-            <p:ph sz="half" idx="1"/>
-          </p:nvPr>
-        </p:nvSpPr>
-        <p:spPr/>
-        <p:txBody>
-          <a:bodyPr/>
-          <a:lstStyle/>
-          <a:p>
-            <a:r>
-              <a:rPr lang="en-GB" dirty="0"/>
-              <a:t>Suboptimal results:</a:t>
-            </a:r>
-          </a:p>
-          <a:p>
-            <a:pPr lvl="1"/>
-            <a:r>
-              <a:rPr lang="en-GB" dirty="0"/>
-              <a:t>Random</a:t>
-            </a:r>
-          </a:p>
-          <a:p>
-            <a:pPr lvl="1"/>
-            <a:r>
-              <a:rPr lang="en-GB" dirty="0"/>
-              <a:t>Greedy</a:t>
-            </a:r>
-          </a:p>
-        </p:txBody>
-      </p:sp>
-      <p:sp>
-        <p:nvSpPr>
-          <p:cNvPr id="4" name="Tijdelijke aanduiding voor inhoud 3">
-            <a:extLst>
-              <a:ext uri="{FF2B5EF4-FFF2-40B4-BE49-F238E27FC236}">
-                <a16:creationId xmlns:a16="http://schemas.microsoft.com/office/drawing/2014/main" id="{D29CAD77-2AED-E94A-845B-B60D651EF411}"/>
-              </a:ext>
-            </a:extLst>
-          </p:cNvPr>
-          <p:cNvSpPr>
-            <a:spLocks noGrp="1"/>
-          </p:cNvSpPr>
-          <p:nvPr>
-            <p:ph sz="half" idx="2"/>
-          </p:nvPr>
-        </p:nvSpPr>
-        <p:spPr/>
-        <p:txBody>
-          <a:bodyPr/>
-          <a:lstStyle/>
-          <a:p>
-            <a:r>
-              <a:rPr lang="en-GB" dirty="0"/>
-              <a:t>Optimal results</a:t>
-            </a:r>
-          </a:p>
-          <a:p>
-            <a:pPr lvl="1"/>
-            <a:r>
-              <a:rPr lang="en-GB" dirty="0"/>
-              <a:t>Linear algorithm</a:t>
-            </a:r>
-          </a:p>
-          <a:p>
-            <a:pPr lvl="1"/>
-            <a:endParaRPr lang="en-GB" dirty="0"/>
-          </a:p>
-        </p:txBody>
-      </p:sp>
-    </p:spTree>
-    <p:extLst>
-      <p:ext uri="{BB962C8B-B14F-4D97-AF65-F5344CB8AC3E}">
-        <p14:creationId xmlns:p14="http://schemas.microsoft.com/office/powerpoint/2010/main" val="316381079"/>
-      </p:ext>
-    </p:extLst>
-  </p:cSld>
-  <p:clrMapOvr>
-    <a:masterClrMapping/>
-  </p:clrMapOvr>
-</p:sld>
-</file>
-
-<file path=ppt/slides/slide17.xml><?xml version="1.0" encoding="utf-8"?>
-<p:sld xmlns:a="http://schemas.openxmlformats.org/drawingml/2006/main" xmlns:r="http://schemas.openxmlformats.org/officeDocument/2006/relationships" xmlns:p="http://schemas.openxmlformats.org/presentationml/2006/main">
-  <p:cSld>
-    <p:spTree>
-      <p:nvGrpSpPr>
-        <p:cNvPr id="1" name=""/>
-        <p:cNvGrpSpPr/>
-        <p:nvPr/>
-      </p:nvGrpSpPr>
-      <p:grpSpPr>
-        <a:xfrm>
-          <a:off x="0" y="0"/>
-          <a:ext cx="0" cy="0"/>
-          <a:chOff x="0" y="0"/>
-          <a:chExt cx="0" cy="0"/>
-        </a:xfrm>
-      </p:grpSpPr>
-      <p:sp>
-        <p:nvSpPr>
-          <p:cNvPr id="2" name="Titel 1">
-            <a:extLst>
-              <a:ext uri="{FF2B5EF4-FFF2-40B4-BE49-F238E27FC236}">
                 <a16:creationId xmlns:a16="http://schemas.microsoft.com/office/drawing/2014/main" id="{048DA664-7B4B-904F-9F8D-5AD398A7E951}"/>
               </a:ext>
             </a:extLst>
@@ -6717,165 +6576,7 @@
 </p:sld>
 </file>
 
-<file path=ppt/slides/slide18.xml><?xml version="1.0" encoding="utf-8"?>
-<p:sld xmlns:a="http://schemas.openxmlformats.org/drawingml/2006/main" xmlns:r="http://schemas.openxmlformats.org/officeDocument/2006/relationships" xmlns:p="http://schemas.openxmlformats.org/presentationml/2006/main">
-  <p:cSld>
-    <p:spTree>
-      <p:nvGrpSpPr>
-        <p:cNvPr id="1" name=""/>
-        <p:cNvGrpSpPr/>
-        <p:nvPr/>
-      </p:nvGrpSpPr>
-      <p:grpSpPr>
-        <a:xfrm>
-          <a:off x="0" y="0"/>
-          <a:ext cx="0" cy="0"/>
-          <a:chOff x="0" y="0"/>
-          <a:chExt cx="0" cy="0"/>
-        </a:xfrm>
-      </p:grpSpPr>
-      <p:sp>
-        <p:nvSpPr>
-          <p:cNvPr id="2" name="Titel 1">
-            <a:extLst>
-              <a:ext uri="{FF2B5EF4-FFF2-40B4-BE49-F238E27FC236}">
-                <a16:creationId xmlns:a16="http://schemas.microsoft.com/office/drawing/2014/main" id="{5174C44D-C4DB-C046-8C22-0504A1BEC542}"/>
-              </a:ext>
-            </a:extLst>
-          </p:cNvPr>
-          <p:cNvSpPr>
-            <a:spLocks noGrp="1"/>
-          </p:cNvSpPr>
-          <p:nvPr>
-            <p:ph type="title"/>
-          </p:nvPr>
-        </p:nvSpPr>
-        <p:spPr/>
-        <p:txBody>
-          <a:bodyPr/>
-          <a:lstStyle/>
-          <a:p>
-            <a:r>
-              <a:rPr lang="en-GB" dirty="0"/>
-              <a:t>Future: </a:t>
-            </a:r>
-          </a:p>
-        </p:txBody>
-      </p:sp>
-      <p:sp>
-        <p:nvSpPr>
-          <p:cNvPr id="3" name="Tijdelijke aanduiding voor inhoud 2">
-            <a:extLst>
-              <a:ext uri="{FF2B5EF4-FFF2-40B4-BE49-F238E27FC236}">
-                <a16:creationId xmlns:a16="http://schemas.microsoft.com/office/drawing/2014/main" id="{E1082D90-0845-5944-814F-31A506E1E0F2}"/>
-              </a:ext>
-            </a:extLst>
-          </p:cNvPr>
-          <p:cNvSpPr>
-            <a:spLocks noGrp="1"/>
-          </p:cNvSpPr>
-          <p:nvPr>
-            <p:ph sz="half" idx="1"/>
-          </p:nvPr>
-        </p:nvSpPr>
-        <p:spPr/>
-        <p:txBody>
-          <a:bodyPr/>
-          <a:lstStyle/>
-          <a:p>
-            <a:r>
-              <a:rPr lang="en-GB" dirty="0" err="1"/>
-              <a:t>Welke</a:t>
-            </a:r>
-            <a:r>
-              <a:rPr lang="en-GB" dirty="0"/>
-              <a:t> </a:t>
-            </a:r>
-            <a:r>
-              <a:rPr lang="en-GB" dirty="0" err="1"/>
-              <a:t>heuristieken</a:t>
-            </a:r>
-            <a:r>
-              <a:rPr lang="en-GB" dirty="0"/>
-              <a:t> </a:t>
-            </a:r>
-            <a:r>
-              <a:rPr lang="en-GB" dirty="0" err="1"/>
-              <a:t>gaan</a:t>
-            </a:r>
-            <a:r>
-              <a:rPr lang="en-GB" dirty="0"/>
-              <a:t> we </a:t>
-            </a:r>
-            <a:r>
-              <a:rPr lang="en-GB" dirty="0" err="1"/>
-              <a:t>komende</a:t>
-            </a:r>
-            <a:r>
-              <a:rPr lang="en-GB" dirty="0"/>
-              <a:t> week </a:t>
-            </a:r>
-            <a:r>
-              <a:rPr lang="en-GB" dirty="0" err="1"/>
-              <a:t>aan</a:t>
-            </a:r>
-            <a:r>
-              <a:rPr lang="en-GB" dirty="0"/>
-              <a:t> </a:t>
-            </a:r>
-            <a:r>
-              <a:rPr lang="en-GB" dirty="0" err="1"/>
-              <a:t>werken</a:t>
-            </a:r>
-            <a:r>
-              <a:rPr lang="en-GB" dirty="0"/>
-              <a:t>.</a:t>
-            </a:r>
-          </a:p>
-          <a:p>
-            <a:endParaRPr lang="en-GB" dirty="0"/>
-          </a:p>
-        </p:txBody>
-      </p:sp>
-      <p:sp>
-        <p:nvSpPr>
-          <p:cNvPr id="4" name="Tijdelijke aanduiding voor inhoud 3">
-            <a:extLst>
-              <a:ext uri="{FF2B5EF4-FFF2-40B4-BE49-F238E27FC236}">
-                <a16:creationId xmlns:a16="http://schemas.microsoft.com/office/drawing/2014/main" id="{7D861EC5-852D-834C-B001-4FF9DDDBC62F}"/>
-              </a:ext>
-            </a:extLst>
-          </p:cNvPr>
-          <p:cNvSpPr>
-            <a:spLocks noGrp="1"/>
-          </p:cNvSpPr>
-          <p:nvPr>
-            <p:ph sz="half" idx="2"/>
-          </p:nvPr>
-        </p:nvSpPr>
-        <p:spPr/>
-        <p:txBody>
-          <a:bodyPr/>
-          <a:lstStyle/>
-          <a:p>
-            <a:endParaRPr lang="en-GB"/>
-          </a:p>
-        </p:txBody>
-      </p:sp>
-    </p:spTree>
-    <p:extLst>
-      <p:ext uri="{BB962C8B-B14F-4D97-AF65-F5344CB8AC3E}">
-        <p14:creationId xmlns:p14="http://schemas.microsoft.com/office/powerpoint/2010/main" val="1963639422"/>
-      </p:ext>
-    </p:extLst>
-  </p:cSld>
-  <p:clrMapOvr>
-    <a:masterClrMapping/>
-  </p:clrMapOvr>
-</p:sld>
-</file>
-
-<file path=ppt/slides/slide19.xml><?xml version="1.0" encoding="utf-8"?>
+<file path=ppt/slides/slide17.xml><?xml version="1.0" encoding="utf-8"?>
 <p:sld xmlns:a="http://schemas.openxmlformats.org/drawingml/2006/main" xmlns:r="http://schemas.openxmlformats.org/officeDocument/2006/relationships" xmlns:p="http://schemas.openxmlformats.org/presentationml/2006/main">
   <p:cSld>
     <p:spTree>
@@ -7064,10 +6765,13 @@
         </p:spPr>
         <p:txBody>
           <a:bodyPr>
-            <a:normAutofit fontScale="92500" lnSpcReduction="10000"/>
+            <a:normAutofit/>
           </a:bodyPr>
           <a:lstStyle/>
           <a:p>
+            <a:pPr marL="0" indent="0">
+              <a:buNone/>
+            </a:pPr>
             <a:r>
               <a:rPr lang="en-GB" dirty="0"/>
               <a:t>1. Introduction in the casus</a:t>
@@ -7077,126 +6781,50 @@
             <a:pPr lvl="1"/>
             <a:r>
               <a:rPr lang="en-GB" dirty="0"/>
-              <a:t>State Space of the problem (Mark)</a:t>
-            </a:r>
-          </a:p>
-          <a:p>
-            <a:r>
-              <a:rPr lang="en-GB" dirty="0"/>
-              <a:t>2. </a:t>
-            </a:r>
-            <a:r>
-              <a:rPr lang="en-GB" dirty="0" err="1"/>
-              <a:t>Datastructures</a:t>
-            </a:r>
-            <a:r>
-              <a:rPr lang="en-GB" dirty="0"/>
-              <a:t> (</a:t>
-            </a:r>
-            <a:r>
-              <a:rPr lang="en-GB" dirty="0" err="1"/>
-              <a:t>Terugblik</a:t>
-            </a:r>
-            <a:r>
-              <a:rPr lang="en-GB" dirty="0"/>
-              <a:t> </a:t>
-            </a:r>
-            <a:r>
-              <a:rPr lang="en-GB" dirty="0" err="1"/>
-              <a:t>vorige</a:t>
-            </a:r>
-            <a:r>
-              <a:rPr lang="en-GB" dirty="0"/>
-              <a:t> week) (</a:t>
-            </a:r>
-            <a:r>
-              <a:rPr lang="en-GB" dirty="0" err="1"/>
-              <a:t>Loek</a:t>
-            </a:r>
-            <a:r>
-              <a:rPr lang="en-GB" dirty="0"/>
-              <a:t>)</a:t>
+              <a:t>State Space of the problem</a:t>
+            </a:r>
+          </a:p>
+          <a:p>
+            <a:pPr marL="0" indent="0">
+              <a:buNone/>
+            </a:pPr>
+            <a:r>
+              <a:rPr lang="en-GB" dirty="0"/>
+              <a:t>2. Quick recap</a:t>
+            </a:r>
+          </a:p>
+          <a:p>
+            <a:pPr marL="0" indent="0">
+              <a:buNone/>
+            </a:pPr>
+            <a:r>
+              <a:rPr lang="en-GB" dirty="0"/>
+              <a:t>3. Algorithms</a:t>
             </a:r>
           </a:p>
           <a:p>
             <a:pPr lvl="1"/>
             <a:r>
-              <a:rPr lang="en-GB" dirty="0" err="1"/>
-              <a:t>Dictionairy</a:t>
-            </a:r>
-            <a:r>
-              <a:rPr lang="en-GB" dirty="0"/>
-              <a:t> vs. Matrix</a:t>
-            </a:r>
-          </a:p>
-          <a:p>
-            <a:pPr lvl="1"/>
-            <a:r>
-              <a:rPr lang="en-GB" dirty="0"/>
-              <a:t>Results</a:t>
-            </a:r>
-          </a:p>
-          <a:p>
-            <a:r>
-              <a:rPr lang="en-GB" dirty="0"/>
-              <a:t>3. Algorithms (</a:t>
-            </a:r>
-            <a:r>
-              <a:rPr lang="en-GB" dirty="0" err="1"/>
-              <a:t>Sebas</a:t>
-            </a:r>
-            <a:r>
-              <a:rPr lang="en-GB" dirty="0"/>
-              <a:t>)</a:t>
-            </a:r>
-          </a:p>
-          <a:p>
-            <a:pPr lvl="1"/>
-            <a:r>
-              <a:rPr lang="en-GB" dirty="0"/>
-              <a:t>Random, Greedy</a:t>
-            </a:r>
-          </a:p>
-          <a:p>
-            <a:r>
-              <a:rPr lang="en-GB" dirty="0"/>
-              <a:t>4. Results (</a:t>
-            </a:r>
-            <a:r>
-              <a:rPr lang="en-GB" dirty="0" err="1"/>
-              <a:t>Sebas</a:t>
-            </a:r>
-            <a:r>
-              <a:rPr lang="en-GB" dirty="0"/>
-              <a:t>)</a:t>
-            </a:r>
-          </a:p>
-          <a:p>
-            <a:r>
-              <a:rPr lang="en-GB" dirty="0"/>
-              <a:t>Future </a:t>
-            </a:r>
-            <a:r>
-              <a:rPr lang="en-GB" dirty="0" err="1"/>
-              <a:t>heuristieken</a:t>
-            </a:r>
-            <a:r>
-              <a:rPr lang="en-GB" dirty="0"/>
-              <a:t> (</a:t>
-            </a:r>
-            <a:r>
-              <a:rPr lang="en-GB" dirty="0" err="1"/>
-              <a:t>Allemaal</a:t>
-            </a:r>
-            <a:r>
-              <a:rPr lang="en-GB" dirty="0"/>
-              <a:t>)</a:t>
-            </a:r>
-          </a:p>
-          <a:p>
-            <a:r>
-              <a:rPr lang="en-GB" dirty="0"/>
-              <a:t>5. Q&amp;A and discussion (Mark)</a:t>
+              <a:rPr lang="en-GB" dirty="0"/>
+              <a:t>Random, Greedy and more</a:t>
+            </a:r>
+          </a:p>
+          <a:p>
+            <a:pPr marL="0" indent="0">
+              <a:buNone/>
+            </a:pPr>
+            <a:r>
+              <a:rPr lang="en-GB" dirty="0"/>
+              <a:t>4. Results </a:t>
+            </a:r>
+          </a:p>
+          <a:p>
+            <a:pPr marL="0" indent="0">
+              <a:buNone/>
+            </a:pPr>
+            <a:r>
+              <a:rPr lang="en-GB" dirty="0"/>
+              <a:t>5. Q&amp;A and discussion</a:t>
             </a:r>
           </a:p>
         </p:txBody>
@@ -7655,7 +7283,7 @@
           <a:p>
             <a:r>
               <a:rPr lang="en-GB" dirty="0"/>
-              <a:t>State Space</a:t>
+              <a:t>State Space (2D random)</a:t>
             </a:r>
           </a:p>
           <a:p>
@@ -7680,14 +7308,13 @@
           <a:p>
             <a:pPr lvl="1"/>
             <a:r>
-              <a:rPr lang="en-GB"/>
+              <a:rPr lang="en-GB" dirty="0"/>
               <a:t>4*3</a:t>
             </a:r>
             <a:r>
-              <a:rPr lang="en-GB" baseline="30000"/>
+              <a:rPr lang="en-GB" baseline="30000" dirty="0"/>
               <a:t>n-1</a:t>
             </a:r>
-            <a:endParaRPr lang="en-GB" baseline="30000" dirty="0"/>
           </a:p>
           <a:p>
             <a:pPr lvl="1"/>
@@ -7697,13 +7324,8 @@
             <a:pPr lvl="1"/>
             <a:r>
               <a:rPr lang="en-GB" dirty="0"/>
-              <a:t>Maar: </a:t>
-            </a:r>
-            <a:r>
-              <a:rPr lang="en-GB" dirty="0" err="1"/>
-              <a:t>rotatie</a:t>
-            </a:r>
-            <a:endParaRPr lang="en-GB" dirty="0"/>
+              <a:t>Unchanged due to rotation</a:t>
+            </a:r>
           </a:p>
           <a:p>
             <a:pPr lvl="1"/>
@@ -7718,39 +7340,10 @@
             <a:endParaRPr lang="en-GB" dirty="0"/>
           </a:p>
           <a:p>
-            <a:pPr lvl="1"/>
+            <a:pPr marL="457200" lvl="1" indent="0">
+              <a:buNone/>
+            </a:pPr>
             <a:endParaRPr lang="en-GB" dirty="0"/>
-          </a:p>
-          <a:p>
-            <a:pPr lvl="1"/>
-            <a:r>
-              <a:rPr lang="en-GB" dirty="0"/>
-              <a:t>Kan </a:t>
-            </a:r>
-            <a:r>
-              <a:rPr lang="en-GB" dirty="0" err="1"/>
-              <a:t>niet</a:t>
-            </a:r>
-            <a:r>
-              <a:rPr lang="en-GB" dirty="0"/>
-              <a:t> </a:t>
-            </a:r>
-            <a:r>
-              <a:rPr lang="en-GB" dirty="0" err="1"/>
-              <a:t>rekening</a:t>
-            </a:r>
-            <a:r>
-              <a:rPr lang="en-GB" dirty="0"/>
-              <a:t> </a:t>
-            </a:r>
-            <a:r>
-              <a:rPr lang="en-GB" dirty="0" err="1"/>
-              <a:t>houden</a:t>
-            </a:r>
-            <a:r>
-              <a:rPr lang="en-GB" dirty="0"/>
-              <a:t> met self-avoiding walk:</a:t>
-            </a:r>
           </a:p>
           <a:p>
             <a:pPr lvl="1"/>

--- a/Documentation/PPP, Week 2, Meeting 1.pptx
+++ b/Documentation/PPP, Week 2, Meeting 1.pptx
@@ -213,7 +213,7 @@
           <a:p>
             <a:fld id="{1E47D41A-4042-B543-AE22-1ED09200DB20}" type="datetimeFigureOut">
               <a:rPr lang="en-GB" smtClean="0"/>
-              <a:t>14/01/2020</a:t>
+              <a:t>17/01/2020</a:t>
             </a:fld>
             <a:endParaRPr lang="en-GB"/>
           </a:p>
@@ -696,7 +696,7 @@
           <a:p>
             <a:fld id="{1CC4CA7E-E4E1-D74C-ACCE-7F4688DA46B0}" type="datetimeFigureOut">
               <a:rPr lang="en-GB" smtClean="0"/>
-              <a:t>14/01/2020</a:t>
+              <a:t>17/01/2020</a:t>
             </a:fld>
             <a:endParaRPr lang="en-GB"/>
           </a:p>
@@ -866,7 +866,7 @@
           <a:p>
             <a:fld id="{1CC4CA7E-E4E1-D74C-ACCE-7F4688DA46B0}" type="datetimeFigureOut">
               <a:rPr lang="en-GB" smtClean="0"/>
-              <a:t>14/01/2020</a:t>
+              <a:t>17/01/2020</a:t>
             </a:fld>
             <a:endParaRPr lang="en-GB"/>
           </a:p>
@@ -1046,7 +1046,7 @@
           <a:p>
             <a:fld id="{1CC4CA7E-E4E1-D74C-ACCE-7F4688DA46B0}" type="datetimeFigureOut">
               <a:rPr lang="en-GB" smtClean="0"/>
-              <a:t>14/01/2020</a:t>
+              <a:t>17/01/2020</a:t>
             </a:fld>
             <a:endParaRPr lang="en-GB"/>
           </a:p>
@@ -1216,7 +1216,7 @@
           <a:p>
             <a:fld id="{1CC4CA7E-E4E1-D74C-ACCE-7F4688DA46B0}" type="datetimeFigureOut">
               <a:rPr lang="en-GB" smtClean="0"/>
-              <a:t>14/01/2020</a:t>
+              <a:t>17/01/2020</a:t>
             </a:fld>
             <a:endParaRPr lang="en-GB"/>
           </a:p>
@@ -1462,7 +1462,7 @@
           <a:p>
             <a:fld id="{1CC4CA7E-E4E1-D74C-ACCE-7F4688DA46B0}" type="datetimeFigureOut">
               <a:rPr lang="en-GB" smtClean="0"/>
-              <a:t>14/01/2020</a:t>
+              <a:t>17/01/2020</a:t>
             </a:fld>
             <a:endParaRPr lang="en-GB"/>
           </a:p>
@@ -1694,7 +1694,7 @@
           <a:p>
             <a:fld id="{1CC4CA7E-E4E1-D74C-ACCE-7F4688DA46B0}" type="datetimeFigureOut">
               <a:rPr lang="en-GB" smtClean="0"/>
-              <a:t>14/01/2020</a:t>
+              <a:t>17/01/2020</a:t>
             </a:fld>
             <a:endParaRPr lang="en-GB"/>
           </a:p>
@@ -2061,7 +2061,7 @@
           <a:p>
             <a:fld id="{1CC4CA7E-E4E1-D74C-ACCE-7F4688DA46B0}" type="datetimeFigureOut">
               <a:rPr lang="en-GB" smtClean="0"/>
-              <a:t>14/01/2020</a:t>
+              <a:t>17/01/2020</a:t>
             </a:fld>
             <a:endParaRPr lang="en-GB"/>
           </a:p>
@@ -2179,7 +2179,7 @@
           <a:p>
             <a:fld id="{1CC4CA7E-E4E1-D74C-ACCE-7F4688DA46B0}" type="datetimeFigureOut">
               <a:rPr lang="en-GB" smtClean="0"/>
-              <a:t>14/01/2020</a:t>
+              <a:t>17/01/2020</a:t>
             </a:fld>
             <a:endParaRPr lang="en-GB"/>
           </a:p>
@@ -2274,7 +2274,7 @@
           <a:p>
             <a:fld id="{1CC4CA7E-E4E1-D74C-ACCE-7F4688DA46B0}" type="datetimeFigureOut">
               <a:rPr lang="en-GB" smtClean="0"/>
-              <a:t>14/01/2020</a:t>
+              <a:t>17/01/2020</a:t>
             </a:fld>
             <a:endParaRPr lang="en-GB"/>
           </a:p>
@@ -2551,7 +2551,7 @@
           <a:p>
             <a:fld id="{1CC4CA7E-E4E1-D74C-ACCE-7F4688DA46B0}" type="datetimeFigureOut">
               <a:rPr lang="en-GB" smtClean="0"/>
-              <a:t>14/01/2020</a:t>
+              <a:t>17/01/2020</a:t>
             </a:fld>
             <a:endParaRPr lang="en-GB"/>
           </a:p>
@@ -2808,7 +2808,7 @@
           <a:p>
             <a:fld id="{1CC4CA7E-E4E1-D74C-ACCE-7F4688DA46B0}" type="datetimeFigureOut">
               <a:rPr lang="en-GB" smtClean="0"/>
-              <a:t>14/01/2020</a:t>
+              <a:t>17/01/2020</a:t>
             </a:fld>
             <a:endParaRPr lang="en-GB"/>
           </a:p>
@@ -3021,7 +3021,7 @@
           <a:p>
             <a:fld id="{1CC4CA7E-E4E1-D74C-ACCE-7F4688DA46B0}" type="datetimeFigureOut">
               <a:rPr lang="en-GB" smtClean="0"/>
-              <a:t>14/01/2020</a:t>
+              <a:t>17/01/2020</a:t>
             </a:fld>
             <a:endParaRPr lang="en-GB"/>
           </a:p>
@@ -3494,7 +3494,7 @@
             </a:r>
             <a:r>
               <a:rPr lang="en-GB" dirty="0"/>
-              <a:t> 1</a:t>
+              <a:t> 2</a:t>
             </a:r>
           </a:p>
           <a:p>
@@ -7500,7 +7500,7 @@
             <a:pPr lvl="1"/>
             <a:r>
               <a:rPr lang="en-GB" dirty="0"/>
-              <a:t>Stores: element objects in two ways</a:t>
+              <a:t>Stores: element objects in Matrix or Dictionaries format</a:t>
             </a:r>
           </a:p>
         </p:txBody>

--- a/Documentation/PPP, Week 2, Meeting 1.pptx
+++ b/Documentation/PPP, Week 2, Meeting 1.pptx
@@ -7192,7 +7192,9 @@
         </p:nvSpPr>
         <p:spPr/>
         <p:txBody>
-          <a:bodyPr/>
+          <a:bodyPr>
+            <a:normAutofit/>
+          </a:bodyPr>
           <a:lstStyle/>
           <a:p>
             <a:r>
@@ -7278,7 +7280,9 @@
         </p:nvSpPr>
         <p:spPr/>
         <p:txBody>
-          <a:bodyPr/>
+          <a:bodyPr>
+            <a:normAutofit/>
+          </a:bodyPr>
           <a:lstStyle/>
           <a:p>
             <a:r>
@@ -7303,10 +7307,6 @@
           </a:p>
           <a:p>
             <a:pPr lvl="1"/>
-            <a:endParaRPr lang="en-GB" dirty="0"/>
-          </a:p>
-          <a:p>
-            <a:pPr lvl="1"/>
             <a:r>
               <a:rPr lang="en-GB" dirty="0"/>
               <a:t>4*3</a:t>
@@ -7324,37 +7324,50 @@
             <a:pPr lvl="1"/>
             <a:r>
               <a:rPr lang="en-GB" dirty="0"/>
-              <a:t>Unchanged due to rotation</a:t>
+              <a:t>Upper bound</a:t>
             </a:r>
           </a:p>
           <a:p>
             <a:pPr lvl="1"/>
             <a:r>
               <a:rPr lang="en-GB" dirty="0"/>
-              <a:t>3</a:t>
+              <a:t>Unchanged due </a:t>
+            </a:r>
+            <a:r>
+              <a:rPr lang="en-GB"/>
+              <a:t>to rotation</a:t>
+            </a:r>
+          </a:p>
+          <a:p>
+            <a:pPr lvl="1"/>
+            <a:endParaRPr lang="en-GB" dirty="0"/>
+          </a:p>
+          <a:p>
+            <a:pPr lvl="1"/>
+            <a:r>
+              <a:rPr lang="en-GB" dirty="0"/>
+              <a:t>Upper bound: &lt; 3</a:t>
             </a:r>
             <a:r>
               <a:rPr lang="en-GB" baseline="30000" dirty="0"/>
               <a:t>n-2</a:t>
             </a:r>
-            <a:endParaRPr lang="en-GB" dirty="0"/>
+          </a:p>
+          <a:p>
+            <a:pPr lvl="1"/>
+            <a:r>
+              <a:rPr lang="en-GB" dirty="0"/>
+              <a:t>Lower bound: &gt; n</a:t>
+            </a:r>
+          </a:p>
+          <a:p>
+            <a:pPr lvl="1"/>
+            <a:endParaRPr lang="en-GB" baseline="30000" dirty="0"/>
           </a:p>
           <a:p>
             <a:pPr marL="457200" lvl="1" indent="0">
               <a:buNone/>
             </a:pPr>
-            <a:endParaRPr lang="en-GB" dirty="0"/>
-          </a:p>
-          <a:p>
-            <a:pPr lvl="1"/>
-            <a:r>
-              <a:rPr lang="en-GB" dirty="0"/>
-              <a:t>True State Space: &lt; 3</a:t>
-            </a:r>
-            <a:r>
-              <a:rPr lang="en-GB" baseline="30000" dirty="0"/>
-              <a:t>n-2</a:t>
-            </a:r>
             <a:endParaRPr lang="en-GB" dirty="0"/>
           </a:p>
           <a:p>

--- a/Documentation/PPP, Week 2, Meeting 1.pptx
+++ b/Documentation/PPP, Week 2, Meeting 1.pptx
@@ -5,7 +5,7 @@
     <p:sldMasterId id="2147483672" r:id="rId1"/>
   </p:sldMasterIdLst>
   <p:notesMasterIdLst>
-    <p:notesMasterId r:id="rId19"/>
+    <p:notesMasterId r:id="rId18"/>
   </p:notesMasterIdLst>
   <p:sldIdLst>
     <p:sldId id="256" r:id="rId2"/>
@@ -23,8 +23,7 @@
     <p:sldId id="274" r:id="rId14"/>
     <p:sldId id="275" r:id="rId15"/>
     <p:sldId id="276" r:id="rId16"/>
-    <p:sldId id="269" r:id="rId17"/>
-    <p:sldId id="265" r:id="rId18"/>
+    <p:sldId id="265" r:id="rId17"/>
   </p:sldIdLst>
   <p:sldSz cx="12192000" cy="6858000"/>
   <p:notesSz cx="6858000" cy="9144000"/>
@@ -6005,578 +6004,6 @@
 </file>
 
 <file path=ppt/slides/slide16.xml><?xml version="1.0" encoding="utf-8"?>
-<p:sld xmlns:a="http://schemas.openxmlformats.org/drawingml/2006/main" xmlns:r="http://schemas.openxmlformats.org/officeDocument/2006/relationships" xmlns:p="http://schemas.openxmlformats.org/presentationml/2006/main">
-  <p:cSld>
-    <p:spTree>
-      <p:nvGrpSpPr>
-        <p:cNvPr id="1" name=""/>
-        <p:cNvGrpSpPr/>
-        <p:nvPr/>
-      </p:nvGrpSpPr>
-      <p:grpSpPr>
-        <a:xfrm>
-          <a:off x="0" y="0"/>
-          <a:ext cx="0" cy="0"/>
-          <a:chOff x="0" y="0"/>
-          <a:chExt cx="0" cy="0"/>
-        </a:xfrm>
-      </p:grpSpPr>
-      <p:sp>
-        <p:nvSpPr>
-          <p:cNvPr id="2" name="Titel 1">
-            <a:extLst>
-              <a:ext uri="{FF2B5EF4-FFF2-40B4-BE49-F238E27FC236}">
-                <a16:creationId xmlns:a16="http://schemas.microsoft.com/office/drawing/2014/main" id="{048DA664-7B4B-904F-9F8D-5AD398A7E951}"/>
-              </a:ext>
-            </a:extLst>
-          </p:cNvPr>
-          <p:cNvSpPr>
-            <a:spLocks noGrp="1"/>
-          </p:cNvSpPr>
-          <p:nvPr>
-            <p:ph type="title"/>
-          </p:nvPr>
-        </p:nvSpPr>
-        <p:spPr/>
-        <p:txBody>
-          <a:bodyPr/>
-          <a:lstStyle/>
-          <a:p>
-            <a:r>
-              <a:rPr lang="en-GB" dirty="0"/>
-              <a:t>4. Method: Possible algorithms</a:t>
-            </a:r>
-          </a:p>
-        </p:txBody>
-      </p:sp>
-      <p:graphicFrame>
-        <p:nvGraphicFramePr>
-          <p:cNvPr id="4" name="Tijdelijke aanduiding voor inhoud 3">
-            <a:extLst>
-              <a:ext uri="{FF2B5EF4-FFF2-40B4-BE49-F238E27FC236}">
-                <a16:creationId xmlns:a16="http://schemas.microsoft.com/office/drawing/2014/main" id="{A99AE717-0713-1642-BF68-3759AE9FEC44}"/>
-              </a:ext>
-            </a:extLst>
-          </p:cNvPr>
-          <p:cNvGraphicFramePr>
-            <a:graphicFrameLocks noGrp="1"/>
-          </p:cNvGraphicFramePr>
-          <p:nvPr>
-            <p:ph sz="half" idx="1"/>
-            <p:extLst>
-              <p:ext uri="{D42A27DB-BD31-4B8C-83A1-F6EECF244321}">
-                <p14:modId xmlns:p14="http://schemas.microsoft.com/office/powerpoint/2010/main" val="1788444708"/>
-              </p:ext>
-            </p:extLst>
-          </p:nvPr>
-        </p:nvGraphicFramePr>
-        <p:xfrm>
-          <a:off x="838199" y="1825624"/>
-          <a:ext cx="10515600" cy="4346576"/>
-        </p:xfrm>
-        <a:graphic>
-          <a:graphicData uri="http://schemas.openxmlformats.org/drawingml/2006/table">
-            <a:tbl>
-              <a:tblPr firstRow="1" bandRow="1">
-                <a:tableStyleId>{5C22544A-7EE6-4342-B048-85BDC9FD1C3A}</a:tableStyleId>
-              </a:tblPr>
-              <a:tblGrid>
-                <a:gridCol w="1752600">
-                  <a:extLst>
-                    <a:ext uri="{9D8B030D-6E8A-4147-A177-3AD203B41FA5}">
-                      <a16:colId xmlns:a16="http://schemas.microsoft.com/office/drawing/2014/main" val="3498264961"/>
-                    </a:ext>
-                  </a:extLst>
-                </a:gridCol>
-                <a:gridCol w="1752600">
-                  <a:extLst>
-                    <a:ext uri="{9D8B030D-6E8A-4147-A177-3AD203B41FA5}">
-                      <a16:colId xmlns:a16="http://schemas.microsoft.com/office/drawing/2014/main" val="4197057412"/>
-                    </a:ext>
-                  </a:extLst>
-                </a:gridCol>
-                <a:gridCol w="1752600">
-                  <a:extLst>
-                    <a:ext uri="{9D8B030D-6E8A-4147-A177-3AD203B41FA5}">
-                      <a16:colId xmlns:a16="http://schemas.microsoft.com/office/drawing/2014/main" val="3755094875"/>
-                    </a:ext>
-                  </a:extLst>
-                </a:gridCol>
-                <a:gridCol w="1752600">
-                  <a:extLst>
-                    <a:ext uri="{9D8B030D-6E8A-4147-A177-3AD203B41FA5}">
-                      <a16:colId xmlns:a16="http://schemas.microsoft.com/office/drawing/2014/main" val="3007925308"/>
-                    </a:ext>
-                  </a:extLst>
-                </a:gridCol>
-                <a:gridCol w="1752600">
-                  <a:extLst>
-                    <a:ext uri="{9D8B030D-6E8A-4147-A177-3AD203B41FA5}">
-                      <a16:colId xmlns:a16="http://schemas.microsoft.com/office/drawing/2014/main" val="804067653"/>
-                    </a:ext>
-                  </a:extLst>
-                </a:gridCol>
-                <a:gridCol w="1752600">
-                  <a:extLst>
-                    <a:ext uri="{9D8B030D-6E8A-4147-A177-3AD203B41FA5}">
-                      <a16:colId xmlns:a16="http://schemas.microsoft.com/office/drawing/2014/main" val="4294553547"/>
-                    </a:ext>
-                  </a:extLst>
-                </a:gridCol>
-              </a:tblGrid>
-              <a:tr h="1310212">
-                <a:tc>
-                  <a:txBody>
-                    <a:bodyPr/>
-                    <a:lstStyle/>
-                    <a:p>
-                      <a:r>
-                        <a:rPr lang="en-GB" dirty="0"/>
-                        <a:t>Name</a:t>
-                      </a:r>
-                    </a:p>
-                  </a:txBody>
-                  <a:tcPr/>
-                </a:tc>
-                <a:tc>
-                  <a:txBody>
-                    <a:bodyPr/>
-                    <a:lstStyle/>
-                    <a:p>
-                      <a:r>
-                        <a:rPr lang="en-GB" dirty="0"/>
-                        <a:t>Result</a:t>
-                      </a:r>
-                    </a:p>
-                  </a:txBody>
-                  <a:tcPr/>
-                </a:tc>
-                <a:tc>
-                  <a:txBody>
-                    <a:bodyPr/>
-                    <a:lstStyle/>
-                    <a:p>
-                      <a:pPr marL="0" marR="0" lvl="0" indent="0" algn="l" defTabSz="914400" rtl="0" eaLnBrk="1" fontAlgn="auto" latinLnBrk="0" hangingPunct="1">
-                        <a:lnSpc>
-                          <a:spcPct val="100000"/>
-                        </a:lnSpc>
-                        <a:spcBef>
-                          <a:spcPts val="0"/>
-                        </a:spcBef>
-                        <a:spcAft>
-                          <a:spcPts val="0"/>
-                        </a:spcAft>
-                        <a:buClrTx/>
-                        <a:buSzTx/>
-                        <a:buFontTx/>
-                        <a:buNone/>
-                        <a:tabLst/>
-                        <a:defRPr/>
-                      </a:pPr>
-                      <a:r>
-                        <a:rPr lang="nl-NL" dirty="0"/>
-                        <a:t>Method</a:t>
-                      </a:r>
-                      <a:endParaRPr lang="en-GB" dirty="0"/>
-                    </a:p>
-                  </a:txBody>
-                  <a:tcPr/>
-                </a:tc>
-                <a:tc>
-                  <a:txBody>
-                    <a:bodyPr/>
-                    <a:lstStyle/>
-                    <a:p>
-                      <a:pPr marL="0" marR="0" lvl="0" indent="0" algn="l" defTabSz="914400" rtl="0" eaLnBrk="1" fontAlgn="auto" latinLnBrk="0" hangingPunct="1">
-                        <a:lnSpc>
-                          <a:spcPct val="100000"/>
-                        </a:lnSpc>
-                        <a:spcBef>
-                          <a:spcPts val="0"/>
-                        </a:spcBef>
-                        <a:spcAft>
-                          <a:spcPts val="0"/>
-                        </a:spcAft>
-                        <a:buClrTx/>
-                        <a:buSzTx/>
-                        <a:buFontTx/>
-                        <a:buNone/>
-                        <a:tabLst/>
-                        <a:defRPr/>
-                      </a:pPr>
-                      <a:r>
-                        <a:rPr lang="el-GR" dirty="0"/>
-                        <a:t>Ω</a:t>
-                      </a:r>
-                      <a:r>
-                        <a:rPr lang="nl-NL" dirty="0"/>
-                        <a:t> (Best Case)</a:t>
-                      </a:r>
-                      <a:endParaRPr lang="en-GB" dirty="0"/>
-                    </a:p>
-                  </a:txBody>
-                  <a:tcPr/>
-                </a:tc>
-                <a:tc>
-                  <a:txBody>
-                    <a:bodyPr/>
-                    <a:lstStyle/>
-                    <a:p>
-                      <a:r>
-                        <a:rPr lang="en-GB" dirty="0"/>
-                        <a:t>Runtime (1000 iterations) </a:t>
-                      </a:r>
-                      <a:r>
-                        <a:rPr lang="en-GB" dirty="0" err="1"/>
-                        <a:t>Dict</a:t>
-                      </a:r>
-                      <a:endParaRPr lang="en-GB" dirty="0"/>
-                    </a:p>
-                  </a:txBody>
-                  <a:tcPr/>
-                </a:tc>
-                <a:tc>
-                  <a:txBody>
-                    <a:bodyPr/>
-                    <a:lstStyle/>
-                    <a:p>
-                      <a:r>
-                        <a:rPr lang="en-GB" dirty="0"/>
-                        <a:t>Runtime (1000 iterations) Matrix</a:t>
-                      </a:r>
-                    </a:p>
-                  </a:txBody>
-                  <a:tcPr/>
-                </a:tc>
-                <a:extLst>
-                  <a:ext uri="{0D108BD9-81ED-4DB2-BD59-A6C34878D82A}">
-                    <a16:rowId xmlns:a16="http://schemas.microsoft.com/office/drawing/2014/main" val="2410651011"/>
-                  </a:ext>
-                </a:extLst>
-              </a:tr>
-              <a:tr h="759091">
-                <a:tc>
-                  <a:txBody>
-                    <a:bodyPr/>
-                    <a:lstStyle/>
-                    <a:p>
-                      <a:r>
-                        <a:rPr lang="en-GB" dirty="0"/>
-                        <a:t>Random</a:t>
-                      </a:r>
-                    </a:p>
-                  </a:txBody>
-                  <a:tcPr/>
-                </a:tc>
-                <a:tc>
-                  <a:txBody>
-                    <a:bodyPr/>
-                    <a:lstStyle/>
-                    <a:p>
-                      <a:r>
-                        <a:rPr lang="en-GB" dirty="0"/>
-                        <a:t>Sub-optimal</a:t>
-                      </a:r>
-                    </a:p>
-                  </a:txBody>
-                  <a:tcPr/>
-                </a:tc>
-                <a:tc>
-                  <a:txBody>
-                    <a:bodyPr/>
-                    <a:lstStyle/>
-                    <a:p>
-                      <a:r>
-                        <a:rPr lang="en-GB" dirty="0"/>
-                        <a:t>Constructive</a:t>
-                      </a:r>
-                    </a:p>
-                  </a:txBody>
-                  <a:tcPr/>
-                </a:tc>
-                <a:tc>
-                  <a:txBody>
-                    <a:bodyPr/>
-                    <a:lstStyle/>
-                    <a:p>
-                      <a:endParaRPr lang="en-GB" dirty="0"/>
-                    </a:p>
-                  </a:txBody>
-                  <a:tcPr/>
-                </a:tc>
-                <a:tc>
-                  <a:txBody>
-                    <a:bodyPr/>
-                    <a:lstStyle/>
-                    <a:p>
-                      <a:endParaRPr lang="en-GB" dirty="0"/>
-                    </a:p>
-                  </a:txBody>
-                  <a:tcPr/>
-                </a:tc>
-                <a:tc>
-                  <a:txBody>
-                    <a:bodyPr/>
-                    <a:lstStyle/>
-                    <a:p>
-                      <a:endParaRPr lang="en-GB" dirty="0"/>
-                    </a:p>
-                  </a:txBody>
-                  <a:tcPr/>
-                </a:tc>
-                <a:extLst>
-                  <a:ext uri="{0D108BD9-81ED-4DB2-BD59-A6C34878D82A}">
-                    <a16:rowId xmlns:a16="http://schemas.microsoft.com/office/drawing/2014/main" val="1634554122"/>
-                  </a:ext>
-                </a:extLst>
-              </a:tr>
-              <a:tr h="759091">
-                <a:tc>
-                  <a:txBody>
-                    <a:bodyPr/>
-                    <a:lstStyle/>
-                    <a:p>
-                      <a:r>
-                        <a:rPr lang="en-GB" dirty="0"/>
-                        <a:t>Greedy</a:t>
-                      </a:r>
-                    </a:p>
-                  </a:txBody>
-                  <a:tcPr/>
-                </a:tc>
-                <a:tc>
-                  <a:txBody>
-                    <a:bodyPr/>
-                    <a:lstStyle/>
-                    <a:p>
-                      <a:r>
-                        <a:rPr lang="en-GB" dirty="0"/>
-                        <a:t>Sub-optimal+</a:t>
-                      </a:r>
-                    </a:p>
-                  </a:txBody>
-                  <a:tcPr/>
-                </a:tc>
-                <a:tc>
-                  <a:txBody>
-                    <a:bodyPr/>
-                    <a:lstStyle/>
-                    <a:p>
-                      <a:r>
-                        <a:rPr lang="en-GB" dirty="0"/>
-                        <a:t>Constructive</a:t>
-                      </a:r>
-                    </a:p>
-                  </a:txBody>
-                  <a:tcPr/>
-                </a:tc>
-                <a:tc>
-                  <a:txBody>
-                    <a:bodyPr/>
-                    <a:lstStyle/>
-                    <a:p>
-                      <a:endParaRPr lang="en-GB" dirty="0"/>
-                    </a:p>
-                  </a:txBody>
-                  <a:tcPr/>
-                </a:tc>
-                <a:tc>
-                  <a:txBody>
-                    <a:bodyPr/>
-                    <a:lstStyle/>
-                    <a:p>
-                      <a:endParaRPr lang="en-GB" dirty="0"/>
-                    </a:p>
-                  </a:txBody>
-                  <a:tcPr/>
-                </a:tc>
-                <a:tc>
-                  <a:txBody>
-                    <a:bodyPr/>
-                    <a:lstStyle/>
-                    <a:p>
-                      <a:endParaRPr lang="en-GB" dirty="0"/>
-                    </a:p>
-                  </a:txBody>
-                  <a:tcPr/>
-                </a:tc>
-                <a:extLst>
-                  <a:ext uri="{0D108BD9-81ED-4DB2-BD59-A6C34878D82A}">
-                    <a16:rowId xmlns:a16="http://schemas.microsoft.com/office/drawing/2014/main" val="2093889383"/>
-                  </a:ext>
-                </a:extLst>
-              </a:tr>
-              <a:tr h="759091">
-                <a:tc>
-                  <a:txBody>
-                    <a:bodyPr/>
-                    <a:lstStyle/>
-                    <a:p>
-                      <a:r>
-                        <a:rPr lang="en-GB" dirty="0" err="1"/>
-                        <a:t>Lineair</a:t>
-                      </a:r>
-                      <a:endParaRPr lang="en-GB" dirty="0"/>
-                    </a:p>
-                  </a:txBody>
-                  <a:tcPr/>
-                </a:tc>
-                <a:tc>
-                  <a:txBody>
-                    <a:bodyPr/>
-                    <a:lstStyle/>
-                    <a:p>
-                      <a:r>
-                        <a:rPr lang="en-GB" dirty="0"/>
-                        <a:t>Optimal</a:t>
-                      </a:r>
-                    </a:p>
-                  </a:txBody>
-                  <a:tcPr/>
-                </a:tc>
-                <a:tc>
-                  <a:txBody>
-                    <a:bodyPr/>
-                    <a:lstStyle/>
-                    <a:p>
-                      <a:r>
-                        <a:rPr lang="en-GB" dirty="0"/>
-                        <a:t>Constructive</a:t>
-                      </a:r>
-                    </a:p>
-                  </a:txBody>
-                  <a:tcPr/>
-                </a:tc>
-                <a:tc>
-                  <a:txBody>
-                    <a:bodyPr/>
-                    <a:lstStyle/>
-                    <a:p>
-                      <a:endParaRPr lang="en-GB" dirty="0"/>
-                    </a:p>
-                  </a:txBody>
-                  <a:tcPr/>
-                </a:tc>
-                <a:tc>
-                  <a:txBody>
-                    <a:bodyPr/>
-                    <a:lstStyle/>
-                    <a:p>
-                      <a:endParaRPr lang="en-GB" dirty="0"/>
-                    </a:p>
-                  </a:txBody>
-                  <a:tcPr/>
-                </a:tc>
-                <a:tc>
-                  <a:txBody>
-                    <a:bodyPr/>
-                    <a:lstStyle/>
-                    <a:p>
-                      <a:endParaRPr lang="en-GB" dirty="0"/>
-                    </a:p>
-                  </a:txBody>
-                  <a:tcPr/>
-                </a:tc>
-                <a:extLst>
-                  <a:ext uri="{0D108BD9-81ED-4DB2-BD59-A6C34878D82A}">
-                    <a16:rowId xmlns:a16="http://schemas.microsoft.com/office/drawing/2014/main" val="2023286041"/>
-                  </a:ext>
-                </a:extLst>
-              </a:tr>
-              <a:tr h="759091">
-                <a:tc>
-                  <a:txBody>
-                    <a:bodyPr/>
-                    <a:lstStyle/>
-                    <a:p>
-                      <a:r>
-                        <a:rPr lang="en-GB" dirty="0"/>
-                        <a:t>Future </a:t>
-                      </a:r>
-                    </a:p>
-                  </a:txBody>
-                  <a:tcPr/>
-                </a:tc>
-                <a:tc>
-                  <a:txBody>
-                    <a:bodyPr/>
-                    <a:lstStyle/>
-                    <a:p>
-                      <a:r>
-                        <a:rPr lang="en-GB" dirty="0"/>
-                        <a:t>-</a:t>
-                      </a:r>
-                    </a:p>
-                  </a:txBody>
-                  <a:tcPr/>
-                </a:tc>
-                <a:tc>
-                  <a:txBody>
-                    <a:bodyPr/>
-                    <a:lstStyle/>
-                    <a:p>
-                      <a:r>
-                        <a:rPr lang="en-GB" dirty="0"/>
-                        <a:t>-</a:t>
-                      </a:r>
-                    </a:p>
-                  </a:txBody>
-                  <a:tcPr/>
-                </a:tc>
-                <a:tc>
-                  <a:txBody>
-                    <a:bodyPr/>
-                    <a:lstStyle/>
-                    <a:p>
-                      <a:endParaRPr lang="en-GB" dirty="0"/>
-                    </a:p>
-                  </a:txBody>
-                  <a:tcPr/>
-                </a:tc>
-                <a:tc>
-                  <a:txBody>
-                    <a:bodyPr/>
-                    <a:lstStyle/>
-                    <a:p>
-                      <a:endParaRPr lang="en-GB" dirty="0"/>
-                    </a:p>
-                  </a:txBody>
-                  <a:tcPr/>
-                </a:tc>
-                <a:tc>
-                  <a:txBody>
-                    <a:bodyPr/>
-                    <a:lstStyle/>
-                    <a:p>
-                      <a:endParaRPr lang="en-GB" dirty="0"/>
-                    </a:p>
-                  </a:txBody>
-                  <a:tcPr/>
-                </a:tc>
-                <a:extLst>
-                  <a:ext uri="{0D108BD9-81ED-4DB2-BD59-A6C34878D82A}">
-                    <a16:rowId xmlns:a16="http://schemas.microsoft.com/office/drawing/2014/main" val="207538214"/>
-                  </a:ext>
-                </a:extLst>
-              </a:tr>
-            </a:tbl>
-          </a:graphicData>
-        </a:graphic>
-      </p:graphicFrame>
-    </p:spTree>
-    <p:extLst>
-      <p:ext uri="{BB962C8B-B14F-4D97-AF65-F5344CB8AC3E}">
-        <p14:creationId xmlns:p14="http://schemas.microsoft.com/office/powerpoint/2010/main" val="635308508"/>
-      </p:ext>
-    </p:extLst>
-  </p:cSld>
-  <p:clrMapOvr>
-    <a:masterClrMapping/>
-  </p:clrMapOvr>
-</p:sld>
-</file>
-
-<file path=ppt/slides/slide17.xml><?xml version="1.0" encoding="utf-8"?>
 <p:sld xmlns:a="http://schemas.openxmlformats.org/drawingml/2006/main" xmlns:r="http://schemas.openxmlformats.org/officeDocument/2006/relationships" xmlns:p="http://schemas.openxmlformats.org/presentationml/2006/main">
   <p:cSld>
     <p:spTree>

--- a/Documentation/PPP, Week 2, Meeting 1.pptx
+++ b/Documentation/PPP, Week 2, Meeting 1.pptx
@@ -693,9 +693,9 @@
           <a:bodyPr/>
           <a:lstStyle/>
           <a:p>
-            <a:fld id="{1CC4CA7E-E4E1-D74C-ACCE-7F4688DA46B0}" type="datetimeFigureOut">
-              <a:rPr lang="en-GB" smtClean="0"/>
-              <a:t>17/01/2020</a:t>
+            <a:fld id="{14FA74A2-3722-1A41-8512-46265943785A}" type="datetime1">
+              <a:rPr lang="nl-NL" smtClean="0"/>
+              <a:t>17-01-2020</a:t>
             </a:fld>
             <a:endParaRPr lang="en-GB"/>
           </a:p>
@@ -863,9 +863,9 @@
           <a:bodyPr/>
           <a:lstStyle/>
           <a:p>
-            <a:fld id="{1CC4CA7E-E4E1-D74C-ACCE-7F4688DA46B0}" type="datetimeFigureOut">
-              <a:rPr lang="en-GB" smtClean="0"/>
-              <a:t>17/01/2020</a:t>
+            <a:fld id="{F95A9C9F-8C45-7343-9CDB-F9A485B697FF}" type="datetime1">
+              <a:rPr lang="nl-NL" smtClean="0"/>
+              <a:t>17-01-2020</a:t>
             </a:fld>
             <a:endParaRPr lang="en-GB"/>
           </a:p>
@@ -1043,9 +1043,9 @@
           <a:bodyPr/>
           <a:lstStyle/>
           <a:p>
-            <a:fld id="{1CC4CA7E-E4E1-D74C-ACCE-7F4688DA46B0}" type="datetimeFigureOut">
-              <a:rPr lang="en-GB" smtClean="0"/>
-              <a:t>17/01/2020</a:t>
+            <a:fld id="{F023C2D3-547E-4849-B250-ECC27C4ADAB2}" type="datetime1">
+              <a:rPr lang="nl-NL" smtClean="0"/>
+              <a:t>17-01-2020</a:t>
             </a:fld>
             <a:endParaRPr lang="en-GB"/>
           </a:p>
@@ -1213,9 +1213,9 @@
           <a:bodyPr/>
           <a:lstStyle/>
           <a:p>
-            <a:fld id="{1CC4CA7E-E4E1-D74C-ACCE-7F4688DA46B0}" type="datetimeFigureOut">
-              <a:rPr lang="en-GB" smtClean="0"/>
-              <a:t>17/01/2020</a:t>
+            <a:fld id="{7ED8645F-302A-FC4F-B65E-BE44BD7D0BFE}" type="datetime1">
+              <a:rPr lang="nl-NL" smtClean="0"/>
+              <a:t>17-01-2020</a:t>
             </a:fld>
             <a:endParaRPr lang="en-GB"/>
           </a:p>
@@ -1459,9 +1459,9 @@
           <a:bodyPr/>
           <a:lstStyle/>
           <a:p>
-            <a:fld id="{1CC4CA7E-E4E1-D74C-ACCE-7F4688DA46B0}" type="datetimeFigureOut">
-              <a:rPr lang="en-GB" smtClean="0"/>
-              <a:t>17/01/2020</a:t>
+            <a:fld id="{3F37FD0C-92E3-6147-B017-5A3F3FC940DB}" type="datetime1">
+              <a:rPr lang="nl-NL" smtClean="0"/>
+              <a:t>17-01-2020</a:t>
             </a:fld>
             <a:endParaRPr lang="en-GB"/>
           </a:p>
@@ -1691,9 +1691,9 @@
           <a:bodyPr/>
           <a:lstStyle/>
           <a:p>
-            <a:fld id="{1CC4CA7E-E4E1-D74C-ACCE-7F4688DA46B0}" type="datetimeFigureOut">
-              <a:rPr lang="en-GB" smtClean="0"/>
-              <a:t>17/01/2020</a:t>
+            <a:fld id="{12999FB7-638F-064F-9F1B-5A2B67E58CFF}" type="datetime1">
+              <a:rPr lang="nl-NL" smtClean="0"/>
+              <a:t>17-01-2020</a:t>
             </a:fld>
             <a:endParaRPr lang="en-GB"/>
           </a:p>
@@ -2058,9 +2058,9 @@
           <a:bodyPr/>
           <a:lstStyle/>
           <a:p>
-            <a:fld id="{1CC4CA7E-E4E1-D74C-ACCE-7F4688DA46B0}" type="datetimeFigureOut">
-              <a:rPr lang="en-GB" smtClean="0"/>
-              <a:t>17/01/2020</a:t>
+            <a:fld id="{A1CFFDEF-85F2-E847-8D85-682A9D98BAB3}" type="datetime1">
+              <a:rPr lang="nl-NL" smtClean="0"/>
+              <a:t>17-01-2020</a:t>
             </a:fld>
             <a:endParaRPr lang="en-GB"/>
           </a:p>
@@ -2176,9 +2176,9 @@
           <a:bodyPr/>
           <a:lstStyle/>
           <a:p>
-            <a:fld id="{1CC4CA7E-E4E1-D74C-ACCE-7F4688DA46B0}" type="datetimeFigureOut">
-              <a:rPr lang="en-GB" smtClean="0"/>
-              <a:t>17/01/2020</a:t>
+            <a:fld id="{028B6388-FB3E-614B-A3B7-D097F68BF908}" type="datetime1">
+              <a:rPr lang="nl-NL" smtClean="0"/>
+              <a:t>17-01-2020</a:t>
             </a:fld>
             <a:endParaRPr lang="en-GB"/>
           </a:p>
@@ -2271,9 +2271,9 @@
           <a:bodyPr/>
           <a:lstStyle/>
           <a:p>
-            <a:fld id="{1CC4CA7E-E4E1-D74C-ACCE-7F4688DA46B0}" type="datetimeFigureOut">
-              <a:rPr lang="en-GB" smtClean="0"/>
-              <a:t>17/01/2020</a:t>
+            <a:fld id="{139C7612-8A5C-2E4F-AB2E-9CC1B411E701}" type="datetime1">
+              <a:rPr lang="nl-NL" smtClean="0"/>
+              <a:t>17-01-2020</a:t>
             </a:fld>
             <a:endParaRPr lang="en-GB"/>
           </a:p>
@@ -2548,9 +2548,9 @@
           <a:bodyPr/>
           <a:lstStyle/>
           <a:p>
-            <a:fld id="{1CC4CA7E-E4E1-D74C-ACCE-7F4688DA46B0}" type="datetimeFigureOut">
-              <a:rPr lang="en-GB" smtClean="0"/>
-              <a:t>17/01/2020</a:t>
+            <a:fld id="{C00946DD-15F0-6346-9ACF-7E04BBC1DA84}" type="datetime1">
+              <a:rPr lang="nl-NL" smtClean="0"/>
+              <a:t>17-01-2020</a:t>
             </a:fld>
             <a:endParaRPr lang="en-GB"/>
           </a:p>
@@ -2805,9 +2805,9 @@
           <a:bodyPr/>
           <a:lstStyle/>
           <a:p>
-            <a:fld id="{1CC4CA7E-E4E1-D74C-ACCE-7F4688DA46B0}" type="datetimeFigureOut">
-              <a:rPr lang="en-GB" smtClean="0"/>
-              <a:t>17/01/2020</a:t>
+            <a:fld id="{3D169EF2-A6C6-B04D-A2C4-C446C863F365}" type="datetime1">
+              <a:rPr lang="nl-NL" smtClean="0"/>
+              <a:t>17-01-2020</a:t>
             </a:fld>
             <a:endParaRPr lang="en-GB"/>
           </a:p>
@@ -3018,9 +3018,9 @@
             </a:lvl1pPr>
           </a:lstStyle>
           <a:p>
-            <a:fld id="{1CC4CA7E-E4E1-D74C-ACCE-7F4688DA46B0}" type="datetimeFigureOut">
-              <a:rPr lang="en-GB" smtClean="0"/>
-              <a:t>17/01/2020</a:t>
+            <a:fld id="{9C1111A9-A1AF-C34E-B614-37051BC839D5}" type="datetime1">
+              <a:rPr lang="nl-NL" smtClean="0"/>
+              <a:t>17-01-2020</a:t>
             </a:fld>
             <a:endParaRPr lang="en-GB"/>
           </a:p>
@@ -3125,6 +3125,7 @@
     <p:sldLayoutId id="2147483682" r:id="rId10"/>
     <p:sldLayoutId id="2147483683" r:id="rId11"/>
   </p:sldLayoutIdLst>
+  <p:hf hdr="0" ftr="0" dt="0"/>
   <p:txStyles>
     <p:titleStyle>
       <a:lvl1pPr algn="l" defTabSz="914400" rtl="0" eaLnBrk="1" latinLnBrk="0" hangingPunct="1">
@@ -3539,6 +3540,35 @@
           </a:p>
         </p:txBody>
       </p:sp>
+      <p:sp>
+        <p:nvSpPr>
+          <p:cNvPr id="4" name="Tijdelijke aanduiding voor dianummer 3">
+            <a:extLst>
+              <a:ext uri="{FF2B5EF4-FFF2-40B4-BE49-F238E27FC236}">
+                <a16:creationId xmlns:a16="http://schemas.microsoft.com/office/drawing/2014/main" id="{AF1F19D4-74C8-5B40-80B1-F9852B722EC9}"/>
+              </a:ext>
+            </a:extLst>
+          </p:cNvPr>
+          <p:cNvSpPr>
+            <a:spLocks noGrp="1"/>
+          </p:cNvSpPr>
+          <p:nvPr>
+            <p:ph type="sldNum" sz="quarter" idx="12"/>
+          </p:nvPr>
+        </p:nvSpPr>
+        <p:spPr/>
+        <p:txBody>
+          <a:bodyPr/>
+          <a:lstStyle/>
+          <a:p>
+            <a:fld id="{D1892F8F-5571-E246-B053-E27A62D47BEF}" type="slidenum">
+              <a:rPr lang="en-GB" smtClean="0"/>
+              <a:t>1</a:t>
+            </a:fld>
+            <a:endParaRPr lang="en-GB"/>
+          </a:p>
+        </p:txBody>
+      </p:sp>
     </p:spTree>
     <p:extLst>
       <p:ext uri="{BB962C8B-B14F-4D97-AF65-F5344CB8AC3E}">
@@ -3708,6 +3738,35 @@
           </a:extLst>
         </p:spPr>
       </p:pic>
+      <p:sp>
+        <p:nvSpPr>
+          <p:cNvPr id="4" name="Tijdelijke aanduiding voor dianummer 3">
+            <a:extLst>
+              <a:ext uri="{FF2B5EF4-FFF2-40B4-BE49-F238E27FC236}">
+                <a16:creationId xmlns:a16="http://schemas.microsoft.com/office/drawing/2014/main" id="{BD4D1BB4-6ED2-0A44-97B4-82BA6D6CE108}"/>
+              </a:ext>
+            </a:extLst>
+          </p:cNvPr>
+          <p:cNvSpPr>
+            <a:spLocks noGrp="1"/>
+          </p:cNvSpPr>
+          <p:nvPr>
+            <p:ph type="sldNum" sz="quarter" idx="12"/>
+          </p:nvPr>
+        </p:nvSpPr>
+        <p:spPr/>
+        <p:txBody>
+          <a:bodyPr/>
+          <a:lstStyle/>
+          <a:p>
+            <a:fld id="{D1892F8F-5571-E246-B053-E27A62D47BEF}" type="slidenum">
+              <a:rPr lang="en-GB" smtClean="0"/>
+              <a:t>10</a:t>
+            </a:fld>
+            <a:endParaRPr lang="en-GB"/>
+          </a:p>
+        </p:txBody>
+      </p:sp>
     </p:spTree>
     <p:extLst>
       <p:ext uri="{BB962C8B-B14F-4D97-AF65-F5344CB8AC3E}">
@@ -3954,6 +4013,35 @@
               <a:rPr lang="en-US" dirty="0"/>
               <a:t> 3 (2018).</a:t>
             </a:r>
+          </a:p>
+        </p:txBody>
+      </p:sp>
+      <p:sp>
+        <p:nvSpPr>
+          <p:cNvPr id="4" name="Tijdelijke aanduiding voor dianummer 3">
+            <a:extLst>
+              <a:ext uri="{FF2B5EF4-FFF2-40B4-BE49-F238E27FC236}">
+                <a16:creationId xmlns:a16="http://schemas.microsoft.com/office/drawing/2014/main" id="{586D7EA0-94AD-4F4B-98CE-1EC793E3A1D8}"/>
+              </a:ext>
+            </a:extLst>
+          </p:cNvPr>
+          <p:cNvSpPr>
+            <a:spLocks noGrp="1"/>
+          </p:cNvSpPr>
+          <p:nvPr>
+            <p:ph type="sldNum" sz="quarter" idx="12"/>
+          </p:nvPr>
+        </p:nvSpPr>
+        <p:spPr/>
+        <p:txBody>
+          <a:bodyPr/>
+          <a:lstStyle/>
+          <a:p>
+            <a:fld id="{D1892F8F-5571-E246-B053-E27A62D47BEF}" type="slidenum">
+              <a:rPr lang="en-GB" smtClean="0"/>
+              <a:t>11</a:t>
+            </a:fld>
+            <a:endParaRPr lang="en-GB"/>
           </a:p>
         </p:txBody>
       </p:sp>
@@ -4112,6 +4200,35 @@
           </a:extLst>
         </p:spPr>
       </p:pic>
+      <p:sp>
+        <p:nvSpPr>
+          <p:cNvPr id="4" name="Tijdelijke aanduiding voor dianummer 3">
+            <a:extLst>
+              <a:ext uri="{FF2B5EF4-FFF2-40B4-BE49-F238E27FC236}">
+                <a16:creationId xmlns:a16="http://schemas.microsoft.com/office/drawing/2014/main" id="{B78FA2CF-309C-7741-B78B-29A8D3C4359F}"/>
+              </a:ext>
+            </a:extLst>
+          </p:cNvPr>
+          <p:cNvSpPr>
+            <a:spLocks noGrp="1"/>
+          </p:cNvSpPr>
+          <p:nvPr>
+            <p:ph type="sldNum" sz="quarter" idx="12"/>
+          </p:nvPr>
+        </p:nvSpPr>
+        <p:spPr/>
+        <p:txBody>
+          <a:bodyPr/>
+          <a:lstStyle/>
+          <a:p>
+            <a:fld id="{D1892F8F-5571-E246-B053-E27A62D47BEF}" type="slidenum">
+              <a:rPr lang="en-GB" smtClean="0"/>
+              <a:t>12</a:t>
+            </a:fld>
+            <a:endParaRPr lang="en-GB"/>
+          </a:p>
+        </p:txBody>
+      </p:sp>
     </p:spTree>
     <p:extLst>
       <p:ext uri="{BB962C8B-B14F-4D97-AF65-F5344CB8AC3E}">
@@ -4289,6 +4406,35 @@
           </a:prstGeom>
         </p:spPr>
       </p:pic>
+      <p:sp>
+        <p:nvSpPr>
+          <p:cNvPr id="4" name="Tijdelijke aanduiding voor dianummer 3">
+            <a:extLst>
+              <a:ext uri="{FF2B5EF4-FFF2-40B4-BE49-F238E27FC236}">
+                <a16:creationId xmlns:a16="http://schemas.microsoft.com/office/drawing/2014/main" id="{6F592BCE-9B97-CA47-BF1B-C09A35D3D8AD}"/>
+              </a:ext>
+            </a:extLst>
+          </p:cNvPr>
+          <p:cNvSpPr>
+            <a:spLocks noGrp="1"/>
+          </p:cNvSpPr>
+          <p:nvPr>
+            <p:ph type="sldNum" sz="quarter" idx="12"/>
+          </p:nvPr>
+        </p:nvSpPr>
+        <p:spPr/>
+        <p:txBody>
+          <a:bodyPr/>
+          <a:lstStyle/>
+          <a:p>
+            <a:fld id="{D1892F8F-5571-E246-B053-E27A62D47BEF}" type="slidenum">
+              <a:rPr lang="en-GB" smtClean="0"/>
+              <a:t>13</a:t>
+            </a:fld>
+            <a:endParaRPr lang="en-GB"/>
+          </a:p>
+        </p:txBody>
+      </p:sp>
     </p:spTree>
     <p:extLst>
       <p:ext uri="{BB962C8B-B14F-4D97-AF65-F5344CB8AC3E}">
@@ -4540,6 +4686,35 @@
           </a:prstGeom>
         </p:spPr>
       </p:pic>
+      <p:sp>
+        <p:nvSpPr>
+          <p:cNvPr id="4" name="Tijdelijke aanduiding voor dianummer 3">
+            <a:extLst>
+              <a:ext uri="{FF2B5EF4-FFF2-40B4-BE49-F238E27FC236}">
+                <a16:creationId xmlns:a16="http://schemas.microsoft.com/office/drawing/2014/main" id="{1F87A947-64E4-5D4F-A8FD-EE33CDB98D2D}"/>
+              </a:ext>
+            </a:extLst>
+          </p:cNvPr>
+          <p:cNvSpPr>
+            <a:spLocks noGrp="1"/>
+          </p:cNvSpPr>
+          <p:nvPr>
+            <p:ph type="sldNum" sz="quarter" idx="12"/>
+          </p:nvPr>
+        </p:nvSpPr>
+        <p:spPr/>
+        <p:txBody>
+          <a:bodyPr/>
+          <a:lstStyle/>
+          <a:p>
+            <a:fld id="{D1892F8F-5571-E246-B053-E27A62D47BEF}" type="slidenum">
+              <a:rPr lang="en-GB" smtClean="0"/>
+              <a:t>14</a:t>
+            </a:fld>
+            <a:endParaRPr lang="en-GB"/>
+          </a:p>
+        </p:txBody>
+      </p:sp>
     </p:spTree>
     <p:extLst>
       <p:ext uri="{BB962C8B-B14F-4D97-AF65-F5344CB8AC3E}">
@@ -5808,6 +5983,35 @@
           </a:graphicData>
         </a:graphic>
       </p:graphicFrame>
+      <p:sp>
+        <p:nvSpPr>
+          <p:cNvPr id="4" name="Tijdelijke aanduiding voor dianummer 3">
+            <a:extLst>
+              <a:ext uri="{FF2B5EF4-FFF2-40B4-BE49-F238E27FC236}">
+                <a16:creationId xmlns:a16="http://schemas.microsoft.com/office/drawing/2014/main" id="{DA723A24-5027-C94B-B2FD-2A9B6CA69C62}"/>
+              </a:ext>
+            </a:extLst>
+          </p:cNvPr>
+          <p:cNvSpPr>
+            <a:spLocks noGrp="1"/>
+          </p:cNvSpPr>
+          <p:nvPr>
+            <p:ph type="sldNum" sz="quarter" idx="12"/>
+          </p:nvPr>
+        </p:nvSpPr>
+        <p:spPr/>
+        <p:txBody>
+          <a:bodyPr/>
+          <a:lstStyle/>
+          <a:p>
+            <a:fld id="{D1892F8F-5571-E246-B053-E27A62D47BEF}" type="slidenum">
+              <a:rPr lang="en-GB" smtClean="0"/>
+              <a:t>15</a:t>
+            </a:fld>
+            <a:endParaRPr lang="en-GB"/>
+          </a:p>
+        </p:txBody>
+      </p:sp>
     </p:spTree>
     <p:extLst>
       <p:ext uri="{BB962C8B-B14F-4D97-AF65-F5344CB8AC3E}">
@@ -6110,6 +6314,35 @@
           </a:p>
         </p:txBody>
       </p:sp>
+      <p:sp>
+        <p:nvSpPr>
+          <p:cNvPr id="4" name="Tijdelijke aanduiding voor dianummer 3">
+            <a:extLst>
+              <a:ext uri="{FF2B5EF4-FFF2-40B4-BE49-F238E27FC236}">
+                <a16:creationId xmlns:a16="http://schemas.microsoft.com/office/drawing/2014/main" id="{34EEE236-A8ED-2E4E-84F3-15F8E460DBA4}"/>
+              </a:ext>
+            </a:extLst>
+          </p:cNvPr>
+          <p:cNvSpPr>
+            <a:spLocks noGrp="1"/>
+          </p:cNvSpPr>
+          <p:nvPr>
+            <p:ph type="sldNum" sz="quarter" idx="12"/>
+          </p:nvPr>
+        </p:nvSpPr>
+        <p:spPr/>
+        <p:txBody>
+          <a:bodyPr/>
+          <a:lstStyle/>
+          <a:p>
+            <a:fld id="{D1892F8F-5571-E246-B053-E27A62D47BEF}" type="slidenum">
+              <a:rPr lang="en-GB" smtClean="0"/>
+              <a:t>16</a:t>
+            </a:fld>
+            <a:endParaRPr lang="en-GB"/>
+          </a:p>
+        </p:txBody>
+      </p:sp>
     </p:spTree>
     <p:extLst>
       <p:ext uri="{BB962C8B-B14F-4D97-AF65-F5344CB8AC3E}">
@@ -6256,6 +6489,35 @@
           </a:p>
         </p:txBody>
       </p:sp>
+      <p:sp>
+        <p:nvSpPr>
+          <p:cNvPr id="4" name="Tijdelijke aanduiding voor dianummer 3">
+            <a:extLst>
+              <a:ext uri="{FF2B5EF4-FFF2-40B4-BE49-F238E27FC236}">
+                <a16:creationId xmlns:a16="http://schemas.microsoft.com/office/drawing/2014/main" id="{5E9E64F6-13C2-C443-A499-E68EDDD3AAD8}"/>
+              </a:ext>
+            </a:extLst>
+          </p:cNvPr>
+          <p:cNvSpPr>
+            <a:spLocks noGrp="1"/>
+          </p:cNvSpPr>
+          <p:nvPr>
+            <p:ph type="sldNum" sz="quarter" idx="12"/>
+          </p:nvPr>
+        </p:nvSpPr>
+        <p:spPr/>
+        <p:txBody>
+          <a:bodyPr/>
+          <a:lstStyle/>
+          <a:p>
+            <a:fld id="{D1892F8F-5571-E246-B053-E27A62D47BEF}" type="slidenum">
+              <a:rPr lang="en-GB" smtClean="0"/>
+              <a:t>2</a:t>
+            </a:fld>
+            <a:endParaRPr lang="en-GB"/>
+          </a:p>
+        </p:txBody>
+      </p:sp>
     </p:spTree>
     <p:extLst>
       <p:ext uri="{BB962C8B-B14F-4D97-AF65-F5344CB8AC3E}">
@@ -6389,6 +6651,35 @@
           </a:p>
         </p:txBody>
       </p:sp>
+      <p:sp>
+        <p:nvSpPr>
+          <p:cNvPr id="4" name="Tijdelijke aanduiding voor dianummer 3">
+            <a:extLst>
+              <a:ext uri="{FF2B5EF4-FFF2-40B4-BE49-F238E27FC236}">
+                <a16:creationId xmlns:a16="http://schemas.microsoft.com/office/drawing/2014/main" id="{23228D50-82CF-F643-8E4C-49DB4C500CD5}"/>
+              </a:ext>
+            </a:extLst>
+          </p:cNvPr>
+          <p:cNvSpPr>
+            <a:spLocks noGrp="1"/>
+          </p:cNvSpPr>
+          <p:nvPr>
+            <p:ph type="sldNum" sz="quarter" idx="12"/>
+          </p:nvPr>
+        </p:nvSpPr>
+        <p:spPr/>
+        <p:txBody>
+          <a:bodyPr/>
+          <a:lstStyle/>
+          <a:p>
+            <a:fld id="{D1892F8F-5571-E246-B053-E27A62D47BEF}" type="slidenum">
+              <a:rPr lang="en-GB" smtClean="0"/>
+              <a:t>3</a:t>
+            </a:fld>
+            <a:endParaRPr lang="en-GB"/>
+          </a:p>
+        </p:txBody>
+      </p:sp>
     </p:spTree>
     <p:extLst>
       <p:ext uri="{BB962C8B-B14F-4D97-AF65-F5344CB8AC3E}">
@@ -6543,6 +6834,35 @@
           </a:xfrm>
         </p:spPr>
       </p:pic>
+      <p:sp>
+        <p:nvSpPr>
+          <p:cNvPr id="4" name="Tijdelijke aanduiding voor dianummer 3">
+            <a:extLst>
+              <a:ext uri="{FF2B5EF4-FFF2-40B4-BE49-F238E27FC236}">
+                <a16:creationId xmlns:a16="http://schemas.microsoft.com/office/drawing/2014/main" id="{9D81FF8F-5634-A649-9188-D6537C113871}"/>
+              </a:ext>
+            </a:extLst>
+          </p:cNvPr>
+          <p:cNvSpPr>
+            <a:spLocks noGrp="1"/>
+          </p:cNvSpPr>
+          <p:nvPr>
+            <p:ph type="sldNum" sz="quarter" idx="12"/>
+          </p:nvPr>
+        </p:nvSpPr>
+        <p:spPr/>
+        <p:txBody>
+          <a:bodyPr/>
+          <a:lstStyle/>
+          <a:p>
+            <a:fld id="{D1892F8F-5571-E246-B053-E27A62D47BEF}" type="slidenum">
+              <a:rPr lang="en-GB" smtClean="0"/>
+              <a:t>4</a:t>
+            </a:fld>
+            <a:endParaRPr lang="en-GB"/>
+          </a:p>
+        </p:txBody>
+      </p:sp>
     </p:spTree>
     <p:extLst>
       <p:ext uri="{BB962C8B-B14F-4D97-AF65-F5344CB8AC3E}">
@@ -6804,6 +7124,35 @@
           <a:p>
             <a:pPr lvl="1"/>
             <a:endParaRPr lang="en-GB" dirty="0"/>
+          </a:p>
+        </p:txBody>
+      </p:sp>
+      <p:sp>
+        <p:nvSpPr>
+          <p:cNvPr id="5" name="Tijdelijke aanduiding voor dianummer 4">
+            <a:extLst>
+              <a:ext uri="{FF2B5EF4-FFF2-40B4-BE49-F238E27FC236}">
+                <a16:creationId xmlns:a16="http://schemas.microsoft.com/office/drawing/2014/main" id="{A1223216-9480-3B4A-871F-31E2BEF6B63B}"/>
+              </a:ext>
+            </a:extLst>
+          </p:cNvPr>
+          <p:cNvSpPr>
+            <a:spLocks noGrp="1"/>
+          </p:cNvSpPr>
+          <p:nvPr>
+            <p:ph type="sldNum" sz="quarter" idx="12"/>
+          </p:nvPr>
+        </p:nvSpPr>
+        <p:spPr/>
+        <p:txBody>
+          <a:bodyPr/>
+          <a:lstStyle/>
+          <a:p>
+            <a:fld id="{D1892F8F-5571-E246-B053-E27A62D47BEF}" type="slidenum">
+              <a:rPr lang="en-GB" smtClean="0"/>
+              <a:t>5</a:t>
+            </a:fld>
+            <a:endParaRPr lang="en-GB"/>
           </a:p>
         </p:txBody>
       </p:sp>
@@ -7581,6 +7930,35 @@
               <a:t>?</a:t>
             </a:r>
             <a:endParaRPr lang="en-GB" dirty="0"/>
+          </a:p>
+        </p:txBody>
+      </p:sp>
+      <p:sp>
+        <p:nvSpPr>
+          <p:cNvPr id="8" name="Tijdelijke aanduiding voor dianummer 7">
+            <a:extLst>
+              <a:ext uri="{FF2B5EF4-FFF2-40B4-BE49-F238E27FC236}">
+                <a16:creationId xmlns:a16="http://schemas.microsoft.com/office/drawing/2014/main" id="{DFF791AE-E5A2-464C-AEA5-4D1F81127049}"/>
+              </a:ext>
+            </a:extLst>
+          </p:cNvPr>
+          <p:cNvSpPr>
+            <a:spLocks noGrp="1"/>
+          </p:cNvSpPr>
+          <p:nvPr>
+            <p:ph type="sldNum" sz="quarter" idx="12"/>
+          </p:nvPr>
+        </p:nvSpPr>
+        <p:spPr/>
+        <p:txBody>
+          <a:bodyPr/>
+          <a:lstStyle/>
+          <a:p>
+            <a:fld id="{D1892F8F-5571-E246-B053-E27A62D47BEF}" type="slidenum">
+              <a:rPr lang="en-GB" smtClean="0"/>
+              <a:t>6</a:t>
+            </a:fld>
+            <a:endParaRPr lang="en-GB"/>
           </a:p>
         </p:txBody>
       </p:sp>
@@ -8033,6 +8411,35 @@
           </a:p>
         </p:txBody>
       </p:sp>
+      <p:sp>
+        <p:nvSpPr>
+          <p:cNvPr id="5" name="Tijdelijke aanduiding voor dianummer 4">
+            <a:extLst>
+              <a:ext uri="{FF2B5EF4-FFF2-40B4-BE49-F238E27FC236}">
+                <a16:creationId xmlns:a16="http://schemas.microsoft.com/office/drawing/2014/main" id="{59F1D7FF-3A9E-9047-AD7F-A8747FC3F52D}"/>
+              </a:ext>
+            </a:extLst>
+          </p:cNvPr>
+          <p:cNvSpPr>
+            <a:spLocks noGrp="1"/>
+          </p:cNvSpPr>
+          <p:nvPr>
+            <p:ph type="sldNum" sz="quarter" idx="12"/>
+          </p:nvPr>
+        </p:nvSpPr>
+        <p:spPr/>
+        <p:txBody>
+          <a:bodyPr/>
+          <a:lstStyle/>
+          <a:p>
+            <a:fld id="{D1892F8F-5571-E246-B053-E27A62D47BEF}" type="slidenum">
+              <a:rPr lang="en-GB" smtClean="0"/>
+              <a:t>7</a:t>
+            </a:fld>
+            <a:endParaRPr lang="en-GB"/>
+          </a:p>
+        </p:txBody>
+      </p:sp>
     </p:spTree>
     <p:extLst>
       <p:ext uri="{BB962C8B-B14F-4D97-AF65-F5344CB8AC3E}">
@@ -8247,6 +8654,35 @@
           </a:extLst>
         </p:spPr>
       </p:pic>
+      <p:sp>
+        <p:nvSpPr>
+          <p:cNvPr id="5" name="Tijdelijke aanduiding voor dianummer 4">
+            <a:extLst>
+              <a:ext uri="{FF2B5EF4-FFF2-40B4-BE49-F238E27FC236}">
+                <a16:creationId xmlns:a16="http://schemas.microsoft.com/office/drawing/2014/main" id="{6325116D-9E51-464C-A8D3-175F1A41D209}"/>
+              </a:ext>
+            </a:extLst>
+          </p:cNvPr>
+          <p:cNvSpPr>
+            <a:spLocks noGrp="1"/>
+          </p:cNvSpPr>
+          <p:nvPr>
+            <p:ph type="sldNum" sz="quarter" idx="12"/>
+          </p:nvPr>
+        </p:nvSpPr>
+        <p:spPr/>
+        <p:txBody>
+          <a:bodyPr/>
+          <a:lstStyle/>
+          <a:p>
+            <a:fld id="{D1892F8F-5571-E246-B053-E27A62D47BEF}" type="slidenum">
+              <a:rPr lang="en-GB" smtClean="0"/>
+              <a:t>8</a:t>
+            </a:fld>
+            <a:endParaRPr lang="en-GB"/>
+          </a:p>
+        </p:txBody>
+      </p:sp>
     </p:spTree>
     <p:extLst>
       <p:ext uri="{BB962C8B-B14F-4D97-AF65-F5344CB8AC3E}">
@@ -8475,6 +8911,35 @@
           </a:extLst>
         </p:spPr>
       </p:pic>
+      <p:sp>
+        <p:nvSpPr>
+          <p:cNvPr id="5" name="Tijdelijke aanduiding voor dianummer 4">
+            <a:extLst>
+              <a:ext uri="{FF2B5EF4-FFF2-40B4-BE49-F238E27FC236}">
+                <a16:creationId xmlns:a16="http://schemas.microsoft.com/office/drawing/2014/main" id="{17115403-6F3A-B74B-9F05-7DF3F1535AD4}"/>
+              </a:ext>
+            </a:extLst>
+          </p:cNvPr>
+          <p:cNvSpPr>
+            <a:spLocks noGrp="1"/>
+          </p:cNvSpPr>
+          <p:nvPr>
+            <p:ph type="sldNum" sz="quarter" idx="12"/>
+          </p:nvPr>
+        </p:nvSpPr>
+        <p:spPr/>
+        <p:txBody>
+          <a:bodyPr/>
+          <a:lstStyle/>
+          <a:p>
+            <a:fld id="{D1892F8F-5571-E246-B053-E27A62D47BEF}" type="slidenum">
+              <a:rPr lang="en-GB" smtClean="0"/>
+              <a:t>9</a:t>
+            </a:fld>
+            <a:endParaRPr lang="en-GB"/>
+          </a:p>
+        </p:txBody>
+      </p:sp>
     </p:spTree>
     <p:extLst>
       <p:ext uri="{BB962C8B-B14F-4D97-AF65-F5344CB8AC3E}">

--- a/Documentation/PPP, Week 2, Meeting 1.pptx
+++ b/Documentation/PPP, Week 2, Meeting 1.pptx
@@ -6450,8 +6450,13 @@
             </a:pPr>
             <a:r>
               <a:rPr lang="en-GB" dirty="0"/>
-              <a:t>2. Quick recap</a:t>
-            </a:r>
+              <a:t>2. Quick recap of last weeks   	</a:t>
+            </a:r>
+            <a:r>
+              <a:rPr lang="en-GB" dirty="0" err="1"/>
+              <a:t>datastructures</a:t>
+            </a:r>
+            <a:endParaRPr lang="en-GB" dirty="0"/>
           </a:p>
           <a:p>
             <a:pPr marL="0" indent="0">
@@ -6475,7 +6480,7 @@
             </a:pPr>
             <a:r>
               <a:rPr lang="en-GB" dirty="0"/>
-              <a:t>4. Results </a:t>
+              <a:t>4. Results and Conclusion </a:t>
             </a:r>
           </a:p>
           <a:p>
@@ -7034,7 +7039,7 @@
           <a:p>
             <a:r>
               <a:rPr lang="en-GB" dirty="0"/>
-              <a:t>State Space (2D random)</a:t>
+              <a:t>State Space (2D)</a:t>
             </a:r>
           </a:p>
           <a:p>
@@ -7071,18 +7076,14 @@
             <a:pPr lvl="1"/>
             <a:r>
               <a:rPr lang="en-GB" dirty="0"/>
-              <a:t>Upper bound</a:t>
+              <a:t>Pruning</a:t>
             </a:r>
           </a:p>
           <a:p>
             <a:pPr lvl="1"/>
             <a:r>
               <a:rPr lang="en-GB" dirty="0"/>
-              <a:t>Unchanged due </a:t>
-            </a:r>
-            <a:r>
-              <a:rPr lang="en-GB"/>
-              <a:t>to rotation</a:t>
+              <a:t>Rotating proteins are the same</a:t>
             </a:r>
           </a:p>
           <a:p>
@@ -7099,17 +7100,6 @@
               <a:rPr lang="en-GB" baseline="30000" dirty="0"/>
               <a:t>n-2</a:t>
             </a:r>
-          </a:p>
-          <a:p>
-            <a:pPr lvl="1"/>
-            <a:r>
-              <a:rPr lang="en-GB" dirty="0"/>
-              <a:t>Lower bound: &gt; n</a:t>
-            </a:r>
-          </a:p>
-          <a:p>
-            <a:pPr lvl="1"/>
-            <a:endParaRPr lang="en-GB" baseline="30000" dirty="0"/>
           </a:p>
           <a:p>
             <a:pPr marL="457200" lvl="1" indent="0">

--- a/Documentation/PPP, Week 2, Meeting 1.pptx
+++ b/Documentation/PPP, Week 2, Meeting 1.pptx
@@ -6271,41 +6271,9 @@
         <p:spPr/>
         <p:txBody>
           <a:bodyPr>
-            <a:normAutofit fontScale="85000" lnSpcReduction="20000"/>
+            <a:normAutofit/>
           </a:bodyPr>
           <a:lstStyle/>
-          <a:p>
-            <a:r>
-              <a:rPr lang="en-GB" dirty="0"/>
-              <a:t>Our questions:</a:t>
-            </a:r>
-          </a:p>
-          <a:p>
-            <a:pPr marL="457200" indent="-457200">
-              <a:buAutoNum type="arabicPeriod"/>
-            </a:pPr>
-            <a:r>
-              <a:rPr lang="en-GB" dirty="0"/>
-              <a:t>All our algorithms are ‘constructive’. Ideas where to think regarding iterative algorithms?</a:t>
-            </a:r>
-          </a:p>
-          <a:p>
-            <a:pPr marL="457200" indent="-457200">
-              <a:buAutoNum type="arabicPeriod"/>
-            </a:pPr>
-            <a:r>
-              <a:rPr lang="en-GB" dirty="0"/>
-              <a:t>What is your view on our choice for </a:t>
-            </a:r>
-            <a:r>
-              <a:rPr lang="en-GB" dirty="0" err="1"/>
-              <a:t>datastructure</a:t>
-            </a:r>
-            <a:r>
-              <a:rPr lang="en-GB" dirty="0"/>
-              <a:t>?</a:t>
-            </a:r>
-          </a:p>
           <a:p>
             <a:r>
               <a:rPr lang="en-GB" dirty="0"/>

--- a/Documentation/PPP, Week 2, Meeting 1.pptx
+++ b/Documentation/PPP, Week 2, Meeting 1.pptx
@@ -5,7 +5,7 @@
     <p:sldMasterId id="2147483672" r:id="rId1"/>
   </p:sldMasterIdLst>
   <p:notesMasterIdLst>
-    <p:notesMasterId r:id="rId18"/>
+    <p:notesMasterId r:id="rId17"/>
   </p:notesMasterIdLst>
   <p:sldIdLst>
     <p:sldId id="256" r:id="rId2"/>
@@ -13,17 +13,16 @@
     <p:sldId id="283" r:id="rId4"/>
     <p:sldId id="284" r:id="rId5"/>
     <p:sldId id="268" r:id="rId6"/>
-    <p:sldId id="267" r:id="rId7"/>
-    <p:sldId id="277" r:id="rId8"/>
-    <p:sldId id="278" r:id="rId9"/>
-    <p:sldId id="279" r:id="rId10"/>
-    <p:sldId id="280" r:id="rId11"/>
-    <p:sldId id="281" r:id="rId12"/>
-    <p:sldId id="282" r:id="rId13"/>
-    <p:sldId id="274" r:id="rId14"/>
-    <p:sldId id="275" r:id="rId15"/>
-    <p:sldId id="276" r:id="rId16"/>
-    <p:sldId id="265" r:id="rId17"/>
+    <p:sldId id="277" r:id="rId7"/>
+    <p:sldId id="278" r:id="rId8"/>
+    <p:sldId id="279" r:id="rId9"/>
+    <p:sldId id="280" r:id="rId10"/>
+    <p:sldId id="281" r:id="rId11"/>
+    <p:sldId id="282" r:id="rId12"/>
+    <p:sldId id="274" r:id="rId13"/>
+    <p:sldId id="275" r:id="rId14"/>
+    <p:sldId id="276" r:id="rId15"/>
+    <p:sldId id="265" r:id="rId16"/>
   </p:sldIdLst>
   <p:sldSz cx="12192000" cy="6858000"/>
   <p:notesSz cx="6858000" cy="9144000"/>
@@ -212,7 +211,7 @@
           <a:p>
             <a:fld id="{1E47D41A-4042-B543-AE22-1ED09200DB20}" type="datetimeFigureOut">
               <a:rPr lang="en-GB" smtClean="0"/>
-              <a:t>17/01/2020</a:t>
+              <a:t>20/01/2020</a:t>
             </a:fld>
             <a:endParaRPr lang="en-GB"/>
           </a:p>
@@ -695,7 +694,7 @@
           <a:p>
             <a:fld id="{14FA74A2-3722-1A41-8512-46265943785A}" type="datetime1">
               <a:rPr lang="nl-NL" smtClean="0"/>
-              <a:t>17-01-2020</a:t>
+              <a:t>20-1-2020</a:t>
             </a:fld>
             <a:endParaRPr lang="en-GB"/>
           </a:p>
@@ -865,7 +864,7 @@
           <a:p>
             <a:fld id="{F95A9C9F-8C45-7343-9CDB-F9A485B697FF}" type="datetime1">
               <a:rPr lang="nl-NL" smtClean="0"/>
-              <a:t>17-01-2020</a:t>
+              <a:t>20-1-2020</a:t>
             </a:fld>
             <a:endParaRPr lang="en-GB"/>
           </a:p>
@@ -1045,7 +1044,7 @@
           <a:p>
             <a:fld id="{F023C2D3-547E-4849-B250-ECC27C4ADAB2}" type="datetime1">
               <a:rPr lang="nl-NL" smtClean="0"/>
-              <a:t>17-01-2020</a:t>
+              <a:t>20-1-2020</a:t>
             </a:fld>
             <a:endParaRPr lang="en-GB"/>
           </a:p>
@@ -1215,7 +1214,7 @@
           <a:p>
             <a:fld id="{7ED8645F-302A-FC4F-B65E-BE44BD7D0BFE}" type="datetime1">
               <a:rPr lang="nl-NL" smtClean="0"/>
-              <a:t>17-01-2020</a:t>
+              <a:t>20-1-2020</a:t>
             </a:fld>
             <a:endParaRPr lang="en-GB"/>
           </a:p>
@@ -1461,7 +1460,7 @@
           <a:p>
             <a:fld id="{3F37FD0C-92E3-6147-B017-5A3F3FC940DB}" type="datetime1">
               <a:rPr lang="nl-NL" smtClean="0"/>
-              <a:t>17-01-2020</a:t>
+              <a:t>20-1-2020</a:t>
             </a:fld>
             <a:endParaRPr lang="en-GB"/>
           </a:p>
@@ -1693,7 +1692,7 @@
           <a:p>
             <a:fld id="{12999FB7-638F-064F-9F1B-5A2B67E58CFF}" type="datetime1">
               <a:rPr lang="nl-NL" smtClean="0"/>
-              <a:t>17-01-2020</a:t>
+              <a:t>20-1-2020</a:t>
             </a:fld>
             <a:endParaRPr lang="en-GB"/>
           </a:p>
@@ -2060,7 +2059,7 @@
           <a:p>
             <a:fld id="{A1CFFDEF-85F2-E847-8D85-682A9D98BAB3}" type="datetime1">
               <a:rPr lang="nl-NL" smtClean="0"/>
-              <a:t>17-01-2020</a:t>
+              <a:t>20-1-2020</a:t>
             </a:fld>
             <a:endParaRPr lang="en-GB"/>
           </a:p>
@@ -2178,7 +2177,7 @@
           <a:p>
             <a:fld id="{028B6388-FB3E-614B-A3B7-D097F68BF908}" type="datetime1">
               <a:rPr lang="nl-NL" smtClean="0"/>
-              <a:t>17-01-2020</a:t>
+              <a:t>20-1-2020</a:t>
             </a:fld>
             <a:endParaRPr lang="en-GB"/>
           </a:p>
@@ -2273,7 +2272,7 @@
           <a:p>
             <a:fld id="{139C7612-8A5C-2E4F-AB2E-9CC1B411E701}" type="datetime1">
               <a:rPr lang="nl-NL" smtClean="0"/>
-              <a:t>17-01-2020</a:t>
+              <a:t>20-1-2020</a:t>
             </a:fld>
             <a:endParaRPr lang="en-GB"/>
           </a:p>
@@ -2550,7 +2549,7 @@
           <a:p>
             <a:fld id="{C00946DD-15F0-6346-9ACF-7E04BBC1DA84}" type="datetime1">
               <a:rPr lang="nl-NL" smtClean="0"/>
-              <a:t>17-01-2020</a:t>
+              <a:t>20-1-2020</a:t>
             </a:fld>
             <a:endParaRPr lang="en-GB"/>
           </a:p>
@@ -2807,7 +2806,7 @@
           <a:p>
             <a:fld id="{3D169EF2-A6C6-B04D-A2C4-C446C863F365}" type="datetime1">
               <a:rPr lang="nl-NL" smtClean="0"/>
-              <a:t>17-01-2020</a:t>
+              <a:t>20-1-2020</a:t>
             </a:fld>
             <a:endParaRPr lang="en-GB"/>
           </a:p>
@@ -3020,7 +3019,7 @@
           <a:p>
             <a:fld id="{9C1111A9-A1AF-C34E-B614-37051BC839D5}" type="datetime1">
               <a:rPr lang="nl-NL" smtClean="0"/>
-              <a:t>17-01-2020</a:t>
+              <a:t>20-1-2020</a:t>
             </a:fld>
             <a:endParaRPr lang="en-GB"/>
           </a:p>
@@ -3622,204 +3621,6 @@
           <a:p>
             <a:r>
               <a:rPr lang="en-GB" dirty="0"/>
-              <a:t>Greedy</a:t>
-            </a:r>
-          </a:p>
-        </p:txBody>
-      </p:sp>
-      <p:sp>
-        <p:nvSpPr>
-          <p:cNvPr id="3" name="Tijdelijke aanduiding voor inhoud 2">
-            <a:extLst>
-              <a:ext uri="{FF2B5EF4-FFF2-40B4-BE49-F238E27FC236}">
-                <a16:creationId xmlns:a16="http://schemas.microsoft.com/office/drawing/2014/main" id="{6B57B016-94D5-F646-9976-362E7188E1F0}"/>
-              </a:ext>
-            </a:extLst>
-          </p:cNvPr>
-          <p:cNvSpPr>
-            <a:spLocks noGrp="1"/>
-          </p:cNvSpPr>
-          <p:nvPr>
-            <p:ph sz="half" idx="1"/>
-          </p:nvPr>
-        </p:nvSpPr>
-        <p:spPr/>
-        <p:txBody>
-          <a:bodyPr>
-            <a:normAutofit lnSpcReduction="10000"/>
-          </a:bodyPr>
-          <a:lstStyle/>
-          <a:p>
-            <a:r>
-              <a:rPr lang="en-GB" dirty="0"/>
-              <a:t>Let S be HP-chain of length n.</a:t>
-            </a:r>
-          </a:p>
-          <a:p>
-            <a:r>
-              <a:rPr lang="en-GB" dirty="0"/>
-              <a:t>Fix first 2 elements of chain.</a:t>
-            </a:r>
-          </a:p>
-          <a:p>
-            <a:r>
-              <a:rPr lang="en-GB" dirty="0"/>
-              <a:t>For subsequent elements, try all moves from {u, d, l, r, </a:t>
-            </a:r>
-            <a:r>
-              <a:rPr lang="en-GB" dirty="0" err="1"/>
-              <a:t>i</a:t>
-            </a:r>
-            <a:r>
-              <a:rPr lang="en-GB" dirty="0"/>
-              <a:t>, o} and check whether move would result in H-H connection (with self-avoidance).</a:t>
-            </a:r>
-          </a:p>
-          <a:p>
-            <a:r>
-              <a:rPr lang="en-GB" dirty="0"/>
-              <a:t>If so, use the move. If not, pick random.</a:t>
-            </a:r>
-          </a:p>
-          <a:p>
-            <a:r>
-              <a:rPr lang="en-GB" dirty="0"/>
-              <a:t>Stuck? Start over.</a:t>
-            </a:r>
-          </a:p>
-        </p:txBody>
-      </p:sp>
-      <p:pic>
-        <p:nvPicPr>
-          <p:cNvPr id="4098" name="Picture 2" descr="Afbeeldingsresultaat voor greedy algorithm">
-            <a:extLst>
-              <a:ext uri="{FF2B5EF4-FFF2-40B4-BE49-F238E27FC236}">
-                <a16:creationId xmlns:a16="http://schemas.microsoft.com/office/drawing/2014/main" id="{E2145716-8FD2-4D20-9F53-FFC859D21248}"/>
-              </a:ext>
-            </a:extLst>
-          </p:cNvPr>
-          <p:cNvPicPr>
-            <a:picLocks noGrp="1" noChangeAspect="1" noChangeArrowheads="1" noCrop="1"/>
-          </p:cNvPicPr>
-          <p:nvPr>
-            <p:ph sz="half" idx="2"/>
-          </p:nvPr>
-        </p:nvPicPr>
-        <p:blipFill>
-          <a:blip r:embed="rId2">
-            <a:extLst>
-              <a:ext uri="{28A0092B-C50C-407E-A947-70E740481C1C}">
-                <a14:useLocalDpi xmlns:a14="http://schemas.microsoft.com/office/drawing/2010/main" val="0"/>
-              </a:ext>
-            </a:extLst>
-          </a:blip>
-          <a:srcRect/>
-          <a:stretch>
-            <a:fillRect/>
-          </a:stretch>
-        </p:blipFill>
-        <p:spPr bwMode="auto">
-          <a:xfrm>
-            <a:off x="6908799" y="2457054"/>
-            <a:ext cx="3999177" cy="2399506"/>
-          </a:xfrm>
-          <a:prstGeom prst="rect">
-            <a:avLst/>
-          </a:prstGeom>
-          <a:noFill/>
-          <a:extLst>
-            <a:ext uri="{909E8E84-426E-40DD-AFC4-6F175D3DCCD1}">
-              <a14:hiddenFill xmlns:a14="http://schemas.microsoft.com/office/drawing/2010/main">
-                <a:solidFill>
-                  <a:srgbClr val="FFFFFF"/>
-                </a:solidFill>
-              </a14:hiddenFill>
-            </a:ext>
-          </a:extLst>
-        </p:spPr>
-      </p:pic>
-      <p:sp>
-        <p:nvSpPr>
-          <p:cNvPr id="4" name="Tijdelijke aanduiding voor dianummer 3">
-            <a:extLst>
-              <a:ext uri="{FF2B5EF4-FFF2-40B4-BE49-F238E27FC236}">
-                <a16:creationId xmlns:a16="http://schemas.microsoft.com/office/drawing/2014/main" id="{BD4D1BB4-6ED2-0A44-97B4-82BA6D6CE108}"/>
-              </a:ext>
-            </a:extLst>
-          </p:cNvPr>
-          <p:cNvSpPr>
-            <a:spLocks noGrp="1"/>
-          </p:cNvSpPr>
-          <p:nvPr>
-            <p:ph type="sldNum" sz="quarter" idx="12"/>
-          </p:nvPr>
-        </p:nvSpPr>
-        <p:spPr/>
-        <p:txBody>
-          <a:bodyPr/>
-          <a:lstStyle/>
-          <a:p>
-            <a:fld id="{D1892F8F-5571-E246-B053-E27A62D47BEF}" type="slidenum">
-              <a:rPr lang="en-GB" smtClean="0"/>
-              <a:t>10</a:t>
-            </a:fld>
-            <a:endParaRPr lang="en-GB"/>
-          </a:p>
-        </p:txBody>
-      </p:sp>
-    </p:spTree>
-    <p:extLst>
-      <p:ext uri="{BB962C8B-B14F-4D97-AF65-F5344CB8AC3E}">
-        <p14:creationId xmlns:p14="http://schemas.microsoft.com/office/powerpoint/2010/main" val="3810750948"/>
-      </p:ext>
-    </p:extLst>
-  </p:cSld>
-  <p:clrMapOvr>
-    <a:masterClrMapping/>
-  </p:clrMapOvr>
-</p:sld>
-</file>
-
-<file path=ppt/slides/slide11.xml><?xml version="1.0" encoding="utf-8"?>
-<p:sld xmlns:a="http://schemas.openxmlformats.org/drawingml/2006/main" xmlns:r="http://schemas.openxmlformats.org/officeDocument/2006/relationships" xmlns:p="http://schemas.openxmlformats.org/presentationml/2006/main">
-  <p:cSld>
-    <p:spTree>
-      <p:nvGrpSpPr>
-        <p:cNvPr id="1" name=""/>
-        <p:cNvGrpSpPr/>
-        <p:nvPr/>
-      </p:nvGrpSpPr>
-      <p:grpSpPr>
-        <a:xfrm>
-          <a:off x="0" y="0"/>
-          <a:ext cx="0" cy="0"/>
-          <a:chOff x="0" y="0"/>
-          <a:chExt cx="0" cy="0"/>
-        </a:xfrm>
-      </p:grpSpPr>
-      <p:sp>
-        <p:nvSpPr>
-          <p:cNvPr id="2" name="Titel 1">
-            <a:extLst>
-              <a:ext uri="{FF2B5EF4-FFF2-40B4-BE49-F238E27FC236}">
-                <a16:creationId xmlns:a16="http://schemas.microsoft.com/office/drawing/2014/main" id="{BDECAEB1-542A-F848-9D2C-B10DFE956AB7}"/>
-              </a:ext>
-            </a:extLst>
-          </p:cNvPr>
-          <p:cNvSpPr>
-            <a:spLocks noGrp="1"/>
-          </p:cNvSpPr>
-          <p:nvPr>
-            <p:ph type="title"/>
-          </p:nvPr>
-        </p:nvSpPr>
-        <p:spPr/>
-        <p:txBody>
-          <a:bodyPr/>
-          <a:lstStyle/>
-          <a:p>
-            <a:r>
-              <a:rPr lang="en-GB" dirty="0"/>
               <a:t>Extended Heuristic Algorithm</a:t>
             </a:r>
           </a:p>
@@ -4039,7 +3840,7 @@
           <a:p>
             <a:fld id="{D1892F8F-5571-E246-B053-E27A62D47BEF}" type="slidenum">
               <a:rPr lang="en-GB" smtClean="0"/>
-              <a:t>11</a:t>
+              <a:t>10</a:t>
             </a:fld>
             <a:endParaRPr lang="en-GB"/>
           </a:p>
@@ -4058,7 +3859,7 @@
 </p:sld>
 </file>
 
-<file path=ppt/slides/slide12.xml><?xml version="1.0" encoding="utf-8"?>
+<file path=ppt/slides/slide11.xml><?xml version="1.0" encoding="utf-8"?>
 <p:sld xmlns:a="http://schemas.openxmlformats.org/drawingml/2006/main" xmlns:r="http://schemas.openxmlformats.org/officeDocument/2006/relationships" xmlns:p="http://schemas.openxmlformats.org/presentationml/2006/main">
   <p:cSld>
     <p:spTree>
@@ -4223,7 +4024,7 @@
           <a:p>
             <a:fld id="{D1892F8F-5571-E246-B053-E27A62D47BEF}" type="slidenum">
               <a:rPr lang="en-GB" smtClean="0"/>
-              <a:t>12</a:t>
+              <a:t>11</a:t>
             </a:fld>
             <a:endParaRPr lang="en-GB"/>
           </a:p>
@@ -4233,6 +4034,212 @@
     <p:extLst>
       <p:ext uri="{BB962C8B-B14F-4D97-AF65-F5344CB8AC3E}">
         <p14:creationId xmlns:p14="http://schemas.microsoft.com/office/powerpoint/2010/main" val="143121407"/>
+      </p:ext>
+    </p:extLst>
+  </p:cSld>
+  <p:clrMapOvr>
+    <a:masterClrMapping/>
+  </p:clrMapOvr>
+</p:sld>
+</file>
+
+<file path=ppt/slides/slide12.xml><?xml version="1.0" encoding="utf-8"?>
+<p:sld xmlns:a="http://schemas.openxmlformats.org/drawingml/2006/main" xmlns:r="http://schemas.openxmlformats.org/officeDocument/2006/relationships" xmlns:p="http://schemas.openxmlformats.org/presentationml/2006/main">
+  <p:cSld>
+    <p:spTree>
+      <p:nvGrpSpPr>
+        <p:cNvPr id="1" name=""/>
+        <p:cNvGrpSpPr/>
+        <p:nvPr/>
+      </p:nvGrpSpPr>
+      <p:grpSpPr>
+        <a:xfrm>
+          <a:off x="0" y="0"/>
+          <a:ext cx="0" cy="0"/>
+          <a:chOff x="0" y="0"/>
+          <a:chExt cx="0" cy="0"/>
+        </a:xfrm>
+      </p:grpSpPr>
+      <p:sp>
+        <p:nvSpPr>
+          <p:cNvPr id="2" name="Titel 1">
+            <a:extLst>
+              <a:ext uri="{FF2B5EF4-FFF2-40B4-BE49-F238E27FC236}">
+                <a16:creationId xmlns:a16="http://schemas.microsoft.com/office/drawing/2014/main" id="{26D56270-1C1B-4B1E-BC4F-ACC759B672F7}"/>
+              </a:ext>
+            </a:extLst>
+          </p:cNvPr>
+          <p:cNvSpPr>
+            <a:spLocks noGrp="1"/>
+          </p:cNvSpPr>
+          <p:nvPr>
+            <p:ph type="title"/>
+          </p:nvPr>
+        </p:nvSpPr>
+        <p:spPr>
+          <a:xfrm>
+            <a:off x="838200" y="365125"/>
+            <a:ext cx="10515600" cy="1325563"/>
+          </a:xfrm>
+        </p:spPr>
+        <p:txBody>
+          <a:bodyPr/>
+          <a:lstStyle/>
+          <a:p>
+            <a:r>
+              <a:rPr lang="nl-NL" dirty="0" err="1"/>
+              <a:t>Results</a:t>
+            </a:r>
+            <a:r>
+              <a:rPr lang="nl-NL" dirty="0"/>
+              <a:t> – Data </a:t>
+            </a:r>
+            <a:br>
+              <a:rPr lang="nl-NL" dirty="0"/>
+            </a:br>
+            <a:r>
+              <a:rPr lang="nl-NL" dirty="0" err="1"/>
+              <a:t>structure</a:t>
+            </a:r>
+            <a:endParaRPr lang="en-GB" dirty="0"/>
+          </a:p>
+        </p:txBody>
+      </p:sp>
+      <p:sp>
+        <p:nvSpPr>
+          <p:cNvPr id="3" name="Tijdelijke aanduiding voor inhoud 2">
+            <a:extLst>
+              <a:ext uri="{FF2B5EF4-FFF2-40B4-BE49-F238E27FC236}">
+                <a16:creationId xmlns:a16="http://schemas.microsoft.com/office/drawing/2014/main" id="{938874C9-2E1B-4E00-9D04-38873D0AC371}"/>
+              </a:ext>
+            </a:extLst>
+          </p:cNvPr>
+          <p:cNvSpPr>
+            <a:spLocks noGrp="1"/>
+          </p:cNvSpPr>
+          <p:nvPr>
+            <p:ph sz="half" idx="1"/>
+          </p:nvPr>
+        </p:nvSpPr>
+        <p:spPr>
+          <a:xfrm>
+            <a:off x="838200" y="2412693"/>
+            <a:ext cx="3370243" cy="3764269"/>
+          </a:xfrm>
+        </p:spPr>
+        <p:txBody>
+          <a:bodyPr>
+            <a:normAutofit/>
+          </a:bodyPr>
+          <a:lstStyle/>
+          <a:p>
+            <a:r>
+              <a:rPr lang="nl-NL" sz="2400" dirty="0"/>
+              <a:t>L: </a:t>
+            </a:r>
+            <a:r>
+              <a:rPr lang="nl-NL" sz="2400" dirty="0" err="1"/>
+              <a:t>length</a:t>
+            </a:r>
+            <a:r>
+              <a:rPr lang="nl-NL" sz="2400" dirty="0"/>
+              <a:t> of </a:t>
+            </a:r>
+            <a:r>
+              <a:rPr lang="nl-NL" sz="2400" dirty="0" err="1"/>
+              <a:t>protein</a:t>
+            </a:r>
+            <a:endParaRPr lang="nl-NL" sz="2400" dirty="0"/>
+          </a:p>
+          <a:p>
+            <a:r>
+              <a:rPr lang="nl-NL" sz="2400" dirty="0"/>
+              <a:t>N: </a:t>
+            </a:r>
+            <a:r>
+              <a:rPr lang="nl-NL" sz="2400" dirty="0" err="1"/>
+              <a:t>number</a:t>
+            </a:r>
+            <a:r>
+              <a:rPr lang="nl-NL" sz="2400" dirty="0"/>
+              <a:t> of </a:t>
+            </a:r>
+            <a:r>
+              <a:rPr lang="nl-NL" sz="2400" dirty="0" err="1"/>
+              <a:t>iterations</a:t>
+            </a:r>
+            <a:endParaRPr lang="nl-NL" sz="2400" dirty="0"/>
+          </a:p>
+          <a:p>
+            <a:endParaRPr lang="nl-NL" sz="2400" dirty="0"/>
+          </a:p>
+        </p:txBody>
+      </p:sp>
+      <p:pic>
+        <p:nvPicPr>
+          <p:cNvPr id="5" name="Tijdelijke aanduiding voor inhoud 4">
+            <a:extLst>
+              <a:ext uri="{FF2B5EF4-FFF2-40B4-BE49-F238E27FC236}">
+                <a16:creationId xmlns:a16="http://schemas.microsoft.com/office/drawing/2014/main" id="{936E018E-90A8-44A9-B921-A228CBB1098D}"/>
+              </a:ext>
+            </a:extLst>
+          </p:cNvPr>
+          <p:cNvPicPr>
+            <a:picLocks noGrp="1" noChangeAspect="1"/>
+          </p:cNvPicPr>
+          <p:nvPr>
+            <p:ph sz="half" idx="2"/>
+          </p:nvPr>
+        </p:nvPicPr>
+        <p:blipFill>
+          <a:blip r:embed="rId2"/>
+          <a:stretch>
+            <a:fillRect/>
+          </a:stretch>
+        </p:blipFill>
+        <p:spPr>
+          <a:xfrm>
+            <a:off x="4549967" y="484743"/>
+            <a:ext cx="7095504" cy="6008132"/>
+          </a:xfrm>
+          <a:prstGeom prst="rect">
+            <a:avLst/>
+          </a:prstGeom>
+        </p:spPr>
+      </p:pic>
+      <p:sp>
+        <p:nvSpPr>
+          <p:cNvPr id="4" name="Tijdelijke aanduiding voor dianummer 3">
+            <a:extLst>
+              <a:ext uri="{FF2B5EF4-FFF2-40B4-BE49-F238E27FC236}">
+                <a16:creationId xmlns:a16="http://schemas.microsoft.com/office/drawing/2014/main" id="{6F592BCE-9B97-CA47-BF1B-C09A35D3D8AD}"/>
+              </a:ext>
+            </a:extLst>
+          </p:cNvPr>
+          <p:cNvSpPr>
+            <a:spLocks noGrp="1"/>
+          </p:cNvSpPr>
+          <p:nvPr>
+            <p:ph type="sldNum" sz="quarter" idx="12"/>
+          </p:nvPr>
+        </p:nvSpPr>
+        <p:spPr/>
+        <p:txBody>
+          <a:bodyPr/>
+          <a:lstStyle/>
+          <a:p>
+            <a:fld id="{D1892F8F-5571-E246-B053-E27A62D47BEF}" type="slidenum">
+              <a:rPr lang="en-GB" smtClean="0"/>
+              <a:t>12</a:t>
+            </a:fld>
+            <a:endParaRPr lang="en-GB"/>
+          </a:p>
+        </p:txBody>
+      </p:sp>
+    </p:spTree>
+    <p:extLst>
+      <p:ext uri="{BB962C8B-B14F-4D97-AF65-F5344CB8AC3E}">
+        <p14:creationId xmlns:p14="http://schemas.microsoft.com/office/powerpoint/2010/main" val="163970808"/>
       </p:ext>
     </p:extLst>
   </p:cSld>
@@ -4264,212 +4271,6 @@
           <p:cNvPr id="2" name="Titel 1">
             <a:extLst>
               <a:ext uri="{FF2B5EF4-FFF2-40B4-BE49-F238E27FC236}">
-                <a16:creationId xmlns:a16="http://schemas.microsoft.com/office/drawing/2014/main" id="{26D56270-1C1B-4B1E-BC4F-ACC759B672F7}"/>
-              </a:ext>
-            </a:extLst>
-          </p:cNvPr>
-          <p:cNvSpPr>
-            <a:spLocks noGrp="1"/>
-          </p:cNvSpPr>
-          <p:nvPr>
-            <p:ph type="title"/>
-          </p:nvPr>
-        </p:nvSpPr>
-        <p:spPr>
-          <a:xfrm>
-            <a:off x="838200" y="365125"/>
-            <a:ext cx="10515600" cy="1325563"/>
-          </a:xfrm>
-        </p:spPr>
-        <p:txBody>
-          <a:bodyPr/>
-          <a:lstStyle/>
-          <a:p>
-            <a:r>
-              <a:rPr lang="nl-NL" dirty="0" err="1"/>
-              <a:t>Results</a:t>
-            </a:r>
-            <a:r>
-              <a:rPr lang="nl-NL" dirty="0"/>
-              <a:t> – Data </a:t>
-            </a:r>
-            <a:br>
-              <a:rPr lang="nl-NL" dirty="0"/>
-            </a:br>
-            <a:r>
-              <a:rPr lang="nl-NL" dirty="0" err="1"/>
-              <a:t>structure</a:t>
-            </a:r>
-            <a:endParaRPr lang="en-GB" dirty="0"/>
-          </a:p>
-        </p:txBody>
-      </p:sp>
-      <p:sp>
-        <p:nvSpPr>
-          <p:cNvPr id="3" name="Tijdelijke aanduiding voor inhoud 2">
-            <a:extLst>
-              <a:ext uri="{FF2B5EF4-FFF2-40B4-BE49-F238E27FC236}">
-                <a16:creationId xmlns:a16="http://schemas.microsoft.com/office/drawing/2014/main" id="{938874C9-2E1B-4E00-9D04-38873D0AC371}"/>
-              </a:ext>
-            </a:extLst>
-          </p:cNvPr>
-          <p:cNvSpPr>
-            <a:spLocks noGrp="1"/>
-          </p:cNvSpPr>
-          <p:nvPr>
-            <p:ph sz="half" idx="1"/>
-          </p:nvPr>
-        </p:nvSpPr>
-        <p:spPr>
-          <a:xfrm>
-            <a:off x="838200" y="2412693"/>
-            <a:ext cx="3370243" cy="3764269"/>
-          </a:xfrm>
-        </p:spPr>
-        <p:txBody>
-          <a:bodyPr>
-            <a:normAutofit/>
-          </a:bodyPr>
-          <a:lstStyle/>
-          <a:p>
-            <a:r>
-              <a:rPr lang="nl-NL" sz="2400" dirty="0"/>
-              <a:t>L: </a:t>
-            </a:r>
-            <a:r>
-              <a:rPr lang="nl-NL" sz="2400" dirty="0" err="1"/>
-              <a:t>length</a:t>
-            </a:r>
-            <a:r>
-              <a:rPr lang="nl-NL" sz="2400" dirty="0"/>
-              <a:t> of </a:t>
-            </a:r>
-            <a:r>
-              <a:rPr lang="nl-NL" sz="2400" dirty="0" err="1"/>
-              <a:t>protein</a:t>
-            </a:r>
-            <a:endParaRPr lang="nl-NL" sz="2400" dirty="0"/>
-          </a:p>
-          <a:p>
-            <a:r>
-              <a:rPr lang="nl-NL" sz="2400" dirty="0"/>
-              <a:t>N: </a:t>
-            </a:r>
-            <a:r>
-              <a:rPr lang="nl-NL" sz="2400" dirty="0" err="1"/>
-              <a:t>number</a:t>
-            </a:r>
-            <a:r>
-              <a:rPr lang="nl-NL" sz="2400" dirty="0"/>
-              <a:t> of </a:t>
-            </a:r>
-            <a:r>
-              <a:rPr lang="nl-NL" sz="2400" dirty="0" err="1"/>
-              <a:t>iterations</a:t>
-            </a:r>
-            <a:endParaRPr lang="nl-NL" sz="2400" dirty="0"/>
-          </a:p>
-          <a:p>
-            <a:endParaRPr lang="nl-NL" sz="2400" dirty="0"/>
-          </a:p>
-        </p:txBody>
-      </p:sp>
-      <p:pic>
-        <p:nvPicPr>
-          <p:cNvPr id="5" name="Tijdelijke aanduiding voor inhoud 4">
-            <a:extLst>
-              <a:ext uri="{FF2B5EF4-FFF2-40B4-BE49-F238E27FC236}">
-                <a16:creationId xmlns:a16="http://schemas.microsoft.com/office/drawing/2014/main" id="{936E018E-90A8-44A9-B921-A228CBB1098D}"/>
-              </a:ext>
-            </a:extLst>
-          </p:cNvPr>
-          <p:cNvPicPr>
-            <a:picLocks noGrp="1" noChangeAspect="1"/>
-          </p:cNvPicPr>
-          <p:nvPr>
-            <p:ph sz="half" idx="2"/>
-          </p:nvPr>
-        </p:nvPicPr>
-        <p:blipFill>
-          <a:blip r:embed="rId2"/>
-          <a:stretch>
-            <a:fillRect/>
-          </a:stretch>
-        </p:blipFill>
-        <p:spPr>
-          <a:xfrm>
-            <a:off x="4549967" y="484743"/>
-            <a:ext cx="7095504" cy="6008132"/>
-          </a:xfrm>
-          <a:prstGeom prst="rect">
-            <a:avLst/>
-          </a:prstGeom>
-        </p:spPr>
-      </p:pic>
-      <p:sp>
-        <p:nvSpPr>
-          <p:cNvPr id="4" name="Tijdelijke aanduiding voor dianummer 3">
-            <a:extLst>
-              <a:ext uri="{FF2B5EF4-FFF2-40B4-BE49-F238E27FC236}">
-                <a16:creationId xmlns:a16="http://schemas.microsoft.com/office/drawing/2014/main" id="{6F592BCE-9B97-CA47-BF1B-C09A35D3D8AD}"/>
-              </a:ext>
-            </a:extLst>
-          </p:cNvPr>
-          <p:cNvSpPr>
-            <a:spLocks noGrp="1"/>
-          </p:cNvSpPr>
-          <p:nvPr>
-            <p:ph type="sldNum" sz="quarter" idx="12"/>
-          </p:nvPr>
-        </p:nvSpPr>
-        <p:spPr/>
-        <p:txBody>
-          <a:bodyPr/>
-          <a:lstStyle/>
-          <a:p>
-            <a:fld id="{D1892F8F-5571-E246-B053-E27A62D47BEF}" type="slidenum">
-              <a:rPr lang="en-GB" smtClean="0"/>
-              <a:t>13</a:t>
-            </a:fld>
-            <a:endParaRPr lang="en-GB"/>
-          </a:p>
-        </p:txBody>
-      </p:sp>
-    </p:spTree>
-    <p:extLst>
-      <p:ext uri="{BB962C8B-B14F-4D97-AF65-F5344CB8AC3E}">
-        <p14:creationId xmlns:p14="http://schemas.microsoft.com/office/powerpoint/2010/main" val="163970808"/>
-      </p:ext>
-    </p:extLst>
-  </p:cSld>
-  <p:clrMapOvr>
-    <a:masterClrMapping/>
-  </p:clrMapOvr>
-</p:sld>
-</file>
-
-<file path=ppt/slides/slide14.xml><?xml version="1.0" encoding="utf-8"?>
-<p:sld xmlns:a="http://schemas.openxmlformats.org/drawingml/2006/main" xmlns:r="http://schemas.openxmlformats.org/officeDocument/2006/relationships" xmlns:p="http://schemas.openxmlformats.org/presentationml/2006/main">
-  <p:cSld>
-    <p:spTree>
-      <p:nvGrpSpPr>
-        <p:cNvPr id="1" name=""/>
-        <p:cNvGrpSpPr/>
-        <p:nvPr/>
-      </p:nvGrpSpPr>
-      <p:grpSpPr>
-        <a:xfrm>
-          <a:off x="0" y="0"/>
-          <a:ext cx="0" cy="0"/>
-          <a:chOff x="0" y="0"/>
-          <a:chExt cx="0" cy="0"/>
-        </a:xfrm>
-      </p:grpSpPr>
-      <p:sp>
-        <p:nvSpPr>
-          <p:cNvPr id="2" name="Titel 1">
-            <a:extLst>
-              <a:ext uri="{FF2B5EF4-FFF2-40B4-BE49-F238E27FC236}">
                 <a16:creationId xmlns:a16="http://schemas.microsoft.com/office/drawing/2014/main" id="{5C770520-98CE-4CE6-ACD0-072593328459}"/>
               </a:ext>
             </a:extLst>
@@ -4709,7 +4510,7 @@
           <a:p>
             <a:fld id="{D1892F8F-5571-E246-B053-E27A62D47BEF}" type="slidenum">
               <a:rPr lang="en-GB" smtClean="0"/>
-              <a:t>14</a:t>
+              <a:t>13</a:t>
             </a:fld>
             <a:endParaRPr lang="en-GB"/>
           </a:p>
@@ -4728,7 +4529,7 @@
 </p:sld>
 </file>
 
-<file path=ppt/slides/slide15.xml><?xml version="1.0" encoding="utf-8"?>
+<file path=ppt/slides/slide14.xml><?xml version="1.0" encoding="utf-8"?>
 <p:sld xmlns:a="http://schemas.openxmlformats.org/drawingml/2006/main" xmlns:r="http://schemas.openxmlformats.org/officeDocument/2006/relationships" xmlns:p="http://schemas.openxmlformats.org/presentationml/2006/main">
   <p:cSld>
     <p:spTree>
@@ -6006,7 +5807,7 @@
           <a:p>
             <a:fld id="{D1892F8F-5571-E246-B053-E27A62D47BEF}" type="slidenum">
               <a:rPr lang="en-GB" smtClean="0"/>
-              <a:t>15</a:t>
+              <a:t>14</a:t>
             </a:fld>
             <a:endParaRPr lang="en-GB"/>
           </a:p>
@@ -6207,7 +6008,7 @@
 </p:sld>
 </file>
 
-<file path=ppt/slides/slide16.xml><?xml version="1.0" encoding="utf-8"?>
+<file path=ppt/slides/slide15.xml><?xml version="1.0" encoding="utf-8"?>
 <p:sld xmlns:a="http://schemas.openxmlformats.org/drawingml/2006/main" xmlns:r="http://schemas.openxmlformats.org/officeDocument/2006/relationships" xmlns:p="http://schemas.openxmlformats.org/presentationml/2006/main">
   <p:cSld>
     <p:spTree>
@@ -6305,7 +6106,7 @@
           <a:p>
             <a:fld id="{D1892F8F-5571-E246-B053-E27A62D47BEF}" type="slidenum">
               <a:rPr lang="en-GB" smtClean="0"/>
-              <a:t>16</a:t>
+              <a:t>15</a:t>
             </a:fld>
             <a:endParaRPr lang="en-GB"/>
           </a:p>
@@ -7149,1108 +6950,6 @@
           <p:cNvPr id="2" name="Titel 1">
             <a:extLst>
               <a:ext uri="{FF2B5EF4-FFF2-40B4-BE49-F238E27FC236}">
-                <a16:creationId xmlns:a16="http://schemas.microsoft.com/office/drawing/2014/main" id="{469AD8D3-EDB6-5D49-8D44-472ED11B1188}"/>
-              </a:ext>
-            </a:extLst>
-          </p:cNvPr>
-          <p:cNvSpPr>
-            <a:spLocks noGrp="1"/>
-          </p:cNvSpPr>
-          <p:nvPr>
-            <p:ph type="title"/>
-          </p:nvPr>
-        </p:nvSpPr>
-        <p:spPr/>
-        <p:txBody>
-          <a:bodyPr/>
-          <a:lstStyle/>
-          <a:p>
-            <a:r>
-              <a:rPr lang="en-GB" dirty="0"/>
-              <a:t>2. Quick recap</a:t>
-            </a:r>
-          </a:p>
-        </p:txBody>
-      </p:sp>
-      <p:sp>
-        <p:nvSpPr>
-          <p:cNvPr id="3" name="Tijdelijke aanduiding voor inhoud 2">
-            <a:extLst>
-              <a:ext uri="{FF2B5EF4-FFF2-40B4-BE49-F238E27FC236}">
-                <a16:creationId xmlns:a16="http://schemas.microsoft.com/office/drawing/2014/main" id="{70EB0242-E78A-C44A-8160-6A82BC9E7222}"/>
-              </a:ext>
-            </a:extLst>
-          </p:cNvPr>
-          <p:cNvSpPr>
-            <a:spLocks noGrp="1"/>
-          </p:cNvSpPr>
-          <p:nvPr>
-            <p:ph sz="half" idx="1"/>
-          </p:nvPr>
-        </p:nvSpPr>
-        <p:spPr>
-          <a:xfrm>
-            <a:off x="838200" y="1825625"/>
-            <a:ext cx="5181600" cy="1492928"/>
-          </a:xfrm>
-        </p:spPr>
-        <p:txBody>
-          <a:bodyPr/>
-          <a:lstStyle/>
-          <a:p>
-            <a:r>
-              <a:rPr lang="en-GB" dirty="0"/>
-              <a:t>Element Object</a:t>
-            </a:r>
-          </a:p>
-          <a:p>
-            <a:pPr lvl="1"/>
-            <a:r>
-              <a:rPr lang="en-GB" dirty="0"/>
-              <a:t>Stores: coordinates, direction, type</a:t>
-            </a:r>
-          </a:p>
-        </p:txBody>
-      </p:sp>
-      <p:sp>
-        <p:nvSpPr>
-          <p:cNvPr id="4" name="Tijdelijke aanduiding voor inhoud 3">
-            <a:extLst>
-              <a:ext uri="{FF2B5EF4-FFF2-40B4-BE49-F238E27FC236}">
-                <a16:creationId xmlns:a16="http://schemas.microsoft.com/office/drawing/2014/main" id="{9C67E9D9-F639-D049-A1C7-EF4275E5D4A7}"/>
-              </a:ext>
-            </a:extLst>
-          </p:cNvPr>
-          <p:cNvSpPr>
-            <a:spLocks noGrp="1"/>
-          </p:cNvSpPr>
-          <p:nvPr>
-            <p:ph sz="half" idx="2"/>
-          </p:nvPr>
-        </p:nvSpPr>
-        <p:spPr>
-          <a:xfrm>
-            <a:off x="6172200" y="1825625"/>
-            <a:ext cx="5181600" cy="1492928"/>
-          </a:xfrm>
-        </p:spPr>
-        <p:txBody>
-          <a:bodyPr/>
-          <a:lstStyle/>
-          <a:p>
-            <a:r>
-              <a:rPr lang="en-GB" dirty="0"/>
-              <a:t>Lattice Object</a:t>
-            </a:r>
-          </a:p>
-          <a:p>
-            <a:pPr lvl="1"/>
-            <a:r>
-              <a:rPr lang="en-GB" dirty="0"/>
-              <a:t>Stores: element objects in Matrix or Dictionaries format</a:t>
-            </a:r>
-          </a:p>
-        </p:txBody>
-      </p:sp>
-      <p:sp>
-        <p:nvSpPr>
-          <p:cNvPr id="5" name="Tijdelijke aanduiding voor inhoud 2">
-            <a:extLst>
-              <a:ext uri="{FF2B5EF4-FFF2-40B4-BE49-F238E27FC236}">
-                <a16:creationId xmlns:a16="http://schemas.microsoft.com/office/drawing/2014/main" id="{27ADD09B-7A82-4A58-A517-163996F1954A}"/>
-              </a:ext>
-            </a:extLst>
-          </p:cNvPr>
-          <p:cNvSpPr txBox="1">
-            <a:spLocks/>
-          </p:cNvSpPr>
-          <p:nvPr/>
-        </p:nvSpPr>
-        <p:spPr>
-          <a:xfrm>
-            <a:off x="838200" y="3559997"/>
-            <a:ext cx="5181600" cy="1492928"/>
-          </a:xfrm>
-          <a:prstGeom prst="rect">
-            <a:avLst/>
-          </a:prstGeom>
-        </p:spPr>
-        <p:txBody>
-          <a:bodyPr vert="horz" lIns="91440" tIns="45720" rIns="91440" bIns="45720" rtlCol="0">
-            <a:normAutofit/>
-          </a:bodyPr>
-          <a:lstStyle>
-            <a:lvl1pPr marL="228600" indent="-228600" algn="l" defTabSz="914400" rtl="0" eaLnBrk="1" latinLnBrk="0" hangingPunct="1">
-              <a:lnSpc>
-                <a:spcPct val="90000"/>
-              </a:lnSpc>
-              <a:spcBef>
-                <a:spcPts val="1000"/>
-              </a:spcBef>
-              <a:buFont typeface="Arial" panose="020B0604020202020204" pitchFamily="34" charset="0"/>
-              <a:buChar char="•"/>
-              <a:defRPr sz="2800" kern="1200">
-                <a:solidFill>
-                  <a:schemeClr val="tx1"/>
-                </a:solidFill>
-                <a:latin typeface="+mn-lt"/>
-                <a:ea typeface="+mn-ea"/>
-                <a:cs typeface="+mn-cs"/>
-              </a:defRPr>
-            </a:lvl1pPr>
-            <a:lvl2pPr marL="685800" indent="-228600" algn="l" defTabSz="914400" rtl="0" eaLnBrk="1" latinLnBrk="0" hangingPunct="1">
-              <a:lnSpc>
-                <a:spcPct val="90000"/>
-              </a:lnSpc>
-              <a:spcBef>
-                <a:spcPts val="500"/>
-              </a:spcBef>
-              <a:buFont typeface="Arial" panose="020B0604020202020204" pitchFamily="34" charset="0"/>
-              <a:buChar char="•"/>
-              <a:defRPr sz="2400" kern="1200">
-                <a:solidFill>
-                  <a:schemeClr val="tx1"/>
-                </a:solidFill>
-                <a:latin typeface="+mn-lt"/>
-                <a:ea typeface="+mn-ea"/>
-                <a:cs typeface="+mn-cs"/>
-              </a:defRPr>
-            </a:lvl2pPr>
-            <a:lvl3pPr marL="1143000" indent="-228600" algn="l" defTabSz="914400" rtl="0" eaLnBrk="1" latinLnBrk="0" hangingPunct="1">
-              <a:lnSpc>
-                <a:spcPct val="90000"/>
-              </a:lnSpc>
-              <a:spcBef>
-                <a:spcPts val="500"/>
-              </a:spcBef>
-              <a:buFont typeface="Arial" panose="020B0604020202020204" pitchFamily="34" charset="0"/>
-              <a:buChar char="•"/>
-              <a:defRPr sz="2000" kern="1200">
-                <a:solidFill>
-                  <a:schemeClr val="tx1"/>
-                </a:solidFill>
-                <a:latin typeface="+mn-lt"/>
-                <a:ea typeface="+mn-ea"/>
-                <a:cs typeface="+mn-cs"/>
-              </a:defRPr>
-            </a:lvl3pPr>
-            <a:lvl4pPr marL="1600200" indent="-228600" algn="l" defTabSz="914400" rtl="0" eaLnBrk="1" latinLnBrk="0" hangingPunct="1">
-              <a:lnSpc>
-                <a:spcPct val="90000"/>
-              </a:lnSpc>
-              <a:spcBef>
-                <a:spcPts val="500"/>
-              </a:spcBef>
-              <a:buFont typeface="Arial" panose="020B0604020202020204" pitchFamily="34" charset="0"/>
-              <a:buChar char="•"/>
-              <a:defRPr sz="1800" kern="1200">
-                <a:solidFill>
-                  <a:schemeClr val="tx1"/>
-                </a:solidFill>
-                <a:latin typeface="+mn-lt"/>
-                <a:ea typeface="+mn-ea"/>
-                <a:cs typeface="+mn-cs"/>
-              </a:defRPr>
-            </a:lvl4pPr>
-            <a:lvl5pPr marL="2057400" indent="-228600" algn="l" defTabSz="914400" rtl="0" eaLnBrk="1" latinLnBrk="0" hangingPunct="1">
-              <a:lnSpc>
-                <a:spcPct val="90000"/>
-              </a:lnSpc>
-              <a:spcBef>
-                <a:spcPts val="500"/>
-              </a:spcBef>
-              <a:buFont typeface="Arial" panose="020B0604020202020204" pitchFamily="34" charset="0"/>
-              <a:buChar char="•"/>
-              <a:defRPr sz="1800" kern="1200">
-                <a:solidFill>
-                  <a:schemeClr val="tx1"/>
-                </a:solidFill>
-                <a:latin typeface="+mn-lt"/>
-                <a:ea typeface="+mn-ea"/>
-                <a:cs typeface="+mn-cs"/>
-              </a:defRPr>
-            </a:lvl5pPr>
-            <a:lvl6pPr marL="2514600" indent="-228600" algn="l" defTabSz="914400" rtl="0" eaLnBrk="1" latinLnBrk="0" hangingPunct="1">
-              <a:lnSpc>
-                <a:spcPct val="90000"/>
-              </a:lnSpc>
-              <a:spcBef>
-                <a:spcPts val="500"/>
-              </a:spcBef>
-              <a:buFont typeface="Arial" panose="020B0604020202020204" pitchFamily="34" charset="0"/>
-              <a:buChar char="•"/>
-              <a:defRPr sz="1800" kern="1200">
-                <a:solidFill>
-                  <a:schemeClr val="tx1"/>
-                </a:solidFill>
-                <a:latin typeface="+mn-lt"/>
-                <a:ea typeface="+mn-ea"/>
-                <a:cs typeface="+mn-cs"/>
-              </a:defRPr>
-            </a:lvl6pPr>
-            <a:lvl7pPr marL="2971800" indent="-228600" algn="l" defTabSz="914400" rtl="0" eaLnBrk="1" latinLnBrk="0" hangingPunct="1">
-              <a:lnSpc>
-                <a:spcPct val="90000"/>
-              </a:lnSpc>
-              <a:spcBef>
-                <a:spcPts val="500"/>
-              </a:spcBef>
-              <a:buFont typeface="Arial" panose="020B0604020202020204" pitchFamily="34" charset="0"/>
-              <a:buChar char="•"/>
-              <a:defRPr sz="1800" kern="1200">
-                <a:solidFill>
-                  <a:schemeClr val="tx1"/>
-                </a:solidFill>
-                <a:latin typeface="+mn-lt"/>
-                <a:ea typeface="+mn-ea"/>
-                <a:cs typeface="+mn-cs"/>
-              </a:defRPr>
-            </a:lvl7pPr>
-            <a:lvl8pPr marL="3429000" indent="-228600" algn="l" defTabSz="914400" rtl="0" eaLnBrk="1" latinLnBrk="0" hangingPunct="1">
-              <a:lnSpc>
-                <a:spcPct val="90000"/>
-              </a:lnSpc>
-              <a:spcBef>
-                <a:spcPts val="500"/>
-              </a:spcBef>
-              <a:buFont typeface="Arial" panose="020B0604020202020204" pitchFamily="34" charset="0"/>
-              <a:buChar char="•"/>
-              <a:defRPr sz="1800" kern="1200">
-                <a:solidFill>
-                  <a:schemeClr val="tx1"/>
-                </a:solidFill>
-                <a:latin typeface="+mn-lt"/>
-                <a:ea typeface="+mn-ea"/>
-                <a:cs typeface="+mn-cs"/>
-              </a:defRPr>
-            </a:lvl8pPr>
-            <a:lvl9pPr marL="3886200" indent="-228600" algn="l" defTabSz="914400" rtl="0" eaLnBrk="1" latinLnBrk="0" hangingPunct="1">
-              <a:lnSpc>
-                <a:spcPct val="90000"/>
-              </a:lnSpc>
-              <a:spcBef>
-                <a:spcPts val="500"/>
-              </a:spcBef>
-              <a:buFont typeface="Arial" panose="020B0604020202020204" pitchFamily="34" charset="0"/>
-              <a:buChar char="•"/>
-              <a:defRPr sz="1800" kern="1200">
-                <a:solidFill>
-                  <a:schemeClr val="tx1"/>
-                </a:solidFill>
-                <a:latin typeface="+mn-lt"/>
-                <a:ea typeface="+mn-ea"/>
-                <a:cs typeface="+mn-cs"/>
-              </a:defRPr>
-            </a:lvl9pPr>
-          </a:lstStyle>
-          <a:p>
-            <a:r>
-              <a:rPr lang="en-GB" dirty="0"/>
-              <a:t>Dictionaries</a:t>
-            </a:r>
-          </a:p>
-          <a:p>
-            <a:pPr lvl="1"/>
-            <a:r>
-              <a:rPr lang="en-GB" dirty="0"/>
-              <a:t>Use of dictionaries to store element objects.</a:t>
-            </a:r>
-          </a:p>
-        </p:txBody>
-      </p:sp>
-      <p:sp>
-        <p:nvSpPr>
-          <p:cNvPr id="6" name="Tijdelijke aanduiding voor inhoud 3">
-            <a:extLst>
-              <a:ext uri="{FF2B5EF4-FFF2-40B4-BE49-F238E27FC236}">
-                <a16:creationId xmlns:a16="http://schemas.microsoft.com/office/drawing/2014/main" id="{CBB90616-AF52-4DE6-8AAD-E1464E7B07B5}"/>
-              </a:ext>
-            </a:extLst>
-          </p:cNvPr>
-          <p:cNvSpPr txBox="1">
-            <a:spLocks/>
-          </p:cNvSpPr>
-          <p:nvPr/>
-        </p:nvSpPr>
-        <p:spPr>
-          <a:xfrm>
-            <a:off x="6172200" y="3559997"/>
-            <a:ext cx="5181600" cy="1492928"/>
-          </a:xfrm>
-          <a:prstGeom prst="rect">
-            <a:avLst/>
-          </a:prstGeom>
-        </p:spPr>
-        <p:txBody>
-          <a:bodyPr vert="horz" lIns="91440" tIns="45720" rIns="91440" bIns="45720" rtlCol="0">
-            <a:normAutofit/>
-          </a:bodyPr>
-          <a:lstStyle>
-            <a:lvl1pPr marL="228600" indent="-228600" algn="l" defTabSz="914400" rtl="0" eaLnBrk="1" latinLnBrk="0" hangingPunct="1">
-              <a:lnSpc>
-                <a:spcPct val="90000"/>
-              </a:lnSpc>
-              <a:spcBef>
-                <a:spcPts val="1000"/>
-              </a:spcBef>
-              <a:buFont typeface="Arial" panose="020B0604020202020204" pitchFamily="34" charset="0"/>
-              <a:buChar char="•"/>
-              <a:defRPr sz="2800" kern="1200">
-                <a:solidFill>
-                  <a:schemeClr val="tx1"/>
-                </a:solidFill>
-                <a:latin typeface="+mn-lt"/>
-                <a:ea typeface="+mn-ea"/>
-                <a:cs typeface="+mn-cs"/>
-              </a:defRPr>
-            </a:lvl1pPr>
-            <a:lvl2pPr marL="685800" indent="-228600" algn="l" defTabSz="914400" rtl="0" eaLnBrk="1" latinLnBrk="0" hangingPunct="1">
-              <a:lnSpc>
-                <a:spcPct val="90000"/>
-              </a:lnSpc>
-              <a:spcBef>
-                <a:spcPts val="500"/>
-              </a:spcBef>
-              <a:buFont typeface="Arial" panose="020B0604020202020204" pitchFamily="34" charset="0"/>
-              <a:buChar char="•"/>
-              <a:defRPr sz="2400" kern="1200">
-                <a:solidFill>
-                  <a:schemeClr val="tx1"/>
-                </a:solidFill>
-                <a:latin typeface="+mn-lt"/>
-                <a:ea typeface="+mn-ea"/>
-                <a:cs typeface="+mn-cs"/>
-              </a:defRPr>
-            </a:lvl2pPr>
-            <a:lvl3pPr marL="1143000" indent="-228600" algn="l" defTabSz="914400" rtl="0" eaLnBrk="1" latinLnBrk="0" hangingPunct="1">
-              <a:lnSpc>
-                <a:spcPct val="90000"/>
-              </a:lnSpc>
-              <a:spcBef>
-                <a:spcPts val="500"/>
-              </a:spcBef>
-              <a:buFont typeface="Arial" panose="020B0604020202020204" pitchFamily="34" charset="0"/>
-              <a:buChar char="•"/>
-              <a:defRPr sz="2000" kern="1200">
-                <a:solidFill>
-                  <a:schemeClr val="tx1"/>
-                </a:solidFill>
-                <a:latin typeface="+mn-lt"/>
-                <a:ea typeface="+mn-ea"/>
-                <a:cs typeface="+mn-cs"/>
-              </a:defRPr>
-            </a:lvl3pPr>
-            <a:lvl4pPr marL="1600200" indent="-228600" algn="l" defTabSz="914400" rtl="0" eaLnBrk="1" latinLnBrk="0" hangingPunct="1">
-              <a:lnSpc>
-                <a:spcPct val="90000"/>
-              </a:lnSpc>
-              <a:spcBef>
-                <a:spcPts val="500"/>
-              </a:spcBef>
-              <a:buFont typeface="Arial" panose="020B0604020202020204" pitchFamily="34" charset="0"/>
-              <a:buChar char="•"/>
-              <a:defRPr sz="1800" kern="1200">
-                <a:solidFill>
-                  <a:schemeClr val="tx1"/>
-                </a:solidFill>
-                <a:latin typeface="+mn-lt"/>
-                <a:ea typeface="+mn-ea"/>
-                <a:cs typeface="+mn-cs"/>
-              </a:defRPr>
-            </a:lvl4pPr>
-            <a:lvl5pPr marL="2057400" indent="-228600" algn="l" defTabSz="914400" rtl="0" eaLnBrk="1" latinLnBrk="0" hangingPunct="1">
-              <a:lnSpc>
-                <a:spcPct val="90000"/>
-              </a:lnSpc>
-              <a:spcBef>
-                <a:spcPts val="500"/>
-              </a:spcBef>
-              <a:buFont typeface="Arial" panose="020B0604020202020204" pitchFamily="34" charset="0"/>
-              <a:buChar char="•"/>
-              <a:defRPr sz="1800" kern="1200">
-                <a:solidFill>
-                  <a:schemeClr val="tx1"/>
-                </a:solidFill>
-                <a:latin typeface="+mn-lt"/>
-                <a:ea typeface="+mn-ea"/>
-                <a:cs typeface="+mn-cs"/>
-              </a:defRPr>
-            </a:lvl5pPr>
-            <a:lvl6pPr marL="2514600" indent="-228600" algn="l" defTabSz="914400" rtl="0" eaLnBrk="1" latinLnBrk="0" hangingPunct="1">
-              <a:lnSpc>
-                <a:spcPct val="90000"/>
-              </a:lnSpc>
-              <a:spcBef>
-                <a:spcPts val="500"/>
-              </a:spcBef>
-              <a:buFont typeface="Arial" panose="020B0604020202020204" pitchFamily="34" charset="0"/>
-              <a:buChar char="•"/>
-              <a:defRPr sz="1800" kern="1200">
-                <a:solidFill>
-                  <a:schemeClr val="tx1"/>
-                </a:solidFill>
-                <a:latin typeface="+mn-lt"/>
-                <a:ea typeface="+mn-ea"/>
-                <a:cs typeface="+mn-cs"/>
-              </a:defRPr>
-            </a:lvl6pPr>
-            <a:lvl7pPr marL="2971800" indent="-228600" algn="l" defTabSz="914400" rtl="0" eaLnBrk="1" latinLnBrk="0" hangingPunct="1">
-              <a:lnSpc>
-                <a:spcPct val="90000"/>
-              </a:lnSpc>
-              <a:spcBef>
-                <a:spcPts val="500"/>
-              </a:spcBef>
-              <a:buFont typeface="Arial" panose="020B0604020202020204" pitchFamily="34" charset="0"/>
-              <a:buChar char="•"/>
-              <a:defRPr sz="1800" kern="1200">
-                <a:solidFill>
-                  <a:schemeClr val="tx1"/>
-                </a:solidFill>
-                <a:latin typeface="+mn-lt"/>
-                <a:ea typeface="+mn-ea"/>
-                <a:cs typeface="+mn-cs"/>
-              </a:defRPr>
-            </a:lvl7pPr>
-            <a:lvl8pPr marL="3429000" indent="-228600" algn="l" defTabSz="914400" rtl="0" eaLnBrk="1" latinLnBrk="0" hangingPunct="1">
-              <a:lnSpc>
-                <a:spcPct val="90000"/>
-              </a:lnSpc>
-              <a:spcBef>
-                <a:spcPts val="500"/>
-              </a:spcBef>
-              <a:buFont typeface="Arial" panose="020B0604020202020204" pitchFamily="34" charset="0"/>
-              <a:buChar char="•"/>
-              <a:defRPr sz="1800" kern="1200">
-                <a:solidFill>
-                  <a:schemeClr val="tx1"/>
-                </a:solidFill>
-                <a:latin typeface="+mn-lt"/>
-                <a:ea typeface="+mn-ea"/>
-                <a:cs typeface="+mn-cs"/>
-              </a:defRPr>
-            </a:lvl8pPr>
-            <a:lvl9pPr marL="3886200" indent="-228600" algn="l" defTabSz="914400" rtl="0" eaLnBrk="1" latinLnBrk="0" hangingPunct="1">
-              <a:lnSpc>
-                <a:spcPct val="90000"/>
-              </a:lnSpc>
-              <a:spcBef>
-                <a:spcPts val="500"/>
-              </a:spcBef>
-              <a:buFont typeface="Arial" panose="020B0604020202020204" pitchFamily="34" charset="0"/>
-              <a:buChar char="•"/>
-              <a:defRPr sz="1800" kern="1200">
-                <a:solidFill>
-                  <a:schemeClr val="tx1"/>
-                </a:solidFill>
-                <a:latin typeface="+mn-lt"/>
-                <a:ea typeface="+mn-ea"/>
-                <a:cs typeface="+mn-cs"/>
-              </a:defRPr>
-            </a:lvl9pPr>
-          </a:lstStyle>
-          <a:p>
-            <a:r>
-              <a:rPr lang="en-GB" dirty="0"/>
-              <a:t>Matrixes (2D or 3D grid)</a:t>
-            </a:r>
-          </a:p>
-          <a:p>
-            <a:pPr lvl="1"/>
-            <a:r>
-              <a:rPr lang="en-GB" dirty="0"/>
-              <a:t>Use of a matrix to store element objects.</a:t>
-            </a:r>
-          </a:p>
-        </p:txBody>
-      </p:sp>
-      <p:sp>
-        <p:nvSpPr>
-          <p:cNvPr id="7" name="Tijdelijke aanduiding voor inhoud 2">
-            <a:extLst>
-              <a:ext uri="{FF2B5EF4-FFF2-40B4-BE49-F238E27FC236}">
-                <a16:creationId xmlns:a16="http://schemas.microsoft.com/office/drawing/2014/main" id="{96DECC56-88C1-468C-B3A2-4AFC76F77D3A}"/>
-              </a:ext>
-            </a:extLst>
-          </p:cNvPr>
-          <p:cNvSpPr txBox="1">
-            <a:spLocks/>
-          </p:cNvSpPr>
-          <p:nvPr/>
-        </p:nvSpPr>
-        <p:spPr>
-          <a:xfrm>
-            <a:off x="2831335" y="5618601"/>
-            <a:ext cx="6039998" cy="948997"/>
-          </a:xfrm>
-          <a:prstGeom prst="rect">
-            <a:avLst/>
-          </a:prstGeom>
-        </p:spPr>
-        <p:txBody>
-          <a:bodyPr vert="horz" lIns="91440" tIns="45720" rIns="91440" bIns="45720" rtlCol="0">
-            <a:normAutofit/>
-          </a:bodyPr>
-          <a:lstStyle>
-            <a:lvl1pPr marL="228600" indent="-228600" algn="l" defTabSz="914400" rtl="0" eaLnBrk="1" latinLnBrk="0" hangingPunct="1">
-              <a:lnSpc>
-                <a:spcPct val="90000"/>
-              </a:lnSpc>
-              <a:spcBef>
-                <a:spcPts val="1000"/>
-              </a:spcBef>
-              <a:buFont typeface="Arial" panose="020B0604020202020204" pitchFamily="34" charset="0"/>
-              <a:buChar char="•"/>
-              <a:defRPr sz="2800" kern="1200">
-                <a:solidFill>
-                  <a:schemeClr val="tx1"/>
-                </a:solidFill>
-                <a:latin typeface="+mn-lt"/>
-                <a:ea typeface="+mn-ea"/>
-                <a:cs typeface="+mn-cs"/>
-              </a:defRPr>
-            </a:lvl1pPr>
-            <a:lvl2pPr marL="685800" indent="-228600" algn="l" defTabSz="914400" rtl="0" eaLnBrk="1" latinLnBrk="0" hangingPunct="1">
-              <a:lnSpc>
-                <a:spcPct val="90000"/>
-              </a:lnSpc>
-              <a:spcBef>
-                <a:spcPts val="500"/>
-              </a:spcBef>
-              <a:buFont typeface="Arial" panose="020B0604020202020204" pitchFamily="34" charset="0"/>
-              <a:buChar char="•"/>
-              <a:defRPr sz="2400" kern="1200">
-                <a:solidFill>
-                  <a:schemeClr val="tx1"/>
-                </a:solidFill>
-                <a:latin typeface="+mn-lt"/>
-                <a:ea typeface="+mn-ea"/>
-                <a:cs typeface="+mn-cs"/>
-              </a:defRPr>
-            </a:lvl2pPr>
-            <a:lvl3pPr marL="1143000" indent="-228600" algn="l" defTabSz="914400" rtl="0" eaLnBrk="1" latinLnBrk="0" hangingPunct="1">
-              <a:lnSpc>
-                <a:spcPct val="90000"/>
-              </a:lnSpc>
-              <a:spcBef>
-                <a:spcPts val="500"/>
-              </a:spcBef>
-              <a:buFont typeface="Arial" panose="020B0604020202020204" pitchFamily="34" charset="0"/>
-              <a:buChar char="•"/>
-              <a:defRPr sz="2000" kern="1200">
-                <a:solidFill>
-                  <a:schemeClr val="tx1"/>
-                </a:solidFill>
-                <a:latin typeface="+mn-lt"/>
-                <a:ea typeface="+mn-ea"/>
-                <a:cs typeface="+mn-cs"/>
-              </a:defRPr>
-            </a:lvl3pPr>
-            <a:lvl4pPr marL="1600200" indent="-228600" algn="l" defTabSz="914400" rtl="0" eaLnBrk="1" latinLnBrk="0" hangingPunct="1">
-              <a:lnSpc>
-                <a:spcPct val="90000"/>
-              </a:lnSpc>
-              <a:spcBef>
-                <a:spcPts val="500"/>
-              </a:spcBef>
-              <a:buFont typeface="Arial" panose="020B0604020202020204" pitchFamily="34" charset="0"/>
-              <a:buChar char="•"/>
-              <a:defRPr sz="1800" kern="1200">
-                <a:solidFill>
-                  <a:schemeClr val="tx1"/>
-                </a:solidFill>
-                <a:latin typeface="+mn-lt"/>
-                <a:ea typeface="+mn-ea"/>
-                <a:cs typeface="+mn-cs"/>
-              </a:defRPr>
-            </a:lvl4pPr>
-            <a:lvl5pPr marL="2057400" indent="-228600" algn="l" defTabSz="914400" rtl="0" eaLnBrk="1" latinLnBrk="0" hangingPunct="1">
-              <a:lnSpc>
-                <a:spcPct val="90000"/>
-              </a:lnSpc>
-              <a:spcBef>
-                <a:spcPts val="500"/>
-              </a:spcBef>
-              <a:buFont typeface="Arial" panose="020B0604020202020204" pitchFamily="34" charset="0"/>
-              <a:buChar char="•"/>
-              <a:defRPr sz="1800" kern="1200">
-                <a:solidFill>
-                  <a:schemeClr val="tx1"/>
-                </a:solidFill>
-                <a:latin typeface="+mn-lt"/>
-                <a:ea typeface="+mn-ea"/>
-                <a:cs typeface="+mn-cs"/>
-              </a:defRPr>
-            </a:lvl5pPr>
-            <a:lvl6pPr marL="2514600" indent="-228600" algn="l" defTabSz="914400" rtl="0" eaLnBrk="1" latinLnBrk="0" hangingPunct="1">
-              <a:lnSpc>
-                <a:spcPct val="90000"/>
-              </a:lnSpc>
-              <a:spcBef>
-                <a:spcPts val="500"/>
-              </a:spcBef>
-              <a:buFont typeface="Arial" panose="020B0604020202020204" pitchFamily="34" charset="0"/>
-              <a:buChar char="•"/>
-              <a:defRPr sz="1800" kern="1200">
-                <a:solidFill>
-                  <a:schemeClr val="tx1"/>
-                </a:solidFill>
-                <a:latin typeface="+mn-lt"/>
-                <a:ea typeface="+mn-ea"/>
-                <a:cs typeface="+mn-cs"/>
-              </a:defRPr>
-            </a:lvl6pPr>
-            <a:lvl7pPr marL="2971800" indent="-228600" algn="l" defTabSz="914400" rtl="0" eaLnBrk="1" latinLnBrk="0" hangingPunct="1">
-              <a:lnSpc>
-                <a:spcPct val="90000"/>
-              </a:lnSpc>
-              <a:spcBef>
-                <a:spcPts val="500"/>
-              </a:spcBef>
-              <a:buFont typeface="Arial" panose="020B0604020202020204" pitchFamily="34" charset="0"/>
-              <a:buChar char="•"/>
-              <a:defRPr sz="1800" kern="1200">
-                <a:solidFill>
-                  <a:schemeClr val="tx1"/>
-                </a:solidFill>
-                <a:latin typeface="+mn-lt"/>
-                <a:ea typeface="+mn-ea"/>
-                <a:cs typeface="+mn-cs"/>
-              </a:defRPr>
-            </a:lvl7pPr>
-            <a:lvl8pPr marL="3429000" indent="-228600" algn="l" defTabSz="914400" rtl="0" eaLnBrk="1" latinLnBrk="0" hangingPunct="1">
-              <a:lnSpc>
-                <a:spcPct val="90000"/>
-              </a:lnSpc>
-              <a:spcBef>
-                <a:spcPts val="500"/>
-              </a:spcBef>
-              <a:buFont typeface="Arial" panose="020B0604020202020204" pitchFamily="34" charset="0"/>
-              <a:buChar char="•"/>
-              <a:defRPr sz="1800" kern="1200">
-                <a:solidFill>
-                  <a:schemeClr val="tx1"/>
-                </a:solidFill>
-                <a:latin typeface="+mn-lt"/>
-                <a:ea typeface="+mn-ea"/>
-                <a:cs typeface="+mn-cs"/>
-              </a:defRPr>
-            </a:lvl8pPr>
-            <a:lvl9pPr marL="3886200" indent="-228600" algn="l" defTabSz="914400" rtl="0" eaLnBrk="1" latinLnBrk="0" hangingPunct="1">
-              <a:lnSpc>
-                <a:spcPct val="90000"/>
-              </a:lnSpc>
-              <a:spcBef>
-                <a:spcPts val="500"/>
-              </a:spcBef>
-              <a:buFont typeface="Arial" panose="020B0604020202020204" pitchFamily="34" charset="0"/>
-              <a:buChar char="•"/>
-              <a:defRPr sz="1800" kern="1200">
-                <a:solidFill>
-                  <a:schemeClr val="tx1"/>
-                </a:solidFill>
-                <a:latin typeface="+mn-lt"/>
-                <a:ea typeface="+mn-ea"/>
-                <a:cs typeface="+mn-cs"/>
-              </a:defRPr>
-            </a:lvl9pPr>
-          </a:lstStyle>
-          <a:p>
-            <a:pPr marL="0" indent="0">
-              <a:buNone/>
-            </a:pPr>
-            <a:r>
-              <a:rPr lang="nl-NL" dirty="0"/>
-              <a:t>Question: </a:t>
-            </a:r>
-            <a:r>
-              <a:rPr lang="nl-NL" dirty="0" err="1"/>
-              <a:t>which</a:t>
-            </a:r>
-            <a:r>
-              <a:rPr lang="nl-NL" dirty="0"/>
-              <a:t> data </a:t>
-            </a:r>
-            <a:r>
-              <a:rPr lang="nl-NL" dirty="0" err="1"/>
-              <a:t>structure</a:t>
-            </a:r>
-            <a:r>
-              <a:rPr lang="nl-NL" dirty="0"/>
-              <a:t> is </a:t>
-            </a:r>
-            <a:r>
-              <a:rPr lang="nl-NL" dirty="0" err="1"/>
-              <a:t>faster</a:t>
-            </a:r>
-            <a:r>
-              <a:rPr lang="nl-NL" dirty="0"/>
-              <a:t>?</a:t>
-            </a:r>
-            <a:endParaRPr lang="en-GB" dirty="0"/>
-          </a:p>
-        </p:txBody>
-      </p:sp>
-      <p:sp>
-        <p:nvSpPr>
-          <p:cNvPr id="8" name="Tijdelijke aanduiding voor dianummer 7">
-            <a:extLst>
-              <a:ext uri="{FF2B5EF4-FFF2-40B4-BE49-F238E27FC236}">
-                <a16:creationId xmlns:a16="http://schemas.microsoft.com/office/drawing/2014/main" id="{DFF791AE-E5A2-464C-AEA5-4D1F81127049}"/>
-              </a:ext>
-            </a:extLst>
-          </p:cNvPr>
-          <p:cNvSpPr>
-            <a:spLocks noGrp="1"/>
-          </p:cNvSpPr>
-          <p:nvPr>
-            <p:ph type="sldNum" sz="quarter" idx="12"/>
-          </p:nvPr>
-        </p:nvSpPr>
-        <p:spPr/>
-        <p:txBody>
-          <a:bodyPr/>
-          <a:lstStyle/>
-          <a:p>
-            <a:fld id="{D1892F8F-5571-E246-B053-E27A62D47BEF}" type="slidenum">
-              <a:rPr lang="en-GB" smtClean="0"/>
-              <a:t>6</a:t>
-            </a:fld>
-            <a:endParaRPr lang="en-GB"/>
-          </a:p>
-        </p:txBody>
-      </p:sp>
-    </p:spTree>
-    <p:extLst>
-      <p:ext uri="{BB962C8B-B14F-4D97-AF65-F5344CB8AC3E}">
-        <p14:creationId xmlns:p14="http://schemas.microsoft.com/office/powerpoint/2010/main" val="2537418944"/>
-      </p:ext>
-    </p:extLst>
-  </p:cSld>
-  <p:clrMapOvr>
-    <a:masterClrMapping/>
-  </p:clrMapOvr>
-  <p:timing>
-    <p:tnLst>
-      <p:par>
-        <p:cTn id="1" dur="indefinite" restart="never" nodeType="tmRoot">
-          <p:childTnLst>
-            <p:seq concurrent="1" nextAc="seek">
-              <p:cTn id="2" dur="indefinite" nodeType="mainSeq">
-                <p:childTnLst>
-                  <p:par>
-                    <p:cTn id="3" fill="hold">
-                      <p:stCondLst>
-                        <p:cond delay="indefinite"/>
-                      </p:stCondLst>
-                      <p:childTnLst>
-                        <p:par>
-                          <p:cTn id="4" fill="hold">
-                            <p:stCondLst>
-                              <p:cond delay="0"/>
-                            </p:stCondLst>
-                            <p:childTnLst>
-                              <p:par>
-                                <p:cTn id="5" presetID="1" presetClass="entr" presetSubtype="0" fill="hold" grpId="0" nodeType="clickEffect">
-                                  <p:stCondLst>
-                                    <p:cond delay="0"/>
-                                  </p:stCondLst>
-                                  <p:childTnLst>
-                                    <p:set>
-                                      <p:cBhvr>
-                                        <p:cTn id="6" dur="1" fill="hold">
-                                          <p:stCondLst>
-                                            <p:cond delay="0"/>
-                                          </p:stCondLst>
-                                        </p:cTn>
-                                        <p:tgtEl>
-                                          <p:spTgt spid="3">
-                                            <p:txEl>
-                                              <p:pRg st="0" end="0"/>
-                                            </p:txEl>
-                                          </p:spTgt>
-                                        </p:tgtEl>
-                                        <p:attrNameLst>
-                                          <p:attrName>style.visibility</p:attrName>
-                                        </p:attrNameLst>
-                                      </p:cBhvr>
-                                      <p:to>
-                                        <p:strVal val="visible"/>
-                                      </p:to>
-                                    </p:set>
-                                  </p:childTnLst>
-                                </p:cTn>
-                              </p:par>
-                              <p:par>
-                                <p:cTn id="7" presetID="1" presetClass="entr" presetSubtype="0" fill="hold" grpId="0" nodeType="withEffect">
-                                  <p:stCondLst>
-                                    <p:cond delay="0"/>
-                                  </p:stCondLst>
-                                  <p:childTnLst>
-                                    <p:set>
-                                      <p:cBhvr>
-                                        <p:cTn id="8" dur="1" fill="hold">
-                                          <p:stCondLst>
-                                            <p:cond delay="0"/>
-                                          </p:stCondLst>
-                                        </p:cTn>
-                                        <p:tgtEl>
-                                          <p:spTgt spid="3">
-                                            <p:txEl>
-                                              <p:pRg st="1" end="1"/>
-                                            </p:txEl>
-                                          </p:spTgt>
-                                        </p:tgtEl>
-                                        <p:attrNameLst>
-                                          <p:attrName>style.visibility</p:attrName>
-                                        </p:attrNameLst>
-                                      </p:cBhvr>
-                                      <p:to>
-                                        <p:strVal val="visible"/>
-                                      </p:to>
-                                    </p:set>
-                                  </p:childTnLst>
-                                </p:cTn>
-                              </p:par>
-                              <p:par>
-                                <p:cTn id="9" presetID="1" presetClass="entr" presetSubtype="0" fill="hold" grpId="0" nodeType="withEffect">
-                                  <p:stCondLst>
-                                    <p:cond delay="0"/>
-                                  </p:stCondLst>
-                                  <p:childTnLst>
-                                    <p:set>
-                                      <p:cBhvr>
-                                        <p:cTn id="10" dur="1" fill="hold">
-                                          <p:stCondLst>
-                                            <p:cond delay="0"/>
-                                          </p:stCondLst>
-                                        </p:cTn>
-                                        <p:tgtEl>
-                                          <p:spTgt spid="4">
-                                            <p:txEl>
-                                              <p:pRg st="0" end="0"/>
-                                            </p:txEl>
-                                          </p:spTgt>
-                                        </p:tgtEl>
-                                        <p:attrNameLst>
-                                          <p:attrName>style.visibility</p:attrName>
-                                        </p:attrNameLst>
-                                      </p:cBhvr>
-                                      <p:to>
-                                        <p:strVal val="visible"/>
-                                      </p:to>
-                                    </p:set>
-                                  </p:childTnLst>
-                                </p:cTn>
-                              </p:par>
-                              <p:par>
-                                <p:cTn id="11" presetID="1" presetClass="entr" presetSubtype="0" fill="hold" grpId="0" nodeType="withEffect">
-                                  <p:stCondLst>
-                                    <p:cond delay="0"/>
-                                  </p:stCondLst>
-                                  <p:childTnLst>
-                                    <p:set>
-                                      <p:cBhvr>
-                                        <p:cTn id="12" dur="1" fill="hold">
-                                          <p:stCondLst>
-                                            <p:cond delay="0"/>
-                                          </p:stCondLst>
-                                        </p:cTn>
-                                        <p:tgtEl>
-                                          <p:spTgt spid="4">
-                                            <p:txEl>
-                                              <p:pRg st="1" end="1"/>
-                                            </p:txEl>
-                                          </p:spTgt>
-                                        </p:tgtEl>
-                                        <p:attrNameLst>
-                                          <p:attrName>style.visibility</p:attrName>
-                                        </p:attrNameLst>
-                                      </p:cBhvr>
-                                      <p:to>
-                                        <p:strVal val="visible"/>
-                                      </p:to>
-                                    </p:set>
-                                  </p:childTnLst>
-                                </p:cTn>
-                              </p:par>
-                            </p:childTnLst>
-                          </p:cTn>
-                        </p:par>
-                      </p:childTnLst>
-                    </p:cTn>
-                  </p:par>
-                  <p:par>
-                    <p:cTn id="13" fill="hold">
-                      <p:stCondLst>
-                        <p:cond delay="indefinite"/>
-                      </p:stCondLst>
-                      <p:childTnLst>
-                        <p:par>
-                          <p:cTn id="14" fill="hold">
-                            <p:stCondLst>
-                              <p:cond delay="0"/>
-                            </p:stCondLst>
-                            <p:childTnLst>
-                              <p:par>
-                                <p:cTn id="15" presetID="1" presetClass="entr" presetSubtype="0" fill="hold" grpId="0" nodeType="clickEffect">
-                                  <p:stCondLst>
-                                    <p:cond delay="0"/>
-                                  </p:stCondLst>
-                                  <p:childTnLst>
-                                    <p:set>
-                                      <p:cBhvr>
-                                        <p:cTn id="16" dur="1" fill="hold">
-                                          <p:stCondLst>
-                                            <p:cond delay="0"/>
-                                          </p:stCondLst>
-                                        </p:cTn>
-                                        <p:tgtEl>
-                                          <p:spTgt spid="5"/>
-                                        </p:tgtEl>
-                                        <p:attrNameLst>
-                                          <p:attrName>style.visibility</p:attrName>
-                                        </p:attrNameLst>
-                                      </p:cBhvr>
-                                      <p:to>
-                                        <p:strVal val="visible"/>
-                                      </p:to>
-                                    </p:set>
-                                  </p:childTnLst>
-                                </p:cTn>
-                              </p:par>
-                              <p:par>
-                                <p:cTn id="17" presetID="1" presetClass="entr" presetSubtype="0" fill="hold" grpId="0" nodeType="withEffect">
-                                  <p:stCondLst>
-                                    <p:cond delay="0"/>
-                                  </p:stCondLst>
-                                  <p:childTnLst>
-                                    <p:set>
-                                      <p:cBhvr>
-                                        <p:cTn id="18" dur="1" fill="hold">
-                                          <p:stCondLst>
-                                            <p:cond delay="0"/>
-                                          </p:stCondLst>
-                                        </p:cTn>
-                                        <p:tgtEl>
-                                          <p:spTgt spid="6"/>
-                                        </p:tgtEl>
-                                        <p:attrNameLst>
-                                          <p:attrName>style.visibility</p:attrName>
-                                        </p:attrNameLst>
-                                      </p:cBhvr>
-                                      <p:to>
-                                        <p:strVal val="visible"/>
-                                      </p:to>
-                                    </p:set>
-                                  </p:childTnLst>
-                                </p:cTn>
-                              </p:par>
-                            </p:childTnLst>
-                          </p:cTn>
-                        </p:par>
-                      </p:childTnLst>
-                    </p:cTn>
-                  </p:par>
-                  <p:par>
-                    <p:cTn id="19" fill="hold">
-                      <p:stCondLst>
-                        <p:cond delay="indefinite"/>
-                      </p:stCondLst>
-                      <p:childTnLst>
-                        <p:par>
-                          <p:cTn id="20" fill="hold">
-                            <p:stCondLst>
-                              <p:cond delay="0"/>
-                            </p:stCondLst>
-                            <p:childTnLst>
-                              <p:par>
-                                <p:cTn id="21" presetID="1" presetClass="entr" presetSubtype="0" fill="hold" grpId="0" nodeType="clickEffect">
-                                  <p:stCondLst>
-                                    <p:cond delay="0"/>
-                                  </p:stCondLst>
-                                  <p:childTnLst>
-                                    <p:set>
-                                      <p:cBhvr>
-                                        <p:cTn id="22" dur="1" fill="hold">
-                                          <p:stCondLst>
-                                            <p:cond delay="0"/>
-                                          </p:stCondLst>
-                                        </p:cTn>
-                                        <p:tgtEl>
-                                          <p:spTgt spid="7"/>
-                                        </p:tgtEl>
-                                        <p:attrNameLst>
-                                          <p:attrName>style.visibility</p:attrName>
-                                        </p:attrNameLst>
-                                      </p:cBhvr>
-                                      <p:to>
-                                        <p:strVal val="visible"/>
-                                      </p:to>
-                                    </p:set>
-                                  </p:childTnLst>
-                                </p:cTn>
-                              </p:par>
-                            </p:childTnLst>
-                          </p:cTn>
-                        </p:par>
-                      </p:childTnLst>
-                    </p:cTn>
-                  </p:par>
-                </p:childTnLst>
-              </p:cTn>
-              <p:prevCondLst>
-                <p:cond evt="onPrev" delay="0">
-                  <p:tgtEl>
-                    <p:sldTgt/>
-                  </p:tgtEl>
-                </p:cond>
-              </p:prevCondLst>
-              <p:nextCondLst>
-                <p:cond evt="onNext" delay="0">
-                  <p:tgtEl>
-                    <p:sldTgt/>
-                  </p:tgtEl>
-                </p:cond>
-              </p:nextCondLst>
-            </p:seq>
-          </p:childTnLst>
-        </p:cTn>
-      </p:par>
-    </p:tnLst>
-    <p:bldLst>
-      <p:bldP spid="3" grpId="0" build="p"/>
-      <p:bldP spid="4" grpId="0" uiExpand="1" build="p"/>
-      <p:bldP spid="5" grpId="0"/>
-      <p:bldP spid="6" grpId="0"/>
-      <p:bldP spid="7" grpId="0"/>
-    </p:bldLst>
-  </p:timing>
-</p:sld>
-</file>
-
-<file path=ppt/slides/slide7.xml><?xml version="1.0" encoding="utf-8"?>
-<p:sld xmlns:a="http://schemas.openxmlformats.org/drawingml/2006/main" xmlns:r="http://schemas.openxmlformats.org/officeDocument/2006/relationships" xmlns:p="http://schemas.openxmlformats.org/presentationml/2006/main">
-  <p:cSld>
-    <p:spTree>
-      <p:nvGrpSpPr>
-        <p:cNvPr id="1" name=""/>
-        <p:cNvGrpSpPr/>
-        <p:nvPr/>
-      </p:nvGrpSpPr>
-      <p:grpSpPr>
-        <a:xfrm>
-          <a:off x="0" y="0"/>
-          <a:ext cx="0" cy="0"/>
-          <a:chOff x="0" y="0"/>
-          <a:chExt cx="0" cy="0"/>
-        </a:xfrm>
-      </p:grpSpPr>
-      <p:sp>
-        <p:nvSpPr>
-          <p:cNvPr id="2" name="Titel 1">
-            <a:extLst>
-              <a:ext uri="{FF2B5EF4-FFF2-40B4-BE49-F238E27FC236}">
                 <a16:creationId xmlns:a16="http://schemas.microsoft.com/office/drawing/2014/main" id="{BDECAEB1-542A-F848-9D2C-B10DFE956AB7}"/>
               </a:ext>
             </a:extLst>
@@ -8392,7 +7091,7 @@
           <a:p>
             <a:fld id="{D1892F8F-5571-E246-B053-E27A62D47BEF}" type="slidenum">
               <a:rPr lang="en-GB" smtClean="0"/>
-              <a:t>7</a:t>
+              <a:t>6</a:t>
             </a:fld>
             <a:endParaRPr lang="en-GB"/>
           </a:p>
@@ -8411,7 +7110,7 @@
 </p:sld>
 </file>
 
-<file path=ppt/slides/slide8.xml><?xml version="1.0" encoding="utf-8"?>
+<file path=ppt/slides/slide7.xml><?xml version="1.0" encoding="utf-8"?>
 <p:sld xmlns:a="http://schemas.openxmlformats.org/drawingml/2006/main" xmlns:r="http://schemas.openxmlformats.org/officeDocument/2006/relationships" xmlns:p="http://schemas.openxmlformats.org/presentationml/2006/main">
   <p:cSld>
     <p:spTree>
@@ -8635,7 +7334,7 @@
           <a:p>
             <a:fld id="{D1892F8F-5571-E246-B053-E27A62D47BEF}" type="slidenum">
               <a:rPr lang="en-GB" smtClean="0"/>
-              <a:t>8</a:t>
+              <a:t>7</a:t>
             </a:fld>
             <a:endParaRPr lang="en-GB"/>
           </a:p>
@@ -8654,7 +7353,7 @@
 </p:sld>
 </file>
 
-<file path=ppt/slides/slide9.xml><?xml version="1.0" encoding="utf-8"?>
+<file path=ppt/slides/slide8.xml><?xml version="1.0" encoding="utf-8"?>
 <p:sld xmlns:a="http://schemas.openxmlformats.org/drawingml/2006/main" xmlns:r="http://schemas.openxmlformats.org/officeDocument/2006/relationships" xmlns:p="http://schemas.openxmlformats.org/presentationml/2006/main">
   <p:cSld>
     <p:spTree>
@@ -8892,7 +7591,7 @@
           <a:p>
             <a:fld id="{D1892F8F-5571-E246-B053-E27A62D47BEF}" type="slidenum">
               <a:rPr lang="en-GB" smtClean="0"/>
-              <a:t>9</a:t>
+              <a:t>8</a:t>
             </a:fld>
             <a:endParaRPr lang="en-GB"/>
           </a:p>
@@ -8902,6 +7601,204 @@
     <p:extLst>
       <p:ext uri="{BB962C8B-B14F-4D97-AF65-F5344CB8AC3E}">
         <p14:creationId xmlns:p14="http://schemas.microsoft.com/office/powerpoint/2010/main" val="2995681747"/>
+      </p:ext>
+    </p:extLst>
+  </p:cSld>
+  <p:clrMapOvr>
+    <a:masterClrMapping/>
+  </p:clrMapOvr>
+</p:sld>
+</file>
+
+<file path=ppt/slides/slide9.xml><?xml version="1.0" encoding="utf-8"?>
+<p:sld xmlns:a="http://schemas.openxmlformats.org/drawingml/2006/main" xmlns:r="http://schemas.openxmlformats.org/officeDocument/2006/relationships" xmlns:p="http://schemas.openxmlformats.org/presentationml/2006/main">
+  <p:cSld>
+    <p:spTree>
+      <p:nvGrpSpPr>
+        <p:cNvPr id="1" name=""/>
+        <p:cNvGrpSpPr/>
+        <p:nvPr/>
+      </p:nvGrpSpPr>
+      <p:grpSpPr>
+        <a:xfrm>
+          <a:off x="0" y="0"/>
+          <a:ext cx="0" cy="0"/>
+          <a:chOff x="0" y="0"/>
+          <a:chExt cx="0" cy="0"/>
+        </a:xfrm>
+      </p:grpSpPr>
+      <p:sp>
+        <p:nvSpPr>
+          <p:cNvPr id="2" name="Titel 1">
+            <a:extLst>
+              <a:ext uri="{FF2B5EF4-FFF2-40B4-BE49-F238E27FC236}">
+                <a16:creationId xmlns:a16="http://schemas.microsoft.com/office/drawing/2014/main" id="{BDECAEB1-542A-F848-9D2C-B10DFE956AB7}"/>
+              </a:ext>
+            </a:extLst>
+          </p:cNvPr>
+          <p:cNvSpPr>
+            <a:spLocks noGrp="1"/>
+          </p:cNvSpPr>
+          <p:nvPr>
+            <p:ph type="title"/>
+          </p:nvPr>
+        </p:nvSpPr>
+        <p:spPr/>
+        <p:txBody>
+          <a:bodyPr/>
+          <a:lstStyle/>
+          <a:p>
+            <a:r>
+              <a:rPr lang="en-GB" dirty="0"/>
+              <a:t>Greedy</a:t>
+            </a:r>
+          </a:p>
+        </p:txBody>
+      </p:sp>
+      <p:sp>
+        <p:nvSpPr>
+          <p:cNvPr id="3" name="Tijdelijke aanduiding voor inhoud 2">
+            <a:extLst>
+              <a:ext uri="{FF2B5EF4-FFF2-40B4-BE49-F238E27FC236}">
+                <a16:creationId xmlns:a16="http://schemas.microsoft.com/office/drawing/2014/main" id="{6B57B016-94D5-F646-9976-362E7188E1F0}"/>
+              </a:ext>
+            </a:extLst>
+          </p:cNvPr>
+          <p:cNvSpPr>
+            <a:spLocks noGrp="1"/>
+          </p:cNvSpPr>
+          <p:nvPr>
+            <p:ph sz="half" idx="1"/>
+          </p:nvPr>
+        </p:nvSpPr>
+        <p:spPr/>
+        <p:txBody>
+          <a:bodyPr>
+            <a:normAutofit lnSpcReduction="10000"/>
+          </a:bodyPr>
+          <a:lstStyle/>
+          <a:p>
+            <a:r>
+              <a:rPr lang="en-GB" dirty="0"/>
+              <a:t>Let S be HP-chain of length n.</a:t>
+            </a:r>
+          </a:p>
+          <a:p>
+            <a:r>
+              <a:rPr lang="en-GB" dirty="0"/>
+              <a:t>Fix first 2 elements of chain.</a:t>
+            </a:r>
+          </a:p>
+          <a:p>
+            <a:r>
+              <a:rPr lang="en-GB" dirty="0"/>
+              <a:t>For subsequent elements, try all moves from {u, d, l, r, </a:t>
+            </a:r>
+            <a:r>
+              <a:rPr lang="en-GB" dirty="0" err="1"/>
+              <a:t>i</a:t>
+            </a:r>
+            <a:r>
+              <a:rPr lang="en-GB" dirty="0"/>
+              <a:t>, o} and check whether move would result in H-H connection (with self-avoidance).</a:t>
+            </a:r>
+          </a:p>
+          <a:p>
+            <a:r>
+              <a:rPr lang="en-GB" dirty="0"/>
+              <a:t>If so, use the move. If not, pick random.</a:t>
+            </a:r>
+          </a:p>
+          <a:p>
+            <a:r>
+              <a:rPr lang="en-GB" dirty="0"/>
+              <a:t>Stuck? Start over.</a:t>
+            </a:r>
+          </a:p>
+        </p:txBody>
+      </p:sp>
+      <p:pic>
+        <p:nvPicPr>
+          <p:cNvPr id="4098" name="Picture 2" descr="Afbeeldingsresultaat voor greedy algorithm">
+            <a:extLst>
+              <a:ext uri="{FF2B5EF4-FFF2-40B4-BE49-F238E27FC236}">
+                <a16:creationId xmlns:a16="http://schemas.microsoft.com/office/drawing/2014/main" id="{E2145716-8FD2-4D20-9F53-FFC859D21248}"/>
+              </a:ext>
+            </a:extLst>
+          </p:cNvPr>
+          <p:cNvPicPr>
+            <a:picLocks noGrp="1" noChangeAspect="1" noChangeArrowheads="1" noCrop="1"/>
+          </p:cNvPicPr>
+          <p:nvPr>
+            <p:ph sz="half" idx="2"/>
+          </p:nvPr>
+        </p:nvPicPr>
+        <p:blipFill>
+          <a:blip r:embed="rId2">
+            <a:extLst>
+              <a:ext uri="{28A0092B-C50C-407E-A947-70E740481C1C}">
+                <a14:useLocalDpi xmlns:a14="http://schemas.microsoft.com/office/drawing/2010/main" val="0"/>
+              </a:ext>
+            </a:extLst>
+          </a:blip>
+          <a:srcRect/>
+          <a:stretch>
+            <a:fillRect/>
+          </a:stretch>
+        </p:blipFill>
+        <p:spPr bwMode="auto">
+          <a:xfrm>
+            <a:off x="6908799" y="2457054"/>
+            <a:ext cx="3999177" cy="2399506"/>
+          </a:xfrm>
+          <a:prstGeom prst="rect">
+            <a:avLst/>
+          </a:prstGeom>
+          <a:noFill/>
+          <a:extLst>
+            <a:ext uri="{909E8E84-426E-40DD-AFC4-6F175D3DCCD1}">
+              <a14:hiddenFill xmlns:a14="http://schemas.microsoft.com/office/drawing/2010/main">
+                <a:solidFill>
+                  <a:srgbClr val="FFFFFF"/>
+                </a:solidFill>
+              </a14:hiddenFill>
+            </a:ext>
+          </a:extLst>
+        </p:spPr>
+      </p:pic>
+      <p:sp>
+        <p:nvSpPr>
+          <p:cNvPr id="4" name="Tijdelijke aanduiding voor dianummer 3">
+            <a:extLst>
+              <a:ext uri="{FF2B5EF4-FFF2-40B4-BE49-F238E27FC236}">
+                <a16:creationId xmlns:a16="http://schemas.microsoft.com/office/drawing/2014/main" id="{BD4D1BB4-6ED2-0A44-97B4-82BA6D6CE108}"/>
+              </a:ext>
+            </a:extLst>
+          </p:cNvPr>
+          <p:cNvSpPr>
+            <a:spLocks noGrp="1"/>
+          </p:cNvSpPr>
+          <p:nvPr>
+            <p:ph type="sldNum" sz="quarter" idx="12"/>
+          </p:nvPr>
+        </p:nvSpPr>
+        <p:spPr/>
+        <p:txBody>
+          <a:bodyPr/>
+          <a:lstStyle/>
+          <a:p>
+            <a:fld id="{D1892F8F-5571-E246-B053-E27A62D47BEF}" type="slidenum">
+              <a:rPr lang="en-GB" smtClean="0"/>
+              <a:t>9</a:t>
+            </a:fld>
+            <a:endParaRPr lang="en-GB"/>
+          </a:p>
+        </p:txBody>
+      </p:sp>
+    </p:spTree>
+    <p:extLst>
+      <p:ext uri="{BB962C8B-B14F-4D97-AF65-F5344CB8AC3E}">
+        <p14:creationId xmlns:p14="http://schemas.microsoft.com/office/powerpoint/2010/main" val="3810750948"/>
       </p:ext>
     </p:extLst>
   </p:cSld>

--- a/Documentation/PPP, Week 2, Meeting 1.pptx
+++ b/Documentation/PPP, Week 2, Meeting 1.pptx
@@ -5,7 +5,7 @@
     <p:sldMasterId id="2147483672" r:id="rId1"/>
   </p:sldMasterIdLst>
   <p:notesMasterIdLst>
-    <p:notesMasterId r:id="rId17"/>
+    <p:notesMasterId r:id="rId19"/>
   </p:notesMasterIdLst>
   <p:sldIdLst>
     <p:sldId id="256" r:id="rId2"/>
@@ -19,10 +19,12 @@
     <p:sldId id="280" r:id="rId10"/>
     <p:sldId id="281" r:id="rId11"/>
     <p:sldId id="282" r:id="rId12"/>
-    <p:sldId id="274" r:id="rId13"/>
-    <p:sldId id="275" r:id="rId14"/>
-    <p:sldId id="276" r:id="rId15"/>
-    <p:sldId id="265" r:id="rId16"/>
+    <p:sldId id="286" r:id="rId13"/>
+    <p:sldId id="285" r:id="rId14"/>
+    <p:sldId id="274" r:id="rId15"/>
+    <p:sldId id="275" r:id="rId16"/>
+    <p:sldId id="276" r:id="rId17"/>
+    <p:sldId id="265" r:id="rId18"/>
   </p:sldIdLst>
   <p:sldSz cx="12192000" cy="6858000"/>
   <p:notesSz cx="6858000" cy="9144000"/>
@@ -554,6 +556,174 @@
     <p:extLst>
       <p:ext uri="{BB962C8B-B14F-4D97-AF65-F5344CB8AC3E}">
         <p14:creationId xmlns:p14="http://schemas.microsoft.com/office/powerpoint/2010/main" val="1505287686"/>
+      </p:ext>
+    </p:extLst>
+  </p:cSld>
+  <p:clrMapOvr>
+    <a:masterClrMapping/>
+  </p:clrMapOvr>
+</p:notes>
+</file>
+
+<file path=ppt/notesSlides/notesSlide2.xml><?xml version="1.0" encoding="utf-8"?>
+<p:notes xmlns:a="http://schemas.openxmlformats.org/drawingml/2006/main" xmlns:r="http://schemas.openxmlformats.org/officeDocument/2006/relationships" xmlns:p="http://schemas.openxmlformats.org/presentationml/2006/main">
+  <p:cSld>
+    <p:spTree>
+      <p:nvGrpSpPr>
+        <p:cNvPr id="1" name=""/>
+        <p:cNvGrpSpPr/>
+        <p:nvPr/>
+      </p:nvGrpSpPr>
+      <p:grpSpPr>
+        <a:xfrm>
+          <a:off x="0" y="0"/>
+          <a:ext cx="0" cy="0"/>
+          <a:chOff x="0" y="0"/>
+          <a:chExt cx="0" cy="0"/>
+        </a:xfrm>
+      </p:grpSpPr>
+      <p:sp>
+        <p:nvSpPr>
+          <p:cNvPr id="2" name="Tijdelijke aanduiding voor dia-afbeelding 1"/>
+          <p:cNvSpPr>
+            <a:spLocks noGrp="1" noRot="1" noChangeAspect="1"/>
+          </p:cNvSpPr>
+          <p:nvPr>
+            <p:ph type="sldImg"/>
+          </p:nvPr>
+        </p:nvSpPr>
+        <p:spPr/>
+      </p:sp>
+      <p:sp>
+        <p:nvSpPr>
+          <p:cNvPr id="3" name="Tijdelijke aanduiding voor notities 2"/>
+          <p:cNvSpPr>
+            <a:spLocks noGrp="1"/>
+          </p:cNvSpPr>
+          <p:nvPr>
+            <p:ph type="body" idx="1"/>
+          </p:nvPr>
+        </p:nvSpPr>
+        <p:spPr/>
+        <p:txBody>
+          <a:bodyPr/>
+          <a:lstStyle/>
+          <a:p>
+            <a:endParaRPr lang="en-US" dirty="0"/>
+          </a:p>
+        </p:txBody>
+      </p:sp>
+      <p:sp>
+        <p:nvSpPr>
+          <p:cNvPr id="4" name="Tijdelijke aanduiding voor dianummer 3"/>
+          <p:cNvSpPr>
+            <a:spLocks noGrp="1"/>
+          </p:cNvSpPr>
+          <p:nvPr>
+            <p:ph type="sldNum" sz="quarter" idx="5"/>
+          </p:nvPr>
+        </p:nvSpPr>
+        <p:spPr/>
+        <p:txBody>
+          <a:bodyPr/>
+          <a:lstStyle/>
+          <a:p>
+            <a:fld id="{2831AEBB-41E9-A04A-9C64-38B7EC6FB69A}" type="slidenum">
+              <a:rPr lang="en-GB" smtClean="0"/>
+              <a:t>6</a:t>
+            </a:fld>
+            <a:endParaRPr lang="en-GB"/>
+          </a:p>
+        </p:txBody>
+      </p:sp>
+    </p:spTree>
+    <p:extLst>
+      <p:ext uri="{BB962C8B-B14F-4D97-AF65-F5344CB8AC3E}">
+        <p14:creationId xmlns:p14="http://schemas.microsoft.com/office/powerpoint/2010/main" val="1041384391"/>
+      </p:ext>
+    </p:extLst>
+  </p:cSld>
+  <p:clrMapOvr>
+    <a:masterClrMapping/>
+  </p:clrMapOvr>
+</p:notes>
+</file>
+
+<file path=ppt/notesSlides/notesSlide3.xml><?xml version="1.0" encoding="utf-8"?>
+<p:notes xmlns:a="http://schemas.openxmlformats.org/drawingml/2006/main" xmlns:r="http://schemas.openxmlformats.org/officeDocument/2006/relationships" xmlns:p="http://schemas.openxmlformats.org/presentationml/2006/main">
+  <p:cSld>
+    <p:spTree>
+      <p:nvGrpSpPr>
+        <p:cNvPr id="1" name=""/>
+        <p:cNvGrpSpPr/>
+        <p:nvPr/>
+      </p:nvGrpSpPr>
+      <p:grpSpPr>
+        <a:xfrm>
+          <a:off x="0" y="0"/>
+          <a:ext cx="0" cy="0"/>
+          <a:chOff x="0" y="0"/>
+          <a:chExt cx="0" cy="0"/>
+        </a:xfrm>
+      </p:grpSpPr>
+      <p:sp>
+        <p:nvSpPr>
+          <p:cNvPr id="2" name="Tijdelijke aanduiding voor dia-afbeelding 1"/>
+          <p:cNvSpPr>
+            <a:spLocks noGrp="1" noRot="1" noChangeAspect="1"/>
+          </p:cNvSpPr>
+          <p:nvPr>
+            <p:ph type="sldImg"/>
+          </p:nvPr>
+        </p:nvSpPr>
+        <p:spPr/>
+      </p:sp>
+      <p:sp>
+        <p:nvSpPr>
+          <p:cNvPr id="3" name="Tijdelijke aanduiding voor notities 2"/>
+          <p:cNvSpPr>
+            <a:spLocks noGrp="1"/>
+          </p:cNvSpPr>
+          <p:nvPr>
+            <p:ph type="body" idx="1"/>
+          </p:nvPr>
+        </p:nvSpPr>
+        <p:spPr/>
+        <p:txBody>
+          <a:bodyPr/>
+          <a:lstStyle/>
+          <a:p>
+            <a:endParaRPr lang="en-US" dirty="0"/>
+          </a:p>
+        </p:txBody>
+      </p:sp>
+      <p:sp>
+        <p:nvSpPr>
+          <p:cNvPr id="4" name="Tijdelijke aanduiding voor dianummer 3"/>
+          <p:cNvSpPr>
+            <a:spLocks noGrp="1"/>
+          </p:cNvSpPr>
+          <p:nvPr>
+            <p:ph type="sldNum" sz="quarter" idx="5"/>
+          </p:nvPr>
+        </p:nvSpPr>
+        <p:spPr/>
+        <p:txBody>
+          <a:bodyPr/>
+          <a:lstStyle/>
+          <a:p>
+            <a:fld id="{2831AEBB-41E9-A04A-9C64-38B7EC6FB69A}" type="slidenum">
+              <a:rPr lang="en-GB" smtClean="0"/>
+              <a:t>12</a:t>
+            </a:fld>
+            <a:endParaRPr lang="en-GB"/>
+          </a:p>
+        </p:txBody>
+      </p:sp>
+    </p:spTree>
+    <p:extLst>
+      <p:ext uri="{BB962C8B-B14F-4D97-AF65-F5344CB8AC3E}">
+        <p14:creationId xmlns:p14="http://schemas.microsoft.com/office/powerpoint/2010/main" val="1848860920"/>
       </p:ext>
     </p:extLst>
   </p:cSld>
@@ -4065,6 +4235,503 @@
           <p:cNvPr id="2" name="Titel 1">
             <a:extLst>
               <a:ext uri="{FF2B5EF4-FFF2-40B4-BE49-F238E27FC236}">
+                <a16:creationId xmlns:a16="http://schemas.microsoft.com/office/drawing/2014/main" id="{BDECAEB1-542A-F848-9D2C-B10DFE956AB7}"/>
+              </a:ext>
+            </a:extLst>
+          </p:cNvPr>
+          <p:cNvSpPr>
+            <a:spLocks noGrp="1"/>
+          </p:cNvSpPr>
+          <p:nvPr>
+            <p:ph type="title"/>
+          </p:nvPr>
+        </p:nvSpPr>
+        <p:spPr/>
+        <p:txBody>
+          <a:bodyPr/>
+          <a:lstStyle/>
+          <a:p>
+            <a:r>
+              <a:rPr lang="en-GB" dirty="0"/>
+              <a:t>Hill Climber (Pull moves)</a:t>
+            </a:r>
+          </a:p>
+        </p:txBody>
+      </p:sp>
+      <p:sp>
+        <p:nvSpPr>
+          <p:cNvPr id="3" name="Tijdelijke aanduiding voor inhoud 2">
+            <a:extLst>
+              <a:ext uri="{FF2B5EF4-FFF2-40B4-BE49-F238E27FC236}">
+                <a16:creationId xmlns:a16="http://schemas.microsoft.com/office/drawing/2014/main" id="{6B57B016-94D5-F646-9976-362E7188E1F0}"/>
+              </a:ext>
+            </a:extLst>
+          </p:cNvPr>
+          <p:cNvSpPr>
+            <a:spLocks noGrp="1"/>
+          </p:cNvSpPr>
+          <p:nvPr>
+            <p:ph sz="half" idx="1"/>
+          </p:nvPr>
+        </p:nvSpPr>
+        <p:spPr/>
+        <p:txBody>
+          <a:bodyPr/>
+          <a:lstStyle/>
+          <a:p>
+            <a:r>
+              <a:rPr lang="en-GB" dirty="0"/>
+              <a:t>Iterative algorithm.</a:t>
+            </a:r>
+          </a:p>
+          <a:p>
+            <a:r>
+              <a:rPr lang="en-GB" dirty="0"/>
+              <a:t>Starts with a solution.</a:t>
+            </a:r>
+          </a:p>
+          <a:p>
+            <a:r>
+              <a:rPr lang="en-GB" dirty="0"/>
+              <a:t>Goes through the solution and tries to pull an elements diagonally to increase stability.</a:t>
+            </a:r>
+          </a:p>
+          <a:p>
+            <a:r>
+              <a:rPr lang="en-GB" dirty="0"/>
+              <a:t>Better stability -&gt; new solution.</a:t>
+            </a:r>
+          </a:p>
+          <a:p>
+            <a:r>
+              <a:rPr lang="en-GB" dirty="0"/>
+              <a:t>Worse stability -&gt; old solution.</a:t>
+            </a:r>
+          </a:p>
+          <a:p>
+            <a:r>
+              <a:rPr lang="en-GB" dirty="0"/>
+              <a:t>Repeat until stability converges.</a:t>
+            </a:r>
+          </a:p>
+        </p:txBody>
+      </p:sp>
+      <p:sp>
+        <p:nvSpPr>
+          <p:cNvPr id="4" name="Tijdelijke aanduiding voor dianummer 3">
+            <a:extLst>
+              <a:ext uri="{FF2B5EF4-FFF2-40B4-BE49-F238E27FC236}">
+                <a16:creationId xmlns:a16="http://schemas.microsoft.com/office/drawing/2014/main" id="{B78FA2CF-309C-7741-B78B-29A8D3C4359F}"/>
+              </a:ext>
+            </a:extLst>
+          </p:cNvPr>
+          <p:cNvSpPr>
+            <a:spLocks noGrp="1"/>
+          </p:cNvSpPr>
+          <p:nvPr>
+            <p:ph type="sldNum" sz="quarter" idx="12"/>
+          </p:nvPr>
+        </p:nvSpPr>
+        <p:spPr/>
+        <p:txBody>
+          <a:bodyPr/>
+          <a:lstStyle/>
+          <a:p>
+            <a:fld id="{D1892F8F-5571-E246-B053-E27A62D47BEF}" type="slidenum">
+              <a:rPr lang="en-GB" smtClean="0"/>
+              <a:t>12</a:t>
+            </a:fld>
+            <a:endParaRPr lang="en-GB"/>
+          </a:p>
+        </p:txBody>
+      </p:sp>
+      <p:pic>
+        <p:nvPicPr>
+          <p:cNvPr id="1026" name="Picture 2" descr="Pull move transformation for HP sequence HHHP HP P P P P H at position 3">
+            <a:extLst>
+              <a:ext uri="{FF2B5EF4-FFF2-40B4-BE49-F238E27FC236}">
+                <a16:creationId xmlns:a16="http://schemas.microsoft.com/office/drawing/2014/main" id="{212985C8-7720-450F-82AE-5163C9E5109D}"/>
+              </a:ext>
+            </a:extLst>
+          </p:cNvPr>
+          <p:cNvPicPr>
+            <a:picLocks noGrp="1" noChangeAspect="1" noChangeArrowheads="1"/>
+          </p:cNvPicPr>
+          <p:nvPr>
+            <p:ph sz="half" idx="2"/>
+          </p:nvPr>
+        </p:nvPicPr>
+        <p:blipFill>
+          <a:blip r:embed="rId3">
+            <a:extLst>
+              <a:ext uri="{28A0092B-C50C-407E-A947-70E740481C1C}">
+                <a14:useLocalDpi xmlns:a14="http://schemas.microsoft.com/office/drawing/2010/main" val="0"/>
+              </a:ext>
+            </a:extLst>
+          </a:blip>
+          <a:srcRect/>
+          <a:stretch>
+            <a:fillRect/>
+          </a:stretch>
+        </p:blipFill>
+        <p:spPr bwMode="auto">
+          <a:xfrm>
+            <a:off x="6381750" y="2431978"/>
+            <a:ext cx="4762500" cy="2381250"/>
+          </a:xfrm>
+          <a:prstGeom prst="rect">
+            <a:avLst/>
+          </a:prstGeom>
+          <a:noFill/>
+          <a:extLst>
+            <a:ext uri="{909E8E84-426E-40DD-AFC4-6F175D3DCCD1}">
+              <a14:hiddenFill xmlns:a14="http://schemas.microsoft.com/office/drawing/2010/main">
+                <a:solidFill>
+                  <a:srgbClr val="FFFFFF"/>
+                </a:solidFill>
+              </a14:hiddenFill>
+            </a:ext>
+          </a:extLst>
+        </p:spPr>
+      </p:pic>
+      <p:sp>
+        <p:nvSpPr>
+          <p:cNvPr id="8" name="Tekstvak 7">
+            <a:extLst>
+              <a:ext uri="{FF2B5EF4-FFF2-40B4-BE49-F238E27FC236}">
+                <a16:creationId xmlns:a16="http://schemas.microsoft.com/office/drawing/2014/main" id="{D16F468E-B7DB-480A-896A-9213A792B403}"/>
+              </a:ext>
+            </a:extLst>
+          </p:cNvPr>
+          <p:cNvSpPr txBox="1"/>
+          <p:nvPr/>
+        </p:nvSpPr>
+        <p:spPr>
+          <a:xfrm>
+            <a:off x="1098550" y="6032500"/>
+            <a:ext cx="10185400" cy="646331"/>
+          </a:xfrm>
+          <a:prstGeom prst="rect">
+            <a:avLst/>
+          </a:prstGeom>
+          <a:noFill/>
+        </p:spPr>
+        <p:txBody>
+          <a:bodyPr wrap="square" rtlCol="0">
+            <a:spAutoFit/>
+          </a:bodyPr>
+          <a:lstStyle/>
+          <a:p>
+            <a:r>
+              <a:rPr lang="en-US" dirty="0"/>
+              <a:t>Source: </a:t>
+            </a:r>
+            <a:r>
+              <a:rPr lang="en-US" dirty="0" err="1"/>
+              <a:t>Chira</a:t>
+            </a:r>
+            <a:r>
+              <a:rPr lang="en-US" dirty="0"/>
+              <a:t>, Camelia. "Hill-climbing search in evolutionary models for protein folding simulations." </a:t>
+            </a:r>
+            <a:r>
+              <a:rPr lang="en-US" i="1" dirty="0"/>
+              <a:t>Stud Univ Babe\c s-</a:t>
+            </a:r>
+            <a:r>
+              <a:rPr lang="en-US" i="1" dirty="0" err="1"/>
+              <a:t>Bolyai</a:t>
+            </a:r>
+            <a:r>
+              <a:rPr lang="en-US" i="1" dirty="0"/>
+              <a:t> Inform</a:t>
+            </a:r>
+            <a:r>
+              <a:rPr lang="en-US" dirty="0"/>
+              <a:t> 55 (2010): 29-40.</a:t>
+            </a:r>
+          </a:p>
+        </p:txBody>
+      </p:sp>
+    </p:spTree>
+    <p:extLst>
+      <p:ext uri="{BB962C8B-B14F-4D97-AF65-F5344CB8AC3E}">
+        <p14:creationId xmlns:p14="http://schemas.microsoft.com/office/powerpoint/2010/main" val="2815858668"/>
+      </p:ext>
+    </p:extLst>
+  </p:cSld>
+  <p:clrMapOvr>
+    <a:masterClrMapping/>
+  </p:clrMapOvr>
+</p:sld>
+</file>
+
+<file path=ppt/slides/slide13.xml><?xml version="1.0" encoding="utf-8"?>
+<p:sld xmlns:a="http://schemas.openxmlformats.org/drawingml/2006/main" xmlns:r="http://schemas.openxmlformats.org/officeDocument/2006/relationships" xmlns:p="http://schemas.openxmlformats.org/presentationml/2006/main">
+  <p:cSld>
+    <p:bg>
+      <p:bgPr>
+        <a:solidFill>
+          <a:schemeClr val="bg1"/>
+        </a:solidFill>
+        <a:effectLst/>
+      </p:bgPr>
+    </p:bg>
+    <p:spTree>
+      <p:nvGrpSpPr>
+        <p:cNvPr id="1" name=""/>
+        <p:cNvGrpSpPr/>
+        <p:nvPr/>
+      </p:nvGrpSpPr>
+      <p:grpSpPr>
+        <a:xfrm>
+          <a:off x="0" y="0"/>
+          <a:ext cx="0" cy="0"/>
+          <a:chOff x="0" y="0"/>
+          <a:chExt cx="0" cy="0"/>
+        </a:xfrm>
+      </p:grpSpPr>
+      <p:sp>
+        <p:nvSpPr>
+          <p:cNvPr id="2" name="Titel 1">
+            <a:extLst>
+              <a:ext uri="{FF2B5EF4-FFF2-40B4-BE49-F238E27FC236}">
+                <a16:creationId xmlns:a16="http://schemas.microsoft.com/office/drawing/2014/main" id="{BDECAEB1-542A-F848-9D2C-B10DFE956AB7}"/>
+              </a:ext>
+            </a:extLst>
+          </p:cNvPr>
+          <p:cNvSpPr>
+            <a:spLocks noGrp="1"/>
+          </p:cNvSpPr>
+          <p:nvPr>
+            <p:ph type="title"/>
+          </p:nvPr>
+        </p:nvSpPr>
+        <p:spPr>
+          <a:xfrm>
+            <a:off x="8444204" y="640081"/>
+            <a:ext cx="3141664" cy="5574451"/>
+          </a:xfrm>
+        </p:spPr>
+        <p:txBody>
+          <a:bodyPr vert="horz" lIns="91440" tIns="45720" rIns="91440" bIns="45720" rtlCol="0" anchor="ctr">
+            <a:normAutofit/>
+          </a:bodyPr>
+          <a:lstStyle/>
+          <a:p>
+            <a:r>
+              <a:rPr lang="en-US" sz="3700" kern="1200">
+                <a:solidFill>
+                  <a:schemeClr val="tx1"/>
+                </a:solidFill>
+                <a:latin typeface="+mj-lt"/>
+                <a:ea typeface="+mj-ea"/>
+                <a:cs typeface="+mj-cs"/>
+              </a:rPr>
+              <a:t>BENCHMARKS + RESULTS EHA+</a:t>
+            </a:r>
+          </a:p>
+        </p:txBody>
+      </p:sp>
+      <p:sp>
+        <p:nvSpPr>
+          <p:cNvPr id="4" name="Tijdelijke aanduiding voor dianummer 3">
+            <a:extLst>
+              <a:ext uri="{FF2B5EF4-FFF2-40B4-BE49-F238E27FC236}">
+                <a16:creationId xmlns:a16="http://schemas.microsoft.com/office/drawing/2014/main" id="{B78FA2CF-309C-7741-B78B-29A8D3C4359F}"/>
+              </a:ext>
+            </a:extLst>
+          </p:cNvPr>
+          <p:cNvSpPr>
+            <a:spLocks noGrp="1"/>
+          </p:cNvSpPr>
+          <p:nvPr>
+            <p:ph type="sldNum" sz="quarter" idx="12"/>
+          </p:nvPr>
+        </p:nvSpPr>
+        <p:spPr>
+          <a:xfrm>
+            <a:off x="10617958" y="6356350"/>
+            <a:ext cx="967910" cy="365125"/>
+          </a:xfrm>
+        </p:spPr>
+        <p:txBody>
+          <a:bodyPr vert="horz" lIns="91440" tIns="45720" rIns="91440" bIns="45720" rtlCol="0" anchor="ctr">
+            <a:normAutofit/>
+          </a:bodyPr>
+          <a:lstStyle/>
+          <a:p>
+            <a:pPr defTabSz="914400">
+              <a:spcAft>
+                <a:spcPts val="600"/>
+              </a:spcAft>
+            </a:pPr>
+            <a:fld id="{D1892F8F-5571-E246-B053-E27A62D47BEF}" type="slidenum">
+              <a:rPr lang="en-US" smtClean="0"/>
+              <a:pPr defTabSz="914400">
+                <a:spcAft>
+                  <a:spcPts val="600"/>
+                </a:spcAft>
+              </a:pPr>
+              <a:t>13</a:t>
+            </a:fld>
+            <a:endParaRPr lang="en-US"/>
+          </a:p>
+        </p:txBody>
+      </p:sp>
+      <p:pic>
+        <p:nvPicPr>
+          <p:cNvPr id="8" name="Tijdelijke aanduiding voor inhoud 7" descr="Afbeelding met tekst, kaart&#10;&#10;Automatisch gegenereerde beschrijving">
+            <a:extLst>
+              <a:ext uri="{FF2B5EF4-FFF2-40B4-BE49-F238E27FC236}">
+                <a16:creationId xmlns:a16="http://schemas.microsoft.com/office/drawing/2014/main" id="{1A7827B2-B526-4ADE-8C96-37EEA803F3C0}"/>
+              </a:ext>
+            </a:extLst>
+          </p:cNvPr>
+          <p:cNvPicPr>
+            <a:picLocks noGrp="1" noChangeAspect="1"/>
+          </p:cNvPicPr>
+          <p:nvPr>
+            <p:ph sz="half" idx="1"/>
+          </p:nvPr>
+        </p:nvPicPr>
+        <p:blipFill>
+          <a:blip r:embed="rId2"/>
+          <a:stretch>
+            <a:fillRect/>
+          </a:stretch>
+        </p:blipFill>
+        <p:spPr>
+          <a:xfrm>
+            <a:off x="4292600" y="3168650"/>
+            <a:ext cx="3794125" cy="2979738"/>
+          </a:xfrm>
+        </p:spPr>
+      </p:pic>
+      <p:pic>
+        <p:nvPicPr>
+          <p:cNvPr id="10" name="Tijdelijke aanduiding voor inhoud 9" descr="Afbeelding met tekst&#10;&#10;Automatisch gegenereerde beschrijving">
+            <a:extLst>
+              <a:ext uri="{FF2B5EF4-FFF2-40B4-BE49-F238E27FC236}">
+                <a16:creationId xmlns:a16="http://schemas.microsoft.com/office/drawing/2014/main" id="{DC6E093C-B2FD-4736-A2D9-98FE7ED8D4DE}"/>
+              </a:ext>
+            </a:extLst>
+          </p:cNvPr>
+          <p:cNvPicPr>
+            <a:picLocks noGrp="1" noChangeAspect="1"/>
+          </p:cNvPicPr>
+          <p:nvPr>
+            <p:ph sz="half" idx="2"/>
+          </p:nvPr>
+        </p:nvPicPr>
+        <p:blipFill>
+          <a:blip r:embed="rId3"/>
+          <a:stretch>
+            <a:fillRect/>
+          </a:stretch>
+        </p:blipFill>
+        <p:spPr>
+          <a:xfrm>
+            <a:off x="684213" y="3641725"/>
+            <a:ext cx="3525838" cy="2506663"/>
+          </a:xfrm>
+        </p:spPr>
+      </p:pic>
+      <p:pic>
+        <p:nvPicPr>
+          <p:cNvPr id="6" name="Afbeelding 5">
+            <a:extLst>
+              <a:ext uri="{FF2B5EF4-FFF2-40B4-BE49-F238E27FC236}">
+                <a16:creationId xmlns:a16="http://schemas.microsoft.com/office/drawing/2014/main" id="{14ACF73F-4FD7-4A15-A204-B7DB08E97EB2}"/>
+              </a:ext>
+            </a:extLst>
+          </p:cNvPr>
+          <p:cNvPicPr>
+            <a:picLocks noChangeAspect="1"/>
+          </p:cNvPicPr>
+          <p:nvPr/>
+        </p:nvPicPr>
+        <p:blipFill>
+          <a:blip r:embed="rId4"/>
+          <a:stretch>
+            <a:fillRect/>
+          </a:stretch>
+        </p:blipFill>
+        <p:spPr>
+          <a:xfrm>
+            <a:off x="4292600" y="703263"/>
+            <a:ext cx="3794125" cy="2382838"/>
+          </a:xfrm>
+          <a:prstGeom prst="rect">
+            <a:avLst/>
+          </a:prstGeom>
+        </p:spPr>
+      </p:pic>
+      <p:pic>
+        <p:nvPicPr>
+          <p:cNvPr id="5" name="Afbeelding 4">
+            <a:extLst>
+              <a:ext uri="{FF2B5EF4-FFF2-40B4-BE49-F238E27FC236}">
+                <a16:creationId xmlns:a16="http://schemas.microsoft.com/office/drawing/2014/main" id="{0B5FABA5-910A-4CCA-AEA1-D980676EECB7}"/>
+              </a:ext>
+            </a:extLst>
+          </p:cNvPr>
+          <p:cNvPicPr>
+            <a:picLocks noChangeAspect="1"/>
+          </p:cNvPicPr>
+          <p:nvPr/>
+        </p:nvPicPr>
+        <p:blipFill>
+          <a:blip r:embed="rId5"/>
+          <a:stretch>
+            <a:fillRect/>
+          </a:stretch>
+        </p:blipFill>
+        <p:spPr>
+          <a:xfrm>
+            <a:off x="684213" y="703263"/>
+            <a:ext cx="3525838" cy="2855913"/>
+          </a:xfrm>
+          <a:prstGeom prst="rect">
+            <a:avLst/>
+          </a:prstGeom>
+        </p:spPr>
+      </p:pic>
+    </p:spTree>
+    <p:extLst>
+      <p:ext uri="{BB962C8B-B14F-4D97-AF65-F5344CB8AC3E}">
+        <p14:creationId xmlns:p14="http://schemas.microsoft.com/office/powerpoint/2010/main" val="3323132485"/>
+      </p:ext>
+    </p:extLst>
+  </p:cSld>
+  <p:clrMapOvr>
+    <a:masterClrMapping/>
+  </p:clrMapOvr>
+</p:sld>
+</file>
+
+<file path=ppt/slides/slide14.xml><?xml version="1.0" encoding="utf-8"?>
+<p:sld xmlns:a="http://schemas.openxmlformats.org/drawingml/2006/main" xmlns:r="http://schemas.openxmlformats.org/officeDocument/2006/relationships" xmlns:p="http://schemas.openxmlformats.org/presentationml/2006/main">
+  <p:cSld>
+    <p:spTree>
+      <p:nvGrpSpPr>
+        <p:cNvPr id="1" name=""/>
+        <p:cNvGrpSpPr/>
+        <p:nvPr/>
+      </p:nvGrpSpPr>
+      <p:grpSpPr>
+        <a:xfrm>
+          <a:off x="0" y="0"/>
+          <a:ext cx="0" cy="0"/>
+          <a:chOff x="0" y="0"/>
+          <a:chExt cx="0" cy="0"/>
+        </a:xfrm>
+      </p:grpSpPr>
+      <p:sp>
+        <p:nvSpPr>
+          <p:cNvPr id="2" name="Titel 1">
+            <a:extLst>
+              <a:ext uri="{FF2B5EF4-FFF2-40B4-BE49-F238E27FC236}">
                 <a16:creationId xmlns:a16="http://schemas.microsoft.com/office/drawing/2014/main" id="{26D56270-1C1B-4B1E-BC4F-ACC759B672F7}"/>
               </a:ext>
             </a:extLst>
@@ -4230,7 +4897,7 @@
           <a:p>
             <a:fld id="{D1892F8F-5571-E246-B053-E27A62D47BEF}" type="slidenum">
               <a:rPr lang="en-GB" smtClean="0"/>
-              <a:t>12</a:t>
+              <a:t>14</a:t>
             </a:fld>
             <a:endParaRPr lang="en-GB"/>
           </a:p>
@@ -4249,7 +4916,7 @@
 </p:sld>
 </file>
 
-<file path=ppt/slides/slide13.xml><?xml version="1.0" encoding="utf-8"?>
+<file path=ppt/slides/slide15.xml><?xml version="1.0" encoding="utf-8"?>
 <p:sld xmlns:a="http://schemas.openxmlformats.org/drawingml/2006/main" xmlns:r="http://schemas.openxmlformats.org/officeDocument/2006/relationships" xmlns:p="http://schemas.openxmlformats.org/presentationml/2006/main">
   <p:cSld>
     <p:spTree>
@@ -4510,7 +5177,7 @@
           <a:p>
             <a:fld id="{D1892F8F-5571-E246-B053-E27A62D47BEF}" type="slidenum">
               <a:rPr lang="en-GB" smtClean="0"/>
-              <a:t>13</a:t>
+              <a:t>15</a:t>
             </a:fld>
             <a:endParaRPr lang="en-GB"/>
           </a:p>
@@ -4529,7 +5196,7 @@
 </p:sld>
 </file>
 
-<file path=ppt/slides/slide14.xml><?xml version="1.0" encoding="utf-8"?>
+<file path=ppt/slides/slide16.xml><?xml version="1.0" encoding="utf-8"?>
 <p:sld xmlns:a="http://schemas.openxmlformats.org/drawingml/2006/main" xmlns:r="http://schemas.openxmlformats.org/officeDocument/2006/relationships" xmlns:p="http://schemas.openxmlformats.org/presentationml/2006/main">
   <p:cSld>
     <p:spTree>
@@ -5807,7 +6474,7 @@
           <a:p>
             <a:fld id="{D1892F8F-5571-E246-B053-E27A62D47BEF}" type="slidenum">
               <a:rPr lang="en-GB" smtClean="0"/>
-              <a:t>14</a:t>
+              <a:t>16</a:t>
             </a:fld>
             <a:endParaRPr lang="en-GB"/>
           </a:p>
@@ -6008,7 +6675,7 @@
 </p:sld>
 </file>
 
-<file path=ppt/slides/slide15.xml><?xml version="1.0" encoding="utf-8"?>
+<file path=ppt/slides/slide17.xml><?xml version="1.0" encoding="utf-8"?>
 <p:sld xmlns:a="http://schemas.openxmlformats.org/drawingml/2006/main" xmlns:r="http://schemas.openxmlformats.org/officeDocument/2006/relationships" xmlns:p="http://schemas.openxmlformats.org/presentationml/2006/main">
   <p:cSld>
     <p:spTree>
@@ -6106,7 +6773,7 @@
           <a:p>
             <a:fld id="{D1892F8F-5571-E246-B053-E27A62D47BEF}" type="slidenum">
               <a:rPr lang="en-GB" smtClean="0"/>
-              <a:t>15</a:t>
+              <a:t>17</a:t>
             </a:fld>
             <a:endParaRPr lang="en-GB"/>
           </a:p>
@@ -7020,6 +7687,24 @@
               <a:t>Greedy</a:t>
             </a:r>
           </a:p>
+          <a:p>
+            <a:pPr lvl="1"/>
+            <a:r>
+              <a:rPr lang="en-GB" dirty="0"/>
+              <a:t>Extended Heuristic Algorithm</a:t>
+            </a:r>
+          </a:p>
+          <a:p>
+            <a:pPr lvl="1"/>
+            <a:r>
+              <a:rPr lang="en-GB" dirty="0"/>
+              <a:t>Breadth-first: Beam Search</a:t>
+            </a:r>
+          </a:p>
+          <a:p>
+            <a:pPr lvl="1"/>
+            <a:endParaRPr lang="en-GB" dirty="0"/>
+          </a:p>
         </p:txBody>
       </p:sp>
       <p:sp>
@@ -7052,14 +7737,7 @@
             <a:pPr lvl="1"/>
             <a:r>
               <a:rPr lang="en-GB" dirty="0"/>
-              <a:t>Extended Heuristic Algorithm</a:t>
-            </a:r>
-          </a:p>
-          <a:p>
-            <a:pPr lvl="1"/>
-            <a:r>
-              <a:rPr lang="en-GB" dirty="0"/>
-              <a:t>Breadth-first: Beam Search</a:t>
+              <a:t>Hill Climber (pull moves)</a:t>
             </a:r>
           </a:p>
           <a:p>

--- a/Documentation/PPP, Week 2, Meeting 1.pptx
+++ b/Documentation/PPP, Week 2, Meeting 1.pptx
@@ -4092,14 +4092,14 @@
             </a:r>
             <a:r>
               <a:rPr lang="nl-NL" dirty="0"/>
-              <a:t> – Data </a:t>
+              <a:t> – State</a:t>
             </a:r>
             <a:br>
               <a:rPr lang="nl-NL" dirty="0"/>
             </a:br>
             <a:r>
-              <a:rPr lang="nl-NL" dirty="0" err="1"/>
-              <a:t>structure</a:t>
+              <a:rPr lang="nl-NL" dirty="0"/>
+              <a:t>Space check</a:t>
             </a:r>
             <a:endParaRPr lang="en-GB" dirty="0"/>
           </a:p>
@@ -4124,7 +4124,7 @@
         <p:spPr>
           <a:xfrm>
             <a:off x="838200" y="2412693"/>
-            <a:ext cx="3370243" cy="3764269"/>
+            <a:ext cx="4493964" cy="3764269"/>
           </a:xfrm>
         </p:spPr>
         <p:txBody>
@@ -4135,39 +4135,79 @@
           <a:p>
             <a:r>
               <a:rPr lang="nl-NL" sz="2400" dirty="0"/>
-              <a:t>L: </a:t>
+              <a:t>Using </a:t>
             </a:r>
             <a:r>
               <a:rPr lang="nl-NL" sz="2400" dirty="0" err="1"/>
-              <a:t>length</a:t>
+              <a:t>breadth</a:t>
             </a:r>
             <a:r>
               <a:rPr lang="nl-NL" sz="2400" dirty="0"/>
-              <a:t> of </a:t>
+              <a:t> first </a:t>
             </a:r>
             <a:r>
               <a:rPr lang="nl-NL" sz="2400" dirty="0" err="1"/>
-              <a:t>protein</a:t>
+              <a:t>algorithm</a:t>
             </a:r>
             <a:endParaRPr lang="nl-NL" sz="2400" dirty="0"/>
           </a:p>
           <a:p>
             <a:r>
               <a:rPr lang="nl-NL" sz="2400" dirty="0"/>
-              <a:t>N: </a:t>
+              <a:t>We </a:t>
             </a:r>
             <a:r>
               <a:rPr lang="nl-NL" sz="2400" dirty="0" err="1"/>
-              <a:t>number</a:t>
+              <a:t>calculated</a:t>
             </a:r>
             <a:r>
               <a:rPr lang="nl-NL" sz="2400" dirty="0"/>
-              <a:t> of </a:t>
+              <a:t> a state </a:t>
             </a:r>
             <a:r>
               <a:rPr lang="nl-NL" sz="2400" dirty="0" err="1"/>
-              <a:t>iterations</a:t>
-            </a:r>
+              <a:t>space</a:t>
+            </a:r>
+            <a:r>
+              <a:rPr lang="nl-NL" sz="2400" dirty="0"/>
+              <a:t> of:</a:t>
+            </a:r>
+          </a:p>
+          <a:p>
+            <a:r>
+              <a:rPr lang="en-GB" sz="2400" dirty="0"/>
+              <a:t>3</a:t>
+            </a:r>
+            <a:r>
+              <a:rPr lang="en-GB" sz="2400" baseline="30000" dirty="0"/>
+              <a:t>n-2</a:t>
+            </a:r>
+            <a:r>
+              <a:rPr lang="en-GB" sz="2400" dirty="0"/>
+              <a:t> for 2D</a:t>
+            </a:r>
+          </a:p>
+          <a:p>
+            <a:r>
+              <a:rPr lang="en-GB" sz="2400" dirty="0"/>
+              <a:t>5</a:t>
+            </a:r>
+            <a:r>
+              <a:rPr lang="en-GB" sz="2400" baseline="30000" dirty="0"/>
+              <a:t>n-2</a:t>
+            </a:r>
+            <a:r>
+              <a:rPr lang="en-GB" sz="2400" dirty="0"/>
+              <a:t> for 3D</a:t>
+            </a:r>
+          </a:p>
+          <a:p>
+            <a:endParaRPr lang="en-GB" sz="2400" dirty="0"/>
+          </a:p>
+          <a:p>
+            <a:endParaRPr lang="en-GB" sz="2400" dirty="0"/>
+          </a:p>
+          <a:p>
             <a:endParaRPr lang="nl-NL" sz="2400" dirty="0"/>
           </a:p>
           <a:p>
@@ -4175,38 +4215,6 @@
           </a:p>
         </p:txBody>
       </p:sp>
-      <p:pic>
-        <p:nvPicPr>
-          <p:cNvPr id="5" name="Tijdelijke aanduiding voor inhoud 4">
-            <a:extLst>
-              <a:ext uri="{FF2B5EF4-FFF2-40B4-BE49-F238E27FC236}">
-                <a16:creationId xmlns:a16="http://schemas.microsoft.com/office/drawing/2014/main" id="{936E018E-90A8-44A9-B921-A228CBB1098D}"/>
-              </a:ext>
-            </a:extLst>
-          </p:cNvPr>
-          <p:cNvPicPr>
-            <a:picLocks noGrp="1" noChangeAspect="1"/>
-          </p:cNvPicPr>
-          <p:nvPr>
-            <p:ph sz="half" idx="2"/>
-          </p:nvPr>
-        </p:nvPicPr>
-        <p:blipFill>
-          <a:blip r:embed="rId2"/>
-          <a:stretch>
-            <a:fillRect/>
-          </a:stretch>
-        </p:blipFill>
-        <p:spPr>
-          <a:xfrm>
-            <a:off x="4549967" y="484743"/>
-            <a:ext cx="7095504" cy="6008132"/>
-          </a:xfrm>
-          <a:prstGeom prst="rect">
-            <a:avLst/>
-          </a:prstGeom>
-        </p:spPr>
-      </p:pic>
       <p:sp>
         <p:nvSpPr>
           <p:cNvPr id="4" name="Tijdelijke aanduiding voor dianummer 3">
@@ -4236,6 +4244,318 @@
           </a:p>
         </p:txBody>
       </p:sp>
+      <p:graphicFrame>
+        <p:nvGraphicFramePr>
+          <p:cNvPr id="8" name="Tabel 8">
+            <a:extLst>
+              <a:ext uri="{FF2B5EF4-FFF2-40B4-BE49-F238E27FC236}">
+                <a16:creationId xmlns:a16="http://schemas.microsoft.com/office/drawing/2014/main" id="{A9ADEA34-E12C-4995-AFF8-439E0FF1D24E}"/>
+              </a:ext>
+            </a:extLst>
+          </p:cNvPr>
+          <p:cNvGraphicFramePr>
+            <a:graphicFrameLocks noGrp="1"/>
+          </p:cNvGraphicFramePr>
+          <p:nvPr>
+            <p:ph sz="half" idx="2"/>
+            <p:extLst>
+              <p:ext uri="{D42A27DB-BD31-4B8C-83A1-F6EECF244321}">
+                <p14:modId xmlns:p14="http://schemas.microsoft.com/office/powerpoint/2010/main" val="453147676"/>
+              </p:ext>
+            </p:extLst>
+          </p:nvPr>
+        </p:nvGraphicFramePr>
+        <p:xfrm>
+          <a:off x="6268598" y="1690688"/>
+          <a:ext cx="5085202" cy="3764268"/>
+        </p:xfrm>
+        <a:graphic>
+          <a:graphicData uri="http://schemas.openxmlformats.org/drawingml/2006/table">
+            <a:tbl>
+              <a:tblPr firstRow="1" bandRow="1">
+                <a:tableStyleId>{5C22544A-7EE6-4342-B048-85BDC9FD1C3A}</a:tableStyleId>
+              </a:tblPr>
+              <a:tblGrid>
+                <a:gridCol w="1630802">
+                  <a:extLst>
+                    <a:ext uri="{9D8B030D-6E8A-4147-A177-3AD203B41FA5}">
+                      <a16:colId xmlns:a16="http://schemas.microsoft.com/office/drawing/2014/main" val="1813941168"/>
+                    </a:ext>
+                  </a:extLst>
+                </a:gridCol>
+                <a:gridCol w="1727200">
+                  <a:extLst>
+                    <a:ext uri="{9D8B030D-6E8A-4147-A177-3AD203B41FA5}">
+                      <a16:colId xmlns:a16="http://schemas.microsoft.com/office/drawing/2014/main" val="3785723450"/>
+                    </a:ext>
+                  </a:extLst>
+                </a:gridCol>
+                <a:gridCol w="1727200">
+                  <a:extLst>
+                    <a:ext uri="{9D8B030D-6E8A-4147-A177-3AD203B41FA5}">
+                      <a16:colId xmlns:a16="http://schemas.microsoft.com/office/drawing/2014/main" val="357652839"/>
+                    </a:ext>
+                  </a:extLst>
+                </a:gridCol>
+              </a:tblGrid>
+              <a:tr h="941067">
+                <a:tc>
+                  <a:txBody>
+                    <a:bodyPr/>
+                    <a:lstStyle/>
+                    <a:p>
+                      <a:endParaRPr lang="en-GB" dirty="0"/>
+                    </a:p>
+                  </a:txBody>
+                  <a:tcPr/>
+                </a:tc>
+                <a:tc>
+                  <a:txBody>
+                    <a:bodyPr/>
+                    <a:lstStyle/>
+                    <a:p>
+                      <a:r>
+                        <a:rPr lang="nl-NL" dirty="0" err="1"/>
+                        <a:t>Protein</a:t>
+                      </a:r>
+                      <a:r>
+                        <a:rPr lang="nl-NL" dirty="0"/>
+                        <a:t> </a:t>
+                      </a:r>
+                      <a:r>
+                        <a:rPr lang="nl-NL" dirty="0" err="1"/>
+                        <a:t>length</a:t>
+                      </a:r>
+                      <a:r>
+                        <a:rPr lang="nl-NL" dirty="0"/>
+                        <a:t> </a:t>
+                      </a:r>
+                    </a:p>
+                    <a:p>
+                      <a:r>
+                        <a:rPr lang="nl-NL" dirty="0"/>
+                        <a:t>8 in 2D</a:t>
+                      </a:r>
+                      <a:endParaRPr lang="en-GB" dirty="0"/>
+                    </a:p>
+                  </a:txBody>
+                  <a:tcPr/>
+                </a:tc>
+                <a:tc>
+                  <a:txBody>
+                    <a:bodyPr/>
+                    <a:lstStyle/>
+                    <a:p>
+                      <a:r>
+                        <a:rPr lang="nl-NL" dirty="0" err="1"/>
+                        <a:t>Protein</a:t>
+                      </a:r>
+                      <a:r>
+                        <a:rPr lang="nl-NL" dirty="0"/>
+                        <a:t> </a:t>
+                      </a:r>
+                      <a:r>
+                        <a:rPr lang="nl-NL" dirty="0" err="1"/>
+                        <a:t>length</a:t>
+                      </a:r>
+                      <a:endParaRPr lang="nl-NL" dirty="0"/>
+                    </a:p>
+                    <a:p>
+                      <a:r>
+                        <a:rPr lang="nl-NL" dirty="0"/>
+                        <a:t>8 in 3D</a:t>
+                      </a:r>
+                      <a:endParaRPr lang="en-GB" dirty="0"/>
+                    </a:p>
+                  </a:txBody>
+                  <a:tcPr/>
+                </a:tc>
+                <a:extLst>
+                  <a:ext uri="{0D108BD9-81ED-4DB2-BD59-A6C34878D82A}">
+                    <a16:rowId xmlns:a16="http://schemas.microsoft.com/office/drawing/2014/main" val="518749116"/>
+                  </a:ext>
+                </a:extLst>
+              </a:tr>
+              <a:tr h="941067">
+                <a:tc>
+                  <a:txBody>
+                    <a:bodyPr/>
+                    <a:lstStyle/>
+                    <a:p>
+                      <a:r>
+                        <a:rPr lang="nl-NL" dirty="0" err="1"/>
+                        <a:t>Calculated</a:t>
+                      </a:r>
+                      <a:r>
+                        <a:rPr lang="nl-NL" dirty="0"/>
+                        <a:t> </a:t>
+                      </a:r>
+                    </a:p>
+                    <a:p>
+                      <a:r>
+                        <a:rPr lang="nl-NL" dirty="0"/>
+                        <a:t>State </a:t>
+                      </a:r>
+                      <a:r>
+                        <a:rPr lang="nl-NL" dirty="0" err="1"/>
+                        <a:t>space</a:t>
+                      </a:r>
+                      <a:endParaRPr lang="en-GB" dirty="0"/>
+                    </a:p>
+                  </a:txBody>
+                  <a:tcPr/>
+                </a:tc>
+                <a:tc>
+                  <a:txBody>
+                    <a:bodyPr/>
+                    <a:lstStyle/>
+                    <a:p>
+                      <a:r>
+                        <a:rPr lang="nl-NL" dirty="0"/>
+                        <a:t>729</a:t>
+                      </a:r>
+                      <a:endParaRPr lang="en-GB" dirty="0"/>
+                    </a:p>
+                  </a:txBody>
+                  <a:tcPr/>
+                </a:tc>
+                <a:tc>
+                  <a:txBody>
+                    <a:bodyPr/>
+                    <a:lstStyle/>
+                    <a:p>
+                      <a:r>
+                        <a:rPr lang="nl-NL" dirty="0"/>
+                        <a:t>15625</a:t>
+                      </a:r>
+                      <a:endParaRPr lang="en-GB" dirty="0"/>
+                    </a:p>
+                  </a:txBody>
+                  <a:tcPr/>
+                </a:tc>
+                <a:extLst>
+                  <a:ext uri="{0D108BD9-81ED-4DB2-BD59-A6C34878D82A}">
+                    <a16:rowId xmlns:a16="http://schemas.microsoft.com/office/drawing/2014/main" val="1248202208"/>
+                  </a:ext>
+                </a:extLst>
+              </a:tr>
+              <a:tr h="941067">
+                <a:tc>
+                  <a:txBody>
+                    <a:bodyPr/>
+                    <a:lstStyle/>
+                    <a:p>
+                      <a:r>
+                        <a:rPr lang="nl-NL" dirty="0"/>
+                        <a:t>In </a:t>
+                      </a:r>
+                      <a:r>
+                        <a:rPr lang="nl-NL" dirty="0" err="1"/>
+                        <a:t>Reality</a:t>
+                      </a:r>
+                      <a:endParaRPr lang="nl-NL" dirty="0"/>
+                    </a:p>
+                    <a:p>
+                      <a:r>
+                        <a:rPr lang="nl-NL" dirty="0"/>
+                        <a:t>State </a:t>
+                      </a:r>
+                      <a:r>
+                        <a:rPr lang="nl-NL" dirty="0" err="1"/>
+                        <a:t>space</a:t>
+                      </a:r>
+                      <a:endParaRPr lang="en-GB" dirty="0"/>
+                    </a:p>
+                  </a:txBody>
+                  <a:tcPr/>
+                </a:tc>
+                <a:tc>
+                  <a:txBody>
+                    <a:bodyPr/>
+                    <a:lstStyle/>
+                    <a:p>
+                      <a:r>
+                        <a:rPr lang="nl-NL" dirty="0"/>
+                        <a:t>543</a:t>
+                      </a:r>
+                      <a:endParaRPr lang="en-GB" dirty="0"/>
+                    </a:p>
+                  </a:txBody>
+                  <a:tcPr/>
+                </a:tc>
+                <a:tc>
+                  <a:txBody>
+                    <a:bodyPr/>
+                    <a:lstStyle/>
+                    <a:p>
+                      <a:r>
+                        <a:rPr lang="nl-NL" dirty="0"/>
+                        <a:t>13565</a:t>
+                      </a:r>
+                      <a:endParaRPr lang="en-GB" dirty="0"/>
+                    </a:p>
+                  </a:txBody>
+                  <a:tcPr/>
+                </a:tc>
+                <a:extLst>
+                  <a:ext uri="{0D108BD9-81ED-4DB2-BD59-A6C34878D82A}">
+                    <a16:rowId xmlns:a16="http://schemas.microsoft.com/office/drawing/2014/main" val="1669126111"/>
+                  </a:ext>
+                </a:extLst>
+              </a:tr>
+              <a:tr h="941067">
+                <a:tc>
+                  <a:txBody>
+                    <a:bodyPr/>
+                    <a:lstStyle/>
+                    <a:p>
+                      <a:r>
+                        <a:rPr lang="nl-NL" dirty="0" err="1"/>
+                        <a:t>Overestimation</a:t>
+                      </a:r>
+                      <a:endParaRPr lang="en-GB" dirty="0"/>
+                    </a:p>
+                  </a:txBody>
+                  <a:tcPr/>
+                </a:tc>
+                <a:tc>
+                  <a:txBody>
+                    <a:bodyPr/>
+                    <a:lstStyle/>
+                    <a:p>
+                      <a:r>
+                        <a:rPr lang="nl-NL" dirty="0"/>
+                        <a:t>34%</a:t>
+                      </a:r>
+                      <a:endParaRPr lang="en-GB" dirty="0"/>
+                    </a:p>
+                  </a:txBody>
+                  <a:tcPr/>
+                </a:tc>
+                <a:tc>
+                  <a:txBody>
+                    <a:bodyPr/>
+                    <a:lstStyle/>
+                    <a:p>
+                      <a:r>
+                        <a:rPr lang="nl-NL" dirty="0"/>
+                        <a:t>15%</a:t>
+                      </a:r>
+                      <a:endParaRPr lang="en-GB" dirty="0"/>
+                    </a:p>
+                  </a:txBody>
+                  <a:tcPr/>
+                </a:tc>
+                <a:extLst>
+                  <a:ext uri="{0D108BD9-81ED-4DB2-BD59-A6C34878D82A}">
+                    <a16:rowId xmlns:a16="http://schemas.microsoft.com/office/drawing/2014/main" val="853705969"/>
+                  </a:ext>
+                </a:extLst>
+              </a:tr>
+            </a:tbl>
+          </a:graphicData>
+        </a:graphic>
+      </p:graphicFrame>
     </p:spTree>
     <p:extLst>
       <p:ext uri="{BB962C8B-B14F-4D97-AF65-F5344CB8AC3E}">

--- a/Documentation/PPP, Week 2, Meeting 1.pptx
+++ b/Documentation/PPP, Week 2, Meeting 1.pptx
@@ -5,7 +5,7 @@
     <p:sldMasterId id="2147483672" r:id="rId1"/>
   </p:sldMasterIdLst>
   <p:notesMasterIdLst>
-    <p:notesMasterId r:id="rId17"/>
+    <p:notesMasterId r:id="rId19"/>
   </p:notesMasterIdLst>
   <p:sldIdLst>
     <p:sldId id="256" r:id="rId2"/>
@@ -13,16 +13,18 @@
     <p:sldId id="283" r:id="rId4"/>
     <p:sldId id="284" r:id="rId5"/>
     <p:sldId id="268" r:id="rId6"/>
-    <p:sldId id="277" r:id="rId7"/>
+    <p:sldId id="285" r:id="rId7"/>
     <p:sldId id="278" r:id="rId8"/>
     <p:sldId id="279" r:id="rId9"/>
     <p:sldId id="280" r:id="rId10"/>
     <p:sldId id="281" r:id="rId11"/>
     <p:sldId id="282" r:id="rId12"/>
-    <p:sldId id="274" r:id="rId13"/>
-    <p:sldId id="275" r:id="rId14"/>
-    <p:sldId id="276" r:id="rId15"/>
-    <p:sldId id="265" r:id="rId16"/>
+    <p:sldId id="286" r:id="rId13"/>
+    <p:sldId id="287" r:id="rId14"/>
+    <p:sldId id="274" r:id="rId15"/>
+    <p:sldId id="275" r:id="rId16"/>
+    <p:sldId id="276" r:id="rId17"/>
+    <p:sldId id="265" r:id="rId18"/>
   </p:sldIdLst>
   <p:sldSz cx="12192000" cy="6858000"/>
   <p:notesSz cx="6858000" cy="9144000"/>
@@ -554,6 +556,174 @@
     <p:extLst>
       <p:ext uri="{BB962C8B-B14F-4D97-AF65-F5344CB8AC3E}">
         <p14:creationId xmlns:p14="http://schemas.microsoft.com/office/powerpoint/2010/main" val="1505287686"/>
+      </p:ext>
+    </p:extLst>
+  </p:cSld>
+  <p:clrMapOvr>
+    <a:masterClrMapping/>
+  </p:clrMapOvr>
+</p:notes>
+</file>
+
+<file path=ppt/notesSlides/notesSlide2.xml><?xml version="1.0" encoding="utf-8"?>
+<p:notes xmlns:a="http://schemas.openxmlformats.org/drawingml/2006/main" xmlns:r="http://schemas.openxmlformats.org/officeDocument/2006/relationships" xmlns:p="http://schemas.openxmlformats.org/presentationml/2006/main">
+  <p:cSld>
+    <p:spTree>
+      <p:nvGrpSpPr>
+        <p:cNvPr id="1" name=""/>
+        <p:cNvGrpSpPr/>
+        <p:nvPr/>
+      </p:nvGrpSpPr>
+      <p:grpSpPr>
+        <a:xfrm>
+          <a:off x="0" y="0"/>
+          <a:ext cx="0" cy="0"/>
+          <a:chOff x="0" y="0"/>
+          <a:chExt cx="0" cy="0"/>
+        </a:xfrm>
+      </p:grpSpPr>
+      <p:sp>
+        <p:nvSpPr>
+          <p:cNvPr id="2" name="Tijdelijke aanduiding voor dia-afbeelding 1"/>
+          <p:cNvSpPr>
+            <a:spLocks noGrp="1" noRot="1" noChangeAspect="1"/>
+          </p:cNvSpPr>
+          <p:nvPr>
+            <p:ph type="sldImg"/>
+          </p:nvPr>
+        </p:nvSpPr>
+        <p:spPr/>
+      </p:sp>
+      <p:sp>
+        <p:nvSpPr>
+          <p:cNvPr id="3" name="Tijdelijke aanduiding voor notities 2"/>
+          <p:cNvSpPr>
+            <a:spLocks noGrp="1"/>
+          </p:cNvSpPr>
+          <p:nvPr>
+            <p:ph type="body" idx="1"/>
+          </p:nvPr>
+        </p:nvSpPr>
+        <p:spPr/>
+        <p:txBody>
+          <a:bodyPr/>
+          <a:lstStyle/>
+          <a:p>
+            <a:endParaRPr lang="en-US" dirty="0"/>
+          </a:p>
+        </p:txBody>
+      </p:sp>
+      <p:sp>
+        <p:nvSpPr>
+          <p:cNvPr id="4" name="Tijdelijke aanduiding voor dianummer 3"/>
+          <p:cNvSpPr>
+            <a:spLocks noGrp="1"/>
+          </p:cNvSpPr>
+          <p:nvPr>
+            <p:ph type="sldNum" sz="quarter" idx="5"/>
+          </p:nvPr>
+        </p:nvSpPr>
+        <p:spPr/>
+        <p:txBody>
+          <a:bodyPr/>
+          <a:lstStyle/>
+          <a:p>
+            <a:fld id="{2831AEBB-41E9-A04A-9C64-38B7EC6FB69A}" type="slidenum">
+              <a:rPr lang="en-GB" smtClean="0"/>
+              <a:t>6</a:t>
+            </a:fld>
+            <a:endParaRPr lang="en-GB"/>
+          </a:p>
+        </p:txBody>
+      </p:sp>
+    </p:spTree>
+    <p:extLst>
+      <p:ext uri="{BB962C8B-B14F-4D97-AF65-F5344CB8AC3E}">
+        <p14:creationId xmlns:p14="http://schemas.microsoft.com/office/powerpoint/2010/main" val="1041384391"/>
+      </p:ext>
+    </p:extLst>
+  </p:cSld>
+  <p:clrMapOvr>
+    <a:masterClrMapping/>
+  </p:clrMapOvr>
+</p:notes>
+</file>
+
+<file path=ppt/notesSlides/notesSlide3.xml><?xml version="1.0" encoding="utf-8"?>
+<p:notes xmlns:a="http://schemas.openxmlformats.org/drawingml/2006/main" xmlns:r="http://schemas.openxmlformats.org/officeDocument/2006/relationships" xmlns:p="http://schemas.openxmlformats.org/presentationml/2006/main">
+  <p:cSld>
+    <p:spTree>
+      <p:nvGrpSpPr>
+        <p:cNvPr id="1" name=""/>
+        <p:cNvGrpSpPr/>
+        <p:nvPr/>
+      </p:nvGrpSpPr>
+      <p:grpSpPr>
+        <a:xfrm>
+          <a:off x="0" y="0"/>
+          <a:ext cx="0" cy="0"/>
+          <a:chOff x="0" y="0"/>
+          <a:chExt cx="0" cy="0"/>
+        </a:xfrm>
+      </p:grpSpPr>
+      <p:sp>
+        <p:nvSpPr>
+          <p:cNvPr id="2" name="Tijdelijke aanduiding voor dia-afbeelding 1"/>
+          <p:cNvSpPr>
+            <a:spLocks noGrp="1" noRot="1" noChangeAspect="1"/>
+          </p:cNvSpPr>
+          <p:nvPr>
+            <p:ph type="sldImg"/>
+          </p:nvPr>
+        </p:nvSpPr>
+        <p:spPr/>
+      </p:sp>
+      <p:sp>
+        <p:nvSpPr>
+          <p:cNvPr id="3" name="Tijdelijke aanduiding voor notities 2"/>
+          <p:cNvSpPr>
+            <a:spLocks noGrp="1"/>
+          </p:cNvSpPr>
+          <p:nvPr>
+            <p:ph type="body" idx="1"/>
+          </p:nvPr>
+        </p:nvSpPr>
+        <p:spPr/>
+        <p:txBody>
+          <a:bodyPr/>
+          <a:lstStyle/>
+          <a:p>
+            <a:endParaRPr lang="en-US" dirty="0"/>
+          </a:p>
+        </p:txBody>
+      </p:sp>
+      <p:sp>
+        <p:nvSpPr>
+          <p:cNvPr id="4" name="Tijdelijke aanduiding voor dianummer 3"/>
+          <p:cNvSpPr>
+            <a:spLocks noGrp="1"/>
+          </p:cNvSpPr>
+          <p:nvPr>
+            <p:ph type="sldNum" sz="quarter" idx="5"/>
+          </p:nvPr>
+        </p:nvSpPr>
+        <p:spPr/>
+        <p:txBody>
+          <a:bodyPr/>
+          <a:lstStyle/>
+          <a:p>
+            <a:fld id="{2831AEBB-41E9-A04A-9C64-38B7EC6FB69A}" type="slidenum">
+              <a:rPr lang="en-GB" smtClean="0"/>
+              <a:t>12</a:t>
+            </a:fld>
+            <a:endParaRPr lang="en-GB"/>
+          </a:p>
+        </p:txBody>
+      </p:sp>
+    </p:spTree>
+    <p:extLst>
+      <p:ext uri="{BB962C8B-B14F-4D97-AF65-F5344CB8AC3E}">
+        <p14:creationId xmlns:p14="http://schemas.microsoft.com/office/powerpoint/2010/main" val="1848860920"/>
       </p:ext>
     </p:extLst>
   </p:cSld>
@@ -4065,6 +4235,495 @@
           <p:cNvPr id="2" name="Titel 1">
             <a:extLst>
               <a:ext uri="{FF2B5EF4-FFF2-40B4-BE49-F238E27FC236}">
+                <a16:creationId xmlns:a16="http://schemas.microsoft.com/office/drawing/2014/main" id="{BDECAEB1-542A-F848-9D2C-B10DFE956AB7}"/>
+              </a:ext>
+            </a:extLst>
+          </p:cNvPr>
+          <p:cNvSpPr>
+            <a:spLocks noGrp="1"/>
+          </p:cNvSpPr>
+          <p:nvPr>
+            <p:ph type="title"/>
+          </p:nvPr>
+        </p:nvSpPr>
+        <p:spPr/>
+        <p:txBody>
+          <a:bodyPr/>
+          <a:lstStyle/>
+          <a:p>
+            <a:r>
+              <a:rPr lang="en-GB" dirty="0"/>
+              <a:t>Hill Climber (Pull moves)</a:t>
+            </a:r>
+          </a:p>
+        </p:txBody>
+      </p:sp>
+      <p:sp>
+        <p:nvSpPr>
+          <p:cNvPr id="3" name="Tijdelijke aanduiding voor inhoud 2">
+            <a:extLst>
+              <a:ext uri="{FF2B5EF4-FFF2-40B4-BE49-F238E27FC236}">
+                <a16:creationId xmlns:a16="http://schemas.microsoft.com/office/drawing/2014/main" id="{6B57B016-94D5-F646-9976-362E7188E1F0}"/>
+              </a:ext>
+            </a:extLst>
+          </p:cNvPr>
+          <p:cNvSpPr>
+            <a:spLocks noGrp="1"/>
+          </p:cNvSpPr>
+          <p:nvPr>
+            <p:ph sz="half" idx="1"/>
+          </p:nvPr>
+        </p:nvSpPr>
+        <p:spPr/>
+        <p:txBody>
+          <a:bodyPr/>
+          <a:lstStyle/>
+          <a:p>
+            <a:r>
+              <a:rPr lang="en-GB" dirty="0"/>
+              <a:t>Iterative algorithm.</a:t>
+            </a:r>
+          </a:p>
+          <a:p>
+            <a:r>
+              <a:rPr lang="en-GB" dirty="0"/>
+              <a:t>Starts with a solution.</a:t>
+            </a:r>
+          </a:p>
+          <a:p>
+            <a:r>
+              <a:rPr lang="en-GB" dirty="0"/>
+              <a:t>Goes through the solution and tries to pull an elements diagonally to increase stability.</a:t>
+            </a:r>
+          </a:p>
+          <a:p>
+            <a:r>
+              <a:rPr lang="en-GB" dirty="0"/>
+              <a:t>Better stability -&gt; new solution.</a:t>
+            </a:r>
+          </a:p>
+          <a:p>
+            <a:r>
+              <a:rPr lang="en-GB" dirty="0"/>
+              <a:t>Worse stability -&gt; old solution.</a:t>
+            </a:r>
+          </a:p>
+          <a:p>
+            <a:r>
+              <a:rPr lang="en-GB" dirty="0"/>
+              <a:t>Repeat until stability converges.</a:t>
+            </a:r>
+          </a:p>
+        </p:txBody>
+      </p:sp>
+      <p:sp>
+        <p:nvSpPr>
+          <p:cNvPr id="4" name="Tijdelijke aanduiding voor dianummer 3">
+            <a:extLst>
+              <a:ext uri="{FF2B5EF4-FFF2-40B4-BE49-F238E27FC236}">
+                <a16:creationId xmlns:a16="http://schemas.microsoft.com/office/drawing/2014/main" id="{B78FA2CF-309C-7741-B78B-29A8D3C4359F}"/>
+              </a:ext>
+            </a:extLst>
+          </p:cNvPr>
+          <p:cNvSpPr>
+            <a:spLocks noGrp="1"/>
+          </p:cNvSpPr>
+          <p:nvPr>
+            <p:ph type="sldNum" sz="quarter" idx="12"/>
+          </p:nvPr>
+        </p:nvSpPr>
+        <p:spPr/>
+        <p:txBody>
+          <a:bodyPr/>
+          <a:lstStyle/>
+          <a:p>
+            <a:fld id="{D1892F8F-5571-E246-B053-E27A62D47BEF}" type="slidenum">
+              <a:rPr lang="en-GB" smtClean="0"/>
+              <a:t>12</a:t>
+            </a:fld>
+            <a:endParaRPr lang="en-GB"/>
+          </a:p>
+        </p:txBody>
+      </p:sp>
+      <p:pic>
+        <p:nvPicPr>
+          <p:cNvPr id="1026" name="Picture 2" descr="Pull move transformation for HP sequence HHHP HP P P P P H at position 3">
+            <a:extLst>
+              <a:ext uri="{FF2B5EF4-FFF2-40B4-BE49-F238E27FC236}">
+                <a16:creationId xmlns:a16="http://schemas.microsoft.com/office/drawing/2014/main" id="{212985C8-7720-450F-82AE-5163C9E5109D}"/>
+              </a:ext>
+            </a:extLst>
+          </p:cNvPr>
+          <p:cNvPicPr>
+            <a:picLocks noGrp="1" noChangeAspect="1" noChangeArrowheads="1"/>
+          </p:cNvPicPr>
+          <p:nvPr>
+            <p:ph sz="half" idx="2"/>
+          </p:nvPr>
+        </p:nvPicPr>
+        <p:blipFill>
+          <a:blip r:embed="rId3">
+            <a:extLst>
+              <a:ext uri="{28A0092B-C50C-407E-A947-70E740481C1C}">
+                <a14:useLocalDpi xmlns:a14="http://schemas.microsoft.com/office/drawing/2010/main" val="0"/>
+              </a:ext>
+            </a:extLst>
+          </a:blip>
+          <a:srcRect/>
+          <a:stretch>
+            <a:fillRect/>
+          </a:stretch>
+        </p:blipFill>
+        <p:spPr bwMode="auto">
+          <a:xfrm>
+            <a:off x="6381750" y="2431978"/>
+            <a:ext cx="4762500" cy="2381250"/>
+          </a:xfrm>
+          <a:prstGeom prst="rect">
+            <a:avLst/>
+          </a:prstGeom>
+          <a:noFill/>
+          <a:extLst>
+            <a:ext uri="{909E8E84-426E-40DD-AFC4-6F175D3DCCD1}">
+              <a14:hiddenFill xmlns:a14="http://schemas.microsoft.com/office/drawing/2010/main">
+                <a:solidFill>
+                  <a:srgbClr val="FFFFFF"/>
+                </a:solidFill>
+              </a14:hiddenFill>
+            </a:ext>
+          </a:extLst>
+        </p:spPr>
+      </p:pic>
+      <p:sp>
+        <p:nvSpPr>
+          <p:cNvPr id="8" name="Tekstvak 7">
+            <a:extLst>
+              <a:ext uri="{FF2B5EF4-FFF2-40B4-BE49-F238E27FC236}">
+                <a16:creationId xmlns:a16="http://schemas.microsoft.com/office/drawing/2014/main" id="{D16F468E-B7DB-480A-896A-9213A792B403}"/>
+              </a:ext>
+            </a:extLst>
+          </p:cNvPr>
+          <p:cNvSpPr txBox="1"/>
+          <p:nvPr/>
+        </p:nvSpPr>
+        <p:spPr>
+          <a:xfrm>
+            <a:off x="1098550" y="6032500"/>
+            <a:ext cx="10185400" cy="646331"/>
+          </a:xfrm>
+          <a:prstGeom prst="rect">
+            <a:avLst/>
+          </a:prstGeom>
+          <a:noFill/>
+        </p:spPr>
+        <p:txBody>
+          <a:bodyPr wrap="square" rtlCol="0">
+            <a:spAutoFit/>
+          </a:bodyPr>
+          <a:lstStyle/>
+          <a:p>
+            <a:r>
+              <a:rPr lang="en-US" dirty="0"/>
+              <a:t>Source: </a:t>
+            </a:r>
+            <a:r>
+              <a:rPr lang="en-US" dirty="0" err="1"/>
+              <a:t>Chira</a:t>
+            </a:r>
+            <a:r>
+              <a:rPr lang="en-US" dirty="0"/>
+              <a:t>, Camelia. "Hill-climbing search in evolutionary models for protein folding simulations." </a:t>
+            </a:r>
+            <a:r>
+              <a:rPr lang="en-US" i="1" dirty="0"/>
+              <a:t>Stud Univ Babe\c s-</a:t>
+            </a:r>
+            <a:r>
+              <a:rPr lang="en-US" i="1" dirty="0" err="1"/>
+              <a:t>Bolyai</a:t>
+            </a:r>
+            <a:r>
+              <a:rPr lang="en-US" i="1" dirty="0"/>
+              <a:t> Inform</a:t>
+            </a:r>
+            <a:r>
+              <a:rPr lang="en-US" dirty="0"/>
+              <a:t> 55 (2010): 29-40.</a:t>
+            </a:r>
+          </a:p>
+        </p:txBody>
+      </p:sp>
+    </p:spTree>
+    <p:extLst>
+      <p:ext uri="{BB962C8B-B14F-4D97-AF65-F5344CB8AC3E}">
+        <p14:creationId xmlns:p14="http://schemas.microsoft.com/office/powerpoint/2010/main" val="2815858668"/>
+      </p:ext>
+    </p:extLst>
+  </p:cSld>
+  <p:clrMapOvr>
+    <a:masterClrMapping/>
+  </p:clrMapOvr>
+</p:sld>
+</file>
+
+<file path=ppt/slides/slide13.xml><?xml version="1.0" encoding="utf-8"?>
+<p:sld xmlns:a="http://schemas.openxmlformats.org/drawingml/2006/main" xmlns:r="http://schemas.openxmlformats.org/officeDocument/2006/relationships" xmlns:p="http://schemas.openxmlformats.org/presentationml/2006/main">
+  <p:cSld>
+    <p:spTree>
+      <p:nvGrpSpPr>
+        <p:cNvPr id="1" name=""/>
+        <p:cNvGrpSpPr/>
+        <p:nvPr/>
+      </p:nvGrpSpPr>
+      <p:grpSpPr>
+        <a:xfrm>
+          <a:off x="0" y="0"/>
+          <a:ext cx="0" cy="0"/>
+          <a:chOff x="0" y="0"/>
+          <a:chExt cx="0" cy="0"/>
+        </a:xfrm>
+      </p:grpSpPr>
+      <p:sp>
+        <p:nvSpPr>
+          <p:cNvPr id="2" name="Titel 1">
+            <a:extLst>
+              <a:ext uri="{FF2B5EF4-FFF2-40B4-BE49-F238E27FC236}">
+                <a16:creationId xmlns:a16="http://schemas.microsoft.com/office/drawing/2014/main" id="{BDECAEB1-542A-F848-9D2C-B10DFE956AB7}"/>
+              </a:ext>
+            </a:extLst>
+          </p:cNvPr>
+          <p:cNvSpPr>
+            <a:spLocks noGrp="1"/>
+          </p:cNvSpPr>
+          <p:nvPr>
+            <p:ph type="title"/>
+          </p:nvPr>
+        </p:nvSpPr>
+        <p:spPr>
+          <a:xfrm>
+            <a:off x="8444204" y="640081"/>
+            <a:ext cx="3141664" cy="5574451"/>
+          </a:xfrm>
+        </p:spPr>
+        <p:txBody>
+          <a:bodyPr vert="horz" lIns="91440" tIns="45720" rIns="91440" bIns="45720" rtlCol="0" anchor="ctr">
+            <a:normAutofit/>
+          </a:bodyPr>
+          <a:lstStyle/>
+          <a:p>
+            <a:r>
+              <a:rPr lang="en-US" sz="3700" kern="1200">
+                <a:solidFill>
+                  <a:schemeClr val="tx1"/>
+                </a:solidFill>
+                <a:latin typeface="+mj-lt"/>
+                <a:ea typeface="+mj-ea"/>
+                <a:cs typeface="+mj-cs"/>
+              </a:rPr>
+              <a:t>BENCHMARKS + RESULTS EHA+</a:t>
+            </a:r>
+          </a:p>
+        </p:txBody>
+      </p:sp>
+      <p:sp>
+        <p:nvSpPr>
+          <p:cNvPr id="4" name="Tijdelijke aanduiding voor dianummer 3">
+            <a:extLst>
+              <a:ext uri="{FF2B5EF4-FFF2-40B4-BE49-F238E27FC236}">
+                <a16:creationId xmlns:a16="http://schemas.microsoft.com/office/drawing/2014/main" id="{B78FA2CF-309C-7741-B78B-29A8D3C4359F}"/>
+              </a:ext>
+            </a:extLst>
+          </p:cNvPr>
+          <p:cNvSpPr>
+            <a:spLocks noGrp="1"/>
+          </p:cNvSpPr>
+          <p:nvPr>
+            <p:ph type="sldNum" sz="quarter" idx="12"/>
+          </p:nvPr>
+        </p:nvSpPr>
+        <p:spPr>
+          <a:xfrm>
+            <a:off x="10617958" y="6356350"/>
+            <a:ext cx="967910" cy="365125"/>
+          </a:xfrm>
+        </p:spPr>
+        <p:txBody>
+          <a:bodyPr vert="horz" lIns="91440" tIns="45720" rIns="91440" bIns="45720" rtlCol="0" anchor="ctr">
+            <a:normAutofit/>
+          </a:bodyPr>
+          <a:lstStyle/>
+          <a:p>
+            <a:pPr defTabSz="914400">
+              <a:spcAft>
+                <a:spcPts val="600"/>
+              </a:spcAft>
+            </a:pPr>
+            <a:fld id="{D1892F8F-5571-E246-B053-E27A62D47BEF}" type="slidenum">
+              <a:rPr lang="en-US" smtClean="0"/>
+              <a:pPr defTabSz="914400">
+                <a:spcAft>
+                  <a:spcPts val="600"/>
+                </a:spcAft>
+              </a:pPr>
+              <a:t>13</a:t>
+            </a:fld>
+            <a:endParaRPr lang="en-US"/>
+          </a:p>
+        </p:txBody>
+      </p:sp>
+      <p:pic>
+        <p:nvPicPr>
+          <p:cNvPr id="8" name="Tijdelijke aanduiding voor inhoud 7" descr="Afbeelding met tekst, kaart&#10;&#10;Automatisch gegenereerde beschrijving">
+            <a:extLst>
+              <a:ext uri="{FF2B5EF4-FFF2-40B4-BE49-F238E27FC236}">
+                <a16:creationId xmlns:a16="http://schemas.microsoft.com/office/drawing/2014/main" id="{1A7827B2-B526-4ADE-8C96-37EEA803F3C0}"/>
+              </a:ext>
+            </a:extLst>
+          </p:cNvPr>
+          <p:cNvPicPr>
+            <a:picLocks noGrp="1" noChangeAspect="1"/>
+          </p:cNvPicPr>
+          <p:nvPr>
+            <p:ph sz="half" idx="1"/>
+          </p:nvPr>
+        </p:nvPicPr>
+        <p:blipFill>
+          <a:blip r:embed="rId2"/>
+          <a:stretch>
+            <a:fillRect/>
+          </a:stretch>
+        </p:blipFill>
+        <p:spPr>
+          <a:xfrm>
+            <a:off x="4292600" y="3168650"/>
+            <a:ext cx="3794125" cy="2979738"/>
+          </a:xfrm>
+        </p:spPr>
+      </p:pic>
+      <p:pic>
+        <p:nvPicPr>
+          <p:cNvPr id="10" name="Tijdelijke aanduiding voor inhoud 9" descr="Afbeelding met tekst&#10;&#10;Automatisch gegenereerde beschrijving">
+            <a:extLst>
+              <a:ext uri="{FF2B5EF4-FFF2-40B4-BE49-F238E27FC236}">
+                <a16:creationId xmlns:a16="http://schemas.microsoft.com/office/drawing/2014/main" id="{DC6E093C-B2FD-4736-A2D9-98FE7ED8D4DE}"/>
+              </a:ext>
+            </a:extLst>
+          </p:cNvPr>
+          <p:cNvPicPr>
+            <a:picLocks noGrp="1" noChangeAspect="1"/>
+          </p:cNvPicPr>
+          <p:nvPr>
+            <p:ph sz="half" idx="2"/>
+          </p:nvPr>
+        </p:nvPicPr>
+        <p:blipFill>
+          <a:blip r:embed="rId3"/>
+          <a:stretch>
+            <a:fillRect/>
+          </a:stretch>
+        </p:blipFill>
+        <p:spPr>
+          <a:xfrm>
+            <a:off x="684213" y="3641725"/>
+            <a:ext cx="3525838" cy="2506663"/>
+          </a:xfrm>
+        </p:spPr>
+      </p:pic>
+      <p:pic>
+        <p:nvPicPr>
+          <p:cNvPr id="6" name="Afbeelding 5">
+            <a:extLst>
+              <a:ext uri="{FF2B5EF4-FFF2-40B4-BE49-F238E27FC236}">
+                <a16:creationId xmlns:a16="http://schemas.microsoft.com/office/drawing/2014/main" id="{14ACF73F-4FD7-4A15-A204-B7DB08E97EB2}"/>
+              </a:ext>
+            </a:extLst>
+          </p:cNvPr>
+          <p:cNvPicPr>
+            <a:picLocks noChangeAspect="1"/>
+          </p:cNvPicPr>
+          <p:nvPr/>
+        </p:nvPicPr>
+        <p:blipFill>
+          <a:blip r:embed="rId4"/>
+          <a:stretch>
+            <a:fillRect/>
+          </a:stretch>
+        </p:blipFill>
+        <p:spPr>
+          <a:xfrm>
+            <a:off x="4292600" y="703263"/>
+            <a:ext cx="3794125" cy="2382838"/>
+          </a:xfrm>
+          <a:prstGeom prst="rect">
+            <a:avLst/>
+          </a:prstGeom>
+        </p:spPr>
+      </p:pic>
+      <p:pic>
+        <p:nvPicPr>
+          <p:cNvPr id="5" name="Afbeelding 4">
+            <a:extLst>
+              <a:ext uri="{FF2B5EF4-FFF2-40B4-BE49-F238E27FC236}">
+                <a16:creationId xmlns:a16="http://schemas.microsoft.com/office/drawing/2014/main" id="{0B5FABA5-910A-4CCA-AEA1-D980676EECB7}"/>
+              </a:ext>
+            </a:extLst>
+          </p:cNvPr>
+          <p:cNvPicPr>
+            <a:picLocks noChangeAspect="1"/>
+          </p:cNvPicPr>
+          <p:nvPr/>
+        </p:nvPicPr>
+        <p:blipFill>
+          <a:blip r:embed="rId5"/>
+          <a:stretch>
+            <a:fillRect/>
+          </a:stretch>
+        </p:blipFill>
+        <p:spPr>
+          <a:xfrm>
+            <a:off x="684213" y="703263"/>
+            <a:ext cx="3525838" cy="2855913"/>
+          </a:xfrm>
+          <a:prstGeom prst="rect">
+            <a:avLst/>
+          </a:prstGeom>
+        </p:spPr>
+      </p:pic>
+    </p:spTree>
+    <p:extLst>
+      <p:ext uri="{BB962C8B-B14F-4D97-AF65-F5344CB8AC3E}">
+        <p14:creationId xmlns:p14="http://schemas.microsoft.com/office/powerpoint/2010/main" val="3323132485"/>
+      </p:ext>
+    </p:extLst>
+  </p:cSld>
+  <p:clrMapOvr>
+    <a:masterClrMapping/>
+  </p:clrMapOvr>
+</p:sld>
+</file>
+
+<file path=ppt/slides/slide14.xml><?xml version="1.0" encoding="utf-8"?>
+<p:sld xmlns:a="http://schemas.openxmlformats.org/drawingml/2006/main" xmlns:r="http://schemas.openxmlformats.org/officeDocument/2006/relationships" xmlns:p="http://schemas.openxmlformats.org/presentationml/2006/main">
+  <p:cSld>
+    <p:spTree>
+      <p:nvGrpSpPr>
+        <p:cNvPr id="1" name=""/>
+        <p:cNvGrpSpPr/>
+        <p:nvPr/>
+      </p:nvGrpSpPr>
+      <p:grpSpPr>
+        <a:xfrm>
+          <a:off x="0" y="0"/>
+          <a:ext cx="0" cy="0"/>
+          <a:chOff x="0" y="0"/>
+          <a:chExt cx="0" cy="0"/>
+        </a:xfrm>
+      </p:grpSpPr>
+      <p:sp>
+        <p:nvSpPr>
+          <p:cNvPr id="2" name="Titel 1">
+            <a:extLst>
+              <a:ext uri="{FF2B5EF4-FFF2-40B4-BE49-F238E27FC236}">
                 <a16:creationId xmlns:a16="http://schemas.microsoft.com/office/drawing/2014/main" id="{26D56270-1C1B-4B1E-BC4F-ACC759B672F7}"/>
               </a:ext>
             </a:extLst>
@@ -4238,7 +4897,7 @@
           <a:p>
             <a:fld id="{D1892F8F-5571-E246-B053-E27A62D47BEF}" type="slidenum">
               <a:rPr lang="en-GB" smtClean="0"/>
-              <a:t>12</a:t>
+              <a:t>14</a:t>
             </a:fld>
             <a:endParaRPr lang="en-GB"/>
           </a:p>
@@ -4569,7 +5228,7 @@
 </p:sld>
 </file>
 
-<file path=ppt/slides/slide13.xml><?xml version="1.0" encoding="utf-8"?>
+<file path=ppt/slides/slide15.xml><?xml version="1.0" encoding="utf-8"?>
 <p:sld xmlns:a="http://schemas.openxmlformats.org/drawingml/2006/main" xmlns:r="http://schemas.openxmlformats.org/officeDocument/2006/relationships" xmlns:p="http://schemas.openxmlformats.org/presentationml/2006/main">
   <p:cSld>
     <p:spTree>
@@ -4830,7 +5489,7 @@
           <a:p>
             <a:fld id="{D1892F8F-5571-E246-B053-E27A62D47BEF}" type="slidenum">
               <a:rPr lang="en-GB" smtClean="0"/>
-              <a:t>13</a:t>
+              <a:t>15</a:t>
             </a:fld>
             <a:endParaRPr lang="en-GB"/>
           </a:p>
@@ -4849,7 +5508,7 @@
 </p:sld>
 </file>
 
-<file path=ppt/slides/slide14.xml><?xml version="1.0" encoding="utf-8"?>
+<file path=ppt/slides/slide16.xml><?xml version="1.0" encoding="utf-8"?>
 <p:sld xmlns:a="http://schemas.openxmlformats.org/drawingml/2006/main" xmlns:r="http://schemas.openxmlformats.org/officeDocument/2006/relationships" xmlns:p="http://schemas.openxmlformats.org/presentationml/2006/main">
   <p:cSld>
     <p:spTree>
@@ -6127,7 +6786,7 @@
           <a:p>
             <a:fld id="{D1892F8F-5571-E246-B053-E27A62D47BEF}" type="slidenum">
               <a:rPr lang="en-GB" smtClean="0"/>
-              <a:t>14</a:t>
+              <a:t>16</a:t>
             </a:fld>
             <a:endParaRPr lang="en-GB"/>
           </a:p>
@@ -6328,7 +6987,7 @@
 </p:sld>
 </file>
 
-<file path=ppt/slides/slide15.xml><?xml version="1.0" encoding="utf-8"?>
+<file path=ppt/slides/slide17.xml><?xml version="1.0" encoding="utf-8"?>
 <p:sld xmlns:a="http://schemas.openxmlformats.org/drawingml/2006/main" xmlns:r="http://schemas.openxmlformats.org/officeDocument/2006/relationships" xmlns:p="http://schemas.openxmlformats.org/presentationml/2006/main">
   <p:cSld>
     <p:spTree>
@@ -6426,7 +7085,7 @@
           <a:p>
             <a:fld id="{D1892F8F-5571-E246-B053-E27A62D47BEF}" type="slidenum">
               <a:rPr lang="en-GB" smtClean="0"/>
-              <a:t>15</a:t>
+              <a:t>17</a:t>
             </a:fld>
             <a:endParaRPr lang="en-GB"/>
           </a:p>
@@ -7340,6 +7999,24 @@
               <a:t>Greedy</a:t>
             </a:r>
           </a:p>
+          <a:p>
+            <a:pPr lvl="1"/>
+            <a:r>
+              <a:rPr lang="en-GB" dirty="0"/>
+              <a:t>Extended Heuristic Algorithm</a:t>
+            </a:r>
+          </a:p>
+          <a:p>
+            <a:pPr lvl="1"/>
+            <a:r>
+              <a:rPr lang="en-GB" dirty="0"/>
+              <a:t>Breadth-first: Beam Search</a:t>
+            </a:r>
+          </a:p>
+          <a:p>
+            <a:pPr lvl="1"/>
+            <a:endParaRPr lang="en-GB" dirty="0"/>
+          </a:p>
         </p:txBody>
       </p:sp>
       <p:sp>
@@ -7372,14 +8049,7 @@
             <a:pPr lvl="1"/>
             <a:r>
               <a:rPr lang="en-GB" dirty="0"/>
-              <a:t>Extended Heuristic Algorithm</a:t>
-            </a:r>
-          </a:p>
-          <a:p>
-            <a:pPr lvl="1"/>
-            <a:r>
-              <a:rPr lang="en-GB" dirty="0"/>
-              <a:t>Breadth-first: Beam Search</a:t>
+              <a:t>Hill Climber (pull moves)</a:t>
             </a:r>
           </a:p>
           <a:p>
@@ -7420,7 +8090,7 @@
     </p:spTree>
     <p:extLst>
       <p:ext uri="{BB962C8B-B14F-4D97-AF65-F5344CB8AC3E}">
-        <p14:creationId xmlns:p14="http://schemas.microsoft.com/office/powerpoint/2010/main" val="4118444954"/>
+        <p14:creationId xmlns:p14="http://schemas.microsoft.com/office/powerpoint/2010/main" val="580731881"/>
       </p:ext>
     </p:extLst>
   </p:cSld>

--- a/Documentation/PPP, Week 2, Meeting 1.pptx
+++ b/Documentation/PPP, Week 2, Meeting 1.pptx
@@ -5,7 +5,7 @@
     <p:sldMasterId id="2147483672" r:id="rId1"/>
   </p:sldMasterIdLst>
   <p:notesMasterIdLst>
-    <p:notesMasterId r:id="rId19"/>
+    <p:notesMasterId r:id="rId20"/>
   </p:notesMasterIdLst>
   <p:sldIdLst>
     <p:sldId id="256" r:id="rId2"/>
@@ -20,11 +20,12 @@
     <p:sldId id="281" r:id="rId11"/>
     <p:sldId id="282" r:id="rId12"/>
     <p:sldId id="286" r:id="rId13"/>
-    <p:sldId id="287" r:id="rId14"/>
-    <p:sldId id="274" r:id="rId15"/>
-    <p:sldId id="275" r:id="rId16"/>
-    <p:sldId id="276" r:id="rId17"/>
-    <p:sldId id="265" r:id="rId18"/>
+    <p:sldId id="274" r:id="rId14"/>
+    <p:sldId id="275" r:id="rId15"/>
+    <p:sldId id="288" r:id="rId16"/>
+    <p:sldId id="289" r:id="rId17"/>
+    <p:sldId id="276" r:id="rId18"/>
+    <p:sldId id="265" r:id="rId19"/>
   </p:sldIdLst>
   <p:sldSz cx="12192000" cy="6858000"/>
   <p:notesSz cx="6858000" cy="9144000"/>
@@ -4117,7 +4118,7 @@
           <a:p>
             <a:r>
               <a:rPr lang="en-GB" dirty="0"/>
-              <a:t>From selected n moves, go 1 level deeper and repeat up until maximum depth.</a:t>
+              <a:t>Best moves based on stability, random discard</a:t>
             </a:r>
           </a:p>
         </p:txBody>
@@ -4488,242 +4489,6 @@
           <p:cNvPr id="2" name="Titel 1">
             <a:extLst>
               <a:ext uri="{FF2B5EF4-FFF2-40B4-BE49-F238E27FC236}">
-                <a16:creationId xmlns:a16="http://schemas.microsoft.com/office/drawing/2014/main" id="{BDECAEB1-542A-F848-9D2C-B10DFE956AB7}"/>
-              </a:ext>
-            </a:extLst>
-          </p:cNvPr>
-          <p:cNvSpPr>
-            <a:spLocks noGrp="1"/>
-          </p:cNvSpPr>
-          <p:nvPr>
-            <p:ph type="title"/>
-          </p:nvPr>
-        </p:nvSpPr>
-        <p:spPr>
-          <a:xfrm>
-            <a:off x="8444204" y="640081"/>
-            <a:ext cx="3141664" cy="5574451"/>
-          </a:xfrm>
-        </p:spPr>
-        <p:txBody>
-          <a:bodyPr vert="horz" lIns="91440" tIns="45720" rIns="91440" bIns="45720" rtlCol="0" anchor="ctr">
-            <a:normAutofit/>
-          </a:bodyPr>
-          <a:lstStyle/>
-          <a:p>
-            <a:r>
-              <a:rPr lang="en-US" sz="3700" kern="1200">
-                <a:solidFill>
-                  <a:schemeClr val="tx1"/>
-                </a:solidFill>
-                <a:latin typeface="+mj-lt"/>
-                <a:ea typeface="+mj-ea"/>
-                <a:cs typeface="+mj-cs"/>
-              </a:rPr>
-              <a:t>BENCHMARKS + RESULTS EHA+</a:t>
-            </a:r>
-          </a:p>
-        </p:txBody>
-      </p:sp>
-      <p:sp>
-        <p:nvSpPr>
-          <p:cNvPr id="4" name="Tijdelijke aanduiding voor dianummer 3">
-            <a:extLst>
-              <a:ext uri="{FF2B5EF4-FFF2-40B4-BE49-F238E27FC236}">
-                <a16:creationId xmlns:a16="http://schemas.microsoft.com/office/drawing/2014/main" id="{B78FA2CF-309C-7741-B78B-29A8D3C4359F}"/>
-              </a:ext>
-            </a:extLst>
-          </p:cNvPr>
-          <p:cNvSpPr>
-            <a:spLocks noGrp="1"/>
-          </p:cNvSpPr>
-          <p:nvPr>
-            <p:ph type="sldNum" sz="quarter" idx="12"/>
-          </p:nvPr>
-        </p:nvSpPr>
-        <p:spPr>
-          <a:xfrm>
-            <a:off x="10617958" y="6356350"/>
-            <a:ext cx="967910" cy="365125"/>
-          </a:xfrm>
-        </p:spPr>
-        <p:txBody>
-          <a:bodyPr vert="horz" lIns="91440" tIns="45720" rIns="91440" bIns="45720" rtlCol="0" anchor="ctr">
-            <a:normAutofit/>
-          </a:bodyPr>
-          <a:lstStyle/>
-          <a:p>
-            <a:pPr defTabSz="914400">
-              <a:spcAft>
-                <a:spcPts val="600"/>
-              </a:spcAft>
-            </a:pPr>
-            <a:fld id="{D1892F8F-5571-E246-B053-E27A62D47BEF}" type="slidenum">
-              <a:rPr lang="en-US" smtClean="0"/>
-              <a:pPr defTabSz="914400">
-                <a:spcAft>
-                  <a:spcPts val="600"/>
-                </a:spcAft>
-              </a:pPr>
-              <a:t>13</a:t>
-            </a:fld>
-            <a:endParaRPr lang="en-US"/>
-          </a:p>
-        </p:txBody>
-      </p:sp>
-      <p:pic>
-        <p:nvPicPr>
-          <p:cNvPr id="8" name="Tijdelijke aanduiding voor inhoud 7" descr="Afbeelding met tekst, kaart&#10;&#10;Automatisch gegenereerde beschrijving">
-            <a:extLst>
-              <a:ext uri="{FF2B5EF4-FFF2-40B4-BE49-F238E27FC236}">
-                <a16:creationId xmlns:a16="http://schemas.microsoft.com/office/drawing/2014/main" id="{1A7827B2-B526-4ADE-8C96-37EEA803F3C0}"/>
-              </a:ext>
-            </a:extLst>
-          </p:cNvPr>
-          <p:cNvPicPr>
-            <a:picLocks noGrp="1" noChangeAspect="1"/>
-          </p:cNvPicPr>
-          <p:nvPr>
-            <p:ph sz="half" idx="1"/>
-          </p:nvPr>
-        </p:nvPicPr>
-        <p:blipFill>
-          <a:blip r:embed="rId2"/>
-          <a:stretch>
-            <a:fillRect/>
-          </a:stretch>
-        </p:blipFill>
-        <p:spPr>
-          <a:xfrm>
-            <a:off x="4292600" y="3168650"/>
-            <a:ext cx="3794125" cy="2979738"/>
-          </a:xfrm>
-        </p:spPr>
-      </p:pic>
-      <p:pic>
-        <p:nvPicPr>
-          <p:cNvPr id="10" name="Tijdelijke aanduiding voor inhoud 9" descr="Afbeelding met tekst&#10;&#10;Automatisch gegenereerde beschrijving">
-            <a:extLst>
-              <a:ext uri="{FF2B5EF4-FFF2-40B4-BE49-F238E27FC236}">
-                <a16:creationId xmlns:a16="http://schemas.microsoft.com/office/drawing/2014/main" id="{DC6E093C-B2FD-4736-A2D9-98FE7ED8D4DE}"/>
-              </a:ext>
-            </a:extLst>
-          </p:cNvPr>
-          <p:cNvPicPr>
-            <a:picLocks noGrp="1" noChangeAspect="1"/>
-          </p:cNvPicPr>
-          <p:nvPr>
-            <p:ph sz="half" idx="2"/>
-          </p:nvPr>
-        </p:nvPicPr>
-        <p:blipFill>
-          <a:blip r:embed="rId3"/>
-          <a:stretch>
-            <a:fillRect/>
-          </a:stretch>
-        </p:blipFill>
-        <p:spPr>
-          <a:xfrm>
-            <a:off x="684213" y="3641725"/>
-            <a:ext cx="3525838" cy="2506663"/>
-          </a:xfrm>
-        </p:spPr>
-      </p:pic>
-      <p:pic>
-        <p:nvPicPr>
-          <p:cNvPr id="6" name="Afbeelding 5">
-            <a:extLst>
-              <a:ext uri="{FF2B5EF4-FFF2-40B4-BE49-F238E27FC236}">
-                <a16:creationId xmlns:a16="http://schemas.microsoft.com/office/drawing/2014/main" id="{14ACF73F-4FD7-4A15-A204-B7DB08E97EB2}"/>
-              </a:ext>
-            </a:extLst>
-          </p:cNvPr>
-          <p:cNvPicPr>
-            <a:picLocks noChangeAspect="1"/>
-          </p:cNvPicPr>
-          <p:nvPr/>
-        </p:nvPicPr>
-        <p:blipFill>
-          <a:blip r:embed="rId4"/>
-          <a:stretch>
-            <a:fillRect/>
-          </a:stretch>
-        </p:blipFill>
-        <p:spPr>
-          <a:xfrm>
-            <a:off x="4292600" y="703263"/>
-            <a:ext cx="3794125" cy="2382838"/>
-          </a:xfrm>
-          <a:prstGeom prst="rect">
-            <a:avLst/>
-          </a:prstGeom>
-        </p:spPr>
-      </p:pic>
-      <p:pic>
-        <p:nvPicPr>
-          <p:cNvPr id="5" name="Afbeelding 4">
-            <a:extLst>
-              <a:ext uri="{FF2B5EF4-FFF2-40B4-BE49-F238E27FC236}">
-                <a16:creationId xmlns:a16="http://schemas.microsoft.com/office/drawing/2014/main" id="{0B5FABA5-910A-4CCA-AEA1-D980676EECB7}"/>
-              </a:ext>
-            </a:extLst>
-          </p:cNvPr>
-          <p:cNvPicPr>
-            <a:picLocks noChangeAspect="1"/>
-          </p:cNvPicPr>
-          <p:nvPr/>
-        </p:nvPicPr>
-        <p:blipFill>
-          <a:blip r:embed="rId5"/>
-          <a:stretch>
-            <a:fillRect/>
-          </a:stretch>
-        </p:blipFill>
-        <p:spPr>
-          <a:xfrm>
-            <a:off x="684213" y="703263"/>
-            <a:ext cx="3525838" cy="2855913"/>
-          </a:xfrm>
-          <a:prstGeom prst="rect">
-            <a:avLst/>
-          </a:prstGeom>
-        </p:spPr>
-      </p:pic>
-    </p:spTree>
-    <p:extLst>
-      <p:ext uri="{BB962C8B-B14F-4D97-AF65-F5344CB8AC3E}">
-        <p14:creationId xmlns:p14="http://schemas.microsoft.com/office/powerpoint/2010/main" val="3323132485"/>
-      </p:ext>
-    </p:extLst>
-  </p:cSld>
-  <p:clrMapOvr>
-    <a:masterClrMapping/>
-  </p:clrMapOvr>
-</p:sld>
-</file>
-
-<file path=ppt/slides/slide14.xml><?xml version="1.0" encoding="utf-8"?>
-<p:sld xmlns:a="http://schemas.openxmlformats.org/drawingml/2006/main" xmlns:r="http://schemas.openxmlformats.org/officeDocument/2006/relationships" xmlns:p="http://schemas.openxmlformats.org/presentationml/2006/main">
-  <p:cSld>
-    <p:spTree>
-      <p:nvGrpSpPr>
-        <p:cNvPr id="1" name=""/>
-        <p:cNvGrpSpPr/>
-        <p:nvPr/>
-      </p:nvGrpSpPr>
-      <p:grpSpPr>
-        <a:xfrm>
-          <a:off x="0" y="0"/>
-          <a:ext cx="0" cy="0"/>
-          <a:chOff x="0" y="0"/>
-          <a:chExt cx="0" cy="0"/>
-        </a:xfrm>
-      </p:grpSpPr>
-      <p:sp>
-        <p:nvSpPr>
-          <p:cNvPr id="2" name="Titel 1">
-            <a:extLst>
-              <a:ext uri="{FF2B5EF4-FFF2-40B4-BE49-F238E27FC236}">
                 <a16:creationId xmlns:a16="http://schemas.microsoft.com/office/drawing/2014/main" id="{26D56270-1C1B-4B1E-BC4F-ACC759B672F7}"/>
               </a:ext>
             </a:extLst>
@@ -4751,14 +4516,7 @@
             </a:r>
             <a:r>
               <a:rPr lang="nl-NL" dirty="0"/>
-              <a:t> – State</a:t>
-            </a:r>
-            <a:br>
-              <a:rPr lang="nl-NL" dirty="0"/>
-            </a:br>
-            <a:r>
-              <a:rPr lang="nl-NL" dirty="0"/>
-              <a:t>Space check</a:t>
+              <a:t> – State Space check</a:t>
             </a:r>
             <a:endParaRPr lang="en-GB" dirty="0"/>
           </a:p>
@@ -4897,7 +4655,7 @@
           <a:p>
             <a:fld id="{D1892F8F-5571-E246-B053-E27A62D47BEF}" type="slidenum">
               <a:rPr lang="en-GB" smtClean="0"/>
-              <a:t>14</a:t>
+              <a:t>13</a:t>
             </a:fld>
             <a:endParaRPr lang="en-GB"/>
           </a:p>
@@ -5228,6 +4986,278 @@
 </p:sld>
 </file>
 
+<file path=ppt/slides/slide14.xml><?xml version="1.0" encoding="utf-8"?>
+<p:sld xmlns:a="http://schemas.openxmlformats.org/drawingml/2006/main" xmlns:r="http://schemas.openxmlformats.org/officeDocument/2006/relationships" xmlns:p="http://schemas.openxmlformats.org/presentationml/2006/main">
+  <p:cSld>
+    <p:spTree>
+      <p:nvGrpSpPr>
+        <p:cNvPr id="1" name=""/>
+        <p:cNvGrpSpPr/>
+        <p:nvPr/>
+      </p:nvGrpSpPr>
+      <p:grpSpPr>
+        <a:xfrm>
+          <a:off x="0" y="0"/>
+          <a:ext cx="0" cy="0"/>
+          <a:chOff x="0" y="0"/>
+          <a:chExt cx="0" cy="0"/>
+        </a:xfrm>
+      </p:grpSpPr>
+      <p:sp>
+        <p:nvSpPr>
+          <p:cNvPr id="2" name="Titel 1">
+            <a:extLst>
+              <a:ext uri="{FF2B5EF4-FFF2-40B4-BE49-F238E27FC236}">
+                <a16:creationId xmlns:a16="http://schemas.microsoft.com/office/drawing/2014/main" id="{5C770520-98CE-4CE6-ACD0-072593328459}"/>
+              </a:ext>
+            </a:extLst>
+          </p:cNvPr>
+          <p:cNvSpPr>
+            <a:spLocks noGrp="1"/>
+          </p:cNvSpPr>
+          <p:nvPr>
+            <p:ph type="title"/>
+          </p:nvPr>
+        </p:nvSpPr>
+        <p:spPr/>
+        <p:txBody>
+          <a:bodyPr>
+            <a:normAutofit fontScale="90000"/>
+          </a:bodyPr>
+          <a:lstStyle/>
+          <a:p>
+            <a:r>
+              <a:rPr lang="nl-NL" dirty="0" err="1"/>
+              <a:t>Results</a:t>
+            </a:r>
+            <a:r>
+              <a:rPr lang="nl-NL" dirty="0"/>
+              <a:t> – </a:t>
+            </a:r>
+            <a:r>
+              <a:rPr lang="nl-NL" dirty="0" err="1"/>
+              <a:t>Size</a:t>
+            </a:r>
+            <a:r>
+              <a:rPr lang="nl-NL" dirty="0"/>
+              <a:t> </a:t>
+            </a:r>
+            <a:br>
+              <a:rPr lang="nl-NL" dirty="0"/>
+            </a:br>
+            <a:r>
+              <a:rPr lang="nl-NL" dirty="0" err="1"/>
+              <a:t>restricting</a:t>
+            </a:r>
+            <a:br>
+              <a:rPr lang="nl-NL" dirty="0"/>
+            </a:br>
+            <a:r>
+              <a:rPr lang="nl-NL" dirty="0" err="1"/>
+              <a:t>heuristic</a:t>
+            </a:r>
+            <a:endParaRPr lang="en-GB" dirty="0"/>
+          </a:p>
+        </p:txBody>
+      </p:sp>
+      <p:sp>
+        <p:nvSpPr>
+          <p:cNvPr id="3" name="Tijdelijke aanduiding voor inhoud 2">
+            <a:extLst>
+              <a:ext uri="{FF2B5EF4-FFF2-40B4-BE49-F238E27FC236}">
+                <a16:creationId xmlns:a16="http://schemas.microsoft.com/office/drawing/2014/main" id="{42690F7B-EA12-4F0D-B938-C55DD64D10DF}"/>
+              </a:ext>
+            </a:extLst>
+          </p:cNvPr>
+          <p:cNvSpPr>
+            <a:spLocks noGrp="1"/>
+          </p:cNvSpPr>
+          <p:nvPr>
+            <p:ph sz="half" idx="1"/>
+          </p:nvPr>
+        </p:nvSpPr>
+        <p:spPr>
+          <a:xfrm>
+            <a:off x="838200" y="2379643"/>
+            <a:ext cx="3525253" cy="3797320"/>
+          </a:xfrm>
+        </p:spPr>
+        <p:txBody>
+          <a:bodyPr>
+            <a:normAutofit fontScale="92500" lnSpcReduction="10000"/>
+          </a:bodyPr>
+          <a:lstStyle/>
+          <a:p>
+            <a:r>
+              <a:rPr lang="nl-NL" dirty="0"/>
+              <a:t>S: </a:t>
+            </a:r>
+            <a:r>
+              <a:rPr lang="nl-NL" dirty="0" err="1"/>
+              <a:t>wanted</a:t>
+            </a:r>
+            <a:r>
+              <a:rPr lang="nl-NL" dirty="0"/>
+              <a:t> </a:t>
+            </a:r>
+            <a:r>
+              <a:rPr lang="nl-NL" dirty="0" err="1"/>
+              <a:t>stability</a:t>
+            </a:r>
+            <a:endParaRPr lang="nl-NL" dirty="0"/>
+          </a:p>
+          <a:p>
+            <a:r>
+              <a:rPr lang="nl-NL" dirty="0"/>
+              <a:t>D: </a:t>
+            </a:r>
+            <a:r>
+              <a:rPr lang="nl-NL" dirty="0" err="1"/>
+              <a:t>dimension</a:t>
+            </a:r>
+            <a:r>
+              <a:rPr lang="nl-NL" dirty="0"/>
+              <a:t> of matrix</a:t>
+            </a:r>
+          </a:p>
+          <a:p>
+            <a:r>
+              <a:rPr lang="nl-NL" dirty="0"/>
+              <a:t>L: </a:t>
+            </a:r>
+            <a:r>
+              <a:rPr lang="nl-NL" dirty="0" err="1"/>
+              <a:t>length</a:t>
+            </a:r>
+            <a:r>
+              <a:rPr lang="nl-NL" dirty="0"/>
+              <a:t> of </a:t>
+            </a:r>
+            <a:r>
+              <a:rPr lang="nl-NL" dirty="0" err="1"/>
+              <a:t>protein</a:t>
+            </a:r>
+            <a:endParaRPr lang="nl-NL" dirty="0"/>
+          </a:p>
+          <a:p>
+            <a:endParaRPr lang="nl-NL" dirty="0"/>
+          </a:p>
+          <a:p>
+            <a:r>
+              <a:rPr lang="nl-NL" dirty="0"/>
+              <a:t>String 1 (L=14):</a:t>
+            </a:r>
+            <a:br>
+              <a:rPr lang="nl-NL" dirty="0"/>
+            </a:br>
+            <a:r>
+              <a:rPr lang="nl-NL" sz="2000" dirty="0"/>
+              <a:t>HHPHHHPHPHHHPH</a:t>
+            </a:r>
+          </a:p>
+          <a:p>
+            <a:r>
+              <a:rPr lang="en-GB" dirty="0"/>
+              <a:t>String 2 (L=20):</a:t>
+            </a:r>
+            <a:br>
+              <a:rPr lang="en-GB" dirty="0"/>
+            </a:br>
+            <a:r>
+              <a:rPr lang="en-GB" sz="2000" dirty="0"/>
+              <a:t>HPHPPHHPHPPHPHHPPHPH</a:t>
+            </a:r>
+          </a:p>
+          <a:p>
+            <a:r>
+              <a:rPr lang="en-GB" dirty="0"/>
+              <a:t>String 3 (L=36):</a:t>
+            </a:r>
+            <a:br>
+              <a:rPr lang="en-GB" sz="3200" dirty="0"/>
+            </a:br>
+            <a:r>
+              <a:rPr lang="en-GB" sz="1200" dirty="0"/>
+              <a:t>PPPHHPPHHPPPPPHHHHHHHPPHHPPPPHHPPHPP</a:t>
+            </a:r>
+            <a:endParaRPr lang="en-GB" dirty="0"/>
+          </a:p>
+        </p:txBody>
+      </p:sp>
+      <p:pic>
+        <p:nvPicPr>
+          <p:cNvPr id="9" name="Tijdelijke aanduiding voor inhoud 8">
+            <a:extLst>
+              <a:ext uri="{FF2B5EF4-FFF2-40B4-BE49-F238E27FC236}">
+                <a16:creationId xmlns:a16="http://schemas.microsoft.com/office/drawing/2014/main" id="{F08D6B3F-5E78-495C-B677-CF06845219FA}"/>
+              </a:ext>
+            </a:extLst>
+          </p:cNvPr>
+          <p:cNvPicPr>
+            <a:picLocks noGrp="1" noChangeAspect="1"/>
+          </p:cNvPicPr>
+          <p:nvPr>
+            <p:ph sz="half" idx="2"/>
+          </p:nvPr>
+        </p:nvPicPr>
+        <p:blipFill>
+          <a:blip r:embed="rId2"/>
+          <a:stretch>
+            <a:fillRect/>
+          </a:stretch>
+        </p:blipFill>
+        <p:spPr>
+          <a:xfrm>
+            <a:off x="4759297" y="566365"/>
+            <a:ext cx="6921920" cy="5725270"/>
+          </a:xfrm>
+          <a:prstGeom prst="rect">
+            <a:avLst/>
+          </a:prstGeom>
+        </p:spPr>
+      </p:pic>
+      <p:sp>
+        <p:nvSpPr>
+          <p:cNvPr id="4" name="Tijdelijke aanduiding voor dianummer 3">
+            <a:extLst>
+              <a:ext uri="{FF2B5EF4-FFF2-40B4-BE49-F238E27FC236}">
+                <a16:creationId xmlns:a16="http://schemas.microsoft.com/office/drawing/2014/main" id="{1F87A947-64E4-5D4F-A8FD-EE33CDB98D2D}"/>
+              </a:ext>
+            </a:extLst>
+          </p:cNvPr>
+          <p:cNvSpPr>
+            <a:spLocks noGrp="1"/>
+          </p:cNvSpPr>
+          <p:nvPr>
+            <p:ph type="sldNum" sz="quarter" idx="12"/>
+          </p:nvPr>
+        </p:nvSpPr>
+        <p:spPr/>
+        <p:txBody>
+          <a:bodyPr/>
+          <a:lstStyle/>
+          <a:p>
+            <a:fld id="{D1892F8F-5571-E246-B053-E27A62D47BEF}" type="slidenum">
+              <a:rPr lang="en-GB" smtClean="0"/>
+              <a:t>14</a:t>
+            </a:fld>
+            <a:endParaRPr lang="en-GB"/>
+          </a:p>
+        </p:txBody>
+      </p:sp>
+    </p:spTree>
+    <p:extLst>
+      <p:ext uri="{BB962C8B-B14F-4D97-AF65-F5344CB8AC3E}">
+        <p14:creationId xmlns:p14="http://schemas.microsoft.com/office/powerpoint/2010/main" val="1096537137"/>
+      </p:ext>
+    </p:extLst>
+  </p:cSld>
+  <p:clrMapOvr>
+    <a:masterClrMapping/>
+  </p:clrMapOvr>
+</p:sld>
+</file>
+
 <file path=ppt/slides/slide15.xml><?xml version="1.0" encoding="utf-8"?>
 <p:sld xmlns:a="http://schemas.openxmlformats.org/drawingml/2006/main" xmlns:r="http://schemas.openxmlformats.org/officeDocument/2006/relationships" xmlns:p="http://schemas.openxmlformats.org/presentationml/2006/main">
   <p:cSld>
@@ -5250,7 +5280,7 @@
           <p:cNvPr id="2" name="Titel 1">
             <a:extLst>
               <a:ext uri="{FF2B5EF4-FFF2-40B4-BE49-F238E27FC236}">
-                <a16:creationId xmlns:a16="http://schemas.microsoft.com/office/drawing/2014/main" id="{5C770520-98CE-4CE6-ACD0-072593328459}"/>
+                <a16:creationId xmlns:a16="http://schemas.microsoft.com/office/drawing/2014/main" id="{8FC0DEB9-A548-4D2E-B3EA-7FE0AD303E6E}"/>
               </a:ext>
             </a:extLst>
           </p:cNvPr>
@@ -5263,9 +5293,7 @@
         </p:nvSpPr>
         <p:spPr/>
         <p:txBody>
-          <a:bodyPr>
-            <a:normAutofit fontScale="90000"/>
-          </a:bodyPr>
+          <a:bodyPr/>
           <a:lstStyle/>
           <a:p>
             <a:r>
@@ -5274,172 +5302,21 @@
             </a:r>
             <a:r>
               <a:rPr lang="nl-NL" dirty="0"/>
-              <a:t> – </a:t>
-            </a:r>
-            <a:r>
-              <a:rPr lang="nl-NL" dirty="0" err="1"/>
-              <a:t>Size</a:t>
-            </a:r>
-            <a:r>
-              <a:rPr lang="nl-NL" dirty="0"/>
-              <a:t> </a:t>
-            </a:r>
-            <a:br>
-              <a:rPr lang="nl-NL" dirty="0"/>
-            </a:br>
-            <a:r>
-              <a:rPr lang="nl-NL" dirty="0" err="1"/>
-              <a:t>restricted</a:t>
-            </a:r>
-            <a:r>
-              <a:rPr lang="nl-NL" dirty="0"/>
-              <a:t> </a:t>
-            </a:r>
-            <a:br>
-              <a:rPr lang="nl-NL" dirty="0"/>
-            </a:br>
-            <a:r>
-              <a:rPr lang="nl-NL" dirty="0" err="1"/>
-              <a:t>configuration</a:t>
-            </a:r>
-            <a:r>
-              <a:rPr lang="nl-NL" dirty="0"/>
-              <a:t> </a:t>
-            </a:r>
-            <a:endParaRPr lang="en-GB" dirty="0"/>
-          </a:p>
-        </p:txBody>
-      </p:sp>
-      <p:sp>
-        <p:nvSpPr>
-          <p:cNvPr id="3" name="Tijdelijke aanduiding voor inhoud 2">
+              <a:t> - </a:t>
+            </a:r>
+            <a:r>
+              <a:rPr lang="en-GB" dirty="0"/>
+              <a:t>Extended Heuristic Algorithm (EHA)</a:t>
+            </a:r>
+          </a:p>
+        </p:txBody>
+      </p:sp>
+      <p:pic>
+        <p:nvPicPr>
+          <p:cNvPr id="6" name="Tijdelijke aanduiding voor inhoud 5">
             <a:extLst>
               <a:ext uri="{FF2B5EF4-FFF2-40B4-BE49-F238E27FC236}">
-                <a16:creationId xmlns:a16="http://schemas.microsoft.com/office/drawing/2014/main" id="{42690F7B-EA12-4F0D-B938-C55DD64D10DF}"/>
-              </a:ext>
-            </a:extLst>
-          </p:cNvPr>
-          <p:cNvSpPr>
-            <a:spLocks noGrp="1"/>
-          </p:cNvSpPr>
-          <p:nvPr>
-            <p:ph sz="half" idx="1"/>
-          </p:nvPr>
-        </p:nvSpPr>
-        <p:spPr>
-          <a:xfrm>
-            <a:off x="838200" y="2379643"/>
-            <a:ext cx="3525253" cy="3797320"/>
-          </a:xfrm>
-        </p:spPr>
-        <p:txBody>
-          <a:bodyPr>
-            <a:normAutofit fontScale="92500" lnSpcReduction="10000"/>
-          </a:bodyPr>
-          <a:lstStyle/>
-          <a:p>
-            <a:r>
-              <a:rPr lang="nl-NL" dirty="0"/>
-              <a:t>S: </a:t>
-            </a:r>
-            <a:r>
-              <a:rPr lang="nl-NL" dirty="0" err="1"/>
-              <a:t>wanted</a:t>
-            </a:r>
-            <a:r>
-              <a:rPr lang="nl-NL" dirty="0"/>
-              <a:t> </a:t>
-            </a:r>
-            <a:r>
-              <a:rPr lang="nl-NL" dirty="0" err="1"/>
-              <a:t>stability</a:t>
-            </a:r>
-            <a:endParaRPr lang="nl-NL" dirty="0"/>
-          </a:p>
-          <a:p>
-            <a:r>
-              <a:rPr lang="nl-NL" dirty="0"/>
-              <a:t>D: </a:t>
-            </a:r>
-            <a:r>
-              <a:rPr lang="nl-NL" dirty="0" err="1"/>
-              <a:t>dimension</a:t>
-            </a:r>
-            <a:r>
-              <a:rPr lang="nl-NL" dirty="0"/>
-              <a:t> of matrix</a:t>
-            </a:r>
-          </a:p>
-          <a:p>
-            <a:r>
-              <a:rPr lang="nl-NL" dirty="0"/>
-              <a:t>L: </a:t>
-            </a:r>
-            <a:r>
-              <a:rPr lang="nl-NL" dirty="0" err="1"/>
-              <a:t>length</a:t>
-            </a:r>
-            <a:r>
-              <a:rPr lang="nl-NL" dirty="0"/>
-              <a:t> of </a:t>
-            </a:r>
-            <a:r>
-              <a:rPr lang="nl-NL" dirty="0" err="1"/>
-              <a:t>protein</a:t>
-            </a:r>
-            <a:endParaRPr lang="nl-NL" dirty="0"/>
-          </a:p>
-          <a:p>
-            <a:endParaRPr lang="nl-NL" dirty="0"/>
-          </a:p>
-          <a:p>
-            <a:r>
-              <a:rPr lang="nl-NL" dirty="0"/>
-              <a:t>String 1 (L=14):</a:t>
-            </a:r>
-            <a:br>
-              <a:rPr lang="nl-NL" dirty="0"/>
-            </a:br>
-            <a:r>
-              <a:rPr lang="nl-NL" sz="2000" dirty="0"/>
-              <a:t>HHPHHHPHPHHHPH</a:t>
-            </a:r>
-          </a:p>
-          <a:p>
-            <a:r>
-              <a:rPr lang="en-GB" dirty="0"/>
-              <a:t>String 2 (L=20):</a:t>
-            </a:r>
-            <a:br>
-              <a:rPr lang="en-GB" dirty="0"/>
-            </a:br>
-            <a:r>
-              <a:rPr lang="en-GB" sz="2000" dirty="0"/>
-              <a:t>HPHPPHHPHPPHPHHPPHPH</a:t>
-            </a:r>
-          </a:p>
-          <a:p>
-            <a:r>
-              <a:rPr lang="en-GB" dirty="0"/>
-              <a:t>String 3 (L=36):</a:t>
-            </a:r>
-            <a:br>
-              <a:rPr lang="en-GB" sz="3200" dirty="0"/>
-            </a:br>
-            <a:r>
-              <a:rPr lang="en-GB" sz="1200" dirty="0"/>
-              <a:t>PPPHHPPHHPPPPPHHHHHHHPPHHPPPPHHPPHPP</a:t>
-            </a:r>
-            <a:endParaRPr lang="en-GB" dirty="0"/>
-          </a:p>
-        </p:txBody>
-      </p:sp>
-      <p:pic>
-        <p:nvPicPr>
-          <p:cNvPr id="9" name="Tijdelijke aanduiding voor inhoud 8">
-            <a:extLst>
-              <a:ext uri="{FF2B5EF4-FFF2-40B4-BE49-F238E27FC236}">
-                <a16:creationId xmlns:a16="http://schemas.microsoft.com/office/drawing/2014/main" id="{F08D6B3F-5E78-495C-B677-CF06845219FA}"/>
+                <a16:creationId xmlns:a16="http://schemas.microsoft.com/office/drawing/2014/main" id="{86C1E23C-5042-4139-9753-82032B595BBB}"/>
               </a:ext>
             </a:extLst>
           </p:cNvPr>
@@ -5458,8 +5335,8 @@
         </p:blipFill>
         <p:spPr>
           <a:xfrm>
-            <a:off x="4759297" y="566365"/>
-            <a:ext cx="6921920" cy="5725270"/>
+            <a:off x="717561" y="2539507"/>
+            <a:ext cx="4712052" cy="2957324"/>
           </a:xfrm>
           <a:prstGeom prst="rect">
             <a:avLst/>
@@ -5468,10 +5345,10 @@
       </p:pic>
       <p:sp>
         <p:nvSpPr>
-          <p:cNvPr id="4" name="Tijdelijke aanduiding voor dianummer 3">
+          <p:cNvPr id="5" name="Tijdelijke aanduiding voor dianummer 4">
             <a:extLst>
               <a:ext uri="{FF2B5EF4-FFF2-40B4-BE49-F238E27FC236}">
-                <a16:creationId xmlns:a16="http://schemas.microsoft.com/office/drawing/2014/main" id="{1F87A947-64E4-5D4F-A8FD-EE33CDB98D2D}"/>
+                <a16:creationId xmlns:a16="http://schemas.microsoft.com/office/drawing/2014/main" id="{40B47B69-F442-4970-9AAA-D493AFD295AF}"/>
               </a:ext>
             </a:extLst>
           </p:cNvPr>
@@ -5495,16 +5372,670 @@
           </a:p>
         </p:txBody>
       </p:sp>
+      <p:pic>
+        <p:nvPicPr>
+          <p:cNvPr id="7" name="Afbeelding 6">
+            <a:extLst>
+              <a:ext uri="{FF2B5EF4-FFF2-40B4-BE49-F238E27FC236}">
+                <a16:creationId xmlns:a16="http://schemas.microsoft.com/office/drawing/2014/main" id="{4B9F09AF-7B28-4C4E-9E5F-8210CE81B402}"/>
+              </a:ext>
+            </a:extLst>
+          </p:cNvPr>
+          <p:cNvPicPr>
+            <a:picLocks noChangeAspect="1"/>
+          </p:cNvPicPr>
+          <p:nvPr/>
+        </p:nvPicPr>
+        <p:blipFill>
+          <a:blip r:embed="rId3"/>
+          <a:stretch>
+            <a:fillRect/>
+          </a:stretch>
+        </p:blipFill>
+        <p:spPr>
+          <a:xfrm>
+            <a:off x="6677643" y="2539507"/>
+            <a:ext cx="4712051" cy="3816843"/>
+          </a:xfrm>
+          <a:prstGeom prst="rect">
+            <a:avLst/>
+          </a:prstGeom>
+        </p:spPr>
+      </p:pic>
+      <p:sp>
+        <p:nvSpPr>
+          <p:cNvPr id="8" name="Tekstvak 7">
+            <a:extLst>
+              <a:ext uri="{FF2B5EF4-FFF2-40B4-BE49-F238E27FC236}">
+                <a16:creationId xmlns:a16="http://schemas.microsoft.com/office/drawing/2014/main" id="{0DD76DC3-ED73-48C8-AB6D-B47F7BFF984C}"/>
+              </a:ext>
+            </a:extLst>
+          </p:cNvPr>
+          <p:cNvSpPr txBox="1"/>
+          <p:nvPr/>
+        </p:nvSpPr>
+        <p:spPr>
+          <a:xfrm>
+            <a:off x="618418" y="5710665"/>
+            <a:ext cx="4712051" cy="1015663"/>
+          </a:xfrm>
+          <a:prstGeom prst="rect">
+            <a:avLst/>
+          </a:prstGeom>
+          <a:noFill/>
+        </p:spPr>
+        <p:txBody>
+          <a:bodyPr wrap="square" rtlCol="0">
+            <a:spAutoFit/>
+          </a:bodyPr>
+          <a:lstStyle/>
+          <a:p>
+            <a:r>
+              <a:rPr lang="en-US" sz="1400" dirty="0"/>
+              <a:t>Source: </a:t>
+            </a:r>
+            <a:r>
+              <a:rPr lang="en-US" sz="1400" dirty="0" err="1"/>
+              <a:t>Traykov</a:t>
+            </a:r>
+            <a:r>
+              <a:rPr lang="en-US" sz="1400" dirty="0"/>
+              <a:t>, </a:t>
+            </a:r>
+            <a:r>
+              <a:rPr lang="en-US" sz="1400" dirty="0" err="1"/>
+              <a:t>Metodi</a:t>
+            </a:r>
+            <a:r>
+              <a:rPr lang="en-US" sz="1400" dirty="0"/>
+              <a:t>, et al. "Algorithm for protein folding problem in 3D lattice HP model." </a:t>
+            </a:r>
+            <a:r>
+              <a:rPr lang="en-US" sz="1400" i="1" dirty="0"/>
+              <a:t>International Journal of Biology and Biomedicine</a:t>
+            </a:r>
+            <a:r>
+              <a:rPr lang="en-US" sz="1400" dirty="0"/>
+              <a:t> 3 (2018).</a:t>
+            </a:r>
+          </a:p>
+          <a:p>
+            <a:endParaRPr lang="en-GB" dirty="0"/>
+          </a:p>
+        </p:txBody>
+      </p:sp>
+      <p:pic>
+        <p:nvPicPr>
+          <p:cNvPr id="9" name="Afbeelding 8">
+            <a:extLst>
+              <a:ext uri="{FF2B5EF4-FFF2-40B4-BE49-F238E27FC236}">
+                <a16:creationId xmlns:a16="http://schemas.microsoft.com/office/drawing/2014/main" id="{3E693E47-EFBE-45D3-88E1-757D84B055E7}"/>
+              </a:ext>
+            </a:extLst>
+          </p:cNvPr>
+          <p:cNvPicPr>
+            <a:picLocks noChangeAspect="1"/>
+          </p:cNvPicPr>
+          <p:nvPr/>
+        </p:nvPicPr>
+        <p:blipFill>
+          <a:blip r:embed="rId4"/>
+          <a:stretch>
+            <a:fillRect/>
+          </a:stretch>
+        </p:blipFill>
+        <p:spPr>
+          <a:xfrm>
+            <a:off x="6677643" y="2788822"/>
+            <a:ext cx="4712051" cy="3567527"/>
+          </a:xfrm>
+          <a:prstGeom prst="rect">
+            <a:avLst/>
+          </a:prstGeom>
+        </p:spPr>
+      </p:pic>
+      <p:pic>
+        <p:nvPicPr>
+          <p:cNvPr id="10" name="Tijdelijke aanduiding voor inhoud 7" descr="Afbeelding met tekst, kaart&#10;&#10;Automatisch gegenereerde beschrijving">
+            <a:extLst>
+              <a:ext uri="{FF2B5EF4-FFF2-40B4-BE49-F238E27FC236}">
+                <a16:creationId xmlns:a16="http://schemas.microsoft.com/office/drawing/2014/main" id="{ED443178-AF0C-4DE9-9181-4CEBD405636E}"/>
+              </a:ext>
+            </a:extLst>
+          </p:cNvPr>
+          <p:cNvPicPr>
+            <a:picLocks noGrp="1" noChangeAspect="1"/>
+          </p:cNvPicPr>
+          <p:nvPr>
+            <p:ph sz="half" idx="1"/>
+          </p:nvPr>
+        </p:nvPicPr>
+        <p:blipFill>
+          <a:blip r:embed="rId5"/>
+          <a:stretch>
+            <a:fillRect/>
+          </a:stretch>
+        </p:blipFill>
+        <p:spPr>
+          <a:xfrm>
+            <a:off x="6762388" y="2539506"/>
+            <a:ext cx="4542562" cy="3816844"/>
+          </a:xfrm>
+        </p:spPr>
+      </p:pic>
+      <p:sp>
+        <p:nvSpPr>
+          <p:cNvPr id="12" name="Tekstvak 11">
+            <a:extLst>
+              <a:ext uri="{FF2B5EF4-FFF2-40B4-BE49-F238E27FC236}">
+                <a16:creationId xmlns:a16="http://schemas.microsoft.com/office/drawing/2014/main" id="{976E9576-0C42-4A8D-8043-6B6E4A430EC9}"/>
+              </a:ext>
+            </a:extLst>
+          </p:cNvPr>
+          <p:cNvSpPr txBox="1"/>
+          <p:nvPr/>
+        </p:nvSpPr>
+        <p:spPr>
+          <a:xfrm>
+            <a:off x="7599802" y="1808373"/>
+            <a:ext cx="4419408" cy="523220"/>
+          </a:xfrm>
+          <a:prstGeom prst="rect">
+            <a:avLst/>
+          </a:prstGeom>
+          <a:noFill/>
+        </p:spPr>
+        <p:txBody>
+          <a:bodyPr wrap="square" rtlCol="0">
+            <a:spAutoFit/>
+          </a:bodyPr>
+          <a:lstStyle/>
+          <a:p>
+            <a:r>
+              <a:rPr lang="nl-NL" sz="2800" dirty="0" err="1"/>
+              <a:t>Protein</a:t>
+            </a:r>
+            <a:r>
+              <a:rPr lang="nl-NL" sz="2800" dirty="0"/>
+              <a:t> </a:t>
+            </a:r>
+            <a:r>
+              <a:rPr lang="nl-NL" sz="2800" dirty="0" err="1"/>
+              <a:t>length</a:t>
+            </a:r>
+            <a:r>
+              <a:rPr lang="nl-NL" sz="2800" dirty="0"/>
+              <a:t>: 20 </a:t>
+            </a:r>
+            <a:endParaRPr lang="en-GB" sz="2800" dirty="0"/>
+          </a:p>
+        </p:txBody>
+      </p:sp>
+      <p:sp>
+        <p:nvSpPr>
+          <p:cNvPr id="13" name="Tekstvak 12">
+            <a:extLst>
+              <a:ext uri="{FF2B5EF4-FFF2-40B4-BE49-F238E27FC236}">
+                <a16:creationId xmlns:a16="http://schemas.microsoft.com/office/drawing/2014/main" id="{59DEC54E-0BA4-4F73-B283-ED07B6DE4C02}"/>
+              </a:ext>
+            </a:extLst>
+          </p:cNvPr>
+          <p:cNvSpPr txBox="1"/>
+          <p:nvPr/>
+        </p:nvSpPr>
+        <p:spPr>
+          <a:xfrm>
+            <a:off x="7599802" y="1808372"/>
+            <a:ext cx="4419408" cy="523220"/>
+          </a:xfrm>
+          <a:prstGeom prst="rect">
+            <a:avLst/>
+          </a:prstGeom>
+          <a:noFill/>
+        </p:spPr>
+        <p:txBody>
+          <a:bodyPr wrap="square" rtlCol="0">
+            <a:spAutoFit/>
+          </a:bodyPr>
+          <a:lstStyle/>
+          <a:p>
+            <a:r>
+              <a:rPr lang="nl-NL" sz="2800" dirty="0" err="1"/>
+              <a:t>Protein</a:t>
+            </a:r>
+            <a:r>
+              <a:rPr lang="nl-NL" sz="2800" dirty="0"/>
+              <a:t> </a:t>
+            </a:r>
+            <a:r>
+              <a:rPr lang="nl-NL" sz="2800" dirty="0" err="1"/>
+              <a:t>length</a:t>
+            </a:r>
+            <a:r>
+              <a:rPr lang="nl-NL" sz="2800" dirty="0"/>
+              <a:t>: 36 </a:t>
+            </a:r>
+            <a:endParaRPr lang="en-GB" sz="2800" dirty="0"/>
+          </a:p>
+        </p:txBody>
+      </p:sp>
+      <p:sp>
+        <p:nvSpPr>
+          <p:cNvPr id="14" name="Tekstvak 13">
+            <a:extLst>
+              <a:ext uri="{FF2B5EF4-FFF2-40B4-BE49-F238E27FC236}">
+                <a16:creationId xmlns:a16="http://schemas.microsoft.com/office/drawing/2014/main" id="{334C5399-EADC-4E2B-B106-B7F8879DB8DB}"/>
+              </a:ext>
+            </a:extLst>
+          </p:cNvPr>
+          <p:cNvSpPr txBox="1"/>
+          <p:nvPr/>
+        </p:nvSpPr>
+        <p:spPr>
+          <a:xfrm>
+            <a:off x="7599802" y="1802625"/>
+            <a:ext cx="4419408" cy="523220"/>
+          </a:xfrm>
+          <a:prstGeom prst="rect">
+            <a:avLst/>
+          </a:prstGeom>
+          <a:noFill/>
+        </p:spPr>
+        <p:txBody>
+          <a:bodyPr wrap="square" rtlCol="0">
+            <a:spAutoFit/>
+          </a:bodyPr>
+          <a:lstStyle/>
+          <a:p>
+            <a:r>
+              <a:rPr lang="nl-NL" sz="2800" dirty="0" err="1"/>
+              <a:t>Protein</a:t>
+            </a:r>
+            <a:r>
+              <a:rPr lang="nl-NL" sz="2800" dirty="0"/>
+              <a:t> </a:t>
+            </a:r>
+            <a:r>
+              <a:rPr lang="nl-NL" sz="2800" dirty="0" err="1"/>
+              <a:t>length</a:t>
+            </a:r>
+            <a:r>
+              <a:rPr lang="nl-NL" sz="2800" dirty="0"/>
+              <a:t>: 50 </a:t>
+            </a:r>
+            <a:endParaRPr lang="en-GB" sz="2800" dirty="0"/>
+          </a:p>
+        </p:txBody>
+      </p:sp>
+      <p:sp>
+        <p:nvSpPr>
+          <p:cNvPr id="15" name="Tekstvak 14">
+            <a:extLst>
+              <a:ext uri="{FF2B5EF4-FFF2-40B4-BE49-F238E27FC236}">
+                <a16:creationId xmlns:a16="http://schemas.microsoft.com/office/drawing/2014/main" id="{01024E35-DF28-4071-B8CE-A0EDA189B116}"/>
+              </a:ext>
+            </a:extLst>
+          </p:cNvPr>
+          <p:cNvSpPr txBox="1"/>
+          <p:nvPr/>
+        </p:nvSpPr>
+        <p:spPr>
+          <a:xfrm>
+            <a:off x="1109031" y="1783060"/>
+            <a:ext cx="4419408" cy="523220"/>
+          </a:xfrm>
+          <a:prstGeom prst="rect">
+            <a:avLst/>
+          </a:prstGeom>
+          <a:noFill/>
+        </p:spPr>
+        <p:txBody>
+          <a:bodyPr wrap="square" rtlCol="0">
+            <a:spAutoFit/>
+          </a:bodyPr>
+          <a:lstStyle/>
+          <a:p>
+            <a:r>
+              <a:rPr lang="nl-NL" sz="2800" dirty="0" err="1"/>
+              <a:t>Results</a:t>
+            </a:r>
+            <a:r>
+              <a:rPr lang="nl-NL" sz="2800" dirty="0"/>
+              <a:t> </a:t>
+            </a:r>
+            <a:r>
+              <a:rPr lang="nl-NL" sz="2800" dirty="0" err="1"/>
+              <a:t>from</a:t>
+            </a:r>
+            <a:r>
+              <a:rPr lang="nl-NL" sz="2800" dirty="0"/>
+              <a:t> </a:t>
+            </a:r>
+            <a:r>
+              <a:rPr lang="nl-NL" sz="2800" dirty="0" err="1"/>
+              <a:t>literature</a:t>
+            </a:r>
+            <a:endParaRPr lang="en-GB" sz="2800" dirty="0"/>
+          </a:p>
+        </p:txBody>
+      </p:sp>
     </p:spTree>
     <p:extLst>
       <p:ext uri="{BB962C8B-B14F-4D97-AF65-F5344CB8AC3E}">
-        <p14:creationId xmlns:p14="http://schemas.microsoft.com/office/powerpoint/2010/main" val="1096537137"/>
+        <p14:creationId xmlns:p14="http://schemas.microsoft.com/office/powerpoint/2010/main" val="2371833503"/>
       </p:ext>
     </p:extLst>
   </p:cSld>
   <p:clrMapOvr>
     <a:masterClrMapping/>
   </p:clrMapOvr>
+  <p:timing>
+    <p:tnLst>
+      <p:par>
+        <p:cTn id="1" dur="indefinite" restart="never" nodeType="tmRoot">
+          <p:childTnLst>
+            <p:seq concurrent="1" nextAc="seek">
+              <p:cTn id="2" dur="indefinite" nodeType="mainSeq">
+                <p:childTnLst>
+                  <p:par>
+                    <p:cTn id="3" fill="hold">
+                      <p:stCondLst>
+                        <p:cond delay="indefinite"/>
+                      </p:stCondLst>
+                      <p:childTnLst>
+                        <p:par>
+                          <p:cTn id="4" fill="hold">
+                            <p:stCondLst>
+                              <p:cond delay="0"/>
+                            </p:stCondLst>
+                            <p:childTnLst>
+                              <p:par>
+                                <p:cTn id="5" presetID="1" presetClass="entr" presetSubtype="0" fill="hold" nodeType="clickEffect">
+                                  <p:stCondLst>
+                                    <p:cond delay="0"/>
+                                  </p:stCondLst>
+                                  <p:childTnLst>
+                                    <p:set>
+                                      <p:cBhvr>
+                                        <p:cTn id="6" dur="1" fill="hold">
+                                          <p:stCondLst>
+                                            <p:cond delay="0"/>
+                                          </p:stCondLst>
+                                        </p:cTn>
+                                        <p:tgtEl>
+                                          <p:spTgt spid="7"/>
+                                        </p:tgtEl>
+                                        <p:attrNameLst>
+                                          <p:attrName>style.visibility</p:attrName>
+                                        </p:attrNameLst>
+                                      </p:cBhvr>
+                                      <p:to>
+                                        <p:strVal val="visible"/>
+                                      </p:to>
+                                    </p:set>
+                                  </p:childTnLst>
+                                </p:cTn>
+                              </p:par>
+                              <p:par>
+                                <p:cTn id="7" presetID="1" presetClass="entr" presetSubtype="0" fill="hold" grpId="0" nodeType="withEffect">
+                                  <p:stCondLst>
+                                    <p:cond delay="0"/>
+                                  </p:stCondLst>
+                                  <p:childTnLst>
+                                    <p:set>
+                                      <p:cBhvr>
+                                        <p:cTn id="8" dur="1" fill="hold">
+                                          <p:stCondLst>
+                                            <p:cond delay="0"/>
+                                          </p:stCondLst>
+                                        </p:cTn>
+                                        <p:tgtEl>
+                                          <p:spTgt spid="12"/>
+                                        </p:tgtEl>
+                                        <p:attrNameLst>
+                                          <p:attrName>style.visibility</p:attrName>
+                                        </p:attrNameLst>
+                                      </p:cBhvr>
+                                      <p:to>
+                                        <p:strVal val="visible"/>
+                                      </p:to>
+                                    </p:set>
+                                  </p:childTnLst>
+                                </p:cTn>
+                              </p:par>
+                            </p:childTnLst>
+                          </p:cTn>
+                        </p:par>
+                      </p:childTnLst>
+                    </p:cTn>
+                  </p:par>
+                  <p:par>
+                    <p:cTn id="9" fill="hold">
+                      <p:stCondLst>
+                        <p:cond delay="indefinite"/>
+                      </p:stCondLst>
+                      <p:childTnLst>
+                        <p:par>
+                          <p:cTn id="10" fill="hold">
+                            <p:stCondLst>
+                              <p:cond delay="0"/>
+                            </p:stCondLst>
+                            <p:childTnLst>
+                              <p:par>
+                                <p:cTn id="11" presetID="1" presetClass="entr" presetSubtype="0" fill="hold" nodeType="clickEffect">
+                                  <p:stCondLst>
+                                    <p:cond delay="0"/>
+                                  </p:stCondLst>
+                                  <p:childTnLst>
+                                    <p:set>
+                                      <p:cBhvr>
+                                        <p:cTn id="12" dur="1" fill="hold">
+                                          <p:stCondLst>
+                                            <p:cond delay="0"/>
+                                          </p:stCondLst>
+                                        </p:cTn>
+                                        <p:tgtEl>
+                                          <p:spTgt spid="9"/>
+                                        </p:tgtEl>
+                                        <p:attrNameLst>
+                                          <p:attrName>style.visibility</p:attrName>
+                                        </p:attrNameLst>
+                                      </p:cBhvr>
+                                      <p:to>
+                                        <p:strVal val="visible"/>
+                                      </p:to>
+                                    </p:set>
+                                  </p:childTnLst>
+                                </p:cTn>
+                              </p:par>
+                              <p:par>
+                                <p:cTn id="13" presetID="1" presetClass="exit" presetSubtype="0" fill="hold" grpId="1" nodeType="withEffect">
+                                  <p:stCondLst>
+                                    <p:cond delay="0"/>
+                                  </p:stCondLst>
+                                  <p:childTnLst>
+                                    <p:set>
+                                      <p:cBhvr>
+                                        <p:cTn id="14" dur="1" fill="hold">
+                                          <p:stCondLst>
+                                            <p:cond delay="0"/>
+                                          </p:stCondLst>
+                                        </p:cTn>
+                                        <p:tgtEl>
+                                          <p:spTgt spid="12"/>
+                                        </p:tgtEl>
+                                        <p:attrNameLst>
+                                          <p:attrName>style.visibility</p:attrName>
+                                        </p:attrNameLst>
+                                      </p:cBhvr>
+                                      <p:to>
+                                        <p:strVal val="hidden"/>
+                                      </p:to>
+                                    </p:set>
+                                  </p:childTnLst>
+                                </p:cTn>
+                              </p:par>
+                              <p:par>
+                                <p:cTn id="15" presetID="1" presetClass="entr" presetSubtype="0" fill="hold" grpId="0" nodeType="withEffect">
+                                  <p:stCondLst>
+                                    <p:cond delay="0"/>
+                                  </p:stCondLst>
+                                  <p:childTnLst>
+                                    <p:set>
+                                      <p:cBhvr>
+                                        <p:cTn id="16" dur="1" fill="hold">
+                                          <p:stCondLst>
+                                            <p:cond delay="0"/>
+                                          </p:stCondLst>
+                                        </p:cTn>
+                                        <p:tgtEl>
+                                          <p:spTgt spid="13"/>
+                                        </p:tgtEl>
+                                        <p:attrNameLst>
+                                          <p:attrName>style.visibility</p:attrName>
+                                        </p:attrNameLst>
+                                      </p:cBhvr>
+                                      <p:to>
+                                        <p:strVal val="visible"/>
+                                      </p:to>
+                                    </p:set>
+                                  </p:childTnLst>
+                                </p:cTn>
+                              </p:par>
+                            </p:childTnLst>
+                          </p:cTn>
+                        </p:par>
+                      </p:childTnLst>
+                    </p:cTn>
+                  </p:par>
+                  <p:par>
+                    <p:cTn id="17" fill="hold">
+                      <p:stCondLst>
+                        <p:cond delay="indefinite"/>
+                      </p:stCondLst>
+                      <p:childTnLst>
+                        <p:par>
+                          <p:cTn id="18" fill="hold">
+                            <p:stCondLst>
+                              <p:cond delay="0"/>
+                            </p:stCondLst>
+                            <p:childTnLst>
+                              <p:par>
+                                <p:cTn id="19" presetID="1" presetClass="entr" presetSubtype="0" fill="hold" nodeType="clickEffect">
+                                  <p:stCondLst>
+                                    <p:cond delay="0"/>
+                                  </p:stCondLst>
+                                  <p:childTnLst>
+                                    <p:set>
+                                      <p:cBhvr>
+                                        <p:cTn id="20" dur="1" fill="hold">
+                                          <p:stCondLst>
+                                            <p:cond delay="0"/>
+                                          </p:stCondLst>
+                                        </p:cTn>
+                                        <p:tgtEl>
+                                          <p:spTgt spid="10"/>
+                                        </p:tgtEl>
+                                        <p:attrNameLst>
+                                          <p:attrName>style.visibility</p:attrName>
+                                        </p:attrNameLst>
+                                      </p:cBhvr>
+                                      <p:to>
+                                        <p:strVal val="visible"/>
+                                      </p:to>
+                                    </p:set>
+                                  </p:childTnLst>
+                                </p:cTn>
+                              </p:par>
+                              <p:par>
+                                <p:cTn id="21" presetID="1" presetClass="exit" presetSubtype="0" fill="hold" grpId="1" nodeType="withEffect">
+                                  <p:stCondLst>
+                                    <p:cond delay="0"/>
+                                  </p:stCondLst>
+                                  <p:childTnLst>
+                                    <p:set>
+                                      <p:cBhvr>
+                                        <p:cTn id="22" dur="1" fill="hold">
+                                          <p:stCondLst>
+                                            <p:cond delay="0"/>
+                                          </p:stCondLst>
+                                        </p:cTn>
+                                        <p:tgtEl>
+                                          <p:spTgt spid="13"/>
+                                        </p:tgtEl>
+                                        <p:attrNameLst>
+                                          <p:attrName>style.visibility</p:attrName>
+                                        </p:attrNameLst>
+                                      </p:cBhvr>
+                                      <p:to>
+                                        <p:strVal val="hidden"/>
+                                      </p:to>
+                                    </p:set>
+                                  </p:childTnLst>
+                                </p:cTn>
+                              </p:par>
+                              <p:par>
+                                <p:cTn id="23" presetID="1" presetClass="entr" presetSubtype="0" fill="hold" grpId="0" nodeType="withEffect">
+                                  <p:stCondLst>
+                                    <p:cond delay="0"/>
+                                  </p:stCondLst>
+                                  <p:childTnLst>
+                                    <p:set>
+                                      <p:cBhvr>
+                                        <p:cTn id="24" dur="1" fill="hold">
+                                          <p:stCondLst>
+                                            <p:cond delay="0"/>
+                                          </p:stCondLst>
+                                        </p:cTn>
+                                        <p:tgtEl>
+                                          <p:spTgt spid="14"/>
+                                        </p:tgtEl>
+                                        <p:attrNameLst>
+                                          <p:attrName>style.visibility</p:attrName>
+                                        </p:attrNameLst>
+                                      </p:cBhvr>
+                                      <p:to>
+                                        <p:strVal val="visible"/>
+                                      </p:to>
+                                    </p:set>
+                                  </p:childTnLst>
+                                </p:cTn>
+                              </p:par>
+                            </p:childTnLst>
+                          </p:cTn>
+                        </p:par>
+                      </p:childTnLst>
+                    </p:cTn>
+                  </p:par>
+                </p:childTnLst>
+              </p:cTn>
+              <p:prevCondLst>
+                <p:cond evt="onPrev" delay="0">
+                  <p:tgtEl>
+                    <p:sldTgt/>
+                  </p:tgtEl>
+                </p:cond>
+              </p:prevCondLst>
+              <p:nextCondLst>
+                <p:cond evt="onNext" delay="0">
+                  <p:tgtEl>
+                    <p:sldTgt/>
+                  </p:tgtEl>
+                </p:cond>
+              </p:nextCondLst>
+            </p:seq>
+          </p:childTnLst>
+        </p:cTn>
+      </p:par>
+    </p:tnLst>
+    <p:bldLst>
+      <p:bldP spid="12" grpId="0"/>
+      <p:bldP spid="12" grpId="1"/>
+      <p:bldP spid="13" grpId="0"/>
+      <p:bldP spid="13" grpId="1"/>
+      <p:bldP spid="14" grpId="0"/>
+    </p:bldLst>
+  </p:timing>
 </p:sld>
 </file>
 
@@ -5530,7 +6061,7 @@
           <p:cNvPr id="2" name="Titel 1">
             <a:extLst>
               <a:ext uri="{FF2B5EF4-FFF2-40B4-BE49-F238E27FC236}">
-                <a16:creationId xmlns:a16="http://schemas.microsoft.com/office/drawing/2014/main" id="{754BA899-22EB-4194-9176-4C28EDA2E759}"/>
+                <a16:creationId xmlns:a16="http://schemas.microsoft.com/office/drawing/2014/main" id="{92797969-71CF-400D-8211-29427D350265}"/>
               </a:ext>
             </a:extLst>
           </p:cNvPr>
@@ -5548,7 +6079,35 @@
           <a:p>
             <a:r>
               <a:rPr lang="nl-NL" dirty="0" err="1"/>
-              <a:t>Conclusions</a:t>
+              <a:t>Results</a:t>
+            </a:r>
+            <a:r>
+              <a:rPr lang="nl-NL" dirty="0"/>
+              <a:t> – </a:t>
+            </a:r>
+            <a:r>
+              <a:rPr lang="nl-NL" dirty="0" err="1"/>
+              <a:t>Breadth</a:t>
+            </a:r>
+            <a:r>
+              <a:rPr lang="nl-NL" dirty="0"/>
+              <a:t> first </a:t>
+            </a:r>
+            <a:r>
+              <a:rPr lang="nl-NL" dirty="0" err="1"/>
+              <a:t>with</a:t>
+            </a:r>
+            <a:r>
+              <a:rPr lang="nl-NL" dirty="0"/>
+              <a:t> </a:t>
+            </a:r>
+            <a:r>
+              <a:rPr lang="nl-NL" dirty="0" err="1"/>
+              <a:t>beam</a:t>
+            </a:r>
+            <a:r>
+              <a:rPr lang="nl-NL" dirty="0"/>
+              <a:t> search</a:t>
             </a:r>
             <a:endParaRPr lang="en-GB" dirty="0"/>
           </a:p>
@@ -5559,7 +6118,7 @@
           <p:cNvPr id="3" name="Tijdelijke aanduiding voor inhoud 2">
             <a:extLst>
               <a:ext uri="{FF2B5EF4-FFF2-40B4-BE49-F238E27FC236}">
-                <a16:creationId xmlns:a16="http://schemas.microsoft.com/office/drawing/2014/main" id="{8C346F08-F98D-4E44-89F6-0B75313DA07A}"/>
+                <a16:creationId xmlns:a16="http://schemas.microsoft.com/office/drawing/2014/main" id="{8A7587FD-E1CD-4D02-B052-73B02857BF24}"/>
               </a:ext>
             </a:extLst>
           </p:cNvPr>
@@ -5575,27 +6134,32 @@
           <a:bodyPr/>
           <a:lstStyle/>
           <a:p>
-            <a:pPr marL="0" indent="0">
-              <a:buNone/>
-            </a:pPr>
             <a:r>
               <a:rPr lang="nl-NL" dirty="0"/>
-              <a:t>Data </a:t>
+              <a:t>Beam search </a:t>
             </a:r>
             <a:r>
               <a:rPr lang="nl-NL" dirty="0" err="1"/>
-              <a:t>structures</a:t>
-            </a:r>
-            <a:endParaRPr lang="en-GB" dirty="0"/>
+              <a:t>based</a:t>
+            </a:r>
+            <a:r>
+              <a:rPr lang="nl-NL" dirty="0"/>
+              <a:t> on </a:t>
+            </a:r>
+            <a:r>
+              <a:rPr lang="nl-NL" dirty="0" err="1"/>
+              <a:t>stability</a:t>
+            </a:r>
+            <a:endParaRPr lang="nl-NL" dirty="0"/>
           </a:p>
         </p:txBody>
       </p:sp>
       <p:graphicFrame>
         <p:nvGraphicFramePr>
-          <p:cNvPr id="9" name="Tabel 9">
+          <p:cNvPr id="6" name="Tabel 6">
             <a:extLst>
               <a:ext uri="{FF2B5EF4-FFF2-40B4-BE49-F238E27FC236}">
-                <a16:creationId xmlns:a16="http://schemas.microsoft.com/office/drawing/2014/main" id="{FB1BE989-1216-421F-A1B4-A91CF9316C26}"/>
+                <a16:creationId xmlns:a16="http://schemas.microsoft.com/office/drawing/2014/main" id="{249B9414-07B1-45FF-B2A1-75AD8188B282}"/>
               </a:ext>
             </a:extLst>
           </p:cNvPr>
@@ -5606,14 +6170,14 @@
             <p:ph sz="half" idx="2"/>
             <p:extLst>
               <p:ext uri="{D42A27DB-BD31-4B8C-83A1-F6EECF244321}">
-                <p14:modId xmlns:p14="http://schemas.microsoft.com/office/powerpoint/2010/main" val="3913756553"/>
+                <p14:modId xmlns:p14="http://schemas.microsoft.com/office/powerpoint/2010/main" val="2460146250"/>
               </p:ext>
             </p:extLst>
           </p:nvPr>
         </p:nvGraphicFramePr>
         <p:xfrm>
-          <a:off x="838198" y="3070531"/>
-          <a:ext cx="4934640" cy="3352800"/>
+          <a:off x="6649597" y="2039541"/>
+          <a:ext cx="5094384" cy="4007936"/>
         </p:xfrm>
         <a:graphic>
           <a:graphicData uri="http://schemas.openxmlformats.org/drawingml/2006/table">
@@ -5622,133 +6186,41 @@
                 <a:tableStyleId>{5C22544A-7EE6-4342-B048-85BDC9FD1C3A}</a:tableStyleId>
               </a:tblPr>
               <a:tblGrid>
-                <a:gridCol w="1233660">
+                <a:gridCol w="1701188">
                   <a:extLst>
                     <a:ext uri="{9D8B030D-6E8A-4147-A177-3AD203B41FA5}">
-                      <a16:colId xmlns:a16="http://schemas.microsoft.com/office/drawing/2014/main" val="313939156"/>
+                      <a16:colId xmlns:a16="http://schemas.microsoft.com/office/drawing/2014/main" val="3317038370"/>
                     </a:ext>
                   </a:extLst>
                 </a:gridCol>
-                <a:gridCol w="1233660">
+                <a:gridCol w="1266940">
                   <a:extLst>
                     <a:ext uri="{9D8B030D-6E8A-4147-A177-3AD203B41FA5}">
-                      <a16:colId xmlns:a16="http://schemas.microsoft.com/office/drawing/2014/main" val="854120346"/>
+                      <a16:colId xmlns:a16="http://schemas.microsoft.com/office/drawing/2014/main" val="2350395572"/>
                     </a:ext>
                   </a:extLst>
                 </a:gridCol>
-                <a:gridCol w="1233660">
+                <a:gridCol w="1068636">
                   <a:extLst>
                     <a:ext uri="{9D8B030D-6E8A-4147-A177-3AD203B41FA5}">
-                      <a16:colId xmlns:a16="http://schemas.microsoft.com/office/drawing/2014/main" val="3980145933"/>
+                      <a16:colId xmlns:a16="http://schemas.microsoft.com/office/drawing/2014/main" val="2283871489"/>
                     </a:ext>
                   </a:extLst>
                 </a:gridCol>
-                <a:gridCol w="1233660">
+                <a:gridCol w="1057620">
                   <a:extLst>
                     <a:ext uri="{9D8B030D-6E8A-4147-A177-3AD203B41FA5}">
-                      <a16:colId xmlns:a16="http://schemas.microsoft.com/office/drawing/2014/main" val="96308536"/>
+                      <a16:colId xmlns:a16="http://schemas.microsoft.com/office/drawing/2014/main" val="1390174598"/>
                     </a:ext>
                   </a:extLst>
                 </a:gridCol>
               </a:tblGrid>
-              <a:tr h="370840">
+              <a:tr h="716096">
                 <a:tc>
                   <a:txBody>
                     <a:bodyPr/>
                     <a:lstStyle/>
                     <a:p>
-                      <a:r>
-                        <a:rPr lang="nl-NL" sz="1400" dirty="0" err="1"/>
-                        <a:t>Situation</a:t>
-                      </a:r>
-                      <a:endParaRPr lang="en-GB" sz="1400" dirty="0"/>
-                    </a:p>
-                  </a:txBody>
-                  <a:tcPr/>
-                </a:tc>
-                <a:tc>
-                  <a:txBody>
-                    <a:bodyPr/>
-                    <a:lstStyle/>
-                    <a:p>
-                      <a:r>
-                        <a:rPr lang="nl-NL" sz="1400" dirty="0"/>
-                        <a:t>Matrix (time)</a:t>
-                      </a:r>
-                      <a:endParaRPr lang="en-GB" sz="1400" dirty="0"/>
-                    </a:p>
-                  </a:txBody>
-                  <a:tcPr/>
-                </a:tc>
-                <a:tc>
-                  <a:txBody>
-                    <a:bodyPr/>
-                    <a:lstStyle/>
-                    <a:p>
-                      <a:r>
-                        <a:rPr lang="nl-NL" sz="1400" dirty="0"/>
-                        <a:t>Dictionary (time)</a:t>
-                      </a:r>
-                      <a:endParaRPr lang="en-GB" sz="1400" dirty="0"/>
-                    </a:p>
-                  </a:txBody>
-                  <a:tcPr/>
-                </a:tc>
-                <a:tc>
-                  <a:txBody>
-                    <a:bodyPr/>
-                    <a:lstStyle/>
-                    <a:p>
-                      <a:r>
-                        <a:rPr lang="nl-NL" sz="1400" dirty="0" err="1"/>
-                        <a:t>Improvement</a:t>
-                      </a:r>
-                      <a:endParaRPr lang="en-GB" sz="1400" dirty="0"/>
-                    </a:p>
-                  </a:txBody>
-                  <a:tcPr/>
-                </a:tc>
-                <a:extLst>
-                  <a:ext uri="{0D108BD9-81ED-4DB2-BD59-A6C34878D82A}">
-                    <a16:rowId xmlns:a16="http://schemas.microsoft.com/office/drawing/2014/main" val="3517321127"/>
-                  </a:ext>
-                </a:extLst>
-              </a:tr>
-              <a:tr h="370840">
-                <a:tc>
-                  <a:txBody>
-                    <a:bodyPr/>
-                    <a:lstStyle/>
-                    <a:p>
-                      <a:r>
-                        <a:rPr lang="nl-NL" dirty="0"/>
-                        <a:t>L=8, 2D, N=</a:t>
-                      </a:r>
-                      <a:r>
-                        <a:rPr lang="en-GB" dirty="0"/>
-                        <a:t>5E</a:t>
-                      </a:r>
-                      <a:r>
-                        <a:rPr lang="en-GB" baseline="30000" dirty="0"/>
-                        <a:t>5</a:t>
-                      </a:r>
-                      <a:r>
-                        <a:rPr lang="en-GB" dirty="0"/>
-                        <a:t> </a:t>
-                      </a:r>
-                    </a:p>
-                  </a:txBody>
-                  <a:tcPr/>
-                </a:tc>
-                <a:tc>
-                  <a:txBody>
-                    <a:bodyPr/>
-                    <a:lstStyle/>
-                    <a:p>
-                      <a:r>
-                        <a:rPr lang="nl-NL" dirty="0"/>
-                        <a:t>23 s</a:t>
-                      </a:r>
                       <a:endParaRPr lang="en-GB" dirty="0"/>
                     </a:p>
                   </a:txBody>
@@ -5760,68 +6232,27 @@
                     <a:lstStyle/>
                     <a:p>
                       <a:r>
-                        <a:rPr lang="en-GB" dirty="0"/>
-                        <a:t>30 s</a:t>
-                      </a:r>
+                        <a:rPr lang="nl-NL" dirty="0" err="1"/>
+                        <a:t>Protein</a:t>
+                      </a:r>
+                      <a:r>
+                        <a:rPr lang="nl-NL" dirty="0"/>
+                        <a:t> </a:t>
+                      </a:r>
+                      <a:r>
+                        <a:rPr lang="nl-NL" dirty="0" err="1"/>
+                        <a:t>length</a:t>
+                      </a:r>
+                      <a:endParaRPr lang="nl-NL" dirty="0"/>
                     </a:p>
-                  </a:txBody>
-                  <a:tcPr/>
-                </a:tc>
-                <a:tc>
-                  <a:txBody>
-                    <a:bodyPr/>
-                    <a:lstStyle/>
                     <a:p>
                       <a:r>
                         <a:rPr lang="nl-NL" dirty="0"/>
-                        <a:t>+23%</a:t>
+                        <a:t>8 in 3D</a:t>
                       </a:r>
                       <a:endParaRPr lang="en-GB" dirty="0"/>
                     </a:p>
-                  </a:txBody>
-                  <a:tcPr/>
-                </a:tc>
-                <a:extLst>
-                  <a:ext uri="{0D108BD9-81ED-4DB2-BD59-A6C34878D82A}">
-                    <a16:rowId xmlns:a16="http://schemas.microsoft.com/office/drawing/2014/main" val="1725324993"/>
-                  </a:ext>
-                </a:extLst>
-              </a:tr>
-              <a:tr h="370840">
-                <a:tc>
-                  <a:txBody>
-                    <a:bodyPr/>
-                    <a:lstStyle/>
                     <a:p>
-                      <a:r>
-                        <a:rPr lang="nl-NL" dirty="0"/>
-                        <a:t>L=50, 2D, N=</a:t>
-                      </a:r>
-                      <a:r>
-                        <a:rPr lang="en-GB" dirty="0"/>
-                        <a:t>1E</a:t>
-                      </a:r>
-                      <a:r>
-                        <a:rPr lang="en-GB" baseline="30000" dirty="0"/>
-                        <a:t>5</a:t>
-                      </a:r>
-                      <a:r>
-                        <a:rPr lang="en-GB" dirty="0"/>
-                        <a:t> </a:t>
-                      </a:r>
-                    </a:p>
-                  </a:txBody>
-                  <a:tcPr/>
-                </a:tc>
-                <a:tc>
-                  <a:txBody>
-                    <a:bodyPr/>
-                    <a:lstStyle/>
-                    <a:p>
-                      <a:r>
-                        <a:rPr lang="nl-NL" dirty="0"/>
-                        <a:t>30 s</a:t>
-                      </a:r>
                       <a:endParaRPr lang="en-GB" dirty="0"/>
                     </a:p>
                   </a:txBody>
@@ -5833,9 +6264,30 @@
                     <a:lstStyle/>
                     <a:p>
                       <a:r>
+                        <a:rPr lang="nl-NL" dirty="0" err="1"/>
+                        <a:t>Protein</a:t>
+                      </a:r>
+                      <a:r>
                         <a:rPr lang="nl-NL" dirty="0"/>
-                        <a:t>34 s</a:t>
-                      </a:r>
+                        <a:t> </a:t>
+                      </a:r>
+                      <a:r>
+                        <a:rPr lang="nl-NL" dirty="0" err="1"/>
+                        <a:t>length</a:t>
+                      </a:r>
+                      <a:endParaRPr lang="nl-NL" dirty="0"/>
+                    </a:p>
+                    <a:p>
+                      <a:r>
+                        <a:rPr lang="nl-NL" dirty="0"/>
+                        <a:t>14 in 3D</a:t>
+                      </a:r>
+                      <a:endParaRPr lang="en-GB" dirty="0"/>
+                    </a:p>
+                    <a:p>
+                      <a:endParaRPr lang="en-GB" dirty="0"/>
+                    </a:p>
+                    <a:p>
                       <a:endParaRPr lang="en-GB" dirty="0"/>
                     </a:p>
                   </a:txBody>
@@ -5847,9 +6299,27 @@
                     <a:lstStyle/>
                     <a:p>
                       <a:r>
+                        <a:rPr lang="nl-NL" dirty="0" err="1"/>
+                        <a:t>Protein</a:t>
+                      </a:r>
+                      <a:r>
                         <a:rPr lang="nl-NL" dirty="0"/>
-                        <a:t>+12%</a:t>
-                      </a:r>
+                        <a:t> </a:t>
+                      </a:r>
+                      <a:r>
+                        <a:rPr lang="nl-NL" dirty="0" err="1"/>
+                        <a:t>length</a:t>
+                      </a:r>
+                      <a:endParaRPr lang="nl-NL" dirty="0"/>
+                    </a:p>
+                    <a:p>
+                      <a:r>
+                        <a:rPr lang="nl-NL" dirty="0"/>
+                        <a:t>20 in 3D</a:t>
+                      </a:r>
+                      <a:endParaRPr lang="en-GB" dirty="0"/>
+                    </a:p>
+                    <a:p>
                       <a:endParaRPr lang="en-GB" dirty="0"/>
                     </a:p>
                   </a:txBody>
@@ -5857,11 +6327,11 @@
                 </a:tc>
                 <a:extLst>
                   <a:ext uri="{0D108BD9-81ED-4DB2-BD59-A6C34878D82A}">
-                    <a16:rowId xmlns:a16="http://schemas.microsoft.com/office/drawing/2014/main" val="3479867334"/>
+                    <a16:rowId xmlns:a16="http://schemas.microsoft.com/office/drawing/2014/main" val="1685611198"/>
                   </a:ext>
                 </a:extLst>
               </a:tr>
-              <a:tr h="370840">
+              <a:tr h="716096">
                 <a:tc>
                   <a:txBody>
                     <a:bodyPr/>
@@ -5869,32 +6339,18 @@
                     <a:p>
                       <a:r>
                         <a:rPr lang="nl-NL" dirty="0"/>
-                        <a:t>L=50, 3D, N=</a:t>
-                      </a:r>
-                      <a:r>
-                        <a:rPr lang="en-GB" dirty="0"/>
-                        <a:t>1E</a:t>
-                      </a:r>
-                      <a:r>
-                        <a:rPr lang="en-GB" baseline="30000" dirty="0"/>
-                        <a:t>4</a:t>
-                      </a:r>
-                      <a:r>
-                        <a:rPr lang="en-GB" dirty="0"/>
-                        <a:t> </a:t>
-                      </a:r>
+                        <a:t>Number of </a:t>
+                      </a:r>
+                      <a:r>
+                        <a:rPr lang="nl-NL" dirty="0" err="1"/>
+                        <a:t>permutations</a:t>
+                      </a:r>
+                      <a:endParaRPr lang="nl-NL" dirty="0"/>
                     </a:p>
-                  </a:txBody>
-                  <a:tcPr/>
-                </a:tc>
-                <a:tc>
-                  <a:txBody>
-                    <a:bodyPr/>
-                    <a:lstStyle/>
                     <a:p>
                       <a:r>
                         <a:rPr lang="nl-NL" dirty="0"/>
-                        <a:t>107 s</a:t>
+                        <a:t>found</a:t>
                       </a:r>
                       <a:endParaRPr lang="en-GB" dirty="0"/>
                     </a:p>
@@ -5908,7 +6364,7 @@
                     <a:p>
                       <a:r>
                         <a:rPr lang="nl-NL" dirty="0"/>
-                        <a:t>5 s</a:t>
+                        <a:t>72</a:t>
                       </a:r>
                       <a:endParaRPr lang="en-GB" dirty="0"/>
                     </a:p>
@@ -5922,43 +6378,7 @@
                     <a:p>
                       <a:r>
                         <a:rPr lang="nl-NL" dirty="0"/>
-                        <a:t>-2040%</a:t>
-                      </a:r>
-                      <a:endParaRPr lang="en-GB" dirty="0"/>
-                    </a:p>
-                  </a:txBody>
-                  <a:tcPr/>
-                </a:tc>
-                <a:extLst>
-                  <a:ext uri="{0D108BD9-81ED-4DB2-BD59-A6C34878D82A}">
-                    <a16:rowId xmlns:a16="http://schemas.microsoft.com/office/drawing/2014/main" val="3369620921"/>
-                  </a:ext>
-                </a:extLst>
-              </a:tr>
-              <a:tr h="370840">
-                <a:tc>
-                  <a:txBody>
-                    <a:bodyPr/>
-                    <a:lstStyle/>
-                    <a:p>
-                      <a:r>
-                        <a:rPr lang="nl-NL" dirty="0" err="1"/>
-                        <a:t>Size</a:t>
-                      </a:r>
-                      <a:r>
-                        <a:rPr lang="nl-NL" dirty="0"/>
-                        <a:t> </a:t>
-                      </a:r>
-                      <a:r>
-                        <a:rPr lang="nl-NL" dirty="0" err="1"/>
-                        <a:t>restriction</a:t>
-                      </a:r>
-                      <a:endParaRPr lang="nl-NL" dirty="0"/>
-                    </a:p>
-                    <a:p>
-                      <a:r>
-                        <a:rPr lang="nl-NL" dirty="0"/>
-                        <a:t>D=0.5L</a:t>
+                        <a:t>130</a:t>
                       </a:r>
                       <a:endParaRPr lang="en-GB" dirty="0"/>
                     </a:p>
@@ -5972,7 +6392,42 @@
                     <a:p>
                       <a:r>
                         <a:rPr lang="nl-NL" dirty="0"/>
-                        <a:t>3 s</a:t>
+                        <a:t>176</a:t>
+                      </a:r>
+                      <a:endParaRPr lang="en-GB" dirty="0"/>
+                    </a:p>
+                  </a:txBody>
+                  <a:tcPr/>
+                </a:tc>
+                <a:extLst>
+                  <a:ext uri="{0D108BD9-81ED-4DB2-BD59-A6C34878D82A}">
+                    <a16:rowId xmlns:a16="http://schemas.microsoft.com/office/drawing/2014/main" val="2845706493"/>
+                  </a:ext>
+                </a:extLst>
+              </a:tr>
+              <a:tr h="716096">
+                <a:tc>
+                  <a:txBody>
+                    <a:bodyPr/>
+                    <a:lstStyle/>
+                    <a:p>
+                      <a:r>
+                        <a:rPr lang="nl-NL" dirty="0"/>
+                        <a:t>Number of </a:t>
+                      </a:r>
+                      <a:r>
+                        <a:rPr lang="nl-NL" dirty="0" err="1"/>
+                        <a:t>permutations</a:t>
+                      </a:r>
+                      <a:r>
+                        <a:rPr lang="nl-NL" dirty="0"/>
+                        <a:t> </a:t>
+                      </a:r>
+                    </a:p>
+                    <a:p>
+                      <a:r>
+                        <a:rPr lang="nl-NL" dirty="0" err="1"/>
+                        <a:t>expected</a:t>
                       </a:r>
                       <a:endParaRPr lang="en-GB" dirty="0"/>
                     </a:p>
@@ -5986,7 +6441,7 @@
                     <a:p>
                       <a:r>
                         <a:rPr lang="nl-NL" dirty="0"/>
-                        <a:t>5 s</a:t>
+                        <a:t>15625</a:t>
                       </a:r>
                       <a:endParaRPr lang="en-GB" dirty="0"/>
                     </a:p>
@@ -5999,8 +6454,22 @@
                     <a:lstStyle/>
                     <a:p>
                       <a:r>
-                        <a:rPr lang="nl-NL"/>
-                        <a:t>+40%</a:t>
+                        <a:rPr lang="nl-NL" baseline="0" dirty="0"/>
+                        <a:t>244e6</a:t>
+                      </a:r>
+                      <a:endParaRPr lang="en-GB" baseline="0" dirty="0"/>
+                    </a:p>
+                  </a:txBody>
+                  <a:tcPr/>
+                </a:tc>
+                <a:tc>
+                  <a:txBody>
+                    <a:bodyPr/>
+                    <a:lstStyle/>
+                    <a:p>
+                      <a:r>
+                        <a:rPr lang="nl-NL" dirty="0"/>
+                        <a:t>3814e6</a:t>
                       </a:r>
                       <a:endParaRPr lang="en-GB" dirty="0"/>
                     </a:p>
@@ -6009,7 +6478,74 @@
                 </a:tc>
                 <a:extLst>
                   <a:ext uri="{0D108BD9-81ED-4DB2-BD59-A6C34878D82A}">
-                    <a16:rowId xmlns:a16="http://schemas.microsoft.com/office/drawing/2014/main" val="3925137740"/>
+                    <a16:rowId xmlns:a16="http://schemas.microsoft.com/office/drawing/2014/main" val="1924592877"/>
+                  </a:ext>
+                </a:extLst>
+              </a:tr>
+              <a:tr h="716096">
+                <a:tc>
+                  <a:txBody>
+                    <a:bodyPr/>
+                    <a:lstStyle/>
+                    <a:p>
+                      <a:r>
+                        <a:rPr lang="nl-NL" dirty="0" err="1"/>
+                        <a:t>Stability</a:t>
+                      </a:r>
+                      <a:r>
+                        <a:rPr lang="nl-NL" dirty="0"/>
+                        <a:t> found</a:t>
+                      </a:r>
+                      <a:endParaRPr lang="en-GB" dirty="0"/>
+                    </a:p>
+                  </a:txBody>
+                  <a:tcPr/>
+                </a:tc>
+                <a:tc>
+                  <a:txBody>
+                    <a:bodyPr/>
+                    <a:lstStyle/>
+                    <a:p>
+                      <a:r>
+                        <a:rPr lang="nl-NL" dirty="0"/>
+                        <a:t>-3</a:t>
+                      </a:r>
+                      <a:endParaRPr lang="en-GB" dirty="0"/>
+                    </a:p>
+                  </a:txBody>
+                  <a:tcPr/>
+                </a:tc>
+                <a:tc>
+                  <a:txBody>
+                    <a:bodyPr/>
+                    <a:lstStyle/>
+                    <a:p>
+                      <a:r>
+                        <a:rPr lang="nl-NL" dirty="0"/>
+                        <a:t>-7</a:t>
+                      </a:r>
+                      <a:endParaRPr lang="en-GB" dirty="0"/>
+                    </a:p>
+                  </a:txBody>
+                  <a:tcPr/>
+                </a:tc>
+                <a:tc>
+                  <a:txBody>
+                    <a:bodyPr/>
+                    <a:lstStyle/>
+                    <a:p>
+                      <a:r>
+                        <a:rPr lang="nl-NL" dirty="0"/>
+                        <a:t>-11</a:t>
+                      </a:r>
+                      <a:endParaRPr lang="en-GB" dirty="0"/>
+                    </a:p>
+                  </a:txBody>
+                  <a:tcPr/>
+                </a:tc>
+                <a:extLst>
+                  <a:ext uri="{0D108BD9-81ED-4DB2-BD59-A6C34878D82A}">
+                    <a16:rowId xmlns:a16="http://schemas.microsoft.com/office/drawing/2014/main" val="1609953203"/>
                   </a:ext>
                 </a:extLst>
               </a:tr>
@@ -6017,6 +6553,209 @@
           </a:graphicData>
         </a:graphic>
       </p:graphicFrame>
+      <p:sp>
+        <p:nvSpPr>
+          <p:cNvPr id="5" name="Tijdelijke aanduiding voor dianummer 4">
+            <a:extLst>
+              <a:ext uri="{FF2B5EF4-FFF2-40B4-BE49-F238E27FC236}">
+                <a16:creationId xmlns:a16="http://schemas.microsoft.com/office/drawing/2014/main" id="{3CCEDB28-F8FB-4CAB-BEA0-526A3E6D51B9}"/>
+              </a:ext>
+            </a:extLst>
+          </p:cNvPr>
+          <p:cNvSpPr>
+            <a:spLocks noGrp="1"/>
+          </p:cNvSpPr>
+          <p:nvPr>
+            <p:ph type="sldNum" sz="quarter" idx="12"/>
+          </p:nvPr>
+        </p:nvSpPr>
+        <p:spPr/>
+        <p:txBody>
+          <a:bodyPr/>
+          <a:lstStyle/>
+          <a:p>
+            <a:fld id="{D1892F8F-5571-E246-B053-E27A62D47BEF}" type="slidenum">
+              <a:rPr lang="en-GB" smtClean="0"/>
+              <a:t>16</a:t>
+            </a:fld>
+            <a:endParaRPr lang="en-GB"/>
+          </a:p>
+        </p:txBody>
+      </p:sp>
+    </p:spTree>
+    <p:extLst>
+      <p:ext uri="{BB962C8B-B14F-4D97-AF65-F5344CB8AC3E}">
+        <p14:creationId xmlns:p14="http://schemas.microsoft.com/office/powerpoint/2010/main" val="470101755"/>
+      </p:ext>
+    </p:extLst>
+  </p:cSld>
+  <p:clrMapOvr>
+    <a:masterClrMapping/>
+  </p:clrMapOvr>
+</p:sld>
+</file>
+
+<file path=ppt/slides/slide17.xml><?xml version="1.0" encoding="utf-8"?>
+<p:sld xmlns:a="http://schemas.openxmlformats.org/drawingml/2006/main" xmlns:r="http://schemas.openxmlformats.org/officeDocument/2006/relationships" xmlns:p="http://schemas.openxmlformats.org/presentationml/2006/main">
+  <p:cSld>
+    <p:spTree>
+      <p:nvGrpSpPr>
+        <p:cNvPr id="1" name=""/>
+        <p:cNvGrpSpPr/>
+        <p:nvPr/>
+      </p:nvGrpSpPr>
+      <p:grpSpPr>
+        <a:xfrm>
+          <a:off x="0" y="0"/>
+          <a:ext cx="0" cy="0"/>
+          <a:chOff x="0" y="0"/>
+          <a:chExt cx="0" cy="0"/>
+        </a:xfrm>
+      </p:grpSpPr>
+      <p:sp>
+        <p:nvSpPr>
+          <p:cNvPr id="2" name="Titel 1">
+            <a:extLst>
+              <a:ext uri="{FF2B5EF4-FFF2-40B4-BE49-F238E27FC236}">
+                <a16:creationId xmlns:a16="http://schemas.microsoft.com/office/drawing/2014/main" id="{754BA899-22EB-4194-9176-4C28EDA2E759}"/>
+              </a:ext>
+            </a:extLst>
+          </p:cNvPr>
+          <p:cNvSpPr>
+            <a:spLocks noGrp="1"/>
+          </p:cNvSpPr>
+          <p:nvPr>
+            <p:ph type="title"/>
+          </p:nvPr>
+        </p:nvSpPr>
+        <p:spPr/>
+        <p:txBody>
+          <a:bodyPr/>
+          <a:lstStyle/>
+          <a:p>
+            <a:r>
+              <a:rPr lang="nl-NL" dirty="0" err="1"/>
+              <a:t>Conclusions</a:t>
+            </a:r>
+            <a:endParaRPr lang="en-GB" dirty="0"/>
+          </a:p>
+        </p:txBody>
+      </p:sp>
+      <p:sp>
+        <p:nvSpPr>
+          <p:cNvPr id="3" name="Tijdelijke aanduiding voor inhoud 2">
+            <a:extLst>
+              <a:ext uri="{FF2B5EF4-FFF2-40B4-BE49-F238E27FC236}">
+                <a16:creationId xmlns:a16="http://schemas.microsoft.com/office/drawing/2014/main" id="{8C346F08-F98D-4E44-89F6-0B75313DA07A}"/>
+              </a:ext>
+            </a:extLst>
+          </p:cNvPr>
+          <p:cNvSpPr>
+            <a:spLocks noGrp="1"/>
+          </p:cNvSpPr>
+          <p:nvPr>
+            <p:ph sz="half" idx="1"/>
+          </p:nvPr>
+        </p:nvSpPr>
+        <p:spPr>
+          <a:xfrm>
+            <a:off x="838198" y="1825625"/>
+            <a:ext cx="5181600" cy="4351338"/>
+          </a:xfrm>
+        </p:spPr>
+        <p:txBody>
+          <a:bodyPr/>
+          <a:lstStyle/>
+          <a:p>
+            <a:r>
+              <a:rPr lang="nl-NL" dirty="0"/>
+              <a:t>State </a:t>
+            </a:r>
+            <a:r>
+              <a:rPr lang="nl-NL" dirty="0" err="1"/>
+              <a:t>space</a:t>
+            </a:r>
+            <a:r>
+              <a:rPr lang="nl-NL" dirty="0"/>
+              <a:t> </a:t>
+            </a:r>
+            <a:r>
+              <a:rPr lang="nl-NL" dirty="0" err="1"/>
+              <a:t>overestimation</a:t>
+            </a:r>
+            <a:endParaRPr lang="nl-NL" dirty="0"/>
+          </a:p>
+          <a:p>
+            <a:r>
+              <a:rPr lang="nl-NL" dirty="0" err="1"/>
+              <a:t>Size</a:t>
+            </a:r>
+            <a:r>
+              <a:rPr lang="nl-NL" dirty="0"/>
+              <a:t> </a:t>
+            </a:r>
+            <a:r>
+              <a:rPr lang="nl-NL" dirty="0" err="1"/>
+              <a:t>restricting</a:t>
+            </a:r>
+            <a:r>
+              <a:rPr lang="nl-NL" dirty="0"/>
+              <a:t> </a:t>
+            </a:r>
+            <a:r>
+              <a:rPr lang="nl-NL" dirty="0" err="1"/>
+              <a:t>heuristic</a:t>
+            </a:r>
+            <a:r>
+              <a:rPr lang="nl-NL" dirty="0"/>
+              <a:t> </a:t>
+            </a:r>
+            <a:r>
+              <a:rPr lang="nl-NL" dirty="0" err="1"/>
+              <a:t>improvements</a:t>
+            </a:r>
+            <a:endParaRPr lang="nl-NL" dirty="0"/>
+          </a:p>
+          <a:p>
+            <a:r>
+              <a:rPr lang="nl-NL" dirty="0"/>
+              <a:t>EHA </a:t>
+            </a:r>
+            <a:r>
+              <a:rPr lang="nl-NL" dirty="0" err="1"/>
+              <a:t>algorithm</a:t>
+            </a:r>
+            <a:endParaRPr lang="nl-NL" dirty="0"/>
+          </a:p>
+          <a:p>
+            <a:r>
+              <a:rPr lang="nl-NL" dirty="0" err="1"/>
+              <a:t>Breadth</a:t>
+            </a:r>
+            <a:r>
+              <a:rPr lang="nl-NL" dirty="0"/>
+              <a:t> first, </a:t>
+            </a:r>
+            <a:r>
+              <a:rPr lang="nl-NL" dirty="0" err="1"/>
+              <a:t>beam</a:t>
+            </a:r>
+            <a:r>
+              <a:rPr lang="nl-NL" dirty="0"/>
+              <a:t> search</a:t>
+            </a:r>
+          </a:p>
+          <a:p>
+            <a:endParaRPr lang="nl-NL" dirty="0"/>
+          </a:p>
+          <a:p>
+            <a:endParaRPr lang="nl-NL" dirty="0"/>
+          </a:p>
+          <a:p>
+            <a:endParaRPr lang="en-GB" dirty="0"/>
+          </a:p>
+        </p:txBody>
+      </p:sp>
       <p:sp>
         <p:nvSpPr>
           <p:cNvPr id="11" name="Tijdelijke aanduiding voor inhoud 2">
@@ -6217,218 +6956,6 @@
           </a:p>
         </p:txBody>
       </p:sp>
-      <p:sp>
-        <p:nvSpPr>
-          <p:cNvPr id="12" name="Tijdelijke aanduiding voor inhoud 2">
-            <a:extLst>
-              <a:ext uri="{FF2B5EF4-FFF2-40B4-BE49-F238E27FC236}">
-                <a16:creationId xmlns:a16="http://schemas.microsoft.com/office/drawing/2014/main" id="{2EC311AB-655A-484A-B87F-842DC524E1CB}"/>
-              </a:ext>
-            </a:extLst>
-          </p:cNvPr>
-          <p:cNvSpPr txBox="1">
-            <a:spLocks/>
-          </p:cNvSpPr>
-          <p:nvPr/>
-        </p:nvSpPr>
-        <p:spPr>
-          <a:xfrm>
-            <a:off x="6172200" y="1825625"/>
-            <a:ext cx="5181600" cy="4351338"/>
-          </a:xfrm>
-          <a:prstGeom prst="rect">
-            <a:avLst/>
-          </a:prstGeom>
-        </p:spPr>
-        <p:txBody>
-          <a:bodyPr vert="horz" lIns="91440" tIns="45720" rIns="91440" bIns="45720" rtlCol="0">
-            <a:normAutofit/>
-          </a:bodyPr>
-          <a:lstStyle>
-            <a:lvl1pPr marL="228600" indent="-228600" algn="l" defTabSz="914400" rtl="0" eaLnBrk="1" latinLnBrk="0" hangingPunct="1">
-              <a:lnSpc>
-                <a:spcPct val="90000"/>
-              </a:lnSpc>
-              <a:spcBef>
-                <a:spcPts val="1000"/>
-              </a:spcBef>
-              <a:buFont typeface="Arial" panose="020B0604020202020204" pitchFamily="34" charset="0"/>
-              <a:buChar char="•"/>
-              <a:defRPr sz="2800" kern="1200">
-                <a:solidFill>
-                  <a:schemeClr val="tx1"/>
-                </a:solidFill>
-                <a:latin typeface="+mn-lt"/>
-                <a:ea typeface="+mn-ea"/>
-                <a:cs typeface="+mn-cs"/>
-              </a:defRPr>
-            </a:lvl1pPr>
-            <a:lvl2pPr marL="685800" indent="-228600" algn="l" defTabSz="914400" rtl="0" eaLnBrk="1" latinLnBrk="0" hangingPunct="1">
-              <a:lnSpc>
-                <a:spcPct val="90000"/>
-              </a:lnSpc>
-              <a:spcBef>
-                <a:spcPts val="500"/>
-              </a:spcBef>
-              <a:buFont typeface="Arial" panose="020B0604020202020204" pitchFamily="34" charset="0"/>
-              <a:buChar char="•"/>
-              <a:defRPr sz="2400" kern="1200">
-                <a:solidFill>
-                  <a:schemeClr val="tx1"/>
-                </a:solidFill>
-                <a:latin typeface="+mn-lt"/>
-                <a:ea typeface="+mn-ea"/>
-                <a:cs typeface="+mn-cs"/>
-              </a:defRPr>
-            </a:lvl2pPr>
-            <a:lvl3pPr marL="1143000" indent="-228600" algn="l" defTabSz="914400" rtl="0" eaLnBrk="1" latinLnBrk="0" hangingPunct="1">
-              <a:lnSpc>
-                <a:spcPct val="90000"/>
-              </a:lnSpc>
-              <a:spcBef>
-                <a:spcPts val="500"/>
-              </a:spcBef>
-              <a:buFont typeface="Arial" panose="020B0604020202020204" pitchFamily="34" charset="0"/>
-              <a:buChar char="•"/>
-              <a:defRPr sz="2000" kern="1200">
-                <a:solidFill>
-                  <a:schemeClr val="tx1"/>
-                </a:solidFill>
-                <a:latin typeface="+mn-lt"/>
-                <a:ea typeface="+mn-ea"/>
-                <a:cs typeface="+mn-cs"/>
-              </a:defRPr>
-            </a:lvl3pPr>
-            <a:lvl4pPr marL="1600200" indent="-228600" algn="l" defTabSz="914400" rtl="0" eaLnBrk="1" latinLnBrk="0" hangingPunct="1">
-              <a:lnSpc>
-                <a:spcPct val="90000"/>
-              </a:lnSpc>
-              <a:spcBef>
-                <a:spcPts val="500"/>
-              </a:spcBef>
-              <a:buFont typeface="Arial" panose="020B0604020202020204" pitchFamily="34" charset="0"/>
-              <a:buChar char="•"/>
-              <a:defRPr sz="1800" kern="1200">
-                <a:solidFill>
-                  <a:schemeClr val="tx1"/>
-                </a:solidFill>
-                <a:latin typeface="+mn-lt"/>
-                <a:ea typeface="+mn-ea"/>
-                <a:cs typeface="+mn-cs"/>
-              </a:defRPr>
-            </a:lvl4pPr>
-            <a:lvl5pPr marL="2057400" indent="-228600" algn="l" defTabSz="914400" rtl="0" eaLnBrk="1" latinLnBrk="0" hangingPunct="1">
-              <a:lnSpc>
-                <a:spcPct val="90000"/>
-              </a:lnSpc>
-              <a:spcBef>
-                <a:spcPts val="500"/>
-              </a:spcBef>
-              <a:buFont typeface="Arial" panose="020B0604020202020204" pitchFamily="34" charset="0"/>
-              <a:buChar char="•"/>
-              <a:defRPr sz="1800" kern="1200">
-                <a:solidFill>
-                  <a:schemeClr val="tx1"/>
-                </a:solidFill>
-                <a:latin typeface="+mn-lt"/>
-                <a:ea typeface="+mn-ea"/>
-                <a:cs typeface="+mn-cs"/>
-              </a:defRPr>
-            </a:lvl5pPr>
-            <a:lvl6pPr marL="2514600" indent="-228600" algn="l" defTabSz="914400" rtl="0" eaLnBrk="1" latinLnBrk="0" hangingPunct="1">
-              <a:lnSpc>
-                <a:spcPct val="90000"/>
-              </a:lnSpc>
-              <a:spcBef>
-                <a:spcPts val="500"/>
-              </a:spcBef>
-              <a:buFont typeface="Arial" panose="020B0604020202020204" pitchFamily="34" charset="0"/>
-              <a:buChar char="•"/>
-              <a:defRPr sz="1800" kern="1200">
-                <a:solidFill>
-                  <a:schemeClr val="tx1"/>
-                </a:solidFill>
-                <a:latin typeface="+mn-lt"/>
-                <a:ea typeface="+mn-ea"/>
-                <a:cs typeface="+mn-cs"/>
-              </a:defRPr>
-            </a:lvl6pPr>
-            <a:lvl7pPr marL="2971800" indent="-228600" algn="l" defTabSz="914400" rtl="0" eaLnBrk="1" latinLnBrk="0" hangingPunct="1">
-              <a:lnSpc>
-                <a:spcPct val="90000"/>
-              </a:lnSpc>
-              <a:spcBef>
-                <a:spcPts val="500"/>
-              </a:spcBef>
-              <a:buFont typeface="Arial" panose="020B0604020202020204" pitchFamily="34" charset="0"/>
-              <a:buChar char="•"/>
-              <a:defRPr sz="1800" kern="1200">
-                <a:solidFill>
-                  <a:schemeClr val="tx1"/>
-                </a:solidFill>
-                <a:latin typeface="+mn-lt"/>
-                <a:ea typeface="+mn-ea"/>
-                <a:cs typeface="+mn-cs"/>
-              </a:defRPr>
-            </a:lvl7pPr>
-            <a:lvl8pPr marL="3429000" indent="-228600" algn="l" defTabSz="914400" rtl="0" eaLnBrk="1" latinLnBrk="0" hangingPunct="1">
-              <a:lnSpc>
-                <a:spcPct val="90000"/>
-              </a:lnSpc>
-              <a:spcBef>
-                <a:spcPts val="500"/>
-              </a:spcBef>
-              <a:buFont typeface="Arial" panose="020B0604020202020204" pitchFamily="34" charset="0"/>
-              <a:buChar char="•"/>
-              <a:defRPr sz="1800" kern="1200">
-                <a:solidFill>
-                  <a:schemeClr val="tx1"/>
-                </a:solidFill>
-                <a:latin typeface="+mn-lt"/>
-                <a:ea typeface="+mn-ea"/>
-                <a:cs typeface="+mn-cs"/>
-              </a:defRPr>
-            </a:lvl8pPr>
-            <a:lvl9pPr marL="3886200" indent="-228600" algn="l" defTabSz="914400" rtl="0" eaLnBrk="1" latinLnBrk="0" hangingPunct="1">
-              <a:lnSpc>
-                <a:spcPct val="90000"/>
-              </a:lnSpc>
-              <a:spcBef>
-                <a:spcPts val="500"/>
-              </a:spcBef>
-              <a:buFont typeface="Arial" panose="020B0604020202020204" pitchFamily="34" charset="0"/>
-              <a:buChar char="•"/>
-              <a:defRPr sz="1800" kern="1200">
-                <a:solidFill>
-                  <a:schemeClr val="tx1"/>
-                </a:solidFill>
-                <a:latin typeface="+mn-lt"/>
-                <a:ea typeface="+mn-ea"/>
-                <a:cs typeface="+mn-cs"/>
-              </a:defRPr>
-            </a:lvl9pPr>
-          </a:lstStyle>
-          <a:p>
-            <a:pPr marL="0" indent="0">
-              <a:buFont typeface="Arial" panose="020B0604020202020204" pitchFamily="34" charset="0"/>
-              <a:buNone/>
-            </a:pPr>
-            <a:r>
-              <a:rPr lang="nl-NL" dirty="0" err="1"/>
-              <a:t>Size</a:t>
-            </a:r>
-            <a:r>
-              <a:rPr lang="nl-NL" dirty="0"/>
-              <a:t> </a:t>
-            </a:r>
-            <a:r>
-              <a:rPr lang="nl-NL" dirty="0" err="1"/>
-              <a:t>restriction</a:t>
-            </a:r>
-            <a:endParaRPr lang="en-GB" dirty="0"/>
-          </a:p>
-        </p:txBody>
-      </p:sp>
       <p:graphicFrame>
         <p:nvGraphicFramePr>
           <p:cNvPr id="15" name="Tabel 9">
@@ -6444,13 +6971,13 @@
           <p:nvPr>
             <p:extLst>
               <p:ext uri="{D42A27DB-BD31-4B8C-83A1-F6EECF244321}">
-                <p14:modId xmlns:p14="http://schemas.microsoft.com/office/powerpoint/2010/main" val="3252558660"/>
+                <p14:modId xmlns:p14="http://schemas.microsoft.com/office/powerpoint/2010/main" val="1718203430"/>
               </p:ext>
             </p:extLst>
           </p:nvPr>
         </p:nvGraphicFramePr>
         <p:xfrm>
-          <a:off x="6172198" y="3070531"/>
+          <a:off x="6844227" y="2392910"/>
           <a:ext cx="4934640" cy="2712720"/>
         </p:xfrm>
         <a:graphic>
@@ -6786,12 +7313,782 @@
           <a:p>
             <a:fld id="{D1892F8F-5571-E246-B053-E27A62D47BEF}" type="slidenum">
               <a:rPr lang="en-GB" smtClean="0"/>
-              <a:t>16</a:t>
+              <a:t>17</a:t>
             </a:fld>
             <a:endParaRPr lang="en-GB"/>
           </a:p>
         </p:txBody>
       </p:sp>
+      <p:graphicFrame>
+        <p:nvGraphicFramePr>
+          <p:cNvPr id="13" name="Tabel 8">
+            <a:extLst>
+              <a:ext uri="{FF2B5EF4-FFF2-40B4-BE49-F238E27FC236}">
+                <a16:creationId xmlns:a16="http://schemas.microsoft.com/office/drawing/2014/main" id="{35F8ECA6-D72B-49B4-AA49-998E33B57C56}"/>
+              </a:ext>
+            </a:extLst>
+          </p:cNvPr>
+          <p:cNvGraphicFramePr>
+            <a:graphicFrameLocks noGrp="1"/>
+          </p:cNvGraphicFramePr>
+          <p:nvPr>
+            <p:ph sz="half" idx="2"/>
+            <p:extLst>
+              <p:ext uri="{D42A27DB-BD31-4B8C-83A1-F6EECF244321}">
+                <p14:modId xmlns:p14="http://schemas.microsoft.com/office/powerpoint/2010/main" val="4162042998"/>
+              </p:ext>
+            </p:extLst>
+          </p:nvPr>
+        </p:nvGraphicFramePr>
+        <p:xfrm>
+          <a:off x="6768946" y="1825625"/>
+          <a:ext cx="5085202" cy="3764268"/>
+        </p:xfrm>
+        <a:graphic>
+          <a:graphicData uri="http://schemas.openxmlformats.org/drawingml/2006/table">
+            <a:tbl>
+              <a:tblPr firstRow="1" bandRow="1">
+                <a:tableStyleId>{5C22544A-7EE6-4342-B048-85BDC9FD1C3A}</a:tableStyleId>
+              </a:tblPr>
+              <a:tblGrid>
+                <a:gridCol w="1630802">
+                  <a:extLst>
+                    <a:ext uri="{9D8B030D-6E8A-4147-A177-3AD203B41FA5}">
+                      <a16:colId xmlns:a16="http://schemas.microsoft.com/office/drawing/2014/main" val="1813941168"/>
+                    </a:ext>
+                  </a:extLst>
+                </a:gridCol>
+                <a:gridCol w="1727200">
+                  <a:extLst>
+                    <a:ext uri="{9D8B030D-6E8A-4147-A177-3AD203B41FA5}">
+                      <a16:colId xmlns:a16="http://schemas.microsoft.com/office/drawing/2014/main" val="3785723450"/>
+                    </a:ext>
+                  </a:extLst>
+                </a:gridCol>
+                <a:gridCol w="1727200">
+                  <a:extLst>
+                    <a:ext uri="{9D8B030D-6E8A-4147-A177-3AD203B41FA5}">
+                      <a16:colId xmlns:a16="http://schemas.microsoft.com/office/drawing/2014/main" val="357652839"/>
+                    </a:ext>
+                  </a:extLst>
+                </a:gridCol>
+              </a:tblGrid>
+              <a:tr h="941067">
+                <a:tc>
+                  <a:txBody>
+                    <a:bodyPr/>
+                    <a:lstStyle/>
+                    <a:p>
+                      <a:endParaRPr lang="en-GB" dirty="0"/>
+                    </a:p>
+                  </a:txBody>
+                  <a:tcPr/>
+                </a:tc>
+                <a:tc>
+                  <a:txBody>
+                    <a:bodyPr/>
+                    <a:lstStyle/>
+                    <a:p>
+                      <a:r>
+                        <a:rPr lang="nl-NL" dirty="0" err="1"/>
+                        <a:t>Protein</a:t>
+                      </a:r>
+                      <a:r>
+                        <a:rPr lang="nl-NL" dirty="0"/>
+                        <a:t> </a:t>
+                      </a:r>
+                      <a:r>
+                        <a:rPr lang="nl-NL" dirty="0" err="1"/>
+                        <a:t>length</a:t>
+                      </a:r>
+                      <a:r>
+                        <a:rPr lang="nl-NL" dirty="0"/>
+                        <a:t> </a:t>
+                      </a:r>
+                    </a:p>
+                    <a:p>
+                      <a:r>
+                        <a:rPr lang="nl-NL" dirty="0"/>
+                        <a:t>8 in 2D</a:t>
+                      </a:r>
+                      <a:endParaRPr lang="en-GB" dirty="0"/>
+                    </a:p>
+                  </a:txBody>
+                  <a:tcPr/>
+                </a:tc>
+                <a:tc>
+                  <a:txBody>
+                    <a:bodyPr/>
+                    <a:lstStyle/>
+                    <a:p>
+                      <a:r>
+                        <a:rPr lang="nl-NL" dirty="0" err="1"/>
+                        <a:t>Protein</a:t>
+                      </a:r>
+                      <a:r>
+                        <a:rPr lang="nl-NL" dirty="0"/>
+                        <a:t> </a:t>
+                      </a:r>
+                      <a:r>
+                        <a:rPr lang="nl-NL" dirty="0" err="1"/>
+                        <a:t>length</a:t>
+                      </a:r>
+                      <a:endParaRPr lang="nl-NL" dirty="0"/>
+                    </a:p>
+                    <a:p>
+                      <a:r>
+                        <a:rPr lang="nl-NL" dirty="0"/>
+                        <a:t>8 in 3D</a:t>
+                      </a:r>
+                      <a:endParaRPr lang="en-GB" dirty="0"/>
+                    </a:p>
+                  </a:txBody>
+                  <a:tcPr/>
+                </a:tc>
+                <a:extLst>
+                  <a:ext uri="{0D108BD9-81ED-4DB2-BD59-A6C34878D82A}">
+                    <a16:rowId xmlns:a16="http://schemas.microsoft.com/office/drawing/2014/main" val="518749116"/>
+                  </a:ext>
+                </a:extLst>
+              </a:tr>
+              <a:tr h="941067">
+                <a:tc>
+                  <a:txBody>
+                    <a:bodyPr/>
+                    <a:lstStyle/>
+                    <a:p>
+                      <a:r>
+                        <a:rPr lang="nl-NL" dirty="0" err="1"/>
+                        <a:t>Calculated</a:t>
+                      </a:r>
+                      <a:r>
+                        <a:rPr lang="nl-NL" dirty="0"/>
+                        <a:t> </a:t>
+                      </a:r>
+                    </a:p>
+                    <a:p>
+                      <a:r>
+                        <a:rPr lang="nl-NL" dirty="0"/>
+                        <a:t>State </a:t>
+                      </a:r>
+                      <a:r>
+                        <a:rPr lang="nl-NL" dirty="0" err="1"/>
+                        <a:t>space</a:t>
+                      </a:r>
+                      <a:endParaRPr lang="en-GB" dirty="0"/>
+                    </a:p>
+                  </a:txBody>
+                  <a:tcPr/>
+                </a:tc>
+                <a:tc>
+                  <a:txBody>
+                    <a:bodyPr/>
+                    <a:lstStyle/>
+                    <a:p>
+                      <a:r>
+                        <a:rPr lang="nl-NL" dirty="0"/>
+                        <a:t>729</a:t>
+                      </a:r>
+                      <a:endParaRPr lang="en-GB" dirty="0"/>
+                    </a:p>
+                  </a:txBody>
+                  <a:tcPr/>
+                </a:tc>
+                <a:tc>
+                  <a:txBody>
+                    <a:bodyPr/>
+                    <a:lstStyle/>
+                    <a:p>
+                      <a:r>
+                        <a:rPr lang="nl-NL" dirty="0"/>
+                        <a:t>15625</a:t>
+                      </a:r>
+                      <a:endParaRPr lang="en-GB" dirty="0"/>
+                    </a:p>
+                  </a:txBody>
+                  <a:tcPr/>
+                </a:tc>
+                <a:extLst>
+                  <a:ext uri="{0D108BD9-81ED-4DB2-BD59-A6C34878D82A}">
+                    <a16:rowId xmlns:a16="http://schemas.microsoft.com/office/drawing/2014/main" val="1248202208"/>
+                  </a:ext>
+                </a:extLst>
+              </a:tr>
+              <a:tr h="941067">
+                <a:tc>
+                  <a:txBody>
+                    <a:bodyPr/>
+                    <a:lstStyle/>
+                    <a:p>
+                      <a:r>
+                        <a:rPr lang="nl-NL" dirty="0"/>
+                        <a:t>In </a:t>
+                      </a:r>
+                      <a:r>
+                        <a:rPr lang="nl-NL" dirty="0" err="1"/>
+                        <a:t>Reality</a:t>
+                      </a:r>
+                      <a:endParaRPr lang="nl-NL" dirty="0"/>
+                    </a:p>
+                    <a:p>
+                      <a:r>
+                        <a:rPr lang="nl-NL" dirty="0"/>
+                        <a:t>State </a:t>
+                      </a:r>
+                      <a:r>
+                        <a:rPr lang="nl-NL" dirty="0" err="1"/>
+                        <a:t>space</a:t>
+                      </a:r>
+                      <a:endParaRPr lang="en-GB" dirty="0"/>
+                    </a:p>
+                  </a:txBody>
+                  <a:tcPr/>
+                </a:tc>
+                <a:tc>
+                  <a:txBody>
+                    <a:bodyPr/>
+                    <a:lstStyle/>
+                    <a:p>
+                      <a:r>
+                        <a:rPr lang="nl-NL" dirty="0"/>
+                        <a:t>543</a:t>
+                      </a:r>
+                      <a:endParaRPr lang="en-GB" dirty="0"/>
+                    </a:p>
+                  </a:txBody>
+                  <a:tcPr/>
+                </a:tc>
+                <a:tc>
+                  <a:txBody>
+                    <a:bodyPr/>
+                    <a:lstStyle/>
+                    <a:p>
+                      <a:r>
+                        <a:rPr lang="nl-NL" dirty="0"/>
+                        <a:t>13565</a:t>
+                      </a:r>
+                      <a:endParaRPr lang="en-GB" dirty="0"/>
+                    </a:p>
+                  </a:txBody>
+                  <a:tcPr/>
+                </a:tc>
+                <a:extLst>
+                  <a:ext uri="{0D108BD9-81ED-4DB2-BD59-A6C34878D82A}">
+                    <a16:rowId xmlns:a16="http://schemas.microsoft.com/office/drawing/2014/main" val="1669126111"/>
+                  </a:ext>
+                </a:extLst>
+              </a:tr>
+              <a:tr h="941067">
+                <a:tc>
+                  <a:txBody>
+                    <a:bodyPr/>
+                    <a:lstStyle/>
+                    <a:p>
+                      <a:r>
+                        <a:rPr lang="nl-NL" dirty="0" err="1"/>
+                        <a:t>Overestimation</a:t>
+                      </a:r>
+                      <a:endParaRPr lang="en-GB" dirty="0"/>
+                    </a:p>
+                  </a:txBody>
+                  <a:tcPr/>
+                </a:tc>
+                <a:tc>
+                  <a:txBody>
+                    <a:bodyPr/>
+                    <a:lstStyle/>
+                    <a:p>
+                      <a:r>
+                        <a:rPr lang="nl-NL" dirty="0"/>
+                        <a:t>34%</a:t>
+                      </a:r>
+                      <a:endParaRPr lang="en-GB" dirty="0"/>
+                    </a:p>
+                  </a:txBody>
+                  <a:tcPr/>
+                </a:tc>
+                <a:tc>
+                  <a:txBody>
+                    <a:bodyPr/>
+                    <a:lstStyle/>
+                    <a:p>
+                      <a:r>
+                        <a:rPr lang="nl-NL" dirty="0"/>
+                        <a:t>15%</a:t>
+                      </a:r>
+                      <a:endParaRPr lang="en-GB" dirty="0"/>
+                    </a:p>
+                  </a:txBody>
+                  <a:tcPr/>
+                </a:tc>
+                <a:extLst>
+                  <a:ext uri="{0D108BD9-81ED-4DB2-BD59-A6C34878D82A}">
+                    <a16:rowId xmlns:a16="http://schemas.microsoft.com/office/drawing/2014/main" val="853705969"/>
+                  </a:ext>
+                </a:extLst>
+              </a:tr>
+            </a:tbl>
+          </a:graphicData>
+        </a:graphic>
+      </p:graphicFrame>
+      <p:pic>
+        <p:nvPicPr>
+          <p:cNvPr id="7" name="Afbeelding 6">
+            <a:extLst>
+              <a:ext uri="{FF2B5EF4-FFF2-40B4-BE49-F238E27FC236}">
+                <a16:creationId xmlns:a16="http://schemas.microsoft.com/office/drawing/2014/main" id="{ED3A5294-C357-47EA-BBE1-E3AD1944C827}"/>
+              </a:ext>
+            </a:extLst>
+          </p:cNvPr>
+          <p:cNvPicPr>
+            <a:picLocks noChangeAspect="1"/>
+          </p:cNvPicPr>
+          <p:nvPr/>
+        </p:nvPicPr>
+        <p:blipFill>
+          <a:blip r:embed="rId2"/>
+          <a:stretch>
+            <a:fillRect/>
+          </a:stretch>
+        </p:blipFill>
+        <p:spPr>
+          <a:xfrm>
+            <a:off x="6891357" y="310462"/>
+            <a:ext cx="4712616" cy="2956816"/>
+          </a:xfrm>
+          <a:prstGeom prst="rect">
+            <a:avLst/>
+          </a:prstGeom>
+        </p:spPr>
+      </p:pic>
+      <p:pic>
+        <p:nvPicPr>
+          <p:cNvPr id="8" name="Afbeelding 7">
+            <a:extLst>
+              <a:ext uri="{FF2B5EF4-FFF2-40B4-BE49-F238E27FC236}">
+                <a16:creationId xmlns:a16="http://schemas.microsoft.com/office/drawing/2014/main" id="{0ABF9CF7-DAF7-4C33-805D-F599999FF8CD}"/>
+              </a:ext>
+            </a:extLst>
+          </p:cNvPr>
+          <p:cNvPicPr>
+            <a:picLocks noChangeAspect="1"/>
+          </p:cNvPicPr>
+          <p:nvPr/>
+        </p:nvPicPr>
+        <p:blipFill>
+          <a:blip r:embed="rId3"/>
+          <a:stretch>
+            <a:fillRect/>
+          </a:stretch>
+        </p:blipFill>
+        <p:spPr>
+          <a:xfrm>
+            <a:off x="7284492" y="3425018"/>
+            <a:ext cx="3750075" cy="3151070"/>
+          </a:xfrm>
+          <a:prstGeom prst="rect">
+            <a:avLst/>
+          </a:prstGeom>
+        </p:spPr>
+      </p:pic>
+      <p:graphicFrame>
+        <p:nvGraphicFramePr>
+          <p:cNvPr id="14" name="Tabel 6">
+            <a:extLst>
+              <a:ext uri="{FF2B5EF4-FFF2-40B4-BE49-F238E27FC236}">
+                <a16:creationId xmlns:a16="http://schemas.microsoft.com/office/drawing/2014/main" id="{D5FA8A9B-7D98-4EDC-BFA5-8D9A0D7E1286}"/>
+              </a:ext>
+            </a:extLst>
+          </p:cNvPr>
+          <p:cNvGraphicFramePr>
+            <a:graphicFrameLocks/>
+          </p:cNvGraphicFramePr>
+          <p:nvPr>
+            <p:extLst>
+              <p:ext uri="{D42A27DB-BD31-4B8C-83A1-F6EECF244321}">
+                <p14:modId xmlns:p14="http://schemas.microsoft.com/office/powerpoint/2010/main" val="3514837388"/>
+              </p:ext>
+            </p:extLst>
+          </p:nvPr>
+        </p:nvGraphicFramePr>
+        <p:xfrm>
+          <a:off x="6771698" y="1745351"/>
+          <a:ext cx="5094384" cy="4007936"/>
+        </p:xfrm>
+        <a:graphic>
+          <a:graphicData uri="http://schemas.openxmlformats.org/drawingml/2006/table">
+            <a:tbl>
+              <a:tblPr firstRow="1" bandRow="1">
+                <a:tableStyleId>{5C22544A-7EE6-4342-B048-85BDC9FD1C3A}</a:tableStyleId>
+              </a:tblPr>
+              <a:tblGrid>
+                <a:gridCol w="1701188">
+                  <a:extLst>
+                    <a:ext uri="{9D8B030D-6E8A-4147-A177-3AD203B41FA5}">
+                      <a16:colId xmlns:a16="http://schemas.microsoft.com/office/drawing/2014/main" val="3317038370"/>
+                    </a:ext>
+                  </a:extLst>
+                </a:gridCol>
+                <a:gridCol w="1266940">
+                  <a:extLst>
+                    <a:ext uri="{9D8B030D-6E8A-4147-A177-3AD203B41FA5}">
+                      <a16:colId xmlns:a16="http://schemas.microsoft.com/office/drawing/2014/main" val="2350395572"/>
+                    </a:ext>
+                  </a:extLst>
+                </a:gridCol>
+                <a:gridCol w="1068636">
+                  <a:extLst>
+                    <a:ext uri="{9D8B030D-6E8A-4147-A177-3AD203B41FA5}">
+                      <a16:colId xmlns:a16="http://schemas.microsoft.com/office/drawing/2014/main" val="2283871489"/>
+                    </a:ext>
+                  </a:extLst>
+                </a:gridCol>
+                <a:gridCol w="1057620">
+                  <a:extLst>
+                    <a:ext uri="{9D8B030D-6E8A-4147-A177-3AD203B41FA5}">
+                      <a16:colId xmlns:a16="http://schemas.microsoft.com/office/drawing/2014/main" val="1390174598"/>
+                    </a:ext>
+                  </a:extLst>
+                </a:gridCol>
+              </a:tblGrid>
+              <a:tr h="716096">
+                <a:tc>
+                  <a:txBody>
+                    <a:bodyPr/>
+                    <a:lstStyle/>
+                    <a:p>
+                      <a:endParaRPr lang="en-GB" dirty="0"/>
+                    </a:p>
+                  </a:txBody>
+                  <a:tcPr/>
+                </a:tc>
+                <a:tc>
+                  <a:txBody>
+                    <a:bodyPr/>
+                    <a:lstStyle/>
+                    <a:p>
+                      <a:r>
+                        <a:rPr lang="nl-NL" dirty="0" err="1"/>
+                        <a:t>Protein</a:t>
+                      </a:r>
+                      <a:r>
+                        <a:rPr lang="nl-NL" dirty="0"/>
+                        <a:t> </a:t>
+                      </a:r>
+                      <a:r>
+                        <a:rPr lang="nl-NL" dirty="0" err="1"/>
+                        <a:t>length</a:t>
+                      </a:r>
+                      <a:endParaRPr lang="nl-NL" dirty="0"/>
+                    </a:p>
+                    <a:p>
+                      <a:r>
+                        <a:rPr lang="nl-NL" dirty="0"/>
+                        <a:t>8 in 3D</a:t>
+                      </a:r>
+                      <a:endParaRPr lang="en-GB" dirty="0"/>
+                    </a:p>
+                    <a:p>
+                      <a:endParaRPr lang="en-GB" dirty="0"/>
+                    </a:p>
+                  </a:txBody>
+                  <a:tcPr/>
+                </a:tc>
+                <a:tc>
+                  <a:txBody>
+                    <a:bodyPr/>
+                    <a:lstStyle/>
+                    <a:p>
+                      <a:r>
+                        <a:rPr lang="nl-NL" dirty="0" err="1"/>
+                        <a:t>Protein</a:t>
+                      </a:r>
+                      <a:r>
+                        <a:rPr lang="nl-NL" dirty="0"/>
+                        <a:t> </a:t>
+                      </a:r>
+                      <a:r>
+                        <a:rPr lang="nl-NL" dirty="0" err="1"/>
+                        <a:t>length</a:t>
+                      </a:r>
+                      <a:endParaRPr lang="nl-NL" dirty="0"/>
+                    </a:p>
+                    <a:p>
+                      <a:r>
+                        <a:rPr lang="nl-NL" dirty="0"/>
+                        <a:t>14 in 3D</a:t>
+                      </a:r>
+                      <a:endParaRPr lang="en-GB" dirty="0"/>
+                    </a:p>
+                    <a:p>
+                      <a:endParaRPr lang="en-GB" dirty="0"/>
+                    </a:p>
+                    <a:p>
+                      <a:endParaRPr lang="en-GB" dirty="0"/>
+                    </a:p>
+                  </a:txBody>
+                  <a:tcPr/>
+                </a:tc>
+                <a:tc>
+                  <a:txBody>
+                    <a:bodyPr/>
+                    <a:lstStyle/>
+                    <a:p>
+                      <a:r>
+                        <a:rPr lang="nl-NL" dirty="0" err="1"/>
+                        <a:t>Protein</a:t>
+                      </a:r>
+                      <a:r>
+                        <a:rPr lang="nl-NL" dirty="0"/>
+                        <a:t> </a:t>
+                      </a:r>
+                      <a:r>
+                        <a:rPr lang="nl-NL" dirty="0" err="1"/>
+                        <a:t>length</a:t>
+                      </a:r>
+                      <a:endParaRPr lang="nl-NL" dirty="0"/>
+                    </a:p>
+                    <a:p>
+                      <a:r>
+                        <a:rPr lang="nl-NL" dirty="0"/>
+                        <a:t>20 in 3D</a:t>
+                      </a:r>
+                      <a:endParaRPr lang="en-GB" dirty="0"/>
+                    </a:p>
+                    <a:p>
+                      <a:endParaRPr lang="en-GB" dirty="0"/>
+                    </a:p>
+                  </a:txBody>
+                  <a:tcPr/>
+                </a:tc>
+                <a:extLst>
+                  <a:ext uri="{0D108BD9-81ED-4DB2-BD59-A6C34878D82A}">
+                    <a16:rowId xmlns:a16="http://schemas.microsoft.com/office/drawing/2014/main" val="1685611198"/>
+                  </a:ext>
+                </a:extLst>
+              </a:tr>
+              <a:tr h="716096">
+                <a:tc>
+                  <a:txBody>
+                    <a:bodyPr/>
+                    <a:lstStyle/>
+                    <a:p>
+                      <a:r>
+                        <a:rPr lang="nl-NL" dirty="0"/>
+                        <a:t>Number of </a:t>
+                      </a:r>
+                      <a:r>
+                        <a:rPr lang="nl-NL" dirty="0" err="1"/>
+                        <a:t>permutations</a:t>
+                      </a:r>
+                      <a:endParaRPr lang="nl-NL" dirty="0"/>
+                    </a:p>
+                    <a:p>
+                      <a:r>
+                        <a:rPr lang="nl-NL" dirty="0"/>
+                        <a:t>found</a:t>
+                      </a:r>
+                      <a:endParaRPr lang="en-GB" dirty="0"/>
+                    </a:p>
+                  </a:txBody>
+                  <a:tcPr/>
+                </a:tc>
+                <a:tc>
+                  <a:txBody>
+                    <a:bodyPr/>
+                    <a:lstStyle/>
+                    <a:p>
+                      <a:r>
+                        <a:rPr lang="nl-NL" dirty="0"/>
+                        <a:t>72</a:t>
+                      </a:r>
+                      <a:endParaRPr lang="en-GB" dirty="0"/>
+                    </a:p>
+                  </a:txBody>
+                  <a:tcPr/>
+                </a:tc>
+                <a:tc>
+                  <a:txBody>
+                    <a:bodyPr/>
+                    <a:lstStyle/>
+                    <a:p>
+                      <a:r>
+                        <a:rPr lang="nl-NL" dirty="0"/>
+                        <a:t>130</a:t>
+                      </a:r>
+                      <a:endParaRPr lang="en-GB" dirty="0"/>
+                    </a:p>
+                  </a:txBody>
+                  <a:tcPr/>
+                </a:tc>
+                <a:tc>
+                  <a:txBody>
+                    <a:bodyPr/>
+                    <a:lstStyle/>
+                    <a:p>
+                      <a:r>
+                        <a:rPr lang="nl-NL" dirty="0"/>
+                        <a:t>176</a:t>
+                      </a:r>
+                      <a:endParaRPr lang="en-GB" dirty="0"/>
+                    </a:p>
+                  </a:txBody>
+                  <a:tcPr/>
+                </a:tc>
+                <a:extLst>
+                  <a:ext uri="{0D108BD9-81ED-4DB2-BD59-A6C34878D82A}">
+                    <a16:rowId xmlns:a16="http://schemas.microsoft.com/office/drawing/2014/main" val="2845706493"/>
+                  </a:ext>
+                </a:extLst>
+              </a:tr>
+              <a:tr h="716096">
+                <a:tc>
+                  <a:txBody>
+                    <a:bodyPr/>
+                    <a:lstStyle/>
+                    <a:p>
+                      <a:r>
+                        <a:rPr lang="nl-NL" dirty="0"/>
+                        <a:t>Number of </a:t>
+                      </a:r>
+                      <a:r>
+                        <a:rPr lang="nl-NL" dirty="0" err="1"/>
+                        <a:t>permutations</a:t>
+                      </a:r>
+                      <a:r>
+                        <a:rPr lang="nl-NL" dirty="0"/>
+                        <a:t> </a:t>
+                      </a:r>
+                    </a:p>
+                    <a:p>
+                      <a:r>
+                        <a:rPr lang="nl-NL" dirty="0" err="1"/>
+                        <a:t>expected</a:t>
+                      </a:r>
+                      <a:endParaRPr lang="en-GB" dirty="0"/>
+                    </a:p>
+                  </a:txBody>
+                  <a:tcPr/>
+                </a:tc>
+                <a:tc>
+                  <a:txBody>
+                    <a:bodyPr/>
+                    <a:lstStyle/>
+                    <a:p>
+                      <a:r>
+                        <a:rPr lang="nl-NL" dirty="0"/>
+                        <a:t>15625</a:t>
+                      </a:r>
+                      <a:endParaRPr lang="en-GB" dirty="0"/>
+                    </a:p>
+                  </a:txBody>
+                  <a:tcPr/>
+                </a:tc>
+                <a:tc>
+                  <a:txBody>
+                    <a:bodyPr/>
+                    <a:lstStyle/>
+                    <a:p>
+                      <a:r>
+                        <a:rPr lang="nl-NL" baseline="0" dirty="0"/>
+                        <a:t>244e6</a:t>
+                      </a:r>
+                      <a:endParaRPr lang="en-GB" baseline="0" dirty="0"/>
+                    </a:p>
+                  </a:txBody>
+                  <a:tcPr/>
+                </a:tc>
+                <a:tc>
+                  <a:txBody>
+                    <a:bodyPr/>
+                    <a:lstStyle/>
+                    <a:p>
+                      <a:r>
+                        <a:rPr lang="nl-NL" dirty="0"/>
+                        <a:t>3814e6</a:t>
+                      </a:r>
+                      <a:endParaRPr lang="en-GB" dirty="0"/>
+                    </a:p>
+                  </a:txBody>
+                  <a:tcPr/>
+                </a:tc>
+                <a:extLst>
+                  <a:ext uri="{0D108BD9-81ED-4DB2-BD59-A6C34878D82A}">
+                    <a16:rowId xmlns:a16="http://schemas.microsoft.com/office/drawing/2014/main" val="1924592877"/>
+                  </a:ext>
+                </a:extLst>
+              </a:tr>
+              <a:tr h="716096">
+                <a:tc>
+                  <a:txBody>
+                    <a:bodyPr/>
+                    <a:lstStyle/>
+                    <a:p>
+                      <a:r>
+                        <a:rPr lang="nl-NL" dirty="0" err="1"/>
+                        <a:t>Stability</a:t>
+                      </a:r>
+                      <a:r>
+                        <a:rPr lang="nl-NL" dirty="0"/>
+                        <a:t> found</a:t>
+                      </a:r>
+                      <a:endParaRPr lang="en-GB" dirty="0"/>
+                    </a:p>
+                  </a:txBody>
+                  <a:tcPr/>
+                </a:tc>
+                <a:tc>
+                  <a:txBody>
+                    <a:bodyPr/>
+                    <a:lstStyle/>
+                    <a:p>
+                      <a:r>
+                        <a:rPr lang="nl-NL" dirty="0"/>
+                        <a:t>-3</a:t>
+                      </a:r>
+                      <a:endParaRPr lang="en-GB" dirty="0"/>
+                    </a:p>
+                  </a:txBody>
+                  <a:tcPr/>
+                </a:tc>
+                <a:tc>
+                  <a:txBody>
+                    <a:bodyPr/>
+                    <a:lstStyle/>
+                    <a:p>
+                      <a:r>
+                        <a:rPr lang="nl-NL" dirty="0"/>
+                        <a:t>-7</a:t>
+                      </a:r>
+                      <a:endParaRPr lang="en-GB" dirty="0"/>
+                    </a:p>
+                  </a:txBody>
+                  <a:tcPr/>
+                </a:tc>
+                <a:tc>
+                  <a:txBody>
+                    <a:bodyPr/>
+                    <a:lstStyle/>
+                    <a:p>
+                      <a:r>
+                        <a:rPr lang="nl-NL" dirty="0"/>
+                        <a:t>-11</a:t>
+                      </a:r>
+                      <a:endParaRPr lang="en-GB" dirty="0"/>
+                    </a:p>
+                  </a:txBody>
+                  <a:tcPr/>
+                </a:tc>
+                <a:extLst>
+                  <a:ext uri="{0D108BD9-81ED-4DB2-BD59-A6C34878D82A}">
+                    <a16:rowId xmlns:a16="http://schemas.microsoft.com/office/drawing/2014/main" val="1609953203"/>
+                  </a:ext>
+                </a:extLst>
+              </a:tr>
+            </a:tbl>
+          </a:graphicData>
+        </a:graphic>
+      </p:graphicFrame>
     </p:spTree>
     <p:extLst>
       <p:ext uri="{BB962C8B-B14F-4D97-AF65-F5344CB8AC3E}">
@@ -6836,7 +8133,7 @@
                                           </p:stCondLst>
                                         </p:cTn>
                                         <p:tgtEl>
-                                          <p:spTgt spid="9"/>
+                                          <p:spTgt spid="15"/>
                                         </p:tgtEl>
                                         <p:attrNameLst>
                                           <p:attrName>style.visibility</p:attrName>
@@ -6850,7 +8147,7 @@
                                 </p:cTn>
                               </p:par>
                               <p:par>
-                                <p:cTn id="7" presetID="1" presetClass="entr" presetSubtype="0" fill="hold" grpId="0" nodeType="withEffect">
+                                <p:cTn id="7" presetID="1" presetClass="exit" presetSubtype="0" fill="hold" nodeType="withEffect">
                                   <p:stCondLst>
                                     <p:cond delay="0"/>
                                   </p:stCondLst>
@@ -6863,9 +8160,36 @@
                                           </p:stCondLst>
                                         </p:cTn>
                                         <p:tgtEl>
+                                          <p:spTgt spid="13"/>
+                                        </p:tgtEl>
+                                        <p:attrNameLst>
+                                          <p:attrName>style.visibility</p:attrName>
+                                        </p:attrNameLst>
+                                      </p:cBhvr>
+                                      <p:to>
+                                        <p:strVal val="hidden"/>
+                                      </p:to>
+                                    </p:set>
+                                  </p:childTnLst>
+                                </p:cTn>
+                              </p:par>
+                              <p:par>
+                                <p:cTn id="9" presetID="1" presetClass="entr" presetSubtype="0" fill="hold" nodeType="withEffect">
+                                  <p:stCondLst>
+                                    <p:cond delay="0"/>
+                                  </p:stCondLst>
+                                  <p:childTnLst>
+                                    <p:set>
+                                      <p:cBhvr>
+                                        <p:cTn id="10" dur="1" fill="hold">
+                                          <p:stCondLst>
+                                            <p:cond delay="0"/>
+                                          </p:stCondLst>
+                                        </p:cTn>
+                                        <p:tgtEl>
                                           <p:spTgt spid="3">
                                             <p:txEl>
-                                              <p:pRg st="0" end="0"/>
+                                              <p:pRg st="1" end="1"/>
                                             </p:txEl>
                                           </p:spTgt>
                                         </p:tgtEl>
@@ -6887,32 +8211,36 @@
                     </p:cTn>
                   </p:par>
                   <p:par>
-                    <p:cTn id="9" fill="hold">
+                    <p:cTn id="11" fill="hold">
                       <p:stCondLst>
                         <p:cond delay="indefinite"/>
                       </p:stCondLst>
                       <p:childTnLst>
                         <p:par>
-                          <p:cTn id="10" fill="hold">
+                          <p:cTn id="12" fill="hold">
                             <p:stCondLst>
                               <p:cond delay="0"/>
                             </p:stCondLst>
                             <p:childTnLst>
                               <p:par>
-                                <p:cTn id="11" presetID="1" presetClass="entr" presetSubtype="0" fill="hold" nodeType="clickEffect">
+                                <p:cTn id="13" presetID="1" presetClass="entr" presetSubtype="0" fill="hold" nodeType="clickEffect">
                                   <p:stCondLst>
                                     <p:cond delay="0"/>
                                   </p:stCondLst>
                                   <p:childTnLst>
                                     <p:set>
                                       <p:cBhvr>
-                                        <p:cTn id="12" dur="1" fill="hold">
+                                        <p:cTn id="14" dur="1" fill="hold">
                                           <p:stCondLst>
                                             <p:cond delay="0"/>
                                           </p:stCondLst>
                                         </p:cTn>
                                         <p:tgtEl>
-                                          <p:spTgt spid="15"/>
+                                          <p:spTgt spid="3">
+                                            <p:txEl>
+                                              <p:pRg st="2" end="2"/>
+                                            </p:txEl>
+                                          </p:spTgt>
                                         </p:tgtEl>
                                         <p:attrNameLst>
                                           <p:attrName>style.visibility</p:attrName>
@@ -6926,20 +8254,204 @@
                                 </p:cTn>
                               </p:par>
                               <p:par>
-                                <p:cTn id="13" presetID="1" presetClass="entr" presetSubtype="0" fill="hold" grpId="0" nodeType="withEffect">
+                                <p:cTn id="15" presetID="1" presetClass="exit" presetSubtype="0" fill="hold" nodeType="withEffect">
                                   <p:stCondLst>
                                     <p:cond delay="0"/>
                                   </p:stCondLst>
                                   <p:childTnLst>
                                     <p:set>
                                       <p:cBhvr>
-                                        <p:cTn id="14" dur="1" fill="hold">
+                                        <p:cTn id="16" dur="1" fill="hold">
                                           <p:stCondLst>
                                             <p:cond delay="0"/>
                                           </p:stCondLst>
                                         </p:cTn>
                                         <p:tgtEl>
-                                          <p:spTgt spid="12"/>
+                                          <p:spTgt spid="15"/>
+                                        </p:tgtEl>
+                                        <p:attrNameLst>
+                                          <p:attrName>style.visibility</p:attrName>
+                                        </p:attrNameLst>
+                                      </p:cBhvr>
+                                      <p:to>
+                                        <p:strVal val="hidden"/>
+                                      </p:to>
+                                    </p:set>
+                                  </p:childTnLst>
+                                </p:cTn>
+                              </p:par>
+                              <p:par>
+                                <p:cTn id="17" presetID="1" presetClass="entr" presetSubtype="0" fill="hold" nodeType="withEffect">
+                                  <p:stCondLst>
+                                    <p:cond delay="0"/>
+                                  </p:stCondLst>
+                                  <p:childTnLst>
+                                    <p:set>
+                                      <p:cBhvr>
+                                        <p:cTn id="18" dur="1" fill="hold">
+                                          <p:stCondLst>
+                                            <p:cond delay="0"/>
+                                          </p:stCondLst>
+                                        </p:cTn>
+                                        <p:tgtEl>
+                                          <p:spTgt spid="7"/>
+                                        </p:tgtEl>
+                                        <p:attrNameLst>
+                                          <p:attrName>style.visibility</p:attrName>
+                                        </p:attrNameLst>
+                                      </p:cBhvr>
+                                      <p:to>
+                                        <p:strVal val="visible"/>
+                                      </p:to>
+                                    </p:set>
+                                  </p:childTnLst>
+                                </p:cTn>
+                              </p:par>
+                              <p:par>
+                                <p:cTn id="19" presetID="1" presetClass="entr" presetSubtype="0" fill="hold" nodeType="withEffect">
+                                  <p:stCondLst>
+                                    <p:cond delay="0"/>
+                                  </p:stCondLst>
+                                  <p:childTnLst>
+                                    <p:set>
+                                      <p:cBhvr>
+                                        <p:cTn id="20" dur="1" fill="hold">
+                                          <p:stCondLst>
+                                            <p:cond delay="0"/>
+                                          </p:stCondLst>
+                                        </p:cTn>
+                                        <p:tgtEl>
+                                          <p:spTgt spid="8"/>
+                                        </p:tgtEl>
+                                        <p:attrNameLst>
+                                          <p:attrName>style.visibility</p:attrName>
+                                        </p:attrNameLst>
+                                      </p:cBhvr>
+                                      <p:to>
+                                        <p:strVal val="visible"/>
+                                      </p:to>
+                                    </p:set>
+                                  </p:childTnLst>
+                                </p:cTn>
+                              </p:par>
+                            </p:childTnLst>
+                          </p:cTn>
+                        </p:par>
+                      </p:childTnLst>
+                    </p:cTn>
+                  </p:par>
+                  <p:par>
+                    <p:cTn id="21" fill="hold">
+                      <p:stCondLst>
+                        <p:cond delay="indefinite"/>
+                      </p:stCondLst>
+                      <p:childTnLst>
+                        <p:par>
+                          <p:cTn id="22" fill="hold">
+                            <p:stCondLst>
+                              <p:cond delay="0"/>
+                            </p:stCondLst>
+                            <p:childTnLst>
+                              <p:par>
+                                <p:cTn id="23" presetID="1" presetClass="entr" presetSubtype="0" fill="hold" nodeType="clickEffect">
+                                  <p:stCondLst>
+                                    <p:cond delay="0"/>
+                                  </p:stCondLst>
+                                  <p:childTnLst>
+                                    <p:set>
+                                      <p:cBhvr>
+                                        <p:cTn id="24" dur="1" fill="hold">
+                                          <p:stCondLst>
+                                            <p:cond delay="0"/>
+                                          </p:stCondLst>
+                                        </p:cTn>
+                                        <p:tgtEl>
+                                          <p:spTgt spid="3">
+                                            <p:txEl>
+                                              <p:pRg st="3" end="3"/>
+                                            </p:txEl>
+                                          </p:spTgt>
+                                        </p:tgtEl>
+                                        <p:attrNameLst>
+                                          <p:attrName>style.visibility</p:attrName>
+                                        </p:attrNameLst>
+                                      </p:cBhvr>
+                                      <p:to>
+                                        <p:strVal val="visible"/>
+                                      </p:to>
+                                    </p:set>
+                                  </p:childTnLst>
+                                </p:cTn>
+                              </p:par>
+                              <p:par>
+                                <p:cTn id="25" presetID="1" presetClass="exit" presetSubtype="0" fill="hold" nodeType="withEffect">
+                                  <p:stCondLst>
+                                    <p:cond delay="0"/>
+                                  </p:stCondLst>
+                                  <p:childTnLst>
+                                    <p:set>
+                                      <p:cBhvr>
+                                        <p:cTn id="26" dur="1" fill="hold">
+                                          <p:stCondLst>
+                                            <p:cond delay="0"/>
+                                          </p:stCondLst>
+                                        </p:cTn>
+                                        <p:tgtEl>
+                                          <p:spTgt spid="8"/>
+                                        </p:tgtEl>
+                                        <p:attrNameLst>
+                                          <p:attrName>style.visibility</p:attrName>
+                                        </p:attrNameLst>
+                                      </p:cBhvr>
+                                      <p:to>
+                                        <p:strVal val="hidden"/>
+                                      </p:to>
+                                    </p:set>
+                                  </p:childTnLst>
+                                </p:cTn>
+                              </p:par>
+                              <p:par>
+                                <p:cTn id="27" presetID="1" presetClass="exit" presetSubtype="0" fill="hold" nodeType="withEffect">
+                                  <p:stCondLst>
+                                    <p:cond delay="0"/>
+                                  </p:stCondLst>
+                                  <p:childTnLst>
+                                    <p:set>
+                                      <p:cBhvr>
+                                        <p:cTn id="28" dur="1" fill="hold">
+                                          <p:stCondLst>
+                                            <p:cond delay="0"/>
+                                          </p:stCondLst>
+                                        </p:cTn>
+                                        <p:tgtEl>
+                                          <p:spTgt spid="7"/>
+                                        </p:tgtEl>
+                                        <p:attrNameLst>
+                                          <p:attrName>style.visibility</p:attrName>
+                                        </p:attrNameLst>
+                                      </p:cBhvr>
+                                      <p:to>
+                                        <p:strVal val="hidden"/>
+                                      </p:to>
+                                    </p:set>
+                                  </p:childTnLst>
+                                </p:cTn>
+                              </p:par>
+                              <p:par>
+                                <p:cTn id="29" presetID="1" presetClass="entr" presetSubtype="0" fill="hold" nodeType="withEffect">
+                                  <p:stCondLst>
+                                    <p:cond delay="0"/>
+                                  </p:stCondLst>
+                                  <p:childTnLst>
+                                    <p:set>
+                                      <p:cBhvr>
+                                        <p:cTn id="30" dur="1" fill="hold">
+                                          <p:stCondLst>
+                                            <p:cond delay="0"/>
+                                          </p:stCondLst>
+                                        </p:cTn>
+                                        <p:tgtEl>
+                                          <p:spTgt spid="14"/>
                                         </p:tgtEl>
                                         <p:attrNameLst>
                                           <p:attrName>style.visibility</p:attrName>
@@ -6979,15 +8491,11 @@
         </p:cTn>
       </p:par>
     </p:tnLst>
-    <p:bldLst>
-      <p:bldP spid="3" grpId="0" build="p"/>
-      <p:bldP spid="12" grpId="0"/>
-    </p:bldLst>
   </p:timing>
 </p:sld>
 </file>
 
-<file path=ppt/slides/slide17.xml><?xml version="1.0" encoding="utf-8"?>
+<file path=ppt/slides/slide18.xml><?xml version="1.0" encoding="utf-8"?>
 <p:sld xmlns:a="http://schemas.openxmlformats.org/drawingml/2006/main" xmlns:r="http://schemas.openxmlformats.org/officeDocument/2006/relationships" xmlns:p="http://schemas.openxmlformats.org/presentationml/2006/main">
   <p:cSld>
     <p:spTree>
@@ -7085,7 +8593,7 @@
           <a:p>
             <a:fld id="{D1892F8F-5571-E246-B053-E27A62D47BEF}" type="slidenum">
               <a:rPr lang="en-GB" smtClean="0"/>
-              <a:t>17</a:t>
+              <a:t>18</a:t>
             </a:fld>
             <a:endParaRPr lang="en-GB"/>
           </a:p>

--- a/Documentation/PPP, Week 2, Meeting 1.pptx
+++ b/Documentation/PPP, Week 2, Meeting 1.pptx
@@ -5,7 +5,7 @@
     <p:sldMasterId id="2147483672" r:id="rId1"/>
   </p:sldMasterIdLst>
   <p:notesMasterIdLst>
-    <p:notesMasterId r:id="rId20"/>
+    <p:notesMasterId r:id="rId19"/>
   </p:notesMasterIdLst>
   <p:sldIdLst>
     <p:sldId id="256" r:id="rId2"/>
@@ -21,11 +21,10 @@
     <p:sldId id="282" r:id="rId12"/>
     <p:sldId id="286" r:id="rId13"/>
     <p:sldId id="274" r:id="rId14"/>
-    <p:sldId id="275" r:id="rId15"/>
-    <p:sldId id="288" r:id="rId16"/>
-    <p:sldId id="289" r:id="rId17"/>
-    <p:sldId id="276" r:id="rId18"/>
-    <p:sldId id="265" r:id="rId19"/>
+    <p:sldId id="288" r:id="rId15"/>
+    <p:sldId id="289" r:id="rId16"/>
+    <p:sldId id="276" r:id="rId17"/>
+    <p:sldId id="265" r:id="rId18"/>
   </p:sldIdLst>
   <p:sldSz cx="12192000" cy="6858000"/>
   <p:notesSz cx="6858000" cy="9144000"/>
@@ -214,7 +213,7 @@
           <a:p>
             <a:fld id="{1E47D41A-4042-B543-AE22-1ED09200DB20}" type="datetimeFigureOut">
               <a:rPr lang="en-GB" smtClean="0"/>
-              <a:t>20/01/2020</a:t>
+              <a:t>21/01/2020</a:t>
             </a:fld>
             <a:endParaRPr lang="en-GB"/>
           </a:p>
@@ -865,7 +864,7 @@
           <a:p>
             <a:fld id="{14FA74A2-3722-1A41-8512-46265943785A}" type="datetime1">
               <a:rPr lang="nl-NL" smtClean="0"/>
-              <a:t>20-1-2020</a:t>
+              <a:t>21-1-2020</a:t>
             </a:fld>
             <a:endParaRPr lang="en-GB"/>
           </a:p>
@@ -1035,7 +1034,7 @@
           <a:p>
             <a:fld id="{F95A9C9F-8C45-7343-9CDB-F9A485B697FF}" type="datetime1">
               <a:rPr lang="nl-NL" smtClean="0"/>
-              <a:t>20-1-2020</a:t>
+              <a:t>21-1-2020</a:t>
             </a:fld>
             <a:endParaRPr lang="en-GB"/>
           </a:p>
@@ -1215,7 +1214,7 @@
           <a:p>
             <a:fld id="{F023C2D3-547E-4849-B250-ECC27C4ADAB2}" type="datetime1">
               <a:rPr lang="nl-NL" smtClean="0"/>
-              <a:t>20-1-2020</a:t>
+              <a:t>21-1-2020</a:t>
             </a:fld>
             <a:endParaRPr lang="en-GB"/>
           </a:p>
@@ -1385,7 +1384,7 @@
           <a:p>
             <a:fld id="{7ED8645F-302A-FC4F-B65E-BE44BD7D0BFE}" type="datetime1">
               <a:rPr lang="nl-NL" smtClean="0"/>
-              <a:t>20-1-2020</a:t>
+              <a:t>21-1-2020</a:t>
             </a:fld>
             <a:endParaRPr lang="en-GB"/>
           </a:p>
@@ -1631,7 +1630,7 @@
           <a:p>
             <a:fld id="{3F37FD0C-92E3-6147-B017-5A3F3FC940DB}" type="datetime1">
               <a:rPr lang="nl-NL" smtClean="0"/>
-              <a:t>20-1-2020</a:t>
+              <a:t>21-1-2020</a:t>
             </a:fld>
             <a:endParaRPr lang="en-GB"/>
           </a:p>
@@ -1863,7 +1862,7 @@
           <a:p>
             <a:fld id="{12999FB7-638F-064F-9F1B-5A2B67E58CFF}" type="datetime1">
               <a:rPr lang="nl-NL" smtClean="0"/>
-              <a:t>20-1-2020</a:t>
+              <a:t>21-1-2020</a:t>
             </a:fld>
             <a:endParaRPr lang="en-GB"/>
           </a:p>
@@ -2230,7 +2229,7 @@
           <a:p>
             <a:fld id="{A1CFFDEF-85F2-E847-8D85-682A9D98BAB3}" type="datetime1">
               <a:rPr lang="nl-NL" smtClean="0"/>
-              <a:t>20-1-2020</a:t>
+              <a:t>21-1-2020</a:t>
             </a:fld>
             <a:endParaRPr lang="en-GB"/>
           </a:p>
@@ -2348,7 +2347,7 @@
           <a:p>
             <a:fld id="{028B6388-FB3E-614B-A3B7-D097F68BF908}" type="datetime1">
               <a:rPr lang="nl-NL" smtClean="0"/>
-              <a:t>20-1-2020</a:t>
+              <a:t>21-1-2020</a:t>
             </a:fld>
             <a:endParaRPr lang="en-GB"/>
           </a:p>
@@ -2443,7 +2442,7 @@
           <a:p>
             <a:fld id="{139C7612-8A5C-2E4F-AB2E-9CC1B411E701}" type="datetime1">
               <a:rPr lang="nl-NL" smtClean="0"/>
-              <a:t>20-1-2020</a:t>
+              <a:t>21-1-2020</a:t>
             </a:fld>
             <a:endParaRPr lang="en-GB"/>
           </a:p>
@@ -2720,7 +2719,7 @@
           <a:p>
             <a:fld id="{C00946DD-15F0-6346-9ACF-7E04BBC1DA84}" type="datetime1">
               <a:rPr lang="nl-NL" smtClean="0"/>
-              <a:t>20-1-2020</a:t>
+              <a:t>21-1-2020</a:t>
             </a:fld>
             <a:endParaRPr lang="en-GB"/>
           </a:p>
@@ -2977,7 +2976,7 @@
           <a:p>
             <a:fld id="{3D169EF2-A6C6-B04D-A2C4-C446C863F365}" type="datetime1">
               <a:rPr lang="nl-NL" smtClean="0"/>
-              <a:t>20-1-2020</a:t>
+              <a:t>21-1-2020</a:t>
             </a:fld>
             <a:endParaRPr lang="en-GB"/>
           </a:p>
@@ -3190,7 +3189,7 @@
           <a:p>
             <a:fld id="{9C1111A9-A1AF-C34E-B614-37051BC839D5}" type="datetime1">
               <a:rPr lang="nl-NL" smtClean="0"/>
-              <a:t>20-1-2020</a:t>
+              <a:t>21-1-2020</a:t>
             </a:fld>
             <a:endParaRPr lang="en-GB"/>
           </a:p>
@@ -3651,24 +3650,6 @@
           <a:lstStyle/>
           <a:p>
             <a:r>
-              <a:rPr lang="en-GB" dirty="0" err="1"/>
-              <a:t>Programmeertheorie</a:t>
-            </a:r>
-            <a:r>
-              <a:rPr lang="en-GB" dirty="0"/>
-              <a:t>, Week 2, </a:t>
-            </a:r>
-            <a:r>
-              <a:rPr lang="en-GB" dirty="0" err="1"/>
-              <a:t>Presenteersessie</a:t>
-            </a:r>
-            <a:r>
-              <a:rPr lang="en-GB" dirty="0"/>
-              <a:t> 2</a:t>
-            </a:r>
-          </a:p>
-          <a:p>
-            <a:r>
               <a:rPr lang="en-GB" dirty="0"/>
               <a:t>Team: Shire Peasants 3</a:t>
             </a:r>
@@ -4118,7 +4099,7 @@
           <a:p>
             <a:r>
               <a:rPr lang="en-GB" dirty="0"/>
-              <a:t>Best moves based on stability, random discard</a:t>
+              <a:t>Beam Search based on stability</a:t>
             </a:r>
           </a:p>
         </p:txBody>
@@ -4616,6 +4597,12 @@
             <a:r>
               <a:rPr lang="en-GB" sz="2400" dirty="0"/>
               <a:t> for 3D</a:t>
+            </a:r>
+          </a:p>
+          <a:p>
+            <a:r>
+              <a:rPr lang="en-GB" sz="2400" dirty="0"/>
+              <a:t>n: Protein chain length</a:t>
             </a:r>
           </a:p>
           <a:p>
@@ -5008,278 +4995,6 @@
           <p:cNvPr id="2" name="Titel 1">
             <a:extLst>
               <a:ext uri="{FF2B5EF4-FFF2-40B4-BE49-F238E27FC236}">
-                <a16:creationId xmlns:a16="http://schemas.microsoft.com/office/drawing/2014/main" id="{5C770520-98CE-4CE6-ACD0-072593328459}"/>
-              </a:ext>
-            </a:extLst>
-          </p:cNvPr>
-          <p:cNvSpPr>
-            <a:spLocks noGrp="1"/>
-          </p:cNvSpPr>
-          <p:nvPr>
-            <p:ph type="title"/>
-          </p:nvPr>
-        </p:nvSpPr>
-        <p:spPr/>
-        <p:txBody>
-          <a:bodyPr>
-            <a:normAutofit fontScale="90000"/>
-          </a:bodyPr>
-          <a:lstStyle/>
-          <a:p>
-            <a:r>
-              <a:rPr lang="nl-NL" dirty="0" err="1"/>
-              <a:t>Results</a:t>
-            </a:r>
-            <a:r>
-              <a:rPr lang="nl-NL" dirty="0"/>
-              <a:t> – </a:t>
-            </a:r>
-            <a:r>
-              <a:rPr lang="nl-NL" dirty="0" err="1"/>
-              <a:t>Size</a:t>
-            </a:r>
-            <a:r>
-              <a:rPr lang="nl-NL" dirty="0"/>
-              <a:t> </a:t>
-            </a:r>
-            <a:br>
-              <a:rPr lang="nl-NL" dirty="0"/>
-            </a:br>
-            <a:r>
-              <a:rPr lang="nl-NL" dirty="0" err="1"/>
-              <a:t>restricting</a:t>
-            </a:r>
-            <a:br>
-              <a:rPr lang="nl-NL" dirty="0"/>
-            </a:br>
-            <a:r>
-              <a:rPr lang="nl-NL" dirty="0" err="1"/>
-              <a:t>heuristic</a:t>
-            </a:r>
-            <a:endParaRPr lang="en-GB" dirty="0"/>
-          </a:p>
-        </p:txBody>
-      </p:sp>
-      <p:sp>
-        <p:nvSpPr>
-          <p:cNvPr id="3" name="Tijdelijke aanduiding voor inhoud 2">
-            <a:extLst>
-              <a:ext uri="{FF2B5EF4-FFF2-40B4-BE49-F238E27FC236}">
-                <a16:creationId xmlns:a16="http://schemas.microsoft.com/office/drawing/2014/main" id="{42690F7B-EA12-4F0D-B938-C55DD64D10DF}"/>
-              </a:ext>
-            </a:extLst>
-          </p:cNvPr>
-          <p:cNvSpPr>
-            <a:spLocks noGrp="1"/>
-          </p:cNvSpPr>
-          <p:nvPr>
-            <p:ph sz="half" idx="1"/>
-          </p:nvPr>
-        </p:nvSpPr>
-        <p:spPr>
-          <a:xfrm>
-            <a:off x="838200" y="2379643"/>
-            <a:ext cx="3525253" cy="3797320"/>
-          </a:xfrm>
-        </p:spPr>
-        <p:txBody>
-          <a:bodyPr>
-            <a:normAutofit fontScale="92500" lnSpcReduction="10000"/>
-          </a:bodyPr>
-          <a:lstStyle/>
-          <a:p>
-            <a:r>
-              <a:rPr lang="nl-NL" dirty="0"/>
-              <a:t>S: </a:t>
-            </a:r>
-            <a:r>
-              <a:rPr lang="nl-NL" dirty="0" err="1"/>
-              <a:t>wanted</a:t>
-            </a:r>
-            <a:r>
-              <a:rPr lang="nl-NL" dirty="0"/>
-              <a:t> </a:t>
-            </a:r>
-            <a:r>
-              <a:rPr lang="nl-NL" dirty="0" err="1"/>
-              <a:t>stability</a:t>
-            </a:r>
-            <a:endParaRPr lang="nl-NL" dirty="0"/>
-          </a:p>
-          <a:p>
-            <a:r>
-              <a:rPr lang="nl-NL" dirty="0"/>
-              <a:t>D: </a:t>
-            </a:r>
-            <a:r>
-              <a:rPr lang="nl-NL" dirty="0" err="1"/>
-              <a:t>dimension</a:t>
-            </a:r>
-            <a:r>
-              <a:rPr lang="nl-NL" dirty="0"/>
-              <a:t> of matrix</a:t>
-            </a:r>
-          </a:p>
-          <a:p>
-            <a:r>
-              <a:rPr lang="nl-NL" dirty="0"/>
-              <a:t>L: </a:t>
-            </a:r>
-            <a:r>
-              <a:rPr lang="nl-NL" dirty="0" err="1"/>
-              <a:t>length</a:t>
-            </a:r>
-            <a:r>
-              <a:rPr lang="nl-NL" dirty="0"/>
-              <a:t> of </a:t>
-            </a:r>
-            <a:r>
-              <a:rPr lang="nl-NL" dirty="0" err="1"/>
-              <a:t>protein</a:t>
-            </a:r>
-            <a:endParaRPr lang="nl-NL" dirty="0"/>
-          </a:p>
-          <a:p>
-            <a:endParaRPr lang="nl-NL" dirty="0"/>
-          </a:p>
-          <a:p>
-            <a:r>
-              <a:rPr lang="nl-NL" dirty="0"/>
-              <a:t>String 1 (L=14):</a:t>
-            </a:r>
-            <a:br>
-              <a:rPr lang="nl-NL" dirty="0"/>
-            </a:br>
-            <a:r>
-              <a:rPr lang="nl-NL" sz="2000" dirty="0"/>
-              <a:t>HHPHHHPHPHHHPH</a:t>
-            </a:r>
-          </a:p>
-          <a:p>
-            <a:r>
-              <a:rPr lang="en-GB" dirty="0"/>
-              <a:t>String 2 (L=20):</a:t>
-            </a:r>
-            <a:br>
-              <a:rPr lang="en-GB" dirty="0"/>
-            </a:br>
-            <a:r>
-              <a:rPr lang="en-GB" sz="2000" dirty="0"/>
-              <a:t>HPHPPHHPHPPHPHHPPHPH</a:t>
-            </a:r>
-          </a:p>
-          <a:p>
-            <a:r>
-              <a:rPr lang="en-GB" dirty="0"/>
-              <a:t>String 3 (L=36):</a:t>
-            </a:r>
-            <a:br>
-              <a:rPr lang="en-GB" sz="3200" dirty="0"/>
-            </a:br>
-            <a:r>
-              <a:rPr lang="en-GB" sz="1200" dirty="0"/>
-              <a:t>PPPHHPPHHPPPPPHHHHHHHPPHHPPPPHHPPHPP</a:t>
-            </a:r>
-            <a:endParaRPr lang="en-GB" dirty="0"/>
-          </a:p>
-        </p:txBody>
-      </p:sp>
-      <p:pic>
-        <p:nvPicPr>
-          <p:cNvPr id="9" name="Tijdelijke aanduiding voor inhoud 8">
-            <a:extLst>
-              <a:ext uri="{FF2B5EF4-FFF2-40B4-BE49-F238E27FC236}">
-                <a16:creationId xmlns:a16="http://schemas.microsoft.com/office/drawing/2014/main" id="{F08D6B3F-5E78-495C-B677-CF06845219FA}"/>
-              </a:ext>
-            </a:extLst>
-          </p:cNvPr>
-          <p:cNvPicPr>
-            <a:picLocks noGrp="1" noChangeAspect="1"/>
-          </p:cNvPicPr>
-          <p:nvPr>
-            <p:ph sz="half" idx="2"/>
-          </p:nvPr>
-        </p:nvPicPr>
-        <p:blipFill>
-          <a:blip r:embed="rId2"/>
-          <a:stretch>
-            <a:fillRect/>
-          </a:stretch>
-        </p:blipFill>
-        <p:spPr>
-          <a:xfrm>
-            <a:off x="4759297" y="566365"/>
-            <a:ext cx="6921920" cy="5725270"/>
-          </a:xfrm>
-          <a:prstGeom prst="rect">
-            <a:avLst/>
-          </a:prstGeom>
-        </p:spPr>
-      </p:pic>
-      <p:sp>
-        <p:nvSpPr>
-          <p:cNvPr id="4" name="Tijdelijke aanduiding voor dianummer 3">
-            <a:extLst>
-              <a:ext uri="{FF2B5EF4-FFF2-40B4-BE49-F238E27FC236}">
-                <a16:creationId xmlns:a16="http://schemas.microsoft.com/office/drawing/2014/main" id="{1F87A947-64E4-5D4F-A8FD-EE33CDB98D2D}"/>
-              </a:ext>
-            </a:extLst>
-          </p:cNvPr>
-          <p:cNvSpPr>
-            <a:spLocks noGrp="1"/>
-          </p:cNvSpPr>
-          <p:nvPr>
-            <p:ph type="sldNum" sz="quarter" idx="12"/>
-          </p:nvPr>
-        </p:nvSpPr>
-        <p:spPr/>
-        <p:txBody>
-          <a:bodyPr/>
-          <a:lstStyle/>
-          <a:p>
-            <a:fld id="{D1892F8F-5571-E246-B053-E27A62D47BEF}" type="slidenum">
-              <a:rPr lang="en-GB" smtClean="0"/>
-              <a:t>14</a:t>
-            </a:fld>
-            <a:endParaRPr lang="en-GB"/>
-          </a:p>
-        </p:txBody>
-      </p:sp>
-    </p:spTree>
-    <p:extLst>
-      <p:ext uri="{BB962C8B-B14F-4D97-AF65-F5344CB8AC3E}">
-        <p14:creationId xmlns:p14="http://schemas.microsoft.com/office/powerpoint/2010/main" val="1096537137"/>
-      </p:ext>
-    </p:extLst>
-  </p:cSld>
-  <p:clrMapOvr>
-    <a:masterClrMapping/>
-  </p:clrMapOvr>
-</p:sld>
-</file>
-
-<file path=ppt/slides/slide15.xml><?xml version="1.0" encoding="utf-8"?>
-<p:sld xmlns:a="http://schemas.openxmlformats.org/drawingml/2006/main" xmlns:r="http://schemas.openxmlformats.org/officeDocument/2006/relationships" xmlns:p="http://schemas.openxmlformats.org/presentationml/2006/main">
-  <p:cSld>
-    <p:spTree>
-      <p:nvGrpSpPr>
-        <p:cNvPr id="1" name=""/>
-        <p:cNvGrpSpPr/>
-        <p:nvPr/>
-      </p:nvGrpSpPr>
-      <p:grpSpPr>
-        <a:xfrm>
-          <a:off x="0" y="0"/>
-          <a:ext cx="0" cy="0"/>
-          <a:chOff x="0" y="0"/>
-          <a:chExt cx="0" cy="0"/>
-        </a:xfrm>
-      </p:grpSpPr>
-      <p:sp>
-        <p:nvSpPr>
-          <p:cNvPr id="2" name="Titel 1">
-            <a:extLst>
-              <a:ext uri="{FF2B5EF4-FFF2-40B4-BE49-F238E27FC236}">
                 <a16:creationId xmlns:a16="http://schemas.microsoft.com/office/drawing/2014/main" id="{8FC0DEB9-A548-4D2E-B3EA-7FE0AD303E6E}"/>
               </a:ext>
             </a:extLst>
@@ -5366,7 +5081,7 @@
           <a:p>
             <a:fld id="{D1892F8F-5571-E246-B053-E27A62D47BEF}" type="slidenum">
               <a:rPr lang="en-GB" smtClean="0"/>
-              <a:t>15</a:t>
+              <a:t>14</a:t>
             </a:fld>
             <a:endParaRPr lang="en-GB"/>
           </a:p>
@@ -6039,7 +5754,7 @@
 </p:sld>
 </file>
 
-<file path=ppt/slides/slide16.xml><?xml version="1.0" encoding="utf-8"?>
+<file path=ppt/slides/slide15.xml><?xml version="1.0" encoding="utf-8"?>
 <p:sld xmlns:a="http://schemas.openxmlformats.org/drawingml/2006/main" xmlns:r="http://schemas.openxmlformats.org/officeDocument/2006/relationships" xmlns:p="http://schemas.openxmlformats.org/presentationml/2006/main">
   <p:cSld>
     <p:spTree>
@@ -6576,7 +6291,7 @@
           <a:p>
             <a:fld id="{D1892F8F-5571-E246-B053-E27A62D47BEF}" type="slidenum">
               <a:rPr lang="en-GB" smtClean="0"/>
-              <a:t>16</a:t>
+              <a:t>15</a:t>
             </a:fld>
             <a:endParaRPr lang="en-GB"/>
           </a:p>
@@ -6595,7 +6310,7 @@
 </p:sld>
 </file>
 
-<file path=ppt/slides/slide17.xml><?xml version="1.0" encoding="utf-8"?>
+<file path=ppt/slides/slide16.xml><?xml version="1.0" encoding="utf-8"?>
 <p:sld xmlns:a="http://schemas.openxmlformats.org/drawingml/2006/main" xmlns:r="http://schemas.openxmlformats.org/officeDocument/2006/relationships" xmlns:p="http://schemas.openxmlformats.org/presentationml/2006/main">
   <p:cSld>
     <p:spTree>
@@ -6682,37 +6397,6 @@
             <a:r>
               <a:rPr lang="nl-NL" dirty="0" err="1"/>
               <a:t>overestimation</a:t>
-            </a:r>
-            <a:endParaRPr lang="nl-NL" dirty="0"/>
-          </a:p>
-          <a:p>
-            <a:r>
-              <a:rPr lang="nl-NL" dirty="0" err="1"/>
-              <a:t>Size</a:t>
-            </a:r>
-            <a:r>
-              <a:rPr lang="nl-NL" dirty="0"/>
-              <a:t> </a:t>
-            </a:r>
-            <a:r>
-              <a:rPr lang="nl-NL" dirty="0" err="1"/>
-              <a:t>restricting</a:t>
-            </a:r>
-            <a:r>
-              <a:rPr lang="nl-NL" dirty="0"/>
-              <a:t> </a:t>
-            </a:r>
-            <a:r>
-              <a:rPr lang="nl-NL" dirty="0" err="1"/>
-              <a:t>heuristic</a:t>
-            </a:r>
-            <a:r>
-              <a:rPr lang="nl-NL" dirty="0"/>
-              <a:t> </a:t>
-            </a:r>
-            <a:r>
-              <a:rPr lang="nl-NL" dirty="0" err="1"/>
-              <a:t>improvements</a:t>
             </a:r>
             <a:endParaRPr lang="nl-NL" dirty="0"/>
           </a:p>
@@ -6956,340 +6640,6 @@
           </a:p>
         </p:txBody>
       </p:sp>
-      <p:graphicFrame>
-        <p:nvGraphicFramePr>
-          <p:cNvPr id="15" name="Tabel 9">
-            <a:extLst>
-              <a:ext uri="{FF2B5EF4-FFF2-40B4-BE49-F238E27FC236}">
-                <a16:creationId xmlns:a16="http://schemas.microsoft.com/office/drawing/2014/main" id="{1A190F09-08F5-4459-B6E8-F539B8883848}"/>
-              </a:ext>
-            </a:extLst>
-          </p:cNvPr>
-          <p:cNvGraphicFramePr>
-            <a:graphicFrameLocks/>
-          </p:cNvGraphicFramePr>
-          <p:nvPr>
-            <p:extLst>
-              <p:ext uri="{D42A27DB-BD31-4B8C-83A1-F6EECF244321}">
-                <p14:modId xmlns:p14="http://schemas.microsoft.com/office/powerpoint/2010/main" val="1718203430"/>
-              </p:ext>
-            </p:extLst>
-          </p:nvPr>
-        </p:nvGraphicFramePr>
-        <p:xfrm>
-          <a:off x="6844227" y="2392910"/>
-          <a:ext cx="4934640" cy="2712720"/>
-        </p:xfrm>
-        <a:graphic>
-          <a:graphicData uri="http://schemas.openxmlformats.org/drawingml/2006/table">
-            <a:tbl>
-              <a:tblPr firstRow="1" bandRow="1">
-                <a:tableStyleId>{5C22544A-7EE6-4342-B048-85BDC9FD1C3A}</a:tableStyleId>
-              </a:tblPr>
-              <a:tblGrid>
-                <a:gridCol w="1233660">
-                  <a:extLst>
-                    <a:ext uri="{9D8B030D-6E8A-4147-A177-3AD203B41FA5}">
-                      <a16:colId xmlns:a16="http://schemas.microsoft.com/office/drawing/2014/main" val="313939156"/>
-                    </a:ext>
-                  </a:extLst>
-                </a:gridCol>
-                <a:gridCol w="1233660">
-                  <a:extLst>
-                    <a:ext uri="{9D8B030D-6E8A-4147-A177-3AD203B41FA5}">
-                      <a16:colId xmlns:a16="http://schemas.microsoft.com/office/drawing/2014/main" val="854120346"/>
-                    </a:ext>
-                  </a:extLst>
-                </a:gridCol>
-                <a:gridCol w="1233660">
-                  <a:extLst>
-                    <a:ext uri="{9D8B030D-6E8A-4147-A177-3AD203B41FA5}">
-                      <a16:colId xmlns:a16="http://schemas.microsoft.com/office/drawing/2014/main" val="3980145933"/>
-                    </a:ext>
-                  </a:extLst>
-                </a:gridCol>
-                <a:gridCol w="1233660">
-                  <a:extLst>
-                    <a:ext uri="{9D8B030D-6E8A-4147-A177-3AD203B41FA5}">
-                      <a16:colId xmlns:a16="http://schemas.microsoft.com/office/drawing/2014/main" val="96308536"/>
-                    </a:ext>
-                  </a:extLst>
-                </a:gridCol>
-              </a:tblGrid>
-              <a:tr h="370840">
-                <a:tc>
-                  <a:txBody>
-                    <a:bodyPr/>
-                    <a:lstStyle/>
-                    <a:p>
-                      <a:r>
-                        <a:rPr lang="nl-NL" sz="1400" dirty="0" err="1"/>
-                        <a:t>Situation</a:t>
-                      </a:r>
-                      <a:endParaRPr lang="en-GB" sz="1400" dirty="0"/>
-                    </a:p>
-                  </a:txBody>
-                  <a:tcPr/>
-                </a:tc>
-                <a:tc>
-                  <a:txBody>
-                    <a:bodyPr/>
-                    <a:lstStyle/>
-                    <a:p>
-                      <a:r>
-                        <a:rPr lang="nl-NL" sz="1400" dirty="0"/>
-                        <a:t>Random </a:t>
-                      </a:r>
-                      <a:r>
-                        <a:rPr lang="nl-NL" sz="1400" dirty="0" err="1"/>
-                        <a:t>iterations</a:t>
-                      </a:r>
-                      <a:endParaRPr lang="en-GB" sz="1400" dirty="0"/>
-                    </a:p>
-                  </a:txBody>
-                  <a:tcPr/>
-                </a:tc>
-                <a:tc>
-                  <a:txBody>
-                    <a:bodyPr/>
-                    <a:lstStyle/>
-                    <a:p>
-                      <a:r>
-                        <a:rPr lang="nl-NL" sz="1400" dirty="0" err="1"/>
-                        <a:t>Size</a:t>
-                      </a:r>
-                      <a:r>
-                        <a:rPr lang="nl-NL" sz="1400" dirty="0"/>
-                        <a:t> </a:t>
-                      </a:r>
-                      <a:r>
-                        <a:rPr lang="nl-NL" sz="1400" dirty="0" err="1"/>
-                        <a:t>restricted</a:t>
-                      </a:r>
-                      <a:endParaRPr lang="nl-NL" sz="1400" dirty="0"/>
-                    </a:p>
-                    <a:p>
-                      <a:r>
-                        <a:rPr lang="nl-NL" sz="1400" dirty="0" err="1"/>
-                        <a:t>iterations</a:t>
-                      </a:r>
-                      <a:endParaRPr lang="en-GB" sz="1400" dirty="0"/>
-                    </a:p>
-                  </a:txBody>
-                  <a:tcPr/>
-                </a:tc>
-                <a:tc>
-                  <a:txBody>
-                    <a:bodyPr/>
-                    <a:lstStyle/>
-                    <a:p>
-                      <a:r>
-                        <a:rPr lang="nl-NL" sz="1400" dirty="0" err="1"/>
-                        <a:t>Improvement</a:t>
-                      </a:r>
-                      <a:endParaRPr lang="en-GB" sz="1400" dirty="0"/>
-                    </a:p>
-                  </a:txBody>
-                  <a:tcPr/>
-                </a:tc>
-                <a:extLst>
-                  <a:ext uri="{0D108BD9-81ED-4DB2-BD59-A6C34878D82A}">
-                    <a16:rowId xmlns:a16="http://schemas.microsoft.com/office/drawing/2014/main" val="3517321127"/>
-                  </a:ext>
-                </a:extLst>
-              </a:tr>
-              <a:tr h="370840">
-                <a:tc>
-                  <a:txBody>
-                    <a:bodyPr/>
-                    <a:lstStyle/>
-                    <a:p>
-                      <a:r>
-                        <a:rPr lang="nl-NL" dirty="0"/>
-                        <a:t>S=-7, L=14, D=0.5L</a:t>
-                      </a:r>
-                      <a:endParaRPr lang="en-GB" dirty="0"/>
-                    </a:p>
-                  </a:txBody>
-                  <a:tcPr/>
-                </a:tc>
-                <a:tc>
-                  <a:txBody>
-                    <a:bodyPr/>
-                    <a:lstStyle/>
-                    <a:p>
-                      <a:r>
-                        <a:rPr lang="nl-NL" dirty="0"/>
-                        <a:t>4076</a:t>
-                      </a:r>
-                      <a:endParaRPr lang="en-GB" dirty="0"/>
-                    </a:p>
-                  </a:txBody>
-                  <a:tcPr/>
-                </a:tc>
-                <a:tc>
-                  <a:txBody>
-                    <a:bodyPr/>
-                    <a:lstStyle/>
-                    <a:p>
-                      <a:r>
-                        <a:rPr lang="en-GB" dirty="0"/>
-                        <a:t>555</a:t>
-                      </a:r>
-                    </a:p>
-                  </a:txBody>
-                  <a:tcPr/>
-                </a:tc>
-                <a:tc>
-                  <a:txBody>
-                    <a:bodyPr/>
-                    <a:lstStyle/>
-                    <a:p>
-                      <a:r>
-                        <a:rPr lang="nl-NL" dirty="0"/>
-                        <a:t>+86%</a:t>
-                      </a:r>
-                      <a:endParaRPr lang="en-GB" dirty="0"/>
-                    </a:p>
-                  </a:txBody>
-                  <a:tcPr/>
-                </a:tc>
-                <a:extLst>
-                  <a:ext uri="{0D108BD9-81ED-4DB2-BD59-A6C34878D82A}">
-                    <a16:rowId xmlns:a16="http://schemas.microsoft.com/office/drawing/2014/main" val="1725324993"/>
-                  </a:ext>
-                </a:extLst>
-              </a:tr>
-              <a:tr h="370840">
-                <a:tc>
-                  <a:txBody>
-                    <a:bodyPr/>
-                    <a:lstStyle/>
-                    <a:p>
-                      <a:r>
-                        <a:rPr lang="nl-NL" dirty="0"/>
-                        <a:t>S=-9, L=20, D=0.5L</a:t>
-                      </a:r>
-                      <a:endParaRPr lang="en-GB" dirty="0"/>
-                    </a:p>
-                  </a:txBody>
-                  <a:tcPr/>
-                </a:tc>
-                <a:tc>
-                  <a:txBody>
-                    <a:bodyPr/>
-                    <a:lstStyle/>
-                    <a:p>
-                      <a:r>
-                        <a:rPr lang="nl-NL" dirty="0"/>
-                        <a:t>86881</a:t>
-                      </a:r>
-                      <a:endParaRPr lang="en-GB" dirty="0"/>
-                    </a:p>
-                  </a:txBody>
-                  <a:tcPr/>
-                </a:tc>
-                <a:tc>
-                  <a:txBody>
-                    <a:bodyPr/>
-                    <a:lstStyle/>
-                    <a:p>
-                      <a:r>
-                        <a:rPr lang="nl-NL" dirty="0"/>
-                        <a:t>76272</a:t>
-                      </a:r>
-                      <a:endParaRPr lang="en-GB" dirty="0"/>
-                    </a:p>
-                  </a:txBody>
-                  <a:tcPr/>
-                </a:tc>
-                <a:tc>
-                  <a:txBody>
-                    <a:bodyPr/>
-                    <a:lstStyle/>
-                    <a:p>
-                      <a:r>
-                        <a:rPr lang="nl-NL" dirty="0"/>
-                        <a:t>+12%</a:t>
-                      </a:r>
-                      <a:endParaRPr lang="en-GB" dirty="0"/>
-                    </a:p>
-                  </a:txBody>
-                  <a:tcPr/>
-                </a:tc>
-                <a:extLst>
-                  <a:ext uri="{0D108BD9-81ED-4DB2-BD59-A6C34878D82A}">
-                    <a16:rowId xmlns:a16="http://schemas.microsoft.com/office/drawing/2014/main" val="3479867334"/>
-                  </a:ext>
-                </a:extLst>
-              </a:tr>
-              <a:tr h="370840">
-                <a:tc>
-                  <a:txBody>
-                    <a:bodyPr/>
-                    <a:lstStyle/>
-                    <a:p>
-                      <a:r>
-                        <a:rPr lang="nl-NL" dirty="0"/>
-                        <a:t>S=-13, L=36, D=0.3L</a:t>
-                      </a:r>
-                      <a:endParaRPr lang="en-GB" dirty="0"/>
-                    </a:p>
-                  </a:txBody>
-                  <a:tcPr/>
-                </a:tc>
-                <a:tc>
-                  <a:txBody>
-                    <a:bodyPr/>
-                    <a:lstStyle/>
-                    <a:p>
-                      <a:r>
-                        <a:rPr lang="nl-NL" dirty="0"/>
-                        <a:t>530253</a:t>
-                      </a:r>
-                      <a:endParaRPr lang="en-GB" dirty="0"/>
-                    </a:p>
-                  </a:txBody>
-                  <a:tcPr/>
-                </a:tc>
-                <a:tc>
-                  <a:txBody>
-                    <a:bodyPr/>
-                    <a:lstStyle/>
-                    <a:p>
-                      <a:r>
-                        <a:rPr lang="nl-NL" dirty="0"/>
-                        <a:t>171503</a:t>
-                      </a:r>
-                      <a:endParaRPr lang="en-GB" dirty="0"/>
-                    </a:p>
-                  </a:txBody>
-                  <a:tcPr/>
-                </a:tc>
-                <a:tc>
-                  <a:txBody>
-                    <a:bodyPr/>
-                    <a:lstStyle/>
-                    <a:p>
-                      <a:r>
-                        <a:rPr lang="nl-NL" dirty="0"/>
-                        <a:t>+67%</a:t>
-                      </a:r>
-                      <a:endParaRPr lang="en-GB" dirty="0"/>
-                    </a:p>
-                  </a:txBody>
-                  <a:tcPr/>
-                </a:tc>
-                <a:extLst>
-                  <a:ext uri="{0D108BD9-81ED-4DB2-BD59-A6C34878D82A}">
-                    <a16:rowId xmlns:a16="http://schemas.microsoft.com/office/drawing/2014/main" val="3369620921"/>
-                  </a:ext>
-                </a:extLst>
-              </a:tr>
-            </a:tbl>
-          </a:graphicData>
-        </a:graphic>
-      </p:graphicFrame>
       <p:sp>
         <p:nvSpPr>
           <p:cNvPr id="4" name="Tijdelijke aanduiding voor dianummer 3">
@@ -7313,7 +6663,7 @@
           <a:p>
             <a:fld id="{D1892F8F-5571-E246-B053-E27A62D47BEF}" type="slidenum">
               <a:rPr lang="en-GB" smtClean="0"/>
-              <a:t>17</a:t>
+              <a:t>16</a:t>
             </a:fld>
             <a:endParaRPr lang="en-GB"/>
           </a:p>
@@ -7335,13 +6685,13 @@
             <p:ph sz="half" idx="2"/>
             <p:extLst>
               <p:ext uri="{D42A27DB-BD31-4B8C-83A1-F6EECF244321}">
-                <p14:modId xmlns:p14="http://schemas.microsoft.com/office/powerpoint/2010/main" val="4162042998"/>
+                <p14:modId xmlns:p14="http://schemas.microsoft.com/office/powerpoint/2010/main" val="1052431389"/>
               </p:ext>
             </p:extLst>
           </p:nvPr>
         </p:nvGraphicFramePr>
         <p:xfrm>
-          <a:off x="6768946" y="1825625"/>
+          <a:off x="6799243" y="1741036"/>
           <a:ext cx="5085202" cy="3764268"/>
         </p:xfrm>
         <a:graphic>
@@ -7653,7 +7003,7 @@
         </p:blipFill>
         <p:spPr>
           <a:xfrm>
-            <a:off x="6891357" y="310462"/>
+            <a:off x="7122454" y="202520"/>
             <a:ext cx="4712616" cy="2956816"/>
           </a:xfrm>
           <a:prstGeom prst="rect">
@@ -7683,7 +7033,7 @@
         </p:blipFill>
         <p:spPr>
           <a:xfrm>
-            <a:off x="7284492" y="3425018"/>
+            <a:off x="7122454" y="3321941"/>
             <a:ext cx="3750075" cy="3151070"/>
           </a:xfrm>
           <a:prstGeom prst="rect">
@@ -7706,13 +7056,13 @@
           <p:nvPr>
             <p:extLst>
               <p:ext uri="{D42A27DB-BD31-4B8C-83A1-F6EECF244321}">
-                <p14:modId xmlns:p14="http://schemas.microsoft.com/office/powerpoint/2010/main" val="3514837388"/>
+                <p14:modId xmlns:p14="http://schemas.microsoft.com/office/powerpoint/2010/main" val="2694827245"/>
               </p:ext>
             </p:extLst>
           </p:nvPr>
         </p:nvGraphicFramePr>
         <p:xfrm>
-          <a:off x="6771698" y="1745351"/>
+          <a:off x="6794652" y="1694697"/>
           <a:ext cx="5094384" cy="4007936"/>
         </p:xfrm>
         <a:graphic>
@@ -8133,7 +7483,11 @@
                                           </p:stCondLst>
                                         </p:cTn>
                                         <p:tgtEl>
-                                          <p:spTgt spid="15"/>
+                                          <p:spTgt spid="3">
+                                            <p:txEl>
+                                              <p:pRg st="1" end="1"/>
+                                            </p:txEl>
+                                          </p:spTgt>
                                         </p:tgtEl>
                                         <p:attrNameLst>
                                           <p:attrName>style.visibility</p:attrName>
@@ -8147,7 +7501,7 @@
                                 </p:cTn>
                               </p:par>
                               <p:par>
-                                <p:cTn id="7" presetID="1" presetClass="exit" presetSubtype="0" fill="hold" nodeType="withEffect">
+                                <p:cTn id="7" presetID="1" presetClass="entr" presetSubtype="0" fill="hold" nodeType="withEffect">
                                   <p:stCondLst>
                                     <p:cond delay="0"/>
                                   </p:stCondLst>
@@ -8160,14 +7514,14 @@
                                           </p:stCondLst>
                                         </p:cTn>
                                         <p:tgtEl>
-                                          <p:spTgt spid="13"/>
+                                          <p:spTgt spid="7"/>
                                         </p:tgtEl>
                                         <p:attrNameLst>
                                           <p:attrName>style.visibility</p:attrName>
                                         </p:attrNameLst>
                                       </p:cBhvr>
                                       <p:to>
-                                        <p:strVal val="hidden"/>
+                                        <p:strVal val="visible"/>
                                       </p:to>
                                     </p:set>
                                   </p:childTnLst>
@@ -8187,11 +7541,7 @@
                                           </p:stCondLst>
                                         </p:cTn>
                                         <p:tgtEl>
-                                          <p:spTgt spid="3">
-                                            <p:txEl>
-                                              <p:pRg st="1" end="1"/>
-                                            </p:txEl>
-                                          </p:spTgt>
+                                          <p:spTgt spid="8"/>
                                         </p:tgtEl>
                                         <p:attrNameLst>
                                           <p:attrName>style.visibility</p:attrName>
@@ -8267,7 +7617,7 @@
                                           </p:stCondLst>
                                         </p:cTn>
                                         <p:tgtEl>
-                                          <p:spTgt spid="15"/>
+                                          <p:spTgt spid="8"/>
                                         </p:tgtEl>
                                         <p:attrNameLst>
                                           <p:attrName>style.visibility</p:attrName>
@@ -8281,7 +7631,7 @@
                                 </p:cTn>
                               </p:par>
                               <p:par>
-                                <p:cTn id="17" presetID="1" presetClass="entr" presetSubtype="0" fill="hold" nodeType="withEffect">
+                                <p:cTn id="17" presetID="1" presetClass="exit" presetSubtype="0" fill="hold" nodeType="withEffect">
                                   <p:stCondLst>
                                     <p:cond delay="0"/>
                                   </p:stCondLst>
@@ -8301,7 +7651,7 @@
                                         </p:attrNameLst>
                                       </p:cBhvr>
                                       <p:to>
-                                        <p:strVal val="visible"/>
+                                        <p:strVal val="hidden"/>
                                       </p:to>
                                     </p:set>
                                   </p:childTnLst>
@@ -8316,136 +7666,6 @@
                                     <p:set>
                                       <p:cBhvr>
                                         <p:cTn id="20" dur="1" fill="hold">
-                                          <p:stCondLst>
-                                            <p:cond delay="0"/>
-                                          </p:stCondLst>
-                                        </p:cTn>
-                                        <p:tgtEl>
-                                          <p:spTgt spid="8"/>
-                                        </p:tgtEl>
-                                        <p:attrNameLst>
-                                          <p:attrName>style.visibility</p:attrName>
-                                        </p:attrNameLst>
-                                      </p:cBhvr>
-                                      <p:to>
-                                        <p:strVal val="visible"/>
-                                      </p:to>
-                                    </p:set>
-                                  </p:childTnLst>
-                                </p:cTn>
-                              </p:par>
-                            </p:childTnLst>
-                          </p:cTn>
-                        </p:par>
-                      </p:childTnLst>
-                    </p:cTn>
-                  </p:par>
-                  <p:par>
-                    <p:cTn id="21" fill="hold">
-                      <p:stCondLst>
-                        <p:cond delay="indefinite"/>
-                      </p:stCondLst>
-                      <p:childTnLst>
-                        <p:par>
-                          <p:cTn id="22" fill="hold">
-                            <p:stCondLst>
-                              <p:cond delay="0"/>
-                            </p:stCondLst>
-                            <p:childTnLst>
-                              <p:par>
-                                <p:cTn id="23" presetID="1" presetClass="entr" presetSubtype="0" fill="hold" nodeType="clickEffect">
-                                  <p:stCondLst>
-                                    <p:cond delay="0"/>
-                                  </p:stCondLst>
-                                  <p:childTnLst>
-                                    <p:set>
-                                      <p:cBhvr>
-                                        <p:cTn id="24" dur="1" fill="hold">
-                                          <p:stCondLst>
-                                            <p:cond delay="0"/>
-                                          </p:stCondLst>
-                                        </p:cTn>
-                                        <p:tgtEl>
-                                          <p:spTgt spid="3">
-                                            <p:txEl>
-                                              <p:pRg st="3" end="3"/>
-                                            </p:txEl>
-                                          </p:spTgt>
-                                        </p:tgtEl>
-                                        <p:attrNameLst>
-                                          <p:attrName>style.visibility</p:attrName>
-                                        </p:attrNameLst>
-                                      </p:cBhvr>
-                                      <p:to>
-                                        <p:strVal val="visible"/>
-                                      </p:to>
-                                    </p:set>
-                                  </p:childTnLst>
-                                </p:cTn>
-                              </p:par>
-                              <p:par>
-                                <p:cTn id="25" presetID="1" presetClass="exit" presetSubtype="0" fill="hold" nodeType="withEffect">
-                                  <p:stCondLst>
-                                    <p:cond delay="0"/>
-                                  </p:stCondLst>
-                                  <p:childTnLst>
-                                    <p:set>
-                                      <p:cBhvr>
-                                        <p:cTn id="26" dur="1" fill="hold">
-                                          <p:stCondLst>
-                                            <p:cond delay="0"/>
-                                          </p:stCondLst>
-                                        </p:cTn>
-                                        <p:tgtEl>
-                                          <p:spTgt spid="8"/>
-                                        </p:tgtEl>
-                                        <p:attrNameLst>
-                                          <p:attrName>style.visibility</p:attrName>
-                                        </p:attrNameLst>
-                                      </p:cBhvr>
-                                      <p:to>
-                                        <p:strVal val="hidden"/>
-                                      </p:to>
-                                    </p:set>
-                                  </p:childTnLst>
-                                </p:cTn>
-                              </p:par>
-                              <p:par>
-                                <p:cTn id="27" presetID="1" presetClass="exit" presetSubtype="0" fill="hold" nodeType="withEffect">
-                                  <p:stCondLst>
-                                    <p:cond delay="0"/>
-                                  </p:stCondLst>
-                                  <p:childTnLst>
-                                    <p:set>
-                                      <p:cBhvr>
-                                        <p:cTn id="28" dur="1" fill="hold">
-                                          <p:stCondLst>
-                                            <p:cond delay="0"/>
-                                          </p:stCondLst>
-                                        </p:cTn>
-                                        <p:tgtEl>
-                                          <p:spTgt spid="7"/>
-                                        </p:tgtEl>
-                                        <p:attrNameLst>
-                                          <p:attrName>style.visibility</p:attrName>
-                                        </p:attrNameLst>
-                                      </p:cBhvr>
-                                      <p:to>
-                                        <p:strVal val="hidden"/>
-                                      </p:to>
-                                    </p:set>
-                                  </p:childTnLst>
-                                </p:cTn>
-                              </p:par>
-                              <p:par>
-                                <p:cTn id="29" presetID="1" presetClass="entr" presetSubtype="0" fill="hold" nodeType="withEffect">
-                                  <p:stCondLst>
-                                    <p:cond delay="0"/>
-                                  </p:stCondLst>
-                                  <p:childTnLst>
-                                    <p:set>
-                                      <p:cBhvr>
-                                        <p:cTn id="30" dur="1" fill="hold">
                                           <p:stCondLst>
                                             <p:cond delay="0"/>
                                           </p:stCondLst>
@@ -8495,7 +7715,7 @@
 </p:sld>
 </file>
 
-<file path=ppt/slides/slide18.xml><?xml version="1.0" encoding="utf-8"?>
+<file path=ppt/slides/slide17.xml><?xml version="1.0" encoding="utf-8"?>
 <p:sld xmlns:a="http://schemas.openxmlformats.org/drawingml/2006/main" xmlns:r="http://schemas.openxmlformats.org/officeDocument/2006/relationships" xmlns:p="http://schemas.openxmlformats.org/presentationml/2006/main">
   <p:cSld>
     <p:spTree>
@@ -8593,7 +7813,7 @@
           <a:p>
             <a:fld id="{D1892F8F-5571-E246-B053-E27A62D47BEF}" type="slidenum">
               <a:rPr lang="en-GB" smtClean="0"/>
-              <a:t>18</a:t>
+              <a:t>17</a:t>
             </a:fld>
             <a:endParaRPr lang="en-GB"/>
           </a:p>
@@ -8706,13 +7926,15 @@
             </a:pPr>
             <a:r>
               <a:rPr lang="en-GB" dirty="0"/>
-              <a:t>2. Quick recap of last weeks   	</a:t>
-            </a:r>
-            <a:r>
-              <a:rPr lang="en-GB" dirty="0" err="1"/>
-              <a:t>datastructures</a:t>
-            </a:r>
-            <a:endParaRPr lang="en-GB" dirty="0"/>
+              <a:t>2. Algorithms</a:t>
+            </a:r>
+          </a:p>
+          <a:p>
+            <a:pPr lvl="1"/>
+            <a:r>
+              <a:rPr lang="en-GB" dirty="0"/>
+              <a:t>Random, Greedy and more</a:t>
+            </a:r>
           </a:p>
           <a:p>
             <a:pPr marL="0" indent="0">
@@ -8720,14 +7942,7 @@
             </a:pPr>
             <a:r>
               <a:rPr lang="en-GB" dirty="0"/>
-              <a:t>3. Algorithms</a:t>
-            </a:r>
-          </a:p>
-          <a:p>
-            <a:pPr lvl="1"/>
-            <a:r>
-              <a:rPr lang="en-GB" dirty="0"/>
-              <a:t>Random, Greedy and more</a:t>
+              <a:t>3. Results and Conclusions </a:t>
             </a:r>
           </a:p>
           <a:p>
@@ -8736,16 +7951,7 @@
             </a:pPr>
             <a:r>
               <a:rPr lang="en-GB" dirty="0"/>
-              <a:t>4. Results and Conclusion </a:t>
-            </a:r>
-          </a:p>
-          <a:p>
-            <a:pPr marL="0" indent="0">
-              <a:buNone/>
-            </a:pPr>
-            <a:r>
-              <a:rPr lang="en-GB" dirty="0"/>
-              <a:t>5. Q&amp;A and discussion</a:t>
+              <a:t>4. Q&amp;A</a:t>
             </a:r>
           </a:p>
         </p:txBody>

--- a/Documentation/PPP, Week 2, Meeting 1.pptx
+++ b/Documentation/PPP, Week 2, Meeting 1.pptx
@@ -864,7 +864,7 @@
           <a:p>
             <a:fld id="{14FA74A2-3722-1A41-8512-46265943785A}" type="datetime1">
               <a:rPr lang="nl-NL" smtClean="0"/>
-              <a:t>21-1-2020</a:t>
+              <a:t>21-01-2020</a:t>
             </a:fld>
             <a:endParaRPr lang="en-GB"/>
           </a:p>
@@ -1034,7 +1034,7 @@
           <a:p>
             <a:fld id="{F95A9C9F-8C45-7343-9CDB-F9A485B697FF}" type="datetime1">
               <a:rPr lang="nl-NL" smtClean="0"/>
-              <a:t>21-1-2020</a:t>
+              <a:t>21-01-2020</a:t>
             </a:fld>
             <a:endParaRPr lang="en-GB"/>
           </a:p>
@@ -1214,7 +1214,7 @@
           <a:p>
             <a:fld id="{F023C2D3-547E-4849-B250-ECC27C4ADAB2}" type="datetime1">
               <a:rPr lang="nl-NL" smtClean="0"/>
-              <a:t>21-1-2020</a:t>
+              <a:t>21-01-2020</a:t>
             </a:fld>
             <a:endParaRPr lang="en-GB"/>
           </a:p>
@@ -1384,7 +1384,7 @@
           <a:p>
             <a:fld id="{7ED8645F-302A-FC4F-B65E-BE44BD7D0BFE}" type="datetime1">
               <a:rPr lang="nl-NL" smtClean="0"/>
-              <a:t>21-1-2020</a:t>
+              <a:t>21-01-2020</a:t>
             </a:fld>
             <a:endParaRPr lang="en-GB"/>
           </a:p>
@@ -1630,7 +1630,7 @@
           <a:p>
             <a:fld id="{3F37FD0C-92E3-6147-B017-5A3F3FC940DB}" type="datetime1">
               <a:rPr lang="nl-NL" smtClean="0"/>
-              <a:t>21-1-2020</a:t>
+              <a:t>21-01-2020</a:t>
             </a:fld>
             <a:endParaRPr lang="en-GB"/>
           </a:p>
@@ -1862,7 +1862,7 @@
           <a:p>
             <a:fld id="{12999FB7-638F-064F-9F1B-5A2B67E58CFF}" type="datetime1">
               <a:rPr lang="nl-NL" smtClean="0"/>
-              <a:t>21-1-2020</a:t>
+              <a:t>21-01-2020</a:t>
             </a:fld>
             <a:endParaRPr lang="en-GB"/>
           </a:p>
@@ -2229,7 +2229,7 @@
           <a:p>
             <a:fld id="{A1CFFDEF-85F2-E847-8D85-682A9D98BAB3}" type="datetime1">
               <a:rPr lang="nl-NL" smtClean="0"/>
-              <a:t>21-1-2020</a:t>
+              <a:t>21-01-2020</a:t>
             </a:fld>
             <a:endParaRPr lang="en-GB"/>
           </a:p>
@@ -2347,7 +2347,7 @@
           <a:p>
             <a:fld id="{028B6388-FB3E-614B-A3B7-D097F68BF908}" type="datetime1">
               <a:rPr lang="nl-NL" smtClean="0"/>
-              <a:t>21-1-2020</a:t>
+              <a:t>21-01-2020</a:t>
             </a:fld>
             <a:endParaRPr lang="en-GB"/>
           </a:p>
@@ -2442,7 +2442,7 @@
           <a:p>
             <a:fld id="{139C7612-8A5C-2E4F-AB2E-9CC1B411E701}" type="datetime1">
               <a:rPr lang="nl-NL" smtClean="0"/>
-              <a:t>21-1-2020</a:t>
+              <a:t>21-01-2020</a:t>
             </a:fld>
             <a:endParaRPr lang="en-GB"/>
           </a:p>
@@ -2719,7 +2719,7 @@
           <a:p>
             <a:fld id="{C00946DD-15F0-6346-9ACF-7E04BBC1DA84}" type="datetime1">
               <a:rPr lang="nl-NL" smtClean="0"/>
-              <a:t>21-1-2020</a:t>
+              <a:t>21-01-2020</a:t>
             </a:fld>
             <a:endParaRPr lang="en-GB"/>
           </a:p>
@@ -2976,7 +2976,7 @@
           <a:p>
             <a:fld id="{3D169EF2-A6C6-B04D-A2C4-C446C863F365}" type="datetime1">
               <a:rPr lang="nl-NL" smtClean="0"/>
-              <a:t>21-1-2020</a:t>
+              <a:t>21-01-2020</a:t>
             </a:fld>
             <a:endParaRPr lang="en-GB"/>
           </a:p>
@@ -3189,7 +3189,7 @@
           <a:p>
             <a:fld id="{9C1111A9-A1AF-C34E-B614-37051BC839D5}" type="datetime1">
               <a:rPr lang="nl-NL" smtClean="0"/>
-              <a:t>21-1-2020</a:t>
+              <a:t>21-01-2020</a:t>
             </a:fld>
             <a:endParaRPr lang="en-GB"/>
           </a:p>
@@ -3773,7 +3773,7 @@
           <a:p>
             <a:r>
               <a:rPr lang="en-GB" dirty="0"/>
-              <a:t>Extended Heuristic Algorithm</a:t>
+              <a:t>2. Extended Heuristic Algorithm</a:t>
             </a:r>
           </a:p>
         </p:txBody>
@@ -4051,7 +4051,7 @@
           <a:p>
             <a:r>
               <a:rPr lang="en-GB" dirty="0"/>
-              <a:t>Breadth-first: Beam Search</a:t>
+              <a:t>2. Breadth-first: Beam Search</a:t>
             </a:r>
           </a:p>
         </p:txBody>
@@ -4235,7 +4235,7 @@
           <a:p>
             <a:r>
               <a:rPr lang="en-GB" dirty="0"/>
-              <a:t>Hill Climber (Pull moves)</a:t>
+              <a:t>2. Hill Climber (Pull moves)</a:t>
             </a:r>
           </a:p>
         </p:txBody>
@@ -4491,6 +4491,10 @@
           <a:bodyPr/>
           <a:lstStyle/>
           <a:p>
+            <a:r>
+              <a:rPr lang="nl-NL" dirty="0"/>
+              <a:t>3. </a:t>
+            </a:r>
             <a:r>
               <a:rPr lang="nl-NL" dirty="0" err="1"/>
               <a:t>Results</a:t>
@@ -5006,11 +5010,20 @@
             <p:ph type="title"/>
           </p:nvPr>
         </p:nvSpPr>
-        <p:spPr/>
+        <p:spPr>
+          <a:xfrm>
+            <a:off x="838200" y="365125"/>
+            <a:ext cx="10925432" cy="1325563"/>
+          </a:xfrm>
+        </p:spPr>
         <p:txBody>
           <a:bodyPr/>
           <a:lstStyle/>
           <a:p>
+            <a:r>
+              <a:rPr lang="nl-NL" dirty="0"/>
+              <a:t>3. </a:t>
+            </a:r>
             <a:r>
               <a:rPr lang="nl-NL" dirty="0" err="1"/>
               <a:t>Results</a:t>
@@ -5793,6 +5806,10 @@
           <a:lstStyle/>
           <a:p>
             <a:r>
+              <a:rPr lang="nl-NL" dirty="0"/>
+              <a:t>3. </a:t>
+            </a:r>
+            <a:r>
               <a:rPr lang="nl-NL" dirty="0" err="1"/>
               <a:t>Results</a:t>
             </a:r>
@@ -6348,6 +6365,10 @@
           <a:bodyPr/>
           <a:lstStyle/>
           <a:p>
+            <a:r>
+              <a:rPr lang="nl-NL" dirty="0"/>
+              <a:t>4. </a:t>
+            </a:r>
             <a:r>
               <a:rPr lang="nl-NL" dirty="0" err="1"/>
               <a:t>Conclusions</a:t>
@@ -7942,7 +7963,7 @@
             </a:pPr>
             <a:r>
               <a:rPr lang="en-GB" dirty="0"/>
-              <a:t>3. Results and Conclusions </a:t>
+              <a:t>3. Results</a:t>
             </a:r>
           </a:p>
           <a:p>
@@ -7951,7 +7972,16 @@
             </a:pPr>
             <a:r>
               <a:rPr lang="en-GB" dirty="0"/>
-              <a:t>4. Q&amp;A</a:t>
+              <a:t>4. Conclusions </a:t>
+            </a:r>
+          </a:p>
+          <a:p>
+            <a:pPr marL="0" indent="0">
+              <a:buNone/>
+            </a:pPr>
+            <a:r>
+              <a:rPr lang="en-GB" dirty="0"/>
+              <a:t>5. Q&amp;A</a:t>
             </a:r>
           </a:p>
         </p:txBody>
@@ -8147,6 +8177,54 @@
           </a:p>
         </p:txBody>
       </p:sp>
+      <p:pic>
+        <p:nvPicPr>
+          <p:cNvPr id="1028" name="Picture 4" descr="Afbeeldingsresultaat voor protein schematic">
+            <a:hlinkClick r:id="rId2"/>
+            <a:extLst>
+              <a:ext uri="{FF2B5EF4-FFF2-40B4-BE49-F238E27FC236}">
+                <a16:creationId xmlns:a16="http://schemas.microsoft.com/office/drawing/2014/main" id="{851AF02B-F794-C947-A174-D2EFDE4568B9}"/>
+              </a:ext>
+            </a:extLst>
+          </p:cNvPr>
+          <p:cNvPicPr>
+            <a:picLocks noChangeAspect="1" noChangeArrowheads="1"/>
+          </p:cNvPicPr>
+          <p:nvPr/>
+        </p:nvPicPr>
+        <p:blipFill>
+          <a:blip r:embed="rId3">
+            <a:extLst>
+              <a:ext uri="{28A0092B-C50C-407E-A947-70E740481C1C}">
+                <a14:useLocalDpi xmlns:a14="http://schemas.microsoft.com/office/drawing/2010/main" val="0"/>
+              </a:ext>
+            </a:extLst>
+          </a:blip>
+          <a:srcRect/>
+          <a:stretch>
+            <a:fillRect/>
+          </a:stretch>
+        </p:blipFill>
+        <p:spPr bwMode="auto">
+          <a:xfrm>
+            <a:off x="6955079" y="1728787"/>
+            <a:ext cx="4398721" cy="3903663"/>
+          </a:xfrm>
+          <a:prstGeom prst="rect">
+            <a:avLst/>
+          </a:prstGeom>
+          <a:noFill/>
+          <a:extLst>
+            <a:ext uri="{909E8E84-426E-40DD-AFC4-6F175D3DCCD1}">
+              <a14:hiddenFill xmlns:a14="http://schemas.microsoft.com/office/drawing/2010/main">
+                <a:solidFill>
+                  <a:srgbClr val="FFFFFF"/>
+                </a:solidFill>
+              </a14:hiddenFill>
+            </a:ext>
+          </a:extLst>
+        </p:spPr>
+      </p:pic>
     </p:spTree>
     <p:extLst>
       <p:ext uri="{BB962C8B-B14F-4D97-AF65-F5344CB8AC3E}">
@@ -8224,13 +8302,20 @@
         <p:spPr/>
         <p:txBody>
           <a:bodyPr>
-            <a:normAutofit/>
+            <a:normAutofit lnSpcReduction="10000"/>
           </a:bodyPr>
           <a:lstStyle/>
           <a:p>
             <a:r>
               <a:rPr lang="en-GB" dirty="0"/>
-              <a:t>Place amino-acids on a 2D-grid.</a:t>
+              <a:t>Place amino-acids on a 2-D/</a:t>
+            </a:r>
+            <a:br>
+              <a:rPr lang="en-GB" dirty="0"/>
+            </a:br>
+            <a:r>
+              <a:rPr lang="en-GB" dirty="0"/>
+              <a:t>3-D grid.</a:t>
             </a:r>
           </a:p>
           <a:p>
@@ -8296,7 +8381,7 @@
         </p:blipFill>
         <p:spPr>
           <a:xfrm>
-            <a:off x="6096000" y="2015398"/>
+            <a:off x="6172202" y="1825625"/>
             <a:ext cx="5181600" cy="2827204"/>
           </a:xfrm>
         </p:spPr>
@@ -8383,7 +8468,7 @@
           <a:p>
             <a:r>
               <a:rPr lang="en-GB" dirty="0"/>
-              <a:t>1. Case exploration</a:t>
+              <a:t> 1. Case exploration and State Space</a:t>
             </a:r>
           </a:p>
         </p:txBody>
@@ -8501,7 +8586,7 @@
           <a:p>
             <a:r>
               <a:rPr lang="en-GB" dirty="0"/>
-              <a:t>State Space (2D)</a:t>
+              <a:t>State Space of </a:t>
             </a:r>
           </a:p>
           <a:p>
@@ -8512,11 +8597,11 @@
             </a:r>
             <a:r>
               <a:rPr lang="en-GB" sz="3200" baseline="30000" dirty="0"/>
-              <a:t>n</a:t>
-            </a:r>
-            <a:r>
-              <a:rPr lang="en-GB" dirty="0"/>
-              <a:t>?</a:t>
+              <a:t>n </a:t>
+            </a:r>
+            <a:r>
+              <a:rPr lang="en-GB" dirty="0"/>
+              <a:t>for 2d?</a:t>
             </a:r>
           </a:p>
           <a:p>
@@ -8562,6 +8647,23 @@
               <a:rPr lang="en-GB" baseline="30000" dirty="0"/>
               <a:t>n-2</a:t>
             </a:r>
+          </a:p>
+          <a:p>
+            <a:pPr lvl="1"/>
+            <a:r>
+              <a:rPr lang="en-GB" dirty="0"/>
+              <a:t>For 3D: &lt; 5</a:t>
+            </a:r>
+            <a:r>
+              <a:rPr lang="en-GB" baseline="30000" dirty="0"/>
+              <a:t>n-2</a:t>
+            </a:r>
+          </a:p>
+          <a:p>
+            <a:pPr marL="457200" lvl="1" indent="0">
+              <a:buNone/>
+            </a:pPr>
+            <a:endParaRPr lang="en-GB" dirty="0"/>
           </a:p>
           <a:p>
             <a:pPr marL="457200" lvl="1" indent="0">
@@ -8661,7 +8763,7 @@
           <a:p>
             <a:r>
               <a:rPr lang="en-GB" dirty="0"/>
-              <a:t>3. Algorithms</a:t>
+              <a:t>2. Algorithms</a:t>
             </a:r>
           </a:p>
         </p:txBody>
@@ -8854,7 +8956,7 @@
           <a:p>
             <a:r>
               <a:rPr lang="en-GB" dirty="0"/>
-              <a:t>Self avoiding random walk</a:t>
+              <a:t>2. Self avoiding random walk</a:t>
             </a:r>
           </a:p>
         </p:txBody>
@@ -9097,7 +9199,7 @@
           <a:p>
             <a:r>
               <a:rPr lang="en-GB" dirty="0"/>
-              <a:t>Self avoiding random walk (with a twist)</a:t>
+              <a:t>2. Self avoiding random walk (with a twist)</a:t>
             </a:r>
           </a:p>
         </p:txBody>
@@ -9354,7 +9456,7 @@
           <a:p>
             <a:r>
               <a:rPr lang="en-GB" dirty="0"/>
-              <a:t>Greedy</a:t>
+              <a:t>2. Greedy</a:t>
             </a:r>
           </a:p>
         </p:txBody>
